--- a/Document/Source/보스 콘텐츠 시스템 UI.pptx
+++ b/Document/Source/보스 콘텐츠 시스템 UI.pptx
@@ -16,6 +16,8 @@
     <p:sldId id="266" r:id="rId10"/>
     <p:sldId id="264" r:id="rId11"/>
     <p:sldId id="265" r:id="rId12"/>
+    <p:sldId id="267" r:id="rId13"/>
+    <p:sldId id="268" r:id="rId14"/>
   </p:sldIdLst>
   <p:sldSz cx="12192000" cy="6858000"/>
   <p:notesSz cx="6858000" cy="9144000"/>
@@ -269,7 +271,7 @@
           <a:p>
             <a:fld id="{E7667923-C677-4680-B76B-6B19B2E0B717}" type="datetimeFigureOut">
               <a:rPr lang="ko-KR" altLang="en-US" smtClean="0"/>
-              <a:t>2022-10-22</a:t>
+              <a:t>2022-10-23</a:t>
             </a:fld>
             <a:endParaRPr lang="ko-KR" altLang="en-US"/>
           </a:p>
@@ -467,7 +469,7 @@
           <a:p>
             <a:fld id="{E7667923-C677-4680-B76B-6B19B2E0B717}" type="datetimeFigureOut">
               <a:rPr lang="ko-KR" altLang="en-US" smtClean="0"/>
-              <a:t>2022-10-22</a:t>
+              <a:t>2022-10-23</a:t>
             </a:fld>
             <a:endParaRPr lang="ko-KR" altLang="en-US"/>
           </a:p>
@@ -675,7 +677,7 @@
           <a:p>
             <a:fld id="{E7667923-C677-4680-B76B-6B19B2E0B717}" type="datetimeFigureOut">
               <a:rPr lang="ko-KR" altLang="en-US" smtClean="0"/>
-              <a:t>2022-10-22</a:t>
+              <a:t>2022-10-23</a:t>
             </a:fld>
             <a:endParaRPr lang="ko-KR" altLang="en-US"/>
           </a:p>
@@ -873,7 +875,7 @@
           <a:p>
             <a:fld id="{E7667923-C677-4680-B76B-6B19B2E0B717}" type="datetimeFigureOut">
               <a:rPr lang="ko-KR" altLang="en-US" smtClean="0"/>
-              <a:t>2022-10-22</a:t>
+              <a:t>2022-10-23</a:t>
             </a:fld>
             <a:endParaRPr lang="ko-KR" altLang="en-US"/>
           </a:p>
@@ -1148,7 +1150,7 @@
           <a:p>
             <a:fld id="{E7667923-C677-4680-B76B-6B19B2E0B717}" type="datetimeFigureOut">
               <a:rPr lang="ko-KR" altLang="en-US" smtClean="0"/>
-              <a:t>2022-10-22</a:t>
+              <a:t>2022-10-23</a:t>
             </a:fld>
             <a:endParaRPr lang="ko-KR" altLang="en-US"/>
           </a:p>
@@ -1413,7 +1415,7 @@
           <a:p>
             <a:fld id="{E7667923-C677-4680-B76B-6B19B2E0B717}" type="datetimeFigureOut">
               <a:rPr lang="ko-KR" altLang="en-US" smtClean="0"/>
-              <a:t>2022-10-22</a:t>
+              <a:t>2022-10-23</a:t>
             </a:fld>
             <a:endParaRPr lang="ko-KR" altLang="en-US"/>
           </a:p>
@@ -1825,7 +1827,7 @@
           <a:p>
             <a:fld id="{E7667923-C677-4680-B76B-6B19B2E0B717}" type="datetimeFigureOut">
               <a:rPr lang="ko-KR" altLang="en-US" smtClean="0"/>
-              <a:t>2022-10-22</a:t>
+              <a:t>2022-10-23</a:t>
             </a:fld>
             <a:endParaRPr lang="ko-KR" altLang="en-US"/>
           </a:p>
@@ -1966,7 +1968,7 @@
           <a:p>
             <a:fld id="{E7667923-C677-4680-B76B-6B19B2E0B717}" type="datetimeFigureOut">
               <a:rPr lang="ko-KR" altLang="en-US" smtClean="0"/>
-              <a:t>2022-10-22</a:t>
+              <a:t>2022-10-23</a:t>
             </a:fld>
             <a:endParaRPr lang="ko-KR" altLang="en-US"/>
           </a:p>
@@ -2079,7 +2081,7 @@
           <a:p>
             <a:fld id="{E7667923-C677-4680-B76B-6B19B2E0B717}" type="datetimeFigureOut">
               <a:rPr lang="ko-KR" altLang="en-US" smtClean="0"/>
-              <a:t>2022-10-22</a:t>
+              <a:t>2022-10-23</a:t>
             </a:fld>
             <a:endParaRPr lang="ko-KR" altLang="en-US"/>
           </a:p>
@@ -2390,7 +2392,7 @@
           <a:p>
             <a:fld id="{E7667923-C677-4680-B76B-6B19B2E0B717}" type="datetimeFigureOut">
               <a:rPr lang="ko-KR" altLang="en-US" smtClean="0"/>
-              <a:t>2022-10-22</a:t>
+              <a:t>2022-10-23</a:t>
             </a:fld>
             <a:endParaRPr lang="ko-KR" altLang="en-US"/>
           </a:p>
@@ -2678,7 +2680,7 @@
           <a:p>
             <a:fld id="{E7667923-C677-4680-B76B-6B19B2E0B717}" type="datetimeFigureOut">
               <a:rPr lang="ko-KR" altLang="en-US" smtClean="0"/>
-              <a:t>2022-10-22</a:t>
+              <a:t>2022-10-23</a:t>
             </a:fld>
             <a:endParaRPr lang="ko-KR" altLang="en-US"/>
           </a:p>
@@ -2919,7 +2921,7 @@
           <a:p>
             <a:fld id="{E7667923-C677-4680-B76B-6B19B2E0B717}" type="datetimeFigureOut">
               <a:rPr lang="ko-KR" altLang="en-US" smtClean="0"/>
-              <a:t>2022-10-22</a:t>
+              <a:t>2022-10-23</a:t>
             </a:fld>
             <a:endParaRPr lang="ko-KR" altLang="en-US"/>
           </a:p>
@@ -3416,12 +3418,83 @@
           <a:chExt cx="0" cy="0"/>
         </a:xfrm>
       </p:grpSpPr>
+      <p:sp>
+        <p:nvSpPr>
+          <p:cNvPr id="68" name="TextBox 67">
+            <a:extLst>
+              <a:ext uri="{FF2B5EF4-FFF2-40B4-BE49-F238E27FC236}">
+                <a16:creationId xmlns:a16="http://schemas.microsoft.com/office/drawing/2014/main" id="{E5EE64C5-851A-1B6B-40D2-B944E2EA1647}"/>
+              </a:ext>
+            </a:extLst>
+          </p:cNvPr>
+          <p:cNvSpPr txBox="1"/>
+          <p:nvPr/>
+        </p:nvSpPr>
+        <p:spPr>
+          <a:xfrm>
+            <a:off x="95507" y="45480"/>
+            <a:ext cx="2108269" cy="276999"/>
+          </a:xfrm>
+          <a:prstGeom prst="rect">
+            <a:avLst/>
+          </a:prstGeom>
+          <a:noFill/>
+        </p:spPr>
+        <p:txBody>
+          <a:bodyPr wrap="none" rtlCol="0">
+            <a:spAutoFit/>
+          </a:bodyPr>
+          <a:lstStyle/>
+          <a:p>
+            <a:r>
+              <a:rPr lang="ko-KR" altLang="en-US" sz="1200" dirty="0">
+                <a:latin typeface="Microsoft GothicNeo Light" panose="020B0300000101010101" pitchFamily="50" charset="-127"/>
+                <a:ea typeface="Microsoft GothicNeo Light" panose="020B0300000101010101" pitchFamily="50" charset="-127"/>
+                <a:cs typeface="Microsoft GothicNeo Light" panose="020B0300000101010101" pitchFamily="50" charset="-127"/>
+              </a:rPr>
+              <a:t>보스 몬스터 </a:t>
+            </a:r>
+            <a:r>
+              <a:rPr lang="ko-KR" altLang="en-US" sz="1200" dirty="0" err="1">
+                <a:latin typeface="Microsoft GothicNeo Light" panose="020B0300000101010101" pitchFamily="50" charset="-127"/>
+                <a:ea typeface="Microsoft GothicNeo Light" panose="020B0300000101010101" pitchFamily="50" charset="-127"/>
+                <a:cs typeface="Microsoft GothicNeo Light" panose="020B0300000101010101" pitchFamily="50" charset="-127"/>
+              </a:rPr>
+              <a:t>전멸기</a:t>
+            </a:r>
+            <a:r>
+              <a:rPr lang="ko-KR" altLang="en-US" sz="1200" dirty="0">
+                <a:latin typeface="Microsoft GothicNeo Light" panose="020B0300000101010101" pitchFamily="50" charset="-127"/>
+                <a:ea typeface="Microsoft GothicNeo Light" panose="020B0300000101010101" pitchFamily="50" charset="-127"/>
+                <a:cs typeface="Microsoft GothicNeo Light" panose="020B0300000101010101" pitchFamily="50" charset="-127"/>
+              </a:rPr>
+              <a:t> </a:t>
+            </a:r>
+            <a:r>
+              <a:rPr lang="en-US" altLang="ko-KR" sz="1200" dirty="0">
+                <a:latin typeface="Microsoft GothicNeo Light" panose="020B0300000101010101" pitchFamily="50" charset="-127"/>
+                <a:ea typeface="Microsoft GothicNeo Light" panose="020B0300000101010101" pitchFamily="50" charset="-127"/>
+                <a:cs typeface="Microsoft GothicNeo Light" panose="020B0300000101010101" pitchFamily="50" charset="-127"/>
+              </a:rPr>
+              <a:t>1</a:t>
+            </a:r>
+            <a:r>
+              <a:rPr lang="ko-KR" altLang="en-US" sz="1200" dirty="0">
+                <a:latin typeface="Microsoft GothicNeo Light" panose="020B0300000101010101" pitchFamily="50" charset="-127"/>
+                <a:ea typeface="Microsoft GothicNeo Light" panose="020B0300000101010101" pitchFamily="50" charset="-127"/>
+                <a:cs typeface="Microsoft GothicNeo Light" panose="020B0300000101010101" pitchFamily="50" charset="-127"/>
+              </a:rPr>
+              <a:t>차 플로우</a:t>
+            </a:r>
+          </a:p>
+        </p:txBody>
+      </p:sp>
       <p:grpSp>
         <p:nvGrpSpPr>
-          <p:cNvPr id="67" name="그룹 66">
-            <a:extLst>
-              <a:ext uri="{FF2B5EF4-FFF2-40B4-BE49-F238E27FC236}">
-                <a16:creationId xmlns:a16="http://schemas.microsoft.com/office/drawing/2014/main" id="{C9CDF406-5FC9-363E-36B8-5793ED5A0B05}"/>
+          <p:cNvPr id="40" name="그룹 39">
+            <a:extLst>
+              <a:ext uri="{FF2B5EF4-FFF2-40B4-BE49-F238E27FC236}">
+                <a16:creationId xmlns:a16="http://schemas.microsoft.com/office/drawing/2014/main" id="{E5F2E2F1-D821-0F42-A8AD-FA2BABF45C4B}"/>
               </a:ext>
             </a:extLst>
           </p:cNvPr>
@@ -3430,10 +3503,10 @@
         </p:nvGrpSpPr>
         <p:grpSpPr>
           <a:xfrm>
-            <a:off x="1038675" y="853962"/>
-            <a:ext cx="7511898" cy="5331836"/>
-            <a:chOff x="315863" y="871379"/>
-            <a:chExt cx="7511898" cy="5331836"/>
+            <a:off x="1038675" y="622385"/>
+            <a:ext cx="7511898" cy="6153281"/>
+            <a:chOff x="1038675" y="622385"/>
+            <a:chExt cx="7511898" cy="6153281"/>
           </a:xfrm>
         </p:grpSpPr>
         <p:sp>
@@ -3450,7 +3523,7 @@
           </p:nvSpPr>
           <p:spPr>
             <a:xfrm>
-              <a:off x="877856" y="871379"/>
+              <a:off x="1600668" y="622385"/>
               <a:ext cx="1509960" cy="336884"/>
             </a:xfrm>
             <a:prstGeom prst="flowChartAlternateProcess">
@@ -3501,7 +3574,7 @@
           </p:nvSpPr>
           <p:spPr>
             <a:xfrm>
-              <a:off x="3802248" y="5866331"/>
+              <a:off x="4525060" y="6438782"/>
               <a:ext cx="1509960" cy="336884"/>
             </a:xfrm>
             <a:prstGeom prst="flowChartAlternateProcess">
@@ -3552,7 +3625,7 @@
           </p:nvSpPr>
           <p:spPr>
             <a:xfrm>
-              <a:off x="877856" y="1520168"/>
+              <a:off x="1600668" y="1271174"/>
               <a:ext cx="1509960" cy="336884"/>
             </a:xfrm>
             <a:prstGeom prst="flowChartAlternateProcess">
@@ -3667,7 +3740,7 @@
           </p:nvSpPr>
           <p:spPr>
             <a:xfrm>
-              <a:off x="877856" y="2168957"/>
+              <a:off x="1600668" y="1857994"/>
               <a:ext cx="1509960" cy="336884"/>
             </a:xfrm>
             <a:prstGeom prst="flowChartAlternateProcess">
@@ -3709,6 +3782,30 @@
                 </a:rPr>
                 <a:t> 오브젝트 생성</a:t>
               </a:r>
+              <a:endParaRPr lang="en-US" altLang="ko-KR" sz="1000" dirty="0">
+                <a:latin typeface="Microsoft GothicNeo Light" panose="020B0300000101010101" pitchFamily="50" charset="-127"/>
+                <a:ea typeface="Microsoft GothicNeo Light" panose="020B0300000101010101" pitchFamily="50" charset="-127"/>
+                <a:cs typeface="Microsoft GothicNeo Light" panose="020B0300000101010101" pitchFamily="50" charset="-127"/>
+              </a:endParaRPr>
+            </a:p>
+            <a:p>
+              <a:pPr algn="ctr"/>
+              <a:r>
+                <a:rPr lang="ko-KR" altLang="en-US" sz="1000" dirty="0" err="1">
+                  <a:latin typeface="Microsoft GothicNeo Light" panose="020B0300000101010101" pitchFamily="50" charset="-127"/>
+                  <a:ea typeface="Microsoft GothicNeo Light" panose="020B0300000101010101" pitchFamily="50" charset="-127"/>
+                  <a:cs typeface="Microsoft GothicNeo Light" panose="020B0300000101010101" pitchFamily="50" charset="-127"/>
+                </a:rPr>
+                <a:t>기믹</a:t>
+              </a:r>
+              <a:r>
+                <a:rPr lang="ko-KR" altLang="en-US" sz="1000" dirty="0">
+                  <a:latin typeface="Microsoft GothicNeo Light" panose="020B0300000101010101" pitchFamily="50" charset="-127"/>
+                  <a:ea typeface="Microsoft GothicNeo Light" panose="020B0300000101010101" pitchFamily="50" charset="-127"/>
+                  <a:cs typeface="Microsoft GothicNeo Light" panose="020B0300000101010101" pitchFamily="50" charset="-127"/>
+                </a:rPr>
+                <a:t> 타이머 초기화</a:t>
+              </a:r>
             </a:p>
           </p:txBody>
         </p:sp>
@@ -3726,7 +3823,7 @@
           </p:nvSpPr>
           <p:spPr>
             <a:xfrm>
-              <a:off x="3240255" y="2743200"/>
+              <a:off x="3963067" y="3315651"/>
               <a:ext cx="2633946" cy="685800"/>
             </a:xfrm>
             <a:prstGeom prst="flowChartDecision">
@@ -3822,7 +3919,7 @@
           </p:nvSpPr>
           <p:spPr>
             <a:xfrm>
-              <a:off x="3802248" y="3677470"/>
+              <a:off x="4525060" y="4249921"/>
               <a:ext cx="1509960" cy="336884"/>
             </a:xfrm>
             <a:prstGeom prst="flowChartAlternateProcess">
@@ -3878,7 +3975,7 @@
           </p:nvSpPr>
           <p:spPr>
             <a:xfrm>
-              <a:off x="3802248" y="4206015"/>
+              <a:off x="4525060" y="4778466"/>
               <a:ext cx="1509960" cy="336884"/>
             </a:xfrm>
             <a:prstGeom prst="flowChartAlternateProcess">
@@ -3950,7 +4047,7 @@
           </p:nvSpPr>
           <p:spPr>
             <a:xfrm>
-              <a:off x="3240255" y="4791369"/>
+              <a:off x="3963067" y="5363820"/>
               <a:ext cx="2633946" cy="685800"/>
             </a:xfrm>
             <a:prstGeom prst="flowChartDecision">
@@ -4038,7 +4135,7 @@
           </p:nvSpPr>
           <p:spPr>
             <a:xfrm>
-              <a:off x="315863" y="2743200"/>
+              <a:off x="1038675" y="3315651"/>
               <a:ext cx="2633946" cy="685800"/>
             </a:xfrm>
             <a:prstGeom prst="flowChartDecision">
@@ -4134,7 +4231,7 @@
           </p:nvSpPr>
           <p:spPr>
             <a:xfrm>
-              <a:off x="877856" y="3773615"/>
+              <a:off x="1600668" y="4346066"/>
               <a:ext cx="1509960" cy="336884"/>
             </a:xfrm>
             <a:prstGeom prst="flowChartAlternateProcess">
@@ -4190,7 +4287,7 @@
           </p:nvSpPr>
           <p:spPr>
             <a:xfrm>
-              <a:off x="6317801" y="4965827"/>
+              <a:off x="7040613" y="5538278"/>
               <a:ext cx="1509960" cy="336884"/>
             </a:xfrm>
             <a:prstGeom prst="flowChartAlternateProcess">
@@ -4266,8 +4363,8 @@
           </p:nvCxnSpPr>
           <p:spPr>
             <a:xfrm>
-              <a:off x="1632836" y="1857052"/>
-              <a:ext cx="0" cy="311905"/>
+              <a:off x="2355648" y="1608058"/>
+              <a:ext cx="0" cy="249936"/>
             </a:xfrm>
             <a:prstGeom prst="straightConnector1">
               <a:avLst/>
@@ -4303,14 +4400,14 @@
             <p:cNvCxnSpPr>
               <a:cxnSpLocks/>
               <a:stCxn id="6" idx="2"/>
-              <a:endCxn id="11" idx="0"/>
+              <a:endCxn id="5" idx="0"/>
             </p:cNvCxnSpPr>
             <p:nvPr/>
           </p:nvCxnSpPr>
           <p:spPr>
             <a:xfrm>
-              <a:off x="1632836" y="2505841"/>
-              <a:ext cx="0" cy="237359"/>
+              <a:off x="2355648" y="2194878"/>
+              <a:ext cx="0" cy="248471"/>
             </a:xfrm>
             <a:prstGeom prst="straightConnector1">
               <a:avLst/>
@@ -4346,18 +4443,18 @@
             <p:cNvCxnSpPr>
               <a:cxnSpLocks/>
               <a:stCxn id="12" idx="2"/>
-              <a:endCxn id="11" idx="1"/>
+              <a:endCxn id="5" idx="1"/>
             </p:cNvCxnSpPr>
             <p:nvPr/>
           </p:nvCxnSpPr>
           <p:spPr>
             <a:xfrm rot="5400000" flipH="1">
-              <a:off x="462150" y="2939814"/>
-              <a:ext cx="1024399" cy="1316973"/>
+              <a:off x="748811" y="3076114"/>
+              <a:ext cx="1896701" cy="1316973"/>
             </a:xfrm>
             <a:prstGeom prst="bentConnector4">
               <a:avLst>
-                <a:gd name="adj1" fmla="val -22316"/>
+                <a:gd name="adj1" fmla="val -12053"/>
                 <a:gd name="adj2" fmla="val 117358"/>
               </a:avLst>
             </a:prstGeom>
@@ -4394,7 +4491,7 @@
           </p:nvSpPr>
           <p:spPr>
             <a:xfrm>
-              <a:off x="1615665" y="3391989"/>
+              <a:off x="2338477" y="3964440"/>
               <a:ext cx="394660" cy="230832"/>
             </a:xfrm>
             <a:prstGeom prst="rect">
@@ -4438,7 +4535,7 @@
           </p:nvSpPr>
           <p:spPr>
             <a:xfrm>
-              <a:off x="2819947" y="2855268"/>
+              <a:off x="3542759" y="3427719"/>
               <a:ext cx="420308" cy="230832"/>
             </a:xfrm>
             <a:prstGeom prst="rect">
@@ -4486,7 +4583,7 @@
           </p:nvCxnSpPr>
           <p:spPr>
             <a:xfrm>
-              <a:off x="1632836" y="1208263"/>
+              <a:off x="2355648" y="959269"/>
               <a:ext cx="0" cy="311905"/>
             </a:xfrm>
             <a:prstGeom prst="straightConnector1">
@@ -4529,7 +4626,7 @@
           </p:nvCxnSpPr>
           <p:spPr>
             <a:xfrm>
-              <a:off x="2949809" y="3086100"/>
+              <a:off x="3672621" y="3658551"/>
               <a:ext cx="290446" cy="0"/>
             </a:xfrm>
             <a:prstGeom prst="straightConnector1">
@@ -4572,7 +4669,7 @@
           </p:nvCxnSpPr>
           <p:spPr>
             <a:xfrm>
-              <a:off x="4557228" y="3429000"/>
+              <a:off x="5280040" y="4001451"/>
               <a:ext cx="0" cy="248470"/>
             </a:xfrm>
             <a:prstGeom prst="straightConnector1">
@@ -4615,7 +4712,7 @@
           </p:nvCxnSpPr>
           <p:spPr>
             <a:xfrm>
-              <a:off x="4557228" y="4014354"/>
+              <a:off x="5280040" y="4586805"/>
               <a:ext cx="0" cy="191661"/>
             </a:xfrm>
             <a:prstGeom prst="straightConnector1">
@@ -4658,7 +4755,7 @@
           </p:nvCxnSpPr>
           <p:spPr>
             <a:xfrm>
-              <a:off x="4557228" y="4542899"/>
+              <a:off x="5280040" y="5115350"/>
               <a:ext cx="0" cy="248470"/>
             </a:xfrm>
             <a:prstGeom prst="straightConnector1">
@@ -4701,7 +4798,7 @@
           </p:nvCxnSpPr>
           <p:spPr>
             <a:xfrm>
-              <a:off x="1632836" y="3429000"/>
+              <a:off x="2355648" y="4001451"/>
               <a:ext cx="0" cy="344615"/>
             </a:xfrm>
             <a:prstGeom prst="straightConnector1">
@@ -4744,7 +4841,7 @@
           </p:nvCxnSpPr>
           <p:spPr>
             <a:xfrm>
-              <a:off x="4557228" y="5477169"/>
+              <a:off x="5280040" y="6049620"/>
               <a:ext cx="0" cy="389162"/>
             </a:xfrm>
             <a:prstGeom prst="straightConnector1">
@@ -4787,7 +4884,7 @@
           </p:nvCxnSpPr>
           <p:spPr>
             <a:xfrm rot="5400000">
-              <a:off x="5533195" y="4326745"/>
+              <a:off x="6256007" y="4899196"/>
               <a:ext cx="563620" cy="2515553"/>
             </a:xfrm>
             <a:prstGeom prst="bentConnector3">
@@ -4828,7 +4925,7 @@
           </p:nvSpPr>
           <p:spPr>
             <a:xfrm>
-              <a:off x="4552699" y="3439479"/>
+              <a:off x="5275511" y="4011930"/>
               <a:ext cx="394660" cy="230832"/>
             </a:xfrm>
             <a:prstGeom prst="rect">
@@ -4872,7 +4969,7 @@
           </p:nvSpPr>
           <p:spPr>
             <a:xfrm>
-              <a:off x="4581699" y="5379828"/>
+              <a:off x="5304511" y="5952279"/>
               <a:ext cx="394660" cy="230832"/>
             </a:xfrm>
             <a:prstGeom prst="rect">
@@ -4920,7 +5017,7 @@
           </p:nvCxnSpPr>
           <p:spPr>
             <a:xfrm>
-              <a:off x="5874201" y="3086100"/>
+              <a:off x="6597013" y="3658551"/>
               <a:ext cx="1198580" cy="1879727"/>
             </a:xfrm>
             <a:prstGeom prst="bentConnector2">
@@ -4959,7 +5056,7 @@
           </p:nvSpPr>
           <p:spPr>
             <a:xfrm>
-              <a:off x="5843029" y="2855268"/>
+              <a:off x="6565841" y="3427719"/>
               <a:ext cx="420308" cy="230832"/>
             </a:xfrm>
             <a:prstGeom prst="rect">
@@ -4989,78 +5086,269 @@
             </a:p>
           </p:txBody>
         </p:sp>
+        <p:sp>
+          <p:nvSpPr>
+            <p:cNvPr id="5" name="순서도: 판단 4">
+              <a:extLst>
+                <a:ext uri="{FF2B5EF4-FFF2-40B4-BE49-F238E27FC236}">
+                  <a16:creationId xmlns:a16="http://schemas.microsoft.com/office/drawing/2014/main" id="{9082DD8C-9A7B-023E-6883-9DF92302EA0C}"/>
+                </a:ext>
+              </a:extLst>
+            </p:cNvPr>
+            <p:cNvSpPr/>
+            <p:nvPr/>
+          </p:nvSpPr>
+          <p:spPr>
+            <a:xfrm>
+              <a:off x="1038675" y="2443349"/>
+              <a:ext cx="2633946" cy="685800"/>
+            </a:xfrm>
+            <a:prstGeom prst="flowChartDecision">
+              <a:avLst/>
+            </a:prstGeom>
+            <a:noFill/>
+            <a:ln w="9525" cap="flat" cmpd="sng" algn="ctr">
+              <a:solidFill>
+                <a:schemeClr val="dk1"/>
+              </a:solidFill>
+              <a:prstDash val="solid"/>
+              <a:round/>
+              <a:headEnd type="none" w="med" len="med"/>
+              <a:tailEnd type="none" w="med" len="med"/>
+            </a:ln>
+          </p:spPr>
+          <p:style>
+            <a:lnRef idx="0">
+              <a:scrgbClr r="0" g="0" b="0"/>
+            </a:lnRef>
+            <a:fillRef idx="0">
+              <a:scrgbClr r="0" g="0" b="0"/>
+            </a:fillRef>
+            <a:effectRef idx="0">
+              <a:scrgbClr r="0" g="0" b="0"/>
+            </a:effectRef>
+            <a:fontRef idx="minor">
+              <a:schemeClr val="dk1"/>
+            </a:fontRef>
+          </p:style>
+          <p:txBody>
+            <a:bodyPr rtlCol="0" anchor="ctr"/>
+            <a:lstStyle/>
+            <a:p>
+              <a:pPr algn="ctr"/>
+              <a:r>
+                <a:rPr lang="ko-KR" altLang="en-US" sz="1000" dirty="0" err="1">
+                  <a:latin typeface="Microsoft GothicNeo Light" panose="020B0300000101010101" pitchFamily="50" charset="-127"/>
+                  <a:ea typeface="Microsoft GothicNeo Light" panose="020B0300000101010101" pitchFamily="50" charset="-127"/>
+                  <a:cs typeface="Microsoft GothicNeo Light" panose="020B0300000101010101" pitchFamily="50" charset="-127"/>
+                </a:rPr>
+                <a:t>기믹타이머</a:t>
+              </a:r>
+              <a:endParaRPr lang="en-US" altLang="ko-KR" sz="1000" dirty="0">
+                <a:latin typeface="Microsoft GothicNeo Light" panose="020B0300000101010101" pitchFamily="50" charset="-127"/>
+                <a:ea typeface="Microsoft GothicNeo Light" panose="020B0300000101010101" pitchFamily="50" charset="-127"/>
+                <a:cs typeface="Microsoft GothicNeo Light" panose="020B0300000101010101" pitchFamily="50" charset="-127"/>
+              </a:endParaRPr>
+            </a:p>
+            <a:p>
+              <a:pPr algn="ctr"/>
+              <a:r>
+                <a:rPr lang="en-US" altLang="ko-KR" sz="1000" dirty="0">
+                  <a:latin typeface="Microsoft GothicNeo Light" panose="020B0300000101010101" pitchFamily="50" charset="-127"/>
+                  <a:ea typeface="Microsoft GothicNeo Light" panose="020B0300000101010101" pitchFamily="50" charset="-127"/>
+                  <a:cs typeface="Microsoft GothicNeo Light" panose="020B0300000101010101" pitchFamily="50" charset="-127"/>
+                </a:rPr>
+                <a:t>&lt;=</a:t>
+              </a:r>
+            </a:p>
+            <a:p>
+              <a:pPr algn="ctr"/>
+              <a:r>
+                <a:rPr lang="ko-KR" altLang="en-US" sz="1000" dirty="0">
+                  <a:latin typeface="Microsoft GothicNeo Light" panose="020B0300000101010101" pitchFamily="50" charset="-127"/>
+                  <a:ea typeface="Microsoft GothicNeo Light" panose="020B0300000101010101" pitchFamily="50" charset="-127"/>
+                  <a:cs typeface="Microsoft GothicNeo Light" panose="020B0300000101010101" pitchFamily="50" charset="-127"/>
+                </a:rPr>
+                <a:t>지정시간</a:t>
+              </a:r>
+            </a:p>
+          </p:txBody>
+        </p:sp>
+        <p:cxnSp>
+          <p:nvCxnSpPr>
+            <p:cNvPr id="28" name="직선 화살표 연결선 27">
+              <a:extLst>
+                <a:ext uri="{FF2B5EF4-FFF2-40B4-BE49-F238E27FC236}">
+                  <a16:creationId xmlns:a16="http://schemas.microsoft.com/office/drawing/2014/main" id="{2EA5E7D4-EB9D-EA92-77C1-A3C343074932}"/>
+                </a:ext>
+              </a:extLst>
+            </p:cNvPr>
+            <p:cNvCxnSpPr>
+              <a:cxnSpLocks/>
+              <a:stCxn id="5" idx="2"/>
+              <a:endCxn id="11" idx="0"/>
+            </p:cNvCxnSpPr>
+            <p:nvPr/>
+          </p:nvCxnSpPr>
+          <p:spPr>
+            <a:xfrm>
+              <a:off x="2355648" y="3129149"/>
+              <a:ext cx="0" cy="186502"/>
+            </a:xfrm>
+            <a:prstGeom prst="straightConnector1">
+              <a:avLst/>
+            </a:prstGeom>
+            <a:ln>
+              <a:tailEnd type="triangle"/>
+            </a:ln>
+          </p:spPr>
+          <p:style>
+            <a:lnRef idx="1">
+              <a:schemeClr val="dk1"/>
+            </a:lnRef>
+            <a:fillRef idx="0">
+              <a:schemeClr val="dk1"/>
+            </a:fillRef>
+            <a:effectRef idx="0">
+              <a:schemeClr val="dk1"/>
+            </a:effectRef>
+            <a:fontRef idx="minor">
+              <a:schemeClr val="tx1"/>
+            </a:fontRef>
+          </p:style>
+        </p:cxnSp>
+        <p:cxnSp>
+          <p:nvCxnSpPr>
+            <p:cNvPr id="32" name="연결선: 꺾임 31">
+              <a:extLst>
+                <a:ext uri="{FF2B5EF4-FFF2-40B4-BE49-F238E27FC236}">
+                  <a16:creationId xmlns:a16="http://schemas.microsoft.com/office/drawing/2014/main" id="{DC0CBE8C-478C-4386-E899-292A6A546812}"/>
+                </a:ext>
+              </a:extLst>
+            </p:cNvPr>
+            <p:cNvCxnSpPr>
+              <a:cxnSpLocks/>
+              <a:stCxn id="5" idx="3"/>
+              <a:endCxn id="15" idx="0"/>
+            </p:cNvCxnSpPr>
+            <p:nvPr/>
+          </p:nvCxnSpPr>
+          <p:spPr>
+            <a:xfrm>
+              <a:off x="3672621" y="2786249"/>
+              <a:ext cx="4122972" cy="2752029"/>
+            </a:xfrm>
+            <a:prstGeom prst="bentConnector2">
+              <a:avLst/>
+            </a:prstGeom>
+            <a:ln>
+              <a:tailEnd type="triangle"/>
+            </a:ln>
+          </p:spPr>
+          <p:style>
+            <a:lnRef idx="1">
+              <a:schemeClr val="dk1"/>
+            </a:lnRef>
+            <a:fillRef idx="0">
+              <a:schemeClr val="dk1"/>
+            </a:fillRef>
+            <a:effectRef idx="0">
+              <a:schemeClr val="dk1"/>
+            </a:effectRef>
+            <a:fontRef idx="minor">
+              <a:schemeClr val="tx1"/>
+            </a:fontRef>
+          </p:style>
+        </p:cxnSp>
+        <p:sp>
+          <p:nvSpPr>
+            <p:cNvPr id="37" name="TextBox 36">
+              <a:extLst>
+                <a:ext uri="{FF2B5EF4-FFF2-40B4-BE49-F238E27FC236}">
+                  <a16:creationId xmlns:a16="http://schemas.microsoft.com/office/drawing/2014/main" id="{D11C2CBA-0077-9ACA-FFE4-25D631454F89}"/>
+                </a:ext>
+              </a:extLst>
+            </p:cNvPr>
+            <p:cNvSpPr txBox="1"/>
+            <p:nvPr/>
+          </p:nvSpPr>
+          <p:spPr>
+            <a:xfrm>
+              <a:off x="3607690" y="2555416"/>
+              <a:ext cx="420308" cy="230832"/>
+            </a:xfrm>
+            <a:prstGeom prst="rect">
+              <a:avLst/>
+            </a:prstGeom>
+            <a:noFill/>
+          </p:spPr>
+          <p:txBody>
+            <a:bodyPr wrap="none" rtlCol="0">
+              <a:spAutoFit/>
+            </a:bodyPr>
+            <a:lstStyle/>
+            <a:p>
+              <a:r>
+                <a:rPr lang="en-US" altLang="ko-KR" sz="900" dirty="0">
+                  <a:latin typeface="Microsoft GothicNeo Light" panose="020B0300000101010101" pitchFamily="50" charset="-127"/>
+                  <a:ea typeface="Microsoft GothicNeo Light" panose="020B0300000101010101" pitchFamily="50" charset="-127"/>
+                  <a:cs typeface="Microsoft GothicNeo Light" panose="020B0300000101010101" pitchFamily="50" charset="-127"/>
+                </a:rPr>
+                <a:t>false</a:t>
+              </a:r>
+              <a:endParaRPr lang="ko-KR" altLang="en-US" sz="900" dirty="0">
+                <a:latin typeface="Microsoft GothicNeo Light" panose="020B0300000101010101" pitchFamily="50" charset="-127"/>
+                <a:ea typeface="Microsoft GothicNeo Light" panose="020B0300000101010101" pitchFamily="50" charset="-127"/>
+                <a:cs typeface="Microsoft GothicNeo Light" panose="020B0300000101010101" pitchFamily="50" charset="-127"/>
+              </a:endParaRPr>
+            </a:p>
+          </p:txBody>
+        </p:sp>
+        <p:sp>
+          <p:nvSpPr>
+            <p:cNvPr id="38" name="TextBox 37">
+              <a:extLst>
+                <a:ext uri="{FF2B5EF4-FFF2-40B4-BE49-F238E27FC236}">
+                  <a16:creationId xmlns:a16="http://schemas.microsoft.com/office/drawing/2014/main" id="{82294114-B4DC-A189-B8A7-1C6608B2C123}"/>
+                </a:ext>
+              </a:extLst>
+            </p:cNvPr>
+            <p:cNvSpPr txBox="1"/>
+            <p:nvPr/>
+          </p:nvSpPr>
+          <p:spPr>
+            <a:xfrm>
+              <a:off x="2392296" y="3106984"/>
+              <a:ext cx="394660" cy="230832"/>
+            </a:xfrm>
+            <a:prstGeom prst="rect">
+              <a:avLst/>
+            </a:prstGeom>
+            <a:noFill/>
+          </p:spPr>
+          <p:txBody>
+            <a:bodyPr wrap="none" rtlCol="0">
+              <a:spAutoFit/>
+            </a:bodyPr>
+            <a:lstStyle/>
+            <a:p>
+              <a:r>
+                <a:rPr lang="en-US" altLang="ko-KR" sz="900" dirty="0">
+                  <a:latin typeface="Microsoft GothicNeo Light" panose="020B0300000101010101" pitchFamily="50" charset="-127"/>
+                  <a:ea typeface="Microsoft GothicNeo Light" panose="020B0300000101010101" pitchFamily="50" charset="-127"/>
+                  <a:cs typeface="Microsoft GothicNeo Light" panose="020B0300000101010101" pitchFamily="50" charset="-127"/>
+                </a:rPr>
+                <a:t>true</a:t>
+              </a:r>
+              <a:endParaRPr lang="ko-KR" altLang="en-US" sz="900" dirty="0">
+                <a:latin typeface="Microsoft GothicNeo Light" panose="020B0300000101010101" pitchFamily="50" charset="-127"/>
+                <a:ea typeface="Microsoft GothicNeo Light" panose="020B0300000101010101" pitchFamily="50" charset="-127"/>
+                <a:cs typeface="Microsoft GothicNeo Light" panose="020B0300000101010101" pitchFamily="50" charset="-127"/>
+              </a:endParaRPr>
+            </a:p>
+          </p:txBody>
+        </p:sp>
       </p:grpSp>
-      <p:sp>
-        <p:nvSpPr>
-          <p:cNvPr id="68" name="TextBox 67">
-            <a:extLst>
-              <a:ext uri="{FF2B5EF4-FFF2-40B4-BE49-F238E27FC236}">
-                <a16:creationId xmlns:a16="http://schemas.microsoft.com/office/drawing/2014/main" id="{E5EE64C5-851A-1B6B-40D2-B944E2EA1647}"/>
-              </a:ext>
-            </a:extLst>
-          </p:cNvPr>
-          <p:cNvSpPr txBox="1"/>
-          <p:nvPr/>
-        </p:nvSpPr>
-        <p:spPr>
-          <a:xfrm>
-            <a:off x="104215" y="82334"/>
-            <a:ext cx="2108269" cy="276999"/>
-          </a:xfrm>
-          <a:prstGeom prst="rect">
-            <a:avLst/>
-          </a:prstGeom>
-          <a:noFill/>
-        </p:spPr>
-        <p:txBody>
-          <a:bodyPr wrap="none" rtlCol="0">
-            <a:spAutoFit/>
-          </a:bodyPr>
-          <a:lstStyle/>
-          <a:p>
-            <a:r>
-              <a:rPr lang="ko-KR" altLang="en-US" sz="1200" dirty="0">
-                <a:latin typeface="Microsoft GothicNeo Light" panose="020B0300000101010101" pitchFamily="50" charset="-127"/>
-                <a:ea typeface="Microsoft GothicNeo Light" panose="020B0300000101010101" pitchFamily="50" charset="-127"/>
-                <a:cs typeface="Microsoft GothicNeo Light" panose="020B0300000101010101" pitchFamily="50" charset="-127"/>
-              </a:rPr>
-              <a:t>보스 몬스터 </a:t>
-            </a:r>
-            <a:r>
-              <a:rPr lang="ko-KR" altLang="en-US" sz="1200" dirty="0" err="1">
-                <a:latin typeface="Microsoft GothicNeo Light" panose="020B0300000101010101" pitchFamily="50" charset="-127"/>
-                <a:ea typeface="Microsoft GothicNeo Light" panose="020B0300000101010101" pitchFamily="50" charset="-127"/>
-                <a:cs typeface="Microsoft GothicNeo Light" panose="020B0300000101010101" pitchFamily="50" charset="-127"/>
-              </a:rPr>
-              <a:t>전멸기</a:t>
-            </a:r>
-            <a:r>
-              <a:rPr lang="ko-KR" altLang="en-US" sz="1200" dirty="0">
-                <a:latin typeface="Microsoft GothicNeo Light" panose="020B0300000101010101" pitchFamily="50" charset="-127"/>
-                <a:ea typeface="Microsoft GothicNeo Light" panose="020B0300000101010101" pitchFamily="50" charset="-127"/>
-                <a:cs typeface="Microsoft GothicNeo Light" panose="020B0300000101010101" pitchFamily="50" charset="-127"/>
-              </a:rPr>
-              <a:t> </a:t>
-            </a:r>
-            <a:r>
-              <a:rPr lang="en-US" altLang="ko-KR" sz="1200" dirty="0">
-                <a:latin typeface="Microsoft GothicNeo Light" panose="020B0300000101010101" pitchFamily="50" charset="-127"/>
-                <a:ea typeface="Microsoft GothicNeo Light" panose="020B0300000101010101" pitchFamily="50" charset="-127"/>
-                <a:cs typeface="Microsoft GothicNeo Light" panose="020B0300000101010101" pitchFamily="50" charset="-127"/>
-              </a:rPr>
-              <a:t>1</a:t>
-            </a:r>
-            <a:r>
-              <a:rPr lang="ko-KR" altLang="en-US" sz="1200" dirty="0">
-                <a:latin typeface="Microsoft GothicNeo Light" panose="020B0300000101010101" pitchFamily="50" charset="-127"/>
-                <a:ea typeface="Microsoft GothicNeo Light" panose="020B0300000101010101" pitchFamily="50" charset="-127"/>
-                <a:cs typeface="Microsoft GothicNeo Light" panose="020B0300000101010101" pitchFamily="50" charset="-127"/>
-              </a:rPr>
-              <a:t>차 플로우</a:t>
-            </a:r>
-          </a:p>
-        </p:txBody>
-      </p:sp>
     </p:spTree>
     <p:extLst>
       <p:ext uri="{BB962C8B-B14F-4D97-AF65-F5344CB8AC3E}">
@@ -5093,645 +5381,6 @@
       </p:grpSpPr>
       <p:sp>
         <p:nvSpPr>
-          <p:cNvPr id="3" name="순서도: 대체 처리 2">
-            <a:extLst>
-              <a:ext uri="{FF2B5EF4-FFF2-40B4-BE49-F238E27FC236}">
-                <a16:creationId xmlns:a16="http://schemas.microsoft.com/office/drawing/2014/main" id="{06CC72AD-B36F-5856-8682-66202BFBCFF0}"/>
-              </a:ext>
-            </a:extLst>
-          </p:cNvPr>
-          <p:cNvSpPr/>
-          <p:nvPr/>
-        </p:nvSpPr>
-        <p:spPr>
-          <a:xfrm>
-            <a:off x="1600668" y="853962"/>
-            <a:ext cx="1509960" cy="336884"/>
-          </a:xfrm>
-          <a:prstGeom prst="flowChartAlternateProcess">
-            <a:avLst/>
-          </a:prstGeom>
-        </p:spPr>
-        <p:style>
-          <a:lnRef idx="2">
-            <a:schemeClr val="dk1"/>
-          </a:lnRef>
-          <a:fillRef idx="1">
-            <a:schemeClr val="lt1"/>
-          </a:fillRef>
-          <a:effectRef idx="0">
-            <a:schemeClr val="dk1"/>
-          </a:effectRef>
-          <a:fontRef idx="minor">
-            <a:schemeClr val="dk1"/>
-          </a:fontRef>
-        </p:style>
-        <p:txBody>
-          <a:bodyPr rtlCol="0" anchor="ctr"/>
-          <a:lstStyle/>
-          <a:p>
-            <a:pPr algn="ctr"/>
-            <a:r>
-              <a:rPr lang="ko-KR" altLang="en-US" sz="1000" dirty="0">
-                <a:latin typeface="Microsoft GothicNeo Light" panose="020B0300000101010101" pitchFamily="50" charset="-127"/>
-                <a:ea typeface="Microsoft GothicNeo Light" panose="020B0300000101010101" pitchFamily="50" charset="-127"/>
-                <a:cs typeface="Microsoft GothicNeo Light" panose="020B0300000101010101" pitchFamily="50" charset="-127"/>
-              </a:rPr>
-              <a:t>진입</a:t>
-            </a:r>
-          </a:p>
-        </p:txBody>
-      </p:sp>
-      <p:sp>
-        <p:nvSpPr>
-          <p:cNvPr id="5" name="순서도: 대체 처리 4">
-            <a:extLst>
-              <a:ext uri="{FF2B5EF4-FFF2-40B4-BE49-F238E27FC236}">
-                <a16:creationId xmlns:a16="http://schemas.microsoft.com/office/drawing/2014/main" id="{28A744E8-FAD2-5535-FB83-0ECE1C3EF648}"/>
-              </a:ext>
-            </a:extLst>
-          </p:cNvPr>
-          <p:cNvSpPr/>
-          <p:nvPr/>
-        </p:nvSpPr>
-        <p:spPr>
-          <a:xfrm>
-            <a:off x="1600668" y="1502751"/>
-            <a:ext cx="1509960" cy="336884"/>
-          </a:xfrm>
-          <a:prstGeom prst="flowChartAlternateProcess">
-            <a:avLst/>
-          </a:prstGeom>
-        </p:spPr>
-        <p:style>
-          <a:lnRef idx="2">
-            <a:schemeClr val="dk1"/>
-          </a:lnRef>
-          <a:fillRef idx="1">
-            <a:schemeClr val="lt1"/>
-          </a:fillRef>
-          <a:effectRef idx="0">
-            <a:schemeClr val="dk1"/>
-          </a:effectRef>
-          <a:fontRef idx="minor">
-            <a:schemeClr val="dk1"/>
-          </a:fontRef>
-        </p:style>
-        <p:txBody>
-          <a:bodyPr rtlCol="0" anchor="ctr"/>
-          <a:lstStyle/>
-          <a:p>
-            <a:pPr algn="ctr"/>
-            <a:r>
-              <a:rPr lang="ko-KR" altLang="en-US" sz="1000" dirty="0">
-                <a:latin typeface="Microsoft GothicNeo Light" panose="020B0300000101010101" pitchFamily="50" charset="-127"/>
-                <a:ea typeface="Microsoft GothicNeo Light" panose="020B0300000101010101" pitchFamily="50" charset="-127"/>
-                <a:cs typeface="Microsoft GothicNeo Light" panose="020B0300000101010101" pitchFamily="50" charset="-127"/>
-              </a:rPr>
-              <a:t>레드</a:t>
-            </a:r>
-            <a:r>
-              <a:rPr lang="en-US" altLang="ko-KR" sz="1000" dirty="0">
-                <a:latin typeface="Microsoft GothicNeo Light" panose="020B0300000101010101" pitchFamily="50" charset="-127"/>
-                <a:ea typeface="Microsoft GothicNeo Light" panose="020B0300000101010101" pitchFamily="50" charset="-127"/>
-                <a:cs typeface="Microsoft GothicNeo Light" panose="020B0300000101010101" pitchFamily="50" charset="-127"/>
-              </a:rPr>
-              <a:t>, </a:t>
-            </a:r>
-            <a:r>
-              <a:rPr lang="ko-KR" altLang="en-US" sz="1000" dirty="0">
-                <a:latin typeface="Microsoft GothicNeo Light" panose="020B0300000101010101" pitchFamily="50" charset="-127"/>
-                <a:ea typeface="Microsoft GothicNeo Light" panose="020B0300000101010101" pitchFamily="50" charset="-127"/>
-                <a:cs typeface="Microsoft GothicNeo Light" panose="020B0300000101010101" pitchFamily="50" charset="-127"/>
-              </a:rPr>
-              <a:t>그린</a:t>
-            </a:r>
-            <a:r>
-              <a:rPr lang="en-US" altLang="ko-KR" sz="1000" dirty="0">
-                <a:latin typeface="Microsoft GothicNeo Light" panose="020B0300000101010101" pitchFamily="50" charset="-127"/>
-                <a:ea typeface="Microsoft GothicNeo Light" panose="020B0300000101010101" pitchFamily="50" charset="-127"/>
-                <a:cs typeface="Microsoft GothicNeo Light" panose="020B0300000101010101" pitchFamily="50" charset="-127"/>
-              </a:rPr>
-              <a:t>, </a:t>
-            </a:r>
-            <a:r>
-              <a:rPr lang="ko-KR" altLang="en-US" sz="1000" dirty="0">
-                <a:latin typeface="Microsoft GothicNeo Light" panose="020B0300000101010101" pitchFamily="50" charset="-127"/>
-                <a:ea typeface="Microsoft GothicNeo Light" panose="020B0300000101010101" pitchFamily="50" charset="-127"/>
-                <a:cs typeface="Microsoft GothicNeo Light" panose="020B0300000101010101" pitchFamily="50" charset="-127"/>
-              </a:rPr>
-              <a:t>블루</a:t>
-            </a:r>
-            <a:endParaRPr lang="en-US" altLang="ko-KR" sz="1000" dirty="0">
-              <a:latin typeface="Microsoft GothicNeo Light" panose="020B0300000101010101" pitchFamily="50" charset="-127"/>
-              <a:ea typeface="Microsoft GothicNeo Light" panose="020B0300000101010101" pitchFamily="50" charset="-127"/>
-              <a:cs typeface="Microsoft GothicNeo Light" panose="020B0300000101010101" pitchFamily="50" charset="-127"/>
-            </a:endParaRPr>
-          </a:p>
-          <a:p>
-            <a:pPr algn="ctr"/>
-            <a:r>
-              <a:rPr lang="ko-KR" altLang="en-US" sz="1000" dirty="0">
-                <a:latin typeface="Microsoft GothicNeo Light" panose="020B0300000101010101" pitchFamily="50" charset="-127"/>
-                <a:ea typeface="Microsoft GothicNeo Light" panose="020B0300000101010101" pitchFamily="50" charset="-127"/>
-                <a:cs typeface="Microsoft GothicNeo Light" panose="020B0300000101010101" pitchFamily="50" charset="-127"/>
-              </a:rPr>
-              <a:t>순서 생성 </a:t>
-            </a:r>
-            <a:r>
-              <a:rPr lang="en-US" altLang="ko-KR" sz="1000" dirty="0">
-                <a:latin typeface="Microsoft GothicNeo Light" panose="020B0300000101010101" pitchFamily="50" charset="-127"/>
-                <a:ea typeface="Microsoft GothicNeo Light" panose="020B0300000101010101" pitchFamily="50" charset="-127"/>
-                <a:cs typeface="Microsoft GothicNeo Light" panose="020B0300000101010101" pitchFamily="50" charset="-127"/>
-              </a:rPr>
-              <a:t>/ </a:t>
-            </a:r>
-            <a:r>
-              <a:rPr lang="ko-KR" altLang="en-US" sz="1000" dirty="0">
-                <a:latin typeface="Microsoft GothicNeo Light" panose="020B0300000101010101" pitchFamily="50" charset="-127"/>
-                <a:ea typeface="Microsoft GothicNeo Light" panose="020B0300000101010101" pitchFamily="50" charset="-127"/>
-                <a:cs typeface="Microsoft GothicNeo Light" panose="020B0300000101010101" pitchFamily="50" charset="-127"/>
-              </a:rPr>
-              <a:t>표시</a:t>
-            </a:r>
-          </a:p>
-        </p:txBody>
-      </p:sp>
-      <p:sp>
-        <p:nvSpPr>
-          <p:cNvPr id="6" name="순서도: 대체 처리 5">
-            <a:extLst>
-              <a:ext uri="{FF2B5EF4-FFF2-40B4-BE49-F238E27FC236}">
-                <a16:creationId xmlns:a16="http://schemas.microsoft.com/office/drawing/2014/main" id="{99513CA0-429C-4DB1-779E-87B3447AC48D}"/>
-              </a:ext>
-            </a:extLst>
-          </p:cNvPr>
-          <p:cNvSpPr/>
-          <p:nvPr/>
-        </p:nvSpPr>
-        <p:spPr>
-          <a:xfrm>
-            <a:off x="1600668" y="2151540"/>
-            <a:ext cx="1509960" cy="336884"/>
-          </a:xfrm>
-          <a:prstGeom prst="flowChartAlternateProcess">
-            <a:avLst/>
-          </a:prstGeom>
-        </p:spPr>
-        <p:style>
-          <a:lnRef idx="2">
-            <a:schemeClr val="dk1"/>
-          </a:lnRef>
-          <a:fillRef idx="1">
-            <a:schemeClr val="lt1"/>
-          </a:fillRef>
-          <a:effectRef idx="0">
-            <a:schemeClr val="dk1"/>
-          </a:effectRef>
-          <a:fontRef idx="minor">
-            <a:schemeClr val="dk1"/>
-          </a:fontRef>
-        </p:style>
-        <p:txBody>
-          <a:bodyPr rtlCol="0" anchor="ctr"/>
-          <a:lstStyle/>
-          <a:p>
-            <a:pPr algn="ctr"/>
-            <a:r>
-              <a:rPr lang="ko-KR" altLang="en-US" sz="1000" dirty="0" err="1">
-                <a:latin typeface="Microsoft GothicNeo Light" panose="020B0300000101010101" pitchFamily="50" charset="-127"/>
-                <a:ea typeface="Microsoft GothicNeo Light" panose="020B0300000101010101" pitchFamily="50" charset="-127"/>
-                <a:cs typeface="Microsoft GothicNeo Light" panose="020B0300000101010101" pitchFamily="50" charset="-127"/>
-              </a:rPr>
-              <a:t>기믹</a:t>
-            </a:r>
-            <a:r>
-              <a:rPr lang="ko-KR" altLang="en-US" sz="1000" dirty="0">
-                <a:latin typeface="Microsoft GothicNeo Light" panose="020B0300000101010101" pitchFamily="50" charset="-127"/>
-                <a:ea typeface="Microsoft GothicNeo Light" panose="020B0300000101010101" pitchFamily="50" charset="-127"/>
-                <a:cs typeface="Microsoft GothicNeo Light" panose="020B0300000101010101" pitchFamily="50" charset="-127"/>
-              </a:rPr>
-              <a:t> 오브젝트 생성</a:t>
-            </a:r>
-          </a:p>
-        </p:txBody>
-      </p:sp>
-      <p:sp>
-        <p:nvSpPr>
-          <p:cNvPr id="11" name="순서도: 판단 10">
-            <a:extLst>
-              <a:ext uri="{FF2B5EF4-FFF2-40B4-BE49-F238E27FC236}">
-                <a16:creationId xmlns:a16="http://schemas.microsoft.com/office/drawing/2014/main" id="{98C233EE-99B7-94A3-65E0-22AD523C95D4}"/>
-              </a:ext>
-            </a:extLst>
-          </p:cNvPr>
-          <p:cNvSpPr/>
-          <p:nvPr/>
-        </p:nvSpPr>
-        <p:spPr>
-          <a:xfrm>
-            <a:off x="1038675" y="2725783"/>
-            <a:ext cx="2633946" cy="685800"/>
-          </a:xfrm>
-          <a:prstGeom prst="flowChartDecision">
-            <a:avLst/>
-          </a:prstGeom>
-          <a:noFill/>
-          <a:ln w="9525" cap="flat" cmpd="sng" algn="ctr">
-            <a:solidFill>
-              <a:schemeClr val="dk1"/>
-            </a:solidFill>
-            <a:prstDash val="solid"/>
-            <a:round/>
-            <a:headEnd type="none" w="med" len="med"/>
-            <a:tailEnd type="none" w="med" len="med"/>
-          </a:ln>
-        </p:spPr>
-        <p:style>
-          <a:lnRef idx="0">
-            <a:scrgbClr r="0" g="0" b="0"/>
-          </a:lnRef>
-          <a:fillRef idx="0">
-            <a:scrgbClr r="0" g="0" b="0"/>
-          </a:fillRef>
-          <a:effectRef idx="0">
-            <a:scrgbClr r="0" g="0" b="0"/>
-          </a:effectRef>
-          <a:fontRef idx="minor">
-            <a:schemeClr val="dk1"/>
-          </a:fontRef>
-        </p:style>
-        <p:txBody>
-          <a:bodyPr rtlCol="0" anchor="ctr"/>
-          <a:lstStyle/>
-          <a:p>
-            <a:pPr algn="ctr"/>
-            <a:r>
-              <a:rPr lang="ko-KR" altLang="en-US" sz="1000" dirty="0" err="1">
-                <a:latin typeface="Microsoft GothicNeo Light" panose="020B0300000101010101" pitchFamily="50" charset="-127"/>
-                <a:ea typeface="Microsoft GothicNeo Light" panose="020B0300000101010101" pitchFamily="50" charset="-127"/>
-                <a:cs typeface="Microsoft GothicNeo Light" panose="020B0300000101010101" pitchFamily="50" charset="-127"/>
-              </a:rPr>
-              <a:t>기믹</a:t>
-            </a:r>
-            <a:r>
-              <a:rPr lang="ko-KR" altLang="en-US" sz="1000" dirty="0">
-                <a:latin typeface="Microsoft GothicNeo Light" panose="020B0300000101010101" pitchFamily="50" charset="-127"/>
-                <a:ea typeface="Microsoft GothicNeo Light" panose="020B0300000101010101" pitchFamily="50" charset="-127"/>
-                <a:cs typeface="Microsoft GothicNeo Light" panose="020B0300000101010101" pitchFamily="50" charset="-127"/>
-              </a:rPr>
-              <a:t> 파괴 수 </a:t>
-            </a:r>
-            <a:r>
-              <a:rPr lang="en-US" altLang="ko-KR" sz="1000" dirty="0">
-                <a:latin typeface="Microsoft GothicNeo Light" panose="020B0300000101010101" pitchFamily="50" charset="-127"/>
-                <a:ea typeface="Microsoft GothicNeo Light" panose="020B0300000101010101" pitchFamily="50" charset="-127"/>
-                <a:cs typeface="Microsoft GothicNeo Light" panose="020B0300000101010101" pitchFamily="50" charset="-127"/>
-              </a:rPr>
-              <a:t>==</a:t>
-            </a:r>
-          </a:p>
-          <a:p>
-            <a:pPr algn="ctr"/>
-            <a:r>
-              <a:rPr lang="ko-KR" altLang="en-US" sz="1000" dirty="0" err="1">
-                <a:latin typeface="Microsoft GothicNeo Light" panose="020B0300000101010101" pitchFamily="50" charset="-127"/>
-                <a:ea typeface="Microsoft GothicNeo Light" panose="020B0300000101010101" pitchFamily="50" charset="-127"/>
-                <a:cs typeface="Microsoft GothicNeo Light" panose="020B0300000101010101" pitchFamily="50" charset="-127"/>
-              </a:rPr>
-              <a:t>기믹</a:t>
-            </a:r>
-            <a:r>
-              <a:rPr lang="ko-KR" altLang="en-US" sz="1000" dirty="0">
-                <a:latin typeface="Microsoft GothicNeo Light" panose="020B0300000101010101" pitchFamily="50" charset="-127"/>
-                <a:ea typeface="Microsoft GothicNeo Light" panose="020B0300000101010101" pitchFamily="50" charset="-127"/>
-                <a:cs typeface="Microsoft GothicNeo Light" panose="020B0300000101010101" pitchFamily="50" charset="-127"/>
-              </a:rPr>
-              <a:t> 수</a:t>
-            </a:r>
-          </a:p>
-        </p:txBody>
-      </p:sp>
-      <p:sp>
-        <p:nvSpPr>
-          <p:cNvPr id="12" name="순서도: 대체 처리 11">
-            <a:extLst>
-              <a:ext uri="{FF2B5EF4-FFF2-40B4-BE49-F238E27FC236}">
-                <a16:creationId xmlns:a16="http://schemas.microsoft.com/office/drawing/2014/main" id="{B64B0A2F-D241-C28B-B581-C9CDF150AFA6}"/>
-              </a:ext>
-            </a:extLst>
-          </p:cNvPr>
-          <p:cNvSpPr/>
-          <p:nvPr/>
-        </p:nvSpPr>
-        <p:spPr>
-          <a:xfrm>
-            <a:off x="1600668" y="3756198"/>
-            <a:ext cx="1509960" cy="336884"/>
-          </a:xfrm>
-          <a:prstGeom prst="flowChartAlternateProcess">
-            <a:avLst/>
-          </a:prstGeom>
-        </p:spPr>
-        <p:style>
-          <a:lnRef idx="2">
-            <a:schemeClr val="dk1"/>
-          </a:lnRef>
-          <a:fillRef idx="1">
-            <a:schemeClr val="lt1"/>
-          </a:fillRef>
-          <a:effectRef idx="0">
-            <a:schemeClr val="dk1"/>
-          </a:effectRef>
-          <a:fontRef idx="minor">
-            <a:schemeClr val="dk1"/>
-          </a:fontRef>
-        </p:style>
-        <p:txBody>
-          <a:bodyPr rtlCol="0" anchor="ctr"/>
-          <a:lstStyle/>
-          <a:p>
-            <a:pPr algn="ctr"/>
-            <a:r>
-              <a:rPr lang="ko-KR" altLang="en-US" sz="1000" dirty="0">
-                <a:latin typeface="Microsoft GothicNeo Light" panose="020B0300000101010101" pitchFamily="50" charset="-127"/>
-                <a:ea typeface="Microsoft GothicNeo Light" panose="020B0300000101010101" pitchFamily="50" charset="-127"/>
-                <a:cs typeface="Microsoft GothicNeo Light" panose="020B0300000101010101" pitchFamily="50" charset="-127"/>
-              </a:rPr>
-              <a:t>보스 기본 공격</a:t>
-            </a:r>
-            <a:endParaRPr lang="en-US" altLang="ko-KR" sz="1000" dirty="0">
-              <a:latin typeface="Microsoft GothicNeo Light" panose="020B0300000101010101" pitchFamily="50" charset="-127"/>
-              <a:ea typeface="Microsoft GothicNeo Light" panose="020B0300000101010101" pitchFamily="50" charset="-127"/>
-              <a:cs typeface="Microsoft GothicNeo Light" panose="020B0300000101010101" pitchFamily="50" charset="-127"/>
-            </a:endParaRPr>
-          </a:p>
-        </p:txBody>
-      </p:sp>
-      <p:cxnSp>
-        <p:nvCxnSpPr>
-          <p:cNvPr id="14" name="직선 화살표 연결선 13">
-            <a:extLst>
-              <a:ext uri="{FF2B5EF4-FFF2-40B4-BE49-F238E27FC236}">
-                <a16:creationId xmlns:a16="http://schemas.microsoft.com/office/drawing/2014/main" id="{00E425AA-E7BD-93CB-B607-46EB32D94D61}"/>
-              </a:ext>
-            </a:extLst>
-          </p:cNvPr>
-          <p:cNvCxnSpPr>
-            <a:cxnSpLocks/>
-            <a:stCxn id="5" idx="2"/>
-            <a:endCxn id="6" idx="0"/>
-          </p:cNvCxnSpPr>
-          <p:nvPr/>
-        </p:nvCxnSpPr>
-        <p:spPr>
-          <a:xfrm>
-            <a:off x="2355648" y="1839635"/>
-            <a:ext cx="0" cy="311905"/>
-          </a:xfrm>
-          <a:prstGeom prst="straightConnector1">
-            <a:avLst/>
-          </a:prstGeom>
-          <a:ln>
-            <a:tailEnd type="triangle"/>
-          </a:ln>
-        </p:spPr>
-        <p:style>
-          <a:lnRef idx="1">
-            <a:schemeClr val="dk1"/>
-          </a:lnRef>
-          <a:fillRef idx="0">
-            <a:schemeClr val="dk1"/>
-          </a:fillRef>
-          <a:effectRef idx="0">
-            <a:schemeClr val="dk1"/>
-          </a:effectRef>
-          <a:fontRef idx="minor">
-            <a:schemeClr val="tx1"/>
-          </a:fontRef>
-        </p:style>
-      </p:cxnSp>
-      <p:cxnSp>
-        <p:nvCxnSpPr>
-          <p:cNvPr id="15" name="직선 화살표 연결선 14">
-            <a:extLst>
-              <a:ext uri="{FF2B5EF4-FFF2-40B4-BE49-F238E27FC236}">
-                <a16:creationId xmlns:a16="http://schemas.microsoft.com/office/drawing/2014/main" id="{70E9D176-2F05-D2F9-8DA6-6E2943E62F3D}"/>
-              </a:ext>
-            </a:extLst>
-          </p:cNvPr>
-          <p:cNvCxnSpPr>
-            <a:cxnSpLocks/>
-            <a:stCxn id="6" idx="2"/>
-            <a:endCxn id="11" idx="0"/>
-          </p:cNvCxnSpPr>
-          <p:nvPr/>
-        </p:nvCxnSpPr>
-        <p:spPr>
-          <a:xfrm>
-            <a:off x="2355648" y="2488424"/>
-            <a:ext cx="0" cy="237359"/>
-          </a:xfrm>
-          <a:prstGeom prst="straightConnector1">
-            <a:avLst/>
-          </a:prstGeom>
-          <a:ln>
-            <a:tailEnd type="triangle"/>
-          </a:ln>
-        </p:spPr>
-        <p:style>
-          <a:lnRef idx="1">
-            <a:schemeClr val="dk1"/>
-          </a:lnRef>
-          <a:fillRef idx="0">
-            <a:schemeClr val="dk1"/>
-          </a:fillRef>
-          <a:effectRef idx="0">
-            <a:schemeClr val="dk1"/>
-          </a:effectRef>
-          <a:fontRef idx="minor">
-            <a:schemeClr val="tx1"/>
-          </a:fontRef>
-        </p:style>
-      </p:cxnSp>
-      <p:cxnSp>
-        <p:nvCxnSpPr>
-          <p:cNvPr id="16" name="연결선: 꺾임 15">
-            <a:extLst>
-              <a:ext uri="{FF2B5EF4-FFF2-40B4-BE49-F238E27FC236}">
-                <a16:creationId xmlns:a16="http://schemas.microsoft.com/office/drawing/2014/main" id="{A5A048E7-110D-B713-00F5-0A29EFA8376C}"/>
-              </a:ext>
-            </a:extLst>
-          </p:cNvPr>
-          <p:cNvCxnSpPr>
-            <a:cxnSpLocks/>
-            <a:stCxn id="12" idx="2"/>
-            <a:endCxn id="11" idx="1"/>
-          </p:cNvCxnSpPr>
-          <p:nvPr/>
-        </p:nvCxnSpPr>
-        <p:spPr>
-          <a:xfrm rot="5400000" flipH="1">
-            <a:off x="1184962" y="2922397"/>
-            <a:ext cx="1024399" cy="1316973"/>
-          </a:xfrm>
-          <a:prstGeom prst="bentConnector4">
-            <a:avLst>
-              <a:gd name="adj1" fmla="val -22316"/>
-              <a:gd name="adj2" fmla="val 117358"/>
-            </a:avLst>
-          </a:prstGeom>
-          <a:ln>
-            <a:tailEnd type="triangle"/>
-          </a:ln>
-        </p:spPr>
-        <p:style>
-          <a:lnRef idx="1">
-            <a:schemeClr val="dk1"/>
-          </a:lnRef>
-          <a:fillRef idx="0">
-            <a:schemeClr val="dk1"/>
-          </a:fillRef>
-          <a:effectRef idx="0">
-            <a:schemeClr val="dk1"/>
-          </a:effectRef>
-          <a:fontRef idx="minor">
-            <a:schemeClr val="tx1"/>
-          </a:fontRef>
-        </p:style>
-      </p:cxnSp>
-      <p:sp>
-        <p:nvSpPr>
-          <p:cNvPr id="17" name="TextBox 16">
-            <a:extLst>
-              <a:ext uri="{FF2B5EF4-FFF2-40B4-BE49-F238E27FC236}">
-                <a16:creationId xmlns:a16="http://schemas.microsoft.com/office/drawing/2014/main" id="{89FC15D3-E9BA-F9D5-4F3F-6983970D6D0F}"/>
-              </a:ext>
-            </a:extLst>
-          </p:cNvPr>
-          <p:cNvSpPr txBox="1"/>
-          <p:nvPr/>
-        </p:nvSpPr>
-        <p:spPr>
-          <a:xfrm>
-            <a:off x="2338477" y="3374572"/>
-            <a:ext cx="394660" cy="230832"/>
-          </a:xfrm>
-          <a:prstGeom prst="rect">
-            <a:avLst/>
-          </a:prstGeom>
-          <a:noFill/>
-        </p:spPr>
-        <p:txBody>
-          <a:bodyPr wrap="none" rtlCol="0">
-            <a:spAutoFit/>
-          </a:bodyPr>
-          <a:lstStyle/>
-          <a:p>
-            <a:r>
-              <a:rPr lang="en-US" altLang="ko-KR" sz="900" dirty="0">
-                <a:latin typeface="Microsoft GothicNeo Light" panose="020B0300000101010101" pitchFamily="50" charset="-127"/>
-                <a:ea typeface="Microsoft GothicNeo Light" panose="020B0300000101010101" pitchFamily="50" charset="-127"/>
-                <a:cs typeface="Microsoft GothicNeo Light" panose="020B0300000101010101" pitchFamily="50" charset="-127"/>
-              </a:rPr>
-              <a:t>true</a:t>
-            </a:r>
-            <a:endParaRPr lang="ko-KR" altLang="en-US" sz="900" dirty="0">
-              <a:latin typeface="Microsoft GothicNeo Light" panose="020B0300000101010101" pitchFamily="50" charset="-127"/>
-              <a:ea typeface="Microsoft GothicNeo Light" panose="020B0300000101010101" pitchFamily="50" charset="-127"/>
-              <a:cs typeface="Microsoft GothicNeo Light" panose="020B0300000101010101" pitchFamily="50" charset="-127"/>
-            </a:endParaRPr>
-          </a:p>
-        </p:txBody>
-      </p:sp>
-      <p:cxnSp>
-        <p:nvCxnSpPr>
-          <p:cNvPr id="19" name="직선 화살표 연결선 18">
-            <a:extLst>
-              <a:ext uri="{FF2B5EF4-FFF2-40B4-BE49-F238E27FC236}">
-                <a16:creationId xmlns:a16="http://schemas.microsoft.com/office/drawing/2014/main" id="{8AB80ED3-62FF-2752-B3B9-250B5D20AE73}"/>
-              </a:ext>
-            </a:extLst>
-          </p:cNvPr>
-          <p:cNvCxnSpPr>
-            <a:cxnSpLocks/>
-            <a:stCxn id="3" idx="2"/>
-            <a:endCxn id="5" idx="0"/>
-          </p:cNvCxnSpPr>
-          <p:nvPr/>
-        </p:nvCxnSpPr>
-        <p:spPr>
-          <a:xfrm>
-            <a:off x="2355648" y="1190846"/>
-            <a:ext cx="0" cy="311905"/>
-          </a:xfrm>
-          <a:prstGeom prst="straightConnector1">
-            <a:avLst/>
-          </a:prstGeom>
-          <a:ln>
-            <a:tailEnd type="triangle"/>
-          </a:ln>
-        </p:spPr>
-        <p:style>
-          <a:lnRef idx="1">
-            <a:schemeClr val="dk1"/>
-          </a:lnRef>
-          <a:fillRef idx="0">
-            <a:schemeClr val="dk1"/>
-          </a:fillRef>
-          <a:effectRef idx="0">
-            <a:schemeClr val="dk1"/>
-          </a:effectRef>
-          <a:fontRef idx="minor">
-            <a:schemeClr val="tx1"/>
-          </a:fontRef>
-        </p:style>
-      </p:cxnSp>
-      <p:cxnSp>
-        <p:nvCxnSpPr>
-          <p:cNvPr id="24" name="직선 화살표 연결선 23">
-            <a:extLst>
-              <a:ext uri="{FF2B5EF4-FFF2-40B4-BE49-F238E27FC236}">
-                <a16:creationId xmlns:a16="http://schemas.microsoft.com/office/drawing/2014/main" id="{6B6BB6D9-228C-2A68-1AD3-467CF4607DB7}"/>
-              </a:ext>
-            </a:extLst>
-          </p:cNvPr>
-          <p:cNvCxnSpPr>
-            <a:cxnSpLocks/>
-            <a:stCxn id="11" idx="2"/>
-            <a:endCxn id="12" idx="0"/>
-          </p:cNvCxnSpPr>
-          <p:nvPr/>
-        </p:nvCxnSpPr>
-        <p:spPr>
-          <a:xfrm>
-            <a:off x="2355648" y="3411583"/>
-            <a:ext cx="0" cy="344615"/>
-          </a:xfrm>
-          <a:prstGeom prst="straightConnector1">
-            <a:avLst/>
-          </a:prstGeom>
-          <a:ln>
-            <a:tailEnd type="triangle"/>
-          </a:ln>
-        </p:spPr>
-        <p:style>
-          <a:lnRef idx="1">
-            <a:schemeClr val="dk1"/>
-          </a:lnRef>
-          <a:fillRef idx="0">
-            <a:schemeClr val="dk1"/>
-          </a:fillRef>
-          <a:effectRef idx="0">
-            <a:schemeClr val="dk1"/>
-          </a:effectRef>
-          <a:fontRef idx="minor">
-            <a:schemeClr val="tx1"/>
-          </a:fontRef>
-        </p:style>
-      </p:cxnSp>
-      <p:sp>
-        <p:nvSpPr>
           <p:cNvPr id="31" name="TextBox 30">
             <a:extLst>
               <a:ext uri="{FF2B5EF4-FFF2-40B4-BE49-F238E27FC236}">
@@ -5801,10 +5450,3166 @@
           </a:p>
         </p:txBody>
       </p:sp>
+      <p:grpSp>
+        <p:nvGrpSpPr>
+          <p:cNvPr id="65" name="그룹 64">
+            <a:extLst>
+              <a:ext uri="{FF2B5EF4-FFF2-40B4-BE49-F238E27FC236}">
+                <a16:creationId xmlns:a16="http://schemas.microsoft.com/office/drawing/2014/main" id="{0C4BF43C-73C0-A427-78EE-DED36FA2AE9F}"/>
+              </a:ext>
+            </a:extLst>
+          </p:cNvPr>
+          <p:cNvGrpSpPr/>
+          <p:nvPr/>
+        </p:nvGrpSpPr>
+        <p:grpSpPr>
+          <a:xfrm>
+            <a:off x="1038675" y="853962"/>
+            <a:ext cx="4558480" cy="5120916"/>
+            <a:chOff x="1038675" y="853962"/>
+            <a:chExt cx="4558480" cy="5120916"/>
+          </a:xfrm>
+        </p:grpSpPr>
+        <p:sp>
+          <p:nvSpPr>
+            <p:cNvPr id="3" name="순서도: 대체 처리 2">
+              <a:extLst>
+                <a:ext uri="{FF2B5EF4-FFF2-40B4-BE49-F238E27FC236}">
+                  <a16:creationId xmlns:a16="http://schemas.microsoft.com/office/drawing/2014/main" id="{06CC72AD-B36F-5856-8682-66202BFBCFF0}"/>
+                </a:ext>
+              </a:extLst>
+            </p:cNvPr>
+            <p:cNvSpPr/>
+            <p:nvPr/>
+          </p:nvSpPr>
+          <p:spPr>
+            <a:xfrm>
+              <a:off x="1600668" y="853962"/>
+              <a:ext cx="1509960" cy="336884"/>
+            </a:xfrm>
+            <a:prstGeom prst="flowChartAlternateProcess">
+              <a:avLst/>
+            </a:prstGeom>
+          </p:spPr>
+          <p:style>
+            <a:lnRef idx="2">
+              <a:schemeClr val="dk1"/>
+            </a:lnRef>
+            <a:fillRef idx="1">
+              <a:schemeClr val="lt1"/>
+            </a:fillRef>
+            <a:effectRef idx="0">
+              <a:schemeClr val="dk1"/>
+            </a:effectRef>
+            <a:fontRef idx="minor">
+              <a:schemeClr val="dk1"/>
+            </a:fontRef>
+          </p:style>
+          <p:txBody>
+            <a:bodyPr rtlCol="0" anchor="ctr"/>
+            <a:lstStyle/>
+            <a:p>
+              <a:pPr algn="ctr"/>
+              <a:r>
+                <a:rPr lang="ko-KR" altLang="en-US" sz="1000" dirty="0">
+                  <a:latin typeface="Microsoft GothicNeo Light" panose="020B0300000101010101" pitchFamily="50" charset="-127"/>
+                  <a:ea typeface="Microsoft GothicNeo Light" panose="020B0300000101010101" pitchFamily="50" charset="-127"/>
+                  <a:cs typeface="Microsoft GothicNeo Light" panose="020B0300000101010101" pitchFamily="50" charset="-127"/>
+                </a:rPr>
+                <a:t>진입</a:t>
+              </a:r>
+            </a:p>
+          </p:txBody>
+        </p:sp>
+        <p:sp>
+          <p:nvSpPr>
+            <p:cNvPr id="6" name="순서도: 대체 처리 5">
+              <a:extLst>
+                <a:ext uri="{FF2B5EF4-FFF2-40B4-BE49-F238E27FC236}">
+                  <a16:creationId xmlns:a16="http://schemas.microsoft.com/office/drawing/2014/main" id="{99513CA0-429C-4DB1-779E-87B3447AC48D}"/>
+                </a:ext>
+              </a:extLst>
+            </p:cNvPr>
+            <p:cNvSpPr/>
+            <p:nvPr/>
+          </p:nvSpPr>
+          <p:spPr>
+            <a:xfrm>
+              <a:off x="1600668" y="1577297"/>
+              <a:ext cx="1509960" cy="336884"/>
+            </a:xfrm>
+            <a:prstGeom prst="flowChartAlternateProcess">
+              <a:avLst/>
+            </a:prstGeom>
+          </p:spPr>
+          <p:style>
+            <a:lnRef idx="2">
+              <a:schemeClr val="dk1"/>
+            </a:lnRef>
+            <a:fillRef idx="1">
+              <a:schemeClr val="lt1"/>
+            </a:fillRef>
+            <a:effectRef idx="0">
+              <a:schemeClr val="dk1"/>
+            </a:effectRef>
+            <a:fontRef idx="minor">
+              <a:schemeClr val="dk1"/>
+            </a:fontRef>
+          </p:style>
+          <p:txBody>
+            <a:bodyPr rtlCol="0" anchor="ctr"/>
+            <a:lstStyle/>
+            <a:p>
+              <a:pPr algn="ctr"/>
+              <a:r>
+                <a:rPr lang="ko-KR" altLang="en-US" sz="1000" dirty="0" err="1">
+                  <a:latin typeface="Microsoft GothicNeo Light" panose="020B0300000101010101" pitchFamily="50" charset="-127"/>
+                  <a:ea typeface="Microsoft GothicNeo Light" panose="020B0300000101010101" pitchFamily="50" charset="-127"/>
+                  <a:cs typeface="Microsoft GothicNeo Light" panose="020B0300000101010101" pitchFamily="50" charset="-127"/>
+                </a:rPr>
+                <a:t>기믹</a:t>
+              </a:r>
+              <a:r>
+                <a:rPr lang="ko-KR" altLang="en-US" sz="1000" dirty="0">
+                  <a:latin typeface="Microsoft GothicNeo Light" panose="020B0300000101010101" pitchFamily="50" charset="-127"/>
+                  <a:ea typeface="Microsoft GothicNeo Light" panose="020B0300000101010101" pitchFamily="50" charset="-127"/>
+                  <a:cs typeface="Microsoft GothicNeo Light" panose="020B0300000101010101" pitchFamily="50" charset="-127"/>
+                </a:rPr>
+                <a:t> 오브젝트 생성</a:t>
+              </a:r>
+              <a:endParaRPr lang="en-US" altLang="ko-KR" sz="1000" dirty="0">
+                <a:latin typeface="Microsoft GothicNeo Light" panose="020B0300000101010101" pitchFamily="50" charset="-127"/>
+                <a:ea typeface="Microsoft GothicNeo Light" panose="020B0300000101010101" pitchFamily="50" charset="-127"/>
+                <a:cs typeface="Microsoft GothicNeo Light" panose="020B0300000101010101" pitchFamily="50" charset="-127"/>
+              </a:endParaRPr>
+            </a:p>
+            <a:p>
+              <a:pPr algn="ctr"/>
+              <a:r>
+                <a:rPr lang="en-US" altLang="ko-KR" sz="1000" dirty="0">
+                  <a:latin typeface="Microsoft GothicNeo Light" panose="020B0300000101010101" pitchFamily="50" charset="-127"/>
+                  <a:ea typeface="Microsoft GothicNeo Light" panose="020B0300000101010101" pitchFamily="50" charset="-127"/>
+                  <a:cs typeface="Microsoft GothicNeo Light" panose="020B0300000101010101" pitchFamily="50" charset="-127"/>
+                </a:rPr>
+                <a:t>(</a:t>
+              </a:r>
+              <a:r>
+                <a:rPr lang="ko-KR" altLang="en-US" sz="1000" dirty="0">
+                  <a:latin typeface="Microsoft GothicNeo Light" panose="020B0300000101010101" pitchFamily="50" charset="-127"/>
+                  <a:ea typeface="Microsoft GothicNeo Light" panose="020B0300000101010101" pitchFamily="50" charset="-127"/>
+                  <a:cs typeface="Microsoft GothicNeo Light" panose="020B0300000101010101" pitchFamily="50" charset="-127"/>
+                </a:rPr>
+                <a:t>기둥</a:t>
+              </a:r>
+              <a:r>
+                <a:rPr lang="en-US" altLang="ko-KR" sz="1000" dirty="0">
+                  <a:latin typeface="Microsoft GothicNeo Light" panose="020B0300000101010101" pitchFamily="50" charset="-127"/>
+                  <a:ea typeface="Microsoft GothicNeo Light" panose="020B0300000101010101" pitchFamily="50" charset="-127"/>
+                  <a:cs typeface="Microsoft GothicNeo Light" panose="020B0300000101010101" pitchFamily="50" charset="-127"/>
+                </a:rPr>
+                <a:t>)</a:t>
+              </a:r>
+              <a:endParaRPr lang="ko-KR" altLang="en-US" sz="1000" dirty="0">
+                <a:latin typeface="Microsoft GothicNeo Light" panose="020B0300000101010101" pitchFamily="50" charset="-127"/>
+                <a:ea typeface="Microsoft GothicNeo Light" panose="020B0300000101010101" pitchFamily="50" charset="-127"/>
+                <a:cs typeface="Microsoft GothicNeo Light" panose="020B0300000101010101" pitchFamily="50" charset="-127"/>
+              </a:endParaRPr>
+            </a:p>
+          </p:txBody>
+        </p:sp>
+        <p:sp>
+          <p:nvSpPr>
+            <p:cNvPr id="11" name="순서도: 판단 10">
+              <a:extLst>
+                <a:ext uri="{FF2B5EF4-FFF2-40B4-BE49-F238E27FC236}">
+                  <a16:creationId xmlns:a16="http://schemas.microsoft.com/office/drawing/2014/main" id="{98C233EE-99B7-94A3-65E0-22AD523C95D4}"/>
+                </a:ext>
+              </a:extLst>
+            </p:cNvPr>
+            <p:cNvSpPr/>
+            <p:nvPr/>
+          </p:nvSpPr>
+          <p:spPr>
+            <a:xfrm>
+              <a:off x="1038675" y="2151540"/>
+              <a:ext cx="2633946" cy="685800"/>
+            </a:xfrm>
+            <a:prstGeom prst="flowChartDecision">
+              <a:avLst/>
+            </a:prstGeom>
+            <a:noFill/>
+            <a:ln w="9525" cap="flat" cmpd="sng" algn="ctr">
+              <a:solidFill>
+                <a:schemeClr val="dk1"/>
+              </a:solidFill>
+              <a:prstDash val="solid"/>
+              <a:round/>
+              <a:headEnd type="none" w="med" len="med"/>
+              <a:tailEnd type="none" w="med" len="med"/>
+            </a:ln>
+          </p:spPr>
+          <p:style>
+            <a:lnRef idx="0">
+              <a:scrgbClr r="0" g="0" b="0"/>
+            </a:lnRef>
+            <a:fillRef idx="0">
+              <a:scrgbClr r="0" g="0" b="0"/>
+            </a:fillRef>
+            <a:effectRef idx="0">
+              <a:scrgbClr r="0" g="0" b="0"/>
+            </a:effectRef>
+            <a:fontRef idx="minor">
+              <a:schemeClr val="dk1"/>
+            </a:fontRef>
+          </p:style>
+          <p:txBody>
+            <a:bodyPr rtlCol="0" anchor="ctr"/>
+            <a:lstStyle/>
+            <a:p>
+              <a:pPr algn="ctr"/>
+              <a:r>
+                <a:rPr lang="ko-KR" altLang="en-US" sz="1000" dirty="0" err="1">
+                  <a:latin typeface="Microsoft GothicNeo Light" panose="020B0300000101010101" pitchFamily="50" charset="-127"/>
+                  <a:ea typeface="Microsoft GothicNeo Light" panose="020B0300000101010101" pitchFamily="50" charset="-127"/>
+                  <a:cs typeface="Microsoft GothicNeo Light" panose="020B0300000101010101" pitchFamily="50" charset="-127"/>
+                </a:rPr>
+                <a:t>기믹</a:t>
+              </a:r>
+              <a:r>
+                <a:rPr lang="ko-KR" altLang="en-US" sz="1000" dirty="0">
+                  <a:latin typeface="Microsoft GothicNeo Light" panose="020B0300000101010101" pitchFamily="50" charset="-127"/>
+                  <a:ea typeface="Microsoft GothicNeo Light" panose="020B0300000101010101" pitchFamily="50" charset="-127"/>
+                  <a:cs typeface="Microsoft GothicNeo Light" panose="020B0300000101010101" pitchFamily="50" charset="-127"/>
+                </a:rPr>
+                <a:t> 파괴 수 </a:t>
+              </a:r>
+              <a:endParaRPr lang="en-US" altLang="ko-KR" sz="1000" dirty="0">
+                <a:latin typeface="Microsoft GothicNeo Light" panose="020B0300000101010101" pitchFamily="50" charset="-127"/>
+                <a:ea typeface="Microsoft GothicNeo Light" panose="020B0300000101010101" pitchFamily="50" charset="-127"/>
+                <a:cs typeface="Microsoft GothicNeo Light" panose="020B0300000101010101" pitchFamily="50" charset="-127"/>
+              </a:endParaRPr>
+            </a:p>
+            <a:p>
+              <a:pPr algn="ctr"/>
+              <a:r>
+                <a:rPr lang="en-US" altLang="ko-KR" sz="1000" dirty="0">
+                  <a:latin typeface="Microsoft GothicNeo Light" panose="020B0300000101010101" pitchFamily="50" charset="-127"/>
+                  <a:ea typeface="Microsoft GothicNeo Light" panose="020B0300000101010101" pitchFamily="50" charset="-127"/>
+                  <a:cs typeface="Microsoft GothicNeo Light" panose="020B0300000101010101" pitchFamily="50" charset="-127"/>
+                </a:rPr>
+                <a:t>&lt;</a:t>
+              </a:r>
+            </a:p>
+            <a:p>
+              <a:pPr algn="ctr"/>
+              <a:r>
+                <a:rPr lang="ko-KR" altLang="en-US" sz="1000" dirty="0" err="1">
+                  <a:latin typeface="Microsoft GothicNeo Light" panose="020B0300000101010101" pitchFamily="50" charset="-127"/>
+                  <a:ea typeface="Microsoft GothicNeo Light" panose="020B0300000101010101" pitchFamily="50" charset="-127"/>
+                  <a:cs typeface="Microsoft GothicNeo Light" panose="020B0300000101010101" pitchFamily="50" charset="-127"/>
+                </a:rPr>
+                <a:t>기믹</a:t>
+              </a:r>
+              <a:r>
+                <a:rPr lang="ko-KR" altLang="en-US" sz="1000" dirty="0">
+                  <a:latin typeface="Microsoft GothicNeo Light" panose="020B0300000101010101" pitchFamily="50" charset="-127"/>
+                  <a:ea typeface="Microsoft GothicNeo Light" panose="020B0300000101010101" pitchFamily="50" charset="-127"/>
+                  <a:cs typeface="Microsoft GothicNeo Light" panose="020B0300000101010101" pitchFamily="50" charset="-127"/>
+                </a:rPr>
+                <a:t> 수</a:t>
+              </a:r>
+            </a:p>
+          </p:txBody>
+        </p:sp>
+        <p:cxnSp>
+          <p:nvCxnSpPr>
+            <p:cNvPr id="15" name="직선 화살표 연결선 14">
+              <a:extLst>
+                <a:ext uri="{FF2B5EF4-FFF2-40B4-BE49-F238E27FC236}">
+                  <a16:creationId xmlns:a16="http://schemas.microsoft.com/office/drawing/2014/main" id="{70E9D176-2F05-D2F9-8DA6-6E2943E62F3D}"/>
+                </a:ext>
+              </a:extLst>
+            </p:cNvPr>
+            <p:cNvCxnSpPr>
+              <a:cxnSpLocks/>
+              <a:stCxn id="6" idx="2"/>
+              <a:endCxn id="11" idx="0"/>
+            </p:cNvCxnSpPr>
+            <p:nvPr/>
+          </p:nvCxnSpPr>
+          <p:spPr>
+            <a:xfrm>
+              <a:off x="2355648" y="1914181"/>
+              <a:ext cx="0" cy="237359"/>
+            </a:xfrm>
+            <a:prstGeom prst="straightConnector1">
+              <a:avLst/>
+            </a:prstGeom>
+            <a:ln>
+              <a:tailEnd type="triangle"/>
+            </a:ln>
+          </p:spPr>
+          <p:style>
+            <a:lnRef idx="1">
+              <a:schemeClr val="dk1"/>
+            </a:lnRef>
+            <a:fillRef idx="0">
+              <a:schemeClr val="dk1"/>
+            </a:fillRef>
+            <a:effectRef idx="0">
+              <a:schemeClr val="dk1"/>
+            </a:effectRef>
+            <a:fontRef idx="minor">
+              <a:schemeClr val="tx1"/>
+            </a:fontRef>
+          </p:style>
+        </p:cxnSp>
+        <p:sp>
+          <p:nvSpPr>
+            <p:cNvPr id="17" name="TextBox 16">
+              <a:extLst>
+                <a:ext uri="{FF2B5EF4-FFF2-40B4-BE49-F238E27FC236}">
+                  <a16:creationId xmlns:a16="http://schemas.microsoft.com/office/drawing/2014/main" id="{89FC15D3-E9BA-F9D5-4F3F-6983970D6D0F}"/>
+                </a:ext>
+              </a:extLst>
+            </p:cNvPr>
+            <p:cNvSpPr txBox="1"/>
+            <p:nvPr/>
+          </p:nvSpPr>
+          <p:spPr>
+            <a:xfrm>
+              <a:off x="2338477" y="2800329"/>
+              <a:ext cx="394660" cy="230832"/>
+            </a:xfrm>
+            <a:prstGeom prst="rect">
+              <a:avLst/>
+            </a:prstGeom>
+            <a:noFill/>
+          </p:spPr>
+          <p:txBody>
+            <a:bodyPr wrap="none" rtlCol="0">
+              <a:spAutoFit/>
+            </a:bodyPr>
+            <a:lstStyle/>
+            <a:p>
+              <a:r>
+                <a:rPr lang="en-US" altLang="ko-KR" sz="900" dirty="0">
+                  <a:latin typeface="Microsoft GothicNeo Light" panose="020B0300000101010101" pitchFamily="50" charset="-127"/>
+                  <a:ea typeface="Microsoft GothicNeo Light" panose="020B0300000101010101" pitchFamily="50" charset="-127"/>
+                  <a:cs typeface="Microsoft GothicNeo Light" panose="020B0300000101010101" pitchFamily="50" charset="-127"/>
+                </a:rPr>
+                <a:t>true</a:t>
+              </a:r>
+              <a:endParaRPr lang="ko-KR" altLang="en-US" sz="900" dirty="0">
+                <a:latin typeface="Microsoft GothicNeo Light" panose="020B0300000101010101" pitchFamily="50" charset="-127"/>
+                <a:ea typeface="Microsoft GothicNeo Light" panose="020B0300000101010101" pitchFamily="50" charset="-127"/>
+                <a:cs typeface="Microsoft GothicNeo Light" panose="020B0300000101010101" pitchFamily="50" charset="-127"/>
+              </a:endParaRPr>
+            </a:p>
+          </p:txBody>
+        </p:sp>
+        <p:cxnSp>
+          <p:nvCxnSpPr>
+            <p:cNvPr id="19" name="직선 화살표 연결선 18">
+              <a:extLst>
+                <a:ext uri="{FF2B5EF4-FFF2-40B4-BE49-F238E27FC236}">
+                  <a16:creationId xmlns:a16="http://schemas.microsoft.com/office/drawing/2014/main" id="{8AB80ED3-62FF-2752-B3B9-250B5D20AE73}"/>
+                </a:ext>
+              </a:extLst>
+            </p:cNvPr>
+            <p:cNvCxnSpPr>
+              <a:cxnSpLocks/>
+              <a:stCxn id="3" idx="2"/>
+              <a:endCxn id="6" idx="0"/>
+            </p:cNvCxnSpPr>
+            <p:nvPr/>
+          </p:nvCxnSpPr>
+          <p:spPr>
+            <a:xfrm>
+              <a:off x="2355648" y="1190846"/>
+              <a:ext cx="0" cy="386451"/>
+            </a:xfrm>
+            <a:prstGeom prst="straightConnector1">
+              <a:avLst/>
+            </a:prstGeom>
+            <a:ln>
+              <a:tailEnd type="triangle"/>
+            </a:ln>
+          </p:spPr>
+          <p:style>
+            <a:lnRef idx="1">
+              <a:schemeClr val="dk1"/>
+            </a:lnRef>
+            <a:fillRef idx="0">
+              <a:schemeClr val="dk1"/>
+            </a:fillRef>
+            <a:effectRef idx="0">
+              <a:schemeClr val="dk1"/>
+            </a:effectRef>
+            <a:fontRef idx="minor">
+              <a:schemeClr val="tx1"/>
+            </a:fontRef>
+          </p:style>
+        </p:cxnSp>
+        <p:cxnSp>
+          <p:nvCxnSpPr>
+            <p:cNvPr id="24" name="직선 화살표 연결선 23">
+              <a:extLst>
+                <a:ext uri="{FF2B5EF4-FFF2-40B4-BE49-F238E27FC236}">
+                  <a16:creationId xmlns:a16="http://schemas.microsoft.com/office/drawing/2014/main" id="{6B6BB6D9-228C-2A68-1AD3-467CF4607DB7}"/>
+                </a:ext>
+              </a:extLst>
+            </p:cNvPr>
+            <p:cNvCxnSpPr>
+              <a:cxnSpLocks/>
+              <a:stCxn id="11" idx="2"/>
+            </p:cNvCxnSpPr>
+            <p:nvPr/>
+          </p:nvCxnSpPr>
+          <p:spPr>
+            <a:xfrm>
+              <a:off x="2355648" y="2837340"/>
+              <a:ext cx="0" cy="344615"/>
+            </a:xfrm>
+            <a:prstGeom prst="straightConnector1">
+              <a:avLst/>
+            </a:prstGeom>
+            <a:ln>
+              <a:tailEnd type="triangle"/>
+            </a:ln>
+          </p:spPr>
+          <p:style>
+            <a:lnRef idx="1">
+              <a:schemeClr val="dk1"/>
+            </a:lnRef>
+            <a:fillRef idx="0">
+              <a:schemeClr val="dk1"/>
+            </a:fillRef>
+            <a:effectRef idx="0">
+              <a:schemeClr val="dk1"/>
+            </a:effectRef>
+            <a:fontRef idx="minor">
+              <a:schemeClr val="tx1"/>
+            </a:fontRef>
+          </p:style>
+        </p:cxnSp>
+        <p:cxnSp>
+          <p:nvCxnSpPr>
+            <p:cNvPr id="2" name="연결선: 꺾임 1">
+              <a:extLst>
+                <a:ext uri="{FF2B5EF4-FFF2-40B4-BE49-F238E27FC236}">
+                  <a16:creationId xmlns:a16="http://schemas.microsoft.com/office/drawing/2014/main" id="{9186049C-9442-65A8-7CDF-1D7CBDD3477B}"/>
+                </a:ext>
+              </a:extLst>
+            </p:cNvPr>
+            <p:cNvCxnSpPr>
+              <a:cxnSpLocks/>
+              <a:stCxn id="11" idx="3"/>
+              <a:endCxn id="54" idx="0"/>
+            </p:cNvCxnSpPr>
+            <p:nvPr/>
+          </p:nvCxnSpPr>
+          <p:spPr>
+            <a:xfrm>
+              <a:off x="3672621" y="2494440"/>
+              <a:ext cx="1169554" cy="433742"/>
+            </a:xfrm>
+            <a:prstGeom prst="bentConnector2">
+              <a:avLst/>
+            </a:prstGeom>
+            <a:ln>
+              <a:tailEnd type="triangle"/>
+            </a:ln>
+          </p:spPr>
+          <p:style>
+            <a:lnRef idx="1">
+              <a:schemeClr val="dk1"/>
+            </a:lnRef>
+            <a:fillRef idx="0">
+              <a:schemeClr val="dk1"/>
+            </a:fillRef>
+            <a:effectRef idx="0">
+              <a:schemeClr val="dk1"/>
+            </a:effectRef>
+            <a:fontRef idx="minor">
+              <a:schemeClr val="tx1"/>
+            </a:fontRef>
+          </p:style>
+        </p:cxnSp>
+        <p:sp>
+          <p:nvSpPr>
+            <p:cNvPr id="18" name="TextBox 17">
+              <a:extLst>
+                <a:ext uri="{FF2B5EF4-FFF2-40B4-BE49-F238E27FC236}">
+                  <a16:creationId xmlns:a16="http://schemas.microsoft.com/office/drawing/2014/main" id="{ECFA4020-FF0A-307D-95C1-BC42F10854B7}"/>
+                </a:ext>
+              </a:extLst>
+            </p:cNvPr>
+            <p:cNvSpPr txBox="1"/>
+            <p:nvPr/>
+          </p:nvSpPr>
+          <p:spPr>
+            <a:xfrm>
+              <a:off x="3607690" y="2263608"/>
+              <a:ext cx="420308" cy="230832"/>
+            </a:xfrm>
+            <a:prstGeom prst="rect">
+              <a:avLst/>
+            </a:prstGeom>
+            <a:noFill/>
+          </p:spPr>
+          <p:txBody>
+            <a:bodyPr wrap="none" rtlCol="0">
+              <a:spAutoFit/>
+            </a:bodyPr>
+            <a:lstStyle/>
+            <a:p>
+              <a:r>
+                <a:rPr lang="en-US" altLang="ko-KR" sz="900" dirty="0">
+                  <a:latin typeface="Microsoft GothicNeo Light" panose="020B0300000101010101" pitchFamily="50" charset="-127"/>
+                  <a:ea typeface="Microsoft GothicNeo Light" panose="020B0300000101010101" pitchFamily="50" charset="-127"/>
+                  <a:cs typeface="Microsoft GothicNeo Light" panose="020B0300000101010101" pitchFamily="50" charset="-127"/>
+                </a:rPr>
+                <a:t>false</a:t>
+              </a:r>
+              <a:endParaRPr lang="ko-KR" altLang="en-US" sz="900" dirty="0">
+                <a:latin typeface="Microsoft GothicNeo Light" panose="020B0300000101010101" pitchFamily="50" charset="-127"/>
+                <a:ea typeface="Microsoft GothicNeo Light" panose="020B0300000101010101" pitchFamily="50" charset="-127"/>
+                <a:cs typeface="Microsoft GothicNeo Light" panose="020B0300000101010101" pitchFamily="50" charset="-127"/>
+              </a:endParaRPr>
+            </a:p>
+          </p:txBody>
+        </p:sp>
+        <p:sp>
+          <p:nvSpPr>
+            <p:cNvPr id="21" name="순서도: 대체 처리 20">
+              <a:extLst>
+                <a:ext uri="{FF2B5EF4-FFF2-40B4-BE49-F238E27FC236}">
+                  <a16:creationId xmlns:a16="http://schemas.microsoft.com/office/drawing/2014/main" id="{E480041C-F4DD-916E-9FD7-4708B37A9412}"/>
+                </a:ext>
+              </a:extLst>
+            </p:cNvPr>
+            <p:cNvSpPr/>
+            <p:nvPr/>
+          </p:nvSpPr>
+          <p:spPr>
+            <a:xfrm>
+              <a:off x="1600668" y="3185793"/>
+              <a:ext cx="1509960" cy="336884"/>
+            </a:xfrm>
+            <a:prstGeom prst="flowChartAlternateProcess">
+              <a:avLst/>
+            </a:prstGeom>
+          </p:spPr>
+          <p:style>
+            <a:lnRef idx="2">
+              <a:schemeClr val="dk1"/>
+            </a:lnRef>
+            <a:fillRef idx="1">
+              <a:schemeClr val="lt1"/>
+            </a:fillRef>
+            <a:effectRef idx="0">
+              <a:schemeClr val="dk1"/>
+            </a:effectRef>
+            <a:fontRef idx="minor">
+              <a:schemeClr val="dk1"/>
+            </a:fontRef>
+          </p:style>
+          <p:txBody>
+            <a:bodyPr rtlCol="0" anchor="ctr"/>
+            <a:lstStyle/>
+            <a:p>
+              <a:pPr algn="ctr"/>
+              <a:r>
+                <a:rPr lang="ko-KR" altLang="en-US" sz="1000" dirty="0">
+                  <a:latin typeface="Microsoft GothicNeo Light" panose="020B0300000101010101" pitchFamily="50" charset="-127"/>
+                  <a:ea typeface="Microsoft GothicNeo Light" panose="020B0300000101010101" pitchFamily="50" charset="-127"/>
+                  <a:cs typeface="Microsoft GothicNeo Light" panose="020B0300000101010101" pitchFamily="50" charset="-127"/>
+                </a:rPr>
+                <a:t>타겟 컬러 설정</a:t>
+              </a:r>
+            </a:p>
+          </p:txBody>
+        </p:sp>
+        <p:cxnSp>
+          <p:nvCxnSpPr>
+            <p:cNvPr id="26" name="직선 화살표 연결선 25">
+              <a:extLst>
+                <a:ext uri="{FF2B5EF4-FFF2-40B4-BE49-F238E27FC236}">
+                  <a16:creationId xmlns:a16="http://schemas.microsoft.com/office/drawing/2014/main" id="{78FBB5B7-6760-7F75-CF4A-FEB78BC000EC}"/>
+                </a:ext>
+              </a:extLst>
+            </p:cNvPr>
+            <p:cNvCxnSpPr>
+              <a:cxnSpLocks/>
+              <a:stCxn id="21" idx="2"/>
+              <a:endCxn id="27" idx="0"/>
+            </p:cNvCxnSpPr>
+            <p:nvPr/>
+          </p:nvCxnSpPr>
+          <p:spPr>
+            <a:xfrm>
+              <a:off x="2355648" y="3522677"/>
+              <a:ext cx="0" cy="166910"/>
+            </a:xfrm>
+            <a:prstGeom prst="straightConnector1">
+              <a:avLst/>
+            </a:prstGeom>
+            <a:ln>
+              <a:tailEnd type="triangle"/>
+            </a:ln>
+          </p:spPr>
+          <p:style>
+            <a:lnRef idx="1">
+              <a:schemeClr val="dk1"/>
+            </a:lnRef>
+            <a:fillRef idx="0">
+              <a:schemeClr val="dk1"/>
+            </a:fillRef>
+            <a:effectRef idx="0">
+              <a:schemeClr val="dk1"/>
+            </a:effectRef>
+            <a:fontRef idx="minor">
+              <a:schemeClr val="tx1"/>
+            </a:fontRef>
+          </p:style>
+        </p:cxnSp>
+        <p:sp>
+          <p:nvSpPr>
+            <p:cNvPr id="27" name="순서도: 대체 처리 26">
+              <a:extLst>
+                <a:ext uri="{FF2B5EF4-FFF2-40B4-BE49-F238E27FC236}">
+                  <a16:creationId xmlns:a16="http://schemas.microsoft.com/office/drawing/2014/main" id="{91124556-63E9-0439-EB7B-487AD71148DE}"/>
+                </a:ext>
+              </a:extLst>
+            </p:cNvPr>
+            <p:cNvSpPr/>
+            <p:nvPr/>
+          </p:nvSpPr>
+          <p:spPr>
+            <a:xfrm>
+              <a:off x="1600668" y="3689587"/>
+              <a:ext cx="1509960" cy="336884"/>
+            </a:xfrm>
+            <a:prstGeom prst="flowChartAlternateProcess">
+              <a:avLst/>
+            </a:prstGeom>
+          </p:spPr>
+          <p:style>
+            <a:lnRef idx="2">
+              <a:schemeClr val="dk1"/>
+            </a:lnRef>
+            <a:fillRef idx="1">
+              <a:schemeClr val="lt1"/>
+            </a:fillRef>
+            <a:effectRef idx="0">
+              <a:schemeClr val="dk1"/>
+            </a:effectRef>
+            <a:fontRef idx="minor">
+              <a:schemeClr val="dk1"/>
+            </a:fontRef>
+          </p:style>
+          <p:txBody>
+            <a:bodyPr rtlCol="0" anchor="ctr"/>
+            <a:lstStyle/>
+            <a:p>
+              <a:pPr algn="ctr"/>
+              <a:r>
+                <a:rPr lang="ko-KR" altLang="en-US" sz="1000" dirty="0">
+                  <a:latin typeface="Microsoft GothicNeo Light" panose="020B0300000101010101" pitchFamily="50" charset="-127"/>
+                  <a:ea typeface="Microsoft GothicNeo Light" panose="020B0300000101010101" pitchFamily="50" charset="-127"/>
+                  <a:cs typeface="Microsoft GothicNeo Light" panose="020B0300000101010101" pitchFamily="50" charset="-127"/>
+                </a:rPr>
+                <a:t>타겟 조준 중 대기</a:t>
+              </a:r>
+            </a:p>
+          </p:txBody>
+        </p:sp>
+        <p:cxnSp>
+          <p:nvCxnSpPr>
+            <p:cNvPr id="28" name="직선 화살표 연결선 27">
+              <a:extLst>
+                <a:ext uri="{FF2B5EF4-FFF2-40B4-BE49-F238E27FC236}">
+                  <a16:creationId xmlns:a16="http://schemas.microsoft.com/office/drawing/2014/main" id="{78C4A6A4-279F-AA8C-4580-FAD61EC8D0F2}"/>
+                </a:ext>
+              </a:extLst>
+            </p:cNvPr>
+            <p:cNvCxnSpPr>
+              <a:cxnSpLocks/>
+              <a:stCxn id="27" idx="2"/>
+              <a:endCxn id="29" idx="0"/>
+            </p:cNvCxnSpPr>
+            <p:nvPr/>
+          </p:nvCxnSpPr>
+          <p:spPr>
+            <a:xfrm>
+              <a:off x="2355648" y="4026471"/>
+              <a:ext cx="0" cy="142338"/>
+            </a:xfrm>
+            <a:prstGeom prst="straightConnector1">
+              <a:avLst/>
+            </a:prstGeom>
+            <a:ln>
+              <a:tailEnd type="triangle"/>
+            </a:ln>
+          </p:spPr>
+          <p:style>
+            <a:lnRef idx="1">
+              <a:schemeClr val="dk1"/>
+            </a:lnRef>
+            <a:fillRef idx="0">
+              <a:schemeClr val="dk1"/>
+            </a:fillRef>
+            <a:effectRef idx="0">
+              <a:schemeClr val="dk1"/>
+            </a:effectRef>
+            <a:fontRef idx="minor">
+              <a:schemeClr val="tx1"/>
+            </a:fontRef>
+          </p:style>
+        </p:cxnSp>
+        <p:sp>
+          <p:nvSpPr>
+            <p:cNvPr id="29" name="순서도: 대체 처리 28">
+              <a:extLst>
+                <a:ext uri="{FF2B5EF4-FFF2-40B4-BE49-F238E27FC236}">
+                  <a16:creationId xmlns:a16="http://schemas.microsoft.com/office/drawing/2014/main" id="{4176E894-46FB-631C-60B3-59839B1E15CD}"/>
+                </a:ext>
+              </a:extLst>
+            </p:cNvPr>
+            <p:cNvSpPr/>
+            <p:nvPr/>
+          </p:nvSpPr>
+          <p:spPr>
+            <a:xfrm>
+              <a:off x="1600668" y="4168809"/>
+              <a:ext cx="1509960" cy="336884"/>
+            </a:xfrm>
+            <a:prstGeom prst="flowChartAlternateProcess">
+              <a:avLst/>
+            </a:prstGeom>
+          </p:spPr>
+          <p:style>
+            <a:lnRef idx="2">
+              <a:schemeClr val="dk1"/>
+            </a:lnRef>
+            <a:fillRef idx="1">
+              <a:schemeClr val="lt1"/>
+            </a:fillRef>
+            <a:effectRef idx="0">
+              <a:schemeClr val="dk1"/>
+            </a:effectRef>
+            <a:fontRef idx="minor">
+              <a:schemeClr val="dk1"/>
+            </a:fontRef>
+          </p:style>
+          <p:txBody>
+            <a:bodyPr rtlCol="0" anchor="ctr"/>
+            <a:lstStyle/>
+            <a:p>
+              <a:pPr algn="ctr"/>
+              <a:r>
+                <a:rPr lang="ko-KR" altLang="en-US" sz="1000" dirty="0">
+                  <a:latin typeface="Microsoft GothicNeo Light" panose="020B0300000101010101" pitchFamily="50" charset="-127"/>
+                  <a:ea typeface="Microsoft GothicNeo Light" panose="020B0300000101010101" pitchFamily="50" charset="-127"/>
+                  <a:cs typeface="Microsoft GothicNeo Light" panose="020B0300000101010101" pitchFamily="50" charset="-127"/>
+                </a:rPr>
+                <a:t>돌격 공격</a:t>
+              </a:r>
+            </a:p>
+          </p:txBody>
+        </p:sp>
+        <p:cxnSp>
+          <p:nvCxnSpPr>
+            <p:cNvPr id="30" name="직선 화살표 연결선 29">
+              <a:extLst>
+                <a:ext uri="{FF2B5EF4-FFF2-40B4-BE49-F238E27FC236}">
+                  <a16:creationId xmlns:a16="http://schemas.microsoft.com/office/drawing/2014/main" id="{70972ABB-895F-AD89-C5E7-4C28E148835D}"/>
+                </a:ext>
+              </a:extLst>
+            </p:cNvPr>
+            <p:cNvCxnSpPr>
+              <a:cxnSpLocks/>
+              <a:stCxn id="29" idx="2"/>
+              <a:endCxn id="33" idx="0"/>
+            </p:cNvCxnSpPr>
+            <p:nvPr/>
+          </p:nvCxnSpPr>
+          <p:spPr>
+            <a:xfrm>
+              <a:off x="2355648" y="4505693"/>
+              <a:ext cx="0" cy="142338"/>
+            </a:xfrm>
+            <a:prstGeom prst="straightConnector1">
+              <a:avLst/>
+            </a:prstGeom>
+            <a:ln>
+              <a:tailEnd type="triangle"/>
+            </a:ln>
+          </p:spPr>
+          <p:style>
+            <a:lnRef idx="1">
+              <a:schemeClr val="dk1"/>
+            </a:lnRef>
+            <a:fillRef idx="0">
+              <a:schemeClr val="dk1"/>
+            </a:fillRef>
+            <a:effectRef idx="0">
+              <a:schemeClr val="dk1"/>
+            </a:effectRef>
+            <a:fontRef idx="minor">
+              <a:schemeClr val="tx1"/>
+            </a:fontRef>
+          </p:style>
+        </p:cxnSp>
+        <p:sp>
+          <p:nvSpPr>
+            <p:cNvPr id="33" name="순서도: 판단 32">
+              <a:extLst>
+                <a:ext uri="{FF2B5EF4-FFF2-40B4-BE49-F238E27FC236}">
+                  <a16:creationId xmlns:a16="http://schemas.microsoft.com/office/drawing/2014/main" id="{BE8811A7-9473-7623-2AF3-4469614E280E}"/>
+                </a:ext>
+              </a:extLst>
+            </p:cNvPr>
+            <p:cNvSpPr/>
+            <p:nvPr/>
+          </p:nvSpPr>
+          <p:spPr>
+            <a:xfrm>
+              <a:off x="1038675" y="4648031"/>
+              <a:ext cx="2633946" cy="685800"/>
+            </a:xfrm>
+            <a:prstGeom prst="flowChartDecision">
+              <a:avLst/>
+            </a:prstGeom>
+            <a:noFill/>
+            <a:ln w="9525" cap="flat" cmpd="sng" algn="ctr">
+              <a:solidFill>
+                <a:schemeClr val="dk1"/>
+              </a:solidFill>
+              <a:prstDash val="solid"/>
+              <a:round/>
+              <a:headEnd type="none" w="med" len="med"/>
+              <a:tailEnd type="none" w="med" len="med"/>
+            </a:ln>
+          </p:spPr>
+          <p:style>
+            <a:lnRef idx="0">
+              <a:scrgbClr r="0" g="0" b="0"/>
+            </a:lnRef>
+            <a:fillRef idx="0">
+              <a:scrgbClr r="0" g="0" b="0"/>
+            </a:fillRef>
+            <a:effectRef idx="0">
+              <a:scrgbClr r="0" g="0" b="0"/>
+            </a:effectRef>
+            <a:fontRef idx="minor">
+              <a:schemeClr val="dk1"/>
+            </a:fontRef>
+          </p:style>
+          <p:txBody>
+            <a:bodyPr rtlCol="0" anchor="ctr"/>
+            <a:lstStyle/>
+            <a:p>
+              <a:pPr algn="ctr"/>
+              <a:r>
+                <a:rPr lang="ko-KR" altLang="en-US" sz="1000" dirty="0" err="1">
+                  <a:latin typeface="Microsoft GothicNeo Light" panose="020B0300000101010101" pitchFamily="50" charset="-127"/>
+                  <a:ea typeface="Microsoft GothicNeo Light" panose="020B0300000101010101" pitchFamily="50" charset="-127"/>
+                  <a:cs typeface="Microsoft GothicNeo Light" panose="020B0300000101010101" pitchFamily="50" charset="-127"/>
+                </a:rPr>
+                <a:t>기믹</a:t>
+              </a:r>
+              <a:r>
+                <a:rPr lang="ko-KR" altLang="en-US" sz="1000" dirty="0">
+                  <a:latin typeface="Microsoft GothicNeo Light" panose="020B0300000101010101" pitchFamily="50" charset="-127"/>
+                  <a:ea typeface="Microsoft GothicNeo Light" panose="020B0300000101010101" pitchFamily="50" charset="-127"/>
+                  <a:cs typeface="Microsoft GothicNeo Light" panose="020B0300000101010101" pitchFamily="50" charset="-127"/>
+                </a:rPr>
+                <a:t> 충돌</a:t>
+              </a:r>
+            </a:p>
+          </p:txBody>
+        </p:sp>
+        <p:sp>
+          <p:nvSpPr>
+            <p:cNvPr id="44" name="TextBox 43">
+              <a:extLst>
+                <a:ext uri="{FF2B5EF4-FFF2-40B4-BE49-F238E27FC236}">
+                  <a16:creationId xmlns:a16="http://schemas.microsoft.com/office/drawing/2014/main" id="{9753CFCE-4828-0660-C7BB-CE6260FCBB1D}"/>
+                </a:ext>
+              </a:extLst>
+            </p:cNvPr>
+            <p:cNvSpPr txBox="1"/>
+            <p:nvPr/>
+          </p:nvSpPr>
+          <p:spPr>
+            <a:xfrm>
+              <a:off x="2321306" y="5333368"/>
+              <a:ext cx="394660" cy="230832"/>
+            </a:xfrm>
+            <a:prstGeom prst="rect">
+              <a:avLst/>
+            </a:prstGeom>
+            <a:noFill/>
+          </p:spPr>
+          <p:txBody>
+            <a:bodyPr wrap="none" rtlCol="0">
+              <a:spAutoFit/>
+            </a:bodyPr>
+            <a:lstStyle/>
+            <a:p>
+              <a:r>
+                <a:rPr lang="en-US" altLang="ko-KR" sz="900" dirty="0">
+                  <a:latin typeface="Microsoft GothicNeo Light" panose="020B0300000101010101" pitchFamily="50" charset="-127"/>
+                  <a:ea typeface="Microsoft GothicNeo Light" panose="020B0300000101010101" pitchFamily="50" charset="-127"/>
+                  <a:cs typeface="Microsoft GothicNeo Light" panose="020B0300000101010101" pitchFamily="50" charset="-127"/>
+                </a:rPr>
+                <a:t>true</a:t>
+              </a:r>
+              <a:endParaRPr lang="ko-KR" altLang="en-US" sz="900" dirty="0">
+                <a:latin typeface="Microsoft GothicNeo Light" panose="020B0300000101010101" pitchFamily="50" charset="-127"/>
+                <a:ea typeface="Microsoft GothicNeo Light" panose="020B0300000101010101" pitchFamily="50" charset="-127"/>
+                <a:cs typeface="Microsoft GothicNeo Light" panose="020B0300000101010101" pitchFamily="50" charset="-127"/>
+              </a:endParaRPr>
+            </a:p>
+          </p:txBody>
+        </p:sp>
+        <p:cxnSp>
+          <p:nvCxnSpPr>
+            <p:cNvPr id="45" name="직선 화살표 연결선 44">
+              <a:extLst>
+                <a:ext uri="{FF2B5EF4-FFF2-40B4-BE49-F238E27FC236}">
+                  <a16:creationId xmlns:a16="http://schemas.microsoft.com/office/drawing/2014/main" id="{B4390F81-CEA4-57E6-02D1-3BC77E2ED523}"/>
+                </a:ext>
+              </a:extLst>
+            </p:cNvPr>
+            <p:cNvCxnSpPr>
+              <a:cxnSpLocks/>
+              <a:stCxn id="33" idx="2"/>
+              <a:endCxn id="48" idx="0"/>
+            </p:cNvCxnSpPr>
+            <p:nvPr/>
+          </p:nvCxnSpPr>
+          <p:spPr>
+            <a:xfrm>
+              <a:off x="2355648" y="5333831"/>
+              <a:ext cx="0" cy="304163"/>
+            </a:xfrm>
+            <a:prstGeom prst="straightConnector1">
+              <a:avLst/>
+            </a:prstGeom>
+            <a:ln>
+              <a:tailEnd type="triangle"/>
+            </a:ln>
+          </p:spPr>
+          <p:style>
+            <a:lnRef idx="1">
+              <a:schemeClr val="dk1"/>
+            </a:lnRef>
+            <a:fillRef idx="0">
+              <a:schemeClr val="dk1"/>
+            </a:fillRef>
+            <a:effectRef idx="0">
+              <a:schemeClr val="dk1"/>
+            </a:effectRef>
+            <a:fontRef idx="minor">
+              <a:schemeClr val="tx1"/>
+            </a:fontRef>
+          </p:style>
+        </p:cxnSp>
+        <p:sp>
+          <p:nvSpPr>
+            <p:cNvPr id="48" name="순서도: 대체 처리 47">
+              <a:extLst>
+                <a:ext uri="{FF2B5EF4-FFF2-40B4-BE49-F238E27FC236}">
+                  <a16:creationId xmlns:a16="http://schemas.microsoft.com/office/drawing/2014/main" id="{42E16DCC-B9D7-A21F-D601-F5475735EEB9}"/>
+                </a:ext>
+              </a:extLst>
+            </p:cNvPr>
+            <p:cNvSpPr/>
+            <p:nvPr/>
+          </p:nvSpPr>
+          <p:spPr>
+            <a:xfrm>
+              <a:off x="1600668" y="5637994"/>
+              <a:ext cx="1509960" cy="336884"/>
+            </a:xfrm>
+            <a:prstGeom prst="flowChartAlternateProcess">
+              <a:avLst/>
+            </a:prstGeom>
+          </p:spPr>
+          <p:style>
+            <a:lnRef idx="2">
+              <a:schemeClr val="dk1"/>
+            </a:lnRef>
+            <a:fillRef idx="1">
+              <a:schemeClr val="lt1"/>
+            </a:fillRef>
+            <a:effectRef idx="0">
+              <a:schemeClr val="dk1"/>
+            </a:effectRef>
+            <a:fontRef idx="minor">
+              <a:schemeClr val="dk1"/>
+            </a:fontRef>
+          </p:style>
+          <p:txBody>
+            <a:bodyPr rtlCol="0" anchor="ctr"/>
+            <a:lstStyle/>
+            <a:p>
+              <a:pPr algn="ctr"/>
+              <a:r>
+                <a:rPr lang="ko-KR" altLang="en-US" sz="1000" dirty="0" err="1">
+                  <a:latin typeface="Microsoft GothicNeo Light" panose="020B0300000101010101" pitchFamily="50" charset="-127"/>
+                  <a:ea typeface="Microsoft GothicNeo Light" panose="020B0300000101010101" pitchFamily="50" charset="-127"/>
+                  <a:cs typeface="Microsoft GothicNeo Light" panose="020B0300000101010101" pitchFamily="50" charset="-127"/>
+                </a:rPr>
+                <a:t>기믹</a:t>
+              </a:r>
+              <a:r>
+                <a:rPr lang="ko-KR" altLang="en-US" sz="1000" dirty="0">
+                  <a:latin typeface="Microsoft GothicNeo Light" panose="020B0300000101010101" pitchFamily="50" charset="-127"/>
+                  <a:ea typeface="Microsoft GothicNeo Light" panose="020B0300000101010101" pitchFamily="50" charset="-127"/>
+                  <a:cs typeface="Microsoft GothicNeo Light" panose="020B0300000101010101" pitchFamily="50" charset="-127"/>
+                </a:rPr>
+                <a:t> 파괴</a:t>
+              </a:r>
+            </a:p>
+          </p:txBody>
+        </p:sp>
+        <p:cxnSp>
+          <p:nvCxnSpPr>
+            <p:cNvPr id="51" name="연결선: 꺾임 50">
+              <a:extLst>
+                <a:ext uri="{FF2B5EF4-FFF2-40B4-BE49-F238E27FC236}">
+                  <a16:creationId xmlns:a16="http://schemas.microsoft.com/office/drawing/2014/main" id="{17E532B0-373D-DE20-E5E8-15760BECFFFA}"/>
+                </a:ext>
+              </a:extLst>
+            </p:cNvPr>
+            <p:cNvCxnSpPr>
+              <a:cxnSpLocks/>
+              <a:stCxn id="48" idx="1"/>
+              <a:endCxn id="11" idx="1"/>
+            </p:cNvCxnSpPr>
+            <p:nvPr/>
+          </p:nvCxnSpPr>
+          <p:spPr>
+            <a:xfrm rot="10800000">
+              <a:off x="1038676" y="2494440"/>
+              <a:ext cx="561993" cy="3311996"/>
+            </a:xfrm>
+            <a:prstGeom prst="bentConnector3">
+              <a:avLst>
+                <a:gd name="adj1" fmla="val 140677"/>
+              </a:avLst>
+            </a:prstGeom>
+            <a:ln>
+              <a:tailEnd type="triangle"/>
+            </a:ln>
+          </p:spPr>
+          <p:style>
+            <a:lnRef idx="1">
+              <a:schemeClr val="dk1"/>
+            </a:lnRef>
+            <a:fillRef idx="0">
+              <a:schemeClr val="dk1"/>
+            </a:fillRef>
+            <a:effectRef idx="0">
+              <a:schemeClr val="dk1"/>
+            </a:effectRef>
+            <a:fontRef idx="minor">
+              <a:schemeClr val="tx1"/>
+            </a:fontRef>
+          </p:style>
+        </p:cxnSp>
+        <p:sp>
+          <p:nvSpPr>
+            <p:cNvPr id="54" name="순서도: 대체 처리 53">
+              <a:extLst>
+                <a:ext uri="{FF2B5EF4-FFF2-40B4-BE49-F238E27FC236}">
+                  <a16:creationId xmlns:a16="http://schemas.microsoft.com/office/drawing/2014/main" id="{208622BE-4B1B-6EB4-5378-1989A86F3411}"/>
+                </a:ext>
+              </a:extLst>
+            </p:cNvPr>
+            <p:cNvSpPr/>
+            <p:nvPr/>
+          </p:nvSpPr>
+          <p:spPr>
+            <a:xfrm>
+              <a:off x="4087195" y="2928182"/>
+              <a:ext cx="1509960" cy="336884"/>
+            </a:xfrm>
+            <a:prstGeom prst="flowChartAlternateProcess">
+              <a:avLst/>
+            </a:prstGeom>
+          </p:spPr>
+          <p:style>
+            <a:lnRef idx="2">
+              <a:schemeClr val="dk1"/>
+            </a:lnRef>
+            <a:fillRef idx="1">
+              <a:schemeClr val="lt1"/>
+            </a:fillRef>
+            <a:effectRef idx="0">
+              <a:schemeClr val="dk1"/>
+            </a:effectRef>
+            <a:fontRef idx="minor">
+              <a:schemeClr val="dk1"/>
+            </a:fontRef>
+          </p:style>
+          <p:txBody>
+            <a:bodyPr rtlCol="0" anchor="ctr"/>
+            <a:lstStyle/>
+            <a:p>
+              <a:pPr algn="ctr"/>
+              <a:r>
+                <a:rPr lang="ko-KR" altLang="en-US" sz="1000" dirty="0">
+                  <a:latin typeface="Microsoft GothicNeo Light" panose="020B0300000101010101" pitchFamily="50" charset="-127"/>
+                  <a:ea typeface="Microsoft GothicNeo Light" panose="020B0300000101010101" pitchFamily="50" charset="-127"/>
+                  <a:cs typeface="Microsoft GothicNeo Light" panose="020B0300000101010101" pitchFamily="50" charset="-127"/>
+                </a:rPr>
+                <a:t>종료</a:t>
+              </a:r>
+            </a:p>
+          </p:txBody>
+        </p:sp>
+        <p:sp>
+          <p:nvSpPr>
+            <p:cNvPr id="60" name="TextBox 59">
+              <a:extLst>
+                <a:ext uri="{FF2B5EF4-FFF2-40B4-BE49-F238E27FC236}">
+                  <a16:creationId xmlns:a16="http://schemas.microsoft.com/office/drawing/2014/main" id="{4D73E1C7-6BE6-D054-B10D-8964E287ED6A}"/>
+                </a:ext>
+              </a:extLst>
+            </p:cNvPr>
+            <p:cNvSpPr txBox="1"/>
+            <p:nvPr/>
+          </p:nvSpPr>
+          <p:spPr>
+            <a:xfrm>
+              <a:off x="3607690" y="4760099"/>
+              <a:ext cx="420308" cy="230832"/>
+            </a:xfrm>
+            <a:prstGeom prst="rect">
+              <a:avLst/>
+            </a:prstGeom>
+            <a:noFill/>
+          </p:spPr>
+          <p:txBody>
+            <a:bodyPr wrap="none" rtlCol="0">
+              <a:spAutoFit/>
+            </a:bodyPr>
+            <a:lstStyle/>
+            <a:p>
+              <a:r>
+                <a:rPr lang="en-US" altLang="ko-KR" sz="900" dirty="0">
+                  <a:latin typeface="Microsoft GothicNeo Light" panose="020B0300000101010101" pitchFamily="50" charset="-127"/>
+                  <a:ea typeface="Microsoft GothicNeo Light" panose="020B0300000101010101" pitchFamily="50" charset="-127"/>
+                  <a:cs typeface="Microsoft GothicNeo Light" panose="020B0300000101010101" pitchFamily="50" charset="-127"/>
+                </a:rPr>
+                <a:t>false</a:t>
+              </a:r>
+              <a:endParaRPr lang="ko-KR" altLang="en-US" sz="900" dirty="0">
+                <a:latin typeface="Microsoft GothicNeo Light" panose="020B0300000101010101" pitchFamily="50" charset="-127"/>
+                <a:ea typeface="Microsoft GothicNeo Light" panose="020B0300000101010101" pitchFamily="50" charset="-127"/>
+                <a:cs typeface="Microsoft GothicNeo Light" panose="020B0300000101010101" pitchFamily="50" charset="-127"/>
+              </a:endParaRPr>
+            </a:p>
+          </p:txBody>
+        </p:sp>
+        <p:cxnSp>
+          <p:nvCxnSpPr>
+            <p:cNvPr id="61" name="연결선: 꺾임 60">
+              <a:extLst>
+                <a:ext uri="{FF2B5EF4-FFF2-40B4-BE49-F238E27FC236}">
+                  <a16:creationId xmlns:a16="http://schemas.microsoft.com/office/drawing/2014/main" id="{5FB809B1-8EC8-DD16-F4BF-A6F083500F4E}"/>
+                </a:ext>
+              </a:extLst>
+            </p:cNvPr>
+            <p:cNvCxnSpPr>
+              <a:cxnSpLocks/>
+              <a:stCxn id="33" idx="3"/>
+              <a:endCxn id="11" idx="1"/>
+            </p:cNvCxnSpPr>
+            <p:nvPr/>
+          </p:nvCxnSpPr>
+          <p:spPr>
+            <a:xfrm flipH="1" flipV="1">
+              <a:off x="1038675" y="2494440"/>
+              <a:ext cx="2633946" cy="2496491"/>
+            </a:xfrm>
+            <a:prstGeom prst="bentConnector5">
+              <a:avLst>
+                <a:gd name="adj1" fmla="val -8679"/>
+                <a:gd name="adj2" fmla="val -46147"/>
+                <a:gd name="adj3" fmla="val 108679"/>
+              </a:avLst>
+            </a:prstGeom>
+            <a:ln>
+              <a:tailEnd type="triangle"/>
+            </a:ln>
+          </p:spPr>
+          <p:style>
+            <a:lnRef idx="1">
+              <a:schemeClr val="dk1"/>
+            </a:lnRef>
+            <a:fillRef idx="0">
+              <a:schemeClr val="dk1"/>
+            </a:fillRef>
+            <a:effectRef idx="0">
+              <a:schemeClr val="dk1"/>
+            </a:effectRef>
+            <a:fontRef idx="minor">
+              <a:schemeClr val="tx1"/>
+            </a:fontRef>
+          </p:style>
+        </p:cxnSp>
+      </p:grpSp>
     </p:spTree>
     <p:extLst>
       <p:ext uri="{BB962C8B-B14F-4D97-AF65-F5344CB8AC3E}">
         <p14:creationId xmlns:p14="http://schemas.microsoft.com/office/powerpoint/2010/main" val="199140094"/>
+      </p:ext>
+    </p:extLst>
+  </p:cSld>
+  <p:clrMapOvr>
+    <a:masterClrMapping/>
+  </p:clrMapOvr>
+</p:sld>
+</file>
+
+<file path=ppt/slides/slide12.xml><?xml version="1.0" encoding="utf-8"?>
+<p:sld xmlns:a="http://schemas.openxmlformats.org/drawingml/2006/main" xmlns:r="http://schemas.openxmlformats.org/officeDocument/2006/relationships" xmlns:p="http://schemas.openxmlformats.org/presentationml/2006/main">
+  <p:cSld>
+    <p:spTree>
+      <p:nvGrpSpPr>
+        <p:cNvPr id="1" name=""/>
+        <p:cNvGrpSpPr/>
+        <p:nvPr/>
+      </p:nvGrpSpPr>
+      <p:grpSpPr>
+        <a:xfrm>
+          <a:off x="0" y="0"/>
+          <a:ext cx="0" cy="0"/>
+          <a:chOff x="0" y="0"/>
+          <a:chExt cx="0" cy="0"/>
+        </a:xfrm>
+      </p:grpSpPr>
+      <p:sp>
+        <p:nvSpPr>
+          <p:cNvPr id="2" name="직사각형 1">
+            <a:extLst>
+              <a:ext uri="{FF2B5EF4-FFF2-40B4-BE49-F238E27FC236}">
+                <a16:creationId xmlns:a16="http://schemas.microsoft.com/office/drawing/2014/main" id="{776D6934-E85E-2B5C-F414-AFC939B5D152}"/>
+              </a:ext>
+            </a:extLst>
+          </p:cNvPr>
+          <p:cNvSpPr/>
+          <p:nvPr/>
+        </p:nvSpPr>
+        <p:spPr>
+          <a:xfrm>
+            <a:off x="631657" y="920392"/>
+            <a:ext cx="1384836" cy="1227635"/>
+          </a:xfrm>
+          <a:prstGeom prst="rect">
+            <a:avLst/>
+          </a:prstGeom>
+          <a:ln>
+            <a:solidFill>
+              <a:schemeClr val="tx1"/>
+            </a:solidFill>
+          </a:ln>
+        </p:spPr>
+        <p:style>
+          <a:lnRef idx="2">
+            <a:schemeClr val="accent3">
+              <a:shade val="50000"/>
+            </a:schemeClr>
+          </a:lnRef>
+          <a:fillRef idx="1">
+            <a:schemeClr val="accent3"/>
+          </a:fillRef>
+          <a:effectRef idx="0">
+            <a:schemeClr val="accent3"/>
+          </a:effectRef>
+          <a:fontRef idx="minor">
+            <a:schemeClr val="lt1"/>
+          </a:fontRef>
+        </p:style>
+        <p:txBody>
+          <a:bodyPr rtlCol="0" anchor="ctr"/>
+          <a:lstStyle/>
+          <a:p>
+            <a:pPr algn="ctr"/>
+            <a:endParaRPr lang="ko-KR" altLang="en-US"/>
+          </a:p>
+        </p:txBody>
+      </p:sp>
+      <p:sp>
+        <p:nvSpPr>
+          <p:cNvPr id="3" name="직사각형 2">
+            <a:extLst>
+              <a:ext uri="{FF2B5EF4-FFF2-40B4-BE49-F238E27FC236}">
+                <a16:creationId xmlns:a16="http://schemas.microsoft.com/office/drawing/2014/main" id="{2819BE00-3239-4EB8-CB52-5DF022DA3864}"/>
+              </a:ext>
+            </a:extLst>
+          </p:cNvPr>
+          <p:cNvSpPr/>
+          <p:nvPr/>
+        </p:nvSpPr>
+        <p:spPr>
+          <a:xfrm>
+            <a:off x="1979063" y="920391"/>
+            <a:ext cx="1923799" cy="2567559"/>
+          </a:xfrm>
+          <a:prstGeom prst="rect">
+            <a:avLst/>
+          </a:prstGeom>
+          <a:ln>
+            <a:solidFill>
+              <a:schemeClr val="tx1"/>
+            </a:solidFill>
+          </a:ln>
+        </p:spPr>
+        <p:style>
+          <a:lnRef idx="2">
+            <a:schemeClr val="accent3">
+              <a:shade val="50000"/>
+            </a:schemeClr>
+          </a:lnRef>
+          <a:fillRef idx="1">
+            <a:schemeClr val="accent3"/>
+          </a:fillRef>
+          <a:effectRef idx="0">
+            <a:schemeClr val="accent3"/>
+          </a:effectRef>
+          <a:fontRef idx="minor">
+            <a:schemeClr val="lt1"/>
+          </a:fontRef>
+        </p:style>
+        <p:txBody>
+          <a:bodyPr rtlCol="0" anchor="ctr"/>
+          <a:lstStyle/>
+          <a:p>
+            <a:pPr algn="ctr"/>
+            <a:endParaRPr lang="ko-KR" altLang="en-US"/>
+          </a:p>
+        </p:txBody>
+      </p:sp>
+      <p:sp>
+        <p:nvSpPr>
+          <p:cNvPr id="4" name="직사각형 3">
+            <a:extLst>
+              <a:ext uri="{FF2B5EF4-FFF2-40B4-BE49-F238E27FC236}">
+                <a16:creationId xmlns:a16="http://schemas.microsoft.com/office/drawing/2014/main" id="{51122939-A04C-BA57-C872-06932C9A9F3F}"/>
+              </a:ext>
+            </a:extLst>
+          </p:cNvPr>
+          <p:cNvSpPr/>
+          <p:nvPr/>
+        </p:nvSpPr>
+        <p:spPr>
+          <a:xfrm>
+            <a:off x="1979063" y="3929599"/>
+            <a:ext cx="2767974" cy="2200764"/>
+          </a:xfrm>
+          <a:prstGeom prst="rect">
+            <a:avLst/>
+          </a:prstGeom>
+          <a:ln>
+            <a:solidFill>
+              <a:schemeClr val="tx1"/>
+            </a:solidFill>
+          </a:ln>
+        </p:spPr>
+        <p:style>
+          <a:lnRef idx="2">
+            <a:schemeClr val="accent3">
+              <a:shade val="50000"/>
+            </a:schemeClr>
+          </a:lnRef>
+          <a:fillRef idx="1">
+            <a:schemeClr val="accent3"/>
+          </a:fillRef>
+          <a:effectRef idx="0">
+            <a:schemeClr val="accent3"/>
+          </a:effectRef>
+          <a:fontRef idx="minor">
+            <a:schemeClr val="lt1"/>
+          </a:fontRef>
+        </p:style>
+        <p:txBody>
+          <a:bodyPr rtlCol="0" anchor="ctr"/>
+          <a:lstStyle/>
+          <a:p>
+            <a:pPr algn="ctr"/>
+            <a:endParaRPr lang="ko-KR" altLang="en-US"/>
+          </a:p>
+        </p:txBody>
+      </p:sp>
+      <p:sp>
+        <p:nvSpPr>
+          <p:cNvPr id="5" name="직사각형 4">
+            <a:extLst>
+              <a:ext uri="{FF2B5EF4-FFF2-40B4-BE49-F238E27FC236}">
+                <a16:creationId xmlns:a16="http://schemas.microsoft.com/office/drawing/2014/main" id="{109D0A96-3753-F3A1-C808-6C9EDC8048CA}"/>
+              </a:ext>
+            </a:extLst>
+          </p:cNvPr>
+          <p:cNvSpPr/>
+          <p:nvPr/>
+        </p:nvSpPr>
+        <p:spPr>
+          <a:xfrm>
+            <a:off x="4747038" y="5029980"/>
+            <a:ext cx="1826486" cy="838387"/>
+          </a:xfrm>
+          <a:prstGeom prst="rect">
+            <a:avLst/>
+          </a:prstGeom>
+          <a:ln>
+            <a:solidFill>
+              <a:schemeClr val="tx1"/>
+            </a:solidFill>
+          </a:ln>
+        </p:spPr>
+        <p:style>
+          <a:lnRef idx="2">
+            <a:schemeClr val="accent3">
+              <a:shade val="50000"/>
+            </a:schemeClr>
+          </a:lnRef>
+          <a:fillRef idx="1">
+            <a:schemeClr val="accent3"/>
+          </a:fillRef>
+          <a:effectRef idx="0">
+            <a:schemeClr val="accent3"/>
+          </a:effectRef>
+          <a:fontRef idx="minor">
+            <a:schemeClr val="lt1"/>
+          </a:fontRef>
+        </p:style>
+        <p:txBody>
+          <a:bodyPr rtlCol="0" anchor="ctr"/>
+          <a:lstStyle/>
+          <a:p>
+            <a:pPr algn="ctr"/>
+            <a:endParaRPr lang="ko-KR" altLang="en-US"/>
+          </a:p>
+        </p:txBody>
+      </p:sp>
+      <p:sp>
+        <p:nvSpPr>
+          <p:cNvPr id="6" name="직사각형 5">
+            <a:extLst>
+              <a:ext uri="{FF2B5EF4-FFF2-40B4-BE49-F238E27FC236}">
+                <a16:creationId xmlns:a16="http://schemas.microsoft.com/office/drawing/2014/main" id="{910B3F0F-E612-1FF8-9AAC-0604C7FDEE8B}"/>
+              </a:ext>
+            </a:extLst>
+          </p:cNvPr>
+          <p:cNvSpPr/>
+          <p:nvPr/>
+        </p:nvSpPr>
+        <p:spPr>
+          <a:xfrm>
+            <a:off x="2188661" y="3487950"/>
+            <a:ext cx="778501" cy="441649"/>
+          </a:xfrm>
+          <a:prstGeom prst="rect">
+            <a:avLst/>
+          </a:prstGeom>
+          <a:ln>
+            <a:solidFill>
+              <a:schemeClr val="tx1"/>
+            </a:solidFill>
+          </a:ln>
+        </p:spPr>
+        <p:style>
+          <a:lnRef idx="2">
+            <a:schemeClr val="accent3">
+              <a:shade val="50000"/>
+            </a:schemeClr>
+          </a:lnRef>
+          <a:fillRef idx="1">
+            <a:schemeClr val="accent3"/>
+          </a:fillRef>
+          <a:effectRef idx="0">
+            <a:schemeClr val="accent3"/>
+          </a:effectRef>
+          <a:fontRef idx="minor">
+            <a:schemeClr val="lt1"/>
+          </a:fontRef>
+        </p:style>
+        <p:txBody>
+          <a:bodyPr rtlCol="0" anchor="ctr"/>
+          <a:lstStyle/>
+          <a:p>
+            <a:pPr algn="ctr"/>
+            <a:endParaRPr lang="ko-KR" altLang="en-US"/>
+          </a:p>
+        </p:txBody>
+      </p:sp>
+      <p:sp>
+        <p:nvSpPr>
+          <p:cNvPr id="7" name="직사각형 6">
+            <a:extLst>
+              <a:ext uri="{FF2B5EF4-FFF2-40B4-BE49-F238E27FC236}">
+                <a16:creationId xmlns:a16="http://schemas.microsoft.com/office/drawing/2014/main" id="{960E867A-E2C7-AFC1-106D-7652D2D5D777}"/>
+              </a:ext>
+            </a:extLst>
+          </p:cNvPr>
+          <p:cNvSpPr/>
+          <p:nvPr/>
+        </p:nvSpPr>
+        <p:spPr>
+          <a:xfrm>
+            <a:off x="6562742" y="4333821"/>
+            <a:ext cx="1826486" cy="1796542"/>
+          </a:xfrm>
+          <a:prstGeom prst="rect">
+            <a:avLst/>
+          </a:prstGeom>
+          <a:ln>
+            <a:solidFill>
+              <a:schemeClr val="tx1"/>
+            </a:solidFill>
+          </a:ln>
+        </p:spPr>
+        <p:style>
+          <a:lnRef idx="2">
+            <a:schemeClr val="accent3">
+              <a:shade val="50000"/>
+            </a:schemeClr>
+          </a:lnRef>
+          <a:fillRef idx="1">
+            <a:schemeClr val="accent3"/>
+          </a:fillRef>
+          <a:effectRef idx="0">
+            <a:schemeClr val="accent3"/>
+          </a:effectRef>
+          <a:fontRef idx="minor">
+            <a:schemeClr val="lt1"/>
+          </a:fontRef>
+        </p:style>
+        <p:txBody>
+          <a:bodyPr rtlCol="0" anchor="ctr"/>
+          <a:lstStyle/>
+          <a:p>
+            <a:pPr algn="ctr"/>
+            <a:endParaRPr lang="ko-KR" altLang="en-US"/>
+          </a:p>
+        </p:txBody>
+      </p:sp>
+      <p:sp>
+        <p:nvSpPr>
+          <p:cNvPr id="9" name="직사각형 8">
+            <a:extLst>
+              <a:ext uri="{FF2B5EF4-FFF2-40B4-BE49-F238E27FC236}">
+                <a16:creationId xmlns:a16="http://schemas.microsoft.com/office/drawing/2014/main" id="{2DD7D2CB-F85A-EE96-335C-10E3727F6147}"/>
+              </a:ext>
+            </a:extLst>
+          </p:cNvPr>
+          <p:cNvSpPr/>
+          <p:nvPr/>
+        </p:nvSpPr>
+        <p:spPr>
+          <a:xfrm>
+            <a:off x="824410" y="1193616"/>
+            <a:ext cx="961900" cy="681187"/>
+          </a:xfrm>
+          <a:prstGeom prst="rect">
+            <a:avLst/>
+          </a:prstGeom>
+          <a:solidFill>
+            <a:schemeClr val="bg1"/>
+          </a:solidFill>
+          <a:ln>
+            <a:solidFill>
+              <a:schemeClr val="tx1"/>
+            </a:solidFill>
+          </a:ln>
+        </p:spPr>
+        <p:style>
+          <a:lnRef idx="2">
+            <a:schemeClr val="accent1">
+              <a:shade val="50000"/>
+            </a:schemeClr>
+          </a:lnRef>
+          <a:fillRef idx="1">
+            <a:schemeClr val="accent1"/>
+          </a:fillRef>
+          <a:effectRef idx="0">
+            <a:schemeClr val="accent1"/>
+          </a:effectRef>
+          <a:fontRef idx="minor">
+            <a:schemeClr val="lt1"/>
+          </a:fontRef>
+        </p:style>
+        <p:txBody>
+          <a:bodyPr rtlCol="0" anchor="ctr"/>
+          <a:lstStyle/>
+          <a:p>
+            <a:pPr algn="ctr"/>
+            <a:r>
+              <a:rPr lang="ko-KR" altLang="en-US" sz="1100" dirty="0" err="1">
+                <a:solidFill>
+                  <a:schemeClr val="tx1"/>
+                </a:solidFill>
+                <a:latin typeface="Microsoft GothicNeo Light" panose="020B0300000101010101" pitchFamily="50" charset="-127"/>
+                <a:ea typeface="Microsoft GothicNeo Light" panose="020B0300000101010101" pitchFamily="50" charset="-127"/>
+                <a:cs typeface="Microsoft GothicNeo Light" panose="020B0300000101010101" pitchFamily="50" charset="-127"/>
+              </a:rPr>
+              <a:t>스폰</a:t>
+            </a:r>
+            <a:endParaRPr lang="ko-KR" altLang="en-US" sz="1100" dirty="0">
+              <a:solidFill>
+                <a:schemeClr val="tx1"/>
+              </a:solidFill>
+              <a:latin typeface="Microsoft GothicNeo Light" panose="020B0300000101010101" pitchFamily="50" charset="-127"/>
+              <a:ea typeface="Microsoft GothicNeo Light" panose="020B0300000101010101" pitchFamily="50" charset="-127"/>
+              <a:cs typeface="Microsoft GothicNeo Light" panose="020B0300000101010101" pitchFamily="50" charset="-127"/>
+            </a:endParaRPr>
+          </a:p>
+        </p:txBody>
+      </p:sp>
+      <p:sp>
+        <p:nvSpPr>
+          <p:cNvPr id="10" name="직사각형 9">
+            <a:extLst>
+              <a:ext uri="{FF2B5EF4-FFF2-40B4-BE49-F238E27FC236}">
+                <a16:creationId xmlns:a16="http://schemas.microsoft.com/office/drawing/2014/main" id="{32EA5259-25EA-3C91-7956-3A18FDD66439}"/>
+              </a:ext>
+            </a:extLst>
+          </p:cNvPr>
+          <p:cNvSpPr/>
+          <p:nvPr/>
+        </p:nvSpPr>
+        <p:spPr>
+          <a:xfrm>
+            <a:off x="2401151" y="1807434"/>
+            <a:ext cx="961900" cy="681187"/>
+          </a:xfrm>
+          <a:prstGeom prst="rect">
+            <a:avLst/>
+          </a:prstGeom>
+          <a:solidFill>
+            <a:schemeClr val="bg1"/>
+          </a:solidFill>
+          <a:ln>
+            <a:solidFill>
+              <a:schemeClr val="tx1"/>
+            </a:solidFill>
+          </a:ln>
+        </p:spPr>
+        <p:style>
+          <a:lnRef idx="2">
+            <a:schemeClr val="accent1">
+              <a:shade val="50000"/>
+            </a:schemeClr>
+          </a:lnRef>
+          <a:fillRef idx="1">
+            <a:schemeClr val="accent1"/>
+          </a:fillRef>
+          <a:effectRef idx="0">
+            <a:schemeClr val="accent1"/>
+          </a:effectRef>
+          <a:fontRef idx="minor">
+            <a:schemeClr val="lt1"/>
+          </a:fontRef>
+        </p:style>
+        <p:txBody>
+          <a:bodyPr rtlCol="0" anchor="ctr"/>
+          <a:lstStyle/>
+          <a:p>
+            <a:pPr algn="ctr"/>
+            <a:r>
+              <a:rPr lang="en-US" altLang="ko-KR" sz="1100" dirty="0">
+                <a:solidFill>
+                  <a:schemeClr val="tx1"/>
+                </a:solidFill>
+                <a:latin typeface="Microsoft GothicNeo Light" panose="020B0300000101010101" pitchFamily="50" charset="-127"/>
+                <a:ea typeface="Microsoft GothicNeo Light" panose="020B0300000101010101" pitchFamily="50" charset="-127"/>
+                <a:cs typeface="Microsoft GothicNeo Light" panose="020B0300000101010101" pitchFamily="50" charset="-127"/>
+              </a:rPr>
+              <a:t>1</a:t>
+            </a:r>
+            <a:endParaRPr lang="ko-KR" altLang="en-US" sz="1100" dirty="0">
+              <a:solidFill>
+                <a:schemeClr val="tx1"/>
+              </a:solidFill>
+              <a:latin typeface="Microsoft GothicNeo Light" panose="020B0300000101010101" pitchFamily="50" charset="-127"/>
+              <a:ea typeface="Microsoft GothicNeo Light" panose="020B0300000101010101" pitchFamily="50" charset="-127"/>
+              <a:cs typeface="Microsoft GothicNeo Light" panose="020B0300000101010101" pitchFamily="50" charset="-127"/>
+            </a:endParaRPr>
+          </a:p>
+        </p:txBody>
+      </p:sp>
+      <p:sp>
+        <p:nvSpPr>
+          <p:cNvPr id="11" name="직사각형 10">
+            <a:extLst>
+              <a:ext uri="{FF2B5EF4-FFF2-40B4-BE49-F238E27FC236}">
+                <a16:creationId xmlns:a16="http://schemas.microsoft.com/office/drawing/2014/main" id="{980D61BA-FDEA-1E0E-4B39-D5DDB7BAB3F8}"/>
+              </a:ext>
+            </a:extLst>
+          </p:cNvPr>
+          <p:cNvSpPr/>
+          <p:nvPr/>
+        </p:nvSpPr>
+        <p:spPr>
+          <a:xfrm>
+            <a:off x="2871895" y="4689387"/>
+            <a:ext cx="961900" cy="681187"/>
+          </a:xfrm>
+          <a:prstGeom prst="rect">
+            <a:avLst/>
+          </a:prstGeom>
+          <a:solidFill>
+            <a:schemeClr val="bg1"/>
+          </a:solidFill>
+          <a:ln>
+            <a:solidFill>
+              <a:schemeClr val="tx1"/>
+            </a:solidFill>
+          </a:ln>
+        </p:spPr>
+        <p:style>
+          <a:lnRef idx="2">
+            <a:schemeClr val="accent1">
+              <a:shade val="50000"/>
+            </a:schemeClr>
+          </a:lnRef>
+          <a:fillRef idx="1">
+            <a:schemeClr val="accent1"/>
+          </a:fillRef>
+          <a:effectRef idx="0">
+            <a:schemeClr val="accent1"/>
+          </a:effectRef>
+          <a:fontRef idx="minor">
+            <a:schemeClr val="lt1"/>
+          </a:fontRef>
+        </p:style>
+        <p:txBody>
+          <a:bodyPr rtlCol="0" anchor="ctr"/>
+          <a:lstStyle/>
+          <a:p>
+            <a:pPr algn="ctr"/>
+            <a:r>
+              <a:rPr lang="en-US" altLang="ko-KR" sz="1100" dirty="0">
+                <a:solidFill>
+                  <a:schemeClr val="tx1"/>
+                </a:solidFill>
+                <a:latin typeface="Microsoft GothicNeo Light" panose="020B0300000101010101" pitchFamily="50" charset="-127"/>
+                <a:ea typeface="Microsoft GothicNeo Light" panose="020B0300000101010101" pitchFamily="50" charset="-127"/>
+                <a:cs typeface="Microsoft GothicNeo Light" panose="020B0300000101010101" pitchFamily="50" charset="-127"/>
+              </a:rPr>
+              <a:t>RED</a:t>
+            </a:r>
+            <a:endParaRPr lang="ko-KR" altLang="en-US" sz="1100" dirty="0">
+              <a:solidFill>
+                <a:schemeClr val="tx1"/>
+              </a:solidFill>
+              <a:latin typeface="Microsoft GothicNeo Light" panose="020B0300000101010101" pitchFamily="50" charset="-127"/>
+              <a:ea typeface="Microsoft GothicNeo Light" panose="020B0300000101010101" pitchFamily="50" charset="-127"/>
+              <a:cs typeface="Microsoft GothicNeo Light" panose="020B0300000101010101" pitchFamily="50" charset="-127"/>
+            </a:endParaRPr>
+          </a:p>
+        </p:txBody>
+      </p:sp>
+      <p:sp>
+        <p:nvSpPr>
+          <p:cNvPr id="12" name="직사각형 11">
+            <a:extLst>
+              <a:ext uri="{FF2B5EF4-FFF2-40B4-BE49-F238E27FC236}">
+                <a16:creationId xmlns:a16="http://schemas.microsoft.com/office/drawing/2014/main" id="{7E78656B-54DA-5588-1863-2446CB63F99F}"/>
+              </a:ext>
+            </a:extLst>
+          </p:cNvPr>
+          <p:cNvSpPr/>
+          <p:nvPr/>
+        </p:nvSpPr>
+        <p:spPr>
+          <a:xfrm>
+            <a:off x="7475985" y="3255896"/>
+            <a:ext cx="735285" cy="1077926"/>
+          </a:xfrm>
+          <a:prstGeom prst="rect">
+            <a:avLst/>
+          </a:prstGeom>
+          <a:ln>
+            <a:solidFill>
+              <a:schemeClr val="tx1"/>
+            </a:solidFill>
+          </a:ln>
+        </p:spPr>
+        <p:style>
+          <a:lnRef idx="2">
+            <a:schemeClr val="accent3">
+              <a:shade val="50000"/>
+            </a:schemeClr>
+          </a:lnRef>
+          <a:fillRef idx="1">
+            <a:schemeClr val="accent3"/>
+          </a:fillRef>
+          <a:effectRef idx="0">
+            <a:schemeClr val="accent3"/>
+          </a:effectRef>
+          <a:fontRef idx="minor">
+            <a:schemeClr val="lt1"/>
+          </a:fontRef>
+        </p:style>
+        <p:txBody>
+          <a:bodyPr rtlCol="0" anchor="ctr"/>
+          <a:lstStyle/>
+          <a:p>
+            <a:pPr algn="ctr"/>
+            <a:endParaRPr lang="ko-KR" altLang="en-US"/>
+          </a:p>
+        </p:txBody>
+      </p:sp>
+      <p:sp>
+        <p:nvSpPr>
+          <p:cNvPr id="13" name="직사각형 12">
+            <a:extLst>
+              <a:ext uri="{FF2B5EF4-FFF2-40B4-BE49-F238E27FC236}">
+                <a16:creationId xmlns:a16="http://schemas.microsoft.com/office/drawing/2014/main" id="{4002239F-4242-0735-E2D1-6CD41A68BCBE}"/>
+              </a:ext>
+            </a:extLst>
+          </p:cNvPr>
+          <p:cNvSpPr/>
+          <p:nvPr/>
+        </p:nvSpPr>
+        <p:spPr>
+          <a:xfrm>
+            <a:off x="6562742" y="1459354"/>
+            <a:ext cx="1826486" cy="1796542"/>
+          </a:xfrm>
+          <a:prstGeom prst="rect">
+            <a:avLst/>
+          </a:prstGeom>
+          <a:ln>
+            <a:solidFill>
+              <a:schemeClr val="tx1"/>
+            </a:solidFill>
+          </a:ln>
+        </p:spPr>
+        <p:style>
+          <a:lnRef idx="2">
+            <a:schemeClr val="accent3">
+              <a:shade val="50000"/>
+            </a:schemeClr>
+          </a:lnRef>
+          <a:fillRef idx="1">
+            <a:schemeClr val="accent3"/>
+          </a:fillRef>
+          <a:effectRef idx="0">
+            <a:schemeClr val="accent3"/>
+          </a:effectRef>
+          <a:fontRef idx="minor">
+            <a:schemeClr val="lt1"/>
+          </a:fontRef>
+        </p:style>
+        <p:txBody>
+          <a:bodyPr rtlCol="0" anchor="ctr"/>
+          <a:lstStyle/>
+          <a:p>
+            <a:pPr algn="ctr"/>
+            <a:endParaRPr lang="ko-KR" altLang="en-US"/>
+          </a:p>
+        </p:txBody>
+      </p:sp>
+      <p:sp>
+        <p:nvSpPr>
+          <p:cNvPr id="14" name="직사각형 13">
+            <a:extLst>
+              <a:ext uri="{FF2B5EF4-FFF2-40B4-BE49-F238E27FC236}">
+                <a16:creationId xmlns:a16="http://schemas.microsoft.com/office/drawing/2014/main" id="{DC2BFB25-AA52-16A2-C1EA-8ED5D2C2D2B1}"/>
+              </a:ext>
+            </a:extLst>
+          </p:cNvPr>
+          <p:cNvSpPr/>
+          <p:nvPr/>
+        </p:nvSpPr>
+        <p:spPr>
+          <a:xfrm>
+            <a:off x="8378449" y="5029978"/>
+            <a:ext cx="735285" cy="879557"/>
+          </a:xfrm>
+          <a:prstGeom prst="rect">
+            <a:avLst/>
+          </a:prstGeom>
+          <a:ln>
+            <a:solidFill>
+              <a:schemeClr val="tx1"/>
+            </a:solidFill>
+          </a:ln>
+        </p:spPr>
+        <p:style>
+          <a:lnRef idx="2">
+            <a:schemeClr val="accent3">
+              <a:shade val="50000"/>
+            </a:schemeClr>
+          </a:lnRef>
+          <a:fillRef idx="1">
+            <a:schemeClr val="accent3"/>
+          </a:fillRef>
+          <a:effectRef idx="0">
+            <a:schemeClr val="accent3"/>
+          </a:effectRef>
+          <a:fontRef idx="minor">
+            <a:schemeClr val="lt1"/>
+          </a:fontRef>
+        </p:style>
+        <p:txBody>
+          <a:bodyPr rtlCol="0" anchor="ctr"/>
+          <a:lstStyle/>
+          <a:p>
+            <a:pPr algn="ctr"/>
+            <a:endParaRPr lang="ko-KR" altLang="en-US"/>
+          </a:p>
+        </p:txBody>
+      </p:sp>
+      <p:sp>
+        <p:nvSpPr>
+          <p:cNvPr id="15" name="직사각형 14">
+            <a:extLst>
+              <a:ext uri="{FF2B5EF4-FFF2-40B4-BE49-F238E27FC236}">
+                <a16:creationId xmlns:a16="http://schemas.microsoft.com/office/drawing/2014/main" id="{7A31F552-B932-3430-4A9D-29DE9AC2AE91}"/>
+              </a:ext>
+            </a:extLst>
+          </p:cNvPr>
+          <p:cNvSpPr/>
+          <p:nvPr/>
+        </p:nvSpPr>
+        <p:spPr>
+          <a:xfrm>
+            <a:off x="9092172" y="4333820"/>
+            <a:ext cx="1826486" cy="1796542"/>
+          </a:xfrm>
+          <a:prstGeom prst="rect">
+            <a:avLst/>
+          </a:prstGeom>
+          <a:ln>
+            <a:solidFill>
+              <a:schemeClr val="tx1"/>
+            </a:solidFill>
+          </a:ln>
+        </p:spPr>
+        <p:style>
+          <a:lnRef idx="2">
+            <a:schemeClr val="accent3">
+              <a:shade val="50000"/>
+            </a:schemeClr>
+          </a:lnRef>
+          <a:fillRef idx="1">
+            <a:schemeClr val="accent3"/>
+          </a:fillRef>
+          <a:effectRef idx="0">
+            <a:schemeClr val="accent3"/>
+          </a:effectRef>
+          <a:fontRef idx="minor">
+            <a:schemeClr val="lt1"/>
+          </a:fontRef>
+        </p:style>
+        <p:txBody>
+          <a:bodyPr rtlCol="0" anchor="ctr"/>
+          <a:lstStyle/>
+          <a:p>
+            <a:pPr algn="ctr"/>
+            <a:endParaRPr lang="ko-KR" altLang="en-US"/>
+          </a:p>
+        </p:txBody>
+      </p:sp>
+      <p:sp>
+        <p:nvSpPr>
+          <p:cNvPr id="16" name="직사각형 15">
+            <a:extLst>
+              <a:ext uri="{FF2B5EF4-FFF2-40B4-BE49-F238E27FC236}">
+                <a16:creationId xmlns:a16="http://schemas.microsoft.com/office/drawing/2014/main" id="{D4FAA8CB-ED02-302F-76C8-476907460563}"/>
+              </a:ext>
+            </a:extLst>
+          </p:cNvPr>
+          <p:cNvSpPr/>
+          <p:nvPr/>
+        </p:nvSpPr>
+        <p:spPr>
+          <a:xfrm>
+            <a:off x="7034062" y="4861554"/>
+            <a:ext cx="961900" cy="681187"/>
+          </a:xfrm>
+          <a:prstGeom prst="rect">
+            <a:avLst/>
+          </a:prstGeom>
+          <a:solidFill>
+            <a:schemeClr val="bg1"/>
+          </a:solidFill>
+          <a:ln>
+            <a:solidFill>
+              <a:schemeClr val="tx1"/>
+            </a:solidFill>
+          </a:ln>
+        </p:spPr>
+        <p:style>
+          <a:lnRef idx="2">
+            <a:schemeClr val="accent1">
+              <a:shade val="50000"/>
+            </a:schemeClr>
+          </a:lnRef>
+          <a:fillRef idx="1">
+            <a:schemeClr val="accent1"/>
+          </a:fillRef>
+          <a:effectRef idx="0">
+            <a:schemeClr val="accent1"/>
+          </a:effectRef>
+          <a:fontRef idx="minor">
+            <a:schemeClr val="lt1"/>
+          </a:fontRef>
+        </p:style>
+        <p:txBody>
+          <a:bodyPr rtlCol="0" anchor="ctr"/>
+          <a:lstStyle/>
+          <a:p>
+            <a:pPr algn="ctr"/>
+            <a:r>
+              <a:rPr lang="en-US" altLang="ko-KR" sz="1100" dirty="0">
+                <a:solidFill>
+                  <a:schemeClr val="tx1"/>
+                </a:solidFill>
+                <a:latin typeface="Microsoft GothicNeo Light" panose="020B0300000101010101" pitchFamily="50" charset="-127"/>
+                <a:ea typeface="Microsoft GothicNeo Light" panose="020B0300000101010101" pitchFamily="50" charset="-127"/>
+                <a:cs typeface="Microsoft GothicNeo Light" panose="020B0300000101010101" pitchFamily="50" charset="-127"/>
+              </a:rPr>
+              <a:t>GREEN</a:t>
+            </a:r>
+            <a:endParaRPr lang="ko-KR" altLang="en-US" sz="1100" dirty="0">
+              <a:solidFill>
+                <a:schemeClr val="tx1"/>
+              </a:solidFill>
+              <a:latin typeface="Microsoft GothicNeo Light" panose="020B0300000101010101" pitchFamily="50" charset="-127"/>
+              <a:ea typeface="Microsoft GothicNeo Light" panose="020B0300000101010101" pitchFamily="50" charset="-127"/>
+              <a:cs typeface="Microsoft GothicNeo Light" panose="020B0300000101010101" pitchFamily="50" charset="-127"/>
+            </a:endParaRPr>
+          </a:p>
+        </p:txBody>
+      </p:sp>
+      <p:sp>
+        <p:nvSpPr>
+          <p:cNvPr id="17" name="직사각형 16">
+            <a:extLst>
+              <a:ext uri="{FF2B5EF4-FFF2-40B4-BE49-F238E27FC236}">
+                <a16:creationId xmlns:a16="http://schemas.microsoft.com/office/drawing/2014/main" id="{A9F18B0B-F904-24FB-7B26-C41B0F33A2B0}"/>
+              </a:ext>
+            </a:extLst>
+          </p:cNvPr>
+          <p:cNvSpPr/>
+          <p:nvPr/>
+        </p:nvSpPr>
+        <p:spPr>
+          <a:xfrm>
+            <a:off x="7012317" y="1987087"/>
+            <a:ext cx="961900" cy="681187"/>
+          </a:xfrm>
+          <a:prstGeom prst="rect">
+            <a:avLst/>
+          </a:prstGeom>
+          <a:solidFill>
+            <a:schemeClr val="bg1"/>
+          </a:solidFill>
+          <a:ln>
+            <a:solidFill>
+              <a:schemeClr val="tx1"/>
+            </a:solidFill>
+          </a:ln>
+        </p:spPr>
+        <p:style>
+          <a:lnRef idx="2">
+            <a:schemeClr val="accent1">
+              <a:shade val="50000"/>
+            </a:schemeClr>
+          </a:lnRef>
+          <a:fillRef idx="1">
+            <a:schemeClr val="accent1"/>
+          </a:fillRef>
+          <a:effectRef idx="0">
+            <a:schemeClr val="accent1"/>
+          </a:effectRef>
+          <a:fontRef idx="minor">
+            <a:schemeClr val="lt1"/>
+          </a:fontRef>
+        </p:style>
+        <p:txBody>
+          <a:bodyPr rtlCol="0" anchor="ctr"/>
+          <a:lstStyle/>
+          <a:p>
+            <a:pPr algn="ctr"/>
+            <a:r>
+              <a:rPr lang="en-US" altLang="ko-KR" sz="1100" dirty="0">
+                <a:solidFill>
+                  <a:schemeClr val="tx1"/>
+                </a:solidFill>
+                <a:latin typeface="Microsoft GothicNeo Light" panose="020B0300000101010101" pitchFamily="50" charset="-127"/>
+                <a:ea typeface="Microsoft GothicNeo Light" panose="020B0300000101010101" pitchFamily="50" charset="-127"/>
+                <a:cs typeface="Microsoft GothicNeo Light" panose="020B0300000101010101" pitchFamily="50" charset="-127"/>
+              </a:rPr>
+              <a:t>WHITE</a:t>
+            </a:r>
+            <a:endParaRPr lang="ko-KR" altLang="en-US" sz="1100" dirty="0">
+              <a:solidFill>
+                <a:schemeClr val="tx1"/>
+              </a:solidFill>
+              <a:latin typeface="Microsoft GothicNeo Light" panose="020B0300000101010101" pitchFamily="50" charset="-127"/>
+              <a:ea typeface="Microsoft GothicNeo Light" panose="020B0300000101010101" pitchFamily="50" charset="-127"/>
+              <a:cs typeface="Microsoft GothicNeo Light" panose="020B0300000101010101" pitchFamily="50" charset="-127"/>
+            </a:endParaRPr>
+          </a:p>
+        </p:txBody>
+      </p:sp>
+      <p:sp>
+        <p:nvSpPr>
+          <p:cNvPr id="18" name="직사각형 17">
+            <a:extLst>
+              <a:ext uri="{FF2B5EF4-FFF2-40B4-BE49-F238E27FC236}">
+                <a16:creationId xmlns:a16="http://schemas.microsoft.com/office/drawing/2014/main" id="{831E6DAB-F7D5-0DEB-59CF-1C766EC9DF23}"/>
+              </a:ext>
+            </a:extLst>
+          </p:cNvPr>
+          <p:cNvSpPr/>
+          <p:nvPr/>
+        </p:nvSpPr>
+        <p:spPr>
+          <a:xfrm>
+            <a:off x="9535246" y="4913951"/>
+            <a:ext cx="961900" cy="681187"/>
+          </a:xfrm>
+          <a:prstGeom prst="rect">
+            <a:avLst/>
+          </a:prstGeom>
+          <a:solidFill>
+            <a:schemeClr val="bg1"/>
+          </a:solidFill>
+          <a:ln>
+            <a:solidFill>
+              <a:schemeClr val="tx1"/>
+            </a:solidFill>
+          </a:ln>
+        </p:spPr>
+        <p:style>
+          <a:lnRef idx="2">
+            <a:schemeClr val="accent1">
+              <a:shade val="50000"/>
+            </a:schemeClr>
+          </a:lnRef>
+          <a:fillRef idx="1">
+            <a:schemeClr val="accent1"/>
+          </a:fillRef>
+          <a:effectRef idx="0">
+            <a:schemeClr val="accent1"/>
+          </a:effectRef>
+          <a:fontRef idx="minor">
+            <a:schemeClr val="lt1"/>
+          </a:fontRef>
+        </p:style>
+        <p:txBody>
+          <a:bodyPr rtlCol="0" anchor="ctr"/>
+          <a:lstStyle/>
+          <a:p>
+            <a:pPr algn="ctr"/>
+            <a:r>
+              <a:rPr lang="en-US" altLang="ko-KR" sz="1100" dirty="0">
+                <a:solidFill>
+                  <a:schemeClr val="tx1"/>
+                </a:solidFill>
+                <a:latin typeface="Microsoft GothicNeo Light" panose="020B0300000101010101" pitchFamily="50" charset="-127"/>
+                <a:ea typeface="Microsoft GothicNeo Light" panose="020B0300000101010101" pitchFamily="50" charset="-127"/>
+                <a:cs typeface="Microsoft GothicNeo Light" panose="020B0300000101010101" pitchFamily="50" charset="-127"/>
+              </a:rPr>
+              <a:t>BLUE</a:t>
+            </a:r>
+            <a:endParaRPr lang="ko-KR" altLang="en-US" sz="1100" dirty="0">
+              <a:solidFill>
+                <a:schemeClr val="tx1"/>
+              </a:solidFill>
+              <a:latin typeface="Microsoft GothicNeo Light" panose="020B0300000101010101" pitchFamily="50" charset="-127"/>
+              <a:ea typeface="Microsoft GothicNeo Light" panose="020B0300000101010101" pitchFamily="50" charset="-127"/>
+              <a:cs typeface="Microsoft GothicNeo Light" panose="020B0300000101010101" pitchFamily="50" charset="-127"/>
+            </a:endParaRPr>
+          </a:p>
+        </p:txBody>
+      </p:sp>
+      <p:sp>
+        <p:nvSpPr>
+          <p:cNvPr id="19" name="직사각형 18">
+            <a:extLst>
+              <a:ext uri="{FF2B5EF4-FFF2-40B4-BE49-F238E27FC236}">
+                <a16:creationId xmlns:a16="http://schemas.microsoft.com/office/drawing/2014/main" id="{043C7DA5-3DB2-A078-BC78-C48A54A81FE1}"/>
+              </a:ext>
+            </a:extLst>
+          </p:cNvPr>
+          <p:cNvSpPr/>
+          <p:nvPr/>
+        </p:nvSpPr>
+        <p:spPr>
+          <a:xfrm>
+            <a:off x="8378449" y="1796204"/>
+            <a:ext cx="1602714" cy="1077926"/>
+          </a:xfrm>
+          <a:prstGeom prst="rect">
+            <a:avLst/>
+          </a:prstGeom>
+          <a:ln>
+            <a:solidFill>
+              <a:schemeClr val="tx1"/>
+            </a:solidFill>
+          </a:ln>
+        </p:spPr>
+        <p:style>
+          <a:lnRef idx="2">
+            <a:schemeClr val="accent3">
+              <a:shade val="50000"/>
+            </a:schemeClr>
+          </a:lnRef>
+          <a:fillRef idx="1">
+            <a:schemeClr val="accent3"/>
+          </a:fillRef>
+          <a:effectRef idx="0">
+            <a:schemeClr val="accent3"/>
+          </a:effectRef>
+          <a:fontRef idx="minor">
+            <a:schemeClr val="lt1"/>
+          </a:fontRef>
+        </p:style>
+        <p:txBody>
+          <a:bodyPr rtlCol="0" anchor="ctr"/>
+          <a:lstStyle/>
+          <a:p>
+            <a:pPr algn="ctr"/>
+            <a:endParaRPr lang="ko-KR" altLang="en-US"/>
+          </a:p>
+        </p:txBody>
+      </p:sp>
+      <p:sp>
+        <p:nvSpPr>
+          <p:cNvPr id="20" name="직사각형 19">
+            <a:extLst>
+              <a:ext uri="{FF2B5EF4-FFF2-40B4-BE49-F238E27FC236}">
+                <a16:creationId xmlns:a16="http://schemas.microsoft.com/office/drawing/2014/main" id="{41729233-4AEB-A54E-E1B9-5A4B6960E291}"/>
+              </a:ext>
+            </a:extLst>
+          </p:cNvPr>
+          <p:cNvSpPr/>
+          <p:nvPr/>
+        </p:nvSpPr>
+        <p:spPr>
+          <a:xfrm>
+            <a:off x="8691145" y="2017030"/>
+            <a:ext cx="961900" cy="681187"/>
+          </a:xfrm>
+          <a:prstGeom prst="rect">
+            <a:avLst/>
+          </a:prstGeom>
+          <a:solidFill>
+            <a:schemeClr val="bg1"/>
+          </a:solidFill>
+          <a:ln>
+            <a:solidFill>
+              <a:schemeClr val="tx1"/>
+            </a:solidFill>
+          </a:ln>
+        </p:spPr>
+        <p:style>
+          <a:lnRef idx="2">
+            <a:schemeClr val="accent1">
+              <a:shade val="50000"/>
+            </a:schemeClr>
+          </a:lnRef>
+          <a:fillRef idx="1">
+            <a:schemeClr val="accent1"/>
+          </a:fillRef>
+          <a:effectRef idx="0">
+            <a:schemeClr val="accent1"/>
+          </a:effectRef>
+          <a:fontRef idx="minor">
+            <a:schemeClr val="lt1"/>
+          </a:fontRef>
+        </p:style>
+        <p:txBody>
+          <a:bodyPr rtlCol="0" anchor="ctr"/>
+          <a:lstStyle/>
+          <a:p>
+            <a:pPr algn="ctr"/>
+            <a:r>
+              <a:rPr lang="ko-KR" altLang="en-US" sz="1100" dirty="0">
+                <a:solidFill>
+                  <a:schemeClr val="tx1"/>
+                </a:solidFill>
+                <a:latin typeface="Microsoft GothicNeo Light" panose="020B0300000101010101" pitchFamily="50" charset="-127"/>
+                <a:ea typeface="Microsoft GothicNeo Light" panose="020B0300000101010101" pitchFamily="50" charset="-127"/>
+                <a:cs typeface="Microsoft GothicNeo Light" panose="020B0300000101010101" pitchFamily="50" charset="-127"/>
+              </a:rPr>
+              <a:t>보스 포탈</a:t>
+            </a:r>
+          </a:p>
+        </p:txBody>
+      </p:sp>
+      <p:sp>
+        <p:nvSpPr>
+          <p:cNvPr id="22" name="TextBox 21">
+            <a:extLst>
+              <a:ext uri="{FF2B5EF4-FFF2-40B4-BE49-F238E27FC236}">
+                <a16:creationId xmlns:a16="http://schemas.microsoft.com/office/drawing/2014/main" id="{A96FBC91-D557-4F2B-A86B-4EC840951946}"/>
+              </a:ext>
+            </a:extLst>
+          </p:cNvPr>
+          <p:cNvSpPr txBox="1"/>
+          <p:nvPr/>
+        </p:nvSpPr>
+        <p:spPr>
+          <a:xfrm>
+            <a:off x="122262" y="234616"/>
+            <a:ext cx="692818" cy="276999"/>
+          </a:xfrm>
+          <a:prstGeom prst="rect">
+            <a:avLst/>
+          </a:prstGeom>
+          <a:noFill/>
+        </p:spPr>
+        <p:txBody>
+          <a:bodyPr wrap="none" rtlCol="0">
+            <a:spAutoFit/>
+          </a:bodyPr>
+          <a:lstStyle/>
+          <a:p>
+            <a:r>
+              <a:rPr lang="en-US" altLang="ko-KR" sz="1200" dirty="0">
+                <a:latin typeface="Microsoft GothicNeo Light" panose="020B0300000101010101" pitchFamily="50" charset="-127"/>
+                <a:ea typeface="Microsoft GothicNeo Light" panose="020B0300000101010101" pitchFamily="50" charset="-127"/>
+                <a:cs typeface="Microsoft GothicNeo Light" panose="020B0300000101010101" pitchFamily="50" charset="-127"/>
+              </a:rPr>
+              <a:t>1 Stage</a:t>
+            </a:r>
+            <a:endParaRPr lang="ko-KR" altLang="en-US" sz="1200" dirty="0">
+              <a:latin typeface="Microsoft GothicNeo Light" panose="020B0300000101010101" pitchFamily="50" charset="-127"/>
+              <a:ea typeface="Microsoft GothicNeo Light" panose="020B0300000101010101" pitchFamily="50" charset="-127"/>
+              <a:cs typeface="Microsoft GothicNeo Light" panose="020B0300000101010101" pitchFamily="50" charset="-127"/>
+            </a:endParaRPr>
+          </a:p>
+        </p:txBody>
+      </p:sp>
+      <p:cxnSp>
+        <p:nvCxnSpPr>
+          <p:cNvPr id="24" name="직선 화살표 연결선 23">
+            <a:extLst>
+              <a:ext uri="{FF2B5EF4-FFF2-40B4-BE49-F238E27FC236}">
+                <a16:creationId xmlns:a16="http://schemas.microsoft.com/office/drawing/2014/main" id="{BE8AE0B0-DC96-B7A9-72A0-5F3919BE0437}"/>
+              </a:ext>
+            </a:extLst>
+          </p:cNvPr>
+          <p:cNvCxnSpPr>
+            <a:cxnSpLocks/>
+          </p:cNvCxnSpPr>
+          <p:nvPr/>
+        </p:nvCxnSpPr>
+        <p:spPr>
+          <a:xfrm>
+            <a:off x="1908347" y="1459354"/>
+            <a:ext cx="734777" cy="160941"/>
+          </a:xfrm>
+          <a:prstGeom prst="straightConnector1">
+            <a:avLst/>
+          </a:prstGeom>
+          <a:ln w="57150">
+            <a:solidFill>
+              <a:srgbClr val="FF0000"/>
+            </a:solidFill>
+            <a:tailEnd type="triangle"/>
+          </a:ln>
+        </p:spPr>
+        <p:style>
+          <a:lnRef idx="1">
+            <a:schemeClr val="accent1"/>
+          </a:lnRef>
+          <a:fillRef idx="0">
+            <a:schemeClr val="accent1"/>
+          </a:fillRef>
+          <a:effectRef idx="0">
+            <a:schemeClr val="accent1"/>
+          </a:effectRef>
+          <a:fontRef idx="minor">
+            <a:schemeClr val="tx1"/>
+          </a:fontRef>
+        </p:style>
+      </p:cxnSp>
+      <p:cxnSp>
+        <p:nvCxnSpPr>
+          <p:cNvPr id="25" name="직선 화살표 연결선 24">
+            <a:extLst>
+              <a:ext uri="{FF2B5EF4-FFF2-40B4-BE49-F238E27FC236}">
+                <a16:creationId xmlns:a16="http://schemas.microsoft.com/office/drawing/2014/main" id="{807EDF01-CEAD-FE3F-9664-2890E6EFBF0C}"/>
+              </a:ext>
+            </a:extLst>
+          </p:cNvPr>
+          <p:cNvCxnSpPr>
+            <a:cxnSpLocks/>
+          </p:cNvCxnSpPr>
+          <p:nvPr/>
+        </p:nvCxnSpPr>
+        <p:spPr>
+          <a:xfrm>
+            <a:off x="2595849" y="3242277"/>
+            <a:ext cx="47275" cy="932993"/>
+          </a:xfrm>
+          <a:prstGeom prst="straightConnector1">
+            <a:avLst/>
+          </a:prstGeom>
+          <a:ln w="57150">
+            <a:solidFill>
+              <a:srgbClr val="FF0000"/>
+            </a:solidFill>
+            <a:tailEnd type="triangle"/>
+          </a:ln>
+        </p:spPr>
+        <p:style>
+          <a:lnRef idx="1">
+            <a:schemeClr val="accent1"/>
+          </a:lnRef>
+          <a:fillRef idx="0">
+            <a:schemeClr val="accent1"/>
+          </a:fillRef>
+          <a:effectRef idx="0">
+            <a:schemeClr val="accent1"/>
+          </a:effectRef>
+          <a:fontRef idx="minor">
+            <a:schemeClr val="tx1"/>
+          </a:fontRef>
+        </p:style>
+      </p:cxnSp>
+      <p:cxnSp>
+        <p:nvCxnSpPr>
+          <p:cNvPr id="27" name="직선 화살표 연결선 26">
+            <a:extLst>
+              <a:ext uri="{FF2B5EF4-FFF2-40B4-BE49-F238E27FC236}">
+                <a16:creationId xmlns:a16="http://schemas.microsoft.com/office/drawing/2014/main" id="{55B5CE5F-7969-FC40-4D3F-0AAAC7942850}"/>
+              </a:ext>
+            </a:extLst>
+          </p:cNvPr>
+          <p:cNvCxnSpPr>
+            <a:cxnSpLocks/>
+          </p:cNvCxnSpPr>
+          <p:nvPr/>
+        </p:nvCxnSpPr>
+        <p:spPr>
+          <a:xfrm>
+            <a:off x="4210139" y="5411878"/>
+            <a:ext cx="2441436" cy="0"/>
+          </a:xfrm>
+          <a:prstGeom prst="straightConnector1">
+            <a:avLst/>
+          </a:prstGeom>
+          <a:ln w="57150">
+            <a:solidFill>
+              <a:srgbClr val="FF0000"/>
+            </a:solidFill>
+            <a:tailEnd type="triangle"/>
+          </a:ln>
+        </p:spPr>
+        <p:style>
+          <a:lnRef idx="1">
+            <a:schemeClr val="accent1"/>
+          </a:lnRef>
+          <a:fillRef idx="0">
+            <a:schemeClr val="accent1"/>
+          </a:fillRef>
+          <a:effectRef idx="0">
+            <a:schemeClr val="accent1"/>
+          </a:effectRef>
+          <a:fontRef idx="minor">
+            <a:schemeClr val="tx1"/>
+          </a:fontRef>
+        </p:style>
+      </p:cxnSp>
+      <p:cxnSp>
+        <p:nvCxnSpPr>
+          <p:cNvPr id="30" name="직선 화살표 연결선 29">
+            <a:extLst>
+              <a:ext uri="{FF2B5EF4-FFF2-40B4-BE49-F238E27FC236}">
+                <a16:creationId xmlns:a16="http://schemas.microsoft.com/office/drawing/2014/main" id="{D04DCE03-FE5B-0A1B-16D6-7B4A511EE43F}"/>
+              </a:ext>
+            </a:extLst>
+          </p:cNvPr>
+          <p:cNvCxnSpPr>
+            <a:cxnSpLocks/>
+          </p:cNvCxnSpPr>
+          <p:nvPr/>
+        </p:nvCxnSpPr>
+        <p:spPr>
+          <a:xfrm>
+            <a:off x="7951377" y="5732720"/>
+            <a:ext cx="1493412" cy="0"/>
+          </a:xfrm>
+          <a:prstGeom prst="straightConnector1">
+            <a:avLst/>
+          </a:prstGeom>
+          <a:ln w="57150">
+            <a:solidFill>
+              <a:srgbClr val="FF0000"/>
+            </a:solidFill>
+            <a:tailEnd type="triangle"/>
+          </a:ln>
+        </p:spPr>
+        <p:style>
+          <a:lnRef idx="1">
+            <a:schemeClr val="accent1"/>
+          </a:lnRef>
+          <a:fillRef idx="0">
+            <a:schemeClr val="accent1"/>
+          </a:fillRef>
+          <a:effectRef idx="0">
+            <a:schemeClr val="accent1"/>
+          </a:effectRef>
+          <a:fontRef idx="minor">
+            <a:schemeClr val="tx1"/>
+          </a:fontRef>
+        </p:style>
+      </p:cxnSp>
+      <p:cxnSp>
+        <p:nvCxnSpPr>
+          <p:cNvPr id="32" name="직선 화살표 연결선 31">
+            <a:extLst>
+              <a:ext uri="{FF2B5EF4-FFF2-40B4-BE49-F238E27FC236}">
+                <a16:creationId xmlns:a16="http://schemas.microsoft.com/office/drawing/2014/main" id="{04A6385B-F6B5-A1E0-7F46-866FA89C14D7}"/>
+              </a:ext>
+            </a:extLst>
+          </p:cNvPr>
+          <p:cNvCxnSpPr>
+            <a:cxnSpLocks/>
+          </p:cNvCxnSpPr>
+          <p:nvPr/>
+        </p:nvCxnSpPr>
+        <p:spPr>
+          <a:xfrm flipH="1">
+            <a:off x="8104401" y="5152276"/>
+            <a:ext cx="1173488" cy="0"/>
+          </a:xfrm>
+          <a:prstGeom prst="straightConnector1">
+            <a:avLst/>
+          </a:prstGeom>
+          <a:ln w="57150">
+            <a:solidFill>
+              <a:srgbClr val="FF0000"/>
+            </a:solidFill>
+            <a:tailEnd type="triangle"/>
+          </a:ln>
+        </p:spPr>
+        <p:style>
+          <a:lnRef idx="1">
+            <a:schemeClr val="accent1"/>
+          </a:lnRef>
+          <a:fillRef idx="0">
+            <a:schemeClr val="accent1"/>
+          </a:fillRef>
+          <a:effectRef idx="0">
+            <a:schemeClr val="accent1"/>
+          </a:effectRef>
+          <a:fontRef idx="minor">
+            <a:schemeClr val="tx1"/>
+          </a:fontRef>
+        </p:style>
+      </p:cxnSp>
+      <p:cxnSp>
+        <p:nvCxnSpPr>
+          <p:cNvPr id="34" name="직선 화살표 연결선 33">
+            <a:extLst>
+              <a:ext uri="{FF2B5EF4-FFF2-40B4-BE49-F238E27FC236}">
+                <a16:creationId xmlns:a16="http://schemas.microsoft.com/office/drawing/2014/main" id="{9358ABCE-550B-E3E5-220E-5482BCFD156C}"/>
+              </a:ext>
+            </a:extLst>
+          </p:cNvPr>
+          <p:cNvCxnSpPr>
+            <a:cxnSpLocks/>
+          </p:cNvCxnSpPr>
+          <p:nvPr/>
+        </p:nvCxnSpPr>
+        <p:spPr>
+          <a:xfrm flipV="1">
+            <a:off x="7896057" y="3009341"/>
+            <a:ext cx="55320" cy="1454571"/>
+          </a:xfrm>
+          <a:prstGeom prst="straightConnector1">
+            <a:avLst/>
+          </a:prstGeom>
+          <a:ln w="57150">
+            <a:solidFill>
+              <a:srgbClr val="FF0000"/>
+            </a:solidFill>
+            <a:tailEnd type="triangle"/>
+          </a:ln>
+        </p:spPr>
+        <p:style>
+          <a:lnRef idx="1">
+            <a:schemeClr val="accent1"/>
+          </a:lnRef>
+          <a:fillRef idx="0">
+            <a:schemeClr val="accent1"/>
+          </a:fillRef>
+          <a:effectRef idx="0">
+            <a:schemeClr val="accent1"/>
+          </a:effectRef>
+          <a:fontRef idx="minor">
+            <a:schemeClr val="tx1"/>
+          </a:fontRef>
+        </p:style>
+      </p:cxnSp>
+      <p:cxnSp>
+        <p:nvCxnSpPr>
+          <p:cNvPr id="36" name="직선 화살표 연결선 35">
+            <a:extLst>
+              <a:ext uri="{FF2B5EF4-FFF2-40B4-BE49-F238E27FC236}">
+                <a16:creationId xmlns:a16="http://schemas.microsoft.com/office/drawing/2014/main" id="{9693DA41-84EC-AC5A-9FD6-3C4A1B245F7F}"/>
+              </a:ext>
+            </a:extLst>
+          </p:cNvPr>
+          <p:cNvCxnSpPr>
+            <a:cxnSpLocks/>
+          </p:cNvCxnSpPr>
+          <p:nvPr/>
+        </p:nvCxnSpPr>
+        <p:spPr>
+          <a:xfrm flipV="1">
+            <a:off x="7997042" y="2509252"/>
+            <a:ext cx="562470" cy="318044"/>
+          </a:xfrm>
+          <a:prstGeom prst="straightConnector1">
+            <a:avLst/>
+          </a:prstGeom>
+          <a:ln w="57150">
+            <a:solidFill>
+              <a:srgbClr val="FF0000"/>
+            </a:solidFill>
+            <a:tailEnd type="triangle"/>
+          </a:ln>
+        </p:spPr>
+        <p:style>
+          <a:lnRef idx="1">
+            <a:schemeClr val="accent1"/>
+          </a:lnRef>
+          <a:fillRef idx="0">
+            <a:schemeClr val="accent1"/>
+          </a:fillRef>
+          <a:effectRef idx="0">
+            <a:schemeClr val="accent1"/>
+          </a:effectRef>
+          <a:fontRef idx="minor">
+            <a:schemeClr val="tx1"/>
+          </a:fontRef>
+        </p:style>
+      </p:cxnSp>
+      <p:cxnSp>
+        <p:nvCxnSpPr>
+          <p:cNvPr id="39" name="직선 화살표 연결선 38">
+            <a:extLst>
+              <a:ext uri="{FF2B5EF4-FFF2-40B4-BE49-F238E27FC236}">
+                <a16:creationId xmlns:a16="http://schemas.microsoft.com/office/drawing/2014/main" id="{3A98EA78-38CB-04D3-F9B7-D6063ED0C334}"/>
+              </a:ext>
+            </a:extLst>
+          </p:cNvPr>
+          <p:cNvCxnSpPr>
+            <a:cxnSpLocks/>
+          </p:cNvCxnSpPr>
+          <p:nvPr/>
+        </p:nvCxnSpPr>
+        <p:spPr>
+          <a:xfrm flipH="1">
+            <a:off x="7594140" y="3003588"/>
+            <a:ext cx="59264" cy="1667987"/>
+          </a:xfrm>
+          <a:prstGeom prst="straightConnector1">
+            <a:avLst/>
+          </a:prstGeom>
+          <a:ln w="57150">
+            <a:solidFill>
+              <a:schemeClr val="accent4"/>
+            </a:solidFill>
+            <a:tailEnd type="triangle"/>
+          </a:ln>
+        </p:spPr>
+        <p:style>
+          <a:lnRef idx="1">
+            <a:schemeClr val="accent1"/>
+          </a:lnRef>
+          <a:fillRef idx="0">
+            <a:schemeClr val="accent1"/>
+          </a:fillRef>
+          <a:effectRef idx="0">
+            <a:schemeClr val="accent1"/>
+          </a:effectRef>
+          <a:fontRef idx="minor">
+            <a:schemeClr val="tx1"/>
+          </a:fontRef>
+        </p:style>
+      </p:cxnSp>
+      <p:cxnSp>
+        <p:nvCxnSpPr>
+          <p:cNvPr id="42" name="직선 화살표 연결선 41">
+            <a:extLst>
+              <a:ext uri="{FF2B5EF4-FFF2-40B4-BE49-F238E27FC236}">
+                <a16:creationId xmlns:a16="http://schemas.microsoft.com/office/drawing/2014/main" id="{2984D553-43E9-4594-E63B-BAF3A88DADE1}"/>
+              </a:ext>
+            </a:extLst>
+          </p:cNvPr>
+          <p:cNvCxnSpPr>
+            <a:cxnSpLocks/>
+          </p:cNvCxnSpPr>
+          <p:nvPr/>
+        </p:nvCxnSpPr>
+        <p:spPr>
+          <a:xfrm>
+            <a:off x="7944689" y="5581541"/>
+            <a:ext cx="1590557" cy="13597"/>
+          </a:xfrm>
+          <a:prstGeom prst="straightConnector1">
+            <a:avLst/>
+          </a:prstGeom>
+          <a:ln w="57150">
+            <a:solidFill>
+              <a:schemeClr val="accent4"/>
+            </a:solidFill>
+            <a:tailEnd type="triangle"/>
+          </a:ln>
+        </p:spPr>
+        <p:style>
+          <a:lnRef idx="1">
+            <a:schemeClr val="accent1"/>
+          </a:lnRef>
+          <a:fillRef idx="0">
+            <a:schemeClr val="accent1"/>
+          </a:fillRef>
+          <a:effectRef idx="0">
+            <a:schemeClr val="accent1"/>
+          </a:effectRef>
+          <a:fontRef idx="minor">
+            <a:schemeClr val="tx1"/>
+          </a:fontRef>
+        </p:style>
+      </p:cxnSp>
+      <p:sp>
+        <p:nvSpPr>
+          <p:cNvPr id="54" name="직사각형 53">
+            <a:extLst>
+              <a:ext uri="{FF2B5EF4-FFF2-40B4-BE49-F238E27FC236}">
+                <a16:creationId xmlns:a16="http://schemas.microsoft.com/office/drawing/2014/main" id="{8ADC391D-C584-6363-61AF-31013C59EBC5}"/>
+              </a:ext>
+            </a:extLst>
+          </p:cNvPr>
+          <p:cNvSpPr/>
+          <p:nvPr/>
+        </p:nvSpPr>
+        <p:spPr>
+          <a:xfrm>
+            <a:off x="4816362" y="3609817"/>
+            <a:ext cx="1923799" cy="455527"/>
+          </a:xfrm>
+          <a:prstGeom prst="rect">
+            <a:avLst/>
+          </a:prstGeom>
+          <a:ln>
+            <a:solidFill>
+              <a:schemeClr val="tx1"/>
+            </a:solidFill>
+          </a:ln>
+        </p:spPr>
+        <p:style>
+          <a:lnRef idx="2">
+            <a:schemeClr val="accent3">
+              <a:shade val="50000"/>
+            </a:schemeClr>
+          </a:lnRef>
+          <a:fillRef idx="1">
+            <a:schemeClr val="accent3"/>
+          </a:fillRef>
+          <a:effectRef idx="0">
+            <a:schemeClr val="accent3"/>
+          </a:effectRef>
+          <a:fontRef idx="minor">
+            <a:schemeClr val="lt1"/>
+          </a:fontRef>
+        </p:style>
+        <p:txBody>
+          <a:bodyPr rtlCol="0" anchor="ctr"/>
+          <a:lstStyle/>
+          <a:p>
+            <a:pPr algn="ctr"/>
+            <a:endParaRPr lang="ko-KR" altLang="en-US"/>
+          </a:p>
+        </p:txBody>
+      </p:sp>
+    </p:spTree>
+    <p:extLst>
+      <p:ext uri="{BB962C8B-B14F-4D97-AF65-F5344CB8AC3E}">
+        <p14:creationId xmlns:p14="http://schemas.microsoft.com/office/powerpoint/2010/main" val="4018720059"/>
+      </p:ext>
+    </p:extLst>
+  </p:cSld>
+  <p:clrMapOvr>
+    <a:masterClrMapping/>
+  </p:clrMapOvr>
+</p:sld>
+</file>
+
+<file path=ppt/slides/slide13.xml><?xml version="1.0" encoding="utf-8"?>
+<p:sld xmlns:a="http://schemas.openxmlformats.org/drawingml/2006/main" xmlns:r="http://schemas.openxmlformats.org/officeDocument/2006/relationships" xmlns:p="http://schemas.openxmlformats.org/presentationml/2006/main">
+  <p:cSld>
+    <p:spTree>
+      <p:nvGrpSpPr>
+        <p:cNvPr id="1" name=""/>
+        <p:cNvGrpSpPr/>
+        <p:nvPr/>
+      </p:nvGrpSpPr>
+      <p:grpSpPr>
+        <a:xfrm>
+          <a:off x="0" y="0"/>
+          <a:ext cx="0" cy="0"/>
+          <a:chOff x="0" y="0"/>
+          <a:chExt cx="0" cy="0"/>
+        </a:xfrm>
+      </p:grpSpPr>
+      <p:sp>
+        <p:nvSpPr>
+          <p:cNvPr id="2" name="직사각형 1">
+            <a:extLst>
+              <a:ext uri="{FF2B5EF4-FFF2-40B4-BE49-F238E27FC236}">
+                <a16:creationId xmlns:a16="http://schemas.microsoft.com/office/drawing/2014/main" id="{1E70F56B-8939-D015-A7CC-A4B906D0B86C}"/>
+              </a:ext>
+            </a:extLst>
+          </p:cNvPr>
+          <p:cNvSpPr/>
+          <p:nvPr/>
+        </p:nvSpPr>
+        <p:spPr>
+          <a:xfrm>
+            <a:off x="499310" y="2761223"/>
+            <a:ext cx="1384836" cy="1227635"/>
+          </a:xfrm>
+          <a:prstGeom prst="rect">
+            <a:avLst/>
+          </a:prstGeom>
+          <a:ln>
+            <a:solidFill>
+              <a:schemeClr val="tx1"/>
+            </a:solidFill>
+          </a:ln>
+        </p:spPr>
+        <p:style>
+          <a:lnRef idx="2">
+            <a:schemeClr val="accent3">
+              <a:shade val="50000"/>
+            </a:schemeClr>
+          </a:lnRef>
+          <a:fillRef idx="1">
+            <a:schemeClr val="accent3"/>
+          </a:fillRef>
+          <a:effectRef idx="0">
+            <a:schemeClr val="accent3"/>
+          </a:effectRef>
+          <a:fontRef idx="minor">
+            <a:schemeClr val="lt1"/>
+          </a:fontRef>
+        </p:style>
+        <p:txBody>
+          <a:bodyPr rtlCol="0" anchor="ctr"/>
+          <a:lstStyle/>
+          <a:p>
+            <a:pPr algn="ctr"/>
+            <a:endParaRPr lang="ko-KR" altLang="en-US"/>
+          </a:p>
+        </p:txBody>
+      </p:sp>
+      <p:sp>
+        <p:nvSpPr>
+          <p:cNvPr id="3" name="직사각형 2">
+            <a:extLst>
+              <a:ext uri="{FF2B5EF4-FFF2-40B4-BE49-F238E27FC236}">
+                <a16:creationId xmlns:a16="http://schemas.microsoft.com/office/drawing/2014/main" id="{338789C7-9AE2-43A8-2120-810E66B3ECE2}"/>
+              </a:ext>
+            </a:extLst>
+          </p:cNvPr>
+          <p:cNvSpPr/>
+          <p:nvPr/>
+        </p:nvSpPr>
+        <p:spPr>
+          <a:xfrm>
+            <a:off x="692063" y="3034447"/>
+            <a:ext cx="961900" cy="681187"/>
+          </a:xfrm>
+          <a:prstGeom prst="rect">
+            <a:avLst/>
+          </a:prstGeom>
+          <a:solidFill>
+            <a:schemeClr val="bg1"/>
+          </a:solidFill>
+          <a:ln>
+            <a:solidFill>
+              <a:schemeClr val="tx1"/>
+            </a:solidFill>
+          </a:ln>
+        </p:spPr>
+        <p:style>
+          <a:lnRef idx="2">
+            <a:schemeClr val="accent1">
+              <a:shade val="50000"/>
+            </a:schemeClr>
+          </a:lnRef>
+          <a:fillRef idx="1">
+            <a:schemeClr val="accent1"/>
+          </a:fillRef>
+          <a:effectRef idx="0">
+            <a:schemeClr val="accent1"/>
+          </a:effectRef>
+          <a:fontRef idx="minor">
+            <a:schemeClr val="lt1"/>
+          </a:fontRef>
+        </p:style>
+        <p:txBody>
+          <a:bodyPr rtlCol="0" anchor="ctr"/>
+          <a:lstStyle/>
+          <a:p>
+            <a:pPr algn="ctr"/>
+            <a:r>
+              <a:rPr lang="ko-KR" altLang="en-US" sz="1100" dirty="0" err="1">
+                <a:solidFill>
+                  <a:schemeClr val="tx1"/>
+                </a:solidFill>
+                <a:latin typeface="Microsoft GothicNeo Light" panose="020B0300000101010101" pitchFamily="50" charset="-127"/>
+                <a:ea typeface="Microsoft GothicNeo Light" panose="020B0300000101010101" pitchFamily="50" charset="-127"/>
+                <a:cs typeface="Microsoft GothicNeo Light" panose="020B0300000101010101" pitchFamily="50" charset="-127"/>
+              </a:rPr>
+              <a:t>스폰</a:t>
+            </a:r>
+            <a:endParaRPr lang="ko-KR" altLang="en-US" sz="1100" dirty="0">
+              <a:solidFill>
+                <a:schemeClr val="tx1"/>
+              </a:solidFill>
+              <a:latin typeface="Microsoft GothicNeo Light" panose="020B0300000101010101" pitchFamily="50" charset="-127"/>
+              <a:ea typeface="Microsoft GothicNeo Light" panose="020B0300000101010101" pitchFamily="50" charset="-127"/>
+              <a:cs typeface="Microsoft GothicNeo Light" panose="020B0300000101010101" pitchFamily="50" charset="-127"/>
+            </a:endParaRPr>
+          </a:p>
+        </p:txBody>
+      </p:sp>
+      <p:sp>
+        <p:nvSpPr>
+          <p:cNvPr id="4" name="직사각형 3">
+            <a:extLst>
+              <a:ext uri="{FF2B5EF4-FFF2-40B4-BE49-F238E27FC236}">
+                <a16:creationId xmlns:a16="http://schemas.microsoft.com/office/drawing/2014/main" id="{C6046D40-7B24-AA8C-B9F3-F4BA117EB820}"/>
+              </a:ext>
+            </a:extLst>
+          </p:cNvPr>
+          <p:cNvSpPr/>
+          <p:nvPr/>
+        </p:nvSpPr>
+        <p:spPr>
+          <a:xfrm>
+            <a:off x="1884146" y="3094915"/>
+            <a:ext cx="1641107" cy="560249"/>
+          </a:xfrm>
+          <a:prstGeom prst="rect">
+            <a:avLst/>
+          </a:prstGeom>
+          <a:ln>
+            <a:solidFill>
+              <a:schemeClr val="tx1"/>
+            </a:solidFill>
+          </a:ln>
+        </p:spPr>
+        <p:style>
+          <a:lnRef idx="2">
+            <a:schemeClr val="accent3">
+              <a:shade val="50000"/>
+            </a:schemeClr>
+          </a:lnRef>
+          <a:fillRef idx="1">
+            <a:schemeClr val="accent3"/>
+          </a:fillRef>
+          <a:effectRef idx="0">
+            <a:schemeClr val="accent3"/>
+          </a:effectRef>
+          <a:fontRef idx="minor">
+            <a:schemeClr val="lt1"/>
+          </a:fontRef>
+        </p:style>
+        <p:txBody>
+          <a:bodyPr rtlCol="0" anchor="ctr"/>
+          <a:lstStyle/>
+          <a:p>
+            <a:pPr algn="ctr"/>
+            <a:endParaRPr lang="ko-KR" altLang="en-US"/>
+          </a:p>
+        </p:txBody>
+      </p:sp>
+      <p:sp>
+        <p:nvSpPr>
+          <p:cNvPr id="5" name="직사각형 4">
+            <a:extLst>
+              <a:ext uri="{FF2B5EF4-FFF2-40B4-BE49-F238E27FC236}">
+                <a16:creationId xmlns:a16="http://schemas.microsoft.com/office/drawing/2014/main" id="{D0DBDF3B-4328-72B3-FE07-ACE1883CB129}"/>
+              </a:ext>
+            </a:extLst>
+          </p:cNvPr>
+          <p:cNvSpPr/>
+          <p:nvPr/>
+        </p:nvSpPr>
+        <p:spPr>
+          <a:xfrm>
+            <a:off x="3487556" y="1262104"/>
+            <a:ext cx="4045418" cy="4043821"/>
+          </a:xfrm>
+          <a:prstGeom prst="rect">
+            <a:avLst/>
+          </a:prstGeom>
+          <a:ln>
+            <a:solidFill>
+              <a:schemeClr val="tx1"/>
+            </a:solidFill>
+          </a:ln>
+        </p:spPr>
+        <p:style>
+          <a:lnRef idx="2">
+            <a:schemeClr val="accent3">
+              <a:shade val="50000"/>
+            </a:schemeClr>
+          </a:lnRef>
+          <a:fillRef idx="1">
+            <a:schemeClr val="accent3"/>
+          </a:fillRef>
+          <a:effectRef idx="0">
+            <a:schemeClr val="accent3"/>
+          </a:effectRef>
+          <a:fontRef idx="minor">
+            <a:schemeClr val="lt1"/>
+          </a:fontRef>
+        </p:style>
+        <p:txBody>
+          <a:bodyPr rtlCol="0" anchor="ctr"/>
+          <a:lstStyle/>
+          <a:p>
+            <a:pPr algn="ctr"/>
+            <a:endParaRPr lang="ko-KR" altLang="en-US"/>
+          </a:p>
+        </p:txBody>
+      </p:sp>
+      <p:sp>
+        <p:nvSpPr>
+          <p:cNvPr id="6" name="직사각형 5">
+            <a:extLst>
+              <a:ext uri="{FF2B5EF4-FFF2-40B4-BE49-F238E27FC236}">
+                <a16:creationId xmlns:a16="http://schemas.microsoft.com/office/drawing/2014/main" id="{F19596D5-2520-4A95-61D4-4057ACE84010}"/>
+              </a:ext>
+            </a:extLst>
+          </p:cNvPr>
+          <p:cNvSpPr/>
+          <p:nvPr/>
+        </p:nvSpPr>
+        <p:spPr>
+          <a:xfrm>
+            <a:off x="4971295" y="2943420"/>
+            <a:ext cx="961900" cy="681187"/>
+          </a:xfrm>
+          <a:prstGeom prst="rect">
+            <a:avLst/>
+          </a:prstGeom>
+          <a:solidFill>
+            <a:schemeClr val="bg1"/>
+          </a:solidFill>
+          <a:ln>
+            <a:solidFill>
+              <a:schemeClr val="tx1"/>
+            </a:solidFill>
+          </a:ln>
+        </p:spPr>
+        <p:style>
+          <a:lnRef idx="2">
+            <a:schemeClr val="accent1">
+              <a:shade val="50000"/>
+            </a:schemeClr>
+          </a:lnRef>
+          <a:fillRef idx="1">
+            <a:schemeClr val="accent1"/>
+          </a:fillRef>
+          <a:effectRef idx="0">
+            <a:schemeClr val="accent1"/>
+          </a:effectRef>
+          <a:fontRef idx="minor">
+            <a:schemeClr val="lt1"/>
+          </a:fontRef>
+        </p:style>
+        <p:txBody>
+          <a:bodyPr rtlCol="0" anchor="ctr"/>
+          <a:lstStyle/>
+          <a:p>
+            <a:pPr algn="ctr"/>
+            <a:r>
+              <a:rPr lang="ko-KR" altLang="en-US" sz="1100" dirty="0">
+                <a:solidFill>
+                  <a:schemeClr val="tx1"/>
+                </a:solidFill>
+                <a:latin typeface="Microsoft GothicNeo Light" panose="020B0300000101010101" pitchFamily="50" charset="-127"/>
+                <a:ea typeface="Microsoft GothicNeo Light" panose="020B0300000101010101" pitchFamily="50" charset="-127"/>
+                <a:cs typeface="Microsoft GothicNeo Light" panose="020B0300000101010101" pitchFamily="50" charset="-127"/>
+              </a:rPr>
+              <a:t>보스 룸</a:t>
+            </a:r>
+          </a:p>
+        </p:txBody>
+      </p:sp>
+      <p:sp>
+        <p:nvSpPr>
+          <p:cNvPr id="7" name="TextBox 6">
+            <a:extLst>
+              <a:ext uri="{FF2B5EF4-FFF2-40B4-BE49-F238E27FC236}">
+                <a16:creationId xmlns:a16="http://schemas.microsoft.com/office/drawing/2014/main" id="{7EBBE432-2435-B80F-FCFA-1FB976C584B8}"/>
+              </a:ext>
+            </a:extLst>
+          </p:cNvPr>
+          <p:cNvSpPr txBox="1"/>
+          <p:nvPr/>
+        </p:nvSpPr>
+        <p:spPr>
+          <a:xfrm>
+            <a:off x="122262" y="234616"/>
+            <a:ext cx="705642" cy="276999"/>
+          </a:xfrm>
+          <a:prstGeom prst="rect">
+            <a:avLst/>
+          </a:prstGeom>
+          <a:noFill/>
+        </p:spPr>
+        <p:txBody>
+          <a:bodyPr wrap="none" rtlCol="0">
+            <a:spAutoFit/>
+          </a:bodyPr>
+          <a:lstStyle/>
+          <a:p>
+            <a:r>
+              <a:rPr lang="en-US" altLang="ko-KR" sz="1200" dirty="0">
+                <a:latin typeface="Microsoft GothicNeo Light" panose="020B0300000101010101" pitchFamily="50" charset="-127"/>
+                <a:ea typeface="Microsoft GothicNeo Light" panose="020B0300000101010101" pitchFamily="50" charset="-127"/>
+                <a:cs typeface="Microsoft GothicNeo Light" panose="020B0300000101010101" pitchFamily="50" charset="-127"/>
+              </a:rPr>
+              <a:t>2 Stage</a:t>
+            </a:r>
+            <a:endParaRPr lang="ko-KR" altLang="en-US" sz="1200" dirty="0">
+              <a:latin typeface="Microsoft GothicNeo Light" panose="020B0300000101010101" pitchFamily="50" charset="-127"/>
+              <a:ea typeface="Microsoft GothicNeo Light" panose="020B0300000101010101" pitchFamily="50" charset="-127"/>
+              <a:cs typeface="Microsoft GothicNeo Light" panose="020B0300000101010101" pitchFamily="50" charset="-127"/>
+            </a:endParaRPr>
+          </a:p>
+        </p:txBody>
+      </p:sp>
+    </p:spTree>
+    <p:extLst>
+      <p:ext uri="{BB962C8B-B14F-4D97-AF65-F5344CB8AC3E}">
+        <p14:creationId xmlns:p14="http://schemas.microsoft.com/office/powerpoint/2010/main" val="2609626465"/>
       </p:ext>
     </p:extLst>
   </p:cSld>

--- a/Document/Source/보스 콘텐츠 시스템 UI.pptx
+++ b/Document/Source/보스 콘텐츠 시스템 UI.pptx
@@ -18,6 +18,10 @@
     <p:sldId id="265" r:id="rId12"/>
     <p:sldId id="267" r:id="rId13"/>
     <p:sldId id="268" r:id="rId14"/>
+    <p:sldId id="269" r:id="rId15"/>
+    <p:sldId id="270" r:id="rId16"/>
+    <p:sldId id="271" r:id="rId17"/>
+    <p:sldId id="272" r:id="rId18"/>
   </p:sldIdLst>
   <p:sldSz cx="12192000" cy="6858000"/>
   <p:notesSz cx="6858000" cy="9144000"/>
@@ -271,7 +275,7 @@
           <a:p>
             <a:fld id="{E7667923-C677-4680-B76B-6B19B2E0B717}" type="datetimeFigureOut">
               <a:rPr lang="ko-KR" altLang="en-US" smtClean="0"/>
-              <a:t>2022-10-23</a:t>
+              <a:t>2022-10-24</a:t>
             </a:fld>
             <a:endParaRPr lang="ko-KR" altLang="en-US"/>
           </a:p>
@@ -469,7 +473,7 @@
           <a:p>
             <a:fld id="{E7667923-C677-4680-B76B-6B19B2E0B717}" type="datetimeFigureOut">
               <a:rPr lang="ko-KR" altLang="en-US" smtClean="0"/>
-              <a:t>2022-10-23</a:t>
+              <a:t>2022-10-24</a:t>
             </a:fld>
             <a:endParaRPr lang="ko-KR" altLang="en-US"/>
           </a:p>
@@ -677,7 +681,7 @@
           <a:p>
             <a:fld id="{E7667923-C677-4680-B76B-6B19B2E0B717}" type="datetimeFigureOut">
               <a:rPr lang="ko-KR" altLang="en-US" smtClean="0"/>
-              <a:t>2022-10-23</a:t>
+              <a:t>2022-10-24</a:t>
             </a:fld>
             <a:endParaRPr lang="ko-KR" altLang="en-US"/>
           </a:p>
@@ -875,7 +879,7 @@
           <a:p>
             <a:fld id="{E7667923-C677-4680-B76B-6B19B2E0B717}" type="datetimeFigureOut">
               <a:rPr lang="ko-KR" altLang="en-US" smtClean="0"/>
-              <a:t>2022-10-23</a:t>
+              <a:t>2022-10-24</a:t>
             </a:fld>
             <a:endParaRPr lang="ko-KR" altLang="en-US"/>
           </a:p>
@@ -1150,7 +1154,7 @@
           <a:p>
             <a:fld id="{E7667923-C677-4680-B76B-6B19B2E0B717}" type="datetimeFigureOut">
               <a:rPr lang="ko-KR" altLang="en-US" smtClean="0"/>
-              <a:t>2022-10-23</a:t>
+              <a:t>2022-10-24</a:t>
             </a:fld>
             <a:endParaRPr lang="ko-KR" altLang="en-US"/>
           </a:p>
@@ -1415,7 +1419,7 @@
           <a:p>
             <a:fld id="{E7667923-C677-4680-B76B-6B19B2E0B717}" type="datetimeFigureOut">
               <a:rPr lang="ko-KR" altLang="en-US" smtClean="0"/>
-              <a:t>2022-10-23</a:t>
+              <a:t>2022-10-24</a:t>
             </a:fld>
             <a:endParaRPr lang="ko-KR" altLang="en-US"/>
           </a:p>
@@ -1827,7 +1831,7 @@
           <a:p>
             <a:fld id="{E7667923-C677-4680-B76B-6B19B2E0B717}" type="datetimeFigureOut">
               <a:rPr lang="ko-KR" altLang="en-US" smtClean="0"/>
-              <a:t>2022-10-23</a:t>
+              <a:t>2022-10-24</a:t>
             </a:fld>
             <a:endParaRPr lang="ko-KR" altLang="en-US"/>
           </a:p>
@@ -1968,7 +1972,7 @@
           <a:p>
             <a:fld id="{E7667923-C677-4680-B76B-6B19B2E0B717}" type="datetimeFigureOut">
               <a:rPr lang="ko-KR" altLang="en-US" smtClean="0"/>
-              <a:t>2022-10-23</a:t>
+              <a:t>2022-10-24</a:t>
             </a:fld>
             <a:endParaRPr lang="ko-KR" altLang="en-US"/>
           </a:p>
@@ -2081,7 +2085,7 @@
           <a:p>
             <a:fld id="{E7667923-C677-4680-B76B-6B19B2E0B717}" type="datetimeFigureOut">
               <a:rPr lang="ko-KR" altLang="en-US" smtClean="0"/>
-              <a:t>2022-10-23</a:t>
+              <a:t>2022-10-24</a:t>
             </a:fld>
             <a:endParaRPr lang="ko-KR" altLang="en-US"/>
           </a:p>
@@ -2392,7 +2396,7 @@
           <a:p>
             <a:fld id="{E7667923-C677-4680-B76B-6B19B2E0B717}" type="datetimeFigureOut">
               <a:rPr lang="ko-KR" altLang="en-US" smtClean="0"/>
-              <a:t>2022-10-23</a:t>
+              <a:t>2022-10-24</a:t>
             </a:fld>
             <a:endParaRPr lang="ko-KR" altLang="en-US"/>
           </a:p>
@@ -2680,7 +2684,7 @@
           <a:p>
             <a:fld id="{E7667923-C677-4680-B76B-6B19B2E0B717}" type="datetimeFigureOut">
               <a:rPr lang="ko-KR" altLang="en-US" smtClean="0"/>
-              <a:t>2022-10-23</a:t>
+              <a:t>2022-10-24</a:t>
             </a:fld>
             <a:endParaRPr lang="ko-KR" altLang="en-US"/>
           </a:p>
@@ -2921,7 +2925,7 @@
           <a:p>
             <a:fld id="{E7667923-C677-4680-B76B-6B19B2E0B717}" type="datetimeFigureOut">
               <a:rPr lang="ko-KR" altLang="en-US" smtClean="0"/>
-              <a:t>2022-10-23</a:t>
+              <a:t>2022-10-24</a:t>
             </a:fld>
             <a:endParaRPr lang="ko-KR" altLang="en-US"/>
           </a:p>
@@ -7132,7 +7136,7 @@
                 <a:ea typeface="Microsoft GothicNeo Light" panose="020B0300000101010101" pitchFamily="50" charset="-127"/>
                 <a:cs typeface="Microsoft GothicNeo Light" panose="020B0300000101010101" pitchFamily="50" charset="-127"/>
               </a:rPr>
-              <a:t>1</a:t>
+              <a:t>First</a:t>
             </a:r>
             <a:endParaRPr lang="ko-KR" altLang="en-US" sz="1100" dirty="0">
               <a:solidFill>
@@ -8192,57 +8196,6 @@
           </a:fontRef>
         </p:style>
       </p:cxnSp>
-      <p:sp>
-        <p:nvSpPr>
-          <p:cNvPr id="54" name="직사각형 53">
-            <a:extLst>
-              <a:ext uri="{FF2B5EF4-FFF2-40B4-BE49-F238E27FC236}">
-                <a16:creationId xmlns:a16="http://schemas.microsoft.com/office/drawing/2014/main" id="{8ADC391D-C584-6363-61AF-31013C59EBC5}"/>
-              </a:ext>
-            </a:extLst>
-          </p:cNvPr>
-          <p:cNvSpPr/>
-          <p:nvPr/>
-        </p:nvSpPr>
-        <p:spPr>
-          <a:xfrm>
-            <a:off x="4816362" y="3609817"/>
-            <a:ext cx="1923799" cy="455527"/>
-          </a:xfrm>
-          <a:prstGeom prst="rect">
-            <a:avLst/>
-          </a:prstGeom>
-          <a:ln>
-            <a:solidFill>
-              <a:schemeClr val="tx1"/>
-            </a:solidFill>
-          </a:ln>
-        </p:spPr>
-        <p:style>
-          <a:lnRef idx="2">
-            <a:schemeClr val="accent3">
-              <a:shade val="50000"/>
-            </a:schemeClr>
-          </a:lnRef>
-          <a:fillRef idx="1">
-            <a:schemeClr val="accent3"/>
-          </a:fillRef>
-          <a:effectRef idx="0">
-            <a:schemeClr val="accent3"/>
-          </a:effectRef>
-          <a:fontRef idx="minor">
-            <a:schemeClr val="lt1"/>
-          </a:fontRef>
-        </p:style>
-        <p:txBody>
-          <a:bodyPr rtlCol="0" anchor="ctr"/>
-          <a:lstStyle/>
-          <a:p>
-            <a:pPr algn="ctr"/>
-            <a:endParaRPr lang="ko-KR" altLang="en-US"/>
-          </a:p>
-        </p:txBody>
-      </p:sp>
     </p:spTree>
     <p:extLst>
       <p:ext uri="{BB962C8B-B14F-4D97-AF65-F5344CB8AC3E}">
@@ -8610,6 +8563,6918 @@
     <p:extLst>
       <p:ext uri="{BB962C8B-B14F-4D97-AF65-F5344CB8AC3E}">
         <p14:creationId xmlns:p14="http://schemas.microsoft.com/office/powerpoint/2010/main" val="2609626465"/>
+      </p:ext>
+    </p:extLst>
+  </p:cSld>
+  <p:clrMapOvr>
+    <a:masterClrMapping/>
+  </p:clrMapOvr>
+</p:sld>
+</file>
+
+<file path=ppt/slides/slide14.xml><?xml version="1.0" encoding="utf-8"?>
+<p:sld xmlns:a="http://schemas.openxmlformats.org/drawingml/2006/main" xmlns:r="http://schemas.openxmlformats.org/officeDocument/2006/relationships" xmlns:p="http://schemas.openxmlformats.org/presentationml/2006/main">
+  <p:cSld>
+    <p:spTree>
+      <p:nvGrpSpPr>
+        <p:cNvPr id="1" name=""/>
+        <p:cNvGrpSpPr/>
+        <p:nvPr/>
+      </p:nvGrpSpPr>
+      <p:grpSpPr>
+        <a:xfrm>
+          <a:off x="0" y="0"/>
+          <a:ext cx="0" cy="0"/>
+          <a:chOff x="0" y="0"/>
+          <a:chExt cx="0" cy="0"/>
+        </a:xfrm>
+      </p:grpSpPr>
+      <p:sp>
+        <p:nvSpPr>
+          <p:cNvPr id="24" name="폭발: 8pt 23">
+            <a:extLst>
+              <a:ext uri="{FF2B5EF4-FFF2-40B4-BE49-F238E27FC236}">
+                <a16:creationId xmlns:a16="http://schemas.microsoft.com/office/drawing/2014/main" id="{57B572B4-11CA-3D2D-524D-99561535FCFE}"/>
+              </a:ext>
+            </a:extLst>
+          </p:cNvPr>
+          <p:cNvSpPr/>
+          <p:nvPr/>
+        </p:nvSpPr>
+        <p:spPr>
+          <a:xfrm>
+            <a:off x="557134" y="6293764"/>
+            <a:ext cx="313975" cy="369048"/>
+          </a:xfrm>
+          <a:prstGeom prst="irregularSeal1">
+            <a:avLst/>
+          </a:prstGeom>
+          <a:solidFill>
+            <a:schemeClr val="accent4"/>
+          </a:solidFill>
+          <a:ln>
+            <a:noFill/>
+          </a:ln>
+        </p:spPr>
+        <p:style>
+          <a:lnRef idx="0">
+            <a:scrgbClr r="0" g="0" b="0"/>
+          </a:lnRef>
+          <a:fillRef idx="0">
+            <a:scrgbClr r="0" g="0" b="0"/>
+          </a:fillRef>
+          <a:effectRef idx="0">
+            <a:scrgbClr r="0" g="0" b="0"/>
+          </a:effectRef>
+          <a:fontRef idx="minor">
+            <a:schemeClr val="lt1"/>
+          </a:fontRef>
+        </p:style>
+        <p:txBody>
+          <a:bodyPr rtlCol="0" anchor="ctr"/>
+          <a:lstStyle/>
+          <a:p>
+            <a:pPr algn="ctr"/>
+            <a:r>
+              <a:rPr lang="en-US" altLang="ko-KR" b="1" dirty="0"/>
+              <a:t>1</a:t>
+            </a:r>
+            <a:endParaRPr lang="ko-KR" altLang="en-US" b="1" dirty="0"/>
+          </a:p>
+        </p:txBody>
+      </p:sp>
+      <p:grpSp>
+        <p:nvGrpSpPr>
+          <p:cNvPr id="78" name="그룹 77">
+            <a:extLst>
+              <a:ext uri="{FF2B5EF4-FFF2-40B4-BE49-F238E27FC236}">
+                <a16:creationId xmlns:a16="http://schemas.microsoft.com/office/drawing/2014/main" id="{25621BCD-3615-542B-F4F0-5CDEE5BBA8BA}"/>
+              </a:ext>
+            </a:extLst>
+          </p:cNvPr>
+          <p:cNvGrpSpPr/>
+          <p:nvPr/>
+        </p:nvGrpSpPr>
+        <p:grpSpPr>
+          <a:xfrm>
+            <a:off x="272886" y="238098"/>
+            <a:ext cx="4193005" cy="5781174"/>
+            <a:chOff x="272886" y="238098"/>
+            <a:chExt cx="4193005" cy="5781174"/>
+          </a:xfrm>
+        </p:grpSpPr>
+        <p:sp>
+          <p:nvSpPr>
+            <p:cNvPr id="53" name="사각형: 둥근 모서리 52">
+              <a:extLst>
+                <a:ext uri="{FF2B5EF4-FFF2-40B4-BE49-F238E27FC236}">
+                  <a16:creationId xmlns:a16="http://schemas.microsoft.com/office/drawing/2014/main" id="{9C355B58-1F3E-FE7A-0847-31F4338D7427}"/>
+                </a:ext>
+              </a:extLst>
+            </p:cNvPr>
+            <p:cNvSpPr/>
+            <p:nvPr/>
+          </p:nvSpPr>
+          <p:spPr>
+            <a:xfrm>
+              <a:off x="272886" y="238098"/>
+              <a:ext cx="4193005" cy="5781174"/>
+            </a:xfrm>
+            <a:prstGeom prst="roundRect">
+              <a:avLst/>
+            </a:prstGeom>
+            <a:solidFill>
+              <a:schemeClr val="bg1"/>
+            </a:solidFill>
+            <a:ln>
+              <a:solidFill>
+                <a:schemeClr val="tx1"/>
+              </a:solidFill>
+            </a:ln>
+          </p:spPr>
+          <p:style>
+            <a:lnRef idx="2">
+              <a:schemeClr val="accent3">
+                <a:shade val="50000"/>
+              </a:schemeClr>
+            </a:lnRef>
+            <a:fillRef idx="1">
+              <a:schemeClr val="accent3"/>
+            </a:fillRef>
+            <a:effectRef idx="0">
+              <a:schemeClr val="accent3"/>
+            </a:effectRef>
+            <a:fontRef idx="minor">
+              <a:schemeClr val="lt1"/>
+            </a:fontRef>
+          </p:style>
+          <p:txBody>
+            <a:bodyPr rtlCol="0" anchor="ctr"/>
+            <a:lstStyle/>
+            <a:p>
+              <a:pPr algn="ctr"/>
+              <a:endParaRPr lang="ko-KR" altLang="en-US"/>
+            </a:p>
+          </p:txBody>
+        </p:sp>
+        <p:sp>
+          <p:nvSpPr>
+            <p:cNvPr id="51" name="폭발: 8pt 50">
+              <a:extLst>
+                <a:ext uri="{FF2B5EF4-FFF2-40B4-BE49-F238E27FC236}">
+                  <a16:creationId xmlns:a16="http://schemas.microsoft.com/office/drawing/2014/main" id="{B71B76CB-CE5A-E7B5-36B9-841394A8A530}"/>
+                </a:ext>
+              </a:extLst>
+            </p:cNvPr>
+            <p:cNvSpPr/>
+            <p:nvPr/>
+          </p:nvSpPr>
+          <p:spPr>
+            <a:xfrm>
+              <a:off x="1955402" y="431513"/>
+              <a:ext cx="773968" cy="773968"/>
+            </a:xfrm>
+            <a:prstGeom prst="irregularSeal1">
+              <a:avLst/>
+            </a:prstGeom>
+          </p:spPr>
+          <p:style>
+            <a:lnRef idx="2">
+              <a:schemeClr val="accent4">
+                <a:shade val="50000"/>
+              </a:schemeClr>
+            </a:lnRef>
+            <a:fillRef idx="1">
+              <a:schemeClr val="accent4"/>
+            </a:fillRef>
+            <a:effectRef idx="0">
+              <a:schemeClr val="accent4"/>
+            </a:effectRef>
+            <a:fontRef idx="minor">
+              <a:schemeClr val="lt1"/>
+            </a:fontRef>
+          </p:style>
+          <p:txBody>
+            <a:bodyPr rtlCol="0" anchor="ctr"/>
+            <a:lstStyle/>
+            <a:p>
+              <a:pPr algn="ctr"/>
+              <a:endParaRPr lang="ko-KR" altLang="en-US"/>
+            </a:p>
+          </p:txBody>
+        </p:sp>
+        <p:grpSp>
+          <p:nvGrpSpPr>
+            <p:cNvPr id="2" name="그룹 1">
+              <a:extLst>
+                <a:ext uri="{FF2B5EF4-FFF2-40B4-BE49-F238E27FC236}">
+                  <a16:creationId xmlns:a16="http://schemas.microsoft.com/office/drawing/2014/main" id="{BBE9BCEC-A470-2668-B521-1AFC27C90894}"/>
+                </a:ext>
+              </a:extLst>
+            </p:cNvPr>
+            <p:cNvGrpSpPr/>
+            <p:nvPr/>
+          </p:nvGrpSpPr>
+          <p:grpSpPr>
+            <a:xfrm>
+              <a:off x="2083816" y="1047367"/>
+              <a:ext cx="531062" cy="691867"/>
+              <a:chOff x="1865021" y="2124792"/>
+              <a:chExt cx="631904" cy="823243"/>
+            </a:xfrm>
+          </p:grpSpPr>
+          <p:sp>
+            <p:nvSpPr>
+              <p:cNvPr id="3" name="내용 개체 틀 38" descr="단색으로 채워진 악마 얼굴 단색으로 채워진">
+                <a:extLst>
+                  <a:ext uri="{FF2B5EF4-FFF2-40B4-BE49-F238E27FC236}">
+                    <a16:creationId xmlns:a16="http://schemas.microsoft.com/office/drawing/2014/main" id="{1C04715D-4288-90E9-7997-BA7A9F4A6C2B}"/>
+                  </a:ext>
+                </a:extLst>
+              </p:cNvPr>
+              <p:cNvSpPr/>
+              <p:nvPr/>
+            </p:nvSpPr>
+            <p:spPr>
+              <a:xfrm>
+                <a:off x="1925137" y="2124792"/>
+                <a:ext cx="511672" cy="550914"/>
+              </a:xfrm>
+              <a:custGeom>
+                <a:avLst/>
+                <a:gdLst>
+                  <a:gd name="connsiteX0" fmla="*/ 566293 w 571014"/>
+                  <a:gd name="connsiteY0" fmla="*/ 70447 h 614808"/>
+                  <a:gd name="connsiteX1" fmla="*/ 537014 w 571014"/>
+                  <a:gd name="connsiteY1" fmla="*/ 6033 h 614808"/>
+                  <a:gd name="connsiteX2" fmla="*/ 516565 w 571014"/>
+                  <a:gd name="connsiteY2" fmla="*/ 2799 h 614808"/>
+                  <a:gd name="connsiteX3" fmla="*/ 510589 w 571014"/>
+                  <a:gd name="connsiteY3" fmla="*/ 13353 h 614808"/>
+                  <a:gd name="connsiteX4" fmla="*/ 432415 w 571014"/>
+                  <a:gd name="connsiteY4" fmla="*/ 100604 h 614808"/>
+                  <a:gd name="connsiteX5" fmla="*/ 138600 w 571014"/>
+                  <a:gd name="connsiteY5" fmla="*/ 100604 h 614808"/>
+                  <a:gd name="connsiteX6" fmla="*/ 60425 w 571014"/>
+                  <a:gd name="connsiteY6" fmla="*/ 13719 h 614808"/>
+                  <a:gd name="connsiteX7" fmla="*/ 44554 w 571014"/>
+                  <a:gd name="connsiteY7" fmla="*/ 424 h 614808"/>
+                  <a:gd name="connsiteX8" fmla="*/ 34001 w 571014"/>
+                  <a:gd name="connsiteY8" fmla="*/ 6399 h 614808"/>
+                  <a:gd name="connsiteX9" fmla="*/ 4722 w 571014"/>
+                  <a:gd name="connsiteY9" fmla="*/ 70813 h 614808"/>
+                  <a:gd name="connsiteX10" fmla="*/ 36636 w 571014"/>
+                  <a:gd name="connsiteY10" fmla="*/ 212377 h 614808"/>
+                  <a:gd name="connsiteX11" fmla="*/ 161287 w 571014"/>
+                  <a:gd name="connsiteY11" fmla="*/ 585469 h 614808"/>
+                  <a:gd name="connsiteX12" fmla="*/ 534379 w 571014"/>
+                  <a:gd name="connsiteY12" fmla="*/ 460817 h 614808"/>
+                  <a:gd name="connsiteX13" fmla="*/ 534379 w 571014"/>
+                  <a:gd name="connsiteY13" fmla="*/ 212377 h 614808"/>
+                  <a:gd name="connsiteX14" fmla="*/ 566293 w 571014"/>
+                  <a:gd name="connsiteY14" fmla="*/ 70447 h 614808"/>
+                  <a:gd name="connsiteX15" fmla="*/ 325839 w 571014"/>
+                  <a:gd name="connsiteY15" fmla="*/ 217720 h 614808"/>
+                  <a:gd name="connsiteX16" fmla="*/ 407820 w 571014"/>
+                  <a:gd name="connsiteY16" fmla="*/ 180389 h 614808"/>
+                  <a:gd name="connsiteX17" fmla="*/ 436367 w 571014"/>
+                  <a:gd name="connsiteY17" fmla="*/ 184049 h 614808"/>
+                  <a:gd name="connsiteX18" fmla="*/ 446138 w 571014"/>
+                  <a:gd name="connsiteY18" fmla="*/ 200760 h 614808"/>
+                  <a:gd name="connsiteX19" fmla="*/ 445883 w 571014"/>
+                  <a:gd name="connsiteY19" fmla="*/ 201617 h 614808"/>
+                  <a:gd name="connsiteX20" fmla="*/ 427953 w 571014"/>
+                  <a:gd name="connsiteY20" fmla="*/ 211969 h 614808"/>
+                  <a:gd name="connsiteX21" fmla="*/ 427584 w 571014"/>
+                  <a:gd name="connsiteY21" fmla="*/ 211864 h 614808"/>
+                  <a:gd name="connsiteX22" fmla="*/ 347798 w 571014"/>
+                  <a:gd name="connsiteY22" fmla="*/ 236751 h 614808"/>
+                  <a:gd name="connsiteX23" fmla="*/ 327484 w 571014"/>
+                  <a:gd name="connsiteY23" fmla="*/ 240744 h 614808"/>
+                  <a:gd name="connsiteX24" fmla="*/ 323490 w 571014"/>
+                  <a:gd name="connsiteY24" fmla="*/ 220430 h 614808"/>
+                  <a:gd name="connsiteX25" fmla="*/ 325839 w 571014"/>
+                  <a:gd name="connsiteY25" fmla="*/ 217720 h 614808"/>
+                  <a:gd name="connsiteX26" fmla="*/ 245322 w 571014"/>
+                  <a:gd name="connsiteY26" fmla="*/ 217720 h 614808"/>
+                  <a:gd name="connsiteX27" fmla="*/ 246387 w 571014"/>
+                  <a:gd name="connsiteY27" fmla="*/ 238396 h 614808"/>
+                  <a:gd name="connsiteX28" fmla="*/ 225711 w 571014"/>
+                  <a:gd name="connsiteY28" fmla="*/ 239461 h 614808"/>
+                  <a:gd name="connsiteX29" fmla="*/ 223362 w 571014"/>
+                  <a:gd name="connsiteY29" fmla="*/ 236751 h 614808"/>
+                  <a:gd name="connsiteX30" fmla="*/ 143577 w 571014"/>
+                  <a:gd name="connsiteY30" fmla="*/ 211864 h 614808"/>
+                  <a:gd name="connsiteX31" fmla="*/ 125383 w 571014"/>
+                  <a:gd name="connsiteY31" fmla="*/ 201986 h 614808"/>
+                  <a:gd name="connsiteX32" fmla="*/ 125278 w 571014"/>
+                  <a:gd name="connsiteY32" fmla="*/ 201617 h 614808"/>
+                  <a:gd name="connsiteX33" fmla="*/ 133937 w 571014"/>
+                  <a:gd name="connsiteY33" fmla="*/ 184304 h 614808"/>
+                  <a:gd name="connsiteX34" fmla="*/ 134794 w 571014"/>
+                  <a:gd name="connsiteY34" fmla="*/ 184049 h 614808"/>
+                  <a:gd name="connsiteX35" fmla="*/ 163341 w 571014"/>
+                  <a:gd name="connsiteY35" fmla="*/ 180389 h 614808"/>
+                  <a:gd name="connsiteX36" fmla="*/ 245395 w 571014"/>
+                  <a:gd name="connsiteY36" fmla="*/ 217720 h 614808"/>
+                  <a:gd name="connsiteX37" fmla="*/ 124473 w 571014"/>
+                  <a:gd name="connsiteY37" fmla="*/ 292894 h 614808"/>
+                  <a:gd name="connsiteX38" fmla="*/ 168391 w 571014"/>
+                  <a:gd name="connsiteY38" fmla="*/ 248975 h 614808"/>
+                  <a:gd name="connsiteX39" fmla="*/ 212310 w 571014"/>
+                  <a:gd name="connsiteY39" fmla="*/ 292894 h 614808"/>
+                  <a:gd name="connsiteX40" fmla="*/ 168391 w 571014"/>
+                  <a:gd name="connsiteY40" fmla="*/ 336812 h 614808"/>
+                  <a:gd name="connsiteX41" fmla="*/ 124473 w 571014"/>
+                  <a:gd name="connsiteY41" fmla="*/ 292894 h 614808"/>
+                  <a:gd name="connsiteX42" fmla="*/ 430658 w 571014"/>
+                  <a:gd name="connsiteY42" fmla="*/ 455539 h 614808"/>
+                  <a:gd name="connsiteX43" fmla="*/ 174071 w 571014"/>
+                  <a:gd name="connsiteY43" fmla="*/ 489253 h 614808"/>
+                  <a:gd name="connsiteX44" fmla="*/ 140357 w 571014"/>
+                  <a:gd name="connsiteY44" fmla="*/ 455539 h 614808"/>
+                  <a:gd name="connsiteX45" fmla="*/ 143028 w 571014"/>
+                  <a:gd name="connsiteY45" fmla="*/ 435007 h 614808"/>
+                  <a:gd name="connsiteX46" fmla="*/ 163560 w 571014"/>
+                  <a:gd name="connsiteY46" fmla="*/ 437678 h 614808"/>
+                  <a:gd name="connsiteX47" fmla="*/ 379087 w 571014"/>
+                  <a:gd name="connsiteY47" fmla="*/ 466046 h 614808"/>
+                  <a:gd name="connsiteX48" fmla="*/ 407454 w 571014"/>
+                  <a:gd name="connsiteY48" fmla="*/ 437678 h 614808"/>
+                  <a:gd name="connsiteX49" fmla="*/ 427986 w 571014"/>
+                  <a:gd name="connsiteY49" fmla="*/ 435007 h 614808"/>
+                  <a:gd name="connsiteX50" fmla="*/ 430658 w 571014"/>
+                  <a:gd name="connsiteY50" fmla="*/ 455539 h 614808"/>
+                  <a:gd name="connsiteX51" fmla="*/ 402623 w 571014"/>
+                  <a:gd name="connsiteY51" fmla="*/ 336812 h 614808"/>
+                  <a:gd name="connsiteX52" fmla="*/ 358705 w 571014"/>
+                  <a:gd name="connsiteY52" fmla="*/ 292894 h 614808"/>
+                  <a:gd name="connsiteX53" fmla="*/ 402623 w 571014"/>
+                  <a:gd name="connsiteY53" fmla="*/ 248975 h 614808"/>
+                  <a:gd name="connsiteX54" fmla="*/ 446542 w 571014"/>
+                  <a:gd name="connsiteY54" fmla="*/ 292894 h 614808"/>
+                  <a:gd name="connsiteX55" fmla="*/ 402623 w 571014"/>
+                  <a:gd name="connsiteY55" fmla="*/ 336812 h 614808"/>
+                </a:gdLst>
+                <a:ahLst/>
+                <a:cxnLst>
+                  <a:cxn ang="0">
+                    <a:pos x="connsiteX0" y="connsiteY0"/>
+                  </a:cxn>
+                  <a:cxn ang="0">
+                    <a:pos x="connsiteX1" y="connsiteY1"/>
+                  </a:cxn>
+                  <a:cxn ang="0">
+                    <a:pos x="connsiteX2" y="connsiteY2"/>
+                  </a:cxn>
+                  <a:cxn ang="0">
+                    <a:pos x="connsiteX3" y="connsiteY3"/>
+                  </a:cxn>
+                  <a:cxn ang="0">
+                    <a:pos x="connsiteX4" y="connsiteY4"/>
+                  </a:cxn>
+                  <a:cxn ang="0">
+                    <a:pos x="connsiteX5" y="connsiteY5"/>
+                  </a:cxn>
+                  <a:cxn ang="0">
+                    <a:pos x="connsiteX6" y="connsiteY6"/>
+                  </a:cxn>
+                  <a:cxn ang="0">
+                    <a:pos x="connsiteX7" y="connsiteY7"/>
+                  </a:cxn>
+                  <a:cxn ang="0">
+                    <a:pos x="connsiteX8" y="connsiteY8"/>
+                  </a:cxn>
+                  <a:cxn ang="0">
+                    <a:pos x="connsiteX9" y="connsiteY9"/>
+                  </a:cxn>
+                  <a:cxn ang="0">
+                    <a:pos x="connsiteX10" y="connsiteY10"/>
+                  </a:cxn>
+                  <a:cxn ang="0">
+                    <a:pos x="connsiteX11" y="connsiteY11"/>
+                  </a:cxn>
+                  <a:cxn ang="0">
+                    <a:pos x="connsiteX12" y="connsiteY12"/>
+                  </a:cxn>
+                  <a:cxn ang="0">
+                    <a:pos x="connsiteX13" y="connsiteY13"/>
+                  </a:cxn>
+                  <a:cxn ang="0">
+                    <a:pos x="connsiteX14" y="connsiteY14"/>
+                  </a:cxn>
+                  <a:cxn ang="0">
+                    <a:pos x="connsiteX15" y="connsiteY15"/>
+                  </a:cxn>
+                  <a:cxn ang="0">
+                    <a:pos x="connsiteX16" y="connsiteY16"/>
+                  </a:cxn>
+                  <a:cxn ang="0">
+                    <a:pos x="connsiteX17" y="connsiteY17"/>
+                  </a:cxn>
+                  <a:cxn ang="0">
+                    <a:pos x="connsiteX18" y="connsiteY18"/>
+                  </a:cxn>
+                  <a:cxn ang="0">
+                    <a:pos x="connsiteX19" y="connsiteY19"/>
+                  </a:cxn>
+                  <a:cxn ang="0">
+                    <a:pos x="connsiteX20" y="connsiteY20"/>
+                  </a:cxn>
+                  <a:cxn ang="0">
+                    <a:pos x="connsiteX21" y="connsiteY21"/>
+                  </a:cxn>
+                  <a:cxn ang="0">
+                    <a:pos x="connsiteX22" y="connsiteY22"/>
+                  </a:cxn>
+                  <a:cxn ang="0">
+                    <a:pos x="connsiteX23" y="connsiteY23"/>
+                  </a:cxn>
+                  <a:cxn ang="0">
+                    <a:pos x="connsiteX24" y="connsiteY24"/>
+                  </a:cxn>
+                  <a:cxn ang="0">
+                    <a:pos x="connsiteX25" y="connsiteY25"/>
+                  </a:cxn>
+                  <a:cxn ang="0">
+                    <a:pos x="connsiteX26" y="connsiteY26"/>
+                  </a:cxn>
+                  <a:cxn ang="0">
+                    <a:pos x="connsiteX27" y="connsiteY27"/>
+                  </a:cxn>
+                  <a:cxn ang="0">
+                    <a:pos x="connsiteX28" y="connsiteY28"/>
+                  </a:cxn>
+                  <a:cxn ang="0">
+                    <a:pos x="connsiteX29" y="connsiteY29"/>
+                  </a:cxn>
+                  <a:cxn ang="0">
+                    <a:pos x="connsiteX30" y="connsiteY30"/>
+                  </a:cxn>
+                  <a:cxn ang="0">
+                    <a:pos x="connsiteX31" y="connsiteY31"/>
+                  </a:cxn>
+                  <a:cxn ang="0">
+                    <a:pos x="connsiteX32" y="connsiteY32"/>
+                  </a:cxn>
+                  <a:cxn ang="0">
+                    <a:pos x="connsiteX33" y="connsiteY33"/>
+                  </a:cxn>
+                  <a:cxn ang="0">
+                    <a:pos x="connsiteX34" y="connsiteY34"/>
+                  </a:cxn>
+                  <a:cxn ang="0">
+                    <a:pos x="connsiteX35" y="connsiteY35"/>
+                  </a:cxn>
+                  <a:cxn ang="0">
+                    <a:pos x="connsiteX36" y="connsiteY36"/>
+                  </a:cxn>
+                  <a:cxn ang="0">
+                    <a:pos x="connsiteX37" y="connsiteY37"/>
+                  </a:cxn>
+                  <a:cxn ang="0">
+                    <a:pos x="connsiteX38" y="connsiteY38"/>
+                  </a:cxn>
+                  <a:cxn ang="0">
+                    <a:pos x="connsiteX39" y="connsiteY39"/>
+                  </a:cxn>
+                  <a:cxn ang="0">
+                    <a:pos x="connsiteX40" y="connsiteY40"/>
+                  </a:cxn>
+                  <a:cxn ang="0">
+                    <a:pos x="connsiteX41" y="connsiteY41"/>
+                  </a:cxn>
+                  <a:cxn ang="0">
+                    <a:pos x="connsiteX42" y="connsiteY42"/>
+                  </a:cxn>
+                  <a:cxn ang="0">
+                    <a:pos x="connsiteX43" y="connsiteY43"/>
+                  </a:cxn>
+                  <a:cxn ang="0">
+                    <a:pos x="connsiteX44" y="connsiteY44"/>
+                  </a:cxn>
+                  <a:cxn ang="0">
+                    <a:pos x="connsiteX45" y="connsiteY45"/>
+                  </a:cxn>
+                  <a:cxn ang="0">
+                    <a:pos x="connsiteX46" y="connsiteY46"/>
+                  </a:cxn>
+                  <a:cxn ang="0">
+                    <a:pos x="connsiteX47" y="connsiteY47"/>
+                  </a:cxn>
+                  <a:cxn ang="0">
+                    <a:pos x="connsiteX48" y="connsiteY48"/>
+                  </a:cxn>
+                  <a:cxn ang="0">
+                    <a:pos x="connsiteX49" y="connsiteY49"/>
+                  </a:cxn>
+                  <a:cxn ang="0">
+                    <a:pos x="connsiteX50" y="connsiteY50"/>
+                  </a:cxn>
+                  <a:cxn ang="0">
+                    <a:pos x="connsiteX51" y="connsiteY51"/>
+                  </a:cxn>
+                  <a:cxn ang="0">
+                    <a:pos x="connsiteX52" y="connsiteY52"/>
+                  </a:cxn>
+                  <a:cxn ang="0">
+                    <a:pos x="connsiteX53" y="connsiteY53"/>
+                  </a:cxn>
+                  <a:cxn ang="0">
+                    <a:pos x="connsiteX54" y="connsiteY54"/>
+                  </a:cxn>
+                  <a:cxn ang="0">
+                    <a:pos x="connsiteX55" y="connsiteY55"/>
+                  </a:cxn>
+                </a:cxnLst>
+                <a:rect l="l" t="t" r="r" b="b"/>
+                <a:pathLst>
+                  <a:path w="571014" h="614808">
+                    <a:moveTo>
+                      <a:pt x="566293" y="70447"/>
+                    </a:moveTo>
+                    <a:cubicBezTo>
+                      <a:pt x="560974" y="47222"/>
+                      <a:pt x="551015" y="25312"/>
+                      <a:pt x="537014" y="6033"/>
+                    </a:cubicBezTo>
+                    <a:cubicBezTo>
+                      <a:pt x="532260" y="-507"/>
+                      <a:pt x="523105" y="-1955"/>
+                      <a:pt x="516565" y="2799"/>
+                    </a:cubicBezTo>
+                    <a:cubicBezTo>
+                      <a:pt x="513141" y="5288"/>
+                      <a:pt x="510962" y="9136"/>
+                      <a:pt x="510589" y="13353"/>
+                    </a:cubicBezTo>
+                    <a:cubicBezTo>
+                      <a:pt x="507644" y="56931"/>
+                      <a:pt x="475409" y="92909"/>
+                      <a:pt x="432415" y="100604"/>
+                    </a:cubicBezTo>
+                    <a:cubicBezTo>
+                      <a:pt x="342466" y="44657"/>
+                      <a:pt x="228549" y="44657"/>
+                      <a:pt x="138600" y="100604"/>
+                    </a:cubicBezTo>
+                    <a:cubicBezTo>
+                      <a:pt x="95729" y="92943"/>
+                      <a:pt x="63531" y="57157"/>
+                      <a:pt x="60425" y="13719"/>
+                    </a:cubicBezTo>
+                    <a:cubicBezTo>
+                      <a:pt x="59713" y="5665"/>
+                      <a:pt x="52608" y="-288"/>
+                      <a:pt x="44554" y="424"/>
+                    </a:cubicBezTo>
+                    <a:cubicBezTo>
+                      <a:pt x="40338" y="796"/>
+                      <a:pt x="36489" y="2975"/>
+                      <a:pt x="34001" y="6399"/>
+                    </a:cubicBezTo>
+                    <a:cubicBezTo>
+                      <a:pt x="19999" y="25678"/>
+                      <a:pt x="10041" y="47588"/>
+                      <a:pt x="4722" y="70813"/>
+                    </a:cubicBezTo>
+                    <a:cubicBezTo>
+                      <a:pt x="-7795" y="124540"/>
+                      <a:pt x="5161" y="177901"/>
+                      <a:pt x="36636" y="212377"/>
+                    </a:cubicBezTo>
+                    <a:cubicBezTo>
+                      <a:pt x="-31969" y="349825"/>
+                      <a:pt x="23839" y="516864"/>
+                      <a:pt x="161287" y="585469"/>
+                    </a:cubicBezTo>
+                    <a:cubicBezTo>
+                      <a:pt x="298735" y="654073"/>
+                      <a:pt x="465774" y="598265"/>
+                      <a:pt x="534379" y="460817"/>
+                    </a:cubicBezTo>
+                    <a:cubicBezTo>
+                      <a:pt x="573417" y="382605"/>
+                      <a:pt x="573417" y="290590"/>
+                      <a:pt x="534379" y="212377"/>
+                    </a:cubicBezTo>
+                    <a:cubicBezTo>
+                      <a:pt x="565854" y="177901"/>
+                      <a:pt x="578810" y="124540"/>
+                      <a:pt x="566293" y="70447"/>
+                    </a:cubicBezTo>
+                    <a:close/>
+                    <a:moveTo>
+                      <a:pt x="325839" y="217720"/>
+                    </a:moveTo>
+                    <a:cubicBezTo>
+                      <a:pt x="346218" y="193655"/>
+                      <a:pt x="376289" y="179962"/>
+                      <a:pt x="407820" y="180389"/>
+                    </a:cubicBezTo>
+                    <a:cubicBezTo>
+                      <a:pt x="417469" y="180108"/>
+                      <a:pt x="427102" y="181343"/>
+                      <a:pt x="436367" y="184049"/>
+                    </a:cubicBezTo>
+                    <a:cubicBezTo>
+                      <a:pt x="443680" y="185965"/>
+                      <a:pt x="448054" y="193448"/>
+                      <a:pt x="446138" y="200760"/>
+                    </a:cubicBezTo>
+                    <a:cubicBezTo>
+                      <a:pt x="446062" y="201049"/>
+                      <a:pt x="445977" y="201334"/>
+                      <a:pt x="445883" y="201617"/>
+                    </a:cubicBezTo>
+                    <a:cubicBezTo>
+                      <a:pt x="443790" y="209426"/>
+                      <a:pt x="435763" y="214061"/>
+                      <a:pt x="427953" y="211969"/>
+                    </a:cubicBezTo>
+                    <a:cubicBezTo>
+                      <a:pt x="427829" y="211935"/>
+                      <a:pt x="427707" y="211901"/>
+                      <a:pt x="427584" y="211864"/>
+                    </a:cubicBezTo>
+                    <a:cubicBezTo>
+                      <a:pt x="398417" y="204219"/>
+                      <a:pt x="367446" y="213881"/>
+                      <a:pt x="347798" y="236751"/>
+                    </a:cubicBezTo>
+                    <a:cubicBezTo>
+                      <a:pt x="343291" y="243464"/>
+                      <a:pt x="334196" y="245252"/>
+                      <a:pt x="327484" y="240744"/>
+                    </a:cubicBezTo>
+                    <a:cubicBezTo>
+                      <a:pt x="320771" y="236238"/>
+                      <a:pt x="318983" y="227142"/>
+                      <a:pt x="323490" y="220430"/>
+                    </a:cubicBezTo>
+                    <a:cubicBezTo>
+                      <a:pt x="324159" y="219434"/>
+                      <a:pt x="324948" y="218524"/>
+                      <a:pt x="325839" y="217720"/>
+                    </a:cubicBezTo>
+                    <a:close/>
+                    <a:moveTo>
+                      <a:pt x="245322" y="217720"/>
+                    </a:moveTo>
+                    <a:cubicBezTo>
+                      <a:pt x="251325" y="223135"/>
+                      <a:pt x="251803" y="232392"/>
+                      <a:pt x="246387" y="238396"/>
+                    </a:cubicBezTo>
+                    <a:cubicBezTo>
+                      <a:pt x="240972" y="244400"/>
+                      <a:pt x="231715" y="244876"/>
+                      <a:pt x="225711" y="239461"/>
+                    </a:cubicBezTo>
+                    <a:cubicBezTo>
+                      <a:pt x="224820" y="238657"/>
+                      <a:pt x="224032" y="237748"/>
+                      <a:pt x="223362" y="236751"/>
+                    </a:cubicBezTo>
+                    <a:cubicBezTo>
+                      <a:pt x="203715" y="213881"/>
+                      <a:pt x="172744" y="204219"/>
+                      <a:pt x="143577" y="211864"/>
+                    </a:cubicBezTo>
+                    <a:cubicBezTo>
+                      <a:pt x="135825" y="214161"/>
+                      <a:pt x="127679" y="209739"/>
+                      <a:pt x="125383" y="201986"/>
+                    </a:cubicBezTo>
+                    <a:cubicBezTo>
+                      <a:pt x="125346" y="201864"/>
+                      <a:pt x="125311" y="201740"/>
+                      <a:pt x="125278" y="201617"/>
+                    </a:cubicBezTo>
+                    <a:cubicBezTo>
+                      <a:pt x="122888" y="194445"/>
+                      <a:pt x="126765" y="186693"/>
+                      <a:pt x="133937" y="184304"/>
+                    </a:cubicBezTo>
+                    <a:cubicBezTo>
+                      <a:pt x="134220" y="184209"/>
+                      <a:pt x="134505" y="184125"/>
+                      <a:pt x="134794" y="184049"/>
+                    </a:cubicBezTo>
+                    <a:cubicBezTo>
+                      <a:pt x="144059" y="181343"/>
+                      <a:pt x="153692" y="180108"/>
+                      <a:pt x="163341" y="180389"/>
+                    </a:cubicBezTo>
+                    <a:cubicBezTo>
+                      <a:pt x="194897" y="179940"/>
+                      <a:pt x="225000" y="193635"/>
+                      <a:pt x="245395" y="217720"/>
+                    </a:cubicBezTo>
+                    <a:close/>
+                    <a:moveTo>
+                      <a:pt x="124473" y="292894"/>
+                    </a:moveTo>
+                    <a:cubicBezTo>
+                      <a:pt x="124473" y="268638"/>
+                      <a:pt x="144136" y="248975"/>
+                      <a:pt x="168391" y="248975"/>
+                    </a:cubicBezTo>
+                    <a:cubicBezTo>
+                      <a:pt x="192647" y="248975"/>
+                      <a:pt x="212310" y="268638"/>
+                      <a:pt x="212310" y="292894"/>
+                    </a:cubicBezTo>
+                    <a:cubicBezTo>
+                      <a:pt x="212310" y="317149"/>
+                      <a:pt x="192647" y="336812"/>
+                      <a:pt x="168391" y="336812"/>
+                    </a:cubicBezTo>
+                    <a:cubicBezTo>
+                      <a:pt x="144136" y="336812"/>
+                      <a:pt x="124473" y="317149"/>
+                      <a:pt x="124473" y="292894"/>
+                    </a:cubicBezTo>
+                    <a:close/>
+                    <a:moveTo>
+                      <a:pt x="430658" y="455539"/>
+                    </a:moveTo>
+                    <a:cubicBezTo>
+                      <a:pt x="369113" y="535703"/>
+                      <a:pt x="254236" y="550798"/>
+                      <a:pt x="174071" y="489253"/>
+                    </a:cubicBezTo>
+                    <a:cubicBezTo>
+                      <a:pt x="161410" y="479534"/>
+                      <a:pt x="150076" y="468199"/>
+                      <a:pt x="140357" y="455539"/>
+                    </a:cubicBezTo>
+                    <a:cubicBezTo>
+                      <a:pt x="135424" y="449131"/>
+                      <a:pt x="136621" y="439939"/>
+                      <a:pt x="143028" y="435007"/>
+                    </a:cubicBezTo>
+                    <a:cubicBezTo>
+                      <a:pt x="149436" y="430075"/>
+                      <a:pt x="158628" y="431271"/>
+                      <a:pt x="163560" y="437678"/>
+                    </a:cubicBezTo>
+                    <a:cubicBezTo>
+                      <a:pt x="215243" y="505028"/>
+                      <a:pt x="311738" y="517729"/>
+                      <a:pt x="379087" y="466046"/>
+                    </a:cubicBezTo>
+                    <a:cubicBezTo>
+                      <a:pt x="389741" y="457870"/>
+                      <a:pt x="399278" y="448333"/>
+                      <a:pt x="407454" y="437678"/>
+                    </a:cubicBezTo>
+                    <a:cubicBezTo>
+                      <a:pt x="412386" y="431271"/>
+                      <a:pt x="421578" y="430075"/>
+                      <a:pt x="427986" y="435007"/>
+                    </a:cubicBezTo>
+                    <a:cubicBezTo>
+                      <a:pt x="434394" y="439939"/>
+                      <a:pt x="435590" y="449131"/>
+                      <a:pt x="430658" y="455539"/>
+                    </a:cubicBezTo>
+                    <a:close/>
+                    <a:moveTo>
+                      <a:pt x="402623" y="336812"/>
+                    </a:moveTo>
+                    <a:cubicBezTo>
+                      <a:pt x="378368" y="336812"/>
+                      <a:pt x="358705" y="317149"/>
+                      <a:pt x="358705" y="292894"/>
+                    </a:cubicBezTo>
+                    <a:cubicBezTo>
+                      <a:pt x="358705" y="268638"/>
+                      <a:pt x="378368" y="248975"/>
+                      <a:pt x="402623" y="248975"/>
+                    </a:cubicBezTo>
+                    <a:cubicBezTo>
+                      <a:pt x="426879" y="248975"/>
+                      <a:pt x="446542" y="268638"/>
+                      <a:pt x="446542" y="292894"/>
+                    </a:cubicBezTo>
+                    <a:cubicBezTo>
+                      <a:pt x="446542" y="317149"/>
+                      <a:pt x="426879" y="336812"/>
+                      <a:pt x="402623" y="336812"/>
+                    </a:cubicBezTo>
+                    <a:close/>
+                  </a:path>
+                </a:pathLst>
+              </a:custGeom>
+              <a:solidFill>
+                <a:schemeClr val="tx1"/>
+              </a:solidFill>
+              <a:ln w="7243" cap="flat">
+                <a:noFill/>
+                <a:prstDash val="solid"/>
+                <a:miter/>
+              </a:ln>
+            </p:spPr>
+            <p:txBody>
+              <a:bodyPr rtlCol="0" anchor="ctr"/>
+              <a:lstStyle/>
+              <a:p>
+                <a:endParaRPr lang="ko-KR" altLang="en-US"/>
+              </a:p>
+            </p:txBody>
+          </p:sp>
+          <p:sp>
+            <p:nvSpPr>
+              <p:cNvPr id="4" name="TextBox 3">
+                <a:extLst>
+                  <a:ext uri="{FF2B5EF4-FFF2-40B4-BE49-F238E27FC236}">
+                    <a16:creationId xmlns:a16="http://schemas.microsoft.com/office/drawing/2014/main" id="{F9E10376-39FC-929A-4075-7688051A1BC1}"/>
+                  </a:ext>
+                </a:extLst>
+              </p:cNvPr>
+              <p:cNvSpPr txBox="1"/>
+              <p:nvPr/>
+            </p:nvSpPr>
+            <p:spPr>
+              <a:xfrm>
+                <a:off x="1865021" y="2640258"/>
+                <a:ext cx="631904" cy="307777"/>
+              </a:xfrm>
+              <a:prstGeom prst="rect">
+                <a:avLst/>
+              </a:prstGeom>
+              <a:noFill/>
+            </p:spPr>
+            <p:txBody>
+              <a:bodyPr wrap="none" rtlCol="0">
+                <a:spAutoFit/>
+              </a:bodyPr>
+              <a:lstStyle/>
+              <a:p>
+                <a:pPr algn="ctr"/>
+                <a:r>
+                  <a:rPr lang="en-US" altLang="ko-KR" dirty="0">
+                    <a:latin typeface="Microsoft GothicNeo Light" panose="020B0300000101010101" pitchFamily="50" charset="-127"/>
+                    <a:ea typeface="Microsoft GothicNeo Light" panose="020B0300000101010101" pitchFamily="50" charset="-127"/>
+                    <a:cs typeface="Microsoft GothicNeo Light" panose="020B0300000101010101" pitchFamily="50" charset="-127"/>
+                  </a:rPr>
+                  <a:t>BOSS</a:t>
+                </a:r>
+                <a:endParaRPr lang="ko-KR" altLang="en-US" dirty="0">
+                  <a:latin typeface="Microsoft GothicNeo Light" panose="020B0300000101010101" pitchFamily="50" charset="-127"/>
+                  <a:ea typeface="Microsoft GothicNeo Light" panose="020B0300000101010101" pitchFamily="50" charset="-127"/>
+                  <a:cs typeface="Microsoft GothicNeo Light" panose="020B0300000101010101" pitchFamily="50" charset="-127"/>
+                </a:endParaRPr>
+              </a:p>
+            </p:txBody>
+          </p:sp>
+        </p:grpSp>
+        <p:grpSp>
+          <p:nvGrpSpPr>
+            <p:cNvPr id="5" name="그룹 4">
+              <a:extLst>
+                <a:ext uri="{FF2B5EF4-FFF2-40B4-BE49-F238E27FC236}">
+                  <a16:creationId xmlns:a16="http://schemas.microsoft.com/office/drawing/2014/main" id="{37F7A15D-1FB3-1884-8F1B-5217AB86E2A6}"/>
+                </a:ext>
+              </a:extLst>
+            </p:cNvPr>
+            <p:cNvGrpSpPr/>
+            <p:nvPr/>
+          </p:nvGrpSpPr>
+          <p:grpSpPr>
+            <a:xfrm>
+              <a:off x="692125" y="3209396"/>
+              <a:ext cx="694421" cy="1108014"/>
+              <a:chOff x="764582" y="2571750"/>
+              <a:chExt cx="694421" cy="1108014"/>
+            </a:xfrm>
+          </p:grpSpPr>
+          <p:pic>
+            <p:nvPicPr>
+              <p:cNvPr id="6" name="그래픽 5" descr="사용자 단색으로 채워진">
+                <a:extLst>
+                  <a:ext uri="{FF2B5EF4-FFF2-40B4-BE49-F238E27FC236}">
+                    <a16:creationId xmlns:a16="http://schemas.microsoft.com/office/drawing/2014/main" id="{E42BF17A-C480-AEDF-F46C-DD9FF24DF6E7}"/>
+                  </a:ext>
+                </a:extLst>
+              </p:cNvPr>
+              <p:cNvPicPr>
+                <a:picLocks noChangeAspect="1"/>
+              </p:cNvPicPr>
+              <p:nvPr/>
+            </p:nvPicPr>
+            <p:blipFill>
+              <a:blip r:embed="rId2">
+                <a:extLst>
+                  <a:ext uri="{96DAC541-7B7A-43D3-8B79-37D633B846F1}">
+                    <asvg:svgBlip xmlns:asvg="http://schemas.microsoft.com/office/drawing/2016/SVG/main" r:embed="rId3"/>
+                  </a:ext>
+                </a:extLst>
+              </a:blip>
+              <a:stretch>
+                <a:fillRect/>
+              </a:stretch>
+            </p:blipFill>
+            <p:spPr>
+              <a:xfrm>
+                <a:off x="780085" y="2841688"/>
+                <a:ext cx="663414" cy="663414"/>
+              </a:xfrm>
+              <a:prstGeom prst="rect">
+                <a:avLst/>
+              </a:prstGeom>
+            </p:spPr>
+          </p:pic>
+          <p:sp>
+            <p:nvSpPr>
+              <p:cNvPr id="7" name="Google Shape;80;p14">
+                <a:extLst>
+                  <a:ext uri="{FF2B5EF4-FFF2-40B4-BE49-F238E27FC236}">
+                    <a16:creationId xmlns:a16="http://schemas.microsoft.com/office/drawing/2014/main" id="{F38A667F-695A-636B-A6A2-386C79D31CFF}"/>
+                  </a:ext>
+                </a:extLst>
+              </p:cNvPr>
+              <p:cNvSpPr/>
+              <p:nvPr/>
+            </p:nvSpPr>
+            <p:spPr>
+              <a:xfrm>
+                <a:off x="943566" y="2571750"/>
+                <a:ext cx="336452" cy="329495"/>
+              </a:xfrm>
+              <a:prstGeom prst="ellipse">
+                <a:avLst/>
+              </a:prstGeom>
+              <a:solidFill>
+                <a:schemeClr val="accent1"/>
+              </a:solidFill>
+              <a:ln w="9525" cap="flat" cmpd="sng">
+                <a:noFill/>
+                <a:prstDash val="solid"/>
+                <a:round/>
+                <a:headEnd type="none" w="sm" len="sm"/>
+                <a:tailEnd type="none" w="sm" len="sm"/>
+              </a:ln>
+            </p:spPr>
+            <p:txBody>
+              <a:bodyPr spcFirstLastPara="1" wrap="square" lIns="91425" tIns="91425" rIns="91425" bIns="91425" anchor="ctr" anchorCtr="0">
+                <a:noAutofit/>
+              </a:bodyPr>
+              <a:lstStyle/>
+              <a:p>
+                <a:pPr marL="0" lvl="0" indent="0" algn="l" rtl="0">
+                  <a:spcBef>
+                    <a:spcPts val="0"/>
+                  </a:spcBef>
+                  <a:spcAft>
+                    <a:spcPts val="0"/>
+                  </a:spcAft>
+                  <a:buNone/>
+                </a:pPr>
+                <a:endParaRPr dirty="0">
+                  <a:latin typeface="Microsoft GothicNeo Light" panose="020B0300000101010101" pitchFamily="50" charset="-127"/>
+                  <a:ea typeface="Microsoft GothicNeo Light" panose="020B0300000101010101" pitchFamily="50" charset="-127"/>
+                  <a:cs typeface="Microsoft GothicNeo Light" panose="020B0300000101010101" pitchFamily="50" charset="-127"/>
+                </a:endParaRPr>
+              </a:p>
+            </p:txBody>
+          </p:sp>
+          <p:sp>
+            <p:nvSpPr>
+              <p:cNvPr id="8" name="TextBox 7">
+                <a:extLst>
+                  <a:ext uri="{FF2B5EF4-FFF2-40B4-BE49-F238E27FC236}">
+                    <a16:creationId xmlns:a16="http://schemas.microsoft.com/office/drawing/2014/main" id="{03B9AB26-E95B-9F93-C041-84A09A5B44C3}"/>
+                  </a:ext>
+                </a:extLst>
+              </p:cNvPr>
+              <p:cNvSpPr txBox="1"/>
+              <p:nvPr/>
+            </p:nvSpPr>
+            <p:spPr>
+              <a:xfrm>
+                <a:off x="764582" y="3371987"/>
+                <a:ext cx="694421" cy="307777"/>
+              </a:xfrm>
+              <a:prstGeom prst="rect">
+                <a:avLst/>
+              </a:prstGeom>
+              <a:noFill/>
+            </p:spPr>
+            <p:txBody>
+              <a:bodyPr wrap="none" rtlCol="0">
+                <a:spAutoFit/>
+              </a:bodyPr>
+              <a:lstStyle/>
+              <a:p>
+                <a:pPr algn="ctr"/>
+                <a:r>
+                  <a:rPr lang="en-US" altLang="ko-KR" dirty="0">
+                    <a:latin typeface="Microsoft GothicNeo Light" panose="020B0300000101010101" pitchFamily="50" charset="-127"/>
+                    <a:ea typeface="Microsoft GothicNeo Light" panose="020B0300000101010101" pitchFamily="50" charset="-127"/>
+                    <a:cs typeface="Microsoft GothicNeo Light" panose="020B0300000101010101" pitchFamily="50" charset="-127"/>
+                  </a:rPr>
+                  <a:t>USER1</a:t>
+                </a:r>
+                <a:endParaRPr lang="ko-KR" altLang="en-US" dirty="0">
+                  <a:latin typeface="Microsoft GothicNeo Light" panose="020B0300000101010101" pitchFamily="50" charset="-127"/>
+                  <a:ea typeface="Microsoft GothicNeo Light" panose="020B0300000101010101" pitchFamily="50" charset="-127"/>
+                  <a:cs typeface="Microsoft GothicNeo Light" panose="020B0300000101010101" pitchFamily="50" charset="-127"/>
+                </a:endParaRPr>
+              </a:p>
+            </p:txBody>
+          </p:sp>
+        </p:grpSp>
+        <p:grpSp>
+          <p:nvGrpSpPr>
+            <p:cNvPr id="9" name="그룹 8">
+              <a:extLst>
+                <a:ext uri="{FF2B5EF4-FFF2-40B4-BE49-F238E27FC236}">
+                  <a16:creationId xmlns:a16="http://schemas.microsoft.com/office/drawing/2014/main" id="{CB2B74BF-C4A6-4ACF-E6FD-EC8820D0A514}"/>
+                </a:ext>
+              </a:extLst>
+            </p:cNvPr>
+            <p:cNvGrpSpPr/>
+            <p:nvPr/>
+          </p:nvGrpSpPr>
+          <p:grpSpPr>
+            <a:xfrm>
+              <a:off x="1988764" y="4594861"/>
+              <a:ext cx="707245" cy="1108014"/>
+              <a:chOff x="758170" y="2571750"/>
+              <a:chExt cx="707245" cy="1108014"/>
+            </a:xfrm>
+          </p:grpSpPr>
+          <p:pic>
+            <p:nvPicPr>
+              <p:cNvPr id="10" name="그래픽 9" descr="사용자 단색으로 채워진">
+                <a:extLst>
+                  <a:ext uri="{FF2B5EF4-FFF2-40B4-BE49-F238E27FC236}">
+                    <a16:creationId xmlns:a16="http://schemas.microsoft.com/office/drawing/2014/main" id="{541EB1C7-EBEC-51BA-BC19-A1172ADCFDE8}"/>
+                  </a:ext>
+                </a:extLst>
+              </p:cNvPr>
+              <p:cNvPicPr>
+                <a:picLocks noChangeAspect="1"/>
+              </p:cNvPicPr>
+              <p:nvPr/>
+            </p:nvPicPr>
+            <p:blipFill>
+              <a:blip r:embed="rId2">
+                <a:extLst>
+                  <a:ext uri="{96DAC541-7B7A-43D3-8B79-37D633B846F1}">
+                    <asvg:svgBlip xmlns:asvg="http://schemas.microsoft.com/office/drawing/2016/SVG/main" r:embed="rId3"/>
+                  </a:ext>
+                </a:extLst>
+              </a:blip>
+              <a:stretch>
+                <a:fillRect/>
+              </a:stretch>
+            </p:blipFill>
+            <p:spPr>
+              <a:xfrm>
+                <a:off x="780085" y="2841688"/>
+                <a:ext cx="663414" cy="663414"/>
+              </a:xfrm>
+              <a:prstGeom prst="rect">
+                <a:avLst/>
+              </a:prstGeom>
+            </p:spPr>
+          </p:pic>
+          <p:sp>
+            <p:nvSpPr>
+              <p:cNvPr id="11" name="Google Shape;80;p14">
+                <a:extLst>
+                  <a:ext uri="{FF2B5EF4-FFF2-40B4-BE49-F238E27FC236}">
+                    <a16:creationId xmlns:a16="http://schemas.microsoft.com/office/drawing/2014/main" id="{5E7ED806-14B2-C8B3-3EEF-93B16538F5B4}"/>
+                  </a:ext>
+                </a:extLst>
+              </p:cNvPr>
+              <p:cNvSpPr/>
+              <p:nvPr/>
+            </p:nvSpPr>
+            <p:spPr>
+              <a:xfrm>
+                <a:off x="943566" y="2571750"/>
+                <a:ext cx="336452" cy="329495"/>
+              </a:xfrm>
+              <a:prstGeom prst="ellipse">
+                <a:avLst/>
+              </a:prstGeom>
+              <a:solidFill>
+                <a:srgbClr val="FF0000"/>
+              </a:solidFill>
+              <a:ln w="9525" cap="flat" cmpd="sng">
+                <a:noFill/>
+                <a:prstDash val="solid"/>
+                <a:round/>
+                <a:headEnd type="none" w="sm" len="sm"/>
+                <a:tailEnd type="none" w="sm" len="sm"/>
+              </a:ln>
+            </p:spPr>
+            <p:txBody>
+              <a:bodyPr spcFirstLastPara="1" wrap="square" lIns="91425" tIns="91425" rIns="91425" bIns="91425" anchor="ctr" anchorCtr="0">
+                <a:noAutofit/>
+              </a:bodyPr>
+              <a:lstStyle/>
+              <a:p>
+                <a:pPr marL="0" lvl="0" indent="0" algn="l" rtl="0">
+                  <a:spcBef>
+                    <a:spcPts val="0"/>
+                  </a:spcBef>
+                  <a:spcAft>
+                    <a:spcPts val="0"/>
+                  </a:spcAft>
+                  <a:buNone/>
+                </a:pPr>
+                <a:endParaRPr dirty="0">
+                  <a:latin typeface="Microsoft GothicNeo Light" panose="020B0300000101010101" pitchFamily="50" charset="-127"/>
+                  <a:ea typeface="Microsoft GothicNeo Light" panose="020B0300000101010101" pitchFamily="50" charset="-127"/>
+                  <a:cs typeface="Microsoft GothicNeo Light" panose="020B0300000101010101" pitchFamily="50" charset="-127"/>
+                </a:endParaRPr>
+              </a:p>
+            </p:txBody>
+          </p:sp>
+          <p:sp>
+            <p:nvSpPr>
+              <p:cNvPr id="12" name="TextBox 11">
+                <a:extLst>
+                  <a:ext uri="{FF2B5EF4-FFF2-40B4-BE49-F238E27FC236}">
+                    <a16:creationId xmlns:a16="http://schemas.microsoft.com/office/drawing/2014/main" id="{72F01BED-BD1B-3C71-CA44-12690A3AEED5}"/>
+                  </a:ext>
+                </a:extLst>
+              </p:cNvPr>
+              <p:cNvSpPr txBox="1"/>
+              <p:nvPr/>
+            </p:nvSpPr>
+            <p:spPr>
+              <a:xfrm>
+                <a:off x="758170" y="3371987"/>
+                <a:ext cx="707245" cy="307777"/>
+              </a:xfrm>
+              <a:prstGeom prst="rect">
+                <a:avLst/>
+              </a:prstGeom>
+              <a:noFill/>
+            </p:spPr>
+            <p:txBody>
+              <a:bodyPr wrap="none" rtlCol="0">
+                <a:spAutoFit/>
+              </a:bodyPr>
+              <a:lstStyle/>
+              <a:p>
+                <a:pPr algn="ctr"/>
+                <a:r>
+                  <a:rPr lang="en-US" altLang="ko-KR" dirty="0">
+                    <a:latin typeface="Microsoft GothicNeo Light" panose="020B0300000101010101" pitchFamily="50" charset="-127"/>
+                    <a:ea typeface="Microsoft GothicNeo Light" panose="020B0300000101010101" pitchFamily="50" charset="-127"/>
+                    <a:cs typeface="Microsoft GothicNeo Light" panose="020B0300000101010101" pitchFamily="50" charset="-127"/>
+                  </a:rPr>
+                  <a:t>USER2</a:t>
+                </a:r>
+              </a:p>
+            </p:txBody>
+          </p:sp>
+        </p:grpSp>
+        <p:grpSp>
+          <p:nvGrpSpPr>
+            <p:cNvPr id="13" name="그룹 12">
+              <a:extLst>
+                <a:ext uri="{FF2B5EF4-FFF2-40B4-BE49-F238E27FC236}">
+                  <a16:creationId xmlns:a16="http://schemas.microsoft.com/office/drawing/2014/main" id="{53124089-C422-4E20-3C84-5CDCB648CBD0}"/>
+                </a:ext>
+              </a:extLst>
+            </p:cNvPr>
+            <p:cNvGrpSpPr/>
+            <p:nvPr/>
+          </p:nvGrpSpPr>
+          <p:grpSpPr>
+            <a:xfrm>
+              <a:off x="3554141" y="1161080"/>
+              <a:ext cx="707245" cy="1108014"/>
+              <a:chOff x="758170" y="2571750"/>
+              <a:chExt cx="707245" cy="1108014"/>
+            </a:xfrm>
+          </p:grpSpPr>
+          <p:pic>
+            <p:nvPicPr>
+              <p:cNvPr id="14" name="그래픽 13" descr="사용자 단색으로 채워진">
+                <a:extLst>
+                  <a:ext uri="{FF2B5EF4-FFF2-40B4-BE49-F238E27FC236}">
+                    <a16:creationId xmlns:a16="http://schemas.microsoft.com/office/drawing/2014/main" id="{C2FC3A2D-1312-47F5-866A-B0639BE374C7}"/>
+                  </a:ext>
+                </a:extLst>
+              </p:cNvPr>
+              <p:cNvPicPr>
+                <a:picLocks noChangeAspect="1"/>
+              </p:cNvPicPr>
+              <p:nvPr/>
+            </p:nvPicPr>
+            <p:blipFill>
+              <a:blip r:embed="rId2">
+                <a:extLst>
+                  <a:ext uri="{96DAC541-7B7A-43D3-8B79-37D633B846F1}">
+                    <asvg:svgBlip xmlns:asvg="http://schemas.microsoft.com/office/drawing/2016/SVG/main" r:embed="rId3"/>
+                  </a:ext>
+                </a:extLst>
+              </a:blip>
+              <a:stretch>
+                <a:fillRect/>
+              </a:stretch>
+            </p:blipFill>
+            <p:spPr>
+              <a:xfrm>
+                <a:off x="780085" y="2841688"/>
+                <a:ext cx="663414" cy="663414"/>
+              </a:xfrm>
+              <a:prstGeom prst="rect">
+                <a:avLst/>
+              </a:prstGeom>
+            </p:spPr>
+          </p:pic>
+          <p:sp>
+            <p:nvSpPr>
+              <p:cNvPr id="15" name="Google Shape;80;p14">
+                <a:extLst>
+                  <a:ext uri="{FF2B5EF4-FFF2-40B4-BE49-F238E27FC236}">
+                    <a16:creationId xmlns:a16="http://schemas.microsoft.com/office/drawing/2014/main" id="{E0A83601-1576-28C7-A8FE-66AD4DEB74E3}"/>
+                  </a:ext>
+                </a:extLst>
+              </p:cNvPr>
+              <p:cNvSpPr/>
+              <p:nvPr/>
+            </p:nvSpPr>
+            <p:spPr>
+              <a:xfrm>
+                <a:off x="943566" y="2571750"/>
+                <a:ext cx="336452" cy="329495"/>
+              </a:xfrm>
+              <a:prstGeom prst="ellipse">
+                <a:avLst/>
+              </a:prstGeom>
+              <a:solidFill>
+                <a:srgbClr val="00B050"/>
+              </a:solidFill>
+              <a:ln w="9525" cap="flat" cmpd="sng">
+                <a:noFill/>
+                <a:prstDash val="solid"/>
+                <a:round/>
+                <a:headEnd type="none" w="sm" len="sm"/>
+                <a:tailEnd type="none" w="sm" len="sm"/>
+              </a:ln>
+            </p:spPr>
+            <p:txBody>
+              <a:bodyPr spcFirstLastPara="1" wrap="square" lIns="91425" tIns="91425" rIns="91425" bIns="91425" anchor="ctr" anchorCtr="0">
+                <a:noAutofit/>
+              </a:bodyPr>
+              <a:lstStyle/>
+              <a:p>
+                <a:pPr marL="0" lvl="0" indent="0" algn="l" rtl="0">
+                  <a:spcBef>
+                    <a:spcPts val="0"/>
+                  </a:spcBef>
+                  <a:spcAft>
+                    <a:spcPts val="0"/>
+                  </a:spcAft>
+                  <a:buNone/>
+                </a:pPr>
+                <a:endParaRPr dirty="0">
+                  <a:latin typeface="Microsoft GothicNeo Light" panose="020B0300000101010101" pitchFamily="50" charset="-127"/>
+                  <a:ea typeface="Microsoft GothicNeo Light" panose="020B0300000101010101" pitchFamily="50" charset="-127"/>
+                  <a:cs typeface="Microsoft GothicNeo Light" panose="020B0300000101010101" pitchFamily="50" charset="-127"/>
+                </a:endParaRPr>
+              </a:p>
+            </p:txBody>
+          </p:sp>
+          <p:sp>
+            <p:nvSpPr>
+              <p:cNvPr id="16" name="TextBox 15">
+                <a:extLst>
+                  <a:ext uri="{FF2B5EF4-FFF2-40B4-BE49-F238E27FC236}">
+                    <a16:creationId xmlns:a16="http://schemas.microsoft.com/office/drawing/2014/main" id="{3D7BF56C-0E21-4710-1D07-3A3A7872CD82}"/>
+                  </a:ext>
+                </a:extLst>
+              </p:cNvPr>
+              <p:cNvSpPr txBox="1"/>
+              <p:nvPr/>
+            </p:nvSpPr>
+            <p:spPr>
+              <a:xfrm>
+                <a:off x="758170" y="3371987"/>
+                <a:ext cx="707245" cy="307777"/>
+              </a:xfrm>
+              <a:prstGeom prst="rect">
+                <a:avLst/>
+              </a:prstGeom>
+              <a:noFill/>
+            </p:spPr>
+            <p:txBody>
+              <a:bodyPr wrap="none" rtlCol="0">
+                <a:spAutoFit/>
+              </a:bodyPr>
+              <a:lstStyle/>
+              <a:p>
+                <a:pPr algn="ctr"/>
+                <a:r>
+                  <a:rPr lang="en-US" altLang="ko-KR" dirty="0">
+                    <a:latin typeface="Microsoft GothicNeo Light" panose="020B0300000101010101" pitchFamily="50" charset="-127"/>
+                    <a:ea typeface="Microsoft GothicNeo Light" panose="020B0300000101010101" pitchFamily="50" charset="-127"/>
+                    <a:cs typeface="Microsoft GothicNeo Light" panose="020B0300000101010101" pitchFamily="50" charset="-127"/>
+                  </a:rPr>
+                  <a:t>USER3</a:t>
+                </a:r>
+                <a:endParaRPr lang="ko-KR" altLang="en-US" dirty="0">
+                  <a:latin typeface="Microsoft GothicNeo Light" panose="020B0300000101010101" pitchFamily="50" charset="-127"/>
+                  <a:ea typeface="Microsoft GothicNeo Light" panose="020B0300000101010101" pitchFamily="50" charset="-127"/>
+                  <a:cs typeface="Microsoft GothicNeo Light" panose="020B0300000101010101" pitchFamily="50" charset="-127"/>
+                </a:endParaRPr>
+              </a:p>
+            </p:txBody>
+          </p:sp>
+        </p:grpSp>
+        <p:grpSp>
+          <p:nvGrpSpPr>
+            <p:cNvPr id="17" name="그룹 16">
+              <a:extLst>
+                <a:ext uri="{FF2B5EF4-FFF2-40B4-BE49-F238E27FC236}">
+                  <a16:creationId xmlns:a16="http://schemas.microsoft.com/office/drawing/2014/main" id="{43FCB154-0BA5-241E-EF32-3DDB07FB6D27}"/>
+                </a:ext>
+              </a:extLst>
+            </p:cNvPr>
+            <p:cNvGrpSpPr/>
+            <p:nvPr/>
+          </p:nvGrpSpPr>
+          <p:grpSpPr>
+            <a:xfrm>
+              <a:off x="980267" y="936568"/>
+              <a:ext cx="712054" cy="1108014"/>
+              <a:chOff x="755766" y="2571750"/>
+              <a:chExt cx="712054" cy="1108014"/>
+            </a:xfrm>
+          </p:grpSpPr>
+          <p:pic>
+            <p:nvPicPr>
+              <p:cNvPr id="18" name="그래픽 17" descr="사용자 단색으로 채워진">
+                <a:extLst>
+                  <a:ext uri="{FF2B5EF4-FFF2-40B4-BE49-F238E27FC236}">
+                    <a16:creationId xmlns:a16="http://schemas.microsoft.com/office/drawing/2014/main" id="{970BF0BB-EDF5-E04E-9CA2-4C95B54A0919}"/>
+                  </a:ext>
+                </a:extLst>
+              </p:cNvPr>
+              <p:cNvPicPr>
+                <a:picLocks noChangeAspect="1"/>
+              </p:cNvPicPr>
+              <p:nvPr/>
+            </p:nvPicPr>
+            <p:blipFill>
+              <a:blip r:embed="rId2">
+                <a:extLst>
+                  <a:ext uri="{96DAC541-7B7A-43D3-8B79-37D633B846F1}">
+                    <asvg:svgBlip xmlns:asvg="http://schemas.microsoft.com/office/drawing/2016/SVG/main" r:embed="rId3"/>
+                  </a:ext>
+                </a:extLst>
+              </a:blip>
+              <a:stretch>
+                <a:fillRect/>
+              </a:stretch>
+            </p:blipFill>
+            <p:spPr>
+              <a:xfrm>
+                <a:off x="780085" y="2841688"/>
+                <a:ext cx="663414" cy="663414"/>
+              </a:xfrm>
+              <a:prstGeom prst="rect">
+                <a:avLst/>
+              </a:prstGeom>
+            </p:spPr>
+          </p:pic>
+          <p:sp>
+            <p:nvSpPr>
+              <p:cNvPr id="19" name="Google Shape;80;p14">
+                <a:extLst>
+                  <a:ext uri="{FF2B5EF4-FFF2-40B4-BE49-F238E27FC236}">
+                    <a16:creationId xmlns:a16="http://schemas.microsoft.com/office/drawing/2014/main" id="{D57C4595-32D4-550F-F5D6-B8E75426D678}"/>
+                  </a:ext>
+                </a:extLst>
+              </p:cNvPr>
+              <p:cNvSpPr/>
+              <p:nvPr/>
+            </p:nvSpPr>
+            <p:spPr>
+              <a:xfrm>
+                <a:off x="943566" y="2571750"/>
+                <a:ext cx="336452" cy="329495"/>
+              </a:xfrm>
+              <a:prstGeom prst="ellipse">
+                <a:avLst/>
+              </a:prstGeom>
+              <a:solidFill>
+                <a:schemeClr val="bg1"/>
+              </a:solidFill>
+              <a:ln w="9525" cap="flat" cmpd="sng">
+                <a:solidFill>
+                  <a:schemeClr val="tx1"/>
+                </a:solidFill>
+                <a:prstDash val="solid"/>
+                <a:round/>
+                <a:headEnd type="none" w="sm" len="sm"/>
+                <a:tailEnd type="none" w="sm" len="sm"/>
+              </a:ln>
+            </p:spPr>
+            <p:txBody>
+              <a:bodyPr spcFirstLastPara="1" wrap="square" lIns="91425" tIns="91425" rIns="91425" bIns="91425" anchor="ctr" anchorCtr="0">
+                <a:noAutofit/>
+              </a:bodyPr>
+              <a:lstStyle/>
+              <a:p>
+                <a:pPr marL="0" lvl="0" indent="0" algn="l" rtl="0">
+                  <a:spcBef>
+                    <a:spcPts val="0"/>
+                  </a:spcBef>
+                  <a:spcAft>
+                    <a:spcPts val="0"/>
+                  </a:spcAft>
+                  <a:buNone/>
+                </a:pPr>
+                <a:endParaRPr dirty="0">
+                  <a:latin typeface="Microsoft GothicNeo Light" panose="020B0300000101010101" pitchFamily="50" charset="-127"/>
+                  <a:ea typeface="Microsoft GothicNeo Light" panose="020B0300000101010101" pitchFamily="50" charset="-127"/>
+                  <a:cs typeface="Microsoft GothicNeo Light" panose="020B0300000101010101" pitchFamily="50" charset="-127"/>
+                </a:endParaRPr>
+              </a:p>
+            </p:txBody>
+          </p:sp>
+          <p:sp>
+            <p:nvSpPr>
+              <p:cNvPr id="20" name="TextBox 19">
+                <a:extLst>
+                  <a:ext uri="{FF2B5EF4-FFF2-40B4-BE49-F238E27FC236}">
+                    <a16:creationId xmlns:a16="http://schemas.microsoft.com/office/drawing/2014/main" id="{3A1E4B87-2A05-E6BF-B238-AA8908D07F8A}"/>
+                  </a:ext>
+                </a:extLst>
+              </p:cNvPr>
+              <p:cNvSpPr txBox="1"/>
+              <p:nvPr/>
+            </p:nvSpPr>
+            <p:spPr>
+              <a:xfrm>
+                <a:off x="755766" y="3371987"/>
+                <a:ext cx="712054" cy="307777"/>
+              </a:xfrm>
+              <a:prstGeom prst="rect">
+                <a:avLst/>
+              </a:prstGeom>
+              <a:noFill/>
+            </p:spPr>
+            <p:txBody>
+              <a:bodyPr wrap="none" rtlCol="0">
+                <a:spAutoFit/>
+              </a:bodyPr>
+              <a:lstStyle/>
+              <a:p>
+                <a:pPr algn="ctr"/>
+                <a:r>
+                  <a:rPr lang="en-US" altLang="ko-KR" dirty="0">
+                    <a:latin typeface="Microsoft GothicNeo Light" panose="020B0300000101010101" pitchFamily="50" charset="-127"/>
+                    <a:ea typeface="Microsoft GothicNeo Light" panose="020B0300000101010101" pitchFamily="50" charset="-127"/>
+                    <a:cs typeface="Microsoft GothicNeo Light" panose="020B0300000101010101" pitchFamily="50" charset="-127"/>
+                  </a:rPr>
+                  <a:t>USER4</a:t>
+                </a:r>
+                <a:endParaRPr lang="ko-KR" altLang="en-US" dirty="0">
+                  <a:latin typeface="Microsoft GothicNeo Light" panose="020B0300000101010101" pitchFamily="50" charset="-127"/>
+                  <a:ea typeface="Microsoft GothicNeo Light" panose="020B0300000101010101" pitchFamily="50" charset="-127"/>
+                  <a:cs typeface="Microsoft GothicNeo Light" panose="020B0300000101010101" pitchFamily="50" charset="-127"/>
+                </a:endParaRPr>
+              </a:p>
+            </p:txBody>
+          </p:sp>
+        </p:grpSp>
+        <p:sp>
+          <p:nvSpPr>
+            <p:cNvPr id="23" name="Google Shape;80;p14">
+              <a:extLst>
+                <a:ext uri="{FF2B5EF4-FFF2-40B4-BE49-F238E27FC236}">
+                  <a16:creationId xmlns:a16="http://schemas.microsoft.com/office/drawing/2014/main" id="{D8BD693A-A22D-0E33-B71C-6952538353B4}"/>
+                </a:ext>
+              </a:extLst>
+            </p:cNvPr>
+            <p:cNvSpPr/>
+            <p:nvPr/>
+          </p:nvSpPr>
+          <p:spPr>
+            <a:xfrm>
+              <a:off x="2181888" y="654942"/>
+              <a:ext cx="336452" cy="329495"/>
+            </a:xfrm>
+            <a:prstGeom prst="ellipse">
+              <a:avLst/>
+            </a:prstGeom>
+            <a:solidFill>
+              <a:schemeClr val="accent1"/>
+            </a:solidFill>
+            <a:ln w="9525" cap="flat" cmpd="sng">
+              <a:noFill/>
+              <a:prstDash val="solid"/>
+              <a:round/>
+              <a:headEnd type="none" w="sm" len="sm"/>
+              <a:tailEnd type="none" w="sm" len="sm"/>
+            </a:ln>
+          </p:spPr>
+          <p:txBody>
+            <a:bodyPr spcFirstLastPara="1" wrap="square" lIns="91425" tIns="91425" rIns="91425" bIns="91425" anchor="ctr" anchorCtr="0">
+              <a:noAutofit/>
+            </a:bodyPr>
+            <a:lstStyle/>
+            <a:p>
+              <a:pPr marL="0" lvl="0" indent="0" algn="l" rtl="0">
+                <a:spcBef>
+                  <a:spcPts val="0"/>
+                </a:spcBef>
+                <a:spcAft>
+                  <a:spcPts val="0"/>
+                </a:spcAft>
+                <a:buNone/>
+              </a:pPr>
+              <a:endParaRPr dirty="0">
+                <a:latin typeface="Microsoft GothicNeo Light" panose="020B0300000101010101" pitchFamily="50" charset="-127"/>
+                <a:ea typeface="Microsoft GothicNeo Light" panose="020B0300000101010101" pitchFamily="50" charset="-127"/>
+                <a:cs typeface="Microsoft GothicNeo Light" panose="020B0300000101010101" pitchFamily="50" charset="-127"/>
+              </a:endParaRPr>
+            </a:p>
+          </p:txBody>
+        </p:sp>
+        <p:sp>
+          <p:nvSpPr>
+            <p:cNvPr id="26" name="화살표: 아래쪽 25">
+              <a:extLst>
+                <a:ext uri="{FF2B5EF4-FFF2-40B4-BE49-F238E27FC236}">
+                  <a16:creationId xmlns:a16="http://schemas.microsoft.com/office/drawing/2014/main" id="{BE76D895-6ABC-7473-B08D-14208F938801}"/>
+                </a:ext>
+              </a:extLst>
+            </p:cNvPr>
+            <p:cNvSpPr/>
+            <p:nvPr/>
+          </p:nvSpPr>
+          <p:spPr>
+            <a:xfrm rot="1508083">
+              <a:off x="1432325" y="1841876"/>
+              <a:ext cx="775074" cy="1891192"/>
+            </a:xfrm>
+            <a:prstGeom prst="downArrow">
+              <a:avLst/>
+            </a:prstGeom>
+            <a:pattFill prst="wdUpDiag">
+              <a:fgClr>
+                <a:srgbClr val="FF0000"/>
+              </a:fgClr>
+              <a:bgClr>
+                <a:schemeClr val="bg2"/>
+              </a:bgClr>
+            </a:pattFill>
+            <a:ln>
+              <a:noFill/>
+            </a:ln>
+          </p:spPr>
+          <p:style>
+            <a:lnRef idx="2">
+              <a:schemeClr val="accent1">
+                <a:shade val="50000"/>
+              </a:schemeClr>
+            </a:lnRef>
+            <a:fillRef idx="1">
+              <a:schemeClr val="accent1"/>
+            </a:fillRef>
+            <a:effectRef idx="0">
+              <a:schemeClr val="accent1"/>
+            </a:effectRef>
+            <a:fontRef idx="minor">
+              <a:schemeClr val="lt1"/>
+            </a:fontRef>
+          </p:style>
+          <p:txBody>
+            <a:bodyPr rtlCol="0" anchor="ctr"/>
+            <a:lstStyle/>
+            <a:p>
+              <a:pPr algn="ctr"/>
+              <a:endParaRPr lang="ko-KR" altLang="en-US"/>
+            </a:p>
+          </p:txBody>
+        </p:sp>
+        <p:sp>
+          <p:nvSpPr>
+            <p:cNvPr id="25" name="원통형 24">
+              <a:extLst>
+                <a:ext uri="{FF2B5EF4-FFF2-40B4-BE49-F238E27FC236}">
+                  <a16:creationId xmlns:a16="http://schemas.microsoft.com/office/drawing/2014/main" id="{9900D964-8011-F486-D74C-8167683C8C68}"/>
+                </a:ext>
+              </a:extLst>
+            </p:cNvPr>
+            <p:cNvSpPr/>
+            <p:nvPr/>
+          </p:nvSpPr>
+          <p:spPr>
+            <a:xfrm>
+              <a:off x="2128822" y="2931456"/>
+              <a:ext cx="427130" cy="666237"/>
+            </a:xfrm>
+            <a:prstGeom prst="can">
+              <a:avLst/>
+            </a:prstGeom>
+          </p:spPr>
+          <p:style>
+            <a:lnRef idx="2">
+              <a:schemeClr val="dk1">
+                <a:shade val="50000"/>
+              </a:schemeClr>
+            </a:lnRef>
+            <a:fillRef idx="1">
+              <a:schemeClr val="dk1"/>
+            </a:fillRef>
+            <a:effectRef idx="0">
+              <a:schemeClr val="dk1"/>
+            </a:effectRef>
+            <a:fontRef idx="minor">
+              <a:schemeClr val="lt1"/>
+            </a:fontRef>
+          </p:style>
+          <p:txBody>
+            <a:bodyPr rtlCol="0" anchor="ctr"/>
+            <a:lstStyle/>
+            <a:p>
+              <a:pPr algn="ctr"/>
+              <a:endParaRPr lang="ko-KR" altLang="en-US"/>
+            </a:p>
+          </p:txBody>
+        </p:sp>
+      </p:grpSp>
+      <p:grpSp>
+        <p:nvGrpSpPr>
+          <p:cNvPr id="79" name="그룹 78">
+            <a:extLst>
+              <a:ext uri="{FF2B5EF4-FFF2-40B4-BE49-F238E27FC236}">
+                <a16:creationId xmlns:a16="http://schemas.microsoft.com/office/drawing/2014/main" id="{C62ABE66-52D7-B7DB-36AA-54198221E146}"/>
+              </a:ext>
+            </a:extLst>
+          </p:cNvPr>
+          <p:cNvGrpSpPr/>
+          <p:nvPr/>
+        </p:nvGrpSpPr>
+        <p:grpSpPr>
+          <a:xfrm>
+            <a:off x="5273087" y="233037"/>
+            <a:ext cx="4193005" cy="5781174"/>
+            <a:chOff x="5273087" y="233037"/>
+            <a:chExt cx="4193005" cy="5781174"/>
+          </a:xfrm>
+        </p:grpSpPr>
+        <p:sp>
+          <p:nvSpPr>
+            <p:cNvPr id="27" name="사각형: 둥근 모서리 26">
+              <a:extLst>
+                <a:ext uri="{FF2B5EF4-FFF2-40B4-BE49-F238E27FC236}">
+                  <a16:creationId xmlns:a16="http://schemas.microsoft.com/office/drawing/2014/main" id="{AB55BD9D-0586-2859-449F-F760912C582A}"/>
+                </a:ext>
+              </a:extLst>
+            </p:cNvPr>
+            <p:cNvSpPr/>
+            <p:nvPr/>
+          </p:nvSpPr>
+          <p:spPr>
+            <a:xfrm>
+              <a:off x="5273087" y="233037"/>
+              <a:ext cx="4193005" cy="5781174"/>
+            </a:xfrm>
+            <a:prstGeom prst="roundRect">
+              <a:avLst/>
+            </a:prstGeom>
+            <a:solidFill>
+              <a:schemeClr val="bg1"/>
+            </a:solidFill>
+            <a:ln>
+              <a:solidFill>
+                <a:schemeClr val="tx1"/>
+              </a:solidFill>
+            </a:ln>
+          </p:spPr>
+          <p:style>
+            <a:lnRef idx="2">
+              <a:schemeClr val="accent3">
+                <a:shade val="50000"/>
+              </a:schemeClr>
+            </a:lnRef>
+            <a:fillRef idx="1">
+              <a:schemeClr val="accent3"/>
+            </a:fillRef>
+            <a:effectRef idx="0">
+              <a:schemeClr val="accent3"/>
+            </a:effectRef>
+            <a:fontRef idx="minor">
+              <a:schemeClr val="lt1"/>
+            </a:fontRef>
+          </p:style>
+          <p:txBody>
+            <a:bodyPr rtlCol="0" anchor="ctr"/>
+            <a:lstStyle/>
+            <a:p>
+              <a:pPr algn="ctr"/>
+              <a:endParaRPr lang="ko-KR" altLang="en-US"/>
+            </a:p>
+          </p:txBody>
+        </p:sp>
+        <p:sp>
+          <p:nvSpPr>
+            <p:cNvPr id="52" name="폭발: 8pt 51">
+              <a:extLst>
+                <a:ext uri="{FF2B5EF4-FFF2-40B4-BE49-F238E27FC236}">
+                  <a16:creationId xmlns:a16="http://schemas.microsoft.com/office/drawing/2014/main" id="{DC6B4177-2D8A-FFCF-0884-5C35817054D3}"/>
+                </a:ext>
+              </a:extLst>
+            </p:cNvPr>
+            <p:cNvSpPr/>
+            <p:nvPr/>
+          </p:nvSpPr>
+          <p:spPr>
+            <a:xfrm>
+              <a:off x="6940302" y="456805"/>
+              <a:ext cx="773968" cy="773968"/>
+            </a:xfrm>
+            <a:prstGeom prst="irregularSeal1">
+              <a:avLst/>
+            </a:prstGeom>
+          </p:spPr>
+          <p:style>
+            <a:lnRef idx="2">
+              <a:schemeClr val="accent4">
+                <a:shade val="50000"/>
+              </a:schemeClr>
+            </a:lnRef>
+            <a:fillRef idx="1">
+              <a:schemeClr val="accent4"/>
+            </a:fillRef>
+            <a:effectRef idx="0">
+              <a:schemeClr val="accent4"/>
+            </a:effectRef>
+            <a:fontRef idx="minor">
+              <a:schemeClr val="lt1"/>
+            </a:fontRef>
+          </p:style>
+          <p:txBody>
+            <a:bodyPr rtlCol="0" anchor="ctr"/>
+            <a:lstStyle/>
+            <a:p>
+              <a:pPr algn="ctr"/>
+              <a:endParaRPr lang="ko-KR" altLang="en-US"/>
+            </a:p>
+          </p:txBody>
+        </p:sp>
+        <p:grpSp>
+          <p:nvGrpSpPr>
+            <p:cNvPr id="28" name="그룹 27">
+              <a:extLst>
+                <a:ext uri="{FF2B5EF4-FFF2-40B4-BE49-F238E27FC236}">
+                  <a16:creationId xmlns:a16="http://schemas.microsoft.com/office/drawing/2014/main" id="{983AB69A-AB0B-9838-9FD2-4E0BA3004D6A}"/>
+                </a:ext>
+              </a:extLst>
+            </p:cNvPr>
+            <p:cNvGrpSpPr/>
+            <p:nvPr/>
+          </p:nvGrpSpPr>
+          <p:grpSpPr>
+            <a:xfrm>
+              <a:off x="7044082" y="1057820"/>
+              <a:ext cx="531062" cy="691867"/>
+              <a:chOff x="1865021" y="2124792"/>
+              <a:chExt cx="631904" cy="823243"/>
+            </a:xfrm>
+          </p:grpSpPr>
+          <p:sp>
+            <p:nvSpPr>
+              <p:cNvPr id="29" name="내용 개체 틀 38" descr="단색으로 채워진 악마 얼굴 단색으로 채워진">
+                <a:extLst>
+                  <a:ext uri="{FF2B5EF4-FFF2-40B4-BE49-F238E27FC236}">
+                    <a16:creationId xmlns:a16="http://schemas.microsoft.com/office/drawing/2014/main" id="{3D9FB69C-E766-8E41-D655-66AC29B402F5}"/>
+                  </a:ext>
+                </a:extLst>
+              </p:cNvPr>
+              <p:cNvSpPr/>
+              <p:nvPr/>
+            </p:nvSpPr>
+            <p:spPr>
+              <a:xfrm>
+                <a:off x="1925137" y="2124792"/>
+                <a:ext cx="511672" cy="550914"/>
+              </a:xfrm>
+              <a:custGeom>
+                <a:avLst/>
+                <a:gdLst>
+                  <a:gd name="connsiteX0" fmla="*/ 566293 w 571014"/>
+                  <a:gd name="connsiteY0" fmla="*/ 70447 h 614808"/>
+                  <a:gd name="connsiteX1" fmla="*/ 537014 w 571014"/>
+                  <a:gd name="connsiteY1" fmla="*/ 6033 h 614808"/>
+                  <a:gd name="connsiteX2" fmla="*/ 516565 w 571014"/>
+                  <a:gd name="connsiteY2" fmla="*/ 2799 h 614808"/>
+                  <a:gd name="connsiteX3" fmla="*/ 510589 w 571014"/>
+                  <a:gd name="connsiteY3" fmla="*/ 13353 h 614808"/>
+                  <a:gd name="connsiteX4" fmla="*/ 432415 w 571014"/>
+                  <a:gd name="connsiteY4" fmla="*/ 100604 h 614808"/>
+                  <a:gd name="connsiteX5" fmla="*/ 138600 w 571014"/>
+                  <a:gd name="connsiteY5" fmla="*/ 100604 h 614808"/>
+                  <a:gd name="connsiteX6" fmla="*/ 60425 w 571014"/>
+                  <a:gd name="connsiteY6" fmla="*/ 13719 h 614808"/>
+                  <a:gd name="connsiteX7" fmla="*/ 44554 w 571014"/>
+                  <a:gd name="connsiteY7" fmla="*/ 424 h 614808"/>
+                  <a:gd name="connsiteX8" fmla="*/ 34001 w 571014"/>
+                  <a:gd name="connsiteY8" fmla="*/ 6399 h 614808"/>
+                  <a:gd name="connsiteX9" fmla="*/ 4722 w 571014"/>
+                  <a:gd name="connsiteY9" fmla="*/ 70813 h 614808"/>
+                  <a:gd name="connsiteX10" fmla="*/ 36636 w 571014"/>
+                  <a:gd name="connsiteY10" fmla="*/ 212377 h 614808"/>
+                  <a:gd name="connsiteX11" fmla="*/ 161287 w 571014"/>
+                  <a:gd name="connsiteY11" fmla="*/ 585469 h 614808"/>
+                  <a:gd name="connsiteX12" fmla="*/ 534379 w 571014"/>
+                  <a:gd name="connsiteY12" fmla="*/ 460817 h 614808"/>
+                  <a:gd name="connsiteX13" fmla="*/ 534379 w 571014"/>
+                  <a:gd name="connsiteY13" fmla="*/ 212377 h 614808"/>
+                  <a:gd name="connsiteX14" fmla="*/ 566293 w 571014"/>
+                  <a:gd name="connsiteY14" fmla="*/ 70447 h 614808"/>
+                  <a:gd name="connsiteX15" fmla="*/ 325839 w 571014"/>
+                  <a:gd name="connsiteY15" fmla="*/ 217720 h 614808"/>
+                  <a:gd name="connsiteX16" fmla="*/ 407820 w 571014"/>
+                  <a:gd name="connsiteY16" fmla="*/ 180389 h 614808"/>
+                  <a:gd name="connsiteX17" fmla="*/ 436367 w 571014"/>
+                  <a:gd name="connsiteY17" fmla="*/ 184049 h 614808"/>
+                  <a:gd name="connsiteX18" fmla="*/ 446138 w 571014"/>
+                  <a:gd name="connsiteY18" fmla="*/ 200760 h 614808"/>
+                  <a:gd name="connsiteX19" fmla="*/ 445883 w 571014"/>
+                  <a:gd name="connsiteY19" fmla="*/ 201617 h 614808"/>
+                  <a:gd name="connsiteX20" fmla="*/ 427953 w 571014"/>
+                  <a:gd name="connsiteY20" fmla="*/ 211969 h 614808"/>
+                  <a:gd name="connsiteX21" fmla="*/ 427584 w 571014"/>
+                  <a:gd name="connsiteY21" fmla="*/ 211864 h 614808"/>
+                  <a:gd name="connsiteX22" fmla="*/ 347798 w 571014"/>
+                  <a:gd name="connsiteY22" fmla="*/ 236751 h 614808"/>
+                  <a:gd name="connsiteX23" fmla="*/ 327484 w 571014"/>
+                  <a:gd name="connsiteY23" fmla="*/ 240744 h 614808"/>
+                  <a:gd name="connsiteX24" fmla="*/ 323490 w 571014"/>
+                  <a:gd name="connsiteY24" fmla="*/ 220430 h 614808"/>
+                  <a:gd name="connsiteX25" fmla="*/ 325839 w 571014"/>
+                  <a:gd name="connsiteY25" fmla="*/ 217720 h 614808"/>
+                  <a:gd name="connsiteX26" fmla="*/ 245322 w 571014"/>
+                  <a:gd name="connsiteY26" fmla="*/ 217720 h 614808"/>
+                  <a:gd name="connsiteX27" fmla="*/ 246387 w 571014"/>
+                  <a:gd name="connsiteY27" fmla="*/ 238396 h 614808"/>
+                  <a:gd name="connsiteX28" fmla="*/ 225711 w 571014"/>
+                  <a:gd name="connsiteY28" fmla="*/ 239461 h 614808"/>
+                  <a:gd name="connsiteX29" fmla="*/ 223362 w 571014"/>
+                  <a:gd name="connsiteY29" fmla="*/ 236751 h 614808"/>
+                  <a:gd name="connsiteX30" fmla="*/ 143577 w 571014"/>
+                  <a:gd name="connsiteY30" fmla="*/ 211864 h 614808"/>
+                  <a:gd name="connsiteX31" fmla="*/ 125383 w 571014"/>
+                  <a:gd name="connsiteY31" fmla="*/ 201986 h 614808"/>
+                  <a:gd name="connsiteX32" fmla="*/ 125278 w 571014"/>
+                  <a:gd name="connsiteY32" fmla="*/ 201617 h 614808"/>
+                  <a:gd name="connsiteX33" fmla="*/ 133937 w 571014"/>
+                  <a:gd name="connsiteY33" fmla="*/ 184304 h 614808"/>
+                  <a:gd name="connsiteX34" fmla="*/ 134794 w 571014"/>
+                  <a:gd name="connsiteY34" fmla="*/ 184049 h 614808"/>
+                  <a:gd name="connsiteX35" fmla="*/ 163341 w 571014"/>
+                  <a:gd name="connsiteY35" fmla="*/ 180389 h 614808"/>
+                  <a:gd name="connsiteX36" fmla="*/ 245395 w 571014"/>
+                  <a:gd name="connsiteY36" fmla="*/ 217720 h 614808"/>
+                  <a:gd name="connsiteX37" fmla="*/ 124473 w 571014"/>
+                  <a:gd name="connsiteY37" fmla="*/ 292894 h 614808"/>
+                  <a:gd name="connsiteX38" fmla="*/ 168391 w 571014"/>
+                  <a:gd name="connsiteY38" fmla="*/ 248975 h 614808"/>
+                  <a:gd name="connsiteX39" fmla="*/ 212310 w 571014"/>
+                  <a:gd name="connsiteY39" fmla="*/ 292894 h 614808"/>
+                  <a:gd name="connsiteX40" fmla="*/ 168391 w 571014"/>
+                  <a:gd name="connsiteY40" fmla="*/ 336812 h 614808"/>
+                  <a:gd name="connsiteX41" fmla="*/ 124473 w 571014"/>
+                  <a:gd name="connsiteY41" fmla="*/ 292894 h 614808"/>
+                  <a:gd name="connsiteX42" fmla="*/ 430658 w 571014"/>
+                  <a:gd name="connsiteY42" fmla="*/ 455539 h 614808"/>
+                  <a:gd name="connsiteX43" fmla="*/ 174071 w 571014"/>
+                  <a:gd name="connsiteY43" fmla="*/ 489253 h 614808"/>
+                  <a:gd name="connsiteX44" fmla="*/ 140357 w 571014"/>
+                  <a:gd name="connsiteY44" fmla="*/ 455539 h 614808"/>
+                  <a:gd name="connsiteX45" fmla="*/ 143028 w 571014"/>
+                  <a:gd name="connsiteY45" fmla="*/ 435007 h 614808"/>
+                  <a:gd name="connsiteX46" fmla="*/ 163560 w 571014"/>
+                  <a:gd name="connsiteY46" fmla="*/ 437678 h 614808"/>
+                  <a:gd name="connsiteX47" fmla="*/ 379087 w 571014"/>
+                  <a:gd name="connsiteY47" fmla="*/ 466046 h 614808"/>
+                  <a:gd name="connsiteX48" fmla="*/ 407454 w 571014"/>
+                  <a:gd name="connsiteY48" fmla="*/ 437678 h 614808"/>
+                  <a:gd name="connsiteX49" fmla="*/ 427986 w 571014"/>
+                  <a:gd name="connsiteY49" fmla="*/ 435007 h 614808"/>
+                  <a:gd name="connsiteX50" fmla="*/ 430658 w 571014"/>
+                  <a:gd name="connsiteY50" fmla="*/ 455539 h 614808"/>
+                  <a:gd name="connsiteX51" fmla="*/ 402623 w 571014"/>
+                  <a:gd name="connsiteY51" fmla="*/ 336812 h 614808"/>
+                  <a:gd name="connsiteX52" fmla="*/ 358705 w 571014"/>
+                  <a:gd name="connsiteY52" fmla="*/ 292894 h 614808"/>
+                  <a:gd name="connsiteX53" fmla="*/ 402623 w 571014"/>
+                  <a:gd name="connsiteY53" fmla="*/ 248975 h 614808"/>
+                  <a:gd name="connsiteX54" fmla="*/ 446542 w 571014"/>
+                  <a:gd name="connsiteY54" fmla="*/ 292894 h 614808"/>
+                  <a:gd name="connsiteX55" fmla="*/ 402623 w 571014"/>
+                  <a:gd name="connsiteY55" fmla="*/ 336812 h 614808"/>
+                </a:gdLst>
+                <a:ahLst/>
+                <a:cxnLst>
+                  <a:cxn ang="0">
+                    <a:pos x="connsiteX0" y="connsiteY0"/>
+                  </a:cxn>
+                  <a:cxn ang="0">
+                    <a:pos x="connsiteX1" y="connsiteY1"/>
+                  </a:cxn>
+                  <a:cxn ang="0">
+                    <a:pos x="connsiteX2" y="connsiteY2"/>
+                  </a:cxn>
+                  <a:cxn ang="0">
+                    <a:pos x="connsiteX3" y="connsiteY3"/>
+                  </a:cxn>
+                  <a:cxn ang="0">
+                    <a:pos x="connsiteX4" y="connsiteY4"/>
+                  </a:cxn>
+                  <a:cxn ang="0">
+                    <a:pos x="connsiteX5" y="connsiteY5"/>
+                  </a:cxn>
+                  <a:cxn ang="0">
+                    <a:pos x="connsiteX6" y="connsiteY6"/>
+                  </a:cxn>
+                  <a:cxn ang="0">
+                    <a:pos x="connsiteX7" y="connsiteY7"/>
+                  </a:cxn>
+                  <a:cxn ang="0">
+                    <a:pos x="connsiteX8" y="connsiteY8"/>
+                  </a:cxn>
+                  <a:cxn ang="0">
+                    <a:pos x="connsiteX9" y="connsiteY9"/>
+                  </a:cxn>
+                  <a:cxn ang="0">
+                    <a:pos x="connsiteX10" y="connsiteY10"/>
+                  </a:cxn>
+                  <a:cxn ang="0">
+                    <a:pos x="connsiteX11" y="connsiteY11"/>
+                  </a:cxn>
+                  <a:cxn ang="0">
+                    <a:pos x="connsiteX12" y="connsiteY12"/>
+                  </a:cxn>
+                  <a:cxn ang="0">
+                    <a:pos x="connsiteX13" y="connsiteY13"/>
+                  </a:cxn>
+                  <a:cxn ang="0">
+                    <a:pos x="connsiteX14" y="connsiteY14"/>
+                  </a:cxn>
+                  <a:cxn ang="0">
+                    <a:pos x="connsiteX15" y="connsiteY15"/>
+                  </a:cxn>
+                  <a:cxn ang="0">
+                    <a:pos x="connsiteX16" y="connsiteY16"/>
+                  </a:cxn>
+                  <a:cxn ang="0">
+                    <a:pos x="connsiteX17" y="connsiteY17"/>
+                  </a:cxn>
+                  <a:cxn ang="0">
+                    <a:pos x="connsiteX18" y="connsiteY18"/>
+                  </a:cxn>
+                  <a:cxn ang="0">
+                    <a:pos x="connsiteX19" y="connsiteY19"/>
+                  </a:cxn>
+                  <a:cxn ang="0">
+                    <a:pos x="connsiteX20" y="connsiteY20"/>
+                  </a:cxn>
+                  <a:cxn ang="0">
+                    <a:pos x="connsiteX21" y="connsiteY21"/>
+                  </a:cxn>
+                  <a:cxn ang="0">
+                    <a:pos x="connsiteX22" y="connsiteY22"/>
+                  </a:cxn>
+                  <a:cxn ang="0">
+                    <a:pos x="connsiteX23" y="connsiteY23"/>
+                  </a:cxn>
+                  <a:cxn ang="0">
+                    <a:pos x="connsiteX24" y="connsiteY24"/>
+                  </a:cxn>
+                  <a:cxn ang="0">
+                    <a:pos x="connsiteX25" y="connsiteY25"/>
+                  </a:cxn>
+                  <a:cxn ang="0">
+                    <a:pos x="connsiteX26" y="connsiteY26"/>
+                  </a:cxn>
+                  <a:cxn ang="0">
+                    <a:pos x="connsiteX27" y="connsiteY27"/>
+                  </a:cxn>
+                  <a:cxn ang="0">
+                    <a:pos x="connsiteX28" y="connsiteY28"/>
+                  </a:cxn>
+                  <a:cxn ang="0">
+                    <a:pos x="connsiteX29" y="connsiteY29"/>
+                  </a:cxn>
+                  <a:cxn ang="0">
+                    <a:pos x="connsiteX30" y="connsiteY30"/>
+                  </a:cxn>
+                  <a:cxn ang="0">
+                    <a:pos x="connsiteX31" y="connsiteY31"/>
+                  </a:cxn>
+                  <a:cxn ang="0">
+                    <a:pos x="connsiteX32" y="connsiteY32"/>
+                  </a:cxn>
+                  <a:cxn ang="0">
+                    <a:pos x="connsiteX33" y="connsiteY33"/>
+                  </a:cxn>
+                  <a:cxn ang="0">
+                    <a:pos x="connsiteX34" y="connsiteY34"/>
+                  </a:cxn>
+                  <a:cxn ang="0">
+                    <a:pos x="connsiteX35" y="connsiteY35"/>
+                  </a:cxn>
+                  <a:cxn ang="0">
+                    <a:pos x="connsiteX36" y="connsiteY36"/>
+                  </a:cxn>
+                  <a:cxn ang="0">
+                    <a:pos x="connsiteX37" y="connsiteY37"/>
+                  </a:cxn>
+                  <a:cxn ang="0">
+                    <a:pos x="connsiteX38" y="connsiteY38"/>
+                  </a:cxn>
+                  <a:cxn ang="0">
+                    <a:pos x="connsiteX39" y="connsiteY39"/>
+                  </a:cxn>
+                  <a:cxn ang="0">
+                    <a:pos x="connsiteX40" y="connsiteY40"/>
+                  </a:cxn>
+                  <a:cxn ang="0">
+                    <a:pos x="connsiteX41" y="connsiteY41"/>
+                  </a:cxn>
+                  <a:cxn ang="0">
+                    <a:pos x="connsiteX42" y="connsiteY42"/>
+                  </a:cxn>
+                  <a:cxn ang="0">
+                    <a:pos x="connsiteX43" y="connsiteY43"/>
+                  </a:cxn>
+                  <a:cxn ang="0">
+                    <a:pos x="connsiteX44" y="connsiteY44"/>
+                  </a:cxn>
+                  <a:cxn ang="0">
+                    <a:pos x="connsiteX45" y="connsiteY45"/>
+                  </a:cxn>
+                  <a:cxn ang="0">
+                    <a:pos x="connsiteX46" y="connsiteY46"/>
+                  </a:cxn>
+                  <a:cxn ang="0">
+                    <a:pos x="connsiteX47" y="connsiteY47"/>
+                  </a:cxn>
+                  <a:cxn ang="0">
+                    <a:pos x="connsiteX48" y="connsiteY48"/>
+                  </a:cxn>
+                  <a:cxn ang="0">
+                    <a:pos x="connsiteX49" y="connsiteY49"/>
+                  </a:cxn>
+                  <a:cxn ang="0">
+                    <a:pos x="connsiteX50" y="connsiteY50"/>
+                  </a:cxn>
+                  <a:cxn ang="0">
+                    <a:pos x="connsiteX51" y="connsiteY51"/>
+                  </a:cxn>
+                  <a:cxn ang="0">
+                    <a:pos x="connsiteX52" y="connsiteY52"/>
+                  </a:cxn>
+                  <a:cxn ang="0">
+                    <a:pos x="connsiteX53" y="connsiteY53"/>
+                  </a:cxn>
+                  <a:cxn ang="0">
+                    <a:pos x="connsiteX54" y="connsiteY54"/>
+                  </a:cxn>
+                  <a:cxn ang="0">
+                    <a:pos x="connsiteX55" y="connsiteY55"/>
+                  </a:cxn>
+                </a:cxnLst>
+                <a:rect l="l" t="t" r="r" b="b"/>
+                <a:pathLst>
+                  <a:path w="571014" h="614808">
+                    <a:moveTo>
+                      <a:pt x="566293" y="70447"/>
+                    </a:moveTo>
+                    <a:cubicBezTo>
+                      <a:pt x="560974" y="47222"/>
+                      <a:pt x="551015" y="25312"/>
+                      <a:pt x="537014" y="6033"/>
+                    </a:cubicBezTo>
+                    <a:cubicBezTo>
+                      <a:pt x="532260" y="-507"/>
+                      <a:pt x="523105" y="-1955"/>
+                      <a:pt x="516565" y="2799"/>
+                    </a:cubicBezTo>
+                    <a:cubicBezTo>
+                      <a:pt x="513141" y="5288"/>
+                      <a:pt x="510962" y="9136"/>
+                      <a:pt x="510589" y="13353"/>
+                    </a:cubicBezTo>
+                    <a:cubicBezTo>
+                      <a:pt x="507644" y="56931"/>
+                      <a:pt x="475409" y="92909"/>
+                      <a:pt x="432415" y="100604"/>
+                    </a:cubicBezTo>
+                    <a:cubicBezTo>
+                      <a:pt x="342466" y="44657"/>
+                      <a:pt x="228549" y="44657"/>
+                      <a:pt x="138600" y="100604"/>
+                    </a:cubicBezTo>
+                    <a:cubicBezTo>
+                      <a:pt x="95729" y="92943"/>
+                      <a:pt x="63531" y="57157"/>
+                      <a:pt x="60425" y="13719"/>
+                    </a:cubicBezTo>
+                    <a:cubicBezTo>
+                      <a:pt x="59713" y="5665"/>
+                      <a:pt x="52608" y="-288"/>
+                      <a:pt x="44554" y="424"/>
+                    </a:cubicBezTo>
+                    <a:cubicBezTo>
+                      <a:pt x="40338" y="796"/>
+                      <a:pt x="36489" y="2975"/>
+                      <a:pt x="34001" y="6399"/>
+                    </a:cubicBezTo>
+                    <a:cubicBezTo>
+                      <a:pt x="19999" y="25678"/>
+                      <a:pt x="10041" y="47588"/>
+                      <a:pt x="4722" y="70813"/>
+                    </a:cubicBezTo>
+                    <a:cubicBezTo>
+                      <a:pt x="-7795" y="124540"/>
+                      <a:pt x="5161" y="177901"/>
+                      <a:pt x="36636" y="212377"/>
+                    </a:cubicBezTo>
+                    <a:cubicBezTo>
+                      <a:pt x="-31969" y="349825"/>
+                      <a:pt x="23839" y="516864"/>
+                      <a:pt x="161287" y="585469"/>
+                    </a:cubicBezTo>
+                    <a:cubicBezTo>
+                      <a:pt x="298735" y="654073"/>
+                      <a:pt x="465774" y="598265"/>
+                      <a:pt x="534379" y="460817"/>
+                    </a:cubicBezTo>
+                    <a:cubicBezTo>
+                      <a:pt x="573417" y="382605"/>
+                      <a:pt x="573417" y="290590"/>
+                      <a:pt x="534379" y="212377"/>
+                    </a:cubicBezTo>
+                    <a:cubicBezTo>
+                      <a:pt x="565854" y="177901"/>
+                      <a:pt x="578810" y="124540"/>
+                      <a:pt x="566293" y="70447"/>
+                    </a:cubicBezTo>
+                    <a:close/>
+                    <a:moveTo>
+                      <a:pt x="325839" y="217720"/>
+                    </a:moveTo>
+                    <a:cubicBezTo>
+                      <a:pt x="346218" y="193655"/>
+                      <a:pt x="376289" y="179962"/>
+                      <a:pt x="407820" y="180389"/>
+                    </a:cubicBezTo>
+                    <a:cubicBezTo>
+                      <a:pt x="417469" y="180108"/>
+                      <a:pt x="427102" y="181343"/>
+                      <a:pt x="436367" y="184049"/>
+                    </a:cubicBezTo>
+                    <a:cubicBezTo>
+                      <a:pt x="443680" y="185965"/>
+                      <a:pt x="448054" y="193448"/>
+                      <a:pt x="446138" y="200760"/>
+                    </a:cubicBezTo>
+                    <a:cubicBezTo>
+                      <a:pt x="446062" y="201049"/>
+                      <a:pt x="445977" y="201334"/>
+                      <a:pt x="445883" y="201617"/>
+                    </a:cubicBezTo>
+                    <a:cubicBezTo>
+                      <a:pt x="443790" y="209426"/>
+                      <a:pt x="435763" y="214061"/>
+                      <a:pt x="427953" y="211969"/>
+                    </a:cubicBezTo>
+                    <a:cubicBezTo>
+                      <a:pt x="427829" y="211935"/>
+                      <a:pt x="427707" y="211901"/>
+                      <a:pt x="427584" y="211864"/>
+                    </a:cubicBezTo>
+                    <a:cubicBezTo>
+                      <a:pt x="398417" y="204219"/>
+                      <a:pt x="367446" y="213881"/>
+                      <a:pt x="347798" y="236751"/>
+                    </a:cubicBezTo>
+                    <a:cubicBezTo>
+                      <a:pt x="343291" y="243464"/>
+                      <a:pt x="334196" y="245252"/>
+                      <a:pt x="327484" y="240744"/>
+                    </a:cubicBezTo>
+                    <a:cubicBezTo>
+                      <a:pt x="320771" y="236238"/>
+                      <a:pt x="318983" y="227142"/>
+                      <a:pt x="323490" y="220430"/>
+                    </a:cubicBezTo>
+                    <a:cubicBezTo>
+                      <a:pt x="324159" y="219434"/>
+                      <a:pt x="324948" y="218524"/>
+                      <a:pt x="325839" y="217720"/>
+                    </a:cubicBezTo>
+                    <a:close/>
+                    <a:moveTo>
+                      <a:pt x="245322" y="217720"/>
+                    </a:moveTo>
+                    <a:cubicBezTo>
+                      <a:pt x="251325" y="223135"/>
+                      <a:pt x="251803" y="232392"/>
+                      <a:pt x="246387" y="238396"/>
+                    </a:cubicBezTo>
+                    <a:cubicBezTo>
+                      <a:pt x="240972" y="244400"/>
+                      <a:pt x="231715" y="244876"/>
+                      <a:pt x="225711" y="239461"/>
+                    </a:cubicBezTo>
+                    <a:cubicBezTo>
+                      <a:pt x="224820" y="238657"/>
+                      <a:pt x="224032" y="237748"/>
+                      <a:pt x="223362" y="236751"/>
+                    </a:cubicBezTo>
+                    <a:cubicBezTo>
+                      <a:pt x="203715" y="213881"/>
+                      <a:pt x="172744" y="204219"/>
+                      <a:pt x="143577" y="211864"/>
+                    </a:cubicBezTo>
+                    <a:cubicBezTo>
+                      <a:pt x="135825" y="214161"/>
+                      <a:pt x="127679" y="209739"/>
+                      <a:pt x="125383" y="201986"/>
+                    </a:cubicBezTo>
+                    <a:cubicBezTo>
+                      <a:pt x="125346" y="201864"/>
+                      <a:pt x="125311" y="201740"/>
+                      <a:pt x="125278" y="201617"/>
+                    </a:cubicBezTo>
+                    <a:cubicBezTo>
+                      <a:pt x="122888" y="194445"/>
+                      <a:pt x="126765" y="186693"/>
+                      <a:pt x="133937" y="184304"/>
+                    </a:cubicBezTo>
+                    <a:cubicBezTo>
+                      <a:pt x="134220" y="184209"/>
+                      <a:pt x="134505" y="184125"/>
+                      <a:pt x="134794" y="184049"/>
+                    </a:cubicBezTo>
+                    <a:cubicBezTo>
+                      <a:pt x="144059" y="181343"/>
+                      <a:pt x="153692" y="180108"/>
+                      <a:pt x="163341" y="180389"/>
+                    </a:cubicBezTo>
+                    <a:cubicBezTo>
+                      <a:pt x="194897" y="179940"/>
+                      <a:pt x="225000" y="193635"/>
+                      <a:pt x="245395" y="217720"/>
+                    </a:cubicBezTo>
+                    <a:close/>
+                    <a:moveTo>
+                      <a:pt x="124473" y="292894"/>
+                    </a:moveTo>
+                    <a:cubicBezTo>
+                      <a:pt x="124473" y="268638"/>
+                      <a:pt x="144136" y="248975"/>
+                      <a:pt x="168391" y="248975"/>
+                    </a:cubicBezTo>
+                    <a:cubicBezTo>
+                      <a:pt x="192647" y="248975"/>
+                      <a:pt x="212310" y="268638"/>
+                      <a:pt x="212310" y="292894"/>
+                    </a:cubicBezTo>
+                    <a:cubicBezTo>
+                      <a:pt x="212310" y="317149"/>
+                      <a:pt x="192647" y="336812"/>
+                      <a:pt x="168391" y="336812"/>
+                    </a:cubicBezTo>
+                    <a:cubicBezTo>
+                      <a:pt x="144136" y="336812"/>
+                      <a:pt x="124473" y="317149"/>
+                      <a:pt x="124473" y="292894"/>
+                    </a:cubicBezTo>
+                    <a:close/>
+                    <a:moveTo>
+                      <a:pt x="430658" y="455539"/>
+                    </a:moveTo>
+                    <a:cubicBezTo>
+                      <a:pt x="369113" y="535703"/>
+                      <a:pt x="254236" y="550798"/>
+                      <a:pt x="174071" y="489253"/>
+                    </a:cubicBezTo>
+                    <a:cubicBezTo>
+                      <a:pt x="161410" y="479534"/>
+                      <a:pt x="150076" y="468199"/>
+                      <a:pt x="140357" y="455539"/>
+                    </a:cubicBezTo>
+                    <a:cubicBezTo>
+                      <a:pt x="135424" y="449131"/>
+                      <a:pt x="136621" y="439939"/>
+                      <a:pt x="143028" y="435007"/>
+                    </a:cubicBezTo>
+                    <a:cubicBezTo>
+                      <a:pt x="149436" y="430075"/>
+                      <a:pt x="158628" y="431271"/>
+                      <a:pt x="163560" y="437678"/>
+                    </a:cubicBezTo>
+                    <a:cubicBezTo>
+                      <a:pt x="215243" y="505028"/>
+                      <a:pt x="311738" y="517729"/>
+                      <a:pt x="379087" y="466046"/>
+                    </a:cubicBezTo>
+                    <a:cubicBezTo>
+                      <a:pt x="389741" y="457870"/>
+                      <a:pt x="399278" y="448333"/>
+                      <a:pt x="407454" y="437678"/>
+                    </a:cubicBezTo>
+                    <a:cubicBezTo>
+                      <a:pt x="412386" y="431271"/>
+                      <a:pt x="421578" y="430075"/>
+                      <a:pt x="427986" y="435007"/>
+                    </a:cubicBezTo>
+                    <a:cubicBezTo>
+                      <a:pt x="434394" y="439939"/>
+                      <a:pt x="435590" y="449131"/>
+                      <a:pt x="430658" y="455539"/>
+                    </a:cubicBezTo>
+                    <a:close/>
+                    <a:moveTo>
+                      <a:pt x="402623" y="336812"/>
+                    </a:moveTo>
+                    <a:cubicBezTo>
+                      <a:pt x="378368" y="336812"/>
+                      <a:pt x="358705" y="317149"/>
+                      <a:pt x="358705" y="292894"/>
+                    </a:cubicBezTo>
+                    <a:cubicBezTo>
+                      <a:pt x="358705" y="268638"/>
+                      <a:pt x="378368" y="248975"/>
+                      <a:pt x="402623" y="248975"/>
+                    </a:cubicBezTo>
+                    <a:cubicBezTo>
+                      <a:pt x="426879" y="248975"/>
+                      <a:pt x="446542" y="268638"/>
+                      <a:pt x="446542" y="292894"/>
+                    </a:cubicBezTo>
+                    <a:cubicBezTo>
+                      <a:pt x="446542" y="317149"/>
+                      <a:pt x="426879" y="336812"/>
+                      <a:pt x="402623" y="336812"/>
+                    </a:cubicBezTo>
+                    <a:close/>
+                  </a:path>
+                </a:pathLst>
+              </a:custGeom>
+              <a:solidFill>
+                <a:schemeClr val="tx1"/>
+              </a:solidFill>
+              <a:ln w="7243" cap="flat">
+                <a:noFill/>
+                <a:prstDash val="solid"/>
+                <a:miter/>
+              </a:ln>
+            </p:spPr>
+            <p:txBody>
+              <a:bodyPr rtlCol="0" anchor="ctr"/>
+              <a:lstStyle/>
+              <a:p>
+                <a:endParaRPr lang="ko-KR" altLang="en-US"/>
+              </a:p>
+            </p:txBody>
+          </p:sp>
+          <p:sp>
+            <p:nvSpPr>
+              <p:cNvPr id="30" name="TextBox 29">
+                <a:extLst>
+                  <a:ext uri="{FF2B5EF4-FFF2-40B4-BE49-F238E27FC236}">
+                    <a16:creationId xmlns:a16="http://schemas.microsoft.com/office/drawing/2014/main" id="{E8BD710F-8D91-5DB7-E310-C176E81FE496}"/>
+                  </a:ext>
+                </a:extLst>
+              </p:cNvPr>
+              <p:cNvSpPr txBox="1"/>
+              <p:nvPr/>
+            </p:nvSpPr>
+            <p:spPr>
+              <a:xfrm>
+                <a:off x="1865021" y="2640258"/>
+                <a:ext cx="631904" cy="307777"/>
+              </a:xfrm>
+              <a:prstGeom prst="rect">
+                <a:avLst/>
+              </a:prstGeom>
+              <a:noFill/>
+            </p:spPr>
+            <p:txBody>
+              <a:bodyPr wrap="none" rtlCol="0">
+                <a:spAutoFit/>
+              </a:bodyPr>
+              <a:lstStyle/>
+              <a:p>
+                <a:pPr algn="ctr"/>
+                <a:r>
+                  <a:rPr lang="en-US" altLang="ko-KR" dirty="0">
+                    <a:latin typeface="Microsoft GothicNeo Light" panose="020B0300000101010101" pitchFamily="50" charset="-127"/>
+                    <a:ea typeface="Microsoft GothicNeo Light" panose="020B0300000101010101" pitchFamily="50" charset="-127"/>
+                    <a:cs typeface="Microsoft GothicNeo Light" panose="020B0300000101010101" pitchFamily="50" charset="-127"/>
+                  </a:rPr>
+                  <a:t>BOSS</a:t>
+                </a:r>
+                <a:endParaRPr lang="ko-KR" altLang="en-US" dirty="0">
+                  <a:latin typeface="Microsoft GothicNeo Light" panose="020B0300000101010101" pitchFamily="50" charset="-127"/>
+                  <a:ea typeface="Microsoft GothicNeo Light" panose="020B0300000101010101" pitchFamily="50" charset="-127"/>
+                  <a:cs typeface="Microsoft GothicNeo Light" panose="020B0300000101010101" pitchFamily="50" charset="-127"/>
+                </a:endParaRPr>
+              </a:p>
+            </p:txBody>
+          </p:sp>
+        </p:grpSp>
+        <p:grpSp>
+          <p:nvGrpSpPr>
+            <p:cNvPr id="35" name="그룹 34">
+              <a:extLst>
+                <a:ext uri="{FF2B5EF4-FFF2-40B4-BE49-F238E27FC236}">
+                  <a16:creationId xmlns:a16="http://schemas.microsoft.com/office/drawing/2014/main" id="{6DFDF190-316B-9B8A-96BD-36B3EAEECBA2}"/>
+                </a:ext>
+              </a:extLst>
+            </p:cNvPr>
+            <p:cNvGrpSpPr/>
+            <p:nvPr/>
+          </p:nvGrpSpPr>
+          <p:grpSpPr>
+            <a:xfrm>
+              <a:off x="6181769" y="4542147"/>
+              <a:ext cx="707245" cy="1108014"/>
+              <a:chOff x="758170" y="2571750"/>
+              <a:chExt cx="707245" cy="1108014"/>
+            </a:xfrm>
+          </p:grpSpPr>
+          <p:pic>
+            <p:nvPicPr>
+              <p:cNvPr id="36" name="그래픽 35" descr="사용자 단색으로 채워진">
+                <a:extLst>
+                  <a:ext uri="{FF2B5EF4-FFF2-40B4-BE49-F238E27FC236}">
+                    <a16:creationId xmlns:a16="http://schemas.microsoft.com/office/drawing/2014/main" id="{CCB5C4F9-0513-1EE2-F2EE-0E1FD41E6826}"/>
+                  </a:ext>
+                </a:extLst>
+              </p:cNvPr>
+              <p:cNvPicPr>
+                <a:picLocks noChangeAspect="1"/>
+              </p:cNvPicPr>
+              <p:nvPr/>
+            </p:nvPicPr>
+            <p:blipFill>
+              <a:blip r:embed="rId2">
+                <a:extLst>
+                  <a:ext uri="{96DAC541-7B7A-43D3-8B79-37D633B846F1}">
+                    <asvg:svgBlip xmlns:asvg="http://schemas.microsoft.com/office/drawing/2016/SVG/main" r:embed="rId3"/>
+                  </a:ext>
+                </a:extLst>
+              </a:blip>
+              <a:stretch>
+                <a:fillRect/>
+              </a:stretch>
+            </p:blipFill>
+            <p:spPr>
+              <a:xfrm>
+                <a:off x="780085" y="2841688"/>
+                <a:ext cx="663414" cy="663414"/>
+              </a:xfrm>
+              <a:prstGeom prst="rect">
+                <a:avLst/>
+              </a:prstGeom>
+            </p:spPr>
+          </p:pic>
+          <p:sp>
+            <p:nvSpPr>
+              <p:cNvPr id="37" name="Google Shape;80;p14">
+                <a:extLst>
+                  <a:ext uri="{FF2B5EF4-FFF2-40B4-BE49-F238E27FC236}">
+                    <a16:creationId xmlns:a16="http://schemas.microsoft.com/office/drawing/2014/main" id="{9CDA36A5-17F5-7922-FC96-93F51B67186B}"/>
+                  </a:ext>
+                </a:extLst>
+              </p:cNvPr>
+              <p:cNvSpPr/>
+              <p:nvPr/>
+            </p:nvSpPr>
+            <p:spPr>
+              <a:xfrm>
+                <a:off x="943566" y="2571750"/>
+                <a:ext cx="336452" cy="329495"/>
+              </a:xfrm>
+              <a:prstGeom prst="ellipse">
+                <a:avLst/>
+              </a:prstGeom>
+              <a:solidFill>
+                <a:srgbClr val="FF0000"/>
+              </a:solidFill>
+              <a:ln w="9525" cap="flat" cmpd="sng">
+                <a:noFill/>
+                <a:prstDash val="solid"/>
+                <a:round/>
+                <a:headEnd type="none" w="sm" len="sm"/>
+                <a:tailEnd type="none" w="sm" len="sm"/>
+              </a:ln>
+            </p:spPr>
+            <p:txBody>
+              <a:bodyPr spcFirstLastPara="1" wrap="square" lIns="91425" tIns="91425" rIns="91425" bIns="91425" anchor="ctr" anchorCtr="0">
+                <a:noAutofit/>
+              </a:bodyPr>
+              <a:lstStyle/>
+              <a:p>
+                <a:pPr marL="0" lvl="0" indent="0" algn="l" rtl="0">
+                  <a:spcBef>
+                    <a:spcPts val="0"/>
+                  </a:spcBef>
+                  <a:spcAft>
+                    <a:spcPts val="0"/>
+                  </a:spcAft>
+                  <a:buNone/>
+                </a:pPr>
+                <a:endParaRPr dirty="0">
+                  <a:latin typeface="Microsoft GothicNeo Light" panose="020B0300000101010101" pitchFamily="50" charset="-127"/>
+                  <a:ea typeface="Microsoft GothicNeo Light" panose="020B0300000101010101" pitchFamily="50" charset="-127"/>
+                  <a:cs typeface="Microsoft GothicNeo Light" panose="020B0300000101010101" pitchFamily="50" charset="-127"/>
+                </a:endParaRPr>
+              </a:p>
+            </p:txBody>
+          </p:sp>
+          <p:sp>
+            <p:nvSpPr>
+              <p:cNvPr id="38" name="TextBox 37">
+                <a:extLst>
+                  <a:ext uri="{FF2B5EF4-FFF2-40B4-BE49-F238E27FC236}">
+                    <a16:creationId xmlns:a16="http://schemas.microsoft.com/office/drawing/2014/main" id="{C7D64494-E30E-681A-07CB-273EE3019C29}"/>
+                  </a:ext>
+                </a:extLst>
+              </p:cNvPr>
+              <p:cNvSpPr txBox="1"/>
+              <p:nvPr/>
+            </p:nvSpPr>
+            <p:spPr>
+              <a:xfrm>
+                <a:off x="758170" y="3371987"/>
+                <a:ext cx="707245" cy="307777"/>
+              </a:xfrm>
+              <a:prstGeom prst="rect">
+                <a:avLst/>
+              </a:prstGeom>
+              <a:noFill/>
+            </p:spPr>
+            <p:txBody>
+              <a:bodyPr wrap="none" rtlCol="0">
+                <a:spAutoFit/>
+              </a:bodyPr>
+              <a:lstStyle/>
+              <a:p>
+                <a:pPr algn="ctr"/>
+                <a:r>
+                  <a:rPr lang="en-US" altLang="ko-KR" dirty="0">
+                    <a:latin typeface="Microsoft GothicNeo Light" panose="020B0300000101010101" pitchFamily="50" charset="-127"/>
+                    <a:ea typeface="Microsoft GothicNeo Light" panose="020B0300000101010101" pitchFamily="50" charset="-127"/>
+                    <a:cs typeface="Microsoft GothicNeo Light" panose="020B0300000101010101" pitchFamily="50" charset="-127"/>
+                  </a:rPr>
+                  <a:t>USER2</a:t>
+                </a:r>
+              </a:p>
+            </p:txBody>
+          </p:sp>
+        </p:grpSp>
+        <p:grpSp>
+          <p:nvGrpSpPr>
+            <p:cNvPr id="39" name="그룹 38">
+              <a:extLst>
+                <a:ext uri="{FF2B5EF4-FFF2-40B4-BE49-F238E27FC236}">
+                  <a16:creationId xmlns:a16="http://schemas.microsoft.com/office/drawing/2014/main" id="{5ADF9B0E-E4BC-5A20-81AA-8145C6726F12}"/>
+                </a:ext>
+              </a:extLst>
+            </p:cNvPr>
+            <p:cNvGrpSpPr/>
+            <p:nvPr/>
+          </p:nvGrpSpPr>
+          <p:grpSpPr>
+            <a:xfrm>
+              <a:off x="8514407" y="1171533"/>
+              <a:ext cx="707245" cy="1108014"/>
+              <a:chOff x="758170" y="2571750"/>
+              <a:chExt cx="707245" cy="1108014"/>
+            </a:xfrm>
+          </p:grpSpPr>
+          <p:pic>
+            <p:nvPicPr>
+              <p:cNvPr id="40" name="그래픽 39" descr="사용자 단색으로 채워진">
+                <a:extLst>
+                  <a:ext uri="{FF2B5EF4-FFF2-40B4-BE49-F238E27FC236}">
+                    <a16:creationId xmlns:a16="http://schemas.microsoft.com/office/drawing/2014/main" id="{D554A386-8D97-59EC-A6DC-591BF0F8C527}"/>
+                  </a:ext>
+                </a:extLst>
+              </p:cNvPr>
+              <p:cNvPicPr>
+                <a:picLocks noChangeAspect="1"/>
+              </p:cNvPicPr>
+              <p:nvPr/>
+            </p:nvPicPr>
+            <p:blipFill>
+              <a:blip r:embed="rId2">
+                <a:extLst>
+                  <a:ext uri="{96DAC541-7B7A-43D3-8B79-37D633B846F1}">
+                    <asvg:svgBlip xmlns:asvg="http://schemas.microsoft.com/office/drawing/2016/SVG/main" r:embed="rId3"/>
+                  </a:ext>
+                </a:extLst>
+              </a:blip>
+              <a:stretch>
+                <a:fillRect/>
+              </a:stretch>
+            </p:blipFill>
+            <p:spPr>
+              <a:xfrm>
+                <a:off x="780085" y="2841688"/>
+                <a:ext cx="663414" cy="663414"/>
+              </a:xfrm>
+              <a:prstGeom prst="rect">
+                <a:avLst/>
+              </a:prstGeom>
+            </p:spPr>
+          </p:pic>
+          <p:sp>
+            <p:nvSpPr>
+              <p:cNvPr id="41" name="Google Shape;80;p14">
+                <a:extLst>
+                  <a:ext uri="{FF2B5EF4-FFF2-40B4-BE49-F238E27FC236}">
+                    <a16:creationId xmlns:a16="http://schemas.microsoft.com/office/drawing/2014/main" id="{CE893569-7AFF-71D4-5C66-D8C5FBF59D2D}"/>
+                  </a:ext>
+                </a:extLst>
+              </p:cNvPr>
+              <p:cNvSpPr/>
+              <p:nvPr/>
+            </p:nvSpPr>
+            <p:spPr>
+              <a:xfrm>
+                <a:off x="943566" y="2571750"/>
+                <a:ext cx="336452" cy="329495"/>
+              </a:xfrm>
+              <a:prstGeom prst="ellipse">
+                <a:avLst/>
+              </a:prstGeom>
+              <a:solidFill>
+                <a:srgbClr val="00B050"/>
+              </a:solidFill>
+              <a:ln w="9525" cap="flat" cmpd="sng">
+                <a:noFill/>
+                <a:prstDash val="solid"/>
+                <a:round/>
+                <a:headEnd type="none" w="sm" len="sm"/>
+                <a:tailEnd type="none" w="sm" len="sm"/>
+              </a:ln>
+            </p:spPr>
+            <p:txBody>
+              <a:bodyPr spcFirstLastPara="1" wrap="square" lIns="91425" tIns="91425" rIns="91425" bIns="91425" anchor="ctr" anchorCtr="0">
+                <a:noAutofit/>
+              </a:bodyPr>
+              <a:lstStyle/>
+              <a:p>
+                <a:pPr marL="0" lvl="0" indent="0" algn="l" rtl="0">
+                  <a:spcBef>
+                    <a:spcPts val="0"/>
+                  </a:spcBef>
+                  <a:spcAft>
+                    <a:spcPts val="0"/>
+                  </a:spcAft>
+                  <a:buNone/>
+                </a:pPr>
+                <a:endParaRPr dirty="0">
+                  <a:latin typeface="Microsoft GothicNeo Light" panose="020B0300000101010101" pitchFamily="50" charset="-127"/>
+                  <a:ea typeface="Microsoft GothicNeo Light" panose="020B0300000101010101" pitchFamily="50" charset="-127"/>
+                  <a:cs typeface="Microsoft GothicNeo Light" panose="020B0300000101010101" pitchFamily="50" charset="-127"/>
+                </a:endParaRPr>
+              </a:p>
+            </p:txBody>
+          </p:sp>
+          <p:sp>
+            <p:nvSpPr>
+              <p:cNvPr id="42" name="TextBox 41">
+                <a:extLst>
+                  <a:ext uri="{FF2B5EF4-FFF2-40B4-BE49-F238E27FC236}">
+                    <a16:creationId xmlns:a16="http://schemas.microsoft.com/office/drawing/2014/main" id="{B64D6E3D-2973-1426-2DE6-D5D4EDE88EBF}"/>
+                  </a:ext>
+                </a:extLst>
+              </p:cNvPr>
+              <p:cNvSpPr txBox="1"/>
+              <p:nvPr/>
+            </p:nvSpPr>
+            <p:spPr>
+              <a:xfrm>
+                <a:off x="758170" y="3371987"/>
+                <a:ext cx="707245" cy="307777"/>
+              </a:xfrm>
+              <a:prstGeom prst="rect">
+                <a:avLst/>
+              </a:prstGeom>
+              <a:noFill/>
+            </p:spPr>
+            <p:txBody>
+              <a:bodyPr wrap="none" rtlCol="0">
+                <a:spAutoFit/>
+              </a:bodyPr>
+              <a:lstStyle/>
+              <a:p>
+                <a:pPr algn="ctr"/>
+                <a:r>
+                  <a:rPr lang="en-US" altLang="ko-KR" dirty="0">
+                    <a:latin typeface="Microsoft GothicNeo Light" panose="020B0300000101010101" pitchFamily="50" charset="-127"/>
+                    <a:ea typeface="Microsoft GothicNeo Light" panose="020B0300000101010101" pitchFamily="50" charset="-127"/>
+                    <a:cs typeface="Microsoft GothicNeo Light" panose="020B0300000101010101" pitchFamily="50" charset="-127"/>
+                  </a:rPr>
+                  <a:t>USER3</a:t>
+                </a:r>
+                <a:endParaRPr lang="ko-KR" altLang="en-US" dirty="0">
+                  <a:latin typeface="Microsoft GothicNeo Light" panose="020B0300000101010101" pitchFamily="50" charset="-127"/>
+                  <a:ea typeface="Microsoft GothicNeo Light" panose="020B0300000101010101" pitchFamily="50" charset="-127"/>
+                  <a:cs typeface="Microsoft GothicNeo Light" panose="020B0300000101010101" pitchFamily="50" charset="-127"/>
+                </a:endParaRPr>
+              </a:p>
+            </p:txBody>
+          </p:sp>
+        </p:grpSp>
+        <p:grpSp>
+          <p:nvGrpSpPr>
+            <p:cNvPr id="43" name="그룹 42">
+              <a:extLst>
+                <a:ext uri="{FF2B5EF4-FFF2-40B4-BE49-F238E27FC236}">
+                  <a16:creationId xmlns:a16="http://schemas.microsoft.com/office/drawing/2014/main" id="{0A2A55FA-0747-7225-9B15-30EFFD0553EB}"/>
+                </a:ext>
+              </a:extLst>
+            </p:cNvPr>
+            <p:cNvGrpSpPr/>
+            <p:nvPr/>
+          </p:nvGrpSpPr>
+          <p:grpSpPr>
+            <a:xfrm>
+              <a:off x="5940533" y="947021"/>
+              <a:ext cx="712054" cy="1108014"/>
+              <a:chOff x="755766" y="2571750"/>
+              <a:chExt cx="712054" cy="1108014"/>
+            </a:xfrm>
+          </p:grpSpPr>
+          <p:pic>
+            <p:nvPicPr>
+              <p:cNvPr id="44" name="그래픽 43" descr="사용자 단색으로 채워진">
+                <a:extLst>
+                  <a:ext uri="{FF2B5EF4-FFF2-40B4-BE49-F238E27FC236}">
+                    <a16:creationId xmlns:a16="http://schemas.microsoft.com/office/drawing/2014/main" id="{68CC8F3B-47BC-4E52-116B-4E4191C34DFF}"/>
+                  </a:ext>
+                </a:extLst>
+              </p:cNvPr>
+              <p:cNvPicPr>
+                <a:picLocks noChangeAspect="1"/>
+              </p:cNvPicPr>
+              <p:nvPr/>
+            </p:nvPicPr>
+            <p:blipFill>
+              <a:blip r:embed="rId2">
+                <a:extLst>
+                  <a:ext uri="{96DAC541-7B7A-43D3-8B79-37D633B846F1}">
+                    <asvg:svgBlip xmlns:asvg="http://schemas.microsoft.com/office/drawing/2016/SVG/main" r:embed="rId3"/>
+                  </a:ext>
+                </a:extLst>
+              </a:blip>
+              <a:stretch>
+                <a:fillRect/>
+              </a:stretch>
+            </p:blipFill>
+            <p:spPr>
+              <a:xfrm>
+                <a:off x="780085" y="2841688"/>
+                <a:ext cx="663414" cy="663414"/>
+              </a:xfrm>
+              <a:prstGeom prst="rect">
+                <a:avLst/>
+              </a:prstGeom>
+            </p:spPr>
+          </p:pic>
+          <p:sp>
+            <p:nvSpPr>
+              <p:cNvPr id="45" name="Google Shape;80;p14">
+                <a:extLst>
+                  <a:ext uri="{FF2B5EF4-FFF2-40B4-BE49-F238E27FC236}">
+                    <a16:creationId xmlns:a16="http://schemas.microsoft.com/office/drawing/2014/main" id="{41CFF944-72B6-D15C-A8F5-F4D68C37D625}"/>
+                  </a:ext>
+                </a:extLst>
+              </p:cNvPr>
+              <p:cNvSpPr/>
+              <p:nvPr/>
+            </p:nvSpPr>
+            <p:spPr>
+              <a:xfrm>
+                <a:off x="943566" y="2571750"/>
+                <a:ext cx="336452" cy="329495"/>
+              </a:xfrm>
+              <a:prstGeom prst="ellipse">
+                <a:avLst/>
+              </a:prstGeom>
+              <a:solidFill>
+                <a:schemeClr val="bg1"/>
+              </a:solidFill>
+              <a:ln w="9525" cap="flat" cmpd="sng">
+                <a:solidFill>
+                  <a:schemeClr val="tx1"/>
+                </a:solidFill>
+                <a:prstDash val="solid"/>
+                <a:round/>
+                <a:headEnd type="none" w="sm" len="sm"/>
+                <a:tailEnd type="none" w="sm" len="sm"/>
+              </a:ln>
+            </p:spPr>
+            <p:txBody>
+              <a:bodyPr spcFirstLastPara="1" wrap="square" lIns="91425" tIns="91425" rIns="91425" bIns="91425" anchor="ctr" anchorCtr="0">
+                <a:noAutofit/>
+              </a:bodyPr>
+              <a:lstStyle/>
+              <a:p>
+                <a:pPr marL="0" lvl="0" indent="0" algn="l" rtl="0">
+                  <a:spcBef>
+                    <a:spcPts val="0"/>
+                  </a:spcBef>
+                  <a:spcAft>
+                    <a:spcPts val="0"/>
+                  </a:spcAft>
+                  <a:buNone/>
+                </a:pPr>
+                <a:endParaRPr dirty="0">
+                  <a:latin typeface="Microsoft GothicNeo Light" panose="020B0300000101010101" pitchFamily="50" charset="-127"/>
+                  <a:ea typeface="Microsoft GothicNeo Light" panose="020B0300000101010101" pitchFamily="50" charset="-127"/>
+                  <a:cs typeface="Microsoft GothicNeo Light" panose="020B0300000101010101" pitchFamily="50" charset="-127"/>
+                </a:endParaRPr>
+              </a:p>
+            </p:txBody>
+          </p:sp>
+          <p:sp>
+            <p:nvSpPr>
+              <p:cNvPr id="46" name="TextBox 45">
+                <a:extLst>
+                  <a:ext uri="{FF2B5EF4-FFF2-40B4-BE49-F238E27FC236}">
+                    <a16:creationId xmlns:a16="http://schemas.microsoft.com/office/drawing/2014/main" id="{2B673135-31E1-9B77-0805-DFDC4F600269}"/>
+                  </a:ext>
+                </a:extLst>
+              </p:cNvPr>
+              <p:cNvSpPr txBox="1"/>
+              <p:nvPr/>
+            </p:nvSpPr>
+            <p:spPr>
+              <a:xfrm>
+                <a:off x="755766" y="3371987"/>
+                <a:ext cx="712054" cy="307777"/>
+              </a:xfrm>
+              <a:prstGeom prst="rect">
+                <a:avLst/>
+              </a:prstGeom>
+              <a:noFill/>
+            </p:spPr>
+            <p:txBody>
+              <a:bodyPr wrap="none" rtlCol="0">
+                <a:spAutoFit/>
+              </a:bodyPr>
+              <a:lstStyle/>
+              <a:p>
+                <a:pPr algn="ctr"/>
+                <a:r>
+                  <a:rPr lang="en-US" altLang="ko-KR" dirty="0">
+                    <a:latin typeface="Microsoft GothicNeo Light" panose="020B0300000101010101" pitchFamily="50" charset="-127"/>
+                    <a:ea typeface="Microsoft GothicNeo Light" panose="020B0300000101010101" pitchFamily="50" charset="-127"/>
+                    <a:cs typeface="Microsoft GothicNeo Light" panose="020B0300000101010101" pitchFamily="50" charset="-127"/>
+                  </a:rPr>
+                  <a:t>USER4</a:t>
+                </a:r>
+                <a:endParaRPr lang="ko-KR" altLang="en-US" dirty="0">
+                  <a:latin typeface="Microsoft GothicNeo Light" panose="020B0300000101010101" pitchFamily="50" charset="-127"/>
+                  <a:ea typeface="Microsoft GothicNeo Light" panose="020B0300000101010101" pitchFamily="50" charset="-127"/>
+                  <a:cs typeface="Microsoft GothicNeo Light" panose="020B0300000101010101" pitchFamily="50" charset="-127"/>
+                </a:endParaRPr>
+              </a:p>
+            </p:txBody>
+          </p:sp>
+        </p:grpSp>
+        <p:sp>
+          <p:nvSpPr>
+            <p:cNvPr id="47" name="Google Shape;80;p14">
+              <a:extLst>
+                <a:ext uri="{FF2B5EF4-FFF2-40B4-BE49-F238E27FC236}">
+                  <a16:creationId xmlns:a16="http://schemas.microsoft.com/office/drawing/2014/main" id="{22F3858F-8A53-714D-804E-4013C3195CD9}"/>
+                </a:ext>
+              </a:extLst>
+            </p:cNvPr>
+            <p:cNvSpPr/>
+            <p:nvPr/>
+          </p:nvSpPr>
+          <p:spPr>
+            <a:xfrm>
+              <a:off x="7142154" y="665395"/>
+              <a:ext cx="336452" cy="329495"/>
+            </a:xfrm>
+            <a:prstGeom prst="ellipse">
+              <a:avLst/>
+            </a:prstGeom>
+            <a:solidFill>
+              <a:schemeClr val="accent1"/>
+            </a:solidFill>
+            <a:ln w="9525" cap="flat" cmpd="sng">
+              <a:noFill/>
+              <a:prstDash val="solid"/>
+              <a:round/>
+              <a:headEnd type="none" w="sm" len="sm"/>
+              <a:tailEnd type="none" w="sm" len="sm"/>
+            </a:ln>
+          </p:spPr>
+          <p:txBody>
+            <a:bodyPr spcFirstLastPara="1" wrap="square" lIns="91425" tIns="91425" rIns="91425" bIns="91425" anchor="ctr" anchorCtr="0">
+              <a:noAutofit/>
+            </a:bodyPr>
+            <a:lstStyle/>
+            <a:p>
+              <a:pPr marL="0" lvl="0" indent="0" algn="l" rtl="0">
+                <a:spcBef>
+                  <a:spcPts val="0"/>
+                </a:spcBef>
+                <a:spcAft>
+                  <a:spcPts val="0"/>
+                </a:spcAft>
+                <a:buNone/>
+              </a:pPr>
+              <a:endParaRPr dirty="0">
+                <a:latin typeface="Microsoft GothicNeo Light" panose="020B0300000101010101" pitchFamily="50" charset="-127"/>
+                <a:ea typeface="Microsoft GothicNeo Light" panose="020B0300000101010101" pitchFamily="50" charset="-127"/>
+                <a:cs typeface="Microsoft GothicNeo Light" panose="020B0300000101010101" pitchFamily="50" charset="-127"/>
+              </a:endParaRPr>
+            </a:p>
+          </p:txBody>
+        </p:sp>
+        <p:sp>
+          <p:nvSpPr>
+            <p:cNvPr id="48" name="화살표: 아래쪽 47">
+              <a:extLst>
+                <a:ext uri="{FF2B5EF4-FFF2-40B4-BE49-F238E27FC236}">
+                  <a16:creationId xmlns:a16="http://schemas.microsoft.com/office/drawing/2014/main" id="{4F4E534D-B3F1-5D53-240E-1D349CC562B8}"/>
+                </a:ext>
+              </a:extLst>
+            </p:cNvPr>
+            <p:cNvSpPr/>
+            <p:nvPr/>
+          </p:nvSpPr>
+          <p:spPr>
+            <a:xfrm>
+              <a:off x="6911599" y="1941813"/>
+              <a:ext cx="775074" cy="1891192"/>
+            </a:xfrm>
+            <a:prstGeom prst="downArrow">
+              <a:avLst/>
+            </a:prstGeom>
+            <a:pattFill prst="wdUpDiag">
+              <a:fgClr>
+                <a:srgbClr val="FF0000"/>
+              </a:fgClr>
+              <a:bgClr>
+                <a:schemeClr val="bg2"/>
+              </a:bgClr>
+            </a:pattFill>
+            <a:ln>
+              <a:noFill/>
+            </a:ln>
+          </p:spPr>
+          <p:style>
+            <a:lnRef idx="2">
+              <a:schemeClr val="accent1">
+                <a:shade val="50000"/>
+              </a:schemeClr>
+            </a:lnRef>
+            <a:fillRef idx="1">
+              <a:schemeClr val="accent1"/>
+            </a:fillRef>
+            <a:effectRef idx="0">
+              <a:schemeClr val="accent1"/>
+            </a:effectRef>
+            <a:fontRef idx="minor">
+              <a:schemeClr val="lt1"/>
+            </a:fontRef>
+          </p:style>
+          <p:txBody>
+            <a:bodyPr rtlCol="0" anchor="ctr"/>
+            <a:lstStyle/>
+            <a:p>
+              <a:pPr algn="ctr"/>
+              <a:endParaRPr lang="ko-KR" altLang="en-US"/>
+            </a:p>
+          </p:txBody>
+        </p:sp>
+        <p:sp>
+          <p:nvSpPr>
+            <p:cNvPr id="49" name="원통형 48">
+              <a:extLst>
+                <a:ext uri="{FF2B5EF4-FFF2-40B4-BE49-F238E27FC236}">
+                  <a16:creationId xmlns:a16="http://schemas.microsoft.com/office/drawing/2014/main" id="{CE984879-B346-2BF8-1AC3-7E841E70E652}"/>
+                </a:ext>
+              </a:extLst>
+            </p:cNvPr>
+            <p:cNvSpPr/>
+            <p:nvPr/>
+          </p:nvSpPr>
+          <p:spPr>
+            <a:xfrm>
+              <a:off x="7089088" y="2941909"/>
+              <a:ext cx="427130" cy="666237"/>
+            </a:xfrm>
+            <a:prstGeom prst="can">
+              <a:avLst/>
+            </a:prstGeom>
+          </p:spPr>
+          <p:style>
+            <a:lnRef idx="2">
+              <a:schemeClr val="dk1">
+                <a:shade val="50000"/>
+              </a:schemeClr>
+            </a:lnRef>
+            <a:fillRef idx="1">
+              <a:schemeClr val="dk1"/>
+            </a:fillRef>
+            <a:effectRef idx="0">
+              <a:schemeClr val="dk1"/>
+            </a:effectRef>
+            <a:fontRef idx="minor">
+              <a:schemeClr val="lt1"/>
+            </a:fontRef>
+          </p:style>
+          <p:txBody>
+            <a:bodyPr rtlCol="0" anchor="ctr"/>
+            <a:lstStyle/>
+            <a:p>
+              <a:pPr algn="ctr"/>
+              <a:endParaRPr lang="ko-KR" altLang="en-US"/>
+            </a:p>
+          </p:txBody>
+        </p:sp>
+        <p:grpSp>
+          <p:nvGrpSpPr>
+            <p:cNvPr id="31" name="그룹 30">
+              <a:extLst>
+                <a:ext uri="{FF2B5EF4-FFF2-40B4-BE49-F238E27FC236}">
+                  <a16:creationId xmlns:a16="http://schemas.microsoft.com/office/drawing/2014/main" id="{600B5690-1F72-DA80-606A-C27078139C04}"/>
+                </a:ext>
+              </a:extLst>
+            </p:cNvPr>
+            <p:cNvGrpSpPr/>
+            <p:nvPr/>
+          </p:nvGrpSpPr>
+          <p:grpSpPr>
+            <a:xfrm>
+              <a:off x="6951925" y="3374143"/>
+              <a:ext cx="694421" cy="1108014"/>
+              <a:chOff x="764582" y="2571750"/>
+              <a:chExt cx="694421" cy="1108014"/>
+            </a:xfrm>
+          </p:grpSpPr>
+          <p:pic>
+            <p:nvPicPr>
+              <p:cNvPr id="32" name="그래픽 31" descr="사용자 단색으로 채워진">
+                <a:extLst>
+                  <a:ext uri="{FF2B5EF4-FFF2-40B4-BE49-F238E27FC236}">
+                    <a16:creationId xmlns:a16="http://schemas.microsoft.com/office/drawing/2014/main" id="{BE494869-096B-0486-F76D-DD78A654CC07}"/>
+                  </a:ext>
+                </a:extLst>
+              </p:cNvPr>
+              <p:cNvPicPr>
+                <a:picLocks noChangeAspect="1"/>
+              </p:cNvPicPr>
+              <p:nvPr/>
+            </p:nvPicPr>
+            <p:blipFill>
+              <a:blip r:embed="rId2">
+                <a:extLst>
+                  <a:ext uri="{96DAC541-7B7A-43D3-8B79-37D633B846F1}">
+                    <asvg:svgBlip xmlns:asvg="http://schemas.microsoft.com/office/drawing/2016/SVG/main" r:embed="rId3"/>
+                  </a:ext>
+                </a:extLst>
+              </a:blip>
+              <a:stretch>
+                <a:fillRect/>
+              </a:stretch>
+            </p:blipFill>
+            <p:spPr>
+              <a:xfrm>
+                <a:off x="780085" y="2841688"/>
+                <a:ext cx="663414" cy="663414"/>
+              </a:xfrm>
+              <a:prstGeom prst="rect">
+                <a:avLst/>
+              </a:prstGeom>
+            </p:spPr>
+          </p:pic>
+          <p:sp>
+            <p:nvSpPr>
+              <p:cNvPr id="33" name="Google Shape;80;p14">
+                <a:extLst>
+                  <a:ext uri="{FF2B5EF4-FFF2-40B4-BE49-F238E27FC236}">
+                    <a16:creationId xmlns:a16="http://schemas.microsoft.com/office/drawing/2014/main" id="{8075569D-F645-D05A-93D0-422FCB9C056C}"/>
+                  </a:ext>
+                </a:extLst>
+              </p:cNvPr>
+              <p:cNvSpPr/>
+              <p:nvPr/>
+            </p:nvSpPr>
+            <p:spPr>
+              <a:xfrm>
+                <a:off x="943566" y="2571750"/>
+                <a:ext cx="336452" cy="329495"/>
+              </a:xfrm>
+              <a:prstGeom prst="ellipse">
+                <a:avLst/>
+              </a:prstGeom>
+              <a:solidFill>
+                <a:schemeClr val="accent1"/>
+              </a:solidFill>
+              <a:ln w="9525" cap="flat" cmpd="sng">
+                <a:noFill/>
+                <a:prstDash val="solid"/>
+                <a:round/>
+                <a:headEnd type="none" w="sm" len="sm"/>
+                <a:tailEnd type="none" w="sm" len="sm"/>
+              </a:ln>
+            </p:spPr>
+            <p:txBody>
+              <a:bodyPr spcFirstLastPara="1" wrap="square" lIns="91425" tIns="91425" rIns="91425" bIns="91425" anchor="ctr" anchorCtr="0">
+                <a:noAutofit/>
+              </a:bodyPr>
+              <a:lstStyle/>
+              <a:p>
+                <a:pPr marL="0" lvl="0" indent="0" algn="l" rtl="0">
+                  <a:spcBef>
+                    <a:spcPts val="0"/>
+                  </a:spcBef>
+                  <a:spcAft>
+                    <a:spcPts val="0"/>
+                  </a:spcAft>
+                  <a:buNone/>
+                </a:pPr>
+                <a:endParaRPr dirty="0">
+                  <a:latin typeface="Microsoft GothicNeo Light" panose="020B0300000101010101" pitchFamily="50" charset="-127"/>
+                  <a:ea typeface="Microsoft GothicNeo Light" panose="020B0300000101010101" pitchFamily="50" charset="-127"/>
+                  <a:cs typeface="Microsoft GothicNeo Light" panose="020B0300000101010101" pitchFamily="50" charset="-127"/>
+                </a:endParaRPr>
+              </a:p>
+            </p:txBody>
+          </p:sp>
+          <p:sp>
+            <p:nvSpPr>
+              <p:cNvPr id="34" name="TextBox 33">
+                <a:extLst>
+                  <a:ext uri="{FF2B5EF4-FFF2-40B4-BE49-F238E27FC236}">
+                    <a16:creationId xmlns:a16="http://schemas.microsoft.com/office/drawing/2014/main" id="{C2AB9A08-BE87-2277-4F96-167CBDC413AE}"/>
+                  </a:ext>
+                </a:extLst>
+              </p:cNvPr>
+              <p:cNvSpPr txBox="1"/>
+              <p:nvPr/>
+            </p:nvSpPr>
+            <p:spPr>
+              <a:xfrm>
+                <a:off x="764582" y="3371987"/>
+                <a:ext cx="694421" cy="307777"/>
+              </a:xfrm>
+              <a:prstGeom prst="rect">
+                <a:avLst/>
+              </a:prstGeom>
+              <a:noFill/>
+            </p:spPr>
+            <p:txBody>
+              <a:bodyPr wrap="none" rtlCol="0">
+                <a:spAutoFit/>
+              </a:bodyPr>
+              <a:lstStyle/>
+              <a:p>
+                <a:pPr algn="ctr"/>
+                <a:r>
+                  <a:rPr lang="en-US" altLang="ko-KR" dirty="0">
+                    <a:latin typeface="Microsoft GothicNeo Light" panose="020B0300000101010101" pitchFamily="50" charset="-127"/>
+                    <a:ea typeface="Microsoft GothicNeo Light" panose="020B0300000101010101" pitchFamily="50" charset="-127"/>
+                    <a:cs typeface="Microsoft GothicNeo Light" panose="020B0300000101010101" pitchFamily="50" charset="-127"/>
+                  </a:rPr>
+                  <a:t>USER1</a:t>
+                </a:r>
+                <a:endParaRPr lang="ko-KR" altLang="en-US" dirty="0">
+                  <a:latin typeface="Microsoft GothicNeo Light" panose="020B0300000101010101" pitchFamily="50" charset="-127"/>
+                  <a:ea typeface="Microsoft GothicNeo Light" panose="020B0300000101010101" pitchFamily="50" charset="-127"/>
+                  <a:cs typeface="Microsoft GothicNeo Light" panose="020B0300000101010101" pitchFamily="50" charset="-127"/>
+                </a:endParaRPr>
+              </a:p>
+            </p:txBody>
+          </p:sp>
+        </p:grpSp>
+      </p:grpSp>
+    </p:spTree>
+    <p:extLst>
+      <p:ext uri="{BB962C8B-B14F-4D97-AF65-F5344CB8AC3E}">
+        <p14:creationId xmlns:p14="http://schemas.microsoft.com/office/powerpoint/2010/main" val="1574530907"/>
+      </p:ext>
+    </p:extLst>
+  </p:cSld>
+  <p:clrMapOvr>
+    <a:masterClrMapping/>
+  </p:clrMapOvr>
+</p:sld>
+</file>
+
+<file path=ppt/slides/slide15.xml><?xml version="1.0" encoding="utf-8"?>
+<p:sld xmlns:a="http://schemas.openxmlformats.org/drawingml/2006/main" xmlns:r="http://schemas.openxmlformats.org/officeDocument/2006/relationships" xmlns:p="http://schemas.openxmlformats.org/presentationml/2006/main">
+  <p:cSld>
+    <p:spTree>
+      <p:nvGrpSpPr>
+        <p:cNvPr id="1" name=""/>
+        <p:cNvGrpSpPr/>
+        <p:nvPr/>
+      </p:nvGrpSpPr>
+      <p:grpSpPr>
+        <a:xfrm>
+          <a:off x="0" y="0"/>
+          <a:ext cx="0" cy="0"/>
+          <a:chOff x="0" y="0"/>
+          <a:chExt cx="0" cy="0"/>
+        </a:xfrm>
+      </p:grpSpPr>
+      <p:sp>
+        <p:nvSpPr>
+          <p:cNvPr id="27" name="사각형: 둥근 모서리 26">
+            <a:extLst>
+              <a:ext uri="{FF2B5EF4-FFF2-40B4-BE49-F238E27FC236}">
+                <a16:creationId xmlns:a16="http://schemas.microsoft.com/office/drawing/2014/main" id="{AB55BD9D-0586-2859-449F-F760912C582A}"/>
+              </a:ext>
+            </a:extLst>
+          </p:cNvPr>
+          <p:cNvSpPr/>
+          <p:nvPr/>
+        </p:nvSpPr>
+        <p:spPr>
+          <a:xfrm>
+            <a:off x="349904" y="233037"/>
+            <a:ext cx="4193005" cy="5781174"/>
+          </a:xfrm>
+          <a:prstGeom prst="roundRect">
+            <a:avLst/>
+          </a:prstGeom>
+          <a:solidFill>
+            <a:schemeClr val="bg1"/>
+          </a:solidFill>
+          <a:ln>
+            <a:solidFill>
+              <a:schemeClr val="tx1"/>
+            </a:solidFill>
+          </a:ln>
+        </p:spPr>
+        <p:style>
+          <a:lnRef idx="2">
+            <a:schemeClr val="accent3">
+              <a:shade val="50000"/>
+            </a:schemeClr>
+          </a:lnRef>
+          <a:fillRef idx="1">
+            <a:schemeClr val="accent3"/>
+          </a:fillRef>
+          <a:effectRef idx="0">
+            <a:schemeClr val="accent3"/>
+          </a:effectRef>
+          <a:fontRef idx="minor">
+            <a:schemeClr val="lt1"/>
+          </a:fontRef>
+        </p:style>
+        <p:txBody>
+          <a:bodyPr rtlCol="0" anchor="ctr"/>
+          <a:lstStyle/>
+          <a:p>
+            <a:pPr algn="ctr"/>
+            <a:endParaRPr lang="ko-KR" altLang="en-US"/>
+          </a:p>
+        </p:txBody>
+      </p:sp>
+      <p:sp>
+        <p:nvSpPr>
+          <p:cNvPr id="24" name="폭발: 8pt 23">
+            <a:extLst>
+              <a:ext uri="{FF2B5EF4-FFF2-40B4-BE49-F238E27FC236}">
+                <a16:creationId xmlns:a16="http://schemas.microsoft.com/office/drawing/2014/main" id="{57B572B4-11CA-3D2D-524D-99561535FCFE}"/>
+              </a:ext>
+            </a:extLst>
+          </p:cNvPr>
+          <p:cNvSpPr/>
+          <p:nvPr/>
+        </p:nvSpPr>
+        <p:spPr>
+          <a:xfrm>
+            <a:off x="557134" y="6293764"/>
+            <a:ext cx="313975" cy="369048"/>
+          </a:xfrm>
+          <a:prstGeom prst="irregularSeal1">
+            <a:avLst/>
+          </a:prstGeom>
+          <a:solidFill>
+            <a:schemeClr val="accent4"/>
+          </a:solidFill>
+          <a:ln>
+            <a:noFill/>
+          </a:ln>
+        </p:spPr>
+        <p:style>
+          <a:lnRef idx="0">
+            <a:scrgbClr r="0" g="0" b="0"/>
+          </a:lnRef>
+          <a:fillRef idx="0">
+            <a:scrgbClr r="0" g="0" b="0"/>
+          </a:fillRef>
+          <a:effectRef idx="0">
+            <a:scrgbClr r="0" g="0" b="0"/>
+          </a:effectRef>
+          <a:fontRef idx="minor">
+            <a:schemeClr val="lt1"/>
+          </a:fontRef>
+        </p:style>
+        <p:txBody>
+          <a:bodyPr rtlCol="0" anchor="ctr"/>
+          <a:lstStyle/>
+          <a:p>
+            <a:pPr algn="ctr"/>
+            <a:r>
+              <a:rPr lang="en-US" altLang="ko-KR" b="1" dirty="0"/>
+              <a:t>1</a:t>
+            </a:r>
+            <a:endParaRPr lang="ko-KR" altLang="en-US" b="1" dirty="0"/>
+          </a:p>
+        </p:txBody>
+      </p:sp>
+      <p:grpSp>
+        <p:nvGrpSpPr>
+          <p:cNvPr id="35" name="그룹 34">
+            <a:extLst>
+              <a:ext uri="{FF2B5EF4-FFF2-40B4-BE49-F238E27FC236}">
+                <a16:creationId xmlns:a16="http://schemas.microsoft.com/office/drawing/2014/main" id="{6DFDF190-316B-9B8A-96BD-36B3EAEECBA2}"/>
+              </a:ext>
+            </a:extLst>
+          </p:cNvPr>
+          <p:cNvGrpSpPr/>
+          <p:nvPr/>
+        </p:nvGrpSpPr>
+        <p:grpSpPr>
+          <a:xfrm>
+            <a:off x="1258586" y="4542147"/>
+            <a:ext cx="707245" cy="1108014"/>
+            <a:chOff x="758170" y="2571750"/>
+            <a:chExt cx="707245" cy="1108014"/>
+          </a:xfrm>
+        </p:grpSpPr>
+        <p:pic>
+          <p:nvPicPr>
+            <p:cNvPr id="36" name="그래픽 35" descr="사용자 단색으로 채워진">
+              <a:extLst>
+                <a:ext uri="{FF2B5EF4-FFF2-40B4-BE49-F238E27FC236}">
+                  <a16:creationId xmlns:a16="http://schemas.microsoft.com/office/drawing/2014/main" id="{CCB5C4F9-0513-1EE2-F2EE-0E1FD41E6826}"/>
+                </a:ext>
+              </a:extLst>
+            </p:cNvPr>
+            <p:cNvPicPr>
+              <a:picLocks noChangeAspect="1"/>
+            </p:cNvPicPr>
+            <p:nvPr/>
+          </p:nvPicPr>
+          <p:blipFill>
+            <a:blip r:embed="rId2">
+              <a:extLst>
+                <a:ext uri="{96DAC541-7B7A-43D3-8B79-37D633B846F1}">
+                  <asvg:svgBlip xmlns:asvg="http://schemas.microsoft.com/office/drawing/2016/SVG/main" r:embed="rId3"/>
+                </a:ext>
+              </a:extLst>
+            </a:blip>
+            <a:stretch>
+              <a:fillRect/>
+            </a:stretch>
+          </p:blipFill>
+          <p:spPr>
+            <a:xfrm>
+              <a:off x="780085" y="2841688"/>
+              <a:ext cx="663414" cy="663414"/>
+            </a:xfrm>
+            <a:prstGeom prst="rect">
+              <a:avLst/>
+            </a:prstGeom>
+          </p:spPr>
+        </p:pic>
+        <p:sp>
+          <p:nvSpPr>
+            <p:cNvPr id="37" name="Google Shape;80;p14">
+              <a:extLst>
+                <a:ext uri="{FF2B5EF4-FFF2-40B4-BE49-F238E27FC236}">
+                  <a16:creationId xmlns:a16="http://schemas.microsoft.com/office/drawing/2014/main" id="{9CDA36A5-17F5-7922-FC96-93F51B67186B}"/>
+                </a:ext>
+              </a:extLst>
+            </p:cNvPr>
+            <p:cNvSpPr/>
+            <p:nvPr/>
+          </p:nvSpPr>
+          <p:spPr>
+            <a:xfrm>
+              <a:off x="943566" y="2571750"/>
+              <a:ext cx="336452" cy="329495"/>
+            </a:xfrm>
+            <a:prstGeom prst="ellipse">
+              <a:avLst/>
+            </a:prstGeom>
+            <a:solidFill>
+              <a:srgbClr val="FF0000"/>
+            </a:solidFill>
+            <a:ln w="9525" cap="flat" cmpd="sng">
+              <a:noFill/>
+              <a:prstDash val="solid"/>
+              <a:round/>
+              <a:headEnd type="none" w="sm" len="sm"/>
+              <a:tailEnd type="none" w="sm" len="sm"/>
+            </a:ln>
+          </p:spPr>
+          <p:txBody>
+            <a:bodyPr spcFirstLastPara="1" wrap="square" lIns="91425" tIns="91425" rIns="91425" bIns="91425" anchor="ctr" anchorCtr="0">
+              <a:noAutofit/>
+            </a:bodyPr>
+            <a:lstStyle/>
+            <a:p>
+              <a:pPr marL="0" lvl="0" indent="0" algn="l" rtl="0">
+                <a:spcBef>
+                  <a:spcPts val="0"/>
+                </a:spcBef>
+                <a:spcAft>
+                  <a:spcPts val="0"/>
+                </a:spcAft>
+                <a:buNone/>
+              </a:pPr>
+              <a:endParaRPr dirty="0">
+                <a:latin typeface="Microsoft GothicNeo Light" panose="020B0300000101010101" pitchFamily="50" charset="-127"/>
+                <a:ea typeface="Microsoft GothicNeo Light" panose="020B0300000101010101" pitchFamily="50" charset="-127"/>
+                <a:cs typeface="Microsoft GothicNeo Light" panose="020B0300000101010101" pitchFamily="50" charset="-127"/>
+              </a:endParaRPr>
+            </a:p>
+          </p:txBody>
+        </p:sp>
+        <p:sp>
+          <p:nvSpPr>
+            <p:cNvPr id="38" name="TextBox 37">
+              <a:extLst>
+                <a:ext uri="{FF2B5EF4-FFF2-40B4-BE49-F238E27FC236}">
+                  <a16:creationId xmlns:a16="http://schemas.microsoft.com/office/drawing/2014/main" id="{C7D64494-E30E-681A-07CB-273EE3019C29}"/>
+                </a:ext>
+              </a:extLst>
+            </p:cNvPr>
+            <p:cNvSpPr txBox="1"/>
+            <p:nvPr/>
+          </p:nvSpPr>
+          <p:spPr>
+            <a:xfrm>
+              <a:off x="758170" y="3371987"/>
+              <a:ext cx="707245" cy="307777"/>
+            </a:xfrm>
+            <a:prstGeom prst="rect">
+              <a:avLst/>
+            </a:prstGeom>
+            <a:noFill/>
+          </p:spPr>
+          <p:txBody>
+            <a:bodyPr wrap="none" rtlCol="0">
+              <a:spAutoFit/>
+            </a:bodyPr>
+            <a:lstStyle/>
+            <a:p>
+              <a:pPr algn="ctr"/>
+              <a:r>
+                <a:rPr lang="en-US" altLang="ko-KR" dirty="0">
+                  <a:latin typeface="Microsoft GothicNeo Light" panose="020B0300000101010101" pitchFamily="50" charset="-127"/>
+                  <a:ea typeface="Microsoft GothicNeo Light" panose="020B0300000101010101" pitchFamily="50" charset="-127"/>
+                  <a:cs typeface="Microsoft GothicNeo Light" panose="020B0300000101010101" pitchFamily="50" charset="-127"/>
+                </a:rPr>
+                <a:t>USER2</a:t>
+              </a:r>
+            </a:p>
+          </p:txBody>
+        </p:sp>
+      </p:grpSp>
+      <p:grpSp>
+        <p:nvGrpSpPr>
+          <p:cNvPr id="39" name="그룹 38">
+            <a:extLst>
+              <a:ext uri="{FF2B5EF4-FFF2-40B4-BE49-F238E27FC236}">
+                <a16:creationId xmlns:a16="http://schemas.microsoft.com/office/drawing/2014/main" id="{5ADF9B0E-E4BC-5A20-81AA-8145C6726F12}"/>
+              </a:ext>
+            </a:extLst>
+          </p:cNvPr>
+          <p:cNvGrpSpPr/>
+          <p:nvPr/>
+        </p:nvGrpSpPr>
+        <p:grpSpPr>
+          <a:xfrm>
+            <a:off x="3591224" y="1171533"/>
+            <a:ext cx="707245" cy="1108014"/>
+            <a:chOff x="758170" y="2571750"/>
+            <a:chExt cx="707245" cy="1108014"/>
+          </a:xfrm>
+        </p:grpSpPr>
+        <p:pic>
+          <p:nvPicPr>
+            <p:cNvPr id="40" name="그래픽 39" descr="사용자 단색으로 채워진">
+              <a:extLst>
+                <a:ext uri="{FF2B5EF4-FFF2-40B4-BE49-F238E27FC236}">
+                  <a16:creationId xmlns:a16="http://schemas.microsoft.com/office/drawing/2014/main" id="{D554A386-8D97-59EC-A6DC-591BF0F8C527}"/>
+                </a:ext>
+              </a:extLst>
+            </p:cNvPr>
+            <p:cNvPicPr>
+              <a:picLocks noChangeAspect="1"/>
+            </p:cNvPicPr>
+            <p:nvPr/>
+          </p:nvPicPr>
+          <p:blipFill>
+            <a:blip r:embed="rId2">
+              <a:extLst>
+                <a:ext uri="{96DAC541-7B7A-43D3-8B79-37D633B846F1}">
+                  <asvg:svgBlip xmlns:asvg="http://schemas.microsoft.com/office/drawing/2016/SVG/main" r:embed="rId3"/>
+                </a:ext>
+              </a:extLst>
+            </a:blip>
+            <a:stretch>
+              <a:fillRect/>
+            </a:stretch>
+          </p:blipFill>
+          <p:spPr>
+            <a:xfrm>
+              <a:off x="780085" y="2841688"/>
+              <a:ext cx="663414" cy="663414"/>
+            </a:xfrm>
+            <a:prstGeom prst="rect">
+              <a:avLst/>
+            </a:prstGeom>
+          </p:spPr>
+        </p:pic>
+        <p:sp>
+          <p:nvSpPr>
+            <p:cNvPr id="41" name="Google Shape;80;p14">
+              <a:extLst>
+                <a:ext uri="{FF2B5EF4-FFF2-40B4-BE49-F238E27FC236}">
+                  <a16:creationId xmlns:a16="http://schemas.microsoft.com/office/drawing/2014/main" id="{CE893569-7AFF-71D4-5C66-D8C5FBF59D2D}"/>
+                </a:ext>
+              </a:extLst>
+            </p:cNvPr>
+            <p:cNvSpPr/>
+            <p:nvPr/>
+          </p:nvSpPr>
+          <p:spPr>
+            <a:xfrm>
+              <a:off x="943566" y="2571750"/>
+              <a:ext cx="336452" cy="329495"/>
+            </a:xfrm>
+            <a:prstGeom prst="ellipse">
+              <a:avLst/>
+            </a:prstGeom>
+            <a:solidFill>
+              <a:srgbClr val="00B050"/>
+            </a:solidFill>
+            <a:ln w="9525" cap="flat" cmpd="sng">
+              <a:noFill/>
+              <a:prstDash val="solid"/>
+              <a:round/>
+              <a:headEnd type="none" w="sm" len="sm"/>
+              <a:tailEnd type="none" w="sm" len="sm"/>
+            </a:ln>
+          </p:spPr>
+          <p:txBody>
+            <a:bodyPr spcFirstLastPara="1" wrap="square" lIns="91425" tIns="91425" rIns="91425" bIns="91425" anchor="ctr" anchorCtr="0">
+              <a:noAutofit/>
+            </a:bodyPr>
+            <a:lstStyle/>
+            <a:p>
+              <a:pPr marL="0" lvl="0" indent="0" algn="l" rtl="0">
+                <a:spcBef>
+                  <a:spcPts val="0"/>
+                </a:spcBef>
+                <a:spcAft>
+                  <a:spcPts val="0"/>
+                </a:spcAft>
+                <a:buNone/>
+              </a:pPr>
+              <a:endParaRPr dirty="0">
+                <a:latin typeface="Microsoft GothicNeo Light" panose="020B0300000101010101" pitchFamily="50" charset="-127"/>
+                <a:ea typeface="Microsoft GothicNeo Light" panose="020B0300000101010101" pitchFamily="50" charset="-127"/>
+                <a:cs typeface="Microsoft GothicNeo Light" panose="020B0300000101010101" pitchFamily="50" charset="-127"/>
+              </a:endParaRPr>
+            </a:p>
+          </p:txBody>
+        </p:sp>
+        <p:sp>
+          <p:nvSpPr>
+            <p:cNvPr id="42" name="TextBox 41">
+              <a:extLst>
+                <a:ext uri="{FF2B5EF4-FFF2-40B4-BE49-F238E27FC236}">
+                  <a16:creationId xmlns:a16="http://schemas.microsoft.com/office/drawing/2014/main" id="{B64D6E3D-2973-1426-2DE6-D5D4EDE88EBF}"/>
+                </a:ext>
+              </a:extLst>
+            </p:cNvPr>
+            <p:cNvSpPr txBox="1"/>
+            <p:nvPr/>
+          </p:nvSpPr>
+          <p:spPr>
+            <a:xfrm>
+              <a:off x="758170" y="3371987"/>
+              <a:ext cx="707245" cy="307777"/>
+            </a:xfrm>
+            <a:prstGeom prst="rect">
+              <a:avLst/>
+            </a:prstGeom>
+            <a:noFill/>
+          </p:spPr>
+          <p:txBody>
+            <a:bodyPr wrap="none" rtlCol="0">
+              <a:spAutoFit/>
+            </a:bodyPr>
+            <a:lstStyle/>
+            <a:p>
+              <a:pPr algn="ctr"/>
+              <a:r>
+                <a:rPr lang="en-US" altLang="ko-KR" dirty="0">
+                  <a:latin typeface="Microsoft GothicNeo Light" panose="020B0300000101010101" pitchFamily="50" charset="-127"/>
+                  <a:ea typeface="Microsoft GothicNeo Light" panose="020B0300000101010101" pitchFamily="50" charset="-127"/>
+                  <a:cs typeface="Microsoft GothicNeo Light" panose="020B0300000101010101" pitchFamily="50" charset="-127"/>
+                </a:rPr>
+                <a:t>USER3</a:t>
+              </a:r>
+              <a:endParaRPr lang="ko-KR" altLang="en-US" dirty="0">
+                <a:latin typeface="Microsoft GothicNeo Light" panose="020B0300000101010101" pitchFamily="50" charset="-127"/>
+                <a:ea typeface="Microsoft GothicNeo Light" panose="020B0300000101010101" pitchFamily="50" charset="-127"/>
+                <a:cs typeface="Microsoft GothicNeo Light" panose="020B0300000101010101" pitchFamily="50" charset="-127"/>
+              </a:endParaRPr>
+            </a:p>
+          </p:txBody>
+        </p:sp>
+      </p:grpSp>
+      <p:grpSp>
+        <p:nvGrpSpPr>
+          <p:cNvPr id="43" name="그룹 42">
+            <a:extLst>
+              <a:ext uri="{FF2B5EF4-FFF2-40B4-BE49-F238E27FC236}">
+                <a16:creationId xmlns:a16="http://schemas.microsoft.com/office/drawing/2014/main" id="{0A2A55FA-0747-7225-9B15-30EFFD0553EB}"/>
+              </a:ext>
+            </a:extLst>
+          </p:cNvPr>
+          <p:cNvGrpSpPr/>
+          <p:nvPr/>
+        </p:nvGrpSpPr>
+        <p:grpSpPr>
+          <a:xfrm>
+            <a:off x="1017350" y="947021"/>
+            <a:ext cx="712054" cy="1108014"/>
+            <a:chOff x="755766" y="2571750"/>
+            <a:chExt cx="712054" cy="1108014"/>
+          </a:xfrm>
+        </p:grpSpPr>
+        <p:pic>
+          <p:nvPicPr>
+            <p:cNvPr id="44" name="그래픽 43" descr="사용자 단색으로 채워진">
+              <a:extLst>
+                <a:ext uri="{FF2B5EF4-FFF2-40B4-BE49-F238E27FC236}">
+                  <a16:creationId xmlns:a16="http://schemas.microsoft.com/office/drawing/2014/main" id="{68CC8F3B-47BC-4E52-116B-4E4191C34DFF}"/>
+                </a:ext>
+              </a:extLst>
+            </p:cNvPr>
+            <p:cNvPicPr>
+              <a:picLocks noChangeAspect="1"/>
+            </p:cNvPicPr>
+            <p:nvPr/>
+          </p:nvPicPr>
+          <p:blipFill>
+            <a:blip r:embed="rId2">
+              <a:extLst>
+                <a:ext uri="{96DAC541-7B7A-43D3-8B79-37D633B846F1}">
+                  <asvg:svgBlip xmlns:asvg="http://schemas.microsoft.com/office/drawing/2016/SVG/main" r:embed="rId3"/>
+                </a:ext>
+              </a:extLst>
+            </a:blip>
+            <a:stretch>
+              <a:fillRect/>
+            </a:stretch>
+          </p:blipFill>
+          <p:spPr>
+            <a:xfrm>
+              <a:off x="780085" y="2841688"/>
+              <a:ext cx="663414" cy="663414"/>
+            </a:xfrm>
+            <a:prstGeom prst="rect">
+              <a:avLst/>
+            </a:prstGeom>
+          </p:spPr>
+        </p:pic>
+        <p:sp>
+          <p:nvSpPr>
+            <p:cNvPr id="45" name="Google Shape;80;p14">
+              <a:extLst>
+                <a:ext uri="{FF2B5EF4-FFF2-40B4-BE49-F238E27FC236}">
+                  <a16:creationId xmlns:a16="http://schemas.microsoft.com/office/drawing/2014/main" id="{41CFF944-72B6-D15C-A8F5-F4D68C37D625}"/>
+                </a:ext>
+              </a:extLst>
+            </p:cNvPr>
+            <p:cNvSpPr/>
+            <p:nvPr/>
+          </p:nvSpPr>
+          <p:spPr>
+            <a:xfrm>
+              <a:off x="943566" y="2571750"/>
+              <a:ext cx="336452" cy="329495"/>
+            </a:xfrm>
+            <a:prstGeom prst="ellipse">
+              <a:avLst/>
+            </a:prstGeom>
+            <a:solidFill>
+              <a:schemeClr val="bg1"/>
+            </a:solidFill>
+            <a:ln w="9525" cap="flat" cmpd="sng">
+              <a:solidFill>
+                <a:schemeClr val="tx1"/>
+              </a:solidFill>
+              <a:prstDash val="solid"/>
+              <a:round/>
+              <a:headEnd type="none" w="sm" len="sm"/>
+              <a:tailEnd type="none" w="sm" len="sm"/>
+            </a:ln>
+          </p:spPr>
+          <p:txBody>
+            <a:bodyPr spcFirstLastPara="1" wrap="square" lIns="91425" tIns="91425" rIns="91425" bIns="91425" anchor="ctr" anchorCtr="0">
+              <a:noAutofit/>
+            </a:bodyPr>
+            <a:lstStyle/>
+            <a:p>
+              <a:pPr marL="0" lvl="0" indent="0" algn="l" rtl="0">
+                <a:spcBef>
+                  <a:spcPts val="0"/>
+                </a:spcBef>
+                <a:spcAft>
+                  <a:spcPts val="0"/>
+                </a:spcAft>
+                <a:buNone/>
+              </a:pPr>
+              <a:endParaRPr dirty="0">
+                <a:latin typeface="Microsoft GothicNeo Light" panose="020B0300000101010101" pitchFamily="50" charset="-127"/>
+                <a:ea typeface="Microsoft GothicNeo Light" panose="020B0300000101010101" pitchFamily="50" charset="-127"/>
+                <a:cs typeface="Microsoft GothicNeo Light" panose="020B0300000101010101" pitchFamily="50" charset="-127"/>
+              </a:endParaRPr>
+            </a:p>
+          </p:txBody>
+        </p:sp>
+        <p:sp>
+          <p:nvSpPr>
+            <p:cNvPr id="46" name="TextBox 45">
+              <a:extLst>
+                <a:ext uri="{FF2B5EF4-FFF2-40B4-BE49-F238E27FC236}">
+                  <a16:creationId xmlns:a16="http://schemas.microsoft.com/office/drawing/2014/main" id="{2B673135-31E1-9B77-0805-DFDC4F600269}"/>
+                </a:ext>
+              </a:extLst>
+            </p:cNvPr>
+            <p:cNvSpPr txBox="1"/>
+            <p:nvPr/>
+          </p:nvSpPr>
+          <p:spPr>
+            <a:xfrm>
+              <a:off x="755766" y="3371987"/>
+              <a:ext cx="712054" cy="307777"/>
+            </a:xfrm>
+            <a:prstGeom prst="rect">
+              <a:avLst/>
+            </a:prstGeom>
+            <a:noFill/>
+          </p:spPr>
+          <p:txBody>
+            <a:bodyPr wrap="none" rtlCol="0">
+              <a:spAutoFit/>
+            </a:bodyPr>
+            <a:lstStyle/>
+            <a:p>
+              <a:pPr algn="ctr"/>
+              <a:r>
+                <a:rPr lang="en-US" altLang="ko-KR" dirty="0">
+                  <a:latin typeface="Microsoft GothicNeo Light" panose="020B0300000101010101" pitchFamily="50" charset="-127"/>
+                  <a:ea typeface="Microsoft GothicNeo Light" panose="020B0300000101010101" pitchFamily="50" charset="-127"/>
+                  <a:cs typeface="Microsoft GothicNeo Light" panose="020B0300000101010101" pitchFamily="50" charset="-127"/>
+                </a:rPr>
+                <a:t>USER4</a:t>
+              </a:r>
+              <a:endParaRPr lang="ko-KR" altLang="en-US" dirty="0">
+                <a:latin typeface="Microsoft GothicNeo Light" panose="020B0300000101010101" pitchFamily="50" charset="-127"/>
+                <a:ea typeface="Microsoft GothicNeo Light" panose="020B0300000101010101" pitchFamily="50" charset="-127"/>
+                <a:cs typeface="Microsoft GothicNeo Light" panose="020B0300000101010101" pitchFamily="50" charset="-127"/>
+              </a:endParaRPr>
+            </a:p>
+          </p:txBody>
+        </p:sp>
+      </p:grpSp>
+      <p:sp>
+        <p:nvSpPr>
+          <p:cNvPr id="48" name="화살표: 아래쪽 47">
+            <a:extLst>
+              <a:ext uri="{FF2B5EF4-FFF2-40B4-BE49-F238E27FC236}">
+                <a16:creationId xmlns:a16="http://schemas.microsoft.com/office/drawing/2014/main" id="{4F4E534D-B3F1-5D53-240E-1D349CC562B8}"/>
+              </a:ext>
+            </a:extLst>
+          </p:cNvPr>
+          <p:cNvSpPr/>
+          <p:nvPr/>
+        </p:nvSpPr>
+        <p:spPr>
+          <a:xfrm>
+            <a:off x="1988416" y="2941909"/>
+            <a:ext cx="775074" cy="891096"/>
+          </a:xfrm>
+          <a:prstGeom prst="downArrow">
+            <a:avLst/>
+          </a:prstGeom>
+          <a:pattFill prst="wdUpDiag">
+            <a:fgClr>
+              <a:srgbClr val="FF0000"/>
+            </a:fgClr>
+            <a:bgClr>
+              <a:schemeClr val="bg2"/>
+            </a:bgClr>
+          </a:pattFill>
+          <a:ln>
+            <a:noFill/>
+          </a:ln>
+        </p:spPr>
+        <p:style>
+          <a:lnRef idx="2">
+            <a:schemeClr val="accent1">
+              <a:shade val="50000"/>
+            </a:schemeClr>
+          </a:lnRef>
+          <a:fillRef idx="1">
+            <a:schemeClr val="accent1"/>
+          </a:fillRef>
+          <a:effectRef idx="0">
+            <a:schemeClr val="accent1"/>
+          </a:effectRef>
+          <a:fontRef idx="minor">
+            <a:schemeClr val="lt1"/>
+          </a:fontRef>
+        </p:style>
+        <p:txBody>
+          <a:bodyPr rtlCol="0" anchor="ctr"/>
+          <a:lstStyle/>
+          <a:p>
+            <a:pPr algn="ctr"/>
+            <a:endParaRPr lang="ko-KR" altLang="en-US"/>
+          </a:p>
+        </p:txBody>
+      </p:sp>
+      <p:sp>
+        <p:nvSpPr>
+          <p:cNvPr id="49" name="원통형 48">
+            <a:extLst>
+              <a:ext uri="{FF2B5EF4-FFF2-40B4-BE49-F238E27FC236}">
+                <a16:creationId xmlns:a16="http://schemas.microsoft.com/office/drawing/2014/main" id="{CE984879-B346-2BF8-1AC3-7E841E70E652}"/>
+              </a:ext>
+            </a:extLst>
+          </p:cNvPr>
+          <p:cNvSpPr/>
+          <p:nvPr/>
+        </p:nvSpPr>
+        <p:spPr>
+          <a:xfrm>
+            <a:off x="2165905" y="2941909"/>
+            <a:ext cx="427130" cy="666237"/>
+          </a:xfrm>
+          <a:prstGeom prst="can">
+            <a:avLst/>
+          </a:prstGeom>
+        </p:spPr>
+        <p:style>
+          <a:lnRef idx="2">
+            <a:schemeClr val="dk1">
+              <a:shade val="50000"/>
+            </a:schemeClr>
+          </a:lnRef>
+          <a:fillRef idx="1">
+            <a:schemeClr val="dk1"/>
+          </a:fillRef>
+          <a:effectRef idx="0">
+            <a:schemeClr val="dk1"/>
+          </a:effectRef>
+          <a:fontRef idx="minor">
+            <a:schemeClr val="lt1"/>
+          </a:fontRef>
+        </p:style>
+        <p:txBody>
+          <a:bodyPr rtlCol="0" anchor="ctr"/>
+          <a:lstStyle/>
+          <a:p>
+            <a:pPr algn="ctr"/>
+            <a:endParaRPr lang="ko-KR" altLang="en-US"/>
+          </a:p>
+        </p:txBody>
+      </p:sp>
+      <p:grpSp>
+        <p:nvGrpSpPr>
+          <p:cNvPr id="31" name="그룹 30">
+            <a:extLst>
+              <a:ext uri="{FF2B5EF4-FFF2-40B4-BE49-F238E27FC236}">
+                <a16:creationId xmlns:a16="http://schemas.microsoft.com/office/drawing/2014/main" id="{600B5690-1F72-DA80-606A-C27078139C04}"/>
+              </a:ext>
+            </a:extLst>
+          </p:cNvPr>
+          <p:cNvGrpSpPr/>
+          <p:nvPr/>
+        </p:nvGrpSpPr>
+        <p:grpSpPr>
+          <a:xfrm>
+            <a:off x="2028742" y="3374143"/>
+            <a:ext cx="694421" cy="1108014"/>
+            <a:chOff x="764582" y="2571750"/>
+            <a:chExt cx="694421" cy="1108014"/>
+          </a:xfrm>
+        </p:grpSpPr>
+        <p:pic>
+          <p:nvPicPr>
+            <p:cNvPr id="32" name="그래픽 31" descr="사용자 단색으로 채워진">
+              <a:extLst>
+                <a:ext uri="{FF2B5EF4-FFF2-40B4-BE49-F238E27FC236}">
+                  <a16:creationId xmlns:a16="http://schemas.microsoft.com/office/drawing/2014/main" id="{BE494869-096B-0486-F76D-DD78A654CC07}"/>
+                </a:ext>
+              </a:extLst>
+            </p:cNvPr>
+            <p:cNvPicPr>
+              <a:picLocks noChangeAspect="1"/>
+            </p:cNvPicPr>
+            <p:nvPr/>
+          </p:nvPicPr>
+          <p:blipFill>
+            <a:blip r:embed="rId2">
+              <a:extLst>
+                <a:ext uri="{96DAC541-7B7A-43D3-8B79-37D633B846F1}">
+                  <asvg:svgBlip xmlns:asvg="http://schemas.microsoft.com/office/drawing/2016/SVG/main" r:embed="rId3"/>
+                </a:ext>
+              </a:extLst>
+            </a:blip>
+            <a:stretch>
+              <a:fillRect/>
+            </a:stretch>
+          </p:blipFill>
+          <p:spPr>
+            <a:xfrm>
+              <a:off x="780085" y="2841688"/>
+              <a:ext cx="663414" cy="663414"/>
+            </a:xfrm>
+            <a:prstGeom prst="rect">
+              <a:avLst/>
+            </a:prstGeom>
+          </p:spPr>
+        </p:pic>
+        <p:sp>
+          <p:nvSpPr>
+            <p:cNvPr id="33" name="Google Shape;80;p14">
+              <a:extLst>
+                <a:ext uri="{FF2B5EF4-FFF2-40B4-BE49-F238E27FC236}">
+                  <a16:creationId xmlns:a16="http://schemas.microsoft.com/office/drawing/2014/main" id="{8075569D-F645-D05A-93D0-422FCB9C056C}"/>
+                </a:ext>
+              </a:extLst>
+            </p:cNvPr>
+            <p:cNvSpPr/>
+            <p:nvPr/>
+          </p:nvSpPr>
+          <p:spPr>
+            <a:xfrm>
+              <a:off x="943566" y="2571750"/>
+              <a:ext cx="336452" cy="329495"/>
+            </a:xfrm>
+            <a:prstGeom prst="ellipse">
+              <a:avLst/>
+            </a:prstGeom>
+            <a:solidFill>
+              <a:schemeClr val="accent1"/>
+            </a:solidFill>
+            <a:ln w="9525" cap="flat" cmpd="sng">
+              <a:noFill/>
+              <a:prstDash val="solid"/>
+              <a:round/>
+              <a:headEnd type="none" w="sm" len="sm"/>
+              <a:tailEnd type="none" w="sm" len="sm"/>
+            </a:ln>
+          </p:spPr>
+          <p:txBody>
+            <a:bodyPr spcFirstLastPara="1" wrap="square" lIns="91425" tIns="91425" rIns="91425" bIns="91425" anchor="ctr" anchorCtr="0">
+              <a:noAutofit/>
+            </a:bodyPr>
+            <a:lstStyle/>
+            <a:p>
+              <a:pPr marL="0" lvl="0" indent="0" algn="l" rtl="0">
+                <a:spcBef>
+                  <a:spcPts val="0"/>
+                </a:spcBef>
+                <a:spcAft>
+                  <a:spcPts val="0"/>
+                </a:spcAft>
+                <a:buNone/>
+              </a:pPr>
+              <a:endParaRPr dirty="0">
+                <a:latin typeface="Microsoft GothicNeo Light" panose="020B0300000101010101" pitchFamily="50" charset="-127"/>
+                <a:ea typeface="Microsoft GothicNeo Light" panose="020B0300000101010101" pitchFamily="50" charset="-127"/>
+                <a:cs typeface="Microsoft GothicNeo Light" panose="020B0300000101010101" pitchFamily="50" charset="-127"/>
+              </a:endParaRPr>
+            </a:p>
+          </p:txBody>
+        </p:sp>
+        <p:sp>
+          <p:nvSpPr>
+            <p:cNvPr id="34" name="TextBox 33">
+              <a:extLst>
+                <a:ext uri="{FF2B5EF4-FFF2-40B4-BE49-F238E27FC236}">
+                  <a16:creationId xmlns:a16="http://schemas.microsoft.com/office/drawing/2014/main" id="{C2AB9A08-BE87-2277-4F96-167CBDC413AE}"/>
+                </a:ext>
+              </a:extLst>
+            </p:cNvPr>
+            <p:cNvSpPr txBox="1"/>
+            <p:nvPr/>
+          </p:nvSpPr>
+          <p:spPr>
+            <a:xfrm>
+              <a:off x="764582" y="3371987"/>
+              <a:ext cx="694421" cy="307777"/>
+            </a:xfrm>
+            <a:prstGeom prst="rect">
+              <a:avLst/>
+            </a:prstGeom>
+            <a:noFill/>
+          </p:spPr>
+          <p:txBody>
+            <a:bodyPr wrap="none" rtlCol="0">
+              <a:spAutoFit/>
+            </a:bodyPr>
+            <a:lstStyle/>
+            <a:p>
+              <a:pPr algn="ctr"/>
+              <a:r>
+                <a:rPr lang="en-US" altLang="ko-KR" dirty="0">
+                  <a:latin typeface="Microsoft GothicNeo Light" panose="020B0300000101010101" pitchFamily="50" charset="-127"/>
+                  <a:ea typeface="Microsoft GothicNeo Light" panose="020B0300000101010101" pitchFamily="50" charset="-127"/>
+                  <a:cs typeface="Microsoft GothicNeo Light" panose="020B0300000101010101" pitchFamily="50" charset="-127"/>
+                </a:rPr>
+                <a:t>USER1</a:t>
+              </a:r>
+              <a:endParaRPr lang="ko-KR" altLang="en-US" dirty="0">
+                <a:latin typeface="Microsoft GothicNeo Light" panose="020B0300000101010101" pitchFamily="50" charset="-127"/>
+                <a:ea typeface="Microsoft GothicNeo Light" panose="020B0300000101010101" pitchFamily="50" charset="-127"/>
+                <a:cs typeface="Microsoft GothicNeo Light" panose="020B0300000101010101" pitchFamily="50" charset="-127"/>
+              </a:endParaRPr>
+            </a:p>
+          </p:txBody>
+        </p:sp>
+      </p:grpSp>
+      <p:grpSp>
+        <p:nvGrpSpPr>
+          <p:cNvPr id="28" name="그룹 27">
+            <a:extLst>
+              <a:ext uri="{FF2B5EF4-FFF2-40B4-BE49-F238E27FC236}">
+                <a16:creationId xmlns:a16="http://schemas.microsoft.com/office/drawing/2014/main" id="{983AB69A-AB0B-9838-9FD2-4E0BA3004D6A}"/>
+              </a:ext>
+            </a:extLst>
+          </p:cNvPr>
+          <p:cNvGrpSpPr/>
+          <p:nvPr/>
+        </p:nvGrpSpPr>
+        <p:grpSpPr>
+          <a:xfrm>
+            <a:off x="2110421" y="2254600"/>
+            <a:ext cx="531062" cy="691867"/>
+            <a:chOff x="1865021" y="2124792"/>
+            <a:chExt cx="631904" cy="823243"/>
+          </a:xfrm>
+        </p:grpSpPr>
+        <p:sp>
+          <p:nvSpPr>
+            <p:cNvPr id="29" name="내용 개체 틀 38" descr="단색으로 채워진 악마 얼굴 단색으로 채워진">
+              <a:extLst>
+                <a:ext uri="{FF2B5EF4-FFF2-40B4-BE49-F238E27FC236}">
+                  <a16:creationId xmlns:a16="http://schemas.microsoft.com/office/drawing/2014/main" id="{3D9FB69C-E766-8E41-D655-66AC29B402F5}"/>
+                </a:ext>
+              </a:extLst>
+            </p:cNvPr>
+            <p:cNvSpPr/>
+            <p:nvPr/>
+          </p:nvSpPr>
+          <p:spPr>
+            <a:xfrm>
+              <a:off x="1925137" y="2124792"/>
+              <a:ext cx="511672" cy="550914"/>
+            </a:xfrm>
+            <a:custGeom>
+              <a:avLst/>
+              <a:gdLst>
+                <a:gd name="connsiteX0" fmla="*/ 566293 w 571014"/>
+                <a:gd name="connsiteY0" fmla="*/ 70447 h 614808"/>
+                <a:gd name="connsiteX1" fmla="*/ 537014 w 571014"/>
+                <a:gd name="connsiteY1" fmla="*/ 6033 h 614808"/>
+                <a:gd name="connsiteX2" fmla="*/ 516565 w 571014"/>
+                <a:gd name="connsiteY2" fmla="*/ 2799 h 614808"/>
+                <a:gd name="connsiteX3" fmla="*/ 510589 w 571014"/>
+                <a:gd name="connsiteY3" fmla="*/ 13353 h 614808"/>
+                <a:gd name="connsiteX4" fmla="*/ 432415 w 571014"/>
+                <a:gd name="connsiteY4" fmla="*/ 100604 h 614808"/>
+                <a:gd name="connsiteX5" fmla="*/ 138600 w 571014"/>
+                <a:gd name="connsiteY5" fmla="*/ 100604 h 614808"/>
+                <a:gd name="connsiteX6" fmla="*/ 60425 w 571014"/>
+                <a:gd name="connsiteY6" fmla="*/ 13719 h 614808"/>
+                <a:gd name="connsiteX7" fmla="*/ 44554 w 571014"/>
+                <a:gd name="connsiteY7" fmla="*/ 424 h 614808"/>
+                <a:gd name="connsiteX8" fmla="*/ 34001 w 571014"/>
+                <a:gd name="connsiteY8" fmla="*/ 6399 h 614808"/>
+                <a:gd name="connsiteX9" fmla="*/ 4722 w 571014"/>
+                <a:gd name="connsiteY9" fmla="*/ 70813 h 614808"/>
+                <a:gd name="connsiteX10" fmla="*/ 36636 w 571014"/>
+                <a:gd name="connsiteY10" fmla="*/ 212377 h 614808"/>
+                <a:gd name="connsiteX11" fmla="*/ 161287 w 571014"/>
+                <a:gd name="connsiteY11" fmla="*/ 585469 h 614808"/>
+                <a:gd name="connsiteX12" fmla="*/ 534379 w 571014"/>
+                <a:gd name="connsiteY12" fmla="*/ 460817 h 614808"/>
+                <a:gd name="connsiteX13" fmla="*/ 534379 w 571014"/>
+                <a:gd name="connsiteY13" fmla="*/ 212377 h 614808"/>
+                <a:gd name="connsiteX14" fmla="*/ 566293 w 571014"/>
+                <a:gd name="connsiteY14" fmla="*/ 70447 h 614808"/>
+                <a:gd name="connsiteX15" fmla="*/ 325839 w 571014"/>
+                <a:gd name="connsiteY15" fmla="*/ 217720 h 614808"/>
+                <a:gd name="connsiteX16" fmla="*/ 407820 w 571014"/>
+                <a:gd name="connsiteY16" fmla="*/ 180389 h 614808"/>
+                <a:gd name="connsiteX17" fmla="*/ 436367 w 571014"/>
+                <a:gd name="connsiteY17" fmla="*/ 184049 h 614808"/>
+                <a:gd name="connsiteX18" fmla="*/ 446138 w 571014"/>
+                <a:gd name="connsiteY18" fmla="*/ 200760 h 614808"/>
+                <a:gd name="connsiteX19" fmla="*/ 445883 w 571014"/>
+                <a:gd name="connsiteY19" fmla="*/ 201617 h 614808"/>
+                <a:gd name="connsiteX20" fmla="*/ 427953 w 571014"/>
+                <a:gd name="connsiteY20" fmla="*/ 211969 h 614808"/>
+                <a:gd name="connsiteX21" fmla="*/ 427584 w 571014"/>
+                <a:gd name="connsiteY21" fmla="*/ 211864 h 614808"/>
+                <a:gd name="connsiteX22" fmla="*/ 347798 w 571014"/>
+                <a:gd name="connsiteY22" fmla="*/ 236751 h 614808"/>
+                <a:gd name="connsiteX23" fmla="*/ 327484 w 571014"/>
+                <a:gd name="connsiteY23" fmla="*/ 240744 h 614808"/>
+                <a:gd name="connsiteX24" fmla="*/ 323490 w 571014"/>
+                <a:gd name="connsiteY24" fmla="*/ 220430 h 614808"/>
+                <a:gd name="connsiteX25" fmla="*/ 325839 w 571014"/>
+                <a:gd name="connsiteY25" fmla="*/ 217720 h 614808"/>
+                <a:gd name="connsiteX26" fmla="*/ 245322 w 571014"/>
+                <a:gd name="connsiteY26" fmla="*/ 217720 h 614808"/>
+                <a:gd name="connsiteX27" fmla="*/ 246387 w 571014"/>
+                <a:gd name="connsiteY27" fmla="*/ 238396 h 614808"/>
+                <a:gd name="connsiteX28" fmla="*/ 225711 w 571014"/>
+                <a:gd name="connsiteY28" fmla="*/ 239461 h 614808"/>
+                <a:gd name="connsiteX29" fmla="*/ 223362 w 571014"/>
+                <a:gd name="connsiteY29" fmla="*/ 236751 h 614808"/>
+                <a:gd name="connsiteX30" fmla="*/ 143577 w 571014"/>
+                <a:gd name="connsiteY30" fmla="*/ 211864 h 614808"/>
+                <a:gd name="connsiteX31" fmla="*/ 125383 w 571014"/>
+                <a:gd name="connsiteY31" fmla="*/ 201986 h 614808"/>
+                <a:gd name="connsiteX32" fmla="*/ 125278 w 571014"/>
+                <a:gd name="connsiteY32" fmla="*/ 201617 h 614808"/>
+                <a:gd name="connsiteX33" fmla="*/ 133937 w 571014"/>
+                <a:gd name="connsiteY33" fmla="*/ 184304 h 614808"/>
+                <a:gd name="connsiteX34" fmla="*/ 134794 w 571014"/>
+                <a:gd name="connsiteY34" fmla="*/ 184049 h 614808"/>
+                <a:gd name="connsiteX35" fmla="*/ 163341 w 571014"/>
+                <a:gd name="connsiteY35" fmla="*/ 180389 h 614808"/>
+                <a:gd name="connsiteX36" fmla="*/ 245395 w 571014"/>
+                <a:gd name="connsiteY36" fmla="*/ 217720 h 614808"/>
+                <a:gd name="connsiteX37" fmla="*/ 124473 w 571014"/>
+                <a:gd name="connsiteY37" fmla="*/ 292894 h 614808"/>
+                <a:gd name="connsiteX38" fmla="*/ 168391 w 571014"/>
+                <a:gd name="connsiteY38" fmla="*/ 248975 h 614808"/>
+                <a:gd name="connsiteX39" fmla="*/ 212310 w 571014"/>
+                <a:gd name="connsiteY39" fmla="*/ 292894 h 614808"/>
+                <a:gd name="connsiteX40" fmla="*/ 168391 w 571014"/>
+                <a:gd name="connsiteY40" fmla="*/ 336812 h 614808"/>
+                <a:gd name="connsiteX41" fmla="*/ 124473 w 571014"/>
+                <a:gd name="connsiteY41" fmla="*/ 292894 h 614808"/>
+                <a:gd name="connsiteX42" fmla="*/ 430658 w 571014"/>
+                <a:gd name="connsiteY42" fmla="*/ 455539 h 614808"/>
+                <a:gd name="connsiteX43" fmla="*/ 174071 w 571014"/>
+                <a:gd name="connsiteY43" fmla="*/ 489253 h 614808"/>
+                <a:gd name="connsiteX44" fmla="*/ 140357 w 571014"/>
+                <a:gd name="connsiteY44" fmla="*/ 455539 h 614808"/>
+                <a:gd name="connsiteX45" fmla="*/ 143028 w 571014"/>
+                <a:gd name="connsiteY45" fmla="*/ 435007 h 614808"/>
+                <a:gd name="connsiteX46" fmla="*/ 163560 w 571014"/>
+                <a:gd name="connsiteY46" fmla="*/ 437678 h 614808"/>
+                <a:gd name="connsiteX47" fmla="*/ 379087 w 571014"/>
+                <a:gd name="connsiteY47" fmla="*/ 466046 h 614808"/>
+                <a:gd name="connsiteX48" fmla="*/ 407454 w 571014"/>
+                <a:gd name="connsiteY48" fmla="*/ 437678 h 614808"/>
+                <a:gd name="connsiteX49" fmla="*/ 427986 w 571014"/>
+                <a:gd name="connsiteY49" fmla="*/ 435007 h 614808"/>
+                <a:gd name="connsiteX50" fmla="*/ 430658 w 571014"/>
+                <a:gd name="connsiteY50" fmla="*/ 455539 h 614808"/>
+                <a:gd name="connsiteX51" fmla="*/ 402623 w 571014"/>
+                <a:gd name="connsiteY51" fmla="*/ 336812 h 614808"/>
+                <a:gd name="connsiteX52" fmla="*/ 358705 w 571014"/>
+                <a:gd name="connsiteY52" fmla="*/ 292894 h 614808"/>
+                <a:gd name="connsiteX53" fmla="*/ 402623 w 571014"/>
+                <a:gd name="connsiteY53" fmla="*/ 248975 h 614808"/>
+                <a:gd name="connsiteX54" fmla="*/ 446542 w 571014"/>
+                <a:gd name="connsiteY54" fmla="*/ 292894 h 614808"/>
+                <a:gd name="connsiteX55" fmla="*/ 402623 w 571014"/>
+                <a:gd name="connsiteY55" fmla="*/ 336812 h 614808"/>
+              </a:gdLst>
+              <a:ahLst/>
+              <a:cxnLst>
+                <a:cxn ang="0">
+                  <a:pos x="connsiteX0" y="connsiteY0"/>
+                </a:cxn>
+                <a:cxn ang="0">
+                  <a:pos x="connsiteX1" y="connsiteY1"/>
+                </a:cxn>
+                <a:cxn ang="0">
+                  <a:pos x="connsiteX2" y="connsiteY2"/>
+                </a:cxn>
+                <a:cxn ang="0">
+                  <a:pos x="connsiteX3" y="connsiteY3"/>
+                </a:cxn>
+                <a:cxn ang="0">
+                  <a:pos x="connsiteX4" y="connsiteY4"/>
+                </a:cxn>
+                <a:cxn ang="0">
+                  <a:pos x="connsiteX5" y="connsiteY5"/>
+                </a:cxn>
+                <a:cxn ang="0">
+                  <a:pos x="connsiteX6" y="connsiteY6"/>
+                </a:cxn>
+                <a:cxn ang="0">
+                  <a:pos x="connsiteX7" y="connsiteY7"/>
+                </a:cxn>
+                <a:cxn ang="0">
+                  <a:pos x="connsiteX8" y="connsiteY8"/>
+                </a:cxn>
+                <a:cxn ang="0">
+                  <a:pos x="connsiteX9" y="connsiteY9"/>
+                </a:cxn>
+                <a:cxn ang="0">
+                  <a:pos x="connsiteX10" y="connsiteY10"/>
+                </a:cxn>
+                <a:cxn ang="0">
+                  <a:pos x="connsiteX11" y="connsiteY11"/>
+                </a:cxn>
+                <a:cxn ang="0">
+                  <a:pos x="connsiteX12" y="connsiteY12"/>
+                </a:cxn>
+                <a:cxn ang="0">
+                  <a:pos x="connsiteX13" y="connsiteY13"/>
+                </a:cxn>
+                <a:cxn ang="0">
+                  <a:pos x="connsiteX14" y="connsiteY14"/>
+                </a:cxn>
+                <a:cxn ang="0">
+                  <a:pos x="connsiteX15" y="connsiteY15"/>
+                </a:cxn>
+                <a:cxn ang="0">
+                  <a:pos x="connsiteX16" y="connsiteY16"/>
+                </a:cxn>
+                <a:cxn ang="0">
+                  <a:pos x="connsiteX17" y="connsiteY17"/>
+                </a:cxn>
+                <a:cxn ang="0">
+                  <a:pos x="connsiteX18" y="connsiteY18"/>
+                </a:cxn>
+                <a:cxn ang="0">
+                  <a:pos x="connsiteX19" y="connsiteY19"/>
+                </a:cxn>
+                <a:cxn ang="0">
+                  <a:pos x="connsiteX20" y="connsiteY20"/>
+                </a:cxn>
+                <a:cxn ang="0">
+                  <a:pos x="connsiteX21" y="connsiteY21"/>
+                </a:cxn>
+                <a:cxn ang="0">
+                  <a:pos x="connsiteX22" y="connsiteY22"/>
+                </a:cxn>
+                <a:cxn ang="0">
+                  <a:pos x="connsiteX23" y="connsiteY23"/>
+                </a:cxn>
+                <a:cxn ang="0">
+                  <a:pos x="connsiteX24" y="connsiteY24"/>
+                </a:cxn>
+                <a:cxn ang="0">
+                  <a:pos x="connsiteX25" y="connsiteY25"/>
+                </a:cxn>
+                <a:cxn ang="0">
+                  <a:pos x="connsiteX26" y="connsiteY26"/>
+                </a:cxn>
+                <a:cxn ang="0">
+                  <a:pos x="connsiteX27" y="connsiteY27"/>
+                </a:cxn>
+                <a:cxn ang="0">
+                  <a:pos x="connsiteX28" y="connsiteY28"/>
+                </a:cxn>
+                <a:cxn ang="0">
+                  <a:pos x="connsiteX29" y="connsiteY29"/>
+                </a:cxn>
+                <a:cxn ang="0">
+                  <a:pos x="connsiteX30" y="connsiteY30"/>
+                </a:cxn>
+                <a:cxn ang="0">
+                  <a:pos x="connsiteX31" y="connsiteY31"/>
+                </a:cxn>
+                <a:cxn ang="0">
+                  <a:pos x="connsiteX32" y="connsiteY32"/>
+                </a:cxn>
+                <a:cxn ang="0">
+                  <a:pos x="connsiteX33" y="connsiteY33"/>
+                </a:cxn>
+                <a:cxn ang="0">
+                  <a:pos x="connsiteX34" y="connsiteY34"/>
+                </a:cxn>
+                <a:cxn ang="0">
+                  <a:pos x="connsiteX35" y="connsiteY35"/>
+                </a:cxn>
+                <a:cxn ang="0">
+                  <a:pos x="connsiteX36" y="connsiteY36"/>
+                </a:cxn>
+                <a:cxn ang="0">
+                  <a:pos x="connsiteX37" y="connsiteY37"/>
+                </a:cxn>
+                <a:cxn ang="0">
+                  <a:pos x="connsiteX38" y="connsiteY38"/>
+                </a:cxn>
+                <a:cxn ang="0">
+                  <a:pos x="connsiteX39" y="connsiteY39"/>
+                </a:cxn>
+                <a:cxn ang="0">
+                  <a:pos x="connsiteX40" y="connsiteY40"/>
+                </a:cxn>
+                <a:cxn ang="0">
+                  <a:pos x="connsiteX41" y="connsiteY41"/>
+                </a:cxn>
+                <a:cxn ang="0">
+                  <a:pos x="connsiteX42" y="connsiteY42"/>
+                </a:cxn>
+                <a:cxn ang="0">
+                  <a:pos x="connsiteX43" y="connsiteY43"/>
+                </a:cxn>
+                <a:cxn ang="0">
+                  <a:pos x="connsiteX44" y="connsiteY44"/>
+                </a:cxn>
+                <a:cxn ang="0">
+                  <a:pos x="connsiteX45" y="connsiteY45"/>
+                </a:cxn>
+                <a:cxn ang="0">
+                  <a:pos x="connsiteX46" y="connsiteY46"/>
+                </a:cxn>
+                <a:cxn ang="0">
+                  <a:pos x="connsiteX47" y="connsiteY47"/>
+                </a:cxn>
+                <a:cxn ang="0">
+                  <a:pos x="connsiteX48" y="connsiteY48"/>
+                </a:cxn>
+                <a:cxn ang="0">
+                  <a:pos x="connsiteX49" y="connsiteY49"/>
+                </a:cxn>
+                <a:cxn ang="0">
+                  <a:pos x="connsiteX50" y="connsiteY50"/>
+                </a:cxn>
+                <a:cxn ang="0">
+                  <a:pos x="connsiteX51" y="connsiteY51"/>
+                </a:cxn>
+                <a:cxn ang="0">
+                  <a:pos x="connsiteX52" y="connsiteY52"/>
+                </a:cxn>
+                <a:cxn ang="0">
+                  <a:pos x="connsiteX53" y="connsiteY53"/>
+                </a:cxn>
+                <a:cxn ang="0">
+                  <a:pos x="connsiteX54" y="connsiteY54"/>
+                </a:cxn>
+                <a:cxn ang="0">
+                  <a:pos x="connsiteX55" y="connsiteY55"/>
+                </a:cxn>
+              </a:cxnLst>
+              <a:rect l="l" t="t" r="r" b="b"/>
+              <a:pathLst>
+                <a:path w="571014" h="614808">
+                  <a:moveTo>
+                    <a:pt x="566293" y="70447"/>
+                  </a:moveTo>
+                  <a:cubicBezTo>
+                    <a:pt x="560974" y="47222"/>
+                    <a:pt x="551015" y="25312"/>
+                    <a:pt x="537014" y="6033"/>
+                  </a:cubicBezTo>
+                  <a:cubicBezTo>
+                    <a:pt x="532260" y="-507"/>
+                    <a:pt x="523105" y="-1955"/>
+                    <a:pt x="516565" y="2799"/>
+                  </a:cubicBezTo>
+                  <a:cubicBezTo>
+                    <a:pt x="513141" y="5288"/>
+                    <a:pt x="510962" y="9136"/>
+                    <a:pt x="510589" y="13353"/>
+                  </a:cubicBezTo>
+                  <a:cubicBezTo>
+                    <a:pt x="507644" y="56931"/>
+                    <a:pt x="475409" y="92909"/>
+                    <a:pt x="432415" y="100604"/>
+                  </a:cubicBezTo>
+                  <a:cubicBezTo>
+                    <a:pt x="342466" y="44657"/>
+                    <a:pt x="228549" y="44657"/>
+                    <a:pt x="138600" y="100604"/>
+                  </a:cubicBezTo>
+                  <a:cubicBezTo>
+                    <a:pt x="95729" y="92943"/>
+                    <a:pt x="63531" y="57157"/>
+                    <a:pt x="60425" y="13719"/>
+                  </a:cubicBezTo>
+                  <a:cubicBezTo>
+                    <a:pt x="59713" y="5665"/>
+                    <a:pt x="52608" y="-288"/>
+                    <a:pt x="44554" y="424"/>
+                  </a:cubicBezTo>
+                  <a:cubicBezTo>
+                    <a:pt x="40338" y="796"/>
+                    <a:pt x="36489" y="2975"/>
+                    <a:pt x="34001" y="6399"/>
+                  </a:cubicBezTo>
+                  <a:cubicBezTo>
+                    <a:pt x="19999" y="25678"/>
+                    <a:pt x="10041" y="47588"/>
+                    <a:pt x="4722" y="70813"/>
+                  </a:cubicBezTo>
+                  <a:cubicBezTo>
+                    <a:pt x="-7795" y="124540"/>
+                    <a:pt x="5161" y="177901"/>
+                    <a:pt x="36636" y="212377"/>
+                  </a:cubicBezTo>
+                  <a:cubicBezTo>
+                    <a:pt x="-31969" y="349825"/>
+                    <a:pt x="23839" y="516864"/>
+                    <a:pt x="161287" y="585469"/>
+                  </a:cubicBezTo>
+                  <a:cubicBezTo>
+                    <a:pt x="298735" y="654073"/>
+                    <a:pt x="465774" y="598265"/>
+                    <a:pt x="534379" y="460817"/>
+                  </a:cubicBezTo>
+                  <a:cubicBezTo>
+                    <a:pt x="573417" y="382605"/>
+                    <a:pt x="573417" y="290590"/>
+                    <a:pt x="534379" y="212377"/>
+                  </a:cubicBezTo>
+                  <a:cubicBezTo>
+                    <a:pt x="565854" y="177901"/>
+                    <a:pt x="578810" y="124540"/>
+                    <a:pt x="566293" y="70447"/>
+                  </a:cubicBezTo>
+                  <a:close/>
+                  <a:moveTo>
+                    <a:pt x="325839" y="217720"/>
+                  </a:moveTo>
+                  <a:cubicBezTo>
+                    <a:pt x="346218" y="193655"/>
+                    <a:pt x="376289" y="179962"/>
+                    <a:pt x="407820" y="180389"/>
+                  </a:cubicBezTo>
+                  <a:cubicBezTo>
+                    <a:pt x="417469" y="180108"/>
+                    <a:pt x="427102" y="181343"/>
+                    <a:pt x="436367" y="184049"/>
+                  </a:cubicBezTo>
+                  <a:cubicBezTo>
+                    <a:pt x="443680" y="185965"/>
+                    <a:pt x="448054" y="193448"/>
+                    <a:pt x="446138" y="200760"/>
+                  </a:cubicBezTo>
+                  <a:cubicBezTo>
+                    <a:pt x="446062" y="201049"/>
+                    <a:pt x="445977" y="201334"/>
+                    <a:pt x="445883" y="201617"/>
+                  </a:cubicBezTo>
+                  <a:cubicBezTo>
+                    <a:pt x="443790" y="209426"/>
+                    <a:pt x="435763" y="214061"/>
+                    <a:pt x="427953" y="211969"/>
+                  </a:cubicBezTo>
+                  <a:cubicBezTo>
+                    <a:pt x="427829" y="211935"/>
+                    <a:pt x="427707" y="211901"/>
+                    <a:pt x="427584" y="211864"/>
+                  </a:cubicBezTo>
+                  <a:cubicBezTo>
+                    <a:pt x="398417" y="204219"/>
+                    <a:pt x="367446" y="213881"/>
+                    <a:pt x="347798" y="236751"/>
+                  </a:cubicBezTo>
+                  <a:cubicBezTo>
+                    <a:pt x="343291" y="243464"/>
+                    <a:pt x="334196" y="245252"/>
+                    <a:pt x="327484" y="240744"/>
+                  </a:cubicBezTo>
+                  <a:cubicBezTo>
+                    <a:pt x="320771" y="236238"/>
+                    <a:pt x="318983" y="227142"/>
+                    <a:pt x="323490" y="220430"/>
+                  </a:cubicBezTo>
+                  <a:cubicBezTo>
+                    <a:pt x="324159" y="219434"/>
+                    <a:pt x="324948" y="218524"/>
+                    <a:pt x="325839" y="217720"/>
+                  </a:cubicBezTo>
+                  <a:close/>
+                  <a:moveTo>
+                    <a:pt x="245322" y="217720"/>
+                  </a:moveTo>
+                  <a:cubicBezTo>
+                    <a:pt x="251325" y="223135"/>
+                    <a:pt x="251803" y="232392"/>
+                    <a:pt x="246387" y="238396"/>
+                  </a:cubicBezTo>
+                  <a:cubicBezTo>
+                    <a:pt x="240972" y="244400"/>
+                    <a:pt x="231715" y="244876"/>
+                    <a:pt x="225711" y="239461"/>
+                  </a:cubicBezTo>
+                  <a:cubicBezTo>
+                    <a:pt x="224820" y="238657"/>
+                    <a:pt x="224032" y="237748"/>
+                    <a:pt x="223362" y="236751"/>
+                  </a:cubicBezTo>
+                  <a:cubicBezTo>
+                    <a:pt x="203715" y="213881"/>
+                    <a:pt x="172744" y="204219"/>
+                    <a:pt x="143577" y="211864"/>
+                  </a:cubicBezTo>
+                  <a:cubicBezTo>
+                    <a:pt x="135825" y="214161"/>
+                    <a:pt x="127679" y="209739"/>
+                    <a:pt x="125383" y="201986"/>
+                  </a:cubicBezTo>
+                  <a:cubicBezTo>
+                    <a:pt x="125346" y="201864"/>
+                    <a:pt x="125311" y="201740"/>
+                    <a:pt x="125278" y="201617"/>
+                  </a:cubicBezTo>
+                  <a:cubicBezTo>
+                    <a:pt x="122888" y="194445"/>
+                    <a:pt x="126765" y="186693"/>
+                    <a:pt x="133937" y="184304"/>
+                  </a:cubicBezTo>
+                  <a:cubicBezTo>
+                    <a:pt x="134220" y="184209"/>
+                    <a:pt x="134505" y="184125"/>
+                    <a:pt x="134794" y="184049"/>
+                  </a:cubicBezTo>
+                  <a:cubicBezTo>
+                    <a:pt x="144059" y="181343"/>
+                    <a:pt x="153692" y="180108"/>
+                    <a:pt x="163341" y="180389"/>
+                  </a:cubicBezTo>
+                  <a:cubicBezTo>
+                    <a:pt x="194897" y="179940"/>
+                    <a:pt x="225000" y="193635"/>
+                    <a:pt x="245395" y="217720"/>
+                  </a:cubicBezTo>
+                  <a:close/>
+                  <a:moveTo>
+                    <a:pt x="124473" y="292894"/>
+                  </a:moveTo>
+                  <a:cubicBezTo>
+                    <a:pt x="124473" y="268638"/>
+                    <a:pt x="144136" y="248975"/>
+                    <a:pt x="168391" y="248975"/>
+                  </a:cubicBezTo>
+                  <a:cubicBezTo>
+                    <a:pt x="192647" y="248975"/>
+                    <a:pt x="212310" y="268638"/>
+                    <a:pt x="212310" y="292894"/>
+                  </a:cubicBezTo>
+                  <a:cubicBezTo>
+                    <a:pt x="212310" y="317149"/>
+                    <a:pt x="192647" y="336812"/>
+                    <a:pt x="168391" y="336812"/>
+                  </a:cubicBezTo>
+                  <a:cubicBezTo>
+                    <a:pt x="144136" y="336812"/>
+                    <a:pt x="124473" y="317149"/>
+                    <a:pt x="124473" y="292894"/>
+                  </a:cubicBezTo>
+                  <a:close/>
+                  <a:moveTo>
+                    <a:pt x="430658" y="455539"/>
+                  </a:moveTo>
+                  <a:cubicBezTo>
+                    <a:pt x="369113" y="535703"/>
+                    <a:pt x="254236" y="550798"/>
+                    <a:pt x="174071" y="489253"/>
+                  </a:cubicBezTo>
+                  <a:cubicBezTo>
+                    <a:pt x="161410" y="479534"/>
+                    <a:pt x="150076" y="468199"/>
+                    <a:pt x="140357" y="455539"/>
+                  </a:cubicBezTo>
+                  <a:cubicBezTo>
+                    <a:pt x="135424" y="449131"/>
+                    <a:pt x="136621" y="439939"/>
+                    <a:pt x="143028" y="435007"/>
+                  </a:cubicBezTo>
+                  <a:cubicBezTo>
+                    <a:pt x="149436" y="430075"/>
+                    <a:pt x="158628" y="431271"/>
+                    <a:pt x="163560" y="437678"/>
+                  </a:cubicBezTo>
+                  <a:cubicBezTo>
+                    <a:pt x="215243" y="505028"/>
+                    <a:pt x="311738" y="517729"/>
+                    <a:pt x="379087" y="466046"/>
+                  </a:cubicBezTo>
+                  <a:cubicBezTo>
+                    <a:pt x="389741" y="457870"/>
+                    <a:pt x="399278" y="448333"/>
+                    <a:pt x="407454" y="437678"/>
+                  </a:cubicBezTo>
+                  <a:cubicBezTo>
+                    <a:pt x="412386" y="431271"/>
+                    <a:pt x="421578" y="430075"/>
+                    <a:pt x="427986" y="435007"/>
+                  </a:cubicBezTo>
+                  <a:cubicBezTo>
+                    <a:pt x="434394" y="439939"/>
+                    <a:pt x="435590" y="449131"/>
+                    <a:pt x="430658" y="455539"/>
+                  </a:cubicBezTo>
+                  <a:close/>
+                  <a:moveTo>
+                    <a:pt x="402623" y="336812"/>
+                  </a:moveTo>
+                  <a:cubicBezTo>
+                    <a:pt x="378368" y="336812"/>
+                    <a:pt x="358705" y="317149"/>
+                    <a:pt x="358705" y="292894"/>
+                  </a:cubicBezTo>
+                  <a:cubicBezTo>
+                    <a:pt x="358705" y="268638"/>
+                    <a:pt x="378368" y="248975"/>
+                    <a:pt x="402623" y="248975"/>
+                  </a:cubicBezTo>
+                  <a:cubicBezTo>
+                    <a:pt x="426879" y="248975"/>
+                    <a:pt x="446542" y="268638"/>
+                    <a:pt x="446542" y="292894"/>
+                  </a:cubicBezTo>
+                  <a:cubicBezTo>
+                    <a:pt x="446542" y="317149"/>
+                    <a:pt x="426879" y="336812"/>
+                    <a:pt x="402623" y="336812"/>
+                  </a:cubicBezTo>
+                  <a:close/>
+                </a:path>
+              </a:pathLst>
+            </a:custGeom>
+            <a:solidFill>
+              <a:schemeClr val="tx1"/>
+            </a:solidFill>
+            <a:ln w="7243" cap="flat">
+              <a:noFill/>
+              <a:prstDash val="solid"/>
+              <a:miter/>
+            </a:ln>
+          </p:spPr>
+          <p:txBody>
+            <a:bodyPr rtlCol="0" anchor="ctr"/>
+            <a:lstStyle/>
+            <a:p>
+              <a:endParaRPr lang="ko-KR" altLang="en-US"/>
+            </a:p>
+          </p:txBody>
+        </p:sp>
+        <p:sp>
+          <p:nvSpPr>
+            <p:cNvPr id="30" name="TextBox 29">
+              <a:extLst>
+                <a:ext uri="{FF2B5EF4-FFF2-40B4-BE49-F238E27FC236}">
+                  <a16:creationId xmlns:a16="http://schemas.microsoft.com/office/drawing/2014/main" id="{E8BD710F-8D91-5DB7-E310-C176E81FE496}"/>
+                </a:ext>
+              </a:extLst>
+            </p:cNvPr>
+            <p:cNvSpPr txBox="1"/>
+            <p:nvPr/>
+          </p:nvSpPr>
+          <p:spPr>
+            <a:xfrm>
+              <a:off x="1865021" y="2640258"/>
+              <a:ext cx="631904" cy="307777"/>
+            </a:xfrm>
+            <a:prstGeom prst="rect">
+              <a:avLst/>
+            </a:prstGeom>
+            <a:noFill/>
+          </p:spPr>
+          <p:txBody>
+            <a:bodyPr wrap="none" rtlCol="0">
+              <a:spAutoFit/>
+            </a:bodyPr>
+            <a:lstStyle/>
+            <a:p>
+              <a:pPr algn="ctr"/>
+              <a:r>
+                <a:rPr lang="en-US" altLang="ko-KR" dirty="0">
+                  <a:latin typeface="Microsoft GothicNeo Light" panose="020B0300000101010101" pitchFamily="50" charset="-127"/>
+                  <a:ea typeface="Microsoft GothicNeo Light" panose="020B0300000101010101" pitchFamily="50" charset="-127"/>
+                  <a:cs typeface="Microsoft GothicNeo Light" panose="020B0300000101010101" pitchFamily="50" charset="-127"/>
+                </a:rPr>
+                <a:t>BOSS</a:t>
+              </a:r>
+              <a:endParaRPr lang="ko-KR" altLang="en-US" dirty="0">
+                <a:latin typeface="Microsoft GothicNeo Light" panose="020B0300000101010101" pitchFamily="50" charset="-127"/>
+                <a:ea typeface="Microsoft GothicNeo Light" panose="020B0300000101010101" pitchFamily="50" charset="-127"/>
+                <a:cs typeface="Microsoft GothicNeo Light" panose="020B0300000101010101" pitchFamily="50" charset="-127"/>
+              </a:endParaRPr>
+            </a:p>
+          </p:txBody>
+        </p:sp>
+      </p:grpSp>
+      <p:sp>
+        <p:nvSpPr>
+          <p:cNvPr id="52" name="폭발: 8pt 51">
+            <a:extLst>
+              <a:ext uri="{FF2B5EF4-FFF2-40B4-BE49-F238E27FC236}">
+                <a16:creationId xmlns:a16="http://schemas.microsoft.com/office/drawing/2014/main" id="{DC6B4177-2D8A-FFCF-0884-5C35817054D3}"/>
+              </a:ext>
+            </a:extLst>
+          </p:cNvPr>
+          <p:cNvSpPr/>
+          <p:nvPr/>
+        </p:nvSpPr>
+        <p:spPr>
+          <a:xfrm>
+            <a:off x="1943915" y="2713374"/>
+            <a:ext cx="962074" cy="773968"/>
+          </a:xfrm>
+          <a:prstGeom prst="irregularSeal1">
+            <a:avLst/>
+          </a:prstGeom>
+        </p:spPr>
+        <p:style>
+          <a:lnRef idx="2">
+            <a:schemeClr val="accent4">
+              <a:shade val="50000"/>
+            </a:schemeClr>
+          </a:lnRef>
+          <a:fillRef idx="1">
+            <a:schemeClr val="accent4"/>
+          </a:fillRef>
+          <a:effectRef idx="0">
+            <a:schemeClr val="accent4"/>
+          </a:effectRef>
+          <a:fontRef idx="minor">
+            <a:schemeClr val="lt1"/>
+          </a:fontRef>
+        </p:style>
+        <p:txBody>
+          <a:bodyPr rtlCol="0" anchor="ctr"/>
+          <a:lstStyle/>
+          <a:p>
+            <a:pPr algn="ctr"/>
+            <a:r>
+              <a:rPr lang="en-US" altLang="ko-KR" sz="900" b="1" dirty="0">
+                <a:latin typeface="Microsoft GothicNeo" panose="020B0500000101010101" pitchFamily="50" charset="-127"/>
+                <a:ea typeface="Microsoft GothicNeo" panose="020B0500000101010101" pitchFamily="50" charset="-127"/>
+                <a:cs typeface="Microsoft GothicNeo" panose="020B0500000101010101" pitchFamily="50" charset="-127"/>
+              </a:rPr>
+              <a:t>BOOM!</a:t>
+            </a:r>
+            <a:endParaRPr lang="ko-KR" altLang="en-US" sz="900" b="1" dirty="0">
+              <a:latin typeface="Microsoft GothicNeo" panose="020B0500000101010101" pitchFamily="50" charset="-127"/>
+              <a:ea typeface="Microsoft GothicNeo" panose="020B0500000101010101" pitchFamily="50" charset="-127"/>
+              <a:cs typeface="Microsoft GothicNeo" panose="020B0500000101010101" pitchFamily="50" charset="-127"/>
+            </a:endParaRPr>
+          </a:p>
+        </p:txBody>
+      </p:sp>
+      <p:cxnSp>
+        <p:nvCxnSpPr>
+          <p:cNvPr id="54" name="직선 화살표 연결선 53">
+            <a:extLst>
+              <a:ext uri="{FF2B5EF4-FFF2-40B4-BE49-F238E27FC236}">
+                <a16:creationId xmlns:a16="http://schemas.microsoft.com/office/drawing/2014/main" id="{132284E4-66CD-680F-D4A3-01C5B5804859}"/>
+              </a:ext>
+            </a:extLst>
+          </p:cNvPr>
+          <p:cNvCxnSpPr/>
+          <p:nvPr/>
+        </p:nvCxnSpPr>
+        <p:spPr>
+          <a:xfrm flipH="1">
+            <a:off x="2424952" y="2041095"/>
+            <a:ext cx="97727" cy="228535"/>
+          </a:xfrm>
+          <a:prstGeom prst="straightConnector1">
+            <a:avLst/>
+          </a:prstGeom>
+          <a:ln w="57150">
+            <a:solidFill>
+              <a:schemeClr val="tx1"/>
+            </a:solidFill>
+            <a:tailEnd type="triangle"/>
+          </a:ln>
+        </p:spPr>
+        <p:style>
+          <a:lnRef idx="1">
+            <a:schemeClr val="accent1"/>
+          </a:lnRef>
+          <a:fillRef idx="0">
+            <a:schemeClr val="accent1"/>
+          </a:fillRef>
+          <a:effectRef idx="0">
+            <a:schemeClr val="accent1"/>
+          </a:effectRef>
+          <a:fontRef idx="minor">
+            <a:schemeClr val="tx1"/>
+          </a:fontRef>
+        </p:style>
+      </p:cxnSp>
+      <p:sp>
+        <p:nvSpPr>
+          <p:cNvPr id="55" name="사각형: 둥근 모서리 54">
+            <a:extLst>
+              <a:ext uri="{FF2B5EF4-FFF2-40B4-BE49-F238E27FC236}">
+                <a16:creationId xmlns:a16="http://schemas.microsoft.com/office/drawing/2014/main" id="{0A71EC04-0BF7-ABFF-2238-9F9CF8901313}"/>
+              </a:ext>
+            </a:extLst>
+          </p:cNvPr>
+          <p:cNvSpPr/>
+          <p:nvPr/>
+        </p:nvSpPr>
+        <p:spPr>
+          <a:xfrm>
+            <a:off x="5241051" y="209771"/>
+            <a:ext cx="4193005" cy="5781174"/>
+          </a:xfrm>
+          <a:prstGeom prst="roundRect">
+            <a:avLst/>
+          </a:prstGeom>
+          <a:solidFill>
+            <a:schemeClr val="bg1"/>
+          </a:solidFill>
+          <a:ln>
+            <a:solidFill>
+              <a:schemeClr val="tx1"/>
+            </a:solidFill>
+          </a:ln>
+        </p:spPr>
+        <p:style>
+          <a:lnRef idx="2">
+            <a:schemeClr val="accent3">
+              <a:shade val="50000"/>
+            </a:schemeClr>
+          </a:lnRef>
+          <a:fillRef idx="1">
+            <a:schemeClr val="accent3"/>
+          </a:fillRef>
+          <a:effectRef idx="0">
+            <a:schemeClr val="accent3"/>
+          </a:effectRef>
+          <a:fontRef idx="minor">
+            <a:schemeClr val="lt1"/>
+          </a:fontRef>
+        </p:style>
+        <p:txBody>
+          <a:bodyPr rtlCol="0" anchor="ctr"/>
+          <a:lstStyle/>
+          <a:p>
+            <a:pPr algn="ctr"/>
+            <a:endParaRPr lang="ko-KR" altLang="en-US"/>
+          </a:p>
+        </p:txBody>
+      </p:sp>
+      <p:sp>
+        <p:nvSpPr>
+          <p:cNvPr id="56" name="원통형 55">
+            <a:extLst>
+              <a:ext uri="{FF2B5EF4-FFF2-40B4-BE49-F238E27FC236}">
+                <a16:creationId xmlns:a16="http://schemas.microsoft.com/office/drawing/2014/main" id="{2F56E230-D2D3-20A2-76DD-3A5558A78250}"/>
+              </a:ext>
+            </a:extLst>
+          </p:cNvPr>
+          <p:cNvSpPr/>
+          <p:nvPr/>
+        </p:nvSpPr>
+        <p:spPr>
+          <a:xfrm>
+            <a:off x="6023685" y="4022243"/>
+            <a:ext cx="427130" cy="666237"/>
+          </a:xfrm>
+          <a:prstGeom prst="can">
+            <a:avLst/>
+          </a:prstGeom>
+        </p:spPr>
+        <p:style>
+          <a:lnRef idx="2">
+            <a:schemeClr val="dk1">
+              <a:shade val="50000"/>
+            </a:schemeClr>
+          </a:lnRef>
+          <a:fillRef idx="1">
+            <a:schemeClr val="dk1"/>
+          </a:fillRef>
+          <a:effectRef idx="0">
+            <a:schemeClr val="dk1"/>
+          </a:effectRef>
+          <a:fontRef idx="minor">
+            <a:schemeClr val="lt1"/>
+          </a:fontRef>
+        </p:style>
+        <p:txBody>
+          <a:bodyPr rtlCol="0" anchor="ctr"/>
+          <a:lstStyle/>
+          <a:p>
+            <a:pPr algn="ctr"/>
+            <a:endParaRPr lang="ko-KR" altLang="en-US"/>
+          </a:p>
+        </p:txBody>
+      </p:sp>
+      <p:sp>
+        <p:nvSpPr>
+          <p:cNvPr id="57" name="원통형 56">
+            <a:extLst>
+              <a:ext uri="{FF2B5EF4-FFF2-40B4-BE49-F238E27FC236}">
+                <a16:creationId xmlns:a16="http://schemas.microsoft.com/office/drawing/2014/main" id="{BBC1B264-8D20-4D66-2EED-C17EAF8FA40E}"/>
+              </a:ext>
+            </a:extLst>
+          </p:cNvPr>
+          <p:cNvSpPr/>
+          <p:nvPr/>
+        </p:nvSpPr>
+        <p:spPr>
+          <a:xfrm>
+            <a:off x="8170537" y="2817136"/>
+            <a:ext cx="427130" cy="666237"/>
+          </a:xfrm>
+          <a:prstGeom prst="can">
+            <a:avLst/>
+          </a:prstGeom>
+        </p:spPr>
+        <p:style>
+          <a:lnRef idx="2">
+            <a:schemeClr val="dk1">
+              <a:shade val="50000"/>
+            </a:schemeClr>
+          </a:lnRef>
+          <a:fillRef idx="1">
+            <a:schemeClr val="dk1"/>
+          </a:fillRef>
+          <a:effectRef idx="0">
+            <a:schemeClr val="dk1"/>
+          </a:effectRef>
+          <a:fontRef idx="minor">
+            <a:schemeClr val="lt1"/>
+          </a:fontRef>
+        </p:style>
+        <p:txBody>
+          <a:bodyPr rtlCol="0" anchor="ctr"/>
+          <a:lstStyle/>
+          <a:p>
+            <a:pPr algn="ctr"/>
+            <a:endParaRPr lang="ko-KR" altLang="en-US"/>
+          </a:p>
+        </p:txBody>
+      </p:sp>
+      <p:sp>
+        <p:nvSpPr>
+          <p:cNvPr id="58" name="원통형 57">
+            <a:extLst>
+              <a:ext uri="{FF2B5EF4-FFF2-40B4-BE49-F238E27FC236}">
+                <a16:creationId xmlns:a16="http://schemas.microsoft.com/office/drawing/2014/main" id="{F95D0131-8714-9E6F-8AC1-4359C8102FB0}"/>
+              </a:ext>
+            </a:extLst>
+          </p:cNvPr>
+          <p:cNvSpPr/>
+          <p:nvPr/>
+        </p:nvSpPr>
+        <p:spPr>
+          <a:xfrm>
+            <a:off x="5810120" y="1946428"/>
+            <a:ext cx="427130" cy="666237"/>
+          </a:xfrm>
+          <a:prstGeom prst="can">
+            <a:avLst/>
+          </a:prstGeom>
+        </p:spPr>
+        <p:style>
+          <a:lnRef idx="2">
+            <a:schemeClr val="dk1">
+              <a:shade val="50000"/>
+            </a:schemeClr>
+          </a:lnRef>
+          <a:fillRef idx="1">
+            <a:schemeClr val="dk1"/>
+          </a:fillRef>
+          <a:effectRef idx="0">
+            <a:schemeClr val="dk1"/>
+          </a:effectRef>
+          <a:fontRef idx="minor">
+            <a:schemeClr val="lt1"/>
+          </a:fontRef>
+        </p:style>
+        <p:txBody>
+          <a:bodyPr rtlCol="0" anchor="ctr"/>
+          <a:lstStyle/>
+          <a:p>
+            <a:pPr algn="ctr"/>
+            <a:endParaRPr lang="ko-KR" altLang="en-US"/>
+          </a:p>
+        </p:txBody>
+      </p:sp>
+      <p:grpSp>
+        <p:nvGrpSpPr>
+          <p:cNvPr id="62" name="그룹 61">
+            <a:extLst>
+              <a:ext uri="{FF2B5EF4-FFF2-40B4-BE49-F238E27FC236}">
+                <a16:creationId xmlns:a16="http://schemas.microsoft.com/office/drawing/2014/main" id="{D2258337-7E40-F35C-AB33-8676F768A6F5}"/>
+              </a:ext>
+            </a:extLst>
+          </p:cNvPr>
+          <p:cNvGrpSpPr/>
+          <p:nvPr/>
+        </p:nvGrpSpPr>
+        <p:grpSpPr>
+          <a:xfrm>
+            <a:off x="2319468" y="879080"/>
+            <a:ext cx="914400" cy="1269514"/>
+            <a:chOff x="2319468" y="879080"/>
+            <a:chExt cx="914400" cy="1269514"/>
+          </a:xfrm>
+        </p:grpSpPr>
+        <p:pic>
+          <p:nvPicPr>
+            <p:cNvPr id="22" name="그래픽 21" descr="단색으로 채워진 어지러운 얼굴 단색으로 채워진">
+              <a:extLst>
+                <a:ext uri="{FF2B5EF4-FFF2-40B4-BE49-F238E27FC236}">
+                  <a16:creationId xmlns:a16="http://schemas.microsoft.com/office/drawing/2014/main" id="{FA6D0B43-D5EB-2118-933D-2AAC1B75FFF6}"/>
+                </a:ext>
+              </a:extLst>
+            </p:cNvPr>
+            <p:cNvPicPr>
+              <a:picLocks noChangeAspect="1"/>
+            </p:cNvPicPr>
+            <p:nvPr/>
+          </p:nvPicPr>
+          <p:blipFill>
+            <a:blip r:embed="rId4">
+              <a:extLst>
+                <a:ext uri="{28A0092B-C50C-407E-A947-70E740481C1C}">
+                  <a14:useLocalDpi xmlns:a14="http://schemas.microsoft.com/office/drawing/2010/main" val="0"/>
+                </a:ext>
+                <a:ext uri="{96DAC541-7B7A-43D3-8B79-37D633B846F1}">
+                  <asvg:svgBlip xmlns:asvg="http://schemas.microsoft.com/office/drawing/2016/SVG/main" r:embed="rId5"/>
+                </a:ext>
+              </a:extLst>
+            </a:blip>
+            <a:stretch>
+              <a:fillRect/>
+            </a:stretch>
+          </p:blipFill>
+          <p:spPr>
+            <a:xfrm>
+              <a:off x="2319468" y="1234194"/>
+              <a:ext cx="914400" cy="914400"/>
+            </a:xfrm>
+            <a:prstGeom prst="rect">
+              <a:avLst/>
+            </a:prstGeom>
+          </p:spPr>
+        </p:pic>
+        <p:pic>
+          <p:nvPicPr>
+            <p:cNvPr id="61" name="그래픽 60" descr="어지러움 윤곽선">
+              <a:extLst>
+                <a:ext uri="{FF2B5EF4-FFF2-40B4-BE49-F238E27FC236}">
+                  <a16:creationId xmlns:a16="http://schemas.microsoft.com/office/drawing/2014/main" id="{F381D2FA-E51E-1C97-179A-39BBD5A61FF1}"/>
+                </a:ext>
+              </a:extLst>
+            </p:cNvPr>
+            <p:cNvPicPr>
+              <a:picLocks noChangeAspect="1"/>
+            </p:cNvPicPr>
+            <p:nvPr/>
+          </p:nvPicPr>
+          <p:blipFill>
+            <a:blip r:embed="rId6">
+              <a:extLst>
+                <a:ext uri="{28A0092B-C50C-407E-A947-70E740481C1C}">
+                  <a14:useLocalDpi xmlns:a14="http://schemas.microsoft.com/office/drawing/2010/main" val="0"/>
+                </a:ext>
+                <a:ext uri="{96DAC541-7B7A-43D3-8B79-37D633B846F1}">
+                  <asvg:svgBlip xmlns:asvg="http://schemas.microsoft.com/office/drawing/2016/SVG/main" r:embed="rId7"/>
+                </a:ext>
+              </a:extLst>
+            </a:blip>
+            <a:stretch>
+              <a:fillRect/>
+            </a:stretch>
+          </p:blipFill>
+          <p:spPr>
+            <a:xfrm>
+              <a:off x="2319468" y="879080"/>
+              <a:ext cx="914400" cy="914400"/>
+            </a:xfrm>
+            <a:prstGeom prst="rect">
+              <a:avLst/>
+            </a:prstGeom>
+          </p:spPr>
+        </p:pic>
+      </p:grpSp>
+      <p:grpSp>
+        <p:nvGrpSpPr>
+          <p:cNvPr id="63" name="그룹 62">
+            <a:extLst>
+              <a:ext uri="{FF2B5EF4-FFF2-40B4-BE49-F238E27FC236}">
+                <a16:creationId xmlns:a16="http://schemas.microsoft.com/office/drawing/2014/main" id="{9F5458FB-D7BA-17DF-3CBA-7827B239A235}"/>
+              </a:ext>
+            </a:extLst>
+          </p:cNvPr>
+          <p:cNvGrpSpPr/>
+          <p:nvPr/>
+        </p:nvGrpSpPr>
+        <p:grpSpPr>
+          <a:xfrm>
+            <a:off x="6275257" y="1809428"/>
+            <a:ext cx="531062" cy="691867"/>
+            <a:chOff x="1865021" y="2124792"/>
+            <a:chExt cx="631904" cy="823243"/>
+          </a:xfrm>
+        </p:grpSpPr>
+        <p:sp>
+          <p:nvSpPr>
+            <p:cNvPr id="64" name="내용 개체 틀 38" descr="단색으로 채워진 악마 얼굴 단색으로 채워진">
+              <a:extLst>
+                <a:ext uri="{FF2B5EF4-FFF2-40B4-BE49-F238E27FC236}">
+                  <a16:creationId xmlns:a16="http://schemas.microsoft.com/office/drawing/2014/main" id="{8D5EB8E3-6691-6A0D-ECD9-9751CD07333B}"/>
+                </a:ext>
+              </a:extLst>
+            </p:cNvPr>
+            <p:cNvSpPr/>
+            <p:nvPr/>
+          </p:nvSpPr>
+          <p:spPr>
+            <a:xfrm>
+              <a:off x="1925137" y="2124792"/>
+              <a:ext cx="511672" cy="550914"/>
+            </a:xfrm>
+            <a:custGeom>
+              <a:avLst/>
+              <a:gdLst>
+                <a:gd name="connsiteX0" fmla="*/ 566293 w 571014"/>
+                <a:gd name="connsiteY0" fmla="*/ 70447 h 614808"/>
+                <a:gd name="connsiteX1" fmla="*/ 537014 w 571014"/>
+                <a:gd name="connsiteY1" fmla="*/ 6033 h 614808"/>
+                <a:gd name="connsiteX2" fmla="*/ 516565 w 571014"/>
+                <a:gd name="connsiteY2" fmla="*/ 2799 h 614808"/>
+                <a:gd name="connsiteX3" fmla="*/ 510589 w 571014"/>
+                <a:gd name="connsiteY3" fmla="*/ 13353 h 614808"/>
+                <a:gd name="connsiteX4" fmla="*/ 432415 w 571014"/>
+                <a:gd name="connsiteY4" fmla="*/ 100604 h 614808"/>
+                <a:gd name="connsiteX5" fmla="*/ 138600 w 571014"/>
+                <a:gd name="connsiteY5" fmla="*/ 100604 h 614808"/>
+                <a:gd name="connsiteX6" fmla="*/ 60425 w 571014"/>
+                <a:gd name="connsiteY6" fmla="*/ 13719 h 614808"/>
+                <a:gd name="connsiteX7" fmla="*/ 44554 w 571014"/>
+                <a:gd name="connsiteY7" fmla="*/ 424 h 614808"/>
+                <a:gd name="connsiteX8" fmla="*/ 34001 w 571014"/>
+                <a:gd name="connsiteY8" fmla="*/ 6399 h 614808"/>
+                <a:gd name="connsiteX9" fmla="*/ 4722 w 571014"/>
+                <a:gd name="connsiteY9" fmla="*/ 70813 h 614808"/>
+                <a:gd name="connsiteX10" fmla="*/ 36636 w 571014"/>
+                <a:gd name="connsiteY10" fmla="*/ 212377 h 614808"/>
+                <a:gd name="connsiteX11" fmla="*/ 161287 w 571014"/>
+                <a:gd name="connsiteY11" fmla="*/ 585469 h 614808"/>
+                <a:gd name="connsiteX12" fmla="*/ 534379 w 571014"/>
+                <a:gd name="connsiteY12" fmla="*/ 460817 h 614808"/>
+                <a:gd name="connsiteX13" fmla="*/ 534379 w 571014"/>
+                <a:gd name="connsiteY13" fmla="*/ 212377 h 614808"/>
+                <a:gd name="connsiteX14" fmla="*/ 566293 w 571014"/>
+                <a:gd name="connsiteY14" fmla="*/ 70447 h 614808"/>
+                <a:gd name="connsiteX15" fmla="*/ 325839 w 571014"/>
+                <a:gd name="connsiteY15" fmla="*/ 217720 h 614808"/>
+                <a:gd name="connsiteX16" fmla="*/ 407820 w 571014"/>
+                <a:gd name="connsiteY16" fmla="*/ 180389 h 614808"/>
+                <a:gd name="connsiteX17" fmla="*/ 436367 w 571014"/>
+                <a:gd name="connsiteY17" fmla="*/ 184049 h 614808"/>
+                <a:gd name="connsiteX18" fmla="*/ 446138 w 571014"/>
+                <a:gd name="connsiteY18" fmla="*/ 200760 h 614808"/>
+                <a:gd name="connsiteX19" fmla="*/ 445883 w 571014"/>
+                <a:gd name="connsiteY19" fmla="*/ 201617 h 614808"/>
+                <a:gd name="connsiteX20" fmla="*/ 427953 w 571014"/>
+                <a:gd name="connsiteY20" fmla="*/ 211969 h 614808"/>
+                <a:gd name="connsiteX21" fmla="*/ 427584 w 571014"/>
+                <a:gd name="connsiteY21" fmla="*/ 211864 h 614808"/>
+                <a:gd name="connsiteX22" fmla="*/ 347798 w 571014"/>
+                <a:gd name="connsiteY22" fmla="*/ 236751 h 614808"/>
+                <a:gd name="connsiteX23" fmla="*/ 327484 w 571014"/>
+                <a:gd name="connsiteY23" fmla="*/ 240744 h 614808"/>
+                <a:gd name="connsiteX24" fmla="*/ 323490 w 571014"/>
+                <a:gd name="connsiteY24" fmla="*/ 220430 h 614808"/>
+                <a:gd name="connsiteX25" fmla="*/ 325839 w 571014"/>
+                <a:gd name="connsiteY25" fmla="*/ 217720 h 614808"/>
+                <a:gd name="connsiteX26" fmla="*/ 245322 w 571014"/>
+                <a:gd name="connsiteY26" fmla="*/ 217720 h 614808"/>
+                <a:gd name="connsiteX27" fmla="*/ 246387 w 571014"/>
+                <a:gd name="connsiteY27" fmla="*/ 238396 h 614808"/>
+                <a:gd name="connsiteX28" fmla="*/ 225711 w 571014"/>
+                <a:gd name="connsiteY28" fmla="*/ 239461 h 614808"/>
+                <a:gd name="connsiteX29" fmla="*/ 223362 w 571014"/>
+                <a:gd name="connsiteY29" fmla="*/ 236751 h 614808"/>
+                <a:gd name="connsiteX30" fmla="*/ 143577 w 571014"/>
+                <a:gd name="connsiteY30" fmla="*/ 211864 h 614808"/>
+                <a:gd name="connsiteX31" fmla="*/ 125383 w 571014"/>
+                <a:gd name="connsiteY31" fmla="*/ 201986 h 614808"/>
+                <a:gd name="connsiteX32" fmla="*/ 125278 w 571014"/>
+                <a:gd name="connsiteY32" fmla="*/ 201617 h 614808"/>
+                <a:gd name="connsiteX33" fmla="*/ 133937 w 571014"/>
+                <a:gd name="connsiteY33" fmla="*/ 184304 h 614808"/>
+                <a:gd name="connsiteX34" fmla="*/ 134794 w 571014"/>
+                <a:gd name="connsiteY34" fmla="*/ 184049 h 614808"/>
+                <a:gd name="connsiteX35" fmla="*/ 163341 w 571014"/>
+                <a:gd name="connsiteY35" fmla="*/ 180389 h 614808"/>
+                <a:gd name="connsiteX36" fmla="*/ 245395 w 571014"/>
+                <a:gd name="connsiteY36" fmla="*/ 217720 h 614808"/>
+                <a:gd name="connsiteX37" fmla="*/ 124473 w 571014"/>
+                <a:gd name="connsiteY37" fmla="*/ 292894 h 614808"/>
+                <a:gd name="connsiteX38" fmla="*/ 168391 w 571014"/>
+                <a:gd name="connsiteY38" fmla="*/ 248975 h 614808"/>
+                <a:gd name="connsiteX39" fmla="*/ 212310 w 571014"/>
+                <a:gd name="connsiteY39" fmla="*/ 292894 h 614808"/>
+                <a:gd name="connsiteX40" fmla="*/ 168391 w 571014"/>
+                <a:gd name="connsiteY40" fmla="*/ 336812 h 614808"/>
+                <a:gd name="connsiteX41" fmla="*/ 124473 w 571014"/>
+                <a:gd name="connsiteY41" fmla="*/ 292894 h 614808"/>
+                <a:gd name="connsiteX42" fmla="*/ 430658 w 571014"/>
+                <a:gd name="connsiteY42" fmla="*/ 455539 h 614808"/>
+                <a:gd name="connsiteX43" fmla="*/ 174071 w 571014"/>
+                <a:gd name="connsiteY43" fmla="*/ 489253 h 614808"/>
+                <a:gd name="connsiteX44" fmla="*/ 140357 w 571014"/>
+                <a:gd name="connsiteY44" fmla="*/ 455539 h 614808"/>
+                <a:gd name="connsiteX45" fmla="*/ 143028 w 571014"/>
+                <a:gd name="connsiteY45" fmla="*/ 435007 h 614808"/>
+                <a:gd name="connsiteX46" fmla="*/ 163560 w 571014"/>
+                <a:gd name="connsiteY46" fmla="*/ 437678 h 614808"/>
+                <a:gd name="connsiteX47" fmla="*/ 379087 w 571014"/>
+                <a:gd name="connsiteY47" fmla="*/ 466046 h 614808"/>
+                <a:gd name="connsiteX48" fmla="*/ 407454 w 571014"/>
+                <a:gd name="connsiteY48" fmla="*/ 437678 h 614808"/>
+                <a:gd name="connsiteX49" fmla="*/ 427986 w 571014"/>
+                <a:gd name="connsiteY49" fmla="*/ 435007 h 614808"/>
+                <a:gd name="connsiteX50" fmla="*/ 430658 w 571014"/>
+                <a:gd name="connsiteY50" fmla="*/ 455539 h 614808"/>
+                <a:gd name="connsiteX51" fmla="*/ 402623 w 571014"/>
+                <a:gd name="connsiteY51" fmla="*/ 336812 h 614808"/>
+                <a:gd name="connsiteX52" fmla="*/ 358705 w 571014"/>
+                <a:gd name="connsiteY52" fmla="*/ 292894 h 614808"/>
+                <a:gd name="connsiteX53" fmla="*/ 402623 w 571014"/>
+                <a:gd name="connsiteY53" fmla="*/ 248975 h 614808"/>
+                <a:gd name="connsiteX54" fmla="*/ 446542 w 571014"/>
+                <a:gd name="connsiteY54" fmla="*/ 292894 h 614808"/>
+                <a:gd name="connsiteX55" fmla="*/ 402623 w 571014"/>
+                <a:gd name="connsiteY55" fmla="*/ 336812 h 614808"/>
+              </a:gdLst>
+              <a:ahLst/>
+              <a:cxnLst>
+                <a:cxn ang="0">
+                  <a:pos x="connsiteX0" y="connsiteY0"/>
+                </a:cxn>
+                <a:cxn ang="0">
+                  <a:pos x="connsiteX1" y="connsiteY1"/>
+                </a:cxn>
+                <a:cxn ang="0">
+                  <a:pos x="connsiteX2" y="connsiteY2"/>
+                </a:cxn>
+                <a:cxn ang="0">
+                  <a:pos x="connsiteX3" y="connsiteY3"/>
+                </a:cxn>
+                <a:cxn ang="0">
+                  <a:pos x="connsiteX4" y="connsiteY4"/>
+                </a:cxn>
+                <a:cxn ang="0">
+                  <a:pos x="connsiteX5" y="connsiteY5"/>
+                </a:cxn>
+                <a:cxn ang="0">
+                  <a:pos x="connsiteX6" y="connsiteY6"/>
+                </a:cxn>
+                <a:cxn ang="0">
+                  <a:pos x="connsiteX7" y="connsiteY7"/>
+                </a:cxn>
+                <a:cxn ang="0">
+                  <a:pos x="connsiteX8" y="connsiteY8"/>
+                </a:cxn>
+                <a:cxn ang="0">
+                  <a:pos x="connsiteX9" y="connsiteY9"/>
+                </a:cxn>
+                <a:cxn ang="0">
+                  <a:pos x="connsiteX10" y="connsiteY10"/>
+                </a:cxn>
+                <a:cxn ang="0">
+                  <a:pos x="connsiteX11" y="connsiteY11"/>
+                </a:cxn>
+                <a:cxn ang="0">
+                  <a:pos x="connsiteX12" y="connsiteY12"/>
+                </a:cxn>
+                <a:cxn ang="0">
+                  <a:pos x="connsiteX13" y="connsiteY13"/>
+                </a:cxn>
+                <a:cxn ang="0">
+                  <a:pos x="connsiteX14" y="connsiteY14"/>
+                </a:cxn>
+                <a:cxn ang="0">
+                  <a:pos x="connsiteX15" y="connsiteY15"/>
+                </a:cxn>
+                <a:cxn ang="0">
+                  <a:pos x="connsiteX16" y="connsiteY16"/>
+                </a:cxn>
+                <a:cxn ang="0">
+                  <a:pos x="connsiteX17" y="connsiteY17"/>
+                </a:cxn>
+                <a:cxn ang="0">
+                  <a:pos x="connsiteX18" y="connsiteY18"/>
+                </a:cxn>
+                <a:cxn ang="0">
+                  <a:pos x="connsiteX19" y="connsiteY19"/>
+                </a:cxn>
+                <a:cxn ang="0">
+                  <a:pos x="connsiteX20" y="connsiteY20"/>
+                </a:cxn>
+                <a:cxn ang="0">
+                  <a:pos x="connsiteX21" y="connsiteY21"/>
+                </a:cxn>
+                <a:cxn ang="0">
+                  <a:pos x="connsiteX22" y="connsiteY22"/>
+                </a:cxn>
+                <a:cxn ang="0">
+                  <a:pos x="connsiteX23" y="connsiteY23"/>
+                </a:cxn>
+                <a:cxn ang="0">
+                  <a:pos x="connsiteX24" y="connsiteY24"/>
+                </a:cxn>
+                <a:cxn ang="0">
+                  <a:pos x="connsiteX25" y="connsiteY25"/>
+                </a:cxn>
+                <a:cxn ang="0">
+                  <a:pos x="connsiteX26" y="connsiteY26"/>
+                </a:cxn>
+                <a:cxn ang="0">
+                  <a:pos x="connsiteX27" y="connsiteY27"/>
+                </a:cxn>
+                <a:cxn ang="0">
+                  <a:pos x="connsiteX28" y="connsiteY28"/>
+                </a:cxn>
+                <a:cxn ang="0">
+                  <a:pos x="connsiteX29" y="connsiteY29"/>
+                </a:cxn>
+                <a:cxn ang="0">
+                  <a:pos x="connsiteX30" y="connsiteY30"/>
+                </a:cxn>
+                <a:cxn ang="0">
+                  <a:pos x="connsiteX31" y="connsiteY31"/>
+                </a:cxn>
+                <a:cxn ang="0">
+                  <a:pos x="connsiteX32" y="connsiteY32"/>
+                </a:cxn>
+                <a:cxn ang="0">
+                  <a:pos x="connsiteX33" y="connsiteY33"/>
+                </a:cxn>
+                <a:cxn ang="0">
+                  <a:pos x="connsiteX34" y="connsiteY34"/>
+                </a:cxn>
+                <a:cxn ang="0">
+                  <a:pos x="connsiteX35" y="connsiteY35"/>
+                </a:cxn>
+                <a:cxn ang="0">
+                  <a:pos x="connsiteX36" y="connsiteY36"/>
+                </a:cxn>
+                <a:cxn ang="0">
+                  <a:pos x="connsiteX37" y="connsiteY37"/>
+                </a:cxn>
+                <a:cxn ang="0">
+                  <a:pos x="connsiteX38" y="connsiteY38"/>
+                </a:cxn>
+                <a:cxn ang="0">
+                  <a:pos x="connsiteX39" y="connsiteY39"/>
+                </a:cxn>
+                <a:cxn ang="0">
+                  <a:pos x="connsiteX40" y="connsiteY40"/>
+                </a:cxn>
+                <a:cxn ang="0">
+                  <a:pos x="connsiteX41" y="connsiteY41"/>
+                </a:cxn>
+                <a:cxn ang="0">
+                  <a:pos x="connsiteX42" y="connsiteY42"/>
+                </a:cxn>
+                <a:cxn ang="0">
+                  <a:pos x="connsiteX43" y="connsiteY43"/>
+                </a:cxn>
+                <a:cxn ang="0">
+                  <a:pos x="connsiteX44" y="connsiteY44"/>
+                </a:cxn>
+                <a:cxn ang="0">
+                  <a:pos x="connsiteX45" y="connsiteY45"/>
+                </a:cxn>
+                <a:cxn ang="0">
+                  <a:pos x="connsiteX46" y="connsiteY46"/>
+                </a:cxn>
+                <a:cxn ang="0">
+                  <a:pos x="connsiteX47" y="connsiteY47"/>
+                </a:cxn>
+                <a:cxn ang="0">
+                  <a:pos x="connsiteX48" y="connsiteY48"/>
+                </a:cxn>
+                <a:cxn ang="0">
+                  <a:pos x="connsiteX49" y="connsiteY49"/>
+                </a:cxn>
+                <a:cxn ang="0">
+                  <a:pos x="connsiteX50" y="connsiteY50"/>
+                </a:cxn>
+                <a:cxn ang="0">
+                  <a:pos x="connsiteX51" y="connsiteY51"/>
+                </a:cxn>
+                <a:cxn ang="0">
+                  <a:pos x="connsiteX52" y="connsiteY52"/>
+                </a:cxn>
+                <a:cxn ang="0">
+                  <a:pos x="connsiteX53" y="connsiteY53"/>
+                </a:cxn>
+                <a:cxn ang="0">
+                  <a:pos x="connsiteX54" y="connsiteY54"/>
+                </a:cxn>
+                <a:cxn ang="0">
+                  <a:pos x="connsiteX55" y="connsiteY55"/>
+                </a:cxn>
+              </a:cxnLst>
+              <a:rect l="l" t="t" r="r" b="b"/>
+              <a:pathLst>
+                <a:path w="571014" h="614808">
+                  <a:moveTo>
+                    <a:pt x="566293" y="70447"/>
+                  </a:moveTo>
+                  <a:cubicBezTo>
+                    <a:pt x="560974" y="47222"/>
+                    <a:pt x="551015" y="25312"/>
+                    <a:pt x="537014" y="6033"/>
+                  </a:cubicBezTo>
+                  <a:cubicBezTo>
+                    <a:pt x="532260" y="-507"/>
+                    <a:pt x="523105" y="-1955"/>
+                    <a:pt x="516565" y="2799"/>
+                  </a:cubicBezTo>
+                  <a:cubicBezTo>
+                    <a:pt x="513141" y="5288"/>
+                    <a:pt x="510962" y="9136"/>
+                    <a:pt x="510589" y="13353"/>
+                  </a:cubicBezTo>
+                  <a:cubicBezTo>
+                    <a:pt x="507644" y="56931"/>
+                    <a:pt x="475409" y="92909"/>
+                    <a:pt x="432415" y="100604"/>
+                  </a:cubicBezTo>
+                  <a:cubicBezTo>
+                    <a:pt x="342466" y="44657"/>
+                    <a:pt x="228549" y="44657"/>
+                    <a:pt x="138600" y="100604"/>
+                  </a:cubicBezTo>
+                  <a:cubicBezTo>
+                    <a:pt x="95729" y="92943"/>
+                    <a:pt x="63531" y="57157"/>
+                    <a:pt x="60425" y="13719"/>
+                  </a:cubicBezTo>
+                  <a:cubicBezTo>
+                    <a:pt x="59713" y="5665"/>
+                    <a:pt x="52608" y="-288"/>
+                    <a:pt x="44554" y="424"/>
+                  </a:cubicBezTo>
+                  <a:cubicBezTo>
+                    <a:pt x="40338" y="796"/>
+                    <a:pt x="36489" y="2975"/>
+                    <a:pt x="34001" y="6399"/>
+                  </a:cubicBezTo>
+                  <a:cubicBezTo>
+                    <a:pt x="19999" y="25678"/>
+                    <a:pt x="10041" y="47588"/>
+                    <a:pt x="4722" y="70813"/>
+                  </a:cubicBezTo>
+                  <a:cubicBezTo>
+                    <a:pt x="-7795" y="124540"/>
+                    <a:pt x="5161" y="177901"/>
+                    <a:pt x="36636" y="212377"/>
+                  </a:cubicBezTo>
+                  <a:cubicBezTo>
+                    <a:pt x="-31969" y="349825"/>
+                    <a:pt x="23839" y="516864"/>
+                    <a:pt x="161287" y="585469"/>
+                  </a:cubicBezTo>
+                  <a:cubicBezTo>
+                    <a:pt x="298735" y="654073"/>
+                    <a:pt x="465774" y="598265"/>
+                    <a:pt x="534379" y="460817"/>
+                  </a:cubicBezTo>
+                  <a:cubicBezTo>
+                    <a:pt x="573417" y="382605"/>
+                    <a:pt x="573417" y="290590"/>
+                    <a:pt x="534379" y="212377"/>
+                  </a:cubicBezTo>
+                  <a:cubicBezTo>
+                    <a:pt x="565854" y="177901"/>
+                    <a:pt x="578810" y="124540"/>
+                    <a:pt x="566293" y="70447"/>
+                  </a:cubicBezTo>
+                  <a:close/>
+                  <a:moveTo>
+                    <a:pt x="325839" y="217720"/>
+                  </a:moveTo>
+                  <a:cubicBezTo>
+                    <a:pt x="346218" y="193655"/>
+                    <a:pt x="376289" y="179962"/>
+                    <a:pt x="407820" y="180389"/>
+                  </a:cubicBezTo>
+                  <a:cubicBezTo>
+                    <a:pt x="417469" y="180108"/>
+                    <a:pt x="427102" y="181343"/>
+                    <a:pt x="436367" y="184049"/>
+                  </a:cubicBezTo>
+                  <a:cubicBezTo>
+                    <a:pt x="443680" y="185965"/>
+                    <a:pt x="448054" y="193448"/>
+                    <a:pt x="446138" y="200760"/>
+                  </a:cubicBezTo>
+                  <a:cubicBezTo>
+                    <a:pt x="446062" y="201049"/>
+                    <a:pt x="445977" y="201334"/>
+                    <a:pt x="445883" y="201617"/>
+                  </a:cubicBezTo>
+                  <a:cubicBezTo>
+                    <a:pt x="443790" y="209426"/>
+                    <a:pt x="435763" y="214061"/>
+                    <a:pt x="427953" y="211969"/>
+                  </a:cubicBezTo>
+                  <a:cubicBezTo>
+                    <a:pt x="427829" y="211935"/>
+                    <a:pt x="427707" y="211901"/>
+                    <a:pt x="427584" y="211864"/>
+                  </a:cubicBezTo>
+                  <a:cubicBezTo>
+                    <a:pt x="398417" y="204219"/>
+                    <a:pt x="367446" y="213881"/>
+                    <a:pt x="347798" y="236751"/>
+                  </a:cubicBezTo>
+                  <a:cubicBezTo>
+                    <a:pt x="343291" y="243464"/>
+                    <a:pt x="334196" y="245252"/>
+                    <a:pt x="327484" y="240744"/>
+                  </a:cubicBezTo>
+                  <a:cubicBezTo>
+                    <a:pt x="320771" y="236238"/>
+                    <a:pt x="318983" y="227142"/>
+                    <a:pt x="323490" y="220430"/>
+                  </a:cubicBezTo>
+                  <a:cubicBezTo>
+                    <a:pt x="324159" y="219434"/>
+                    <a:pt x="324948" y="218524"/>
+                    <a:pt x="325839" y="217720"/>
+                  </a:cubicBezTo>
+                  <a:close/>
+                  <a:moveTo>
+                    <a:pt x="245322" y="217720"/>
+                  </a:moveTo>
+                  <a:cubicBezTo>
+                    <a:pt x="251325" y="223135"/>
+                    <a:pt x="251803" y="232392"/>
+                    <a:pt x="246387" y="238396"/>
+                  </a:cubicBezTo>
+                  <a:cubicBezTo>
+                    <a:pt x="240972" y="244400"/>
+                    <a:pt x="231715" y="244876"/>
+                    <a:pt x="225711" y="239461"/>
+                  </a:cubicBezTo>
+                  <a:cubicBezTo>
+                    <a:pt x="224820" y="238657"/>
+                    <a:pt x="224032" y="237748"/>
+                    <a:pt x="223362" y="236751"/>
+                  </a:cubicBezTo>
+                  <a:cubicBezTo>
+                    <a:pt x="203715" y="213881"/>
+                    <a:pt x="172744" y="204219"/>
+                    <a:pt x="143577" y="211864"/>
+                  </a:cubicBezTo>
+                  <a:cubicBezTo>
+                    <a:pt x="135825" y="214161"/>
+                    <a:pt x="127679" y="209739"/>
+                    <a:pt x="125383" y="201986"/>
+                  </a:cubicBezTo>
+                  <a:cubicBezTo>
+                    <a:pt x="125346" y="201864"/>
+                    <a:pt x="125311" y="201740"/>
+                    <a:pt x="125278" y="201617"/>
+                  </a:cubicBezTo>
+                  <a:cubicBezTo>
+                    <a:pt x="122888" y="194445"/>
+                    <a:pt x="126765" y="186693"/>
+                    <a:pt x="133937" y="184304"/>
+                  </a:cubicBezTo>
+                  <a:cubicBezTo>
+                    <a:pt x="134220" y="184209"/>
+                    <a:pt x="134505" y="184125"/>
+                    <a:pt x="134794" y="184049"/>
+                  </a:cubicBezTo>
+                  <a:cubicBezTo>
+                    <a:pt x="144059" y="181343"/>
+                    <a:pt x="153692" y="180108"/>
+                    <a:pt x="163341" y="180389"/>
+                  </a:cubicBezTo>
+                  <a:cubicBezTo>
+                    <a:pt x="194897" y="179940"/>
+                    <a:pt x="225000" y="193635"/>
+                    <a:pt x="245395" y="217720"/>
+                  </a:cubicBezTo>
+                  <a:close/>
+                  <a:moveTo>
+                    <a:pt x="124473" y="292894"/>
+                  </a:moveTo>
+                  <a:cubicBezTo>
+                    <a:pt x="124473" y="268638"/>
+                    <a:pt x="144136" y="248975"/>
+                    <a:pt x="168391" y="248975"/>
+                  </a:cubicBezTo>
+                  <a:cubicBezTo>
+                    <a:pt x="192647" y="248975"/>
+                    <a:pt x="212310" y="268638"/>
+                    <a:pt x="212310" y="292894"/>
+                  </a:cubicBezTo>
+                  <a:cubicBezTo>
+                    <a:pt x="212310" y="317149"/>
+                    <a:pt x="192647" y="336812"/>
+                    <a:pt x="168391" y="336812"/>
+                  </a:cubicBezTo>
+                  <a:cubicBezTo>
+                    <a:pt x="144136" y="336812"/>
+                    <a:pt x="124473" y="317149"/>
+                    <a:pt x="124473" y="292894"/>
+                  </a:cubicBezTo>
+                  <a:close/>
+                  <a:moveTo>
+                    <a:pt x="430658" y="455539"/>
+                  </a:moveTo>
+                  <a:cubicBezTo>
+                    <a:pt x="369113" y="535703"/>
+                    <a:pt x="254236" y="550798"/>
+                    <a:pt x="174071" y="489253"/>
+                  </a:cubicBezTo>
+                  <a:cubicBezTo>
+                    <a:pt x="161410" y="479534"/>
+                    <a:pt x="150076" y="468199"/>
+                    <a:pt x="140357" y="455539"/>
+                  </a:cubicBezTo>
+                  <a:cubicBezTo>
+                    <a:pt x="135424" y="449131"/>
+                    <a:pt x="136621" y="439939"/>
+                    <a:pt x="143028" y="435007"/>
+                  </a:cubicBezTo>
+                  <a:cubicBezTo>
+                    <a:pt x="149436" y="430075"/>
+                    <a:pt x="158628" y="431271"/>
+                    <a:pt x="163560" y="437678"/>
+                  </a:cubicBezTo>
+                  <a:cubicBezTo>
+                    <a:pt x="215243" y="505028"/>
+                    <a:pt x="311738" y="517729"/>
+                    <a:pt x="379087" y="466046"/>
+                  </a:cubicBezTo>
+                  <a:cubicBezTo>
+                    <a:pt x="389741" y="457870"/>
+                    <a:pt x="399278" y="448333"/>
+                    <a:pt x="407454" y="437678"/>
+                  </a:cubicBezTo>
+                  <a:cubicBezTo>
+                    <a:pt x="412386" y="431271"/>
+                    <a:pt x="421578" y="430075"/>
+                    <a:pt x="427986" y="435007"/>
+                  </a:cubicBezTo>
+                  <a:cubicBezTo>
+                    <a:pt x="434394" y="439939"/>
+                    <a:pt x="435590" y="449131"/>
+                    <a:pt x="430658" y="455539"/>
+                  </a:cubicBezTo>
+                  <a:close/>
+                  <a:moveTo>
+                    <a:pt x="402623" y="336812"/>
+                  </a:moveTo>
+                  <a:cubicBezTo>
+                    <a:pt x="378368" y="336812"/>
+                    <a:pt x="358705" y="317149"/>
+                    <a:pt x="358705" y="292894"/>
+                  </a:cubicBezTo>
+                  <a:cubicBezTo>
+                    <a:pt x="358705" y="268638"/>
+                    <a:pt x="378368" y="248975"/>
+                    <a:pt x="402623" y="248975"/>
+                  </a:cubicBezTo>
+                  <a:cubicBezTo>
+                    <a:pt x="426879" y="248975"/>
+                    <a:pt x="446542" y="268638"/>
+                    <a:pt x="446542" y="292894"/>
+                  </a:cubicBezTo>
+                  <a:cubicBezTo>
+                    <a:pt x="446542" y="317149"/>
+                    <a:pt x="426879" y="336812"/>
+                    <a:pt x="402623" y="336812"/>
+                  </a:cubicBezTo>
+                  <a:close/>
+                </a:path>
+              </a:pathLst>
+            </a:custGeom>
+            <a:solidFill>
+              <a:schemeClr val="tx1"/>
+            </a:solidFill>
+            <a:ln w="7243" cap="flat">
+              <a:noFill/>
+              <a:prstDash val="solid"/>
+              <a:miter/>
+            </a:ln>
+          </p:spPr>
+          <p:txBody>
+            <a:bodyPr rtlCol="0" anchor="ctr"/>
+            <a:lstStyle/>
+            <a:p>
+              <a:endParaRPr lang="ko-KR" altLang="en-US"/>
+            </a:p>
+          </p:txBody>
+        </p:sp>
+        <p:sp>
+          <p:nvSpPr>
+            <p:cNvPr id="65" name="TextBox 64">
+              <a:extLst>
+                <a:ext uri="{FF2B5EF4-FFF2-40B4-BE49-F238E27FC236}">
+                  <a16:creationId xmlns:a16="http://schemas.microsoft.com/office/drawing/2014/main" id="{F49DA8FF-BC79-1913-E64A-5D2C8BAECEF6}"/>
+                </a:ext>
+              </a:extLst>
+            </p:cNvPr>
+            <p:cNvSpPr txBox="1"/>
+            <p:nvPr/>
+          </p:nvSpPr>
+          <p:spPr>
+            <a:xfrm>
+              <a:off x="1865021" y="2640258"/>
+              <a:ext cx="631904" cy="307777"/>
+            </a:xfrm>
+            <a:prstGeom prst="rect">
+              <a:avLst/>
+            </a:prstGeom>
+            <a:noFill/>
+          </p:spPr>
+          <p:txBody>
+            <a:bodyPr wrap="none" rtlCol="0">
+              <a:spAutoFit/>
+            </a:bodyPr>
+            <a:lstStyle/>
+            <a:p>
+              <a:pPr algn="ctr"/>
+              <a:r>
+                <a:rPr lang="en-US" altLang="ko-KR" dirty="0">
+                  <a:latin typeface="Microsoft GothicNeo Light" panose="020B0300000101010101" pitchFamily="50" charset="-127"/>
+                  <a:ea typeface="Microsoft GothicNeo Light" panose="020B0300000101010101" pitchFamily="50" charset="-127"/>
+                  <a:cs typeface="Microsoft GothicNeo Light" panose="020B0300000101010101" pitchFamily="50" charset="-127"/>
+                </a:rPr>
+                <a:t>BOSS</a:t>
+              </a:r>
+              <a:endParaRPr lang="ko-KR" altLang="en-US" dirty="0">
+                <a:latin typeface="Microsoft GothicNeo Light" panose="020B0300000101010101" pitchFamily="50" charset="-127"/>
+                <a:ea typeface="Microsoft GothicNeo Light" panose="020B0300000101010101" pitchFamily="50" charset="-127"/>
+                <a:cs typeface="Microsoft GothicNeo Light" panose="020B0300000101010101" pitchFamily="50" charset="-127"/>
+              </a:endParaRPr>
+            </a:p>
+          </p:txBody>
+        </p:sp>
+      </p:grpSp>
+      <p:sp>
+        <p:nvSpPr>
+          <p:cNvPr id="66" name="폭발: 8pt 65">
+            <a:extLst>
+              <a:ext uri="{FF2B5EF4-FFF2-40B4-BE49-F238E27FC236}">
+                <a16:creationId xmlns:a16="http://schemas.microsoft.com/office/drawing/2014/main" id="{A8BF7B18-CA05-E7C0-F373-16A615FAC53D}"/>
+              </a:ext>
+            </a:extLst>
+          </p:cNvPr>
+          <p:cNvSpPr/>
+          <p:nvPr/>
+        </p:nvSpPr>
+        <p:spPr>
+          <a:xfrm>
+            <a:off x="5768431" y="1691394"/>
+            <a:ext cx="962074" cy="773968"/>
+          </a:xfrm>
+          <a:prstGeom prst="irregularSeal1">
+            <a:avLst/>
+          </a:prstGeom>
+        </p:spPr>
+        <p:style>
+          <a:lnRef idx="2">
+            <a:schemeClr val="accent4">
+              <a:shade val="50000"/>
+            </a:schemeClr>
+          </a:lnRef>
+          <a:fillRef idx="1">
+            <a:schemeClr val="accent4"/>
+          </a:fillRef>
+          <a:effectRef idx="0">
+            <a:schemeClr val="accent4"/>
+          </a:effectRef>
+          <a:fontRef idx="minor">
+            <a:schemeClr val="lt1"/>
+          </a:fontRef>
+        </p:style>
+        <p:txBody>
+          <a:bodyPr rtlCol="0" anchor="ctr"/>
+          <a:lstStyle/>
+          <a:p>
+            <a:pPr algn="ctr"/>
+            <a:r>
+              <a:rPr lang="en-US" altLang="ko-KR" sz="900" b="1" dirty="0">
+                <a:latin typeface="Microsoft GothicNeo" panose="020B0500000101010101" pitchFamily="50" charset="-127"/>
+                <a:ea typeface="Microsoft GothicNeo" panose="020B0500000101010101" pitchFamily="50" charset="-127"/>
+                <a:cs typeface="Microsoft GothicNeo" panose="020B0500000101010101" pitchFamily="50" charset="-127"/>
+              </a:rPr>
+              <a:t>BOOM!</a:t>
+            </a:r>
+            <a:endParaRPr lang="ko-KR" altLang="en-US" sz="900" b="1" dirty="0">
+              <a:latin typeface="Microsoft GothicNeo" panose="020B0500000101010101" pitchFamily="50" charset="-127"/>
+              <a:ea typeface="Microsoft GothicNeo" panose="020B0500000101010101" pitchFamily="50" charset="-127"/>
+              <a:cs typeface="Microsoft GothicNeo" panose="020B0500000101010101" pitchFamily="50" charset="-127"/>
+            </a:endParaRPr>
+          </a:p>
+        </p:txBody>
+      </p:sp>
+      <p:sp>
+        <p:nvSpPr>
+          <p:cNvPr id="67" name="폭발: 8pt 66">
+            <a:extLst>
+              <a:ext uri="{FF2B5EF4-FFF2-40B4-BE49-F238E27FC236}">
+                <a16:creationId xmlns:a16="http://schemas.microsoft.com/office/drawing/2014/main" id="{1D390427-CB90-ADBC-F8B8-E047E25ABFAA}"/>
+              </a:ext>
+            </a:extLst>
+          </p:cNvPr>
+          <p:cNvSpPr/>
+          <p:nvPr/>
+        </p:nvSpPr>
+        <p:spPr>
+          <a:xfrm>
+            <a:off x="7903065" y="2817136"/>
+            <a:ext cx="962074" cy="773968"/>
+          </a:xfrm>
+          <a:prstGeom prst="irregularSeal1">
+            <a:avLst/>
+          </a:prstGeom>
+        </p:spPr>
+        <p:style>
+          <a:lnRef idx="2">
+            <a:schemeClr val="accent4">
+              <a:shade val="50000"/>
+            </a:schemeClr>
+          </a:lnRef>
+          <a:fillRef idx="1">
+            <a:schemeClr val="accent4"/>
+          </a:fillRef>
+          <a:effectRef idx="0">
+            <a:schemeClr val="accent4"/>
+          </a:effectRef>
+          <a:fontRef idx="minor">
+            <a:schemeClr val="lt1"/>
+          </a:fontRef>
+        </p:style>
+        <p:txBody>
+          <a:bodyPr rtlCol="0" anchor="ctr"/>
+          <a:lstStyle/>
+          <a:p>
+            <a:pPr algn="ctr"/>
+            <a:r>
+              <a:rPr lang="en-US" altLang="ko-KR" sz="900" b="1" dirty="0">
+                <a:latin typeface="Microsoft GothicNeo" panose="020B0500000101010101" pitchFamily="50" charset="-127"/>
+                <a:ea typeface="Microsoft GothicNeo" panose="020B0500000101010101" pitchFamily="50" charset="-127"/>
+                <a:cs typeface="Microsoft GothicNeo" panose="020B0500000101010101" pitchFamily="50" charset="-127"/>
+              </a:rPr>
+              <a:t>BOOM!</a:t>
+            </a:r>
+            <a:endParaRPr lang="ko-KR" altLang="en-US" sz="900" b="1" dirty="0">
+              <a:latin typeface="Microsoft GothicNeo" panose="020B0500000101010101" pitchFamily="50" charset="-127"/>
+              <a:ea typeface="Microsoft GothicNeo" panose="020B0500000101010101" pitchFamily="50" charset="-127"/>
+              <a:cs typeface="Microsoft GothicNeo" panose="020B0500000101010101" pitchFamily="50" charset="-127"/>
+            </a:endParaRPr>
+          </a:p>
+        </p:txBody>
+      </p:sp>
+      <p:sp>
+        <p:nvSpPr>
+          <p:cNvPr id="68" name="폭발: 8pt 67">
+            <a:extLst>
+              <a:ext uri="{FF2B5EF4-FFF2-40B4-BE49-F238E27FC236}">
+                <a16:creationId xmlns:a16="http://schemas.microsoft.com/office/drawing/2014/main" id="{23CA76BB-8EB5-6DD7-89F1-57D2727D9355}"/>
+              </a:ext>
+            </a:extLst>
+          </p:cNvPr>
+          <p:cNvSpPr/>
+          <p:nvPr/>
+        </p:nvSpPr>
+        <p:spPr>
+          <a:xfrm>
+            <a:off x="5969778" y="3891785"/>
+            <a:ext cx="962074" cy="773968"/>
+          </a:xfrm>
+          <a:prstGeom prst="irregularSeal1">
+            <a:avLst/>
+          </a:prstGeom>
+        </p:spPr>
+        <p:style>
+          <a:lnRef idx="2">
+            <a:schemeClr val="accent4">
+              <a:shade val="50000"/>
+            </a:schemeClr>
+          </a:lnRef>
+          <a:fillRef idx="1">
+            <a:schemeClr val="accent4"/>
+          </a:fillRef>
+          <a:effectRef idx="0">
+            <a:schemeClr val="accent4"/>
+          </a:effectRef>
+          <a:fontRef idx="minor">
+            <a:schemeClr val="lt1"/>
+          </a:fontRef>
+        </p:style>
+        <p:txBody>
+          <a:bodyPr rtlCol="0" anchor="ctr"/>
+          <a:lstStyle/>
+          <a:p>
+            <a:pPr algn="ctr"/>
+            <a:r>
+              <a:rPr lang="en-US" altLang="ko-KR" sz="900" b="1" dirty="0">
+                <a:latin typeface="Microsoft GothicNeo" panose="020B0500000101010101" pitchFamily="50" charset="-127"/>
+                <a:ea typeface="Microsoft GothicNeo" panose="020B0500000101010101" pitchFamily="50" charset="-127"/>
+                <a:cs typeface="Microsoft GothicNeo" panose="020B0500000101010101" pitchFamily="50" charset="-127"/>
+              </a:rPr>
+              <a:t>BOOM!</a:t>
+            </a:r>
+            <a:endParaRPr lang="ko-KR" altLang="en-US" sz="900" b="1" dirty="0">
+              <a:latin typeface="Microsoft GothicNeo" panose="020B0500000101010101" pitchFamily="50" charset="-127"/>
+              <a:ea typeface="Microsoft GothicNeo" panose="020B0500000101010101" pitchFamily="50" charset="-127"/>
+              <a:cs typeface="Microsoft GothicNeo" panose="020B0500000101010101" pitchFamily="50" charset="-127"/>
+            </a:endParaRPr>
+          </a:p>
+        </p:txBody>
+      </p:sp>
+      <p:sp>
+        <p:nvSpPr>
+          <p:cNvPr id="70" name="TextBox 69">
+            <a:extLst>
+              <a:ext uri="{FF2B5EF4-FFF2-40B4-BE49-F238E27FC236}">
+                <a16:creationId xmlns:a16="http://schemas.microsoft.com/office/drawing/2014/main" id="{A9F989B8-38A5-F962-6C3F-865222F43EF5}"/>
+              </a:ext>
+            </a:extLst>
+          </p:cNvPr>
+          <p:cNvSpPr txBox="1"/>
+          <p:nvPr/>
+        </p:nvSpPr>
+        <p:spPr>
+          <a:xfrm>
+            <a:off x="6846207" y="2817136"/>
+            <a:ext cx="982692" cy="408623"/>
+          </a:xfrm>
+          <a:prstGeom prst="roundRect">
+            <a:avLst/>
+          </a:prstGeom>
+          <a:ln w="57150"/>
+        </p:spPr>
+        <p:style>
+          <a:lnRef idx="2">
+            <a:schemeClr val="accent2"/>
+          </a:lnRef>
+          <a:fillRef idx="1">
+            <a:schemeClr val="lt1"/>
+          </a:fillRef>
+          <a:effectRef idx="0">
+            <a:schemeClr val="accent2"/>
+          </a:effectRef>
+          <a:fontRef idx="minor">
+            <a:schemeClr val="dk1"/>
+          </a:fontRef>
+        </p:style>
+        <p:txBody>
+          <a:bodyPr wrap="none" rtlCol="0">
+            <a:spAutoFit/>
+          </a:bodyPr>
+          <a:lstStyle/>
+          <a:p>
+            <a:pPr algn="ctr"/>
+            <a:r>
+              <a:rPr lang="en-US" altLang="ko-KR" b="1" dirty="0">
+                <a:latin typeface="Microsoft GothicNeo Light" panose="020B0300000101010101" pitchFamily="50" charset="-127"/>
+                <a:ea typeface="Microsoft GothicNeo Light" panose="020B0300000101010101" pitchFamily="50" charset="-127"/>
+                <a:cs typeface="Microsoft GothicNeo Light" panose="020B0300000101010101" pitchFamily="50" charset="-127"/>
+              </a:rPr>
+              <a:t>CLEAR!</a:t>
+            </a:r>
+            <a:endParaRPr lang="ko-KR" altLang="en-US" b="1" dirty="0">
+              <a:latin typeface="Microsoft GothicNeo Light" panose="020B0300000101010101" pitchFamily="50" charset="-127"/>
+              <a:ea typeface="Microsoft GothicNeo Light" panose="020B0300000101010101" pitchFamily="50" charset="-127"/>
+              <a:cs typeface="Microsoft GothicNeo Light" panose="020B0300000101010101" pitchFamily="50" charset="-127"/>
+            </a:endParaRPr>
+          </a:p>
+        </p:txBody>
+      </p:sp>
+    </p:spTree>
+    <p:extLst>
+      <p:ext uri="{BB962C8B-B14F-4D97-AF65-F5344CB8AC3E}">
+        <p14:creationId xmlns:p14="http://schemas.microsoft.com/office/powerpoint/2010/main" val="1996625480"/>
+      </p:ext>
+    </p:extLst>
+  </p:cSld>
+  <p:clrMapOvr>
+    <a:masterClrMapping/>
+  </p:clrMapOvr>
+</p:sld>
+</file>
+
+<file path=ppt/slides/slide16.xml><?xml version="1.0" encoding="utf-8"?>
+<p:sld xmlns:a="http://schemas.openxmlformats.org/drawingml/2006/main" xmlns:r="http://schemas.openxmlformats.org/officeDocument/2006/relationships" xmlns:p="http://schemas.openxmlformats.org/presentationml/2006/main">
+  <p:cSld>
+    <p:spTree>
+      <p:nvGrpSpPr>
+        <p:cNvPr id="1" name=""/>
+        <p:cNvGrpSpPr/>
+        <p:nvPr/>
+      </p:nvGrpSpPr>
+      <p:grpSpPr>
+        <a:xfrm>
+          <a:off x="0" y="0"/>
+          <a:ext cx="0" cy="0"/>
+          <a:chOff x="0" y="0"/>
+          <a:chExt cx="0" cy="0"/>
+        </a:xfrm>
+      </p:grpSpPr>
+      <p:sp>
+        <p:nvSpPr>
+          <p:cNvPr id="2" name="직사각형 1">
+            <a:extLst>
+              <a:ext uri="{FF2B5EF4-FFF2-40B4-BE49-F238E27FC236}">
+                <a16:creationId xmlns:a16="http://schemas.microsoft.com/office/drawing/2014/main" id="{9A911970-E969-E99F-0BDC-F98037F5A47C}"/>
+              </a:ext>
+            </a:extLst>
+          </p:cNvPr>
+          <p:cNvSpPr/>
+          <p:nvPr/>
+        </p:nvSpPr>
+        <p:spPr>
+          <a:xfrm>
+            <a:off x="697703" y="475981"/>
+            <a:ext cx="5908370" cy="5906038"/>
+          </a:xfrm>
+          <a:prstGeom prst="rect">
+            <a:avLst/>
+          </a:prstGeom>
+          <a:ln>
+            <a:solidFill>
+              <a:schemeClr val="tx1"/>
+            </a:solidFill>
+          </a:ln>
+        </p:spPr>
+        <p:style>
+          <a:lnRef idx="2">
+            <a:schemeClr val="accent3">
+              <a:shade val="50000"/>
+            </a:schemeClr>
+          </a:lnRef>
+          <a:fillRef idx="1">
+            <a:schemeClr val="accent3"/>
+          </a:fillRef>
+          <a:effectRef idx="0">
+            <a:schemeClr val="accent3"/>
+          </a:effectRef>
+          <a:fontRef idx="minor">
+            <a:schemeClr val="lt1"/>
+          </a:fontRef>
+        </p:style>
+        <p:txBody>
+          <a:bodyPr rtlCol="0" anchor="ctr"/>
+          <a:lstStyle/>
+          <a:p>
+            <a:pPr algn="ctr"/>
+            <a:endParaRPr lang="ko-KR" altLang="en-US" dirty="0"/>
+          </a:p>
+        </p:txBody>
+      </p:sp>
+      <p:sp>
+        <p:nvSpPr>
+          <p:cNvPr id="3" name="직사각형 2">
+            <a:extLst>
+              <a:ext uri="{FF2B5EF4-FFF2-40B4-BE49-F238E27FC236}">
+                <a16:creationId xmlns:a16="http://schemas.microsoft.com/office/drawing/2014/main" id="{47D016A0-CFE2-1E7E-220B-1FA66AD5AF18}"/>
+              </a:ext>
+            </a:extLst>
+          </p:cNvPr>
+          <p:cNvSpPr/>
+          <p:nvPr/>
+        </p:nvSpPr>
+        <p:spPr>
+          <a:xfrm>
+            <a:off x="850103" y="628381"/>
+            <a:ext cx="5653333" cy="5623129"/>
+          </a:xfrm>
+          <a:prstGeom prst="rect">
+            <a:avLst/>
+          </a:prstGeom>
+          <a:pattFill prst="wdUpDiag">
+            <a:fgClr>
+              <a:srgbClr val="FF0000"/>
+            </a:fgClr>
+            <a:bgClr>
+              <a:srgbClr val="A5A5A5"/>
+            </a:bgClr>
+          </a:pattFill>
+          <a:ln w="38100">
+            <a:solidFill>
+              <a:srgbClr val="FF0000"/>
+            </a:solidFill>
+            <a:prstDash val="dash"/>
+          </a:ln>
+        </p:spPr>
+        <p:style>
+          <a:lnRef idx="2">
+            <a:schemeClr val="accent3">
+              <a:shade val="50000"/>
+            </a:schemeClr>
+          </a:lnRef>
+          <a:fillRef idx="1">
+            <a:schemeClr val="accent3"/>
+          </a:fillRef>
+          <a:effectRef idx="0">
+            <a:schemeClr val="accent3"/>
+          </a:effectRef>
+          <a:fontRef idx="minor">
+            <a:schemeClr val="lt1"/>
+          </a:fontRef>
+        </p:style>
+        <p:txBody>
+          <a:bodyPr rtlCol="0" anchor="ctr"/>
+          <a:lstStyle/>
+          <a:p>
+            <a:pPr algn="ctr"/>
+            <a:endParaRPr lang="ko-KR" altLang="en-US"/>
+          </a:p>
+        </p:txBody>
+      </p:sp>
+      <p:sp>
+        <p:nvSpPr>
+          <p:cNvPr id="4" name="직사각형 3">
+            <a:extLst>
+              <a:ext uri="{FF2B5EF4-FFF2-40B4-BE49-F238E27FC236}">
+                <a16:creationId xmlns:a16="http://schemas.microsoft.com/office/drawing/2014/main" id="{EC6621DD-6B56-4220-08BD-FACA76DB07AA}"/>
+              </a:ext>
+            </a:extLst>
+          </p:cNvPr>
+          <p:cNvSpPr/>
+          <p:nvPr/>
+        </p:nvSpPr>
+        <p:spPr>
+          <a:xfrm>
+            <a:off x="2828192" y="2620650"/>
+            <a:ext cx="1647391" cy="1638590"/>
+          </a:xfrm>
+          <a:prstGeom prst="rect">
+            <a:avLst/>
+          </a:prstGeom>
+          <a:solidFill>
+            <a:srgbClr val="A5A5A5"/>
+          </a:solidFill>
+          <a:ln w="38100">
+            <a:solidFill>
+              <a:srgbClr val="FF0000"/>
+            </a:solidFill>
+            <a:prstDash val="dash"/>
+          </a:ln>
+        </p:spPr>
+        <p:style>
+          <a:lnRef idx="2">
+            <a:schemeClr val="accent3">
+              <a:shade val="50000"/>
+            </a:schemeClr>
+          </a:lnRef>
+          <a:fillRef idx="1">
+            <a:schemeClr val="accent3"/>
+          </a:fillRef>
+          <a:effectRef idx="0">
+            <a:schemeClr val="accent3"/>
+          </a:effectRef>
+          <a:fontRef idx="minor">
+            <a:schemeClr val="lt1"/>
+          </a:fontRef>
+        </p:style>
+        <p:txBody>
+          <a:bodyPr rtlCol="0" anchor="ctr"/>
+          <a:lstStyle/>
+          <a:p>
+            <a:pPr algn="ctr"/>
+            <a:endParaRPr lang="ko-KR" altLang="en-US"/>
+          </a:p>
+        </p:txBody>
+      </p:sp>
+      <p:sp>
+        <p:nvSpPr>
+          <p:cNvPr id="5" name="TextBox 4">
+            <a:extLst>
+              <a:ext uri="{FF2B5EF4-FFF2-40B4-BE49-F238E27FC236}">
+                <a16:creationId xmlns:a16="http://schemas.microsoft.com/office/drawing/2014/main" id="{DDB39739-914E-47B4-B700-48517D33B41F}"/>
+              </a:ext>
+            </a:extLst>
+          </p:cNvPr>
+          <p:cNvSpPr txBox="1"/>
+          <p:nvPr/>
+        </p:nvSpPr>
+        <p:spPr>
+          <a:xfrm>
+            <a:off x="1169351" y="895739"/>
+            <a:ext cx="2507418" cy="369332"/>
+          </a:xfrm>
+          <a:prstGeom prst="rect">
+            <a:avLst/>
+          </a:prstGeom>
+          <a:solidFill>
+            <a:srgbClr val="A5A5A5"/>
+          </a:solidFill>
+        </p:spPr>
+        <p:txBody>
+          <a:bodyPr wrap="none" rtlCol="0">
+            <a:spAutoFit/>
+          </a:bodyPr>
+          <a:lstStyle/>
+          <a:p>
+            <a:pPr algn="ctr"/>
+            <a:r>
+              <a:rPr lang="ko-KR" altLang="en-US" b="1" dirty="0"/>
+              <a:t>몬스터 생성 가능 구역</a:t>
+            </a:r>
+          </a:p>
+        </p:txBody>
+      </p:sp>
+      <p:sp>
+        <p:nvSpPr>
+          <p:cNvPr id="6" name="TextBox 5">
+            <a:extLst>
+              <a:ext uri="{FF2B5EF4-FFF2-40B4-BE49-F238E27FC236}">
+                <a16:creationId xmlns:a16="http://schemas.microsoft.com/office/drawing/2014/main" id="{FD677E92-EF4A-9CA4-A8DB-2A8545B3D5E7}"/>
+              </a:ext>
+            </a:extLst>
+          </p:cNvPr>
+          <p:cNvSpPr txBox="1"/>
+          <p:nvPr/>
+        </p:nvSpPr>
+        <p:spPr>
+          <a:xfrm>
+            <a:off x="3081894" y="3244334"/>
+            <a:ext cx="1189749" cy="369332"/>
+          </a:xfrm>
+          <a:prstGeom prst="rect">
+            <a:avLst/>
+          </a:prstGeom>
+          <a:solidFill>
+            <a:srgbClr val="A5A5A5"/>
+          </a:solidFill>
+        </p:spPr>
+        <p:txBody>
+          <a:bodyPr wrap="none" rtlCol="0">
+            <a:spAutoFit/>
+          </a:bodyPr>
+          <a:lstStyle/>
+          <a:p>
+            <a:pPr algn="ctr"/>
+            <a:r>
+              <a:rPr lang="ko-KR" altLang="en-US" b="1"/>
+              <a:t>힌트 구역</a:t>
+            </a:r>
+            <a:endParaRPr lang="ko-KR" altLang="en-US" b="1" dirty="0"/>
+          </a:p>
+        </p:txBody>
+      </p:sp>
+      <p:sp>
+        <p:nvSpPr>
+          <p:cNvPr id="7" name="직사각형 6">
+            <a:extLst>
+              <a:ext uri="{FF2B5EF4-FFF2-40B4-BE49-F238E27FC236}">
+                <a16:creationId xmlns:a16="http://schemas.microsoft.com/office/drawing/2014/main" id="{0334ADF9-3B47-7B78-54D1-1514992A6B8B}"/>
+              </a:ext>
+            </a:extLst>
+          </p:cNvPr>
+          <p:cNvSpPr/>
+          <p:nvPr/>
+        </p:nvSpPr>
+        <p:spPr>
+          <a:xfrm>
+            <a:off x="7324531" y="628381"/>
+            <a:ext cx="4169766" cy="4168120"/>
+          </a:xfrm>
+          <a:prstGeom prst="rect">
+            <a:avLst/>
+          </a:prstGeom>
+          <a:ln>
+            <a:solidFill>
+              <a:schemeClr val="tx1"/>
+            </a:solidFill>
+          </a:ln>
+        </p:spPr>
+        <p:style>
+          <a:lnRef idx="2">
+            <a:schemeClr val="accent3">
+              <a:shade val="50000"/>
+            </a:schemeClr>
+          </a:lnRef>
+          <a:fillRef idx="1">
+            <a:schemeClr val="accent3"/>
+          </a:fillRef>
+          <a:effectRef idx="0">
+            <a:schemeClr val="accent3"/>
+          </a:effectRef>
+          <a:fontRef idx="minor">
+            <a:schemeClr val="lt1"/>
+          </a:fontRef>
+        </p:style>
+        <p:txBody>
+          <a:bodyPr rtlCol="0" anchor="ctr"/>
+          <a:lstStyle/>
+          <a:p>
+            <a:pPr algn="ctr"/>
+            <a:endParaRPr lang="ko-KR" altLang="en-US" dirty="0"/>
+          </a:p>
+        </p:txBody>
+      </p:sp>
+      <p:grpSp>
+        <p:nvGrpSpPr>
+          <p:cNvPr id="13" name="그룹 12">
+            <a:extLst>
+              <a:ext uri="{FF2B5EF4-FFF2-40B4-BE49-F238E27FC236}">
+                <a16:creationId xmlns:a16="http://schemas.microsoft.com/office/drawing/2014/main" id="{4775ADA5-CA88-BB96-4EE4-F22EEA2EF4A6}"/>
+              </a:ext>
+            </a:extLst>
+          </p:cNvPr>
+          <p:cNvGrpSpPr/>
+          <p:nvPr/>
+        </p:nvGrpSpPr>
+        <p:grpSpPr>
+          <a:xfrm>
+            <a:off x="8024325" y="1577873"/>
+            <a:ext cx="2756689" cy="2269137"/>
+            <a:chOff x="8024325" y="2326553"/>
+            <a:chExt cx="2756689" cy="2269137"/>
+          </a:xfrm>
+        </p:grpSpPr>
+        <p:sp>
+          <p:nvSpPr>
+            <p:cNvPr id="9" name="타원 8">
+              <a:extLst>
+                <a:ext uri="{FF2B5EF4-FFF2-40B4-BE49-F238E27FC236}">
+                  <a16:creationId xmlns:a16="http://schemas.microsoft.com/office/drawing/2014/main" id="{27403682-BC19-AD3C-5478-9E2AB5E68D67}"/>
+                </a:ext>
+              </a:extLst>
+            </p:cNvPr>
+            <p:cNvSpPr/>
+            <p:nvPr/>
+          </p:nvSpPr>
+          <p:spPr>
+            <a:xfrm>
+              <a:off x="8952214" y="2326553"/>
+              <a:ext cx="914400" cy="914400"/>
+            </a:xfrm>
+            <a:prstGeom prst="ellipse">
+              <a:avLst/>
+            </a:prstGeom>
+            <a:solidFill>
+              <a:schemeClr val="accent1"/>
+            </a:solidFill>
+            <a:ln>
+              <a:noFill/>
+            </a:ln>
+          </p:spPr>
+          <p:style>
+            <a:lnRef idx="2">
+              <a:schemeClr val="accent1">
+                <a:shade val="50000"/>
+              </a:schemeClr>
+            </a:lnRef>
+            <a:fillRef idx="1">
+              <a:schemeClr val="accent1"/>
+            </a:fillRef>
+            <a:effectRef idx="0">
+              <a:schemeClr val="accent1"/>
+            </a:effectRef>
+            <a:fontRef idx="minor">
+              <a:schemeClr val="lt1"/>
+            </a:fontRef>
+          </p:style>
+          <p:txBody>
+            <a:bodyPr rtlCol="0" anchor="ctr"/>
+            <a:lstStyle/>
+            <a:p>
+              <a:pPr algn="ctr"/>
+              <a:endParaRPr lang="ko-KR" altLang="en-US"/>
+            </a:p>
+          </p:txBody>
+        </p:sp>
+        <p:sp>
+          <p:nvSpPr>
+            <p:cNvPr id="11" name="타원 10">
+              <a:extLst>
+                <a:ext uri="{FF2B5EF4-FFF2-40B4-BE49-F238E27FC236}">
+                  <a16:creationId xmlns:a16="http://schemas.microsoft.com/office/drawing/2014/main" id="{BCE76BD8-C663-3E43-AC9B-E9DF2815E7C7}"/>
+                </a:ext>
+              </a:extLst>
+            </p:cNvPr>
+            <p:cNvSpPr/>
+            <p:nvPr/>
+          </p:nvSpPr>
+          <p:spPr>
+            <a:xfrm>
+              <a:off x="9866614" y="3673211"/>
+              <a:ext cx="914400" cy="914400"/>
+            </a:xfrm>
+            <a:prstGeom prst="ellipse">
+              <a:avLst/>
+            </a:prstGeom>
+            <a:solidFill>
+              <a:srgbClr val="FF0000"/>
+            </a:solidFill>
+            <a:ln>
+              <a:noFill/>
+            </a:ln>
+          </p:spPr>
+          <p:style>
+            <a:lnRef idx="2">
+              <a:schemeClr val="accent1">
+                <a:shade val="50000"/>
+              </a:schemeClr>
+            </a:lnRef>
+            <a:fillRef idx="1">
+              <a:schemeClr val="accent1"/>
+            </a:fillRef>
+            <a:effectRef idx="0">
+              <a:schemeClr val="accent1"/>
+            </a:effectRef>
+            <a:fontRef idx="minor">
+              <a:schemeClr val="lt1"/>
+            </a:fontRef>
+          </p:style>
+          <p:txBody>
+            <a:bodyPr rtlCol="0" anchor="ctr"/>
+            <a:lstStyle/>
+            <a:p>
+              <a:pPr algn="ctr"/>
+              <a:endParaRPr lang="ko-KR" altLang="en-US"/>
+            </a:p>
+          </p:txBody>
+        </p:sp>
+        <p:sp>
+          <p:nvSpPr>
+            <p:cNvPr id="12" name="타원 11">
+              <a:extLst>
+                <a:ext uri="{FF2B5EF4-FFF2-40B4-BE49-F238E27FC236}">
+                  <a16:creationId xmlns:a16="http://schemas.microsoft.com/office/drawing/2014/main" id="{883D15B3-DF84-E8A3-B0FD-E52355143381}"/>
+                </a:ext>
+              </a:extLst>
+            </p:cNvPr>
+            <p:cNvSpPr/>
+            <p:nvPr/>
+          </p:nvSpPr>
+          <p:spPr>
+            <a:xfrm>
+              <a:off x="8024325" y="3681290"/>
+              <a:ext cx="914400" cy="914400"/>
+            </a:xfrm>
+            <a:prstGeom prst="ellipse">
+              <a:avLst/>
+            </a:prstGeom>
+            <a:solidFill>
+              <a:srgbClr val="00FF00"/>
+            </a:solidFill>
+            <a:ln>
+              <a:noFill/>
+            </a:ln>
+          </p:spPr>
+          <p:style>
+            <a:lnRef idx="2">
+              <a:schemeClr val="accent1">
+                <a:shade val="50000"/>
+              </a:schemeClr>
+            </a:lnRef>
+            <a:fillRef idx="1">
+              <a:schemeClr val="accent1"/>
+            </a:fillRef>
+            <a:effectRef idx="0">
+              <a:schemeClr val="accent1"/>
+            </a:effectRef>
+            <a:fontRef idx="minor">
+              <a:schemeClr val="lt1"/>
+            </a:fontRef>
+          </p:style>
+          <p:txBody>
+            <a:bodyPr rtlCol="0" anchor="ctr"/>
+            <a:lstStyle/>
+            <a:p>
+              <a:pPr algn="ctr"/>
+              <a:endParaRPr lang="ko-KR" altLang="en-US"/>
+            </a:p>
+          </p:txBody>
+        </p:sp>
+      </p:grpSp>
+      <p:cxnSp>
+        <p:nvCxnSpPr>
+          <p:cNvPr id="15" name="직선 화살표 연결선 14">
+            <a:extLst>
+              <a:ext uri="{FF2B5EF4-FFF2-40B4-BE49-F238E27FC236}">
+                <a16:creationId xmlns:a16="http://schemas.microsoft.com/office/drawing/2014/main" id="{6CEF8138-0668-BF7D-EFCA-8FC574F32278}"/>
+              </a:ext>
+            </a:extLst>
+          </p:cNvPr>
+          <p:cNvCxnSpPr/>
+          <p:nvPr/>
+        </p:nvCxnSpPr>
+        <p:spPr>
+          <a:xfrm flipV="1">
+            <a:off x="9423918" y="2262057"/>
+            <a:ext cx="0" cy="662474"/>
+          </a:xfrm>
+          <a:prstGeom prst="straightConnector1">
+            <a:avLst/>
+          </a:prstGeom>
+          <a:ln w="76200">
+            <a:solidFill>
+              <a:schemeClr val="tx1"/>
+            </a:solidFill>
+            <a:tailEnd type="triangle"/>
+          </a:ln>
+        </p:spPr>
+        <p:style>
+          <a:lnRef idx="1">
+            <a:schemeClr val="accent1"/>
+          </a:lnRef>
+          <a:fillRef idx="0">
+            <a:schemeClr val="accent1"/>
+          </a:fillRef>
+          <a:effectRef idx="0">
+            <a:schemeClr val="accent1"/>
+          </a:effectRef>
+          <a:fontRef idx="minor">
+            <a:schemeClr val="tx1"/>
+          </a:fontRef>
+        </p:style>
+      </p:cxnSp>
+      <p:cxnSp>
+        <p:nvCxnSpPr>
+          <p:cNvPr id="16" name="직선 화살표 연결선 15">
+            <a:extLst>
+              <a:ext uri="{FF2B5EF4-FFF2-40B4-BE49-F238E27FC236}">
+                <a16:creationId xmlns:a16="http://schemas.microsoft.com/office/drawing/2014/main" id="{C8D0F60B-434C-6E2E-FC8B-3E5FA6CB3C7A}"/>
+              </a:ext>
+            </a:extLst>
+          </p:cNvPr>
+          <p:cNvCxnSpPr>
+            <a:cxnSpLocks/>
+          </p:cNvCxnSpPr>
+          <p:nvPr/>
+        </p:nvCxnSpPr>
+        <p:spPr>
+          <a:xfrm flipV="1">
+            <a:off x="9423918" y="2642179"/>
+            <a:ext cx="899896" cy="282352"/>
+          </a:xfrm>
+          <a:prstGeom prst="straightConnector1">
+            <a:avLst/>
+          </a:prstGeom>
+          <a:ln w="76200">
+            <a:solidFill>
+              <a:schemeClr val="tx1"/>
+            </a:solidFill>
+            <a:tailEnd type="triangle"/>
+          </a:ln>
+        </p:spPr>
+        <p:style>
+          <a:lnRef idx="1">
+            <a:schemeClr val="accent1"/>
+          </a:lnRef>
+          <a:fillRef idx="0">
+            <a:schemeClr val="accent1"/>
+          </a:fillRef>
+          <a:effectRef idx="0">
+            <a:schemeClr val="accent1"/>
+          </a:effectRef>
+          <a:fontRef idx="minor">
+            <a:schemeClr val="tx1"/>
+          </a:fontRef>
+        </p:style>
+      </p:cxnSp>
+    </p:spTree>
+    <p:extLst>
+      <p:ext uri="{BB962C8B-B14F-4D97-AF65-F5344CB8AC3E}">
+        <p14:creationId xmlns:p14="http://schemas.microsoft.com/office/powerpoint/2010/main" val="195736689"/>
+      </p:ext>
+    </p:extLst>
+  </p:cSld>
+  <p:clrMapOvr>
+    <a:masterClrMapping/>
+  </p:clrMapOvr>
+</p:sld>
+</file>
+
+<file path=ppt/slides/slide17.xml><?xml version="1.0" encoding="utf-8"?>
+<p:sld xmlns:a="http://schemas.openxmlformats.org/drawingml/2006/main" xmlns:r="http://schemas.openxmlformats.org/officeDocument/2006/relationships" xmlns:p="http://schemas.openxmlformats.org/presentationml/2006/main">
+  <p:cSld>
+    <p:spTree>
+      <p:nvGrpSpPr>
+        <p:cNvPr id="1" name=""/>
+        <p:cNvGrpSpPr/>
+        <p:nvPr/>
+      </p:nvGrpSpPr>
+      <p:grpSpPr>
+        <a:xfrm>
+          <a:off x="0" y="0"/>
+          <a:ext cx="0" cy="0"/>
+          <a:chOff x="0" y="0"/>
+          <a:chExt cx="0" cy="0"/>
+        </a:xfrm>
+      </p:grpSpPr>
+      <p:sp>
+        <p:nvSpPr>
+          <p:cNvPr id="7" name="직사각형 6">
+            <a:extLst>
+              <a:ext uri="{FF2B5EF4-FFF2-40B4-BE49-F238E27FC236}">
+                <a16:creationId xmlns:a16="http://schemas.microsoft.com/office/drawing/2014/main" id="{0334ADF9-3B47-7B78-54D1-1514992A6B8B}"/>
+              </a:ext>
+            </a:extLst>
+          </p:cNvPr>
+          <p:cNvSpPr/>
+          <p:nvPr/>
+        </p:nvSpPr>
+        <p:spPr>
+          <a:xfrm>
+            <a:off x="746449" y="628381"/>
+            <a:ext cx="4169766" cy="4168120"/>
+          </a:xfrm>
+          <a:prstGeom prst="rect">
+            <a:avLst/>
+          </a:prstGeom>
+          <a:ln>
+            <a:solidFill>
+              <a:schemeClr val="tx1"/>
+            </a:solidFill>
+          </a:ln>
+        </p:spPr>
+        <p:style>
+          <a:lnRef idx="2">
+            <a:schemeClr val="accent3">
+              <a:shade val="50000"/>
+            </a:schemeClr>
+          </a:lnRef>
+          <a:fillRef idx="1">
+            <a:schemeClr val="accent3"/>
+          </a:fillRef>
+          <a:effectRef idx="0">
+            <a:schemeClr val="accent3"/>
+          </a:effectRef>
+          <a:fontRef idx="minor">
+            <a:schemeClr val="lt1"/>
+          </a:fontRef>
+        </p:style>
+        <p:txBody>
+          <a:bodyPr rtlCol="0" anchor="ctr"/>
+          <a:lstStyle/>
+          <a:p>
+            <a:pPr algn="ctr"/>
+            <a:endParaRPr lang="ko-KR" altLang="en-US" dirty="0"/>
+          </a:p>
+        </p:txBody>
+      </p:sp>
+      <p:sp>
+        <p:nvSpPr>
+          <p:cNvPr id="8" name="화살표: 위로 굽음 7">
+            <a:extLst>
+              <a:ext uri="{FF2B5EF4-FFF2-40B4-BE49-F238E27FC236}">
+                <a16:creationId xmlns:a16="http://schemas.microsoft.com/office/drawing/2014/main" id="{D8BAC6D0-B2E2-B89B-D3DF-0B338E67F308}"/>
+              </a:ext>
+            </a:extLst>
+          </p:cNvPr>
+          <p:cNvSpPr/>
+          <p:nvPr/>
+        </p:nvSpPr>
+        <p:spPr>
+          <a:xfrm rot="5400000" flipH="1">
+            <a:off x="1003546" y="697006"/>
+            <a:ext cx="3774699" cy="3849386"/>
+          </a:xfrm>
+          <a:prstGeom prst="bentUpArrow">
+            <a:avLst/>
+          </a:prstGeom>
+          <a:solidFill>
+            <a:schemeClr val="bg1"/>
+          </a:solidFill>
+          <a:ln>
+            <a:noFill/>
+          </a:ln>
+        </p:spPr>
+        <p:style>
+          <a:lnRef idx="2">
+            <a:schemeClr val="accent1">
+              <a:shade val="50000"/>
+            </a:schemeClr>
+          </a:lnRef>
+          <a:fillRef idx="1">
+            <a:schemeClr val="accent1"/>
+          </a:fillRef>
+          <a:effectRef idx="0">
+            <a:schemeClr val="accent1"/>
+          </a:effectRef>
+          <a:fontRef idx="minor">
+            <a:schemeClr val="lt1"/>
+          </a:fontRef>
+        </p:style>
+        <p:txBody>
+          <a:bodyPr rtlCol="0" anchor="ctr"/>
+          <a:lstStyle/>
+          <a:p>
+            <a:pPr algn="ctr"/>
+            <a:endParaRPr lang="ko-KR" altLang="en-US"/>
+          </a:p>
+        </p:txBody>
+      </p:sp>
+      <p:sp>
+        <p:nvSpPr>
+          <p:cNvPr id="9" name="타원 8">
+            <a:extLst>
+              <a:ext uri="{FF2B5EF4-FFF2-40B4-BE49-F238E27FC236}">
+                <a16:creationId xmlns:a16="http://schemas.microsoft.com/office/drawing/2014/main" id="{27403682-BC19-AD3C-5478-9E2AB5E68D67}"/>
+              </a:ext>
+            </a:extLst>
+          </p:cNvPr>
+          <p:cNvSpPr/>
+          <p:nvPr/>
+        </p:nvSpPr>
+        <p:spPr>
+          <a:xfrm>
+            <a:off x="909226" y="3738375"/>
+            <a:ext cx="914400" cy="914400"/>
+          </a:xfrm>
+          <a:prstGeom prst="ellipse">
+            <a:avLst/>
+          </a:prstGeom>
+          <a:solidFill>
+            <a:schemeClr val="accent1"/>
+          </a:solidFill>
+          <a:ln>
+            <a:noFill/>
+          </a:ln>
+        </p:spPr>
+        <p:style>
+          <a:lnRef idx="2">
+            <a:schemeClr val="accent1">
+              <a:shade val="50000"/>
+            </a:schemeClr>
+          </a:lnRef>
+          <a:fillRef idx="1">
+            <a:schemeClr val="accent1"/>
+          </a:fillRef>
+          <a:effectRef idx="0">
+            <a:schemeClr val="accent1"/>
+          </a:effectRef>
+          <a:fontRef idx="minor">
+            <a:schemeClr val="lt1"/>
+          </a:fontRef>
+        </p:style>
+        <p:txBody>
+          <a:bodyPr rtlCol="0" anchor="ctr"/>
+          <a:lstStyle/>
+          <a:p>
+            <a:pPr algn="ctr"/>
+            <a:endParaRPr lang="ko-KR" altLang="en-US"/>
+          </a:p>
+        </p:txBody>
+      </p:sp>
+      <p:sp>
+        <p:nvSpPr>
+          <p:cNvPr id="11" name="타원 10">
+            <a:extLst>
+              <a:ext uri="{FF2B5EF4-FFF2-40B4-BE49-F238E27FC236}">
+                <a16:creationId xmlns:a16="http://schemas.microsoft.com/office/drawing/2014/main" id="{BCE76BD8-C663-3E43-AC9B-E9DF2815E7C7}"/>
+              </a:ext>
+            </a:extLst>
+          </p:cNvPr>
+          <p:cNvSpPr/>
+          <p:nvPr/>
+        </p:nvSpPr>
+        <p:spPr>
+          <a:xfrm>
+            <a:off x="3958163" y="734351"/>
+            <a:ext cx="914400" cy="914400"/>
+          </a:xfrm>
+          <a:prstGeom prst="ellipse">
+            <a:avLst/>
+          </a:prstGeom>
+          <a:solidFill>
+            <a:srgbClr val="FF0000"/>
+          </a:solidFill>
+          <a:ln>
+            <a:noFill/>
+          </a:ln>
+        </p:spPr>
+        <p:style>
+          <a:lnRef idx="2">
+            <a:schemeClr val="accent1">
+              <a:shade val="50000"/>
+            </a:schemeClr>
+          </a:lnRef>
+          <a:fillRef idx="1">
+            <a:schemeClr val="accent1"/>
+          </a:fillRef>
+          <a:effectRef idx="0">
+            <a:schemeClr val="accent1"/>
+          </a:effectRef>
+          <a:fontRef idx="minor">
+            <a:schemeClr val="lt1"/>
+          </a:fontRef>
+        </p:style>
+        <p:txBody>
+          <a:bodyPr rtlCol="0" anchor="ctr"/>
+          <a:lstStyle/>
+          <a:p>
+            <a:pPr algn="ctr"/>
+            <a:endParaRPr lang="ko-KR" altLang="en-US"/>
+          </a:p>
+        </p:txBody>
+      </p:sp>
+      <p:sp>
+        <p:nvSpPr>
+          <p:cNvPr id="12" name="타원 11">
+            <a:extLst>
+              <a:ext uri="{FF2B5EF4-FFF2-40B4-BE49-F238E27FC236}">
+                <a16:creationId xmlns:a16="http://schemas.microsoft.com/office/drawing/2014/main" id="{883D15B3-DF84-E8A3-B0FD-E52355143381}"/>
+              </a:ext>
+            </a:extLst>
+          </p:cNvPr>
+          <p:cNvSpPr/>
+          <p:nvPr/>
+        </p:nvSpPr>
+        <p:spPr>
+          <a:xfrm>
+            <a:off x="909226" y="734351"/>
+            <a:ext cx="914400" cy="914400"/>
+          </a:xfrm>
+          <a:prstGeom prst="ellipse">
+            <a:avLst/>
+          </a:prstGeom>
+          <a:solidFill>
+            <a:srgbClr val="00FF00"/>
+          </a:solidFill>
+          <a:ln>
+            <a:noFill/>
+          </a:ln>
+        </p:spPr>
+        <p:style>
+          <a:lnRef idx="2">
+            <a:schemeClr val="accent1">
+              <a:shade val="50000"/>
+            </a:schemeClr>
+          </a:lnRef>
+          <a:fillRef idx="1">
+            <a:schemeClr val="accent1"/>
+          </a:fillRef>
+          <a:effectRef idx="0">
+            <a:schemeClr val="accent1"/>
+          </a:effectRef>
+          <a:fontRef idx="minor">
+            <a:schemeClr val="lt1"/>
+          </a:fontRef>
+        </p:style>
+        <p:txBody>
+          <a:bodyPr rtlCol="0" anchor="ctr"/>
+          <a:lstStyle/>
+          <a:p>
+            <a:pPr algn="ctr"/>
+            <a:endParaRPr lang="ko-KR" altLang="en-US"/>
+          </a:p>
+        </p:txBody>
+      </p:sp>
+    </p:spTree>
+    <p:extLst>
+      <p:ext uri="{BB962C8B-B14F-4D97-AF65-F5344CB8AC3E}">
+        <p14:creationId xmlns:p14="http://schemas.microsoft.com/office/powerpoint/2010/main" val="2401098619"/>
       </p:ext>
     </p:extLst>
   </p:cSld>

--- a/Document/Source/보스 콘텐츠 시스템 UI.pptx
+++ b/Document/Source/보스 콘텐츠 시스템 UI.pptx
@@ -275,7 +275,7 @@
           <a:p>
             <a:fld id="{E7667923-C677-4680-B76B-6B19B2E0B717}" type="datetimeFigureOut">
               <a:rPr lang="ko-KR" altLang="en-US" smtClean="0"/>
-              <a:t>2022-10-24</a:t>
+              <a:t>2022-11-22</a:t>
             </a:fld>
             <a:endParaRPr lang="ko-KR" altLang="en-US"/>
           </a:p>
@@ -473,7 +473,7 @@
           <a:p>
             <a:fld id="{E7667923-C677-4680-B76B-6B19B2E0B717}" type="datetimeFigureOut">
               <a:rPr lang="ko-KR" altLang="en-US" smtClean="0"/>
-              <a:t>2022-10-24</a:t>
+              <a:t>2022-11-22</a:t>
             </a:fld>
             <a:endParaRPr lang="ko-KR" altLang="en-US"/>
           </a:p>
@@ -681,7 +681,7 @@
           <a:p>
             <a:fld id="{E7667923-C677-4680-B76B-6B19B2E0B717}" type="datetimeFigureOut">
               <a:rPr lang="ko-KR" altLang="en-US" smtClean="0"/>
-              <a:t>2022-10-24</a:t>
+              <a:t>2022-11-22</a:t>
             </a:fld>
             <a:endParaRPr lang="ko-KR" altLang="en-US"/>
           </a:p>
@@ -879,7 +879,7 @@
           <a:p>
             <a:fld id="{E7667923-C677-4680-B76B-6B19B2E0B717}" type="datetimeFigureOut">
               <a:rPr lang="ko-KR" altLang="en-US" smtClean="0"/>
-              <a:t>2022-10-24</a:t>
+              <a:t>2022-11-22</a:t>
             </a:fld>
             <a:endParaRPr lang="ko-KR" altLang="en-US"/>
           </a:p>
@@ -1154,7 +1154,7 @@
           <a:p>
             <a:fld id="{E7667923-C677-4680-B76B-6B19B2E0B717}" type="datetimeFigureOut">
               <a:rPr lang="ko-KR" altLang="en-US" smtClean="0"/>
-              <a:t>2022-10-24</a:t>
+              <a:t>2022-11-22</a:t>
             </a:fld>
             <a:endParaRPr lang="ko-KR" altLang="en-US"/>
           </a:p>
@@ -1419,7 +1419,7 @@
           <a:p>
             <a:fld id="{E7667923-C677-4680-B76B-6B19B2E0B717}" type="datetimeFigureOut">
               <a:rPr lang="ko-KR" altLang="en-US" smtClean="0"/>
-              <a:t>2022-10-24</a:t>
+              <a:t>2022-11-22</a:t>
             </a:fld>
             <a:endParaRPr lang="ko-KR" altLang="en-US"/>
           </a:p>
@@ -1831,7 +1831,7 @@
           <a:p>
             <a:fld id="{E7667923-C677-4680-B76B-6B19B2E0B717}" type="datetimeFigureOut">
               <a:rPr lang="ko-KR" altLang="en-US" smtClean="0"/>
-              <a:t>2022-10-24</a:t>
+              <a:t>2022-11-22</a:t>
             </a:fld>
             <a:endParaRPr lang="ko-KR" altLang="en-US"/>
           </a:p>
@@ -1972,7 +1972,7 @@
           <a:p>
             <a:fld id="{E7667923-C677-4680-B76B-6B19B2E0B717}" type="datetimeFigureOut">
               <a:rPr lang="ko-KR" altLang="en-US" smtClean="0"/>
-              <a:t>2022-10-24</a:t>
+              <a:t>2022-11-22</a:t>
             </a:fld>
             <a:endParaRPr lang="ko-KR" altLang="en-US"/>
           </a:p>
@@ -2085,7 +2085,7 @@
           <a:p>
             <a:fld id="{E7667923-C677-4680-B76B-6B19B2E0B717}" type="datetimeFigureOut">
               <a:rPr lang="ko-KR" altLang="en-US" smtClean="0"/>
-              <a:t>2022-10-24</a:t>
+              <a:t>2022-11-22</a:t>
             </a:fld>
             <a:endParaRPr lang="ko-KR" altLang="en-US"/>
           </a:p>
@@ -2396,7 +2396,7 @@
           <a:p>
             <a:fld id="{E7667923-C677-4680-B76B-6B19B2E0B717}" type="datetimeFigureOut">
               <a:rPr lang="ko-KR" altLang="en-US" smtClean="0"/>
-              <a:t>2022-10-24</a:t>
+              <a:t>2022-11-22</a:t>
             </a:fld>
             <a:endParaRPr lang="ko-KR" altLang="en-US"/>
           </a:p>
@@ -2684,7 +2684,7 @@
           <a:p>
             <a:fld id="{E7667923-C677-4680-B76B-6B19B2E0B717}" type="datetimeFigureOut">
               <a:rPr lang="ko-KR" altLang="en-US" smtClean="0"/>
-              <a:t>2022-10-24</a:t>
+              <a:t>2022-11-22</a:t>
             </a:fld>
             <a:endParaRPr lang="ko-KR" altLang="en-US"/>
           </a:p>
@@ -2925,7 +2925,7 @@
           <a:p>
             <a:fld id="{E7667923-C677-4680-B76B-6B19B2E0B717}" type="datetimeFigureOut">
               <a:rPr lang="ko-KR" altLang="en-US" smtClean="0"/>
-              <a:t>2022-10-24</a:t>
+              <a:t>2022-11-22</a:t>
             </a:fld>
             <a:endParaRPr lang="ko-KR" altLang="en-US"/>
           </a:p>
@@ -17582,10 +17582,10 @@
       </p:grpSpPr>
       <p:grpSp>
         <p:nvGrpSpPr>
-          <p:cNvPr id="14" name="그룹 13">
+          <p:cNvPr id="8" name="그룹 7">
             <a:extLst>
               <a:ext uri="{FF2B5EF4-FFF2-40B4-BE49-F238E27FC236}">
-                <a16:creationId xmlns:a16="http://schemas.microsoft.com/office/drawing/2014/main" id="{C10DFEF9-58BA-A722-C6C2-3BE108445EC5}"/>
+                <a16:creationId xmlns:a16="http://schemas.microsoft.com/office/drawing/2014/main" id="{A515C5F9-A1E7-7441-0890-832C5C6AF03A}"/>
               </a:ext>
             </a:extLst>
           </p:cNvPr>
@@ -17678,7 +17678,7 @@
           </p:nvSpPr>
           <p:spPr>
             <a:xfrm>
-              <a:off x="3555330" y="3080083"/>
+              <a:off x="3555330" y="3323719"/>
               <a:ext cx="1509963" cy="517359"/>
             </a:xfrm>
             <a:prstGeom prst="flowChartAlternateProcess">
@@ -17750,7 +17750,7 @@
           </p:nvSpPr>
           <p:spPr>
             <a:xfrm>
-              <a:off x="884319" y="2991353"/>
+              <a:off x="884319" y="3234989"/>
               <a:ext cx="2538665" cy="685800"/>
             </a:xfrm>
             <a:prstGeom prst="flowChartDecision">
@@ -17787,7 +17787,7 @@
             <a:p>
               <a:pPr algn="ctr"/>
               <a:r>
-                <a:rPr lang="ko-KR" altLang="en-US" sz="1000" dirty="0">
+                <a:rPr lang="ko-KR" altLang="en-US" sz="800" dirty="0">
                   <a:latin typeface="Microsoft GothicNeo Light" panose="020B0300000101010101" pitchFamily="50" charset="-127"/>
                   <a:ea typeface="Microsoft GothicNeo Light" panose="020B0300000101010101" pitchFamily="50" charset="-127"/>
                   <a:cs typeface="Microsoft GothicNeo Light" panose="020B0300000101010101" pitchFamily="50" charset="-127"/>
@@ -17795,7 +17795,7 @@
                 <a:t>보스 포탈 내 위치한 유저 </a:t>
               </a:r>
               <a:r>
-                <a:rPr lang="en-US" altLang="ko-KR" sz="1000" dirty="0">
+                <a:rPr lang="en-US" altLang="ko-KR" sz="800" dirty="0">
                   <a:latin typeface="Microsoft GothicNeo Light" panose="020B0300000101010101" pitchFamily="50" charset="-127"/>
                   <a:ea typeface="Microsoft GothicNeo Light" panose="020B0300000101010101" pitchFamily="50" charset="-127"/>
                   <a:cs typeface="Microsoft GothicNeo Light" panose="020B0300000101010101" pitchFamily="50" charset="-127"/>
@@ -17803,12 +17803,39 @@
                 <a:t>== </a:t>
               </a:r>
               <a:r>
-                <a:rPr lang="ko-KR" altLang="en-US" sz="1000" dirty="0">
+                <a:rPr lang="ko-KR" altLang="en-US" sz="800" dirty="0">
                   <a:latin typeface="Microsoft GothicNeo Light" panose="020B0300000101010101" pitchFamily="50" charset="-127"/>
                   <a:ea typeface="Microsoft GothicNeo Light" panose="020B0300000101010101" pitchFamily="50" charset="-127"/>
                   <a:cs typeface="Microsoft GothicNeo Light" panose="020B0300000101010101" pitchFamily="50" charset="-127"/>
                 </a:rPr>
-                <a:t>유저 수</a:t>
+                <a:t>유저 수 </a:t>
+              </a:r>
+              <a:endParaRPr lang="en-US" altLang="ko-KR" sz="800" dirty="0">
+                <a:latin typeface="Microsoft GothicNeo Light" panose="020B0300000101010101" pitchFamily="50" charset="-127"/>
+                <a:ea typeface="Microsoft GothicNeo Light" panose="020B0300000101010101" pitchFamily="50" charset="-127"/>
+                <a:cs typeface="Microsoft GothicNeo Light" panose="020B0300000101010101" pitchFamily="50" charset="-127"/>
+              </a:endParaRPr>
+            </a:p>
+            <a:p>
+              <a:pPr algn="ctr"/>
+              <a:r>
+                <a:rPr lang="en-US" altLang="ko-KR" sz="800" dirty="0">
+                  <a:latin typeface="Microsoft GothicNeo Light" panose="020B0300000101010101" pitchFamily="50" charset="-127"/>
+                  <a:ea typeface="Microsoft GothicNeo Light" panose="020B0300000101010101" pitchFamily="50" charset="-127"/>
+                  <a:cs typeface="Microsoft GothicNeo Light" panose="020B0300000101010101" pitchFamily="50" charset="-127"/>
+                </a:rPr>
+                <a:t>&amp;&amp;</a:t>
+              </a:r>
+            </a:p>
+            <a:p>
+              <a:pPr algn="ctr"/>
+              <a:r>
+                <a:rPr lang="ko-KR" altLang="en-US" sz="800" dirty="0">
+                  <a:latin typeface="Microsoft GothicNeo Light" panose="020B0300000101010101" pitchFamily="50" charset="-127"/>
+                  <a:ea typeface="Microsoft GothicNeo Light" panose="020B0300000101010101" pitchFamily="50" charset="-127"/>
+                  <a:cs typeface="Microsoft GothicNeo Light" panose="020B0300000101010101" pitchFamily="50" charset="-127"/>
+                </a:rPr>
+                <a:t>전체 방 키 획득</a:t>
               </a:r>
             </a:p>
           </p:txBody>
@@ -17832,7 +17859,7 @@
           <p:spPr>
             <a:xfrm>
               <a:off x="2153652" y="2556713"/>
-              <a:ext cx="0" cy="434640"/>
+              <a:ext cx="0" cy="678276"/>
             </a:xfrm>
             <a:prstGeom prst="straightConnector1">
               <a:avLst/>
@@ -17873,7 +17900,7 @@
           </p:nvCxnSpPr>
           <p:spPr>
             <a:xfrm rot="16200000" flipV="1">
-              <a:off x="3080083" y="1849854"/>
+              <a:off x="3080083" y="2093490"/>
               <a:ext cx="303799" cy="2156660"/>
             </a:xfrm>
             <a:prstGeom prst="bentConnector2">
@@ -17916,7 +17943,7 @@
           </p:nvCxnSpPr>
           <p:spPr>
             <a:xfrm>
-              <a:off x="3422984" y="3334253"/>
+              <a:off x="3422984" y="3577889"/>
               <a:ext cx="132346" cy="4510"/>
             </a:xfrm>
             <a:prstGeom prst="straightConnector1">
@@ -17959,8 +17986,8 @@
           </p:nvCxnSpPr>
           <p:spPr>
             <a:xfrm flipH="1">
-              <a:off x="2153648" y="3677153"/>
-              <a:ext cx="4" cy="860252"/>
+              <a:off x="2153648" y="3920789"/>
+              <a:ext cx="4" cy="616616"/>
             </a:xfrm>
             <a:prstGeom prst="straightConnector1">
               <a:avLst/>
@@ -18161,7 +18188,7 @@
           </p:nvSpPr>
           <p:spPr>
             <a:xfrm>
-              <a:off x="2179776" y="3650468"/>
+              <a:off x="2179776" y="3894104"/>
               <a:ext cx="394660" cy="230832"/>
             </a:xfrm>
             <a:prstGeom prst="rect">
@@ -18205,7 +18232,7 @@
           </p:nvSpPr>
           <p:spPr>
             <a:xfrm>
-              <a:off x="3212830" y="3091386"/>
+              <a:off x="3212830" y="3335022"/>
               <a:ext cx="420308" cy="230832"/>
             </a:xfrm>
             <a:prstGeom prst="rect">
@@ -21777,7 +21804,7 @@
         </p:nvSpPr>
         <p:spPr>
           <a:xfrm>
-            <a:off x="7115982" y="1795874"/>
+            <a:off x="7115982" y="1717924"/>
             <a:ext cx="1509960" cy="336884"/>
           </a:xfrm>
           <a:prstGeom prst="flowChartAlternateProcess">
@@ -21962,8 +21989,8 @@
         </p:nvCxnSpPr>
         <p:spPr>
           <a:xfrm flipV="1">
-            <a:off x="7523924" y="2132758"/>
-            <a:ext cx="347038" cy="530305"/>
+            <a:off x="7523924" y="2054808"/>
+            <a:ext cx="347038" cy="608255"/>
           </a:xfrm>
           <a:prstGeom prst="bentConnector2">
             <a:avLst/>
@@ -22535,8 +22562,8 @@
         </p:nvCxnSpPr>
         <p:spPr>
           <a:xfrm flipH="1">
-            <a:off x="6278210" y="1964316"/>
-            <a:ext cx="837772" cy="0"/>
+            <a:off x="3303279" y="1886366"/>
+            <a:ext cx="3812703" cy="0"/>
           </a:xfrm>
           <a:prstGeom prst="straightConnector1">
             <a:avLst/>
@@ -22619,12 +22646,12 @@
         </p:nvCxnSpPr>
         <p:spPr>
           <a:xfrm rot="10800000">
-            <a:off x="3264609" y="1689504"/>
-            <a:ext cx="5360462" cy="1562446"/>
+            <a:off x="3372523" y="1692180"/>
+            <a:ext cx="5252549" cy="1559770"/>
           </a:xfrm>
           <a:prstGeom prst="bentConnector3">
             <a:avLst>
-              <a:gd name="adj1" fmla="val -1987"/>
+              <a:gd name="adj1" fmla="val -1883"/>
             </a:avLst>
           </a:prstGeom>
           <a:ln>
@@ -22678,2887 +22705,6 @@
       </p:grpSpPr>
       <p:sp>
         <p:nvSpPr>
-          <p:cNvPr id="2" name="순서도: 대체 처리 1">
-            <a:extLst>
-              <a:ext uri="{FF2B5EF4-FFF2-40B4-BE49-F238E27FC236}">
-                <a16:creationId xmlns:a16="http://schemas.microsoft.com/office/drawing/2014/main" id="{9DB4B14E-1F13-5C97-51BE-28FBD18C3D07}"/>
-              </a:ext>
-            </a:extLst>
-          </p:cNvPr>
-          <p:cNvSpPr/>
-          <p:nvPr/>
-        </p:nvSpPr>
-        <p:spPr>
-          <a:xfrm>
-            <a:off x="714354" y="415032"/>
-            <a:ext cx="1509960" cy="336884"/>
-          </a:xfrm>
-          <a:prstGeom prst="flowChartAlternateProcess">
-            <a:avLst/>
-          </a:prstGeom>
-        </p:spPr>
-        <p:style>
-          <a:lnRef idx="2">
-            <a:schemeClr val="dk1"/>
-          </a:lnRef>
-          <a:fillRef idx="1">
-            <a:schemeClr val="lt1"/>
-          </a:fillRef>
-          <a:effectRef idx="0">
-            <a:schemeClr val="dk1"/>
-          </a:effectRef>
-          <a:fontRef idx="minor">
-            <a:schemeClr val="dk1"/>
-          </a:fontRef>
-        </p:style>
-        <p:txBody>
-          <a:bodyPr rtlCol="0" anchor="ctr"/>
-          <a:lstStyle/>
-          <a:p>
-            <a:pPr algn="ctr"/>
-            <a:r>
-              <a:rPr lang="ko-KR" altLang="en-US" sz="1000" dirty="0">
-                <a:latin typeface="Microsoft GothicNeo Light" panose="020B0300000101010101" pitchFamily="50" charset="-127"/>
-                <a:ea typeface="Microsoft GothicNeo Light" panose="020B0300000101010101" pitchFamily="50" charset="-127"/>
-                <a:cs typeface="Microsoft GothicNeo Light" panose="020B0300000101010101" pitchFamily="50" charset="-127"/>
-              </a:rPr>
-              <a:t>초기화</a:t>
-            </a:r>
-            <a:endParaRPr lang="en-US" altLang="ko-KR" sz="1000" dirty="0">
-              <a:latin typeface="Microsoft GothicNeo Light" panose="020B0300000101010101" pitchFamily="50" charset="-127"/>
-              <a:ea typeface="Microsoft GothicNeo Light" panose="020B0300000101010101" pitchFamily="50" charset="-127"/>
-              <a:cs typeface="Microsoft GothicNeo Light" panose="020B0300000101010101" pitchFamily="50" charset="-127"/>
-            </a:endParaRPr>
-          </a:p>
-        </p:txBody>
-      </p:sp>
-      <p:cxnSp>
-        <p:nvCxnSpPr>
-          <p:cNvPr id="6" name="직선 화살표 연결선 5">
-            <a:extLst>
-              <a:ext uri="{FF2B5EF4-FFF2-40B4-BE49-F238E27FC236}">
-                <a16:creationId xmlns:a16="http://schemas.microsoft.com/office/drawing/2014/main" id="{D8C9C8DF-223F-2A5E-970E-B15DC95C0AB4}"/>
-              </a:ext>
-            </a:extLst>
-          </p:cNvPr>
-          <p:cNvCxnSpPr>
-            <a:cxnSpLocks/>
-            <a:stCxn id="2" idx="2"/>
-            <a:endCxn id="11" idx="0"/>
-          </p:cNvCxnSpPr>
-          <p:nvPr/>
-        </p:nvCxnSpPr>
-        <p:spPr>
-          <a:xfrm>
-            <a:off x="1469334" y="751916"/>
-            <a:ext cx="0" cy="508167"/>
-          </a:xfrm>
-          <a:prstGeom prst="straightConnector1">
-            <a:avLst/>
-          </a:prstGeom>
-          <a:ln>
-            <a:tailEnd type="triangle"/>
-          </a:ln>
-        </p:spPr>
-        <p:style>
-          <a:lnRef idx="1">
-            <a:schemeClr val="dk1"/>
-          </a:lnRef>
-          <a:fillRef idx="0">
-            <a:schemeClr val="dk1"/>
-          </a:fillRef>
-          <a:effectRef idx="0">
-            <a:schemeClr val="dk1"/>
-          </a:effectRef>
-          <a:fontRef idx="minor">
-            <a:schemeClr val="tx1"/>
-          </a:fontRef>
-        </p:style>
-      </p:cxnSp>
-      <p:sp>
-        <p:nvSpPr>
-          <p:cNvPr id="9" name="순서도: 판단 8">
-            <a:extLst>
-              <a:ext uri="{FF2B5EF4-FFF2-40B4-BE49-F238E27FC236}">
-                <a16:creationId xmlns:a16="http://schemas.microsoft.com/office/drawing/2014/main" id="{64A7629F-2A32-8A9B-15C3-098785CF5388}"/>
-              </a:ext>
-            </a:extLst>
-          </p:cNvPr>
-          <p:cNvSpPr/>
-          <p:nvPr/>
-        </p:nvSpPr>
-        <p:spPr>
-          <a:xfrm>
-            <a:off x="7411470" y="1260083"/>
-            <a:ext cx="2633946" cy="685800"/>
-          </a:xfrm>
-          <a:prstGeom prst="flowChartDecision">
-            <a:avLst/>
-          </a:prstGeom>
-          <a:noFill/>
-          <a:ln w="9525" cap="flat" cmpd="sng" algn="ctr">
-            <a:solidFill>
-              <a:schemeClr val="dk1"/>
-            </a:solidFill>
-            <a:prstDash val="solid"/>
-            <a:round/>
-            <a:headEnd type="none" w="med" len="med"/>
-            <a:tailEnd type="none" w="med" len="med"/>
-          </a:ln>
-        </p:spPr>
-        <p:style>
-          <a:lnRef idx="0">
-            <a:scrgbClr r="0" g="0" b="0"/>
-          </a:lnRef>
-          <a:fillRef idx="0">
-            <a:scrgbClr r="0" g="0" b="0"/>
-          </a:fillRef>
-          <a:effectRef idx="0">
-            <a:scrgbClr r="0" g="0" b="0"/>
-          </a:effectRef>
-          <a:fontRef idx="minor">
-            <a:schemeClr val="dk1"/>
-          </a:fontRef>
-        </p:style>
-        <p:txBody>
-          <a:bodyPr rtlCol="0" anchor="ctr"/>
-          <a:lstStyle/>
-          <a:p>
-            <a:pPr algn="ctr"/>
-            <a:r>
-              <a:rPr lang="ko-KR" altLang="en-US" sz="1000" dirty="0">
-                <a:latin typeface="Microsoft GothicNeo Light" panose="020B0300000101010101" pitchFamily="50" charset="-127"/>
-                <a:ea typeface="Microsoft GothicNeo Light" panose="020B0300000101010101" pitchFamily="50" charset="-127"/>
-                <a:cs typeface="Microsoft GothicNeo Light" panose="020B0300000101010101" pitchFamily="50" charset="-127"/>
-              </a:rPr>
-              <a:t>타겟 설정 유저 유무</a:t>
-            </a:r>
-          </a:p>
-        </p:txBody>
-      </p:sp>
-      <p:sp>
-        <p:nvSpPr>
-          <p:cNvPr id="10" name="순서도: 판단 9">
-            <a:extLst>
-              <a:ext uri="{FF2B5EF4-FFF2-40B4-BE49-F238E27FC236}">
-                <a16:creationId xmlns:a16="http://schemas.microsoft.com/office/drawing/2014/main" id="{0640EB2B-B7C1-F5A4-4C5C-4368C0F9096E}"/>
-              </a:ext>
-            </a:extLst>
-          </p:cNvPr>
-          <p:cNvSpPr/>
-          <p:nvPr/>
-        </p:nvSpPr>
-        <p:spPr>
-          <a:xfrm>
-            <a:off x="3460551" y="1260083"/>
-            <a:ext cx="2633946" cy="685800"/>
-          </a:xfrm>
-          <a:prstGeom prst="flowChartDecision">
-            <a:avLst/>
-          </a:prstGeom>
-          <a:noFill/>
-          <a:ln w="9525" cap="flat" cmpd="sng" algn="ctr">
-            <a:solidFill>
-              <a:schemeClr val="dk1"/>
-            </a:solidFill>
-            <a:prstDash val="solid"/>
-            <a:round/>
-            <a:headEnd type="none" w="med" len="med"/>
-            <a:tailEnd type="none" w="med" len="med"/>
-          </a:ln>
-        </p:spPr>
-        <p:style>
-          <a:lnRef idx="0">
-            <a:scrgbClr r="0" g="0" b="0"/>
-          </a:lnRef>
-          <a:fillRef idx="0">
-            <a:scrgbClr r="0" g="0" b="0"/>
-          </a:fillRef>
-          <a:effectRef idx="0">
-            <a:scrgbClr r="0" g="0" b="0"/>
-          </a:effectRef>
-          <a:fontRef idx="minor">
-            <a:schemeClr val="dk1"/>
-          </a:fontRef>
-        </p:style>
-        <p:txBody>
-          <a:bodyPr rtlCol="0" anchor="ctr"/>
-          <a:lstStyle/>
-          <a:p>
-            <a:pPr algn="ctr"/>
-            <a:r>
-              <a:rPr lang="ko-KR" altLang="en-US" sz="1000" dirty="0">
-                <a:latin typeface="Microsoft GothicNeo Light" panose="020B0300000101010101" pitchFamily="50" charset="-127"/>
-                <a:ea typeface="Microsoft GothicNeo Light" panose="020B0300000101010101" pitchFamily="50" charset="-127"/>
-                <a:cs typeface="Microsoft GothicNeo Light" panose="020B0300000101010101" pitchFamily="50" charset="-127"/>
-              </a:rPr>
-              <a:t>시간분기점</a:t>
-            </a:r>
-          </a:p>
-        </p:txBody>
-      </p:sp>
-      <p:sp>
-        <p:nvSpPr>
-          <p:cNvPr id="11" name="순서도: 판단 10">
-            <a:extLst>
-              <a:ext uri="{FF2B5EF4-FFF2-40B4-BE49-F238E27FC236}">
-                <a16:creationId xmlns:a16="http://schemas.microsoft.com/office/drawing/2014/main" id="{2683E8DA-3644-323D-2299-9B3B1AD03E97}"/>
-              </a:ext>
-            </a:extLst>
-          </p:cNvPr>
-          <p:cNvSpPr/>
-          <p:nvPr/>
-        </p:nvSpPr>
-        <p:spPr>
-          <a:xfrm>
-            <a:off x="152361" y="1260083"/>
-            <a:ext cx="2633946" cy="685800"/>
-          </a:xfrm>
-          <a:prstGeom prst="flowChartDecision">
-            <a:avLst/>
-          </a:prstGeom>
-          <a:noFill/>
-          <a:ln w="9525" cap="flat" cmpd="sng" algn="ctr">
-            <a:solidFill>
-              <a:schemeClr val="dk1"/>
-            </a:solidFill>
-            <a:prstDash val="solid"/>
-            <a:round/>
-            <a:headEnd type="none" w="med" len="med"/>
-            <a:tailEnd type="none" w="med" len="med"/>
-          </a:ln>
-        </p:spPr>
-        <p:style>
-          <a:lnRef idx="0">
-            <a:scrgbClr r="0" g="0" b="0"/>
-          </a:lnRef>
-          <a:fillRef idx="0">
-            <a:scrgbClr r="0" g="0" b="0"/>
-          </a:fillRef>
-          <a:effectRef idx="0">
-            <a:scrgbClr r="0" g="0" b="0"/>
-          </a:effectRef>
-          <a:fontRef idx="minor">
-            <a:schemeClr val="dk1"/>
-          </a:fontRef>
-        </p:style>
-        <p:txBody>
-          <a:bodyPr rtlCol="0" anchor="ctr"/>
-          <a:lstStyle/>
-          <a:p>
-            <a:pPr algn="ctr"/>
-            <a:r>
-              <a:rPr lang="ko-KR" altLang="en-US" sz="1000" dirty="0">
-                <a:latin typeface="Microsoft GothicNeo Light" panose="020B0300000101010101" pitchFamily="50" charset="-127"/>
-                <a:ea typeface="Microsoft GothicNeo Light" panose="020B0300000101010101" pitchFamily="50" charset="-127"/>
-                <a:cs typeface="Microsoft GothicNeo Light" panose="020B0300000101010101" pitchFamily="50" charset="-127"/>
-              </a:rPr>
-              <a:t>체력 분기점</a:t>
-            </a:r>
-          </a:p>
-        </p:txBody>
-      </p:sp>
-      <p:cxnSp>
-        <p:nvCxnSpPr>
-          <p:cNvPr id="15" name="직선 화살표 연결선 14">
-            <a:extLst>
-              <a:ext uri="{FF2B5EF4-FFF2-40B4-BE49-F238E27FC236}">
-                <a16:creationId xmlns:a16="http://schemas.microsoft.com/office/drawing/2014/main" id="{3EF342BB-F20C-4242-1F9E-798D8A65E43A}"/>
-              </a:ext>
-            </a:extLst>
-          </p:cNvPr>
-          <p:cNvCxnSpPr>
-            <a:cxnSpLocks/>
-            <a:stCxn id="11" idx="3"/>
-            <a:endCxn id="10" idx="1"/>
-          </p:cNvCxnSpPr>
-          <p:nvPr/>
-        </p:nvCxnSpPr>
-        <p:spPr>
-          <a:xfrm>
-            <a:off x="2786307" y="1602983"/>
-            <a:ext cx="674244" cy="0"/>
-          </a:xfrm>
-          <a:prstGeom prst="straightConnector1">
-            <a:avLst/>
-          </a:prstGeom>
-          <a:ln>
-            <a:tailEnd type="triangle"/>
-          </a:ln>
-        </p:spPr>
-        <p:style>
-          <a:lnRef idx="1">
-            <a:schemeClr val="dk1"/>
-          </a:lnRef>
-          <a:fillRef idx="0">
-            <a:schemeClr val="dk1"/>
-          </a:fillRef>
-          <a:effectRef idx="0">
-            <a:schemeClr val="dk1"/>
-          </a:effectRef>
-          <a:fontRef idx="minor">
-            <a:schemeClr val="tx1"/>
-          </a:fontRef>
-        </p:style>
-      </p:cxnSp>
-      <p:cxnSp>
-        <p:nvCxnSpPr>
-          <p:cNvPr id="19" name="직선 화살표 연결선 18">
-            <a:extLst>
-              <a:ext uri="{FF2B5EF4-FFF2-40B4-BE49-F238E27FC236}">
-                <a16:creationId xmlns:a16="http://schemas.microsoft.com/office/drawing/2014/main" id="{1CCB5D23-97C9-AA5E-7231-B7369A8F2F0C}"/>
-              </a:ext>
-            </a:extLst>
-          </p:cNvPr>
-          <p:cNvCxnSpPr>
-            <a:cxnSpLocks/>
-            <a:stCxn id="10" idx="3"/>
-            <a:endCxn id="9" idx="1"/>
-          </p:cNvCxnSpPr>
-          <p:nvPr/>
-        </p:nvCxnSpPr>
-        <p:spPr>
-          <a:xfrm>
-            <a:off x="6094497" y="1602983"/>
-            <a:ext cx="1316973" cy="0"/>
-          </a:xfrm>
-          <a:prstGeom prst="straightConnector1">
-            <a:avLst/>
-          </a:prstGeom>
-          <a:ln>
-            <a:tailEnd type="triangle"/>
-          </a:ln>
-        </p:spPr>
-        <p:style>
-          <a:lnRef idx="1">
-            <a:schemeClr val="dk1"/>
-          </a:lnRef>
-          <a:fillRef idx="0">
-            <a:schemeClr val="dk1"/>
-          </a:fillRef>
-          <a:effectRef idx="0">
-            <a:schemeClr val="dk1"/>
-          </a:effectRef>
-          <a:fontRef idx="minor">
-            <a:schemeClr val="tx1"/>
-          </a:fontRef>
-        </p:style>
-      </p:cxnSp>
-      <p:sp>
-        <p:nvSpPr>
-          <p:cNvPr id="23" name="TextBox 22">
-            <a:extLst>
-              <a:ext uri="{FF2B5EF4-FFF2-40B4-BE49-F238E27FC236}">
-                <a16:creationId xmlns:a16="http://schemas.microsoft.com/office/drawing/2014/main" id="{9F4FE44B-8B53-EA2D-8E14-41C3F605B20F}"/>
-              </a:ext>
-            </a:extLst>
-          </p:cNvPr>
-          <p:cNvSpPr txBox="1"/>
-          <p:nvPr/>
-        </p:nvSpPr>
-        <p:spPr>
-          <a:xfrm>
-            <a:off x="1595540" y="1945883"/>
-            <a:ext cx="394660" cy="230832"/>
-          </a:xfrm>
-          <a:prstGeom prst="rect">
-            <a:avLst/>
-          </a:prstGeom>
-          <a:noFill/>
-        </p:spPr>
-        <p:txBody>
-          <a:bodyPr wrap="none" rtlCol="0">
-            <a:spAutoFit/>
-          </a:bodyPr>
-          <a:lstStyle/>
-          <a:p>
-            <a:r>
-              <a:rPr lang="en-US" altLang="ko-KR" sz="900" dirty="0">
-                <a:latin typeface="Microsoft GothicNeo Light" panose="020B0300000101010101" pitchFamily="50" charset="-127"/>
-                <a:ea typeface="Microsoft GothicNeo Light" panose="020B0300000101010101" pitchFamily="50" charset="-127"/>
-                <a:cs typeface="Microsoft GothicNeo Light" panose="020B0300000101010101" pitchFamily="50" charset="-127"/>
-              </a:rPr>
-              <a:t>true</a:t>
-            </a:r>
-            <a:endParaRPr lang="ko-KR" altLang="en-US" sz="900" dirty="0">
-              <a:latin typeface="Microsoft GothicNeo Light" panose="020B0300000101010101" pitchFamily="50" charset="-127"/>
-              <a:ea typeface="Microsoft GothicNeo Light" panose="020B0300000101010101" pitchFamily="50" charset="-127"/>
-              <a:cs typeface="Microsoft GothicNeo Light" panose="020B0300000101010101" pitchFamily="50" charset="-127"/>
-            </a:endParaRPr>
-          </a:p>
-        </p:txBody>
-      </p:sp>
-      <p:sp>
-        <p:nvSpPr>
-          <p:cNvPr id="24" name="TextBox 23">
-            <a:extLst>
-              <a:ext uri="{FF2B5EF4-FFF2-40B4-BE49-F238E27FC236}">
-                <a16:creationId xmlns:a16="http://schemas.microsoft.com/office/drawing/2014/main" id="{96C990DF-5484-9A78-87D6-59B6A045FB95}"/>
-              </a:ext>
-            </a:extLst>
-          </p:cNvPr>
-          <p:cNvSpPr txBox="1"/>
-          <p:nvPr/>
-        </p:nvSpPr>
-        <p:spPr>
-          <a:xfrm>
-            <a:off x="2786307" y="1372151"/>
-            <a:ext cx="420308" cy="230832"/>
-          </a:xfrm>
-          <a:prstGeom prst="rect">
-            <a:avLst/>
-          </a:prstGeom>
-          <a:noFill/>
-        </p:spPr>
-        <p:txBody>
-          <a:bodyPr wrap="square" rtlCol="0">
-            <a:spAutoFit/>
-          </a:bodyPr>
-          <a:lstStyle/>
-          <a:p>
-            <a:r>
-              <a:rPr lang="en-US" altLang="ko-KR" sz="900" dirty="0">
-                <a:latin typeface="Microsoft GothicNeo Light" panose="020B0300000101010101" pitchFamily="50" charset="-127"/>
-                <a:ea typeface="Microsoft GothicNeo Light" panose="020B0300000101010101" pitchFamily="50" charset="-127"/>
-                <a:cs typeface="Microsoft GothicNeo Light" panose="020B0300000101010101" pitchFamily="50" charset="-127"/>
-              </a:rPr>
-              <a:t>false</a:t>
-            </a:r>
-            <a:endParaRPr lang="ko-KR" altLang="en-US" sz="900" dirty="0">
-              <a:latin typeface="Microsoft GothicNeo Light" panose="020B0300000101010101" pitchFamily="50" charset="-127"/>
-              <a:ea typeface="Microsoft GothicNeo Light" panose="020B0300000101010101" pitchFamily="50" charset="-127"/>
-              <a:cs typeface="Microsoft GothicNeo Light" panose="020B0300000101010101" pitchFamily="50" charset="-127"/>
-            </a:endParaRPr>
-          </a:p>
-        </p:txBody>
-      </p:sp>
-      <p:sp>
-        <p:nvSpPr>
-          <p:cNvPr id="25" name="순서도: 대체 처리 24">
-            <a:extLst>
-              <a:ext uri="{FF2B5EF4-FFF2-40B4-BE49-F238E27FC236}">
-                <a16:creationId xmlns:a16="http://schemas.microsoft.com/office/drawing/2014/main" id="{EB70D168-607B-45DA-38DC-9A3BD39FD862}"/>
-              </a:ext>
-            </a:extLst>
-          </p:cNvPr>
-          <p:cNvSpPr/>
-          <p:nvPr/>
-        </p:nvSpPr>
-        <p:spPr>
-          <a:xfrm>
-            <a:off x="2114666" y="4416696"/>
-            <a:ext cx="1509960" cy="368058"/>
-          </a:xfrm>
-          <a:prstGeom prst="flowChartAlternateProcess">
-            <a:avLst/>
-          </a:prstGeom>
-        </p:spPr>
-        <p:style>
-          <a:lnRef idx="2">
-            <a:schemeClr val="dk1"/>
-          </a:lnRef>
-          <a:fillRef idx="1">
-            <a:schemeClr val="lt1"/>
-          </a:fillRef>
-          <a:effectRef idx="0">
-            <a:schemeClr val="dk1"/>
-          </a:effectRef>
-          <a:fontRef idx="minor">
-            <a:schemeClr val="dk1"/>
-          </a:fontRef>
-        </p:style>
-        <p:txBody>
-          <a:bodyPr rtlCol="0" anchor="ctr"/>
-          <a:lstStyle/>
-          <a:p>
-            <a:pPr algn="ctr"/>
-            <a:r>
-              <a:rPr lang="ko-KR" altLang="en-US" sz="1000" dirty="0">
-                <a:latin typeface="Microsoft GothicNeo Light" panose="020B0300000101010101" pitchFamily="50" charset="-127"/>
-                <a:ea typeface="Microsoft GothicNeo Light" panose="020B0300000101010101" pitchFamily="50" charset="-127"/>
-                <a:cs typeface="Microsoft GothicNeo Light" panose="020B0300000101010101" pitchFamily="50" charset="-127"/>
-              </a:rPr>
-              <a:t>기본상태 변경</a:t>
-            </a:r>
-            <a:endParaRPr lang="en-US" altLang="ko-KR" sz="1000" dirty="0">
-              <a:latin typeface="Microsoft GothicNeo Light" panose="020B0300000101010101" pitchFamily="50" charset="-127"/>
-              <a:ea typeface="Microsoft GothicNeo Light" panose="020B0300000101010101" pitchFamily="50" charset="-127"/>
-              <a:cs typeface="Microsoft GothicNeo Light" panose="020B0300000101010101" pitchFamily="50" charset="-127"/>
-            </a:endParaRPr>
-          </a:p>
-        </p:txBody>
-      </p:sp>
-      <p:sp>
-        <p:nvSpPr>
-          <p:cNvPr id="28" name="TextBox 27">
-            <a:extLst>
-              <a:ext uri="{FF2B5EF4-FFF2-40B4-BE49-F238E27FC236}">
-                <a16:creationId xmlns:a16="http://schemas.microsoft.com/office/drawing/2014/main" id="{D43A9F07-6045-38B2-7B64-B19F801D6C36}"/>
-              </a:ext>
-            </a:extLst>
-          </p:cNvPr>
-          <p:cNvSpPr txBox="1"/>
-          <p:nvPr/>
-        </p:nvSpPr>
-        <p:spPr>
-          <a:xfrm>
-            <a:off x="4903730" y="1945883"/>
-            <a:ext cx="394660" cy="230832"/>
-          </a:xfrm>
-          <a:prstGeom prst="rect">
-            <a:avLst/>
-          </a:prstGeom>
-          <a:noFill/>
-        </p:spPr>
-        <p:txBody>
-          <a:bodyPr wrap="none" rtlCol="0">
-            <a:spAutoFit/>
-          </a:bodyPr>
-          <a:lstStyle/>
-          <a:p>
-            <a:r>
-              <a:rPr lang="en-US" altLang="ko-KR" sz="900" dirty="0">
-                <a:latin typeface="Microsoft GothicNeo Light" panose="020B0300000101010101" pitchFamily="50" charset="-127"/>
-                <a:ea typeface="Microsoft GothicNeo Light" panose="020B0300000101010101" pitchFamily="50" charset="-127"/>
-                <a:cs typeface="Microsoft GothicNeo Light" panose="020B0300000101010101" pitchFamily="50" charset="-127"/>
-              </a:rPr>
-              <a:t>true</a:t>
-            </a:r>
-            <a:endParaRPr lang="ko-KR" altLang="en-US" sz="900" dirty="0">
-              <a:latin typeface="Microsoft GothicNeo Light" panose="020B0300000101010101" pitchFamily="50" charset="-127"/>
-              <a:ea typeface="Microsoft GothicNeo Light" panose="020B0300000101010101" pitchFamily="50" charset="-127"/>
-              <a:cs typeface="Microsoft GothicNeo Light" panose="020B0300000101010101" pitchFamily="50" charset="-127"/>
-            </a:endParaRPr>
-          </a:p>
-        </p:txBody>
-      </p:sp>
-      <p:sp>
-        <p:nvSpPr>
-          <p:cNvPr id="29" name="TextBox 28">
-            <a:extLst>
-              <a:ext uri="{FF2B5EF4-FFF2-40B4-BE49-F238E27FC236}">
-                <a16:creationId xmlns:a16="http://schemas.microsoft.com/office/drawing/2014/main" id="{6597CE9B-9EB9-C2BD-77D2-8B81C1D1B982}"/>
-              </a:ext>
-            </a:extLst>
-          </p:cNvPr>
-          <p:cNvSpPr txBox="1"/>
-          <p:nvPr/>
-        </p:nvSpPr>
-        <p:spPr>
-          <a:xfrm>
-            <a:off x="10045416" y="1347148"/>
-            <a:ext cx="420308" cy="230832"/>
-          </a:xfrm>
-          <a:prstGeom prst="rect">
-            <a:avLst/>
-          </a:prstGeom>
-          <a:noFill/>
-        </p:spPr>
-        <p:txBody>
-          <a:bodyPr wrap="square" rtlCol="0">
-            <a:spAutoFit/>
-          </a:bodyPr>
-          <a:lstStyle/>
-          <a:p>
-            <a:r>
-              <a:rPr lang="en-US" altLang="ko-KR" sz="900" dirty="0">
-                <a:latin typeface="Microsoft GothicNeo Light" panose="020B0300000101010101" pitchFamily="50" charset="-127"/>
-                <a:ea typeface="Microsoft GothicNeo Light" panose="020B0300000101010101" pitchFamily="50" charset="-127"/>
-                <a:cs typeface="Microsoft GothicNeo Light" panose="020B0300000101010101" pitchFamily="50" charset="-127"/>
-              </a:rPr>
-              <a:t>false</a:t>
-            </a:r>
-            <a:endParaRPr lang="ko-KR" altLang="en-US" sz="900" dirty="0">
-              <a:latin typeface="Microsoft GothicNeo Light" panose="020B0300000101010101" pitchFamily="50" charset="-127"/>
-              <a:ea typeface="Microsoft GothicNeo Light" panose="020B0300000101010101" pitchFamily="50" charset="-127"/>
-              <a:cs typeface="Microsoft GothicNeo Light" panose="020B0300000101010101" pitchFamily="50" charset="-127"/>
-            </a:endParaRPr>
-          </a:p>
-        </p:txBody>
-      </p:sp>
-      <p:cxnSp>
-        <p:nvCxnSpPr>
-          <p:cNvPr id="30" name="연결선: 꺾임 29">
-            <a:extLst>
-              <a:ext uri="{FF2B5EF4-FFF2-40B4-BE49-F238E27FC236}">
-                <a16:creationId xmlns:a16="http://schemas.microsoft.com/office/drawing/2014/main" id="{F4EDFD1D-5E5A-E43A-4621-490AC6DDCFCD}"/>
-              </a:ext>
-            </a:extLst>
-          </p:cNvPr>
-          <p:cNvCxnSpPr>
-            <a:cxnSpLocks/>
-            <a:stCxn id="9" idx="3"/>
-            <a:endCxn id="106" idx="0"/>
-          </p:cNvCxnSpPr>
-          <p:nvPr/>
-        </p:nvCxnSpPr>
-        <p:spPr>
-          <a:xfrm>
-            <a:off x="10045416" y="1602983"/>
-            <a:ext cx="677250" cy="288877"/>
-          </a:xfrm>
-          <a:prstGeom prst="bentConnector2">
-            <a:avLst/>
-          </a:prstGeom>
-          <a:ln>
-            <a:tailEnd type="triangle"/>
-          </a:ln>
-        </p:spPr>
-        <p:style>
-          <a:lnRef idx="1">
-            <a:schemeClr val="dk1"/>
-          </a:lnRef>
-          <a:fillRef idx="0">
-            <a:schemeClr val="dk1"/>
-          </a:fillRef>
-          <a:effectRef idx="0">
-            <a:schemeClr val="dk1"/>
-          </a:effectRef>
-          <a:fontRef idx="minor">
-            <a:schemeClr val="tx1"/>
-          </a:fontRef>
-        </p:style>
-      </p:cxnSp>
-      <p:sp>
-        <p:nvSpPr>
-          <p:cNvPr id="37" name="순서도: 대체 처리 36">
-            <a:extLst>
-              <a:ext uri="{FF2B5EF4-FFF2-40B4-BE49-F238E27FC236}">
-                <a16:creationId xmlns:a16="http://schemas.microsoft.com/office/drawing/2014/main" id="{3C3E4B06-D029-B510-8B30-0B3DEF5A916F}"/>
-              </a:ext>
-            </a:extLst>
-          </p:cNvPr>
-          <p:cNvSpPr/>
-          <p:nvPr/>
-        </p:nvSpPr>
-        <p:spPr>
-          <a:xfrm>
-            <a:off x="2114666" y="2549043"/>
-            <a:ext cx="1509960" cy="336884"/>
-          </a:xfrm>
-          <a:prstGeom prst="flowChartAlternateProcess">
-            <a:avLst/>
-          </a:prstGeom>
-        </p:spPr>
-        <p:style>
-          <a:lnRef idx="2">
-            <a:schemeClr val="dk1"/>
-          </a:lnRef>
-          <a:fillRef idx="1">
-            <a:schemeClr val="lt1"/>
-          </a:fillRef>
-          <a:effectRef idx="0">
-            <a:schemeClr val="dk1"/>
-          </a:effectRef>
-          <a:fontRef idx="minor">
-            <a:schemeClr val="dk1"/>
-          </a:fontRef>
-        </p:style>
-        <p:txBody>
-          <a:bodyPr rtlCol="0" anchor="ctr"/>
-          <a:lstStyle/>
-          <a:p>
-            <a:pPr algn="ctr"/>
-            <a:r>
-              <a:rPr lang="ko-KR" altLang="en-US" sz="1000" dirty="0" err="1">
-                <a:latin typeface="Microsoft GothicNeo Light" panose="020B0300000101010101" pitchFamily="50" charset="-127"/>
-                <a:ea typeface="Microsoft GothicNeo Light" panose="020B0300000101010101" pitchFamily="50" charset="-127"/>
-                <a:cs typeface="Microsoft GothicNeo Light" panose="020B0300000101010101" pitchFamily="50" charset="-127"/>
-              </a:rPr>
-              <a:t>전멸기</a:t>
-            </a:r>
-            <a:r>
-              <a:rPr lang="ko-KR" altLang="en-US" sz="1000" dirty="0">
-                <a:latin typeface="Microsoft GothicNeo Light" panose="020B0300000101010101" pitchFamily="50" charset="-127"/>
-                <a:ea typeface="Microsoft GothicNeo Light" panose="020B0300000101010101" pitchFamily="50" charset="-127"/>
-                <a:cs typeface="Microsoft GothicNeo Light" panose="020B0300000101010101" pitchFamily="50" charset="-127"/>
-              </a:rPr>
-              <a:t> </a:t>
-            </a:r>
-            <a:r>
-              <a:rPr lang="en-US" altLang="ko-KR" sz="1000" dirty="0">
-                <a:latin typeface="Microsoft GothicNeo Light" panose="020B0300000101010101" pitchFamily="50" charset="-127"/>
-                <a:ea typeface="Microsoft GothicNeo Light" panose="020B0300000101010101" pitchFamily="50" charset="-127"/>
-                <a:cs typeface="Microsoft GothicNeo Light" panose="020B0300000101010101" pitchFamily="50" charset="-127"/>
-              </a:rPr>
-              <a:t>1</a:t>
-            </a:r>
-            <a:r>
-              <a:rPr lang="ko-KR" altLang="en-US" sz="1000" dirty="0">
-                <a:latin typeface="Microsoft GothicNeo Light" panose="020B0300000101010101" pitchFamily="50" charset="-127"/>
-                <a:ea typeface="Microsoft GothicNeo Light" panose="020B0300000101010101" pitchFamily="50" charset="-127"/>
-                <a:cs typeface="Microsoft GothicNeo Light" panose="020B0300000101010101" pitchFamily="50" charset="-127"/>
-              </a:rPr>
-              <a:t>차</a:t>
-            </a:r>
-            <a:endParaRPr lang="en-US" altLang="ko-KR" sz="1000" dirty="0">
-              <a:latin typeface="Microsoft GothicNeo Light" panose="020B0300000101010101" pitchFamily="50" charset="-127"/>
-              <a:ea typeface="Microsoft GothicNeo Light" panose="020B0300000101010101" pitchFamily="50" charset="-127"/>
-              <a:cs typeface="Microsoft GothicNeo Light" panose="020B0300000101010101" pitchFamily="50" charset="-127"/>
-            </a:endParaRPr>
-          </a:p>
-        </p:txBody>
-      </p:sp>
-      <p:cxnSp>
-        <p:nvCxnSpPr>
-          <p:cNvPr id="39" name="연결선: 꺾임 38">
-            <a:extLst>
-              <a:ext uri="{FF2B5EF4-FFF2-40B4-BE49-F238E27FC236}">
-                <a16:creationId xmlns:a16="http://schemas.microsoft.com/office/drawing/2014/main" id="{04695398-2524-2C86-FE58-BAB99A33F9EB}"/>
-              </a:ext>
-            </a:extLst>
-          </p:cNvPr>
-          <p:cNvCxnSpPr>
-            <a:cxnSpLocks/>
-            <a:stCxn id="11" idx="2"/>
-            <a:endCxn id="37" idx="1"/>
-          </p:cNvCxnSpPr>
-          <p:nvPr/>
-        </p:nvCxnSpPr>
-        <p:spPr>
-          <a:xfrm rot="16200000" flipH="1">
-            <a:off x="1406199" y="2009018"/>
-            <a:ext cx="771602" cy="645332"/>
-          </a:xfrm>
-          <a:prstGeom prst="bentConnector2">
-            <a:avLst/>
-          </a:prstGeom>
-          <a:ln>
-            <a:tailEnd type="triangle"/>
-          </a:ln>
-        </p:spPr>
-        <p:style>
-          <a:lnRef idx="1">
-            <a:schemeClr val="dk1"/>
-          </a:lnRef>
-          <a:fillRef idx="0">
-            <a:schemeClr val="dk1"/>
-          </a:fillRef>
-          <a:effectRef idx="0">
-            <a:schemeClr val="dk1"/>
-          </a:effectRef>
-          <a:fontRef idx="minor">
-            <a:schemeClr val="tx1"/>
-          </a:fontRef>
-        </p:style>
-      </p:cxnSp>
-      <p:sp>
-        <p:nvSpPr>
-          <p:cNvPr id="42" name="순서도: 대체 처리 41">
-            <a:extLst>
-              <a:ext uri="{FF2B5EF4-FFF2-40B4-BE49-F238E27FC236}">
-                <a16:creationId xmlns:a16="http://schemas.microsoft.com/office/drawing/2014/main" id="{3781E868-C408-F835-7395-81A643CDED50}"/>
-              </a:ext>
-            </a:extLst>
-          </p:cNvPr>
-          <p:cNvSpPr/>
-          <p:nvPr/>
-        </p:nvSpPr>
-        <p:spPr>
-          <a:xfrm>
-            <a:off x="2114666" y="3162390"/>
-            <a:ext cx="1509960" cy="336884"/>
-          </a:xfrm>
-          <a:prstGeom prst="flowChartAlternateProcess">
-            <a:avLst/>
-          </a:prstGeom>
-        </p:spPr>
-        <p:style>
-          <a:lnRef idx="2">
-            <a:schemeClr val="dk1"/>
-          </a:lnRef>
-          <a:fillRef idx="1">
-            <a:schemeClr val="lt1"/>
-          </a:fillRef>
-          <a:effectRef idx="0">
-            <a:schemeClr val="dk1"/>
-          </a:effectRef>
-          <a:fontRef idx="minor">
-            <a:schemeClr val="dk1"/>
-          </a:fontRef>
-        </p:style>
-        <p:txBody>
-          <a:bodyPr rtlCol="0" anchor="ctr"/>
-          <a:lstStyle/>
-          <a:p>
-            <a:pPr algn="ctr"/>
-            <a:r>
-              <a:rPr lang="ko-KR" altLang="en-US" sz="1000" dirty="0" err="1">
-                <a:latin typeface="Microsoft GothicNeo Light" panose="020B0300000101010101" pitchFamily="50" charset="-127"/>
-                <a:ea typeface="Microsoft GothicNeo Light" panose="020B0300000101010101" pitchFamily="50" charset="-127"/>
-                <a:cs typeface="Microsoft GothicNeo Light" panose="020B0300000101010101" pitchFamily="50" charset="-127"/>
-              </a:rPr>
-              <a:t>전멸기</a:t>
-            </a:r>
-            <a:r>
-              <a:rPr lang="ko-KR" altLang="en-US" sz="1000" dirty="0">
-                <a:latin typeface="Microsoft GothicNeo Light" panose="020B0300000101010101" pitchFamily="50" charset="-127"/>
-                <a:ea typeface="Microsoft GothicNeo Light" panose="020B0300000101010101" pitchFamily="50" charset="-127"/>
-                <a:cs typeface="Microsoft GothicNeo Light" panose="020B0300000101010101" pitchFamily="50" charset="-127"/>
-              </a:rPr>
-              <a:t> </a:t>
-            </a:r>
-            <a:r>
-              <a:rPr lang="en-US" altLang="ko-KR" sz="1000" dirty="0">
-                <a:latin typeface="Microsoft GothicNeo Light" panose="020B0300000101010101" pitchFamily="50" charset="-127"/>
-                <a:ea typeface="Microsoft GothicNeo Light" panose="020B0300000101010101" pitchFamily="50" charset="-127"/>
-                <a:cs typeface="Microsoft GothicNeo Light" panose="020B0300000101010101" pitchFamily="50" charset="-127"/>
-              </a:rPr>
-              <a:t>2</a:t>
-            </a:r>
-            <a:r>
-              <a:rPr lang="ko-KR" altLang="en-US" sz="1000" dirty="0">
-                <a:latin typeface="Microsoft GothicNeo Light" panose="020B0300000101010101" pitchFamily="50" charset="-127"/>
-                <a:ea typeface="Microsoft GothicNeo Light" panose="020B0300000101010101" pitchFamily="50" charset="-127"/>
-                <a:cs typeface="Microsoft GothicNeo Light" panose="020B0300000101010101" pitchFamily="50" charset="-127"/>
-              </a:rPr>
-              <a:t>차</a:t>
-            </a:r>
-            <a:endParaRPr lang="en-US" altLang="ko-KR" sz="1000" dirty="0">
-              <a:latin typeface="Microsoft GothicNeo Light" panose="020B0300000101010101" pitchFamily="50" charset="-127"/>
-              <a:ea typeface="Microsoft GothicNeo Light" panose="020B0300000101010101" pitchFamily="50" charset="-127"/>
-              <a:cs typeface="Microsoft GothicNeo Light" panose="020B0300000101010101" pitchFamily="50" charset="-127"/>
-            </a:endParaRPr>
-          </a:p>
-        </p:txBody>
-      </p:sp>
-      <p:sp>
-        <p:nvSpPr>
-          <p:cNvPr id="44" name="TextBox 43">
-            <a:extLst>
-              <a:ext uri="{FF2B5EF4-FFF2-40B4-BE49-F238E27FC236}">
-                <a16:creationId xmlns:a16="http://schemas.microsoft.com/office/drawing/2014/main" id="{44BCA924-1432-DF8A-5EC7-1023FEFBE960}"/>
-              </a:ext>
-            </a:extLst>
-          </p:cNvPr>
-          <p:cNvSpPr txBox="1"/>
-          <p:nvPr/>
-        </p:nvSpPr>
-        <p:spPr>
-          <a:xfrm>
-            <a:off x="1474142" y="2453178"/>
-            <a:ext cx="691215" cy="230832"/>
-          </a:xfrm>
-          <a:prstGeom prst="rect">
-            <a:avLst/>
-          </a:prstGeom>
-          <a:noFill/>
-        </p:spPr>
-        <p:txBody>
-          <a:bodyPr wrap="none" rtlCol="0">
-            <a:spAutoFit/>
-          </a:bodyPr>
-          <a:lstStyle/>
-          <a:p>
-            <a:r>
-              <a:rPr lang="en-US" altLang="ko-KR" sz="900" dirty="0">
-                <a:latin typeface="Microsoft GothicNeo Light" panose="020B0300000101010101" pitchFamily="50" charset="-127"/>
-                <a:ea typeface="Microsoft GothicNeo Light" panose="020B0300000101010101" pitchFamily="50" charset="-127"/>
-                <a:cs typeface="Microsoft GothicNeo Light" panose="020B0300000101010101" pitchFamily="50" charset="-127"/>
-              </a:rPr>
-              <a:t>1</a:t>
-            </a:r>
-            <a:r>
-              <a:rPr lang="ko-KR" altLang="en-US" sz="900" dirty="0">
-                <a:latin typeface="Microsoft GothicNeo Light" panose="020B0300000101010101" pitchFamily="50" charset="-127"/>
-                <a:ea typeface="Microsoft GothicNeo Light" panose="020B0300000101010101" pitchFamily="50" charset="-127"/>
-                <a:cs typeface="Microsoft GothicNeo Light" panose="020B0300000101010101" pitchFamily="50" charset="-127"/>
-              </a:rPr>
-              <a:t>차 분기점</a:t>
-            </a:r>
-          </a:p>
-        </p:txBody>
-      </p:sp>
-      <p:cxnSp>
-        <p:nvCxnSpPr>
-          <p:cNvPr id="45" name="연결선: 꺾임 44">
-            <a:extLst>
-              <a:ext uri="{FF2B5EF4-FFF2-40B4-BE49-F238E27FC236}">
-                <a16:creationId xmlns:a16="http://schemas.microsoft.com/office/drawing/2014/main" id="{AB05E5B1-4436-51D8-80A3-6A96C26C94F6}"/>
-              </a:ext>
-            </a:extLst>
-          </p:cNvPr>
-          <p:cNvCxnSpPr>
-            <a:cxnSpLocks/>
-            <a:stCxn id="11" idx="2"/>
-            <a:endCxn id="42" idx="1"/>
-          </p:cNvCxnSpPr>
-          <p:nvPr/>
-        </p:nvCxnSpPr>
-        <p:spPr>
-          <a:xfrm rot="16200000" flipH="1">
-            <a:off x="1099526" y="2315691"/>
-            <a:ext cx="1384949" cy="645332"/>
-          </a:xfrm>
-          <a:prstGeom prst="bentConnector2">
-            <a:avLst/>
-          </a:prstGeom>
-          <a:ln>
-            <a:tailEnd type="triangle"/>
-          </a:ln>
-        </p:spPr>
-        <p:style>
-          <a:lnRef idx="1">
-            <a:schemeClr val="dk1"/>
-          </a:lnRef>
-          <a:fillRef idx="0">
-            <a:schemeClr val="dk1"/>
-          </a:fillRef>
-          <a:effectRef idx="0">
-            <a:schemeClr val="dk1"/>
-          </a:effectRef>
-          <a:fontRef idx="minor">
-            <a:schemeClr val="tx1"/>
-          </a:fontRef>
-        </p:style>
-      </p:cxnSp>
-      <p:sp>
-        <p:nvSpPr>
-          <p:cNvPr id="48" name="TextBox 47">
-            <a:extLst>
-              <a:ext uri="{FF2B5EF4-FFF2-40B4-BE49-F238E27FC236}">
-                <a16:creationId xmlns:a16="http://schemas.microsoft.com/office/drawing/2014/main" id="{28B1E8CB-0074-DA16-F97E-50639062B7D1}"/>
-              </a:ext>
-            </a:extLst>
-          </p:cNvPr>
-          <p:cNvSpPr txBox="1"/>
-          <p:nvPr/>
-        </p:nvSpPr>
-        <p:spPr>
-          <a:xfrm>
-            <a:off x="1469334" y="3085543"/>
-            <a:ext cx="700833" cy="230832"/>
-          </a:xfrm>
-          <a:prstGeom prst="rect">
-            <a:avLst/>
-          </a:prstGeom>
-          <a:noFill/>
-        </p:spPr>
-        <p:txBody>
-          <a:bodyPr wrap="none" rtlCol="0">
-            <a:spAutoFit/>
-          </a:bodyPr>
-          <a:lstStyle/>
-          <a:p>
-            <a:r>
-              <a:rPr lang="en-US" altLang="ko-KR" sz="900" dirty="0">
-                <a:latin typeface="Microsoft GothicNeo Light" panose="020B0300000101010101" pitchFamily="50" charset="-127"/>
-                <a:ea typeface="Microsoft GothicNeo Light" panose="020B0300000101010101" pitchFamily="50" charset="-127"/>
-                <a:cs typeface="Microsoft GothicNeo Light" panose="020B0300000101010101" pitchFamily="50" charset="-127"/>
-              </a:rPr>
-              <a:t>2</a:t>
-            </a:r>
-            <a:r>
-              <a:rPr lang="ko-KR" altLang="en-US" sz="900" dirty="0">
-                <a:latin typeface="Microsoft GothicNeo Light" panose="020B0300000101010101" pitchFamily="50" charset="-127"/>
-                <a:ea typeface="Microsoft GothicNeo Light" panose="020B0300000101010101" pitchFamily="50" charset="-127"/>
-                <a:cs typeface="Microsoft GothicNeo Light" panose="020B0300000101010101" pitchFamily="50" charset="-127"/>
-              </a:rPr>
-              <a:t>차 분기점</a:t>
-            </a:r>
-          </a:p>
-        </p:txBody>
-      </p:sp>
-      <p:cxnSp>
-        <p:nvCxnSpPr>
-          <p:cNvPr id="51" name="연결선: 꺾임 50">
-            <a:extLst>
-              <a:ext uri="{FF2B5EF4-FFF2-40B4-BE49-F238E27FC236}">
-                <a16:creationId xmlns:a16="http://schemas.microsoft.com/office/drawing/2014/main" id="{62F81073-A81F-46BC-81D2-D2DA603AB2BE}"/>
-              </a:ext>
-            </a:extLst>
-          </p:cNvPr>
-          <p:cNvCxnSpPr>
-            <a:cxnSpLocks/>
-            <a:stCxn id="37" idx="3"/>
-            <a:endCxn id="25" idx="0"/>
-          </p:cNvCxnSpPr>
-          <p:nvPr/>
-        </p:nvCxnSpPr>
-        <p:spPr>
-          <a:xfrm flipH="1">
-            <a:off x="2869646" y="2717485"/>
-            <a:ext cx="754980" cy="1699211"/>
-          </a:xfrm>
-          <a:prstGeom prst="bentConnector4">
-            <a:avLst>
-              <a:gd name="adj1" fmla="val -30279"/>
-              <a:gd name="adj2" fmla="val 74431"/>
-            </a:avLst>
-          </a:prstGeom>
-          <a:ln>
-            <a:tailEnd type="triangle"/>
-          </a:ln>
-        </p:spPr>
-        <p:style>
-          <a:lnRef idx="1">
-            <a:schemeClr val="dk1"/>
-          </a:lnRef>
-          <a:fillRef idx="0">
-            <a:schemeClr val="dk1"/>
-          </a:fillRef>
-          <a:effectRef idx="0">
-            <a:schemeClr val="dk1"/>
-          </a:effectRef>
-          <a:fontRef idx="minor">
-            <a:schemeClr val="tx1"/>
-          </a:fontRef>
-        </p:style>
-      </p:cxnSp>
-      <p:cxnSp>
-        <p:nvCxnSpPr>
-          <p:cNvPr id="55" name="직선 화살표 연결선 54">
-            <a:extLst>
-              <a:ext uri="{FF2B5EF4-FFF2-40B4-BE49-F238E27FC236}">
-                <a16:creationId xmlns:a16="http://schemas.microsoft.com/office/drawing/2014/main" id="{18C5828E-6527-E6CA-E275-524BC12936C3}"/>
-              </a:ext>
-            </a:extLst>
-          </p:cNvPr>
-          <p:cNvCxnSpPr>
-            <a:cxnSpLocks/>
-            <a:stCxn id="42" idx="2"/>
-            <a:endCxn id="25" idx="0"/>
-          </p:cNvCxnSpPr>
-          <p:nvPr/>
-        </p:nvCxnSpPr>
-        <p:spPr>
-          <a:xfrm>
-            <a:off x="2869646" y="3499274"/>
-            <a:ext cx="0" cy="917422"/>
-          </a:xfrm>
-          <a:prstGeom prst="straightConnector1">
-            <a:avLst/>
-          </a:prstGeom>
-          <a:ln>
-            <a:tailEnd type="triangle"/>
-          </a:ln>
-        </p:spPr>
-        <p:style>
-          <a:lnRef idx="1">
-            <a:schemeClr val="dk1"/>
-          </a:lnRef>
-          <a:fillRef idx="0">
-            <a:schemeClr val="dk1"/>
-          </a:fillRef>
-          <a:effectRef idx="0">
-            <a:schemeClr val="dk1"/>
-          </a:effectRef>
-          <a:fontRef idx="minor">
-            <a:schemeClr val="tx1"/>
-          </a:fontRef>
-        </p:style>
-      </p:cxnSp>
-      <p:sp>
-        <p:nvSpPr>
-          <p:cNvPr id="64" name="순서도: 대체 처리 63">
-            <a:extLst>
-              <a:ext uri="{FF2B5EF4-FFF2-40B4-BE49-F238E27FC236}">
-                <a16:creationId xmlns:a16="http://schemas.microsoft.com/office/drawing/2014/main" id="{97D51FE2-8BF0-A123-77CA-C57A0FD8259B}"/>
-              </a:ext>
-            </a:extLst>
-          </p:cNvPr>
-          <p:cNvSpPr/>
-          <p:nvPr/>
-        </p:nvSpPr>
-        <p:spPr>
-          <a:xfrm>
-            <a:off x="5453271" y="4416695"/>
-            <a:ext cx="1509960" cy="368058"/>
-          </a:xfrm>
-          <a:prstGeom prst="flowChartAlternateProcess">
-            <a:avLst/>
-          </a:prstGeom>
-        </p:spPr>
-        <p:style>
-          <a:lnRef idx="2">
-            <a:schemeClr val="dk1"/>
-          </a:lnRef>
-          <a:fillRef idx="1">
-            <a:schemeClr val="lt1"/>
-          </a:fillRef>
-          <a:effectRef idx="0">
-            <a:schemeClr val="dk1"/>
-          </a:effectRef>
-          <a:fontRef idx="minor">
-            <a:schemeClr val="dk1"/>
-          </a:fontRef>
-        </p:style>
-        <p:txBody>
-          <a:bodyPr rtlCol="0" anchor="ctr"/>
-          <a:lstStyle/>
-          <a:p>
-            <a:pPr algn="ctr"/>
-            <a:r>
-              <a:rPr lang="ko-KR" altLang="en-US" sz="1000" dirty="0">
-                <a:latin typeface="Microsoft GothicNeo Light" panose="020B0300000101010101" pitchFamily="50" charset="-127"/>
-                <a:ea typeface="Microsoft GothicNeo Light" panose="020B0300000101010101" pitchFamily="50" charset="-127"/>
-                <a:cs typeface="Microsoft GothicNeo Light" panose="020B0300000101010101" pitchFamily="50" charset="-127"/>
-              </a:rPr>
-              <a:t>기본상태 변경</a:t>
-            </a:r>
-            <a:endParaRPr lang="en-US" altLang="ko-KR" sz="1000" dirty="0">
-              <a:latin typeface="Microsoft GothicNeo Light" panose="020B0300000101010101" pitchFamily="50" charset="-127"/>
-              <a:ea typeface="Microsoft GothicNeo Light" panose="020B0300000101010101" pitchFamily="50" charset="-127"/>
-              <a:cs typeface="Microsoft GothicNeo Light" panose="020B0300000101010101" pitchFamily="50" charset="-127"/>
-            </a:endParaRPr>
-          </a:p>
-        </p:txBody>
-      </p:sp>
-      <p:sp>
-        <p:nvSpPr>
-          <p:cNvPr id="65" name="순서도: 대체 처리 64">
-            <a:extLst>
-              <a:ext uri="{FF2B5EF4-FFF2-40B4-BE49-F238E27FC236}">
-                <a16:creationId xmlns:a16="http://schemas.microsoft.com/office/drawing/2014/main" id="{66B67BAC-F22F-49C2-0985-03B99B5A86DF}"/>
-              </a:ext>
-            </a:extLst>
-          </p:cNvPr>
-          <p:cNvSpPr/>
-          <p:nvPr/>
-        </p:nvSpPr>
-        <p:spPr>
-          <a:xfrm>
-            <a:off x="5453271" y="2549042"/>
-            <a:ext cx="1509960" cy="336884"/>
-          </a:xfrm>
-          <a:prstGeom prst="flowChartAlternateProcess">
-            <a:avLst/>
-          </a:prstGeom>
-        </p:spPr>
-        <p:style>
-          <a:lnRef idx="2">
-            <a:schemeClr val="dk1"/>
-          </a:lnRef>
-          <a:fillRef idx="1">
-            <a:schemeClr val="lt1"/>
-          </a:fillRef>
-          <a:effectRef idx="0">
-            <a:schemeClr val="dk1"/>
-          </a:effectRef>
-          <a:fontRef idx="minor">
-            <a:schemeClr val="dk1"/>
-          </a:fontRef>
-        </p:style>
-        <p:txBody>
-          <a:bodyPr rtlCol="0" anchor="ctr"/>
-          <a:lstStyle/>
-          <a:p>
-            <a:pPr algn="ctr"/>
-            <a:r>
-              <a:rPr lang="ko-KR" altLang="en-US" sz="1000" dirty="0">
-                <a:latin typeface="Microsoft GothicNeo Light" panose="020B0300000101010101" pitchFamily="50" charset="-127"/>
-                <a:ea typeface="Microsoft GothicNeo Light" panose="020B0300000101010101" pitchFamily="50" charset="-127"/>
-                <a:cs typeface="Microsoft GothicNeo Light" panose="020B0300000101010101" pitchFamily="50" charset="-127"/>
-              </a:rPr>
-              <a:t>광폭화 </a:t>
-            </a:r>
-            <a:r>
-              <a:rPr lang="en-US" altLang="ko-KR" sz="1000" dirty="0">
-                <a:latin typeface="Microsoft GothicNeo Light" panose="020B0300000101010101" pitchFamily="50" charset="-127"/>
-                <a:ea typeface="Microsoft GothicNeo Light" panose="020B0300000101010101" pitchFamily="50" charset="-127"/>
-                <a:cs typeface="Microsoft GothicNeo Light" panose="020B0300000101010101" pitchFamily="50" charset="-127"/>
-              </a:rPr>
-              <a:t>1</a:t>
-            </a:r>
-            <a:r>
-              <a:rPr lang="ko-KR" altLang="en-US" sz="1000" dirty="0">
-                <a:latin typeface="Microsoft GothicNeo Light" panose="020B0300000101010101" pitchFamily="50" charset="-127"/>
-                <a:ea typeface="Microsoft GothicNeo Light" panose="020B0300000101010101" pitchFamily="50" charset="-127"/>
-                <a:cs typeface="Microsoft GothicNeo Light" panose="020B0300000101010101" pitchFamily="50" charset="-127"/>
-              </a:rPr>
-              <a:t>차</a:t>
-            </a:r>
-            <a:endParaRPr lang="en-US" altLang="ko-KR" sz="1000" dirty="0">
-              <a:latin typeface="Microsoft GothicNeo Light" panose="020B0300000101010101" pitchFamily="50" charset="-127"/>
-              <a:ea typeface="Microsoft GothicNeo Light" panose="020B0300000101010101" pitchFamily="50" charset="-127"/>
-              <a:cs typeface="Microsoft GothicNeo Light" panose="020B0300000101010101" pitchFamily="50" charset="-127"/>
-            </a:endParaRPr>
-          </a:p>
-        </p:txBody>
-      </p:sp>
-      <p:cxnSp>
-        <p:nvCxnSpPr>
-          <p:cNvPr id="66" name="연결선: 꺾임 65">
-            <a:extLst>
-              <a:ext uri="{FF2B5EF4-FFF2-40B4-BE49-F238E27FC236}">
-                <a16:creationId xmlns:a16="http://schemas.microsoft.com/office/drawing/2014/main" id="{FDA72C36-E6C7-945C-7A9E-4FF807BC7703}"/>
-              </a:ext>
-            </a:extLst>
-          </p:cNvPr>
-          <p:cNvCxnSpPr>
-            <a:cxnSpLocks/>
-            <a:stCxn id="10" idx="2"/>
-            <a:endCxn id="65" idx="1"/>
-          </p:cNvCxnSpPr>
-          <p:nvPr/>
-        </p:nvCxnSpPr>
-        <p:spPr>
-          <a:xfrm rot="16200000" flipH="1">
-            <a:off x="4729597" y="1993809"/>
-            <a:ext cx="771601" cy="675747"/>
-          </a:xfrm>
-          <a:prstGeom prst="bentConnector2">
-            <a:avLst/>
-          </a:prstGeom>
-          <a:ln>
-            <a:tailEnd type="triangle"/>
-          </a:ln>
-        </p:spPr>
-        <p:style>
-          <a:lnRef idx="1">
-            <a:schemeClr val="dk1"/>
-          </a:lnRef>
-          <a:fillRef idx="0">
-            <a:schemeClr val="dk1"/>
-          </a:fillRef>
-          <a:effectRef idx="0">
-            <a:schemeClr val="dk1"/>
-          </a:effectRef>
-          <a:fontRef idx="minor">
-            <a:schemeClr val="tx1"/>
-          </a:fontRef>
-        </p:style>
-      </p:cxnSp>
-      <p:sp>
-        <p:nvSpPr>
-          <p:cNvPr id="67" name="순서도: 대체 처리 66">
-            <a:extLst>
-              <a:ext uri="{FF2B5EF4-FFF2-40B4-BE49-F238E27FC236}">
-                <a16:creationId xmlns:a16="http://schemas.microsoft.com/office/drawing/2014/main" id="{40215117-02CB-FD0B-F4A8-FFA174AFA910}"/>
-              </a:ext>
-            </a:extLst>
-          </p:cNvPr>
-          <p:cNvSpPr/>
-          <p:nvPr/>
-        </p:nvSpPr>
-        <p:spPr>
-          <a:xfrm>
-            <a:off x="5453271" y="3162389"/>
-            <a:ext cx="1509960" cy="336884"/>
-          </a:xfrm>
-          <a:prstGeom prst="flowChartAlternateProcess">
-            <a:avLst/>
-          </a:prstGeom>
-        </p:spPr>
-        <p:style>
-          <a:lnRef idx="2">
-            <a:schemeClr val="dk1"/>
-          </a:lnRef>
-          <a:fillRef idx="1">
-            <a:schemeClr val="lt1"/>
-          </a:fillRef>
-          <a:effectRef idx="0">
-            <a:schemeClr val="dk1"/>
-          </a:effectRef>
-          <a:fontRef idx="minor">
-            <a:schemeClr val="dk1"/>
-          </a:fontRef>
-        </p:style>
-        <p:txBody>
-          <a:bodyPr rtlCol="0" anchor="ctr"/>
-          <a:lstStyle/>
-          <a:p>
-            <a:pPr algn="ctr"/>
-            <a:r>
-              <a:rPr lang="ko-KR" altLang="en-US" sz="1000" dirty="0">
-                <a:latin typeface="Microsoft GothicNeo Light" panose="020B0300000101010101" pitchFamily="50" charset="-127"/>
-                <a:ea typeface="Microsoft GothicNeo Light" panose="020B0300000101010101" pitchFamily="50" charset="-127"/>
-                <a:cs typeface="Microsoft GothicNeo Light" panose="020B0300000101010101" pitchFamily="50" charset="-127"/>
-              </a:rPr>
-              <a:t>광폭화 </a:t>
-            </a:r>
-            <a:r>
-              <a:rPr lang="en-US" altLang="ko-KR" sz="1000" dirty="0">
-                <a:latin typeface="Microsoft GothicNeo Light" panose="020B0300000101010101" pitchFamily="50" charset="-127"/>
-                <a:ea typeface="Microsoft GothicNeo Light" panose="020B0300000101010101" pitchFamily="50" charset="-127"/>
-                <a:cs typeface="Microsoft GothicNeo Light" panose="020B0300000101010101" pitchFamily="50" charset="-127"/>
-              </a:rPr>
-              <a:t>2</a:t>
-            </a:r>
-            <a:r>
-              <a:rPr lang="ko-KR" altLang="en-US" sz="1000" dirty="0">
-                <a:latin typeface="Microsoft GothicNeo Light" panose="020B0300000101010101" pitchFamily="50" charset="-127"/>
-                <a:ea typeface="Microsoft GothicNeo Light" panose="020B0300000101010101" pitchFamily="50" charset="-127"/>
-                <a:cs typeface="Microsoft GothicNeo Light" panose="020B0300000101010101" pitchFamily="50" charset="-127"/>
-              </a:rPr>
-              <a:t>차</a:t>
-            </a:r>
-            <a:endParaRPr lang="en-US" altLang="ko-KR" sz="1000" dirty="0">
-              <a:latin typeface="Microsoft GothicNeo Light" panose="020B0300000101010101" pitchFamily="50" charset="-127"/>
-              <a:ea typeface="Microsoft GothicNeo Light" panose="020B0300000101010101" pitchFamily="50" charset="-127"/>
-              <a:cs typeface="Microsoft GothicNeo Light" panose="020B0300000101010101" pitchFamily="50" charset="-127"/>
-            </a:endParaRPr>
-          </a:p>
-        </p:txBody>
-      </p:sp>
-      <p:sp>
-        <p:nvSpPr>
-          <p:cNvPr id="68" name="TextBox 67">
-            <a:extLst>
-              <a:ext uri="{FF2B5EF4-FFF2-40B4-BE49-F238E27FC236}">
-                <a16:creationId xmlns:a16="http://schemas.microsoft.com/office/drawing/2014/main" id="{B5439387-7D39-229A-C85F-6AA3EBB06301}"/>
-              </a:ext>
-            </a:extLst>
-          </p:cNvPr>
-          <p:cNvSpPr txBox="1"/>
-          <p:nvPr/>
-        </p:nvSpPr>
-        <p:spPr>
-          <a:xfrm>
-            <a:off x="4812747" y="2453177"/>
-            <a:ext cx="691215" cy="230832"/>
-          </a:xfrm>
-          <a:prstGeom prst="rect">
-            <a:avLst/>
-          </a:prstGeom>
-          <a:noFill/>
-        </p:spPr>
-        <p:txBody>
-          <a:bodyPr wrap="none" rtlCol="0">
-            <a:spAutoFit/>
-          </a:bodyPr>
-          <a:lstStyle/>
-          <a:p>
-            <a:r>
-              <a:rPr lang="en-US" altLang="ko-KR" sz="900" dirty="0">
-                <a:latin typeface="Microsoft GothicNeo Light" panose="020B0300000101010101" pitchFamily="50" charset="-127"/>
-                <a:ea typeface="Microsoft GothicNeo Light" panose="020B0300000101010101" pitchFamily="50" charset="-127"/>
-                <a:cs typeface="Microsoft GothicNeo Light" panose="020B0300000101010101" pitchFamily="50" charset="-127"/>
-              </a:rPr>
-              <a:t>1</a:t>
-            </a:r>
-            <a:r>
-              <a:rPr lang="ko-KR" altLang="en-US" sz="900" dirty="0">
-                <a:latin typeface="Microsoft GothicNeo Light" panose="020B0300000101010101" pitchFamily="50" charset="-127"/>
-                <a:ea typeface="Microsoft GothicNeo Light" panose="020B0300000101010101" pitchFamily="50" charset="-127"/>
-                <a:cs typeface="Microsoft GothicNeo Light" panose="020B0300000101010101" pitchFamily="50" charset="-127"/>
-              </a:rPr>
-              <a:t>차 분기점</a:t>
-            </a:r>
-          </a:p>
-        </p:txBody>
-      </p:sp>
-      <p:cxnSp>
-        <p:nvCxnSpPr>
-          <p:cNvPr id="69" name="연결선: 꺾임 68">
-            <a:extLst>
-              <a:ext uri="{FF2B5EF4-FFF2-40B4-BE49-F238E27FC236}">
-                <a16:creationId xmlns:a16="http://schemas.microsoft.com/office/drawing/2014/main" id="{7002BCAD-A27B-8102-FB42-DD2C5DFEE855}"/>
-              </a:ext>
-            </a:extLst>
-          </p:cNvPr>
-          <p:cNvCxnSpPr>
-            <a:cxnSpLocks/>
-            <a:stCxn id="10" idx="2"/>
-            <a:endCxn id="67" idx="1"/>
-          </p:cNvCxnSpPr>
-          <p:nvPr/>
-        </p:nvCxnSpPr>
-        <p:spPr>
-          <a:xfrm rot="16200000" flipH="1">
-            <a:off x="4422923" y="2300483"/>
-            <a:ext cx="1384948" cy="675747"/>
-          </a:xfrm>
-          <a:prstGeom prst="bentConnector2">
-            <a:avLst/>
-          </a:prstGeom>
-          <a:ln>
-            <a:tailEnd type="triangle"/>
-          </a:ln>
-        </p:spPr>
-        <p:style>
-          <a:lnRef idx="1">
-            <a:schemeClr val="dk1"/>
-          </a:lnRef>
-          <a:fillRef idx="0">
-            <a:schemeClr val="dk1"/>
-          </a:fillRef>
-          <a:effectRef idx="0">
-            <a:schemeClr val="dk1"/>
-          </a:effectRef>
-          <a:fontRef idx="minor">
-            <a:schemeClr val="tx1"/>
-          </a:fontRef>
-        </p:style>
-      </p:cxnSp>
-      <p:sp>
-        <p:nvSpPr>
-          <p:cNvPr id="70" name="TextBox 69">
-            <a:extLst>
-              <a:ext uri="{FF2B5EF4-FFF2-40B4-BE49-F238E27FC236}">
-                <a16:creationId xmlns:a16="http://schemas.microsoft.com/office/drawing/2014/main" id="{709BE6B4-F02B-02CA-AA28-45B8F8327B7D}"/>
-              </a:ext>
-            </a:extLst>
-          </p:cNvPr>
-          <p:cNvSpPr txBox="1"/>
-          <p:nvPr/>
-        </p:nvSpPr>
-        <p:spPr>
-          <a:xfrm>
-            <a:off x="4807939" y="3085542"/>
-            <a:ext cx="700833" cy="230832"/>
-          </a:xfrm>
-          <a:prstGeom prst="rect">
-            <a:avLst/>
-          </a:prstGeom>
-          <a:noFill/>
-        </p:spPr>
-        <p:txBody>
-          <a:bodyPr wrap="none" rtlCol="0">
-            <a:spAutoFit/>
-          </a:bodyPr>
-          <a:lstStyle/>
-          <a:p>
-            <a:r>
-              <a:rPr lang="en-US" altLang="ko-KR" sz="900" dirty="0">
-                <a:latin typeface="Microsoft GothicNeo Light" panose="020B0300000101010101" pitchFamily="50" charset="-127"/>
-                <a:ea typeface="Microsoft GothicNeo Light" panose="020B0300000101010101" pitchFamily="50" charset="-127"/>
-                <a:cs typeface="Microsoft GothicNeo Light" panose="020B0300000101010101" pitchFamily="50" charset="-127"/>
-              </a:rPr>
-              <a:t>2</a:t>
-            </a:r>
-            <a:r>
-              <a:rPr lang="ko-KR" altLang="en-US" sz="900" dirty="0">
-                <a:latin typeface="Microsoft GothicNeo Light" panose="020B0300000101010101" pitchFamily="50" charset="-127"/>
-                <a:ea typeface="Microsoft GothicNeo Light" panose="020B0300000101010101" pitchFamily="50" charset="-127"/>
-                <a:cs typeface="Microsoft GothicNeo Light" panose="020B0300000101010101" pitchFamily="50" charset="-127"/>
-              </a:rPr>
-              <a:t>차 분기점</a:t>
-            </a:r>
-          </a:p>
-        </p:txBody>
-      </p:sp>
-      <p:cxnSp>
-        <p:nvCxnSpPr>
-          <p:cNvPr id="71" name="연결선: 꺾임 70">
-            <a:extLst>
-              <a:ext uri="{FF2B5EF4-FFF2-40B4-BE49-F238E27FC236}">
-                <a16:creationId xmlns:a16="http://schemas.microsoft.com/office/drawing/2014/main" id="{F7BEEDDE-D6F2-35E7-00F2-DFB09ADCA05D}"/>
-              </a:ext>
-            </a:extLst>
-          </p:cNvPr>
-          <p:cNvCxnSpPr>
-            <a:cxnSpLocks/>
-            <a:stCxn id="65" idx="3"/>
-            <a:endCxn id="64" idx="0"/>
-          </p:cNvCxnSpPr>
-          <p:nvPr/>
-        </p:nvCxnSpPr>
-        <p:spPr>
-          <a:xfrm flipH="1">
-            <a:off x="6208251" y="2717484"/>
-            <a:ext cx="754980" cy="1699211"/>
-          </a:xfrm>
-          <a:prstGeom prst="bentConnector4">
-            <a:avLst>
-              <a:gd name="adj1" fmla="val -30279"/>
-              <a:gd name="adj2" fmla="val 74431"/>
-            </a:avLst>
-          </a:prstGeom>
-          <a:ln>
-            <a:tailEnd type="triangle"/>
-          </a:ln>
-        </p:spPr>
-        <p:style>
-          <a:lnRef idx="1">
-            <a:schemeClr val="dk1"/>
-          </a:lnRef>
-          <a:fillRef idx="0">
-            <a:schemeClr val="dk1"/>
-          </a:fillRef>
-          <a:effectRef idx="0">
-            <a:schemeClr val="dk1"/>
-          </a:effectRef>
-          <a:fontRef idx="minor">
-            <a:schemeClr val="tx1"/>
-          </a:fontRef>
-        </p:style>
-      </p:cxnSp>
-      <p:cxnSp>
-        <p:nvCxnSpPr>
-          <p:cNvPr id="72" name="직선 화살표 연결선 71">
-            <a:extLst>
-              <a:ext uri="{FF2B5EF4-FFF2-40B4-BE49-F238E27FC236}">
-                <a16:creationId xmlns:a16="http://schemas.microsoft.com/office/drawing/2014/main" id="{694896CD-EC3F-1D42-724A-3A16663E8063}"/>
-              </a:ext>
-            </a:extLst>
-          </p:cNvPr>
-          <p:cNvCxnSpPr>
-            <a:cxnSpLocks/>
-            <a:stCxn id="67" idx="2"/>
-            <a:endCxn id="64" idx="0"/>
-          </p:cNvCxnSpPr>
-          <p:nvPr/>
-        </p:nvCxnSpPr>
-        <p:spPr>
-          <a:xfrm>
-            <a:off x="6208251" y="3499273"/>
-            <a:ext cx="0" cy="917422"/>
-          </a:xfrm>
-          <a:prstGeom prst="straightConnector1">
-            <a:avLst/>
-          </a:prstGeom>
-          <a:ln>
-            <a:tailEnd type="triangle"/>
-          </a:ln>
-        </p:spPr>
-        <p:style>
-          <a:lnRef idx="1">
-            <a:schemeClr val="dk1"/>
-          </a:lnRef>
-          <a:fillRef idx="0">
-            <a:schemeClr val="dk1"/>
-          </a:fillRef>
-          <a:effectRef idx="0">
-            <a:schemeClr val="dk1"/>
-          </a:effectRef>
-          <a:fontRef idx="minor">
-            <a:schemeClr val="tx1"/>
-          </a:fontRef>
-        </p:style>
-      </p:cxnSp>
-      <p:sp>
-        <p:nvSpPr>
-          <p:cNvPr id="75" name="순서도: 판단 74">
-            <a:extLst>
-              <a:ext uri="{FF2B5EF4-FFF2-40B4-BE49-F238E27FC236}">
-                <a16:creationId xmlns:a16="http://schemas.microsoft.com/office/drawing/2014/main" id="{896D5F9E-68F7-5822-CA9C-1E0C903BB51F}"/>
-              </a:ext>
-            </a:extLst>
-          </p:cNvPr>
-          <p:cNvSpPr/>
-          <p:nvPr/>
-        </p:nvSpPr>
-        <p:spPr>
-          <a:xfrm>
-            <a:off x="7411470" y="3585362"/>
-            <a:ext cx="2633946" cy="685800"/>
-          </a:xfrm>
-          <a:prstGeom prst="flowChartDecision">
-            <a:avLst/>
-          </a:prstGeom>
-          <a:noFill/>
-          <a:ln w="9525" cap="flat" cmpd="sng" algn="ctr">
-            <a:solidFill>
-              <a:schemeClr val="dk1"/>
-            </a:solidFill>
-            <a:prstDash val="solid"/>
-            <a:round/>
-            <a:headEnd type="none" w="med" len="med"/>
-            <a:tailEnd type="none" w="med" len="med"/>
-          </a:ln>
-        </p:spPr>
-        <p:style>
-          <a:lnRef idx="0">
-            <a:scrgbClr r="0" g="0" b="0"/>
-          </a:lnRef>
-          <a:fillRef idx="0">
-            <a:scrgbClr r="0" g="0" b="0"/>
-          </a:fillRef>
-          <a:effectRef idx="0">
-            <a:scrgbClr r="0" g="0" b="0"/>
-          </a:effectRef>
-          <a:fontRef idx="minor">
-            <a:schemeClr val="dk1"/>
-          </a:fontRef>
-        </p:style>
-        <p:txBody>
-          <a:bodyPr rtlCol="0" anchor="ctr"/>
-          <a:lstStyle/>
-          <a:p>
-            <a:pPr algn="ctr"/>
-            <a:r>
-              <a:rPr lang="ko-KR" altLang="en-US" sz="1000" dirty="0">
-                <a:latin typeface="Microsoft GothicNeo Light" panose="020B0300000101010101" pitchFamily="50" charset="-127"/>
-                <a:ea typeface="Microsoft GothicNeo Light" panose="020B0300000101010101" pitchFamily="50" charset="-127"/>
-                <a:cs typeface="Microsoft GothicNeo Light" panose="020B0300000101010101" pitchFamily="50" charset="-127"/>
-              </a:rPr>
-              <a:t>유저거리 </a:t>
-            </a:r>
-            <a:endParaRPr lang="en-US" altLang="ko-KR" sz="1000" dirty="0">
-              <a:latin typeface="Microsoft GothicNeo Light" panose="020B0300000101010101" pitchFamily="50" charset="-127"/>
-              <a:ea typeface="Microsoft GothicNeo Light" panose="020B0300000101010101" pitchFamily="50" charset="-127"/>
-              <a:cs typeface="Microsoft GothicNeo Light" panose="020B0300000101010101" pitchFamily="50" charset="-127"/>
-            </a:endParaRPr>
-          </a:p>
-          <a:p>
-            <a:pPr algn="ctr"/>
-            <a:r>
-              <a:rPr lang="en-US" altLang="ko-KR" sz="1000" dirty="0">
-                <a:latin typeface="Microsoft GothicNeo Light" panose="020B0300000101010101" pitchFamily="50" charset="-127"/>
-                <a:ea typeface="Microsoft GothicNeo Light" panose="020B0300000101010101" pitchFamily="50" charset="-127"/>
-                <a:cs typeface="Microsoft GothicNeo Light" panose="020B0300000101010101" pitchFamily="50" charset="-127"/>
-              </a:rPr>
-              <a:t>&lt;= </a:t>
-            </a:r>
-          </a:p>
-          <a:p>
-            <a:pPr algn="ctr"/>
-            <a:r>
-              <a:rPr lang="ko-KR" altLang="en-US" sz="1000" dirty="0">
-                <a:latin typeface="Microsoft GothicNeo Light" panose="020B0300000101010101" pitchFamily="50" charset="-127"/>
-                <a:ea typeface="Microsoft GothicNeo Light" panose="020B0300000101010101" pitchFamily="50" charset="-127"/>
-                <a:cs typeface="Microsoft GothicNeo Light" panose="020B0300000101010101" pitchFamily="50" charset="-127"/>
-              </a:rPr>
-              <a:t>사정거리</a:t>
-            </a:r>
-          </a:p>
-        </p:txBody>
-      </p:sp>
-      <p:cxnSp>
-        <p:nvCxnSpPr>
-          <p:cNvPr id="80" name="직선 화살표 연결선 79">
-            <a:extLst>
-              <a:ext uri="{FF2B5EF4-FFF2-40B4-BE49-F238E27FC236}">
-                <a16:creationId xmlns:a16="http://schemas.microsoft.com/office/drawing/2014/main" id="{950DF29D-28B6-2912-D7F6-F2F02F8DC611}"/>
-              </a:ext>
-            </a:extLst>
-          </p:cNvPr>
-          <p:cNvCxnSpPr>
-            <a:cxnSpLocks/>
-            <a:stCxn id="9" idx="2"/>
-            <a:endCxn id="75" idx="0"/>
-          </p:cNvCxnSpPr>
-          <p:nvPr/>
-        </p:nvCxnSpPr>
-        <p:spPr>
-          <a:xfrm>
-            <a:off x="8728443" y="1945883"/>
-            <a:ext cx="0" cy="1639479"/>
-          </a:xfrm>
-          <a:prstGeom prst="straightConnector1">
-            <a:avLst/>
-          </a:prstGeom>
-          <a:ln>
-            <a:tailEnd type="triangle"/>
-          </a:ln>
-        </p:spPr>
-        <p:style>
-          <a:lnRef idx="1">
-            <a:schemeClr val="dk1"/>
-          </a:lnRef>
-          <a:fillRef idx="0">
-            <a:schemeClr val="dk1"/>
-          </a:fillRef>
-          <a:effectRef idx="0">
-            <a:schemeClr val="dk1"/>
-          </a:effectRef>
-          <a:fontRef idx="minor">
-            <a:schemeClr val="tx1"/>
-          </a:fontRef>
-        </p:style>
-      </p:cxnSp>
-      <p:sp>
-        <p:nvSpPr>
-          <p:cNvPr id="84" name="순서도: 대체 처리 83">
-            <a:extLst>
-              <a:ext uri="{FF2B5EF4-FFF2-40B4-BE49-F238E27FC236}">
-                <a16:creationId xmlns:a16="http://schemas.microsoft.com/office/drawing/2014/main" id="{36EE00CC-1063-6A01-3898-34D692B1A6E0}"/>
-              </a:ext>
-            </a:extLst>
-          </p:cNvPr>
-          <p:cNvSpPr/>
-          <p:nvPr/>
-        </p:nvSpPr>
-        <p:spPr>
-          <a:xfrm>
-            <a:off x="10284656" y="3746456"/>
-            <a:ext cx="1509960" cy="368058"/>
-          </a:xfrm>
-          <a:prstGeom prst="flowChartAlternateProcess">
-            <a:avLst/>
-          </a:prstGeom>
-        </p:spPr>
-        <p:style>
-          <a:lnRef idx="2">
-            <a:schemeClr val="dk1"/>
-          </a:lnRef>
-          <a:fillRef idx="1">
-            <a:schemeClr val="lt1"/>
-          </a:fillRef>
-          <a:effectRef idx="0">
-            <a:schemeClr val="dk1"/>
-          </a:effectRef>
-          <a:fontRef idx="minor">
-            <a:schemeClr val="dk1"/>
-          </a:fontRef>
-        </p:style>
-        <p:txBody>
-          <a:bodyPr rtlCol="0" anchor="ctr"/>
-          <a:lstStyle/>
-          <a:p>
-            <a:pPr algn="ctr"/>
-            <a:r>
-              <a:rPr lang="ko-KR" altLang="en-US" sz="1000" dirty="0">
-                <a:latin typeface="Microsoft GothicNeo Light" panose="020B0300000101010101" pitchFamily="50" charset="-127"/>
-                <a:ea typeface="Microsoft GothicNeo Light" panose="020B0300000101010101" pitchFamily="50" charset="-127"/>
-                <a:cs typeface="Microsoft GothicNeo Light" panose="020B0300000101010101" pitchFamily="50" charset="-127"/>
-              </a:rPr>
-              <a:t>이동</a:t>
-            </a:r>
-            <a:endParaRPr lang="en-US" altLang="ko-KR" sz="1000" dirty="0">
-              <a:latin typeface="Microsoft GothicNeo Light" panose="020B0300000101010101" pitchFamily="50" charset="-127"/>
-              <a:ea typeface="Microsoft GothicNeo Light" panose="020B0300000101010101" pitchFamily="50" charset="-127"/>
-              <a:cs typeface="Microsoft GothicNeo Light" panose="020B0300000101010101" pitchFamily="50" charset="-127"/>
-            </a:endParaRPr>
-          </a:p>
-        </p:txBody>
-      </p:sp>
-      <p:cxnSp>
-        <p:nvCxnSpPr>
-          <p:cNvPr id="87" name="직선 화살표 연결선 86">
-            <a:extLst>
-              <a:ext uri="{FF2B5EF4-FFF2-40B4-BE49-F238E27FC236}">
-                <a16:creationId xmlns:a16="http://schemas.microsoft.com/office/drawing/2014/main" id="{2E283B57-DDB2-0AF4-FB87-76CCF3BFB0AB}"/>
-              </a:ext>
-            </a:extLst>
-          </p:cNvPr>
-          <p:cNvCxnSpPr>
-            <a:cxnSpLocks/>
-            <a:stCxn id="75" idx="3"/>
-            <a:endCxn id="84" idx="1"/>
-          </p:cNvCxnSpPr>
-          <p:nvPr/>
-        </p:nvCxnSpPr>
-        <p:spPr>
-          <a:xfrm>
-            <a:off x="10045416" y="3928262"/>
-            <a:ext cx="239240" cy="2223"/>
-          </a:xfrm>
-          <a:prstGeom prst="straightConnector1">
-            <a:avLst/>
-          </a:prstGeom>
-          <a:ln>
-            <a:tailEnd type="triangle"/>
-          </a:ln>
-        </p:spPr>
-        <p:style>
-          <a:lnRef idx="1">
-            <a:schemeClr val="dk1"/>
-          </a:lnRef>
-          <a:fillRef idx="0">
-            <a:schemeClr val="dk1"/>
-          </a:fillRef>
-          <a:effectRef idx="0">
-            <a:schemeClr val="dk1"/>
-          </a:effectRef>
-          <a:fontRef idx="minor">
-            <a:schemeClr val="tx1"/>
-          </a:fontRef>
-        </p:style>
-      </p:cxnSp>
-      <p:sp>
-        <p:nvSpPr>
-          <p:cNvPr id="91" name="TextBox 90">
-            <a:extLst>
-              <a:ext uri="{FF2B5EF4-FFF2-40B4-BE49-F238E27FC236}">
-                <a16:creationId xmlns:a16="http://schemas.microsoft.com/office/drawing/2014/main" id="{D6E62231-AD6D-0E9B-715F-9F716B50F4FE}"/>
-              </a:ext>
-            </a:extLst>
-          </p:cNvPr>
-          <p:cNvSpPr txBox="1"/>
-          <p:nvPr/>
-        </p:nvSpPr>
-        <p:spPr>
-          <a:xfrm>
-            <a:off x="8741268" y="1901214"/>
-            <a:ext cx="394660" cy="230832"/>
-          </a:xfrm>
-          <a:prstGeom prst="rect">
-            <a:avLst/>
-          </a:prstGeom>
-          <a:noFill/>
-        </p:spPr>
-        <p:txBody>
-          <a:bodyPr wrap="none" rtlCol="0">
-            <a:spAutoFit/>
-          </a:bodyPr>
-          <a:lstStyle/>
-          <a:p>
-            <a:r>
-              <a:rPr lang="en-US" altLang="ko-KR" sz="900" dirty="0">
-                <a:latin typeface="Microsoft GothicNeo Light" panose="020B0300000101010101" pitchFamily="50" charset="-127"/>
-                <a:ea typeface="Microsoft GothicNeo Light" panose="020B0300000101010101" pitchFamily="50" charset="-127"/>
-                <a:cs typeface="Microsoft GothicNeo Light" panose="020B0300000101010101" pitchFamily="50" charset="-127"/>
-              </a:rPr>
-              <a:t>true</a:t>
-            </a:r>
-            <a:endParaRPr lang="ko-KR" altLang="en-US" sz="900" dirty="0">
-              <a:latin typeface="Microsoft GothicNeo Light" panose="020B0300000101010101" pitchFamily="50" charset="-127"/>
-              <a:ea typeface="Microsoft GothicNeo Light" panose="020B0300000101010101" pitchFamily="50" charset="-127"/>
-              <a:cs typeface="Microsoft GothicNeo Light" panose="020B0300000101010101" pitchFamily="50" charset="-127"/>
-            </a:endParaRPr>
-          </a:p>
-        </p:txBody>
-      </p:sp>
-      <p:sp>
-        <p:nvSpPr>
-          <p:cNvPr id="92" name="TextBox 91">
-            <a:extLst>
-              <a:ext uri="{FF2B5EF4-FFF2-40B4-BE49-F238E27FC236}">
-                <a16:creationId xmlns:a16="http://schemas.microsoft.com/office/drawing/2014/main" id="{BE44506C-607C-A350-22EC-5DB7342D9C2A}"/>
-              </a:ext>
-            </a:extLst>
-          </p:cNvPr>
-          <p:cNvSpPr txBox="1"/>
-          <p:nvPr/>
-        </p:nvSpPr>
-        <p:spPr>
-          <a:xfrm>
-            <a:off x="6051679" y="1395397"/>
-            <a:ext cx="420308" cy="230832"/>
-          </a:xfrm>
-          <a:prstGeom prst="rect">
-            <a:avLst/>
-          </a:prstGeom>
-          <a:noFill/>
-        </p:spPr>
-        <p:txBody>
-          <a:bodyPr wrap="square" rtlCol="0">
-            <a:spAutoFit/>
-          </a:bodyPr>
-          <a:lstStyle/>
-          <a:p>
-            <a:r>
-              <a:rPr lang="en-US" altLang="ko-KR" sz="900" dirty="0">
-                <a:latin typeface="Microsoft GothicNeo Light" panose="020B0300000101010101" pitchFamily="50" charset="-127"/>
-                <a:ea typeface="Microsoft GothicNeo Light" panose="020B0300000101010101" pitchFamily="50" charset="-127"/>
-                <a:cs typeface="Microsoft GothicNeo Light" panose="020B0300000101010101" pitchFamily="50" charset="-127"/>
-              </a:rPr>
-              <a:t>false</a:t>
-            </a:r>
-            <a:endParaRPr lang="ko-KR" altLang="en-US" sz="900" dirty="0">
-              <a:latin typeface="Microsoft GothicNeo Light" panose="020B0300000101010101" pitchFamily="50" charset="-127"/>
-              <a:ea typeface="Microsoft GothicNeo Light" panose="020B0300000101010101" pitchFamily="50" charset="-127"/>
-              <a:cs typeface="Microsoft GothicNeo Light" panose="020B0300000101010101" pitchFamily="50" charset="-127"/>
-            </a:endParaRPr>
-          </a:p>
-        </p:txBody>
-      </p:sp>
-      <p:sp>
-        <p:nvSpPr>
-          <p:cNvPr id="93" name="TextBox 92">
-            <a:extLst>
-              <a:ext uri="{FF2B5EF4-FFF2-40B4-BE49-F238E27FC236}">
-                <a16:creationId xmlns:a16="http://schemas.microsoft.com/office/drawing/2014/main" id="{D836C042-A5E5-B58C-620D-48500C799ECC}"/>
-              </a:ext>
-            </a:extLst>
-          </p:cNvPr>
-          <p:cNvSpPr txBox="1"/>
-          <p:nvPr/>
-        </p:nvSpPr>
-        <p:spPr>
-          <a:xfrm>
-            <a:off x="9886920" y="3720329"/>
-            <a:ext cx="420308" cy="230832"/>
-          </a:xfrm>
-          <a:prstGeom prst="rect">
-            <a:avLst/>
-          </a:prstGeom>
-          <a:noFill/>
-        </p:spPr>
-        <p:txBody>
-          <a:bodyPr wrap="square" rtlCol="0">
-            <a:spAutoFit/>
-          </a:bodyPr>
-          <a:lstStyle/>
-          <a:p>
-            <a:r>
-              <a:rPr lang="en-US" altLang="ko-KR" sz="900" dirty="0">
-                <a:latin typeface="Microsoft GothicNeo Light" panose="020B0300000101010101" pitchFamily="50" charset="-127"/>
-                <a:ea typeface="Microsoft GothicNeo Light" panose="020B0300000101010101" pitchFamily="50" charset="-127"/>
-                <a:cs typeface="Microsoft GothicNeo Light" panose="020B0300000101010101" pitchFamily="50" charset="-127"/>
-              </a:rPr>
-              <a:t>false</a:t>
-            </a:r>
-            <a:endParaRPr lang="ko-KR" altLang="en-US" sz="900" dirty="0">
-              <a:latin typeface="Microsoft GothicNeo Light" panose="020B0300000101010101" pitchFamily="50" charset="-127"/>
-              <a:ea typeface="Microsoft GothicNeo Light" panose="020B0300000101010101" pitchFamily="50" charset="-127"/>
-              <a:cs typeface="Microsoft GothicNeo Light" panose="020B0300000101010101" pitchFamily="50" charset="-127"/>
-            </a:endParaRPr>
-          </a:p>
-        </p:txBody>
-      </p:sp>
-      <p:cxnSp>
-        <p:nvCxnSpPr>
-          <p:cNvPr id="94" name="연결선: 꺾임 93">
-            <a:extLst>
-              <a:ext uri="{FF2B5EF4-FFF2-40B4-BE49-F238E27FC236}">
-                <a16:creationId xmlns:a16="http://schemas.microsoft.com/office/drawing/2014/main" id="{6D9CD16B-109C-1D00-AC2E-BCA9F761F85B}"/>
-              </a:ext>
-            </a:extLst>
-          </p:cNvPr>
-          <p:cNvCxnSpPr>
-            <a:cxnSpLocks/>
-            <a:stCxn id="25" idx="2"/>
-            <a:endCxn id="11" idx="0"/>
-          </p:cNvCxnSpPr>
-          <p:nvPr/>
-        </p:nvCxnSpPr>
-        <p:spPr>
-          <a:xfrm rot="5400000" flipH="1">
-            <a:off x="407154" y="2322263"/>
-            <a:ext cx="3524671" cy="1400312"/>
-          </a:xfrm>
-          <a:prstGeom prst="bentConnector5">
-            <a:avLst>
-              <a:gd name="adj1" fmla="val -6486"/>
-              <a:gd name="adj2" fmla="val 199179"/>
-              <a:gd name="adj3" fmla="val 106486"/>
-            </a:avLst>
-          </a:prstGeom>
-          <a:ln>
-            <a:tailEnd type="triangle"/>
-          </a:ln>
-        </p:spPr>
-        <p:style>
-          <a:lnRef idx="1">
-            <a:schemeClr val="dk1"/>
-          </a:lnRef>
-          <a:fillRef idx="0">
-            <a:schemeClr val="dk1"/>
-          </a:fillRef>
-          <a:effectRef idx="0">
-            <a:schemeClr val="dk1"/>
-          </a:effectRef>
-          <a:fontRef idx="minor">
-            <a:schemeClr val="tx1"/>
-          </a:fontRef>
-        </p:style>
-      </p:cxnSp>
-      <p:cxnSp>
-        <p:nvCxnSpPr>
-          <p:cNvPr id="98" name="연결선: 꺾임 97">
-            <a:extLst>
-              <a:ext uri="{FF2B5EF4-FFF2-40B4-BE49-F238E27FC236}">
-                <a16:creationId xmlns:a16="http://schemas.microsoft.com/office/drawing/2014/main" id="{59E71988-30D0-B9E7-5A29-CD1A1BB77162}"/>
-              </a:ext>
-            </a:extLst>
-          </p:cNvPr>
-          <p:cNvCxnSpPr>
-            <a:cxnSpLocks/>
-            <a:stCxn id="64" idx="2"/>
-            <a:endCxn id="11" idx="0"/>
-          </p:cNvCxnSpPr>
-          <p:nvPr/>
-        </p:nvCxnSpPr>
-        <p:spPr>
-          <a:xfrm rot="5400000" flipH="1">
-            <a:off x="2076458" y="652960"/>
-            <a:ext cx="3524670" cy="4738917"/>
-          </a:xfrm>
-          <a:prstGeom prst="bentConnector5">
-            <a:avLst>
-              <a:gd name="adj1" fmla="val -6486"/>
-              <a:gd name="adj2" fmla="val 129338"/>
-              <a:gd name="adj3" fmla="val 106486"/>
-            </a:avLst>
-          </a:prstGeom>
-          <a:ln>
-            <a:tailEnd type="triangle"/>
-          </a:ln>
-        </p:spPr>
-        <p:style>
-          <a:lnRef idx="1">
-            <a:schemeClr val="dk1"/>
-          </a:lnRef>
-          <a:fillRef idx="0">
-            <a:schemeClr val="dk1"/>
-          </a:fillRef>
-          <a:effectRef idx="0">
-            <a:schemeClr val="dk1"/>
-          </a:effectRef>
-          <a:fontRef idx="minor">
-            <a:schemeClr val="tx1"/>
-          </a:fontRef>
-        </p:style>
-      </p:cxnSp>
-      <p:sp>
-        <p:nvSpPr>
-          <p:cNvPr id="105" name="순서도: 대체 처리 104">
-            <a:extLst>
-              <a:ext uri="{FF2B5EF4-FFF2-40B4-BE49-F238E27FC236}">
-                <a16:creationId xmlns:a16="http://schemas.microsoft.com/office/drawing/2014/main" id="{B6A9E7FB-D15D-7A45-A6EE-A02E4CC6B41A}"/>
-              </a:ext>
-            </a:extLst>
-          </p:cNvPr>
-          <p:cNvSpPr/>
-          <p:nvPr/>
-        </p:nvSpPr>
-        <p:spPr>
-          <a:xfrm>
-            <a:off x="7973463" y="5157992"/>
-            <a:ext cx="1509960" cy="566486"/>
-          </a:xfrm>
-          <a:prstGeom prst="flowChartAlternateProcess">
-            <a:avLst/>
-          </a:prstGeom>
-        </p:spPr>
-        <p:style>
-          <a:lnRef idx="2">
-            <a:schemeClr val="dk1"/>
-          </a:lnRef>
-          <a:fillRef idx="1">
-            <a:schemeClr val="lt1"/>
-          </a:fillRef>
-          <a:effectRef idx="0">
-            <a:schemeClr val="dk1"/>
-          </a:effectRef>
-          <a:fontRef idx="minor">
-            <a:schemeClr val="dk1"/>
-          </a:fontRef>
-        </p:style>
-        <p:txBody>
-          <a:bodyPr rtlCol="0" anchor="ctr"/>
-          <a:lstStyle/>
-          <a:p>
-            <a:pPr algn="ctr"/>
-            <a:r>
-              <a:rPr lang="ko-KR" altLang="en-US" sz="1000" dirty="0" err="1">
-                <a:latin typeface="Microsoft GothicNeo Light" panose="020B0300000101010101" pitchFamily="50" charset="-127"/>
-                <a:ea typeface="Microsoft GothicNeo Light" panose="020B0300000101010101" pitchFamily="50" charset="-127"/>
-                <a:cs typeface="Microsoft GothicNeo Light" panose="020B0300000101010101" pitchFamily="50" charset="-127"/>
-              </a:rPr>
-              <a:t>공격량</a:t>
-            </a:r>
-            <a:r>
-              <a:rPr lang="ko-KR" altLang="en-US" sz="1000" dirty="0">
-                <a:latin typeface="Microsoft GothicNeo Light" panose="020B0300000101010101" pitchFamily="50" charset="-127"/>
-                <a:ea typeface="Microsoft GothicNeo Light" panose="020B0300000101010101" pitchFamily="50" charset="-127"/>
-                <a:cs typeface="Microsoft GothicNeo Light" panose="020B0300000101010101" pitchFamily="50" charset="-127"/>
-              </a:rPr>
-              <a:t> 타이머 초기화</a:t>
-            </a:r>
-            <a:endParaRPr lang="en-US" altLang="ko-KR" sz="1000" dirty="0">
-              <a:latin typeface="Microsoft GothicNeo Light" panose="020B0300000101010101" pitchFamily="50" charset="-127"/>
-              <a:ea typeface="Microsoft GothicNeo Light" panose="020B0300000101010101" pitchFamily="50" charset="-127"/>
-              <a:cs typeface="Microsoft GothicNeo Light" panose="020B0300000101010101" pitchFamily="50" charset="-127"/>
-            </a:endParaRPr>
-          </a:p>
-          <a:p>
-            <a:pPr algn="ctr"/>
-            <a:r>
-              <a:rPr lang="ko-KR" altLang="en-US" sz="1000" dirty="0" err="1">
-                <a:latin typeface="Microsoft GothicNeo Light" panose="020B0300000101010101" pitchFamily="50" charset="-127"/>
-                <a:ea typeface="Microsoft GothicNeo Light" panose="020B0300000101010101" pitchFamily="50" charset="-127"/>
-                <a:cs typeface="Microsoft GothicNeo Light" panose="020B0300000101010101" pitchFamily="50" charset="-127"/>
-              </a:rPr>
-              <a:t>유저별</a:t>
-            </a:r>
-            <a:r>
-              <a:rPr lang="ko-KR" altLang="en-US" sz="1000" dirty="0">
-                <a:latin typeface="Microsoft GothicNeo Light" panose="020B0300000101010101" pitchFamily="50" charset="-127"/>
-                <a:ea typeface="Microsoft GothicNeo Light" panose="020B0300000101010101" pitchFamily="50" charset="-127"/>
-                <a:cs typeface="Microsoft GothicNeo Light" panose="020B0300000101010101" pitchFamily="50" charset="-127"/>
-              </a:rPr>
-              <a:t> </a:t>
-            </a:r>
-            <a:r>
-              <a:rPr lang="ko-KR" altLang="en-US" sz="1000" dirty="0" err="1">
-                <a:latin typeface="Microsoft GothicNeo Light" panose="020B0300000101010101" pitchFamily="50" charset="-127"/>
-                <a:ea typeface="Microsoft GothicNeo Light" panose="020B0300000101010101" pitchFamily="50" charset="-127"/>
-                <a:cs typeface="Microsoft GothicNeo Light" panose="020B0300000101010101" pitchFamily="50" charset="-127"/>
-              </a:rPr>
-              <a:t>공격량</a:t>
-            </a:r>
-            <a:r>
-              <a:rPr lang="ko-KR" altLang="en-US" sz="1000" dirty="0">
-                <a:latin typeface="Microsoft GothicNeo Light" panose="020B0300000101010101" pitchFamily="50" charset="-127"/>
-                <a:ea typeface="Microsoft GothicNeo Light" panose="020B0300000101010101" pitchFamily="50" charset="-127"/>
-                <a:cs typeface="Microsoft GothicNeo Light" panose="020B0300000101010101" pitchFamily="50" charset="-127"/>
-              </a:rPr>
-              <a:t> 초기화</a:t>
-            </a:r>
-            <a:endParaRPr lang="en-US" altLang="ko-KR" sz="1000" dirty="0">
-              <a:latin typeface="Microsoft GothicNeo Light" panose="020B0300000101010101" pitchFamily="50" charset="-127"/>
-              <a:ea typeface="Microsoft GothicNeo Light" panose="020B0300000101010101" pitchFamily="50" charset="-127"/>
-              <a:cs typeface="Microsoft GothicNeo Light" panose="020B0300000101010101" pitchFamily="50" charset="-127"/>
-            </a:endParaRPr>
-          </a:p>
-        </p:txBody>
-      </p:sp>
-      <p:sp>
-        <p:nvSpPr>
-          <p:cNvPr id="106" name="순서도: 판단 105">
-            <a:extLst>
-              <a:ext uri="{FF2B5EF4-FFF2-40B4-BE49-F238E27FC236}">
-                <a16:creationId xmlns:a16="http://schemas.microsoft.com/office/drawing/2014/main" id="{600AB471-F5AD-0D83-C42C-5A082B54A514}"/>
-              </a:ext>
-            </a:extLst>
-          </p:cNvPr>
-          <p:cNvSpPr/>
-          <p:nvPr/>
-        </p:nvSpPr>
-        <p:spPr>
-          <a:xfrm>
-            <a:off x="9405693" y="1891860"/>
-            <a:ext cx="2633946" cy="685800"/>
-          </a:xfrm>
-          <a:prstGeom prst="flowChartDecision">
-            <a:avLst/>
-          </a:prstGeom>
-          <a:noFill/>
-          <a:ln w="9525" cap="flat" cmpd="sng" algn="ctr">
-            <a:solidFill>
-              <a:schemeClr val="dk1"/>
-            </a:solidFill>
-            <a:prstDash val="solid"/>
-            <a:round/>
-            <a:headEnd type="none" w="med" len="med"/>
-            <a:tailEnd type="none" w="med" len="med"/>
-          </a:ln>
-        </p:spPr>
-        <p:style>
-          <a:lnRef idx="0">
-            <a:scrgbClr r="0" g="0" b="0"/>
-          </a:lnRef>
-          <a:fillRef idx="0">
-            <a:scrgbClr r="0" g="0" b="0"/>
-          </a:fillRef>
-          <a:effectRef idx="0">
-            <a:scrgbClr r="0" g="0" b="0"/>
-          </a:effectRef>
-          <a:fontRef idx="minor">
-            <a:schemeClr val="dk1"/>
-          </a:fontRef>
-        </p:style>
-        <p:txBody>
-          <a:bodyPr rtlCol="0" anchor="ctr"/>
-          <a:lstStyle/>
-          <a:p>
-            <a:pPr algn="ctr"/>
-            <a:r>
-              <a:rPr lang="ko-KR" altLang="en-US" sz="1000" dirty="0" err="1">
-                <a:latin typeface="Microsoft GothicNeo Light" panose="020B0300000101010101" pitchFamily="50" charset="-127"/>
-                <a:ea typeface="Microsoft GothicNeo Light" panose="020B0300000101010101" pitchFamily="50" charset="-127"/>
-                <a:cs typeface="Microsoft GothicNeo Light" panose="020B0300000101010101" pitchFamily="50" charset="-127"/>
-              </a:rPr>
-              <a:t>공격량</a:t>
-            </a:r>
-            <a:r>
-              <a:rPr lang="ko-KR" altLang="en-US" sz="1000" dirty="0">
-                <a:latin typeface="Microsoft GothicNeo Light" panose="020B0300000101010101" pitchFamily="50" charset="-127"/>
-                <a:ea typeface="Microsoft GothicNeo Light" panose="020B0300000101010101" pitchFamily="50" charset="-127"/>
-                <a:cs typeface="Microsoft GothicNeo Light" panose="020B0300000101010101" pitchFamily="50" charset="-127"/>
-              </a:rPr>
-              <a:t> 타이머 </a:t>
-            </a:r>
-            <a:r>
-              <a:rPr lang="en-US" altLang="ko-KR" sz="1000" dirty="0">
-                <a:latin typeface="Microsoft GothicNeo Light" panose="020B0300000101010101" pitchFamily="50" charset="-127"/>
-                <a:ea typeface="Microsoft GothicNeo Light" panose="020B0300000101010101" pitchFamily="50" charset="-127"/>
-                <a:cs typeface="Microsoft GothicNeo Light" panose="020B0300000101010101" pitchFamily="50" charset="-127"/>
-              </a:rPr>
-              <a:t>&gt; </a:t>
-            </a:r>
-            <a:r>
-              <a:rPr lang="ko-KR" altLang="en-US" sz="1000" dirty="0">
-                <a:latin typeface="Microsoft GothicNeo Light" panose="020B0300000101010101" pitchFamily="50" charset="-127"/>
-                <a:ea typeface="Microsoft GothicNeo Light" panose="020B0300000101010101" pitchFamily="50" charset="-127"/>
-                <a:cs typeface="Microsoft GothicNeo Light" panose="020B0300000101010101" pitchFamily="50" charset="-127"/>
-              </a:rPr>
-              <a:t>기준</a:t>
-            </a:r>
-          </a:p>
-        </p:txBody>
-      </p:sp>
-      <p:sp>
-        <p:nvSpPr>
-          <p:cNvPr id="109" name="순서도: 대체 처리 108">
-            <a:extLst>
-              <a:ext uri="{FF2B5EF4-FFF2-40B4-BE49-F238E27FC236}">
-                <a16:creationId xmlns:a16="http://schemas.microsoft.com/office/drawing/2014/main" id="{3D999869-5897-C08C-63C4-246E48381693}"/>
-              </a:ext>
-            </a:extLst>
-          </p:cNvPr>
-          <p:cNvSpPr/>
-          <p:nvPr/>
-        </p:nvSpPr>
-        <p:spPr>
-          <a:xfrm>
-            <a:off x="9967686" y="2727610"/>
-            <a:ext cx="1509960" cy="368058"/>
-          </a:xfrm>
-          <a:prstGeom prst="flowChartAlternateProcess">
-            <a:avLst/>
-          </a:prstGeom>
-        </p:spPr>
-        <p:style>
-          <a:lnRef idx="2">
-            <a:schemeClr val="dk1"/>
-          </a:lnRef>
-          <a:fillRef idx="1">
-            <a:schemeClr val="lt1"/>
-          </a:fillRef>
-          <a:effectRef idx="0">
-            <a:schemeClr val="dk1"/>
-          </a:effectRef>
-          <a:fontRef idx="minor">
-            <a:schemeClr val="dk1"/>
-          </a:fontRef>
-        </p:style>
-        <p:txBody>
-          <a:bodyPr rtlCol="0" anchor="ctr"/>
-          <a:lstStyle/>
-          <a:p>
-            <a:pPr algn="ctr"/>
-            <a:r>
-              <a:rPr lang="ko-KR" altLang="en-US" sz="1000" dirty="0">
-                <a:latin typeface="Microsoft GothicNeo Light" panose="020B0300000101010101" pitchFamily="50" charset="-127"/>
-                <a:ea typeface="Microsoft GothicNeo Light" panose="020B0300000101010101" pitchFamily="50" charset="-127"/>
-                <a:cs typeface="Microsoft GothicNeo Light" panose="020B0300000101010101" pitchFamily="50" charset="-127"/>
-              </a:rPr>
-              <a:t>타겟 </a:t>
-            </a:r>
-            <a:r>
-              <a:rPr lang="en-US" altLang="ko-KR" sz="1000" dirty="0">
-                <a:latin typeface="Microsoft GothicNeo Light" panose="020B0300000101010101" pitchFamily="50" charset="-127"/>
-                <a:ea typeface="Microsoft GothicNeo Light" panose="020B0300000101010101" pitchFamily="50" charset="-127"/>
-                <a:cs typeface="Microsoft GothicNeo Light" panose="020B0300000101010101" pitchFamily="50" charset="-127"/>
-              </a:rPr>
-              <a:t>= </a:t>
-            </a:r>
-            <a:r>
-              <a:rPr lang="ko-KR" altLang="en-US" sz="1000" dirty="0" err="1">
-                <a:latin typeface="Microsoft GothicNeo Light" panose="020B0300000101010101" pitchFamily="50" charset="-127"/>
-                <a:ea typeface="Microsoft GothicNeo Light" panose="020B0300000101010101" pitchFamily="50" charset="-127"/>
-                <a:cs typeface="Microsoft GothicNeo Light" panose="020B0300000101010101" pitchFamily="50" charset="-127"/>
-              </a:rPr>
-              <a:t>공격량</a:t>
-            </a:r>
-            <a:r>
-              <a:rPr lang="ko-KR" altLang="en-US" sz="1000" dirty="0">
-                <a:latin typeface="Microsoft GothicNeo Light" panose="020B0300000101010101" pitchFamily="50" charset="-127"/>
-                <a:ea typeface="Microsoft GothicNeo Light" panose="020B0300000101010101" pitchFamily="50" charset="-127"/>
-                <a:cs typeface="Microsoft GothicNeo Light" panose="020B0300000101010101" pitchFamily="50" charset="-127"/>
-              </a:rPr>
-              <a:t> 최고 유저</a:t>
-            </a:r>
-            <a:endParaRPr lang="en-US" altLang="ko-KR" sz="1000" dirty="0">
-              <a:latin typeface="Microsoft GothicNeo Light" panose="020B0300000101010101" pitchFamily="50" charset="-127"/>
-              <a:ea typeface="Microsoft GothicNeo Light" panose="020B0300000101010101" pitchFamily="50" charset="-127"/>
-              <a:cs typeface="Microsoft GothicNeo Light" panose="020B0300000101010101" pitchFamily="50" charset="-127"/>
-            </a:endParaRPr>
-          </a:p>
-        </p:txBody>
-      </p:sp>
-      <p:cxnSp>
-        <p:nvCxnSpPr>
-          <p:cNvPr id="110" name="직선 화살표 연결선 109">
-            <a:extLst>
-              <a:ext uri="{FF2B5EF4-FFF2-40B4-BE49-F238E27FC236}">
-                <a16:creationId xmlns:a16="http://schemas.microsoft.com/office/drawing/2014/main" id="{BCF4B14E-E434-5E9B-95BE-7682D7BC3A4E}"/>
-              </a:ext>
-            </a:extLst>
-          </p:cNvPr>
-          <p:cNvCxnSpPr>
-            <a:cxnSpLocks/>
-            <a:stCxn id="106" idx="2"/>
-            <a:endCxn id="109" idx="0"/>
-          </p:cNvCxnSpPr>
-          <p:nvPr/>
-        </p:nvCxnSpPr>
-        <p:spPr>
-          <a:xfrm>
-            <a:off x="10722666" y="2577660"/>
-            <a:ext cx="0" cy="149950"/>
-          </a:xfrm>
-          <a:prstGeom prst="straightConnector1">
-            <a:avLst/>
-          </a:prstGeom>
-          <a:ln>
-            <a:tailEnd type="triangle"/>
-          </a:ln>
-        </p:spPr>
-        <p:style>
-          <a:lnRef idx="1">
-            <a:schemeClr val="dk1"/>
-          </a:lnRef>
-          <a:fillRef idx="0">
-            <a:schemeClr val="dk1"/>
-          </a:fillRef>
-          <a:effectRef idx="0">
-            <a:schemeClr val="dk1"/>
-          </a:effectRef>
-          <a:fontRef idx="minor">
-            <a:schemeClr val="tx1"/>
-          </a:fontRef>
-        </p:style>
-      </p:cxnSp>
-      <p:sp>
-        <p:nvSpPr>
-          <p:cNvPr id="113" name="TextBox 112">
-            <a:extLst>
-              <a:ext uri="{FF2B5EF4-FFF2-40B4-BE49-F238E27FC236}">
-                <a16:creationId xmlns:a16="http://schemas.microsoft.com/office/drawing/2014/main" id="{D57F72A7-E102-DBAA-465F-2FAAD6961B12}"/>
-              </a:ext>
-            </a:extLst>
-          </p:cNvPr>
-          <p:cNvSpPr txBox="1"/>
-          <p:nvPr/>
-        </p:nvSpPr>
-        <p:spPr>
-          <a:xfrm>
-            <a:off x="10717858" y="2522940"/>
-            <a:ext cx="394660" cy="230832"/>
-          </a:xfrm>
-          <a:prstGeom prst="rect">
-            <a:avLst/>
-          </a:prstGeom>
-          <a:noFill/>
-        </p:spPr>
-        <p:txBody>
-          <a:bodyPr wrap="none" rtlCol="0">
-            <a:spAutoFit/>
-          </a:bodyPr>
-          <a:lstStyle/>
-          <a:p>
-            <a:r>
-              <a:rPr lang="en-US" altLang="ko-KR" sz="900" dirty="0">
-                <a:latin typeface="Microsoft GothicNeo Light" panose="020B0300000101010101" pitchFamily="50" charset="-127"/>
-                <a:ea typeface="Microsoft GothicNeo Light" panose="020B0300000101010101" pitchFamily="50" charset="-127"/>
-                <a:cs typeface="Microsoft GothicNeo Light" panose="020B0300000101010101" pitchFamily="50" charset="-127"/>
-              </a:rPr>
-              <a:t>true</a:t>
-            </a:r>
-            <a:endParaRPr lang="ko-KR" altLang="en-US" sz="900" dirty="0">
-              <a:latin typeface="Microsoft GothicNeo Light" panose="020B0300000101010101" pitchFamily="50" charset="-127"/>
-              <a:ea typeface="Microsoft GothicNeo Light" panose="020B0300000101010101" pitchFamily="50" charset="-127"/>
-              <a:cs typeface="Microsoft GothicNeo Light" panose="020B0300000101010101" pitchFamily="50" charset="-127"/>
-            </a:endParaRPr>
-          </a:p>
-        </p:txBody>
-      </p:sp>
-      <p:sp>
-        <p:nvSpPr>
-          <p:cNvPr id="115" name="타원 114">
-            <a:extLst>
-              <a:ext uri="{FF2B5EF4-FFF2-40B4-BE49-F238E27FC236}">
-                <a16:creationId xmlns:a16="http://schemas.microsoft.com/office/drawing/2014/main" id="{0DE335C8-A004-0069-1E5D-C7B2391DB16B}"/>
-              </a:ext>
-            </a:extLst>
-          </p:cNvPr>
-          <p:cNvSpPr/>
-          <p:nvPr/>
-        </p:nvSpPr>
-        <p:spPr>
-          <a:xfrm>
-            <a:off x="1376617" y="935663"/>
-            <a:ext cx="185432" cy="185432"/>
-          </a:xfrm>
-          <a:prstGeom prst="ellipse">
-            <a:avLst/>
-          </a:prstGeom>
-          <a:solidFill>
-            <a:schemeClr val="bg1"/>
-          </a:solidFill>
-          <a:ln>
-            <a:solidFill>
-              <a:schemeClr val="tx1"/>
-            </a:solidFill>
-          </a:ln>
-        </p:spPr>
-        <p:style>
-          <a:lnRef idx="2">
-            <a:schemeClr val="accent1">
-              <a:shade val="50000"/>
-            </a:schemeClr>
-          </a:lnRef>
-          <a:fillRef idx="1">
-            <a:schemeClr val="accent1"/>
-          </a:fillRef>
-          <a:effectRef idx="0">
-            <a:schemeClr val="accent1"/>
-          </a:effectRef>
-          <a:fontRef idx="minor">
-            <a:schemeClr val="lt1"/>
-          </a:fontRef>
-        </p:style>
-        <p:txBody>
-          <a:bodyPr rtlCol="0" anchor="ctr"/>
-          <a:lstStyle/>
-          <a:p>
-            <a:pPr algn="ctr"/>
-            <a:endParaRPr lang="ko-KR" altLang="en-US" sz="800" dirty="0">
-              <a:solidFill>
-                <a:schemeClr val="tx1"/>
-              </a:solidFill>
-              <a:latin typeface="Microsoft GothicNeo Light" panose="020B0300000101010101" pitchFamily="50" charset="-127"/>
-              <a:ea typeface="Microsoft GothicNeo Light" panose="020B0300000101010101" pitchFamily="50" charset="-127"/>
-              <a:cs typeface="Microsoft GothicNeo Light" panose="020B0300000101010101" pitchFamily="50" charset="-127"/>
-            </a:endParaRPr>
-          </a:p>
-        </p:txBody>
-      </p:sp>
-      <p:sp>
-        <p:nvSpPr>
-          <p:cNvPr id="116" name="타원 115">
-            <a:extLst>
-              <a:ext uri="{FF2B5EF4-FFF2-40B4-BE49-F238E27FC236}">
-                <a16:creationId xmlns:a16="http://schemas.microsoft.com/office/drawing/2014/main" id="{FD031235-71B8-354D-F8A8-DE107C01CDD1}"/>
-              </a:ext>
-            </a:extLst>
-          </p:cNvPr>
-          <p:cNvSpPr/>
-          <p:nvPr/>
-        </p:nvSpPr>
-        <p:spPr>
-          <a:xfrm>
-            <a:off x="10625142" y="3315282"/>
-            <a:ext cx="185432" cy="185432"/>
-          </a:xfrm>
-          <a:prstGeom prst="ellipse">
-            <a:avLst/>
-          </a:prstGeom>
-          <a:solidFill>
-            <a:schemeClr val="bg1"/>
-          </a:solidFill>
-          <a:ln>
-            <a:solidFill>
-              <a:schemeClr val="tx1"/>
-            </a:solidFill>
-          </a:ln>
-        </p:spPr>
-        <p:style>
-          <a:lnRef idx="2">
-            <a:schemeClr val="accent1">
-              <a:shade val="50000"/>
-            </a:schemeClr>
-          </a:lnRef>
-          <a:fillRef idx="1">
-            <a:schemeClr val="accent1"/>
-          </a:fillRef>
-          <a:effectRef idx="0">
-            <a:schemeClr val="accent1"/>
-          </a:effectRef>
-          <a:fontRef idx="minor">
-            <a:schemeClr val="lt1"/>
-          </a:fontRef>
-        </p:style>
-        <p:txBody>
-          <a:bodyPr rtlCol="0" anchor="ctr"/>
-          <a:lstStyle/>
-          <a:p>
-            <a:pPr algn="ctr"/>
-            <a:endParaRPr lang="ko-KR" altLang="en-US" sz="800" dirty="0">
-              <a:solidFill>
-                <a:schemeClr val="tx1"/>
-              </a:solidFill>
-              <a:latin typeface="Microsoft GothicNeo Light" panose="020B0300000101010101" pitchFamily="50" charset="-127"/>
-              <a:ea typeface="Microsoft GothicNeo Light" panose="020B0300000101010101" pitchFamily="50" charset="-127"/>
-              <a:cs typeface="Microsoft GothicNeo Light" panose="020B0300000101010101" pitchFamily="50" charset="-127"/>
-            </a:endParaRPr>
-          </a:p>
-        </p:txBody>
-      </p:sp>
-      <p:cxnSp>
-        <p:nvCxnSpPr>
-          <p:cNvPr id="117" name="직선 화살표 연결선 116">
-            <a:extLst>
-              <a:ext uri="{FF2B5EF4-FFF2-40B4-BE49-F238E27FC236}">
-                <a16:creationId xmlns:a16="http://schemas.microsoft.com/office/drawing/2014/main" id="{DE582CE0-B20E-E9E9-4B8F-C9755FEEE055}"/>
-              </a:ext>
-            </a:extLst>
-          </p:cNvPr>
-          <p:cNvCxnSpPr>
-            <a:cxnSpLocks/>
-            <a:stCxn id="109" idx="2"/>
-            <a:endCxn id="116" idx="0"/>
-          </p:cNvCxnSpPr>
-          <p:nvPr/>
-        </p:nvCxnSpPr>
-        <p:spPr>
-          <a:xfrm flipH="1">
-            <a:off x="10717858" y="3095668"/>
-            <a:ext cx="4808" cy="219614"/>
-          </a:xfrm>
-          <a:prstGeom prst="straightConnector1">
-            <a:avLst/>
-          </a:prstGeom>
-          <a:ln>
-            <a:tailEnd type="triangle"/>
-          </a:ln>
-        </p:spPr>
-        <p:style>
-          <a:lnRef idx="1">
-            <a:schemeClr val="dk1"/>
-          </a:lnRef>
-          <a:fillRef idx="0">
-            <a:schemeClr val="dk1"/>
-          </a:fillRef>
-          <a:effectRef idx="0">
-            <a:schemeClr val="dk1"/>
-          </a:effectRef>
-          <a:fontRef idx="minor">
-            <a:schemeClr val="tx1"/>
-          </a:fontRef>
-        </p:style>
-      </p:cxnSp>
-      <p:cxnSp>
-        <p:nvCxnSpPr>
-          <p:cNvPr id="120" name="연결선: 꺾임 119">
-            <a:extLst>
-              <a:ext uri="{FF2B5EF4-FFF2-40B4-BE49-F238E27FC236}">
-                <a16:creationId xmlns:a16="http://schemas.microsoft.com/office/drawing/2014/main" id="{8032CD4B-5806-A8F9-C4C9-C5657FA44BEA}"/>
-              </a:ext>
-            </a:extLst>
-          </p:cNvPr>
-          <p:cNvCxnSpPr>
-            <a:cxnSpLocks/>
-            <a:stCxn id="106" idx="3"/>
-            <a:endCxn id="116" idx="6"/>
-          </p:cNvCxnSpPr>
-          <p:nvPr/>
-        </p:nvCxnSpPr>
-        <p:spPr>
-          <a:xfrm flipH="1">
-            <a:off x="10810574" y="2234760"/>
-            <a:ext cx="1229065" cy="1173238"/>
-          </a:xfrm>
-          <a:prstGeom prst="bentConnector3">
-            <a:avLst>
-              <a:gd name="adj1" fmla="val -8680"/>
-            </a:avLst>
-          </a:prstGeom>
-          <a:ln>
-            <a:tailEnd type="triangle"/>
-          </a:ln>
-        </p:spPr>
-        <p:style>
-          <a:lnRef idx="1">
-            <a:schemeClr val="dk1"/>
-          </a:lnRef>
-          <a:fillRef idx="0">
-            <a:schemeClr val="dk1"/>
-          </a:fillRef>
-          <a:effectRef idx="0">
-            <a:schemeClr val="dk1"/>
-          </a:effectRef>
-          <a:fontRef idx="minor">
-            <a:schemeClr val="tx1"/>
-          </a:fontRef>
-        </p:style>
-      </p:cxnSp>
-      <p:sp>
-        <p:nvSpPr>
-          <p:cNvPr id="124" name="TextBox 123">
-            <a:extLst>
-              <a:ext uri="{FF2B5EF4-FFF2-40B4-BE49-F238E27FC236}">
-                <a16:creationId xmlns:a16="http://schemas.microsoft.com/office/drawing/2014/main" id="{3704A1A9-B63C-4F8D-7B86-DE389B0E7779}"/>
-              </a:ext>
-            </a:extLst>
-          </p:cNvPr>
-          <p:cNvSpPr txBox="1"/>
-          <p:nvPr/>
-        </p:nvSpPr>
-        <p:spPr>
-          <a:xfrm>
-            <a:off x="11771611" y="1969394"/>
-            <a:ext cx="420308" cy="230832"/>
-          </a:xfrm>
-          <a:prstGeom prst="rect">
-            <a:avLst/>
-          </a:prstGeom>
-          <a:noFill/>
-        </p:spPr>
-        <p:txBody>
-          <a:bodyPr wrap="square" rtlCol="0">
-            <a:spAutoFit/>
-          </a:bodyPr>
-          <a:lstStyle/>
-          <a:p>
-            <a:r>
-              <a:rPr lang="en-US" altLang="ko-KR" sz="900" dirty="0">
-                <a:latin typeface="Microsoft GothicNeo Light" panose="020B0300000101010101" pitchFamily="50" charset="-127"/>
-                <a:ea typeface="Microsoft GothicNeo Light" panose="020B0300000101010101" pitchFamily="50" charset="-127"/>
-                <a:cs typeface="Microsoft GothicNeo Light" panose="020B0300000101010101" pitchFamily="50" charset="-127"/>
-              </a:rPr>
-              <a:t>false</a:t>
-            </a:r>
-            <a:endParaRPr lang="ko-KR" altLang="en-US" sz="900" dirty="0">
-              <a:latin typeface="Microsoft GothicNeo Light" panose="020B0300000101010101" pitchFamily="50" charset="-127"/>
-              <a:ea typeface="Microsoft GothicNeo Light" panose="020B0300000101010101" pitchFamily="50" charset="-127"/>
-              <a:cs typeface="Microsoft GothicNeo Light" panose="020B0300000101010101" pitchFamily="50" charset="-127"/>
-            </a:endParaRPr>
-          </a:p>
-        </p:txBody>
-      </p:sp>
-      <p:cxnSp>
-        <p:nvCxnSpPr>
-          <p:cNvPr id="126" name="연결선: 꺾임 125">
-            <a:extLst>
-              <a:ext uri="{FF2B5EF4-FFF2-40B4-BE49-F238E27FC236}">
-                <a16:creationId xmlns:a16="http://schemas.microsoft.com/office/drawing/2014/main" id="{421E8C27-EBC7-CA21-0944-82045D0727A3}"/>
-              </a:ext>
-            </a:extLst>
-          </p:cNvPr>
-          <p:cNvCxnSpPr>
-            <a:cxnSpLocks/>
-            <a:stCxn id="105" idx="2"/>
-            <a:endCxn id="115" idx="2"/>
-          </p:cNvCxnSpPr>
-          <p:nvPr/>
-        </p:nvCxnSpPr>
-        <p:spPr>
-          <a:xfrm rot="5400000" flipH="1">
-            <a:off x="2704480" y="-299484"/>
-            <a:ext cx="4696099" cy="7351826"/>
-          </a:xfrm>
-          <a:prstGeom prst="bentConnector4">
-            <a:avLst>
-              <a:gd name="adj1" fmla="val -4868"/>
-              <a:gd name="adj2" fmla="val 117679"/>
-            </a:avLst>
-          </a:prstGeom>
-          <a:ln>
-            <a:tailEnd type="triangle"/>
-          </a:ln>
-        </p:spPr>
-        <p:style>
-          <a:lnRef idx="1">
-            <a:schemeClr val="dk1"/>
-          </a:lnRef>
-          <a:fillRef idx="0">
-            <a:schemeClr val="dk1"/>
-          </a:fillRef>
-          <a:effectRef idx="0">
-            <a:schemeClr val="dk1"/>
-          </a:effectRef>
-          <a:fontRef idx="minor">
-            <a:schemeClr val="tx1"/>
-          </a:fontRef>
-        </p:style>
-      </p:cxnSp>
-      <p:sp>
-        <p:nvSpPr>
-          <p:cNvPr id="132" name="순서도: 대체 처리 131">
-            <a:extLst>
-              <a:ext uri="{FF2B5EF4-FFF2-40B4-BE49-F238E27FC236}">
-                <a16:creationId xmlns:a16="http://schemas.microsoft.com/office/drawing/2014/main" id="{A78E9FB8-5BF2-5F18-2755-7ACAAA002E37}"/>
-              </a:ext>
-            </a:extLst>
-          </p:cNvPr>
-          <p:cNvSpPr/>
-          <p:nvPr/>
-        </p:nvSpPr>
-        <p:spPr>
-          <a:xfrm>
-            <a:off x="7977579" y="4525461"/>
-            <a:ext cx="1509960" cy="368058"/>
-          </a:xfrm>
-          <a:prstGeom prst="flowChartAlternateProcess">
-            <a:avLst/>
-          </a:prstGeom>
-        </p:spPr>
-        <p:style>
-          <a:lnRef idx="2">
-            <a:schemeClr val="dk1"/>
-          </a:lnRef>
-          <a:fillRef idx="1">
-            <a:schemeClr val="lt1"/>
-          </a:fillRef>
-          <a:effectRef idx="0">
-            <a:schemeClr val="dk1"/>
-          </a:effectRef>
-          <a:fontRef idx="minor">
-            <a:schemeClr val="dk1"/>
-          </a:fontRef>
-        </p:style>
-        <p:txBody>
-          <a:bodyPr rtlCol="0" anchor="ctr"/>
-          <a:lstStyle/>
-          <a:p>
-            <a:pPr algn="ctr"/>
-            <a:r>
-              <a:rPr lang="ko-KR" altLang="en-US" sz="1000" dirty="0">
-                <a:latin typeface="Microsoft GothicNeo Light" panose="020B0300000101010101" pitchFamily="50" charset="-127"/>
-                <a:ea typeface="Microsoft GothicNeo Light" panose="020B0300000101010101" pitchFamily="50" charset="-127"/>
-                <a:cs typeface="Microsoft GothicNeo Light" panose="020B0300000101010101" pitchFamily="50" charset="-127"/>
-              </a:rPr>
-              <a:t>공격</a:t>
-            </a:r>
-            <a:endParaRPr lang="en-US" altLang="ko-KR" sz="1000" dirty="0">
-              <a:latin typeface="Microsoft GothicNeo Light" panose="020B0300000101010101" pitchFamily="50" charset="-127"/>
-              <a:ea typeface="Microsoft GothicNeo Light" panose="020B0300000101010101" pitchFamily="50" charset="-127"/>
-              <a:cs typeface="Microsoft GothicNeo Light" panose="020B0300000101010101" pitchFamily="50" charset="-127"/>
-            </a:endParaRPr>
-          </a:p>
-        </p:txBody>
-      </p:sp>
-      <p:cxnSp>
-        <p:nvCxnSpPr>
-          <p:cNvPr id="133" name="직선 화살표 연결선 132">
-            <a:extLst>
-              <a:ext uri="{FF2B5EF4-FFF2-40B4-BE49-F238E27FC236}">
-                <a16:creationId xmlns:a16="http://schemas.microsoft.com/office/drawing/2014/main" id="{B64F40B6-BAA5-2E75-6833-689304506E8A}"/>
-              </a:ext>
-            </a:extLst>
-          </p:cNvPr>
-          <p:cNvCxnSpPr>
-            <a:cxnSpLocks/>
-            <a:stCxn id="75" idx="2"/>
-            <a:endCxn id="132" idx="0"/>
-          </p:cNvCxnSpPr>
-          <p:nvPr/>
-        </p:nvCxnSpPr>
-        <p:spPr>
-          <a:xfrm>
-            <a:off x="8728443" y="4271162"/>
-            <a:ext cx="4116" cy="254299"/>
-          </a:xfrm>
-          <a:prstGeom prst="straightConnector1">
-            <a:avLst/>
-          </a:prstGeom>
-          <a:ln>
-            <a:tailEnd type="triangle"/>
-          </a:ln>
-        </p:spPr>
-        <p:style>
-          <a:lnRef idx="1">
-            <a:schemeClr val="dk1"/>
-          </a:lnRef>
-          <a:fillRef idx="0">
-            <a:schemeClr val="dk1"/>
-          </a:fillRef>
-          <a:effectRef idx="0">
-            <a:schemeClr val="dk1"/>
-          </a:effectRef>
-          <a:fontRef idx="minor">
-            <a:schemeClr val="tx1"/>
-          </a:fontRef>
-        </p:style>
-      </p:cxnSp>
-      <p:sp>
-        <p:nvSpPr>
-          <p:cNvPr id="136" name="TextBox 135">
-            <a:extLst>
-              <a:ext uri="{FF2B5EF4-FFF2-40B4-BE49-F238E27FC236}">
-                <a16:creationId xmlns:a16="http://schemas.microsoft.com/office/drawing/2014/main" id="{542FA360-F824-67F7-8CD0-A245A02B66FD}"/>
-              </a:ext>
-            </a:extLst>
-          </p:cNvPr>
-          <p:cNvSpPr txBox="1"/>
-          <p:nvPr/>
-        </p:nvSpPr>
-        <p:spPr>
-          <a:xfrm>
-            <a:off x="8713489" y="4271162"/>
-            <a:ext cx="394660" cy="230832"/>
-          </a:xfrm>
-          <a:prstGeom prst="rect">
-            <a:avLst/>
-          </a:prstGeom>
-          <a:noFill/>
-        </p:spPr>
-        <p:txBody>
-          <a:bodyPr wrap="none" rtlCol="0">
-            <a:spAutoFit/>
-          </a:bodyPr>
-          <a:lstStyle/>
-          <a:p>
-            <a:r>
-              <a:rPr lang="en-US" altLang="ko-KR" sz="900" dirty="0">
-                <a:latin typeface="Microsoft GothicNeo Light" panose="020B0300000101010101" pitchFamily="50" charset="-127"/>
-                <a:ea typeface="Microsoft GothicNeo Light" panose="020B0300000101010101" pitchFamily="50" charset="-127"/>
-                <a:cs typeface="Microsoft GothicNeo Light" panose="020B0300000101010101" pitchFamily="50" charset="-127"/>
-              </a:rPr>
-              <a:t>true</a:t>
-            </a:r>
-            <a:endParaRPr lang="ko-KR" altLang="en-US" sz="900" dirty="0">
-              <a:latin typeface="Microsoft GothicNeo Light" panose="020B0300000101010101" pitchFamily="50" charset="-127"/>
-              <a:ea typeface="Microsoft GothicNeo Light" panose="020B0300000101010101" pitchFamily="50" charset="-127"/>
-              <a:cs typeface="Microsoft GothicNeo Light" panose="020B0300000101010101" pitchFamily="50" charset="-127"/>
-            </a:endParaRPr>
-          </a:p>
-        </p:txBody>
-      </p:sp>
-      <p:cxnSp>
-        <p:nvCxnSpPr>
-          <p:cNvPr id="138" name="직선 화살표 연결선 137">
-            <a:extLst>
-              <a:ext uri="{FF2B5EF4-FFF2-40B4-BE49-F238E27FC236}">
-                <a16:creationId xmlns:a16="http://schemas.microsoft.com/office/drawing/2014/main" id="{4C9F5E23-AD7C-2D75-3A4C-B8F6577E30ED}"/>
-              </a:ext>
-            </a:extLst>
-          </p:cNvPr>
-          <p:cNvCxnSpPr>
-            <a:cxnSpLocks/>
-            <a:stCxn id="132" idx="2"/>
-            <a:endCxn id="105" idx="0"/>
-          </p:cNvCxnSpPr>
-          <p:nvPr/>
-        </p:nvCxnSpPr>
-        <p:spPr>
-          <a:xfrm flipH="1">
-            <a:off x="8728443" y="4893519"/>
-            <a:ext cx="4116" cy="264473"/>
-          </a:xfrm>
-          <a:prstGeom prst="straightConnector1">
-            <a:avLst/>
-          </a:prstGeom>
-          <a:ln>
-            <a:tailEnd type="triangle"/>
-          </a:ln>
-        </p:spPr>
-        <p:style>
-          <a:lnRef idx="1">
-            <a:schemeClr val="dk1"/>
-          </a:lnRef>
-          <a:fillRef idx="0">
-            <a:schemeClr val="dk1"/>
-          </a:fillRef>
-          <a:effectRef idx="0">
-            <a:schemeClr val="dk1"/>
-          </a:effectRef>
-          <a:fontRef idx="minor">
-            <a:schemeClr val="tx1"/>
-          </a:fontRef>
-        </p:style>
-      </p:cxnSp>
-      <p:cxnSp>
-        <p:nvCxnSpPr>
-          <p:cNvPr id="144" name="연결선: 꺾임 143">
-            <a:extLst>
-              <a:ext uri="{FF2B5EF4-FFF2-40B4-BE49-F238E27FC236}">
-                <a16:creationId xmlns:a16="http://schemas.microsoft.com/office/drawing/2014/main" id="{8D5D6110-F701-A138-33EB-2705CDFADB39}"/>
-              </a:ext>
-            </a:extLst>
-          </p:cNvPr>
-          <p:cNvCxnSpPr>
-            <a:cxnSpLocks/>
-            <a:stCxn id="84" idx="2"/>
-          </p:cNvCxnSpPr>
-          <p:nvPr/>
-        </p:nvCxnSpPr>
-        <p:spPr>
-          <a:xfrm rot="5400000">
-            <a:off x="8981118" y="3872018"/>
-            <a:ext cx="1816023" cy="2301015"/>
-          </a:xfrm>
-          <a:prstGeom prst="bentConnector2">
-            <a:avLst/>
-          </a:prstGeom>
-          <a:ln>
-            <a:tailEnd type="triangle"/>
-          </a:ln>
-        </p:spPr>
-        <p:style>
-          <a:lnRef idx="1">
-            <a:schemeClr val="dk1"/>
-          </a:lnRef>
-          <a:fillRef idx="0">
-            <a:schemeClr val="dk1"/>
-          </a:fillRef>
-          <a:effectRef idx="0">
-            <a:schemeClr val="dk1"/>
-          </a:effectRef>
-          <a:fontRef idx="minor">
-            <a:schemeClr val="tx1"/>
-          </a:fontRef>
-        </p:style>
-      </p:cxnSp>
-      <p:sp>
-        <p:nvSpPr>
           <p:cNvPr id="148" name="TextBox 147">
             <a:extLst>
               <a:ext uri="{FF2B5EF4-FFF2-40B4-BE49-F238E27FC236}">
@@ -25571,7 +22717,7 @@
         </p:nvSpPr>
         <p:spPr>
           <a:xfrm>
-            <a:off x="104215" y="82334"/>
+            <a:off x="93817" y="504897"/>
             <a:ext cx="1715534" cy="276999"/>
           </a:xfrm>
           <a:prstGeom prst="rect">
@@ -25591,24 +22737,2789 @@
                 <a:ea typeface="Microsoft GothicNeo Light" panose="020B0300000101010101" pitchFamily="50" charset="-127"/>
                 <a:cs typeface="Microsoft GothicNeo Light" panose="020B0300000101010101" pitchFamily="50" charset="-127"/>
               </a:rPr>
-              <a:t>보스 몬스터 </a:t>
+              <a:t>보스 몬스터 행동 플로우</a:t>
             </a:r>
-            <a:r>
-              <a:rPr lang="ko-KR" altLang="en-US" sz="1200">
+          </a:p>
+        </p:txBody>
+      </p:sp>
+      <p:grpSp>
+        <p:nvGrpSpPr>
+          <p:cNvPr id="62" name="그룹 61">
+            <a:extLst>
+              <a:ext uri="{FF2B5EF4-FFF2-40B4-BE49-F238E27FC236}">
+                <a16:creationId xmlns:a16="http://schemas.microsoft.com/office/drawing/2014/main" id="{00E3B32D-B37D-74B8-895E-A6F8C4310E92}"/>
+              </a:ext>
+            </a:extLst>
+          </p:cNvPr>
+          <p:cNvGrpSpPr/>
+          <p:nvPr/>
+        </p:nvGrpSpPr>
+        <p:grpSpPr>
+          <a:xfrm>
+            <a:off x="141963" y="837595"/>
+            <a:ext cx="11956219" cy="5515507"/>
+            <a:chOff x="141963" y="837595"/>
+            <a:chExt cx="11956219" cy="5515507"/>
+          </a:xfrm>
+        </p:grpSpPr>
+        <p:sp>
+          <p:nvSpPr>
+            <p:cNvPr id="2" name="순서도: 대체 처리 1">
+              <a:extLst>
+                <a:ext uri="{FF2B5EF4-FFF2-40B4-BE49-F238E27FC236}">
+                  <a16:creationId xmlns:a16="http://schemas.microsoft.com/office/drawing/2014/main" id="{9DB4B14E-1F13-5C97-51BE-28FBD18C3D07}"/>
+                </a:ext>
+              </a:extLst>
+            </p:cNvPr>
+            <p:cNvSpPr/>
+            <p:nvPr/>
+          </p:nvSpPr>
+          <p:spPr>
+            <a:xfrm>
+              <a:off x="703956" y="837595"/>
+              <a:ext cx="1509960" cy="336884"/>
+            </a:xfrm>
+            <a:prstGeom prst="flowChartAlternateProcess">
+              <a:avLst/>
+            </a:prstGeom>
+          </p:spPr>
+          <p:style>
+            <a:lnRef idx="2">
+              <a:schemeClr val="dk1"/>
+            </a:lnRef>
+            <a:fillRef idx="1">
+              <a:schemeClr val="lt1"/>
+            </a:fillRef>
+            <a:effectRef idx="0">
+              <a:schemeClr val="dk1"/>
+            </a:effectRef>
+            <a:fontRef idx="minor">
+              <a:schemeClr val="dk1"/>
+            </a:fontRef>
+          </p:style>
+          <p:txBody>
+            <a:bodyPr rtlCol="0" anchor="ctr"/>
+            <a:lstStyle/>
+            <a:p>
+              <a:pPr algn="ctr"/>
+              <a:r>
+                <a:rPr lang="ko-KR" altLang="en-US" sz="1000" dirty="0">
+                  <a:latin typeface="Microsoft GothicNeo Light" panose="020B0300000101010101" pitchFamily="50" charset="-127"/>
+                  <a:ea typeface="Microsoft GothicNeo Light" panose="020B0300000101010101" pitchFamily="50" charset="-127"/>
+                  <a:cs typeface="Microsoft GothicNeo Light" panose="020B0300000101010101" pitchFamily="50" charset="-127"/>
+                </a:rPr>
+                <a:t>초기화</a:t>
+              </a:r>
+              <a:endParaRPr lang="en-US" altLang="ko-KR" sz="1000" dirty="0">
                 <a:latin typeface="Microsoft GothicNeo Light" panose="020B0300000101010101" pitchFamily="50" charset="-127"/>
                 <a:ea typeface="Microsoft GothicNeo Light" panose="020B0300000101010101" pitchFamily="50" charset="-127"/>
                 <a:cs typeface="Microsoft GothicNeo Light" panose="020B0300000101010101" pitchFamily="50" charset="-127"/>
-              </a:rPr>
-              <a:t>행동 플로우</a:t>
-            </a:r>
-            <a:endParaRPr lang="ko-KR" altLang="en-US" sz="1200" dirty="0">
-              <a:latin typeface="Microsoft GothicNeo Light" panose="020B0300000101010101" pitchFamily="50" charset="-127"/>
-              <a:ea typeface="Microsoft GothicNeo Light" panose="020B0300000101010101" pitchFamily="50" charset="-127"/>
-              <a:cs typeface="Microsoft GothicNeo Light" panose="020B0300000101010101" pitchFamily="50" charset="-127"/>
-            </a:endParaRPr>
-          </a:p>
-        </p:txBody>
-      </p:sp>
+              </a:endParaRPr>
+            </a:p>
+          </p:txBody>
+        </p:sp>
+        <p:cxnSp>
+          <p:nvCxnSpPr>
+            <p:cNvPr id="6" name="직선 화살표 연결선 5">
+              <a:extLst>
+                <a:ext uri="{FF2B5EF4-FFF2-40B4-BE49-F238E27FC236}">
+                  <a16:creationId xmlns:a16="http://schemas.microsoft.com/office/drawing/2014/main" id="{D8C9C8DF-223F-2A5E-970E-B15DC95C0AB4}"/>
+                </a:ext>
+              </a:extLst>
+            </p:cNvPr>
+            <p:cNvCxnSpPr>
+              <a:cxnSpLocks/>
+              <a:stCxn id="2" idx="2"/>
+              <a:endCxn id="11" idx="0"/>
+            </p:cNvCxnSpPr>
+            <p:nvPr/>
+          </p:nvCxnSpPr>
+          <p:spPr>
+            <a:xfrm>
+              <a:off x="1458936" y="1174479"/>
+              <a:ext cx="0" cy="508167"/>
+            </a:xfrm>
+            <a:prstGeom prst="straightConnector1">
+              <a:avLst/>
+            </a:prstGeom>
+            <a:ln>
+              <a:tailEnd type="triangle"/>
+            </a:ln>
+          </p:spPr>
+          <p:style>
+            <a:lnRef idx="1">
+              <a:schemeClr val="dk1"/>
+            </a:lnRef>
+            <a:fillRef idx="0">
+              <a:schemeClr val="dk1"/>
+            </a:fillRef>
+            <a:effectRef idx="0">
+              <a:schemeClr val="dk1"/>
+            </a:effectRef>
+            <a:fontRef idx="minor">
+              <a:schemeClr val="tx1"/>
+            </a:fontRef>
+          </p:style>
+        </p:cxnSp>
+        <p:sp>
+          <p:nvSpPr>
+            <p:cNvPr id="9" name="순서도: 판단 8">
+              <a:extLst>
+                <a:ext uri="{FF2B5EF4-FFF2-40B4-BE49-F238E27FC236}">
+                  <a16:creationId xmlns:a16="http://schemas.microsoft.com/office/drawing/2014/main" id="{64A7629F-2A32-8A9B-15C3-098785CF5388}"/>
+                </a:ext>
+              </a:extLst>
+            </p:cNvPr>
+            <p:cNvSpPr/>
+            <p:nvPr/>
+          </p:nvSpPr>
+          <p:spPr>
+            <a:xfrm>
+              <a:off x="6518315" y="1682646"/>
+              <a:ext cx="2633946" cy="685800"/>
+            </a:xfrm>
+            <a:prstGeom prst="flowChartDecision">
+              <a:avLst/>
+            </a:prstGeom>
+            <a:noFill/>
+            <a:ln w="9525" cap="flat" cmpd="sng" algn="ctr">
+              <a:solidFill>
+                <a:schemeClr val="dk1"/>
+              </a:solidFill>
+              <a:prstDash val="solid"/>
+              <a:round/>
+              <a:headEnd type="none" w="med" len="med"/>
+              <a:tailEnd type="none" w="med" len="med"/>
+            </a:ln>
+          </p:spPr>
+          <p:style>
+            <a:lnRef idx="0">
+              <a:scrgbClr r="0" g="0" b="0"/>
+            </a:lnRef>
+            <a:fillRef idx="0">
+              <a:scrgbClr r="0" g="0" b="0"/>
+            </a:fillRef>
+            <a:effectRef idx="0">
+              <a:scrgbClr r="0" g="0" b="0"/>
+            </a:effectRef>
+            <a:fontRef idx="minor">
+              <a:schemeClr val="dk1"/>
+            </a:fontRef>
+          </p:style>
+          <p:txBody>
+            <a:bodyPr rtlCol="0" anchor="ctr"/>
+            <a:lstStyle/>
+            <a:p>
+              <a:pPr algn="ctr"/>
+              <a:r>
+                <a:rPr lang="ko-KR" altLang="en-US" sz="1000" dirty="0">
+                  <a:latin typeface="Microsoft GothicNeo Light" panose="020B0300000101010101" pitchFamily="50" charset="-127"/>
+                  <a:ea typeface="Microsoft GothicNeo Light" panose="020B0300000101010101" pitchFamily="50" charset="-127"/>
+                  <a:cs typeface="Microsoft GothicNeo Light" panose="020B0300000101010101" pitchFamily="50" charset="-127"/>
+                </a:rPr>
+                <a:t>타겟 설정 유저 유무</a:t>
+              </a:r>
+            </a:p>
+          </p:txBody>
+        </p:sp>
+        <p:sp>
+          <p:nvSpPr>
+            <p:cNvPr id="10" name="순서도: 판단 9">
+              <a:extLst>
+                <a:ext uri="{FF2B5EF4-FFF2-40B4-BE49-F238E27FC236}">
+                  <a16:creationId xmlns:a16="http://schemas.microsoft.com/office/drawing/2014/main" id="{0640EB2B-B7C1-F5A4-4C5C-4368C0F9096E}"/>
+                </a:ext>
+              </a:extLst>
+            </p:cNvPr>
+            <p:cNvSpPr/>
+            <p:nvPr/>
+          </p:nvSpPr>
+          <p:spPr>
+            <a:xfrm>
+              <a:off x="3130291" y="1682646"/>
+              <a:ext cx="2633946" cy="685800"/>
+            </a:xfrm>
+            <a:prstGeom prst="flowChartDecision">
+              <a:avLst/>
+            </a:prstGeom>
+            <a:noFill/>
+            <a:ln w="9525" cap="flat" cmpd="sng" algn="ctr">
+              <a:solidFill>
+                <a:schemeClr val="dk1"/>
+              </a:solidFill>
+              <a:prstDash val="solid"/>
+              <a:round/>
+              <a:headEnd type="none" w="med" len="med"/>
+              <a:tailEnd type="none" w="med" len="med"/>
+            </a:ln>
+          </p:spPr>
+          <p:style>
+            <a:lnRef idx="0">
+              <a:scrgbClr r="0" g="0" b="0"/>
+            </a:lnRef>
+            <a:fillRef idx="0">
+              <a:scrgbClr r="0" g="0" b="0"/>
+            </a:fillRef>
+            <a:effectRef idx="0">
+              <a:scrgbClr r="0" g="0" b="0"/>
+            </a:effectRef>
+            <a:fontRef idx="minor">
+              <a:schemeClr val="dk1"/>
+            </a:fontRef>
+          </p:style>
+          <p:txBody>
+            <a:bodyPr rtlCol="0" anchor="ctr"/>
+            <a:lstStyle/>
+            <a:p>
+              <a:pPr algn="ctr"/>
+              <a:r>
+                <a:rPr lang="ko-KR" altLang="en-US" sz="1000" dirty="0">
+                  <a:latin typeface="Microsoft GothicNeo Light" panose="020B0300000101010101" pitchFamily="50" charset="-127"/>
+                  <a:ea typeface="Microsoft GothicNeo Light" panose="020B0300000101010101" pitchFamily="50" charset="-127"/>
+                  <a:cs typeface="Microsoft GothicNeo Light" panose="020B0300000101010101" pitchFamily="50" charset="-127"/>
+                </a:rPr>
+                <a:t>시간분기점</a:t>
+              </a:r>
+            </a:p>
+          </p:txBody>
+        </p:sp>
+        <p:sp>
+          <p:nvSpPr>
+            <p:cNvPr id="11" name="순서도: 판단 10">
+              <a:extLst>
+                <a:ext uri="{FF2B5EF4-FFF2-40B4-BE49-F238E27FC236}">
+                  <a16:creationId xmlns:a16="http://schemas.microsoft.com/office/drawing/2014/main" id="{2683E8DA-3644-323D-2299-9B3B1AD03E97}"/>
+                </a:ext>
+              </a:extLst>
+            </p:cNvPr>
+            <p:cNvSpPr/>
+            <p:nvPr/>
+          </p:nvSpPr>
+          <p:spPr>
+            <a:xfrm>
+              <a:off x="141963" y="1682646"/>
+              <a:ext cx="2633946" cy="685800"/>
+            </a:xfrm>
+            <a:prstGeom prst="flowChartDecision">
+              <a:avLst/>
+            </a:prstGeom>
+            <a:noFill/>
+            <a:ln w="9525" cap="flat" cmpd="sng" algn="ctr">
+              <a:solidFill>
+                <a:schemeClr val="dk1"/>
+              </a:solidFill>
+              <a:prstDash val="solid"/>
+              <a:round/>
+              <a:headEnd type="none" w="med" len="med"/>
+              <a:tailEnd type="none" w="med" len="med"/>
+            </a:ln>
+          </p:spPr>
+          <p:style>
+            <a:lnRef idx="0">
+              <a:scrgbClr r="0" g="0" b="0"/>
+            </a:lnRef>
+            <a:fillRef idx="0">
+              <a:scrgbClr r="0" g="0" b="0"/>
+            </a:fillRef>
+            <a:effectRef idx="0">
+              <a:scrgbClr r="0" g="0" b="0"/>
+            </a:effectRef>
+            <a:fontRef idx="minor">
+              <a:schemeClr val="dk1"/>
+            </a:fontRef>
+          </p:style>
+          <p:txBody>
+            <a:bodyPr rtlCol="0" anchor="ctr"/>
+            <a:lstStyle/>
+            <a:p>
+              <a:pPr algn="ctr"/>
+              <a:r>
+                <a:rPr lang="ko-KR" altLang="en-US" sz="1000" dirty="0">
+                  <a:latin typeface="Microsoft GothicNeo Light" panose="020B0300000101010101" pitchFamily="50" charset="-127"/>
+                  <a:ea typeface="Microsoft GothicNeo Light" panose="020B0300000101010101" pitchFamily="50" charset="-127"/>
+                  <a:cs typeface="Microsoft GothicNeo Light" panose="020B0300000101010101" pitchFamily="50" charset="-127"/>
+                </a:rPr>
+                <a:t>체력 분기점</a:t>
+              </a:r>
+            </a:p>
+          </p:txBody>
+        </p:sp>
+        <p:cxnSp>
+          <p:nvCxnSpPr>
+            <p:cNvPr id="15" name="직선 화살표 연결선 14">
+              <a:extLst>
+                <a:ext uri="{FF2B5EF4-FFF2-40B4-BE49-F238E27FC236}">
+                  <a16:creationId xmlns:a16="http://schemas.microsoft.com/office/drawing/2014/main" id="{3EF342BB-F20C-4242-1F9E-798D8A65E43A}"/>
+                </a:ext>
+              </a:extLst>
+            </p:cNvPr>
+            <p:cNvCxnSpPr>
+              <a:cxnSpLocks/>
+              <a:stCxn id="11" idx="3"/>
+              <a:endCxn id="10" idx="1"/>
+            </p:cNvCxnSpPr>
+            <p:nvPr/>
+          </p:nvCxnSpPr>
+          <p:spPr>
+            <a:xfrm>
+              <a:off x="2775909" y="2025546"/>
+              <a:ext cx="354382" cy="0"/>
+            </a:xfrm>
+            <a:prstGeom prst="straightConnector1">
+              <a:avLst/>
+            </a:prstGeom>
+            <a:ln>
+              <a:tailEnd type="triangle"/>
+            </a:ln>
+          </p:spPr>
+          <p:style>
+            <a:lnRef idx="1">
+              <a:schemeClr val="dk1"/>
+            </a:lnRef>
+            <a:fillRef idx="0">
+              <a:schemeClr val="dk1"/>
+            </a:fillRef>
+            <a:effectRef idx="0">
+              <a:schemeClr val="dk1"/>
+            </a:effectRef>
+            <a:fontRef idx="minor">
+              <a:schemeClr val="tx1"/>
+            </a:fontRef>
+          </p:style>
+        </p:cxnSp>
+        <p:cxnSp>
+          <p:nvCxnSpPr>
+            <p:cNvPr id="19" name="직선 화살표 연결선 18">
+              <a:extLst>
+                <a:ext uri="{FF2B5EF4-FFF2-40B4-BE49-F238E27FC236}">
+                  <a16:creationId xmlns:a16="http://schemas.microsoft.com/office/drawing/2014/main" id="{1CCB5D23-97C9-AA5E-7231-B7369A8F2F0C}"/>
+                </a:ext>
+              </a:extLst>
+            </p:cNvPr>
+            <p:cNvCxnSpPr>
+              <a:cxnSpLocks/>
+              <a:stCxn id="10" idx="3"/>
+              <a:endCxn id="9" idx="1"/>
+            </p:cNvCxnSpPr>
+            <p:nvPr/>
+          </p:nvCxnSpPr>
+          <p:spPr>
+            <a:xfrm>
+              <a:off x="5764237" y="2025546"/>
+              <a:ext cx="754078" cy="0"/>
+            </a:xfrm>
+            <a:prstGeom prst="straightConnector1">
+              <a:avLst/>
+            </a:prstGeom>
+            <a:ln>
+              <a:tailEnd type="triangle"/>
+            </a:ln>
+          </p:spPr>
+          <p:style>
+            <a:lnRef idx="1">
+              <a:schemeClr val="dk1"/>
+            </a:lnRef>
+            <a:fillRef idx="0">
+              <a:schemeClr val="dk1"/>
+            </a:fillRef>
+            <a:effectRef idx="0">
+              <a:schemeClr val="dk1"/>
+            </a:effectRef>
+            <a:fontRef idx="minor">
+              <a:schemeClr val="tx1"/>
+            </a:fontRef>
+          </p:style>
+        </p:cxnSp>
+        <p:sp>
+          <p:nvSpPr>
+            <p:cNvPr id="23" name="TextBox 22">
+              <a:extLst>
+                <a:ext uri="{FF2B5EF4-FFF2-40B4-BE49-F238E27FC236}">
+                  <a16:creationId xmlns:a16="http://schemas.microsoft.com/office/drawing/2014/main" id="{9F4FE44B-8B53-EA2D-8E14-41C3F605B20F}"/>
+                </a:ext>
+              </a:extLst>
+            </p:cNvPr>
+            <p:cNvSpPr txBox="1"/>
+            <p:nvPr/>
+          </p:nvSpPr>
+          <p:spPr>
+            <a:xfrm>
+              <a:off x="1585142" y="2368446"/>
+              <a:ext cx="394660" cy="230832"/>
+            </a:xfrm>
+            <a:prstGeom prst="rect">
+              <a:avLst/>
+            </a:prstGeom>
+            <a:noFill/>
+          </p:spPr>
+          <p:txBody>
+            <a:bodyPr wrap="none" rtlCol="0">
+              <a:spAutoFit/>
+            </a:bodyPr>
+            <a:lstStyle/>
+            <a:p>
+              <a:r>
+                <a:rPr lang="en-US" altLang="ko-KR" sz="900" dirty="0">
+                  <a:latin typeface="Microsoft GothicNeo Light" panose="020B0300000101010101" pitchFamily="50" charset="-127"/>
+                  <a:ea typeface="Microsoft GothicNeo Light" panose="020B0300000101010101" pitchFamily="50" charset="-127"/>
+                  <a:cs typeface="Microsoft GothicNeo Light" panose="020B0300000101010101" pitchFamily="50" charset="-127"/>
+                </a:rPr>
+                <a:t>true</a:t>
+              </a:r>
+              <a:endParaRPr lang="ko-KR" altLang="en-US" sz="900" dirty="0">
+                <a:latin typeface="Microsoft GothicNeo Light" panose="020B0300000101010101" pitchFamily="50" charset="-127"/>
+                <a:ea typeface="Microsoft GothicNeo Light" panose="020B0300000101010101" pitchFamily="50" charset="-127"/>
+                <a:cs typeface="Microsoft GothicNeo Light" panose="020B0300000101010101" pitchFamily="50" charset="-127"/>
+              </a:endParaRPr>
+            </a:p>
+          </p:txBody>
+        </p:sp>
+        <p:sp>
+          <p:nvSpPr>
+            <p:cNvPr id="24" name="TextBox 23">
+              <a:extLst>
+                <a:ext uri="{FF2B5EF4-FFF2-40B4-BE49-F238E27FC236}">
+                  <a16:creationId xmlns:a16="http://schemas.microsoft.com/office/drawing/2014/main" id="{96C990DF-5484-9A78-87D6-59B6A045FB95}"/>
+                </a:ext>
+              </a:extLst>
+            </p:cNvPr>
+            <p:cNvSpPr txBox="1"/>
+            <p:nvPr/>
+          </p:nvSpPr>
+          <p:spPr>
+            <a:xfrm>
+              <a:off x="2775909" y="1794714"/>
+              <a:ext cx="420308" cy="230832"/>
+            </a:xfrm>
+            <a:prstGeom prst="rect">
+              <a:avLst/>
+            </a:prstGeom>
+            <a:noFill/>
+          </p:spPr>
+          <p:txBody>
+            <a:bodyPr wrap="square" rtlCol="0">
+              <a:spAutoFit/>
+            </a:bodyPr>
+            <a:lstStyle/>
+            <a:p>
+              <a:r>
+                <a:rPr lang="en-US" altLang="ko-KR" sz="900" dirty="0">
+                  <a:latin typeface="Microsoft GothicNeo Light" panose="020B0300000101010101" pitchFamily="50" charset="-127"/>
+                  <a:ea typeface="Microsoft GothicNeo Light" panose="020B0300000101010101" pitchFamily="50" charset="-127"/>
+                  <a:cs typeface="Microsoft GothicNeo Light" panose="020B0300000101010101" pitchFamily="50" charset="-127"/>
+                </a:rPr>
+                <a:t>false</a:t>
+              </a:r>
+              <a:endParaRPr lang="ko-KR" altLang="en-US" sz="900" dirty="0">
+                <a:latin typeface="Microsoft GothicNeo Light" panose="020B0300000101010101" pitchFamily="50" charset="-127"/>
+                <a:ea typeface="Microsoft GothicNeo Light" panose="020B0300000101010101" pitchFamily="50" charset="-127"/>
+                <a:cs typeface="Microsoft GothicNeo Light" panose="020B0300000101010101" pitchFamily="50" charset="-127"/>
+              </a:endParaRPr>
+            </a:p>
+          </p:txBody>
+        </p:sp>
+        <p:sp>
+          <p:nvSpPr>
+            <p:cNvPr id="25" name="순서도: 대체 처리 24">
+              <a:extLst>
+                <a:ext uri="{FF2B5EF4-FFF2-40B4-BE49-F238E27FC236}">
+                  <a16:creationId xmlns:a16="http://schemas.microsoft.com/office/drawing/2014/main" id="{EB70D168-607B-45DA-38DC-9A3BD39FD862}"/>
+                </a:ext>
+              </a:extLst>
+            </p:cNvPr>
+            <p:cNvSpPr/>
+            <p:nvPr/>
+          </p:nvSpPr>
+          <p:spPr>
+            <a:xfrm>
+              <a:off x="2104268" y="4839259"/>
+              <a:ext cx="1509960" cy="368058"/>
+            </a:xfrm>
+            <a:prstGeom prst="flowChartAlternateProcess">
+              <a:avLst/>
+            </a:prstGeom>
+          </p:spPr>
+          <p:style>
+            <a:lnRef idx="2">
+              <a:schemeClr val="dk1"/>
+            </a:lnRef>
+            <a:fillRef idx="1">
+              <a:schemeClr val="lt1"/>
+            </a:fillRef>
+            <a:effectRef idx="0">
+              <a:schemeClr val="dk1"/>
+            </a:effectRef>
+            <a:fontRef idx="minor">
+              <a:schemeClr val="dk1"/>
+            </a:fontRef>
+          </p:style>
+          <p:txBody>
+            <a:bodyPr rtlCol="0" anchor="ctr"/>
+            <a:lstStyle/>
+            <a:p>
+              <a:pPr algn="ctr"/>
+              <a:r>
+                <a:rPr lang="ko-KR" altLang="en-US" sz="1000" dirty="0">
+                  <a:latin typeface="Microsoft GothicNeo Light" panose="020B0300000101010101" pitchFamily="50" charset="-127"/>
+                  <a:ea typeface="Microsoft GothicNeo Light" panose="020B0300000101010101" pitchFamily="50" charset="-127"/>
+                  <a:cs typeface="Microsoft GothicNeo Light" panose="020B0300000101010101" pitchFamily="50" charset="-127"/>
+                </a:rPr>
+                <a:t>기본상태 변경</a:t>
+              </a:r>
+              <a:endParaRPr lang="en-US" altLang="ko-KR" sz="1000" dirty="0">
+                <a:latin typeface="Microsoft GothicNeo Light" panose="020B0300000101010101" pitchFamily="50" charset="-127"/>
+                <a:ea typeface="Microsoft GothicNeo Light" panose="020B0300000101010101" pitchFamily="50" charset="-127"/>
+                <a:cs typeface="Microsoft GothicNeo Light" panose="020B0300000101010101" pitchFamily="50" charset="-127"/>
+              </a:endParaRPr>
+            </a:p>
+          </p:txBody>
+        </p:sp>
+        <p:sp>
+          <p:nvSpPr>
+            <p:cNvPr id="28" name="TextBox 27">
+              <a:extLst>
+                <a:ext uri="{FF2B5EF4-FFF2-40B4-BE49-F238E27FC236}">
+                  <a16:creationId xmlns:a16="http://schemas.microsoft.com/office/drawing/2014/main" id="{D43A9F07-6045-38B2-7B64-B19F801D6C36}"/>
+                </a:ext>
+              </a:extLst>
+            </p:cNvPr>
+            <p:cNvSpPr txBox="1"/>
+            <p:nvPr/>
+          </p:nvSpPr>
+          <p:spPr>
+            <a:xfrm>
+              <a:off x="4893332" y="2368446"/>
+              <a:ext cx="394660" cy="230832"/>
+            </a:xfrm>
+            <a:prstGeom prst="rect">
+              <a:avLst/>
+            </a:prstGeom>
+            <a:noFill/>
+          </p:spPr>
+          <p:txBody>
+            <a:bodyPr wrap="none" rtlCol="0">
+              <a:spAutoFit/>
+            </a:bodyPr>
+            <a:lstStyle/>
+            <a:p>
+              <a:r>
+                <a:rPr lang="en-US" altLang="ko-KR" sz="900" dirty="0">
+                  <a:latin typeface="Microsoft GothicNeo Light" panose="020B0300000101010101" pitchFamily="50" charset="-127"/>
+                  <a:ea typeface="Microsoft GothicNeo Light" panose="020B0300000101010101" pitchFamily="50" charset="-127"/>
+                  <a:cs typeface="Microsoft GothicNeo Light" panose="020B0300000101010101" pitchFamily="50" charset="-127"/>
+                </a:rPr>
+                <a:t>true</a:t>
+              </a:r>
+              <a:endParaRPr lang="ko-KR" altLang="en-US" sz="900" dirty="0">
+                <a:latin typeface="Microsoft GothicNeo Light" panose="020B0300000101010101" pitchFamily="50" charset="-127"/>
+                <a:ea typeface="Microsoft GothicNeo Light" panose="020B0300000101010101" pitchFamily="50" charset="-127"/>
+                <a:cs typeface="Microsoft GothicNeo Light" panose="020B0300000101010101" pitchFamily="50" charset="-127"/>
+              </a:endParaRPr>
+            </a:p>
+          </p:txBody>
+        </p:sp>
+        <p:sp>
+          <p:nvSpPr>
+            <p:cNvPr id="29" name="TextBox 28">
+              <a:extLst>
+                <a:ext uri="{FF2B5EF4-FFF2-40B4-BE49-F238E27FC236}">
+                  <a16:creationId xmlns:a16="http://schemas.microsoft.com/office/drawing/2014/main" id="{6597CE9B-9EB9-C2BD-77D2-8B81C1D1B982}"/>
+                </a:ext>
+              </a:extLst>
+            </p:cNvPr>
+            <p:cNvSpPr txBox="1"/>
+            <p:nvPr/>
+          </p:nvSpPr>
+          <p:spPr>
+            <a:xfrm>
+              <a:off x="9032558" y="1769711"/>
+              <a:ext cx="420308" cy="230832"/>
+            </a:xfrm>
+            <a:prstGeom prst="rect">
+              <a:avLst/>
+            </a:prstGeom>
+            <a:noFill/>
+          </p:spPr>
+          <p:txBody>
+            <a:bodyPr wrap="square" rtlCol="0">
+              <a:spAutoFit/>
+            </a:bodyPr>
+            <a:lstStyle/>
+            <a:p>
+              <a:r>
+                <a:rPr lang="en-US" altLang="ko-KR" sz="900" dirty="0">
+                  <a:latin typeface="Microsoft GothicNeo Light" panose="020B0300000101010101" pitchFamily="50" charset="-127"/>
+                  <a:ea typeface="Microsoft GothicNeo Light" panose="020B0300000101010101" pitchFamily="50" charset="-127"/>
+                  <a:cs typeface="Microsoft GothicNeo Light" panose="020B0300000101010101" pitchFamily="50" charset="-127"/>
+                </a:rPr>
+                <a:t>false</a:t>
+              </a:r>
+              <a:endParaRPr lang="ko-KR" altLang="en-US" sz="900" dirty="0">
+                <a:latin typeface="Microsoft GothicNeo Light" panose="020B0300000101010101" pitchFamily="50" charset="-127"/>
+                <a:ea typeface="Microsoft GothicNeo Light" panose="020B0300000101010101" pitchFamily="50" charset="-127"/>
+                <a:cs typeface="Microsoft GothicNeo Light" panose="020B0300000101010101" pitchFamily="50" charset="-127"/>
+              </a:endParaRPr>
+            </a:p>
+          </p:txBody>
+        </p:sp>
+        <p:sp>
+          <p:nvSpPr>
+            <p:cNvPr id="37" name="순서도: 대체 처리 36">
+              <a:extLst>
+                <a:ext uri="{FF2B5EF4-FFF2-40B4-BE49-F238E27FC236}">
+                  <a16:creationId xmlns:a16="http://schemas.microsoft.com/office/drawing/2014/main" id="{3C3E4B06-D029-B510-8B30-0B3DEF5A916F}"/>
+                </a:ext>
+              </a:extLst>
+            </p:cNvPr>
+            <p:cNvSpPr/>
+            <p:nvPr/>
+          </p:nvSpPr>
+          <p:spPr>
+            <a:xfrm>
+              <a:off x="2104268" y="2971606"/>
+              <a:ext cx="1509960" cy="336884"/>
+            </a:xfrm>
+            <a:prstGeom prst="flowChartAlternateProcess">
+              <a:avLst/>
+            </a:prstGeom>
+          </p:spPr>
+          <p:style>
+            <a:lnRef idx="2">
+              <a:schemeClr val="dk1"/>
+            </a:lnRef>
+            <a:fillRef idx="1">
+              <a:schemeClr val="lt1"/>
+            </a:fillRef>
+            <a:effectRef idx="0">
+              <a:schemeClr val="dk1"/>
+            </a:effectRef>
+            <a:fontRef idx="minor">
+              <a:schemeClr val="dk1"/>
+            </a:fontRef>
+          </p:style>
+          <p:txBody>
+            <a:bodyPr rtlCol="0" anchor="ctr"/>
+            <a:lstStyle/>
+            <a:p>
+              <a:pPr algn="ctr"/>
+              <a:r>
+                <a:rPr lang="ko-KR" altLang="en-US" sz="1000" dirty="0" err="1">
+                  <a:latin typeface="Microsoft GothicNeo Light" panose="020B0300000101010101" pitchFamily="50" charset="-127"/>
+                  <a:ea typeface="Microsoft GothicNeo Light" panose="020B0300000101010101" pitchFamily="50" charset="-127"/>
+                  <a:cs typeface="Microsoft GothicNeo Light" panose="020B0300000101010101" pitchFamily="50" charset="-127"/>
+                </a:rPr>
+                <a:t>전멸기</a:t>
+              </a:r>
+              <a:r>
+                <a:rPr lang="ko-KR" altLang="en-US" sz="1000" dirty="0">
+                  <a:latin typeface="Microsoft GothicNeo Light" panose="020B0300000101010101" pitchFamily="50" charset="-127"/>
+                  <a:ea typeface="Microsoft GothicNeo Light" panose="020B0300000101010101" pitchFamily="50" charset="-127"/>
+                  <a:cs typeface="Microsoft GothicNeo Light" panose="020B0300000101010101" pitchFamily="50" charset="-127"/>
+                </a:rPr>
+                <a:t> </a:t>
+              </a:r>
+              <a:r>
+                <a:rPr lang="en-US" altLang="ko-KR" sz="1000" dirty="0">
+                  <a:latin typeface="Microsoft GothicNeo Light" panose="020B0300000101010101" pitchFamily="50" charset="-127"/>
+                  <a:ea typeface="Microsoft GothicNeo Light" panose="020B0300000101010101" pitchFamily="50" charset="-127"/>
+                  <a:cs typeface="Microsoft GothicNeo Light" panose="020B0300000101010101" pitchFamily="50" charset="-127"/>
+                </a:rPr>
+                <a:t>1</a:t>
+              </a:r>
+              <a:r>
+                <a:rPr lang="ko-KR" altLang="en-US" sz="1000" dirty="0">
+                  <a:latin typeface="Microsoft GothicNeo Light" panose="020B0300000101010101" pitchFamily="50" charset="-127"/>
+                  <a:ea typeface="Microsoft GothicNeo Light" panose="020B0300000101010101" pitchFamily="50" charset="-127"/>
+                  <a:cs typeface="Microsoft GothicNeo Light" panose="020B0300000101010101" pitchFamily="50" charset="-127"/>
+                </a:rPr>
+                <a:t>차</a:t>
+              </a:r>
+              <a:endParaRPr lang="en-US" altLang="ko-KR" sz="1000" dirty="0">
+                <a:latin typeface="Microsoft GothicNeo Light" panose="020B0300000101010101" pitchFamily="50" charset="-127"/>
+                <a:ea typeface="Microsoft GothicNeo Light" panose="020B0300000101010101" pitchFamily="50" charset="-127"/>
+                <a:cs typeface="Microsoft GothicNeo Light" panose="020B0300000101010101" pitchFamily="50" charset="-127"/>
+              </a:endParaRPr>
+            </a:p>
+          </p:txBody>
+        </p:sp>
+        <p:cxnSp>
+          <p:nvCxnSpPr>
+            <p:cNvPr id="39" name="연결선: 꺾임 38">
+              <a:extLst>
+                <a:ext uri="{FF2B5EF4-FFF2-40B4-BE49-F238E27FC236}">
+                  <a16:creationId xmlns:a16="http://schemas.microsoft.com/office/drawing/2014/main" id="{04695398-2524-2C86-FE58-BAB99A33F9EB}"/>
+                </a:ext>
+              </a:extLst>
+            </p:cNvPr>
+            <p:cNvCxnSpPr>
+              <a:cxnSpLocks/>
+              <a:stCxn id="11" idx="2"/>
+              <a:endCxn id="37" idx="1"/>
+            </p:cNvCxnSpPr>
+            <p:nvPr/>
+          </p:nvCxnSpPr>
+          <p:spPr>
+            <a:xfrm rot="16200000" flipH="1">
+              <a:off x="1395801" y="2431581"/>
+              <a:ext cx="771602" cy="645332"/>
+            </a:xfrm>
+            <a:prstGeom prst="bentConnector2">
+              <a:avLst/>
+            </a:prstGeom>
+            <a:ln>
+              <a:tailEnd type="triangle"/>
+            </a:ln>
+          </p:spPr>
+          <p:style>
+            <a:lnRef idx="1">
+              <a:schemeClr val="dk1"/>
+            </a:lnRef>
+            <a:fillRef idx="0">
+              <a:schemeClr val="dk1"/>
+            </a:fillRef>
+            <a:effectRef idx="0">
+              <a:schemeClr val="dk1"/>
+            </a:effectRef>
+            <a:fontRef idx="minor">
+              <a:schemeClr val="tx1"/>
+            </a:fontRef>
+          </p:style>
+        </p:cxnSp>
+        <p:sp>
+          <p:nvSpPr>
+            <p:cNvPr id="42" name="순서도: 대체 처리 41">
+              <a:extLst>
+                <a:ext uri="{FF2B5EF4-FFF2-40B4-BE49-F238E27FC236}">
+                  <a16:creationId xmlns:a16="http://schemas.microsoft.com/office/drawing/2014/main" id="{3781E868-C408-F835-7395-81A643CDED50}"/>
+                </a:ext>
+              </a:extLst>
+            </p:cNvPr>
+            <p:cNvSpPr/>
+            <p:nvPr/>
+          </p:nvSpPr>
+          <p:spPr>
+            <a:xfrm>
+              <a:off x="2104268" y="3584953"/>
+              <a:ext cx="1509960" cy="336884"/>
+            </a:xfrm>
+            <a:prstGeom prst="flowChartAlternateProcess">
+              <a:avLst/>
+            </a:prstGeom>
+          </p:spPr>
+          <p:style>
+            <a:lnRef idx="2">
+              <a:schemeClr val="dk1"/>
+            </a:lnRef>
+            <a:fillRef idx="1">
+              <a:schemeClr val="lt1"/>
+            </a:fillRef>
+            <a:effectRef idx="0">
+              <a:schemeClr val="dk1"/>
+            </a:effectRef>
+            <a:fontRef idx="minor">
+              <a:schemeClr val="dk1"/>
+            </a:fontRef>
+          </p:style>
+          <p:txBody>
+            <a:bodyPr rtlCol="0" anchor="ctr"/>
+            <a:lstStyle/>
+            <a:p>
+              <a:pPr algn="ctr"/>
+              <a:r>
+                <a:rPr lang="ko-KR" altLang="en-US" sz="1000" dirty="0" err="1">
+                  <a:latin typeface="Microsoft GothicNeo Light" panose="020B0300000101010101" pitchFamily="50" charset="-127"/>
+                  <a:ea typeface="Microsoft GothicNeo Light" panose="020B0300000101010101" pitchFamily="50" charset="-127"/>
+                  <a:cs typeface="Microsoft GothicNeo Light" panose="020B0300000101010101" pitchFamily="50" charset="-127"/>
+                </a:rPr>
+                <a:t>전멸기</a:t>
+              </a:r>
+              <a:r>
+                <a:rPr lang="ko-KR" altLang="en-US" sz="1000" dirty="0">
+                  <a:latin typeface="Microsoft GothicNeo Light" panose="020B0300000101010101" pitchFamily="50" charset="-127"/>
+                  <a:ea typeface="Microsoft GothicNeo Light" panose="020B0300000101010101" pitchFamily="50" charset="-127"/>
+                  <a:cs typeface="Microsoft GothicNeo Light" panose="020B0300000101010101" pitchFamily="50" charset="-127"/>
+                </a:rPr>
+                <a:t> </a:t>
+              </a:r>
+              <a:r>
+                <a:rPr lang="en-US" altLang="ko-KR" sz="1000" dirty="0">
+                  <a:latin typeface="Microsoft GothicNeo Light" panose="020B0300000101010101" pitchFamily="50" charset="-127"/>
+                  <a:ea typeface="Microsoft GothicNeo Light" panose="020B0300000101010101" pitchFamily="50" charset="-127"/>
+                  <a:cs typeface="Microsoft GothicNeo Light" panose="020B0300000101010101" pitchFamily="50" charset="-127"/>
+                </a:rPr>
+                <a:t>2</a:t>
+              </a:r>
+              <a:r>
+                <a:rPr lang="ko-KR" altLang="en-US" sz="1000" dirty="0">
+                  <a:latin typeface="Microsoft GothicNeo Light" panose="020B0300000101010101" pitchFamily="50" charset="-127"/>
+                  <a:ea typeface="Microsoft GothicNeo Light" panose="020B0300000101010101" pitchFamily="50" charset="-127"/>
+                  <a:cs typeface="Microsoft GothicNeo Light" panose="020B0300000101010101" pitchFamily="50" charset="-127"/>
+                </a:rPr>
+                <a:t>차</a:t>
+              </a:r>
+              <a:endParaRPr lang="en-US" altLang="ko-KR" sz="1000" dirty="0">
+                <a:latin typeface="Microsoft GothicNeo Light" panose="020B0300000101010101" pitchFamily="50" charset="-127"/>
+                <a:ea typeface="Microsoft GothicNeo Light" panose="020B0300000101010101" pitchFamily="50" charset="-127"/>
+                <a:cs typeface="Microsoft GothicNeo Light" panose="020B0300000101010101" pitchFamily="50" charset="-127"/>
+              </a:endParaRPr>
+            </a:p>
+          </p:txBody>
+        </p:sp>
+        <p:sp>
+          <p:nvSpPr>
+            <p:cNvPr id="44" name="TextBox 43">
+              <a:extLst>
+                <a:ext uri="{FF2B5EF4-FFF2-40B4-BE49-F238E27FC236}">
+                  <a16:creationId xmlns:a16="http://schemas.microsoft.com/office/drawing/2014/main" id="{44BCA924-1432-DF8A-5EC7-1023FEFBE960}"/>
+                </a:ext>
+              </a:extLst>
+            </p:cNvPr>
+            <p:cNvSpPr txBox="1"/>
+            <p:nvPr/>
+          </p:nvSpPr>
+          <p:spPr>
+            <a:xfrm>
+              <a:off x="1463744" y="2875741"/>
+              <a:ext cx="691215" cy="230832"/>
+            </a:xfrm>
+            <a:prstGeom prst="rect">
+              <a:avLst/>
+            </a:prstGeom>
+            <a:noFill/>
+          </p:spPr>
+          <p:txBody>
+            <a:bodyPr wrap="none" rtlCol="0">
+              <a:spAutoFit/>
+            </a:bodyPr>
+            <a:lstStyle/>
+            <a:p>
+              <a:r>
+                <a:rPr lang="en-US" altLang="ko-KR" sz="900" dirty="0">
+                  <a:latin typeface="Microsoft GothicNeo Light" panose="020B0300000101010101" pitchFamily="50" charset="-127"/>
+                  <a:ea typeface="Microsoft GothicNeo Light" panose="020B0300000101010101" pitchFamily="50" charset="-127"/>
+                  <a:cs typeface="Microsoft GothicNeo Light" panose="020B0300000101010101" pitchFamily="50" charset="-127"/>
+                </a:rPr>
+                <a:t>1</a:t>
+              </a:r>
+              <a:r>
+                <a:rPr lang="ko-KR" altLang="en-US" sz="900" dirty="0">
+                  <a:latin typeface="Microsoft GothicNeo Light" panose="020B0300000101010101" pitchFamily="50" charset="-127"/>
+                  <a:ea typeface="Microsoft GothicNeo Light" panose="020B0300000101010101" pitchFamily="50" charset="-127"/>
+                  <a:cs typeface="Microsoft GothicNeo Light" panose="020B0300000101010101" pitchFamily="50" charset="-127"/>
+                </a:rPr>
+                <a:t>차 분기점</a:t>
+              </a:r>
+            </a:p>
+          </p:txBody>
+        </p:sp>
+        <p:cxnSp>
+          <p:nvCxnSpPr>
+            <p:cNvPr id="45" name="연결선: 꺾임 44">
+              <a:extLst>
+                <a:ext uri="{FF2B5EF4-FFF2-40B4-BE49-F238E27FC236}">
+                  <a16:creationId xmlns:a16="http://schemas.microsoft.com/office/drawing/2014/main" id="{AB05E5B1-4436-51D8-80A3-6A96C26C94F6}"/>
+                </a:ext>
+              </a:extLst>
+            </p:cNvPr>
+            <p:cNvCxnSpPr>
+              <a:cxnSpLocks/>
+              <a:stCxn id="11" idx="2"/>
+              <a:endCxn id="42" idx="1"/>
+            </p:cNvCxnSpPr>
+            <p:nvPr/>
+          </p:nvCxnSpPr>
+          <p:spPr>
+            <a:xfrm rot="16200000" flipH="1">
+              <a:off x="1089128" y="2738254"/>
+              <a:ext cx="1384949" cy="645332"/>
+            </a:xfrm>
+            <a:prstGeom prst="bentConnector2">
+              <a:avLst/>
+            </a:prstGeom>
+            <a:ln>
+              <a:tailEnd type="triangle"/>
+            </a:ln>
+          </p:spPr>
+          <p:style>
+            <a:lnRef idx="1">
+              <a:schemeClr val="dk1"/>
+            </a:lnRef>
+            <a:fillRef idx="0">
+              <a:schemeClr val="dk1"/>
+            </a:fillRef>
+            <a:effectRef idx="0">
+              <a:schemeClr val="dk1"/>
+            </a:effectRef>
+            <a:fontRef idx="minor">
+              <a:schemeClr val="tx1"/>
+            </a:fontRef>
+          </p:style>
+        </p:cxnSp>
+        <p:sp>
+          <p:nvSpPr>
+            <p:cNvPr id="48" name="TextBox 47">
+              <a:extLst>
+                <a:ext uri="{FF2B5EF4-FFF2-40B4-BE49-F238E27FC236}">
+                  <a16:creationId xmlns:a16="http://schemas.microsoft.com/office/drawing/2014/main" id="{28B1E8CB-0074-DA16-F97E-50639062B7D1}"/>
+                </a:ext>
+              </a:extLst>
+            </p:cNvPr>
+            <p:cNvSpPr txBox="1"/>
+            <p:nvPr/>
+          </p:nvSpPr>
+          <p:spPr>
+            <a:xfrm>
+              <a:off x="1458936" y="3508106"/>
+              <a:ext cx="700833" cy="230832"/>
+            </a:xfrm>
+            <a:prstGeom prst="rect">
+              <a:avLst/>
+            </a:prstGeom>
+            <a:noFill/>
+          </p:spPr>
+          <p:txBody>
+            <a:bodyPr wrap="none" rtlCol="0">
+              <a:spAutoFit/>
+            </a:bodyPr>
+            <a:lstStyle/>
+            <a:p>
+              <a:r>
+                <a:rPr lang="en-US" altLang="ko-KR" sz="900" dirty="0">
+                  <a:latin typeface="Microsoft GothicNeo Light" panose="020B0300000101010101" pitchFamily="50" charset="-127"/>
+                  <a:ea typeface="Microsoft GothicNeo Light" panose="020B0300000101010101" pitchFamily="50" charset="-127"/>
+                  <a:cs typeface="Microsoft GothicNeo Light" panose="020B0300000101010101" pitchFamily="50" charset="-127"/>
+                </a:rPr>
+                <a:t>2</a:t>
+              </a:r>
+              <a:r>
+                <a:rPr lang="ko-KR" altLang="en-US" sz="900" dirty="0">
+                  <a:latin typeface="Microsoft GothicNeo Light" panose="020B0300000101010101" pitchFamily="50" charset="-127"/>
+                  <a:ea typeface="Microsoft GothicNeo Light" panose="020B0300000101010101" pitchFamily="50" charset="-127"/>
+                  <a:cs typeface="Microsoft GothicNeo Light" panose="020B0300000101010101" pitchFamily="50" charset="-127"/>
+                </a:rPr>
+                <a:t>차 분기점</a:t>
+              </a:r>
+            </a:p>
+          </p:txBody>
+        </p:sp>
+        <p:cxnSp>
+          <p:nvCxnSpPr>
+            <p:cNvPr id="51" name="연결선: 꺾임 50">
+              <a:extLst>
+                <a:ext uri="{FF2B5EF4-FFF2-40B4-BE49-F238E27FC236}">
+                  <a16:creationId xmlns:a16="http://schemas.microsoft.com/office/drawing/2014/main" id="{62F81073-A81F-46BC-81D2-D2DA603AB2BE}"/>
+                </a:ext>
+              </a:extLst>
+            </p:cNvPr>
+            <p:cNvCxnSpPr>
+              <a:cxnSpLocks/>
+              <a:stCxn id="37" idx="3"/>
+              <a:endCxn id="25" idx="0"/>
+            </p:cNvCxnSpPr>
+            <p:nvPr/>
+          </p:nvCxnSpPr>
+          <p:spPr>
+            <a:xfrm flipH="1">
+              <a:off x="2859248" y="3140048"/>
+              <a:ext cx="754980" cy="1699211"/>
+            </a:xfrm>
+            <a:prstGeom prst="bentConnector4">
+              <a:avLst>
+                <a:gd name="adj1" fmla="val -30279"/>
+                <a:gd name="adj2" fmla="val 74431"/>
+              </a:avLst>
+            </a:prstGeom>
+            <a:ln>
+              <a:tailEnd type="triangle"/>
+            </a:ln>
+          </p:spPr>
+          <p:style>
+            <a:lnRef idx="1">
+              <a:schemeClr val="dk1"/>
+            </a:lnRef>
+            <a:fillRef idx="0">
+              <a:schemeClr val="dk1"/>
+            </a:fillRef>
+            <a:effectRef idx="0">
+              <a:schemeClr val="dk1"/>
+            </a:effectRef>
+            <a:fontRef idx="minor">
+              <a:schemeClr val="tx1"/>
+            </a:fontRef>
+          </p:style>
+        </p:cxnSp>
+        <p:cxnSp>
+          <p:nvCxnSpPr>
+            <p:cNvPr id="55" name="직선 화살표 연결선 54">
+              <a:extLst>
+                <a:ext uri="{FF2B5EF4-FFF2-40B4-BE49-F238E27FC236}">
+                  <a16:creationId xmlns:a16="http://schemas.microsoft.com/office/drawing/2014/main" id="{18C5828E-6527-E6CA-E275-524BC12936C3}"/>
+                </a:ext>
+              </a:extLst>
+            </p:cNvPr>
+            <p:cNvCxnSpPr>
+              <a:cxnSpLocks/>
+              <a:stCxn id="42" idx="2"/>
+              <a:endCxn id="25" idx="0"/>
+            </p:cNvCxnSpPr>
+            <p:nvPr/>
+          </p:nvCxnSpPr>
+          <p:spPr>
+            <a:xfrm>
+              <a:off x="2859248" y="3921837"/>
+              <a:ext cx="0" cy="917422"/>
+            </a:xfrm>
+            <a:prstGeom prst="straightConnector1">
+              <a:avLst/>
+            </a:prstGeom>
+            <a:ln>
+              <a:tailEnd type="triangle"/>
+            </a:ln>
+          </p:spPr>
+          <p:style>
+            <a:lnRef idx="1">
+              <a:schemeClr val="dk1"/>
+            </a:lnRef>
+            <a:fillRef idx="0">
+              <a:schemeClr val="dk1"/>
+            </a:fillRef>
+            <a:effectRef idx="0">
+              <a:schemeClr val="dk1"/>
+            </a:effectRef>
+            <a:fontRef idx="minor">
+              <a:schemeClr val="tx1"/>
+            </a:fontRef>
+          </p:style>
+        </p:cxnSp>
+        <p:sp>
+          <p:nvSpPr>
+            <p:cNvPr id="64" name="순서도: 대체 처리 63">
+              <a:extLst>
+                <a:ext uri="{FF2B5EF4-FFF2-40B4-BE49-F238E27FC236}">
+                  <a16:creationId xmlns:a16="http://schemas.microsoft.com/office/drawing/2014/main" id="{97D51FE2-8BF0-A123-77CA-C57A0FD8259B}"/>
+                </a:ext>
+              </a:extLst>
+            </p:cNvPr>
+            <p:cNvSpPr/>
+            <p:nvPr/>
+          </p:nvSpPr>
+          <p:spPr>
+            <a:xfrm>
+              <a:off x="4638581" y="4839258"/>
+              <a:ext cx="1509960" cy="368058"/>
+            </a:xfrm>
+            <a:prstGeom prst="flowChartAlternateProcess">
+              <a:avLst/>
+            </a:prstGeom>
+          </p:spPr>
+          <p:style>
+            <a:lnRef idx="2">
+              <a:schemeClr val="dk1"/>
+            </a:lnRef>
+            <a:fillRef idx="1">
+              <a:schemeClr val="lt1"/>
+            </a:fillRef>
+            <a:effectRef idx="0">
+              <a:schemeClr val="dk1"/>
+            </a:effectRef>
+            <a:fontRef idx="minor">
+              <a:schemeClr val="dk1"/>
+            </a:fontRef>
+          </p:style>
+          <p:txBody>
+            <a:bodyPr rtlCol="0" anchor="ctr"/>
+            <a:lstStyle/>
+            <a:p>
+              <a:pPr algn="ctr"/>
+              <a:r>
+                <a:rPr lang="ko-KR" altLang="en-US" sz="1000" dirty="0">
+                  <a:latin typeface="Microsoft GothicNeo Light" panose="020B0300000101010101" pitchFamily="50" charset="-127"/>
+                  <a:ea typeface="Microsoft GothicNeo Light" panose="020B0300000101010101" pitchFamily="50" charset="-127"/>
+                  <a:cs typeface="Microsoft GothicNeo Light" panose="020B0300000101010101" pitchFamily="50" charset="-127"/>
+                </a:rPr>
+                <a:t>기본상태 변경</a:t>
+              </a:r>
+              <a:endParaRPr lang="en-US" altLang="ko-KR" sz="1000" dirty="0">
+                <a:latin typeface="Microsoft GothicNeo Light" panose="020B0300000101010101" pitchFamily="50" charset="-127"/>
+                <a:ea typeface="Microsoft GothicNeo Light" panose="020B0300000101010101" pitchFamily="50" charset="-127"/>
+                <a:cs typeface="Microsoft GothicNeo Light" panose="020B0300000101010101" pitchFamily="50" charset="-127"/>
+              </a:endParaRPr>
+            </a:p>
+          </p:txBody>
+        </p:sp>
+        <p:sp>
+          <p:nvSpPr>
+            <p:cNvPr id="65" name="순서도: 대체 처리 64">
+              <a:extLst>
+                <a:ext uri="{FF2B5EF4-FFF2-40B4-BE49-F238E27FC236}">
+                  <a16:creationId xmlns:a16="http://schemas.microsoft.com/office/drawing/2014/main" id="{66B67BAC-F22F-49C2-0985-03B99B5A86DF}"/>
+                </a:ext>
+              </a:extLst>
+            </p:cNvPr>
+            <p:cNvSpPr/>
+            <p:nvPr/>
+          </p:nvSpPr>
+          <p:spPr>
+            <a:xfrm>
+              <a:off x="4638581" y="2971605"/>
+              <a:ext cx="1509960" cy="336884"/>
+            </a:xfrm>
+            <a:prstGeom prst="flowChartAlternateProcess">
+              <a:avLst/>
+            </a:prstGeom>
+          </p:spPr>
+          <p:style>
+            <a:lnRef idx="2">
+              <a:schemeClr val="dk1"/>
+            </a:lnRef>
+            <a:fillRef idx="1">
+              <a:schemeClr val="lt1"/>
+            </a:fillRef>
+            <a:effectRef idx="0">
+              <a:schemeClr val="dk1"/>
+            </a:effectRef>
+            <a:fontRef idx="minor">
+              <a:schemeClr val="dk1"/>
+            </a:fontRef>
+          </p:style>
+          <p:txBody>
+            <a:bodyPr rtlCol="0" anchor="ctr"/>
+            <a:lstStyle/>
+            <a:p>
+              <a:pPr algn="ctr"/>
+              <a:r>
+                <a:rPr lang="ko-KR" altLang="en-US" sz="1000" dirty="0">
+                  <a:latin typeface="Microsoft GothicNeo Light" panose="020B0300000101010101" pitchFamily="50" charset="-127"/>
+                  <a:ea typeface="Microsoft GothicNeo Light" panose="020B0300000101010101" pitchFamily="50" charset="-127"/>
+                  <a:cs typeface="Microsoft GothicNeo Light" panose="020B0300000101010101" pitchFamily="50" charset="-127"/>
+                </a:rPr>
+                <a:t>광폭화 </a:t>
+              </a:r>
+              <a:r>
+                <a:rPr lang="en-US" altLang="ko-KR" sz="1000" dirty="0">
+                  <a:latin typeface="Microsoft GothicNeo Light" panose="020B0300000101010101" pitchFamily="50" charset="-127"/>
+                  <a:ea typeface="Microsoft GothicNeo Light" panose="020B0300000101010101" pitchFamily="50" charset="-127"/>
+                  <a:cs typeface="Microsoft GothicNeo Light" panose="020B0300000101010101" pitchFamily="50" charset="-127"/>
+                </a:rPr>
+                <a:t>1</a:t>
+              </a:r>
+              <a:r>
+                <a:rPr lang="ko-KR" altLang="en-US" sz="1000" dirty="0">
+                  <a:latin typeface="Microsoft GothicNeo Light" panose="020B0300000101010101" pitchFamily="50" charset="-127"/>
+                  <a:ea typeface="Microsoft GothicNeo Light" panose="020B0300000101010101" pitchFamily="50" charset="-127"/>
+                  <a:cs typeface="Microsoft GothicNeo Light" panose="020B0300000101010101" pitchFamily="50" charset="-127"/>
+                </a:rPr>
+                <a:t>차</a:t>
+              </a:r>
+              <a:endParaRPr lang="en-US" altLang="ko-KR" sz="1000" dirty="0">
+                <a:latin typeface="Microsoft GothicNeo Light" panose="020B0300000101010101" pitchFamily="50" charset="-127"/>
+                <a:ea typeface="Microsoft GothicNeo Light" panose="020B0300000101010101" pitchFamily="50" charset="-127"/>
+                <a:cs typeface="Microsoft GothicNeo Light" panose="020B0300000101010101" pitchFamily="50" charset="-127"/>
+              </a:endParaRPr>
+            </a:p>
+          </p:txBody>
+        </p:sp>
+        <p:cxnSp>
+          <p:nvCxnSpPr>
+            <p:cNvPr id="66" name="연결선: 꺾임 65">
+              <a:extLst>
+                <a:ext uri="{FF2B5EF4-FFF2-40B4-BE49-F238E27FC236}">
+                  <a16:creationId xmlns:a16="http://schemas.microsoft.com/office/drawing/2014/main" id="{FDA72C36-E6C7-945C-7A9E-4FF807BC7703}"/>
+                </a:ext>
+              </a:extLst>
+            </p:cNvPr>
+            <p:cNvCxnSpPr>
+              <a:cxnSpLocks/>
+              <a:stCxn id="10" idx="2"/>
+              <a:endCxn id="65" idx="1"/>
+            </p:cNvCxnSpPr>
+            <p:nvPr/>
+          </p:nvCxnSpPr>
+          <p:spPr>
+            <a:xfrm rot="16200000" flipH="1">
+              <a:off x="4157122" y="2658587"/>
+              <a:ext cx="771601" cy="191317"/>
+            </a:xfrm>
+            <a:prstGeom prst="bentConnector2">
+              <a:avLst/>
+            </a:prstGeom>
+            <a:ln>
+              <a:tailEnd type="triangle"/>
+            </a:ln>
+          </p:spPr>
+          <p:style>
+            <a:lnRef idx="1">
+              <a:schemeClr val="dk1"/>
+            </a:lnRef>
+            <a:fillRef idx="0">
+              <a:schemeClr val="dk1"/>
+            </a:fillRef>
+            <a:effectRef idx="0">
+              <a:schemeClr val="dk1"/>
+            </a:effectRef>
+            <a:fontRef idx="minor">
+              <a:schemeClr val="tx1"/>
+            </a:fontRef>
+          </p:style>
+        </p:cxnSp>
+        <p:sp>
+          <p:nvSpPr>
+            <p:cNvPr id="67" name="순서도: 대체 처리 66">
+              <a:extLst>
+                <a:ext uri="{FF2B5EF4-FFF2-40B4-BE49-F238E27FC236}">
+                  <a16:creationId xmlns:a16="http://schemas.microsoft.com/office/drawing/2014/main" id="{40215117-02CB-FD0B-F4A8-FFA174AFA910}"/>
+                </a:ext>
+              </a:extLst>
+            </p:cNvPr>
+            <p:cNvSpPr/>
+            <p:nvPr/>
+          </p:nvSpPr>
+          <p:spPr>
+            <a:xfrm>
+              <a:off x="4638581" y="3584952"/>
+              <a:ext cx="1509960" cy="336884"/>
+            </a:xfrm>
+            <a:prstGeom prst="flowChartAlternateProcess">
+              <a:avLst/>
+            </a:prstGeom>
+          </p:spPr>
+          <p:style>
+            <a:lnRef idx="2">
+              <a:schemeClr val="dk1"/>
+            </a:lnRef>
+            <a:fillRef idx="1">
+              <a:schemeClr val="lt1"/>
+            </a:fillRef>
+            <a:effectRef idx="0">
+              <a:schemeClr val="dk1"/>
+            </a:effectRef>
+            <a:fontRef idx="minor">
+              <a:schemeClr val="dk1"/>
+            </a:fontRef>
+          </p:style>
+          <p:txBody>
+            <a:bodyPr rtlCol="0" anchor="ctr"/>
+            <a:lstStyle/>
+            <a:p>
+              <a:pPr algn="ctr"/>
+              <a:r>
+                <a:rPr lang="ko-KR" altLang="en-US" sz="1000" dirty="0">
+                  <a:latin typeface="Microsoft GothicNeo Light" panose="020B0300000101010101" pitchFamily="50" charset="-127"/>
+                  <a:ea typeface="Microsoft GothicNeo Light" panose="020B0300000101010101" pitchFamily="50" charset="-127"/>
+                  <a:cs typeface="Microsoft GothicNeo Light" panose="020B0300000101010101" pitchFamily="50" charset="-127"/>
+                </a:rPr>
+                <a:t>광폭화 </a:t>
+              </a:r>
+              <a:r>
+                <a:rPr lang="en-US" altLang="ko-KR" sz="1000" dirty="0">
+                  <a:latin typeface="Microsoft GothicNeo Light" panose="020B0300000101010101" pitchFamily="50" charset="-127"/>
+                  <a:ea typeface="Microsoft GothicNeo Light" panose="020B0300000101010101" pitchFamily="50" charset="-127"/>
+                  <a:cs typeface="Microsoft GothicNeo Light" panose="020B0300000101010101" pitchFamily="50" charset="-127"/>
+                </a:rPr>
+                <a:t>2</a:t>
+              </a:r>
+              <a:r>
+                <a:rPr lang="ko-KR" altLang="en-US" sz="1000" dirty="0">
+                  <a:latin typeface="Microsoft GothicNeo Light" panose="020B0300000101010101" pitchFamily="50" charset="-127"/>
+                  <a:ea typeface="Microsoft GothicNeo Light" panose="020B0300000101010101" pitchFamily="50" charset="-127"/>
+                  <a:cs typeface="Microsoft GothicNeo Light" panose="020B0300000101010101" pitchFamily="50" charset="-127"/>
+                </a:rPr>
+                <a:t>차</a:t>
+              </a:r>
+              <a:endParaRPr lang="en-US" altLang="ko-KR" sz="1000" dirty="0">
+                <a:latin typeface="Microsoft GothicNeo Light" panose="020B0300000101010101" pitchFamily="50" charset="-127"/>
+                <a:ea typeface="Microsoft GothicNeo Light" panose="020B0300000101010101" pitchFamily="50" charset="-127"/>
+                <a:cs typeface="Microsoft GothicNeo Light" panose="020B0300000101010101" pitchFamily="50" charset="-127"/>
+              </a:endParaRPr>
+            </a:p>
+          </p:txBody>
+        </p:sp>
+        <p:sp>
+          <p:nvSpPr>
+            <p:cNvPr id="68" name="TextBox 67">
+              <a:extLst>
+                <a:ext uri="{FF2B5EF4-FFF2-40B4-BE49-F238E27FC236}">
+                  <a16:creationId xmlns:a16="http://schemas.microsoft.com/office/drawing/2014/main" id="{B5439387-7D39-229A-C85F-6AA3EBB06301}"/>
+                </a:ext>
+              </a:extLst>
+            </p:cNvPr>
+            <p:cNvSpPr txBox="1"/>
+            <p:nvPr/>
+          </p:nvSpPr>
+          <p:spPr>
+            <a:xfrm>
+              <a:off x="4386850" y="2722892"/>
+              <a:ext cx="691215" cy="230832"/>
+            </a:xfrm>
+            <a:prstGeom prst="rect">
+              <a:avLst/>
+            </a:prstGeom>
+            <a:noFill/>
+          </p:spPr>
+          <p:txBody>
+            <a:bodyPr wrap="none" rtlCol="0">
+              <a:spAutoFit/>
+            </a:bodyPr>
+            <a:lstStyle/>
+            <a:p>
+              <a:r>
+                <a:rPr lang="en-US" altLang="ko-KR" sz="900" dirty="0">
+                  <a:latin typeface="Microsoft GothicNeo Light" panose="020B0300000101010101" pitchFamily="50" charset="-127"/>
+                  <a:ea typeface="Microsoft GothicNeo Light" panose="020B0300000101010101" pitchFamily="50" charset="-127"/>
+                  <a:cs typeface="Microsoft GothicNeo Light" panose="020B0300000101010101" pitchFamily="50" charset="-127"/>
+                </a:rPr>
+                <a:t>1</a:t>
+              </a:r>
+              <a:r>
+                <a:rPr lang="ko-KR" altLang="en-US" sz="900" dirty="0">
+                  <a:latin typeface="Microsoft GothicNeo Light" panose="020B0300000101010101" pitchFamily="50" charset="-127"/>
+                  <a:ea typeface="Microsoft GothicNeo Light" panose="020B0300000101010101" pitchFamily="50" charset="-127"/>
+                  <a:cs typeface="Microsoft GothicNeo Light" panose="020B0300000101010101" pitchFamily="50" charset="-127"/>
+                </a:rPr>
+                <a:t>차 분기점</a:t>
+              </a:r>
+            </a:p>
+          </p:txBody>
+        </p:sp>
+        <p:cxnSp>
+          <p:nvCxnSpPr>
+            <p:cNvPr id="69" name="연결선: 꺾임 68">
+              <a:extLst>
+                <a:ext uri="{FF2B5EF4-FFF2-40B4-BE49-F238E27FC236}">
+                  <a16:creationId xmlns:a16="http://schemas.microsoft.com/office/drawing/2014/main" id="{7002BCAD-A27B-8102-FB42-DD2C5DFEE855}"/>
+                </a:ext>
+              </a:extLst>
+            </p:cNvPr>
+            <p:cNvCxnSpPr>
+              <a:cxnSpLocks/>
+              <a:stCxn id="10" idx="2"/>
+              <a:endCxn id="67" idx="1"/>
+            </p:cNvCxnSpPr>
+            <p:nvPr/>
+          </p:nvCxnSpPr>
+          <p:spPr>
+            <a:xfrm rot="16200000" flipH="1">
+              <a:off x="3850448" y="2965261"/>
+              <a:ext cx="1384948" cy="191317"/>
+            </a:xfrm>
+            <a:prstGeom prst="bentConnector2">
+              <a:avLst/>
+            </a:prstGeom>
+            <a:ln>
+              <a:tailEnd type="triangle"/>
+            </a:ln>
+          </p:spPr>
+          <p:style>
+            <a:lnRef idx="1">
+              <a:schemeClr val="dk1"/>
+            </a:lnRef>
+            <a:fillRef idx="0">
+              <a:schemeClr val="dk1"/>
+            </a:fillRef>
+            <a:effectRef idx="0">
+              <a:schemeClr val="dk1"/>
+            </a:effectRef>
+            <a:fontRef idx="minor">
+              <a:schemeClr val="tx1"/>
+            </a:fontRef>
+          </p:style>
+        </p:cxnSp>
+        <p:sp>
+          <p:nvSpPr>
+            <p:cNvPr id="70" name="TextBox 69">
+              <a:extLst>
+                <a:ext uri="{FF2B5EF4-FFF2-40B4-BE49-F238E27FC236}">
+                  <a16:creationId xmlns:a16="http://schemas.microsoft.com/office/drawing/2014/main" id="{709BE6B4-F02B-02CA-AA28-45B8F8327B7D}"/>
+                </a:ext>
+              </a:extLst>
+            </p:cNvPr>
+            <p:cNvSpPr txBox="1"/>
+            <p:nvPr/>
+          </p:nvSpPr>
+          <p:spPr>
+            <a:xfrm>
+              <a:off x="4431017" y="3351220"/>
+              <a:ext cx="700833" cy="230832"/>
+            </a:xfrm>
+            <a:prstGeom prst="rect">
+              <a:avLst/>
+            </a:prstGeom>
+            <a:noFill/>
+          </p:spPr>
+          <p:txBody>
+            <a:bodyPr wrap="none" rtlCol="0">
+              <a:spAutoFit/>
+            </a:bodyPr>
+            <a:lstStyle/>
+            <a:p>
+              <a:r>
+                <a:rPr lang="en-US" altLang="ko-KR" sz="900" dirty="0">
+                  <a:latin typeface="Microsoft GothicNeo Light" panose="020B0300000101010101" pitchFamily="50" charset="-127"/>
+                  <a:ea typeface="Microsoft GothicNeo Light" panose="020B0300000101010101" pitchFamily="50" charset="-127"/>
+                  <a:cs typeface="Microsoft GothicNeo Light" panose="020B0300000101010101" pitchFamily="50" charset="-127"/>
+                </a:rPr>
+                <a:t>2</a:t>
+              </a:r>
+              <a:r>
+                <a:rPr lang="ko-KR" altLang="en-US" sz="900" dirty="0">
+                  <a:latin typeface="Microsoft GothicNeo Light" panose="020B0300000101010101" pitchFamily="50" charset="-127"/>
+                  <a:ea typeface="Microsoft GothicNeo Light" panose="020B0300000101010101" pitchFamily="50" charset="-127"/>
+                  <a:cs typeface="Microsoft GothicNeo Light" panose="020B0300000101010101" pitchFamily="50" charset="-127"/>
+                </a:rPr>
+                <a:t>차 분기점</a:t>
+              </a:r>
+            </a:p>
+          </p:txBody>
+        </p:sp>
+        <p:cxnSp>
+          <p:nvCxnSpPr>
+            <p:cNvPr id="71" name="연결선: 꺾임 70">
+              <a:extLst>
+                <a:ext uri="{FF2B5EF4-FFF2-40B4-BE49-F238E27FC236}">
+                  <a16:creationId xmlns:a16="http://schemas.microsoft.com/office/drawing/2014/main" id="{F7BEEDDE-D6F2-35E7-00F2-DFB09ADCA05D}"/>
+                </a:ext>
+              </a:extLst>
+            </p:cNvPr>
+            <p:cNvCxnSpPr>
+              <a:cxnSpLocks/>
+              <a:stCxn id="65" idx="3"/>
+              <a:endCxn id="64" idx="0"/>
+            </p:cNvCxnSpPr>
+            <p:nvPr/>
+          </p:nvCxnSpPr>
+          <p:spPr>
+            <a:xfrm flipH="1">
+              <a:off x="5393561" y="3140047"/>
+              <a:ext cx="754980" cy="1699211"/>
+            </a:xfrm>
+            <a:prstGeom prst="bentConnector4">
+              <a:avLst>
+                <a:gd name="adj1" fmla="val -30279"/>
+                <a:gd name="adj2" fmla="val 74431"/>
+              </a:avLst>
+            </a:prstGeom>
+            <a:ln>
+              <a:tailEnd type="triangle"/>
+            </a:ln>
+          </p:spPr>
+          <p:style>
+            <a:lnRef idx="1">
+              <a:schemeClr val="dk1"/>
+            </a:lnRef>
+            <a:fillRef idx="0">
+              <a:schemeClr val="dk1"/>
+            </a:fillRef>
+            <a:effectRef idx="0">
+              <a:schemeClr val="dk1"/>
+            </a:effectRef>
+            <a:fontRef idx="minor">
+              <a:schemeClr val="tx1"/>
+            </a:fontRef>
+          </p:style>
+        </p:cxnSp>
+        <p:cxnSp>
+          <p:nvCxnSpPr>
+            <p:cNvPr id="72" name="직선 화살표 연결선 71">
+              <a:extLst>
+                <a:ext uri="{FF2B5EF4-FFF2-40B4-BE49-F238E27FC236}">
+                  <a16:creationId xmlns:a16="http://schemas.microsoft.com/office/drawing/2014/main" id="{694896CD-EC3F-1D42-724A-3A16663E8063}"/>
+                </a:ext>
+              </a:extLst>
+            </p:cNvPr>
+            <p:cNvCxnSpPr>
+              <a:cxnSpLocks/>
+              <a:stCxn id="67" idx="2"/>
+              <a:endCxn id="64" idx="0"/>
+            </p:cNvCxnSpPr>
+            <p:nvPr/>
+          </p:nvCxnSpPr>
+          <p:spPr>
+            <a:xfrm>
+              <a:off x="5393561" y="3921836"/>
+              <a:ext cx="0" cy="917422"/>
+            </a:xfrm>
+            <a:prstGeom prst="straightConnector1">
+              <a:avLst/>
+            </a:prstGeom>
+            <a:ln>
+              <a:tailEnd type="triangle"/>
+            </a:ln>
+          </p:spPr>
+          <p:style>
+            <a:lnRef idx="1">
+              <a:schemeClr val="dk1"/>
+            </a:lnRef>
+            <a:fillRef idx="0">
+              <a:schemeClr val="dk1"/>
+            </a:fillRef>
+            <a:effectRef idx="0">
+              <a:schemeClr val="dk1"/>
+            </a:effectRef>
+            <a:fontRef idx="minor">
+              <a:schemeClr val="tx1"/>
+            </a:fontRef>
+          </p:style>
+        </p:cxnSp>
+        <p:sp>
+          <p:nvSpPr>
+            <p:cNvPr id="75" name="순서도: 판단 74">
+              <a:extLst>
+                <a:ext uri="{FF2B5EF4-FFF2-40B4-BE49-F238E27FC236}">
+                  <a16:creationId xmlns:a16="http://schemas.microsoft.com/office/drawing/2014/main" id="{896D5F9E-68F7-5822-CA9C-1E0C903BB51F}"/>
+                </a:ext>
+              </a:extLst>
+            </p:cNvPr>
+            <p:cNvSpPr/>
+            <p:nvPr/>
+          </p:nvSpPr>
+          <p:spPr>
+            <a:xfrm>
+              <a:off x="6518315" y="4007925"/>
+              <a:ext cx="2633946" cy="685800"/>
+            </a:xfrm>
+            <a:prstGeom prst="flowChartDecision">
+              <a:avLst/>
+            </a:prstGeom>
+            <a:noFill/>
+            <a:ln w="9525" cap="flat" cmpd="sng" algn="ctr">
+              <a:solidFill>
+                <a:schemeClr val="dk1"/>
+              </a:solidFill>
+              <a:prstDash val="solid"/>
+              <a:round/>
+              <a:headEnd type="none" w="med" len="med"/>
+              <a:tailEnd type="none" w="med" len="med"/>
+            </a:ln>
+          </p:spPr>
+          <p:style>
+            <a:lnRef idx="0">
+              <a:scrgbClr r="0" g="0" b="0"/>
+            </a:lnRef>
+            <a:fillRef idx="0">
+              <a:scrgbClr r="0" g="0" b="0"/>
+            </a:fillRef>
+            <a:effectRef idx="0">
+              <a:scrgbClr r="0" g="0" b="0"/>
+            </a:effectRef>
+            <a:fontRef idx="minor">
+              <a:schemeClr val="dk1"/>
+            </a:fontRef>
+          </p:style>
+          <p:txBody>
+            <a:bodyPr rtlCol="0" anchor="ctr"/>
+            <a:lstStyle/>
+            <a:p>
+              <a:pPr algn="ctr"/>
+              <a:r>
+                <a:rPr lang="ko-KR" altLang="en-US" sz="1000" dirty="0">
+                  <a:latin typeface="Microsoft GothicNeo Light" panose="020B0300000101010101" pitchFamily="50" charset="-127"/>
+                  <a:ea typeface="Microsoft GothicNeo Light" panose="020B0300000101010101" pitchFamily="50" charset="-127"/>
+                  <a:cs typeface="Microsoft GothicNeo Light" panose="020B0300000101010101" pitchFamily="50" charset="-127"/>
+                </a:rPr>
+                <a:t>유저거리 </a:t>
+              </a:r>
+              <a:endParaRPr lang="en-US" altLang="ko-KR" sz="1000" dirty="0">
+                <a:latin typeface="Microsoft GothicNeo Light" panose="020B0300000101010101" pitchFamily="50" charset="-127"/>
+                <a:ea typeface="Microsoft GothicNeo Light" panose="020B0300000101010101" pitchFamily="50" charset="-127"/>
+                <a:cs typeface="Microsoft GothicNeo Light" panose="020B0300000101010101" pitchFamily="50" charset="-127"/>
+              </a:endParaRPr>
+            </a:p>
+            <a:p>
+              <a:pPr algn="ctr"/>
+              <a:r>
+                <a:rPr lang="en-US" altLang="ko-KR" sz="1000" dirty="0">
+                  <a:latin typeface="Microsoft GothicNeo Light" panose="020B0300000101010101" pitchFamily="50" charset="-127"/>
+                  <a:ea typeface="Microsoft GothicNeo Light" panose="020B0300000101010101" pitchFamily="50" charset="-127"/>
+                  <a:cs typeface="Microsoft GothicNeo Light" panose="020B0300000101010101" pitchFamily="50" charset="-127"/>
+                </a:rPr>
+                <a:t>&lt;= </a:t>
+              </a:r>
+            </a:p>
+            <a:p>
+              <a:pPr algn="ctr"/>
+              <a:r>
+                <a:rPr lang="ko-KR" altLang="en-US" sz="1000" dirty="0">
+                  <a:latin typeface="Microsoft GothicNeo Light" panose="020B0300000101010101" pitchFamily="50" charset="-127"/>
+                  <a:ea typeface="Microsoft GothicNeo Light" panose="020B0300000101010101" pitchFamily="50" charset="-127"/>
+                  <a:cs typeface="Microsoft GothicNeo Light" panose="020B0300000101010101" pitchFamily="50" charset="-127"/>
+                </a:rPr>
+                <a:t>사정거리</a:t>
+              </a:r>
+            </a:p>
+          </p:txBody>
+        </p:sp>
+        <p:cxnSp>
+          <p:nvCxnSpPr>
+            <p:cNvPr id="80" name="직선 화살표 연결선 79">
+              <a:extLst>
+                <a:ext uri="{FF2B5EF4-FFF2-40B4-BE49-F238E27FC236}">
+                  <a16:creationId xmlns:a16="http://schemas.microsoft.com/office/drawing/2014/main" id="{950DF29D-28B6-2912-D7F6-F2F02F8DC611}"/>
+                </a:ext>
+              </a:extLst>
+            </p:cNvPr>
+            <p:cNvCxnSpPr>
+              <a:cxnSpLocks/>
+              <a:stCxn id="9" idx="2"/>
+              <a:endCxn id="75" idx="0"/>
+            </p:cNvCxnSpPr>
+            <p:nvPr/>
+          </p:nvCxnSpPr>
+          <p:spPr>
+            <a:xfrm>
+              <a:off x="7835288" y="2368446"/>
+              <a:ext cx="0" cy="1639479"/>
+            </a:xfrm>
+            <a:prstGeom prst="straightConnector1">
+              <a:avLst/>
+            </a:prstGeom>
+            <a:ln>
+              <a:tailEnd type="triangle"/>
+            </a:ln>
+          </p:spPr>
+          <p:style>
+            <a:lnRef idx="1">
+              <a:schemeClr val="dk1"/>
+            </a:lnRef>
+            <a:fillRef idx="0">
+              <a:schemeClr val="dk1"/>
+            </a:fillRef>
+            <a:effectRef idx="0">
+              <a:schemeClr val="dk1"/>
+            </a:effectRef>
+            <a:fontRef idx="minor">
+              <a:schemeClr val="tx1"/>
+            </a:fontRef>
+          </p:style>
+        </p:cxnSp>
+        <p:sp>
+          <p:nvSpPr>
+            <p:cNvPr id="84" name="순서도: 대체 처리 83">
+              <a:extLst>
+                <a:ext uri="{FF2B5EF4-FFF2-40B4-BE49-F238E27FC236}">
+                  <a16:creationId xmlns:a16="http://schemas.microsoft.com/office/drawing/2014/main" id="{36EE00CC-1063-6A01-3898-34D692B1A6E0}"/>
+                </a:ext>
+              </a:extLst>
+            </p:cNvPr>
+            <p:cNvSpPr/>
+            <p:nvPr/>
+          </p:nvSpPr>
+          <p:spPr>
+            <a:xfrm>
+              <a:off x="9333163" y="4169019"/>
+              <a:ext cx="701855" cy="368058"/>
+            </a:xfrm>
+            <a:prstGeom prst="flowChartAlternateProcess">
+              <a:avLst/>
+            </a:prstGeom>
+          </p:spPr>
+          <p:style>
+            <a:lnRef idx="2">
+              <a:schemeClr val="dk1"/>
+            </a:lnRef>
+            <a:fillRef idx="1">
+              <a:schemeClr val="lt1"/>
+            </a:fillRef>
+            <a:effectRef idx="0">
+              <a:schemeClr val="dk1"/>
+            </a:effectRef>
+            <a:fontRef idx="minor">
+              <a:schemeClr val="dk1"/>
+            </a:fontRef>
+          </p:style>
+          <p:txBody>
+            <a:bodyPr rtlCol="0" anchor="ctr"/>
+            <a:lstStyle/>
+            <a:p>
+              <a:pPr algn="ctr"/>
+              <a:r>
+                <a:rPr lang="ko-KR" altLang="en-US" sz="1000" dirty="0">
+                  <a:latin typeface="Microsoft GothicNeo Light" panose="020B0300000101010101" pitchFamily="50" charset="-127"/>
+                  <a:ea typeface="Microsoft GothicNeo Light" panose="020B0300000101010101" pitchFamily="50" charset="-127"/>
+                  <a:cs typeface="Microsoft GothicNeo Light" panose="020B0300000101010101" pitchFamily="50" charset="-127"/>
+                </a:rPr>
+                <a:t>이동</a:t>
+              </a:r>
+              <a:endParaRPr lang="en-US" altLang="ko-KR" sz="1000" dirty="0">
+                <a:latin typeface="Microsoft GothicNeo Light" panose="020B0300000101010101" pitchFamily="50" charset="-127"/>
+                <a:ea typeface="Microsoft GothicNeo Light" panose="020B0300000101010101" pitchFamily="50" charset="-127"/>
+                <a:cs typeface="Microsoft GothicNeo Light" panose="020B0300000101010101" pitchFamily="50" charset="-127"/>
+              </a:endParaRPr>
+            </a:p>
+          </p:txBody>
+        </p:sp>
+        <p:cxnSp>
+          <p:nvCxnSpPr>
+            <p:cNvPr id="87" name="직선 화살표 연결선 86">
+              <a:extLst>
+                <a:ext uri="{FF2B5EF4-FFF2-40B4-BE49-F238E27FC236}">
+                  <a16:creationId xmlns:a16="http://schemas.microsoft.com/office/drawing/2014/main" id="{2E283B57-DDB2-0AF4-FB87-76CCF3BFB0AB}"/>
+                </a:ext>
+              </a:extLst>
+            </p:cNvPr>
+            <p:cNvCxnSpPr>
+              <a:cxnSpLocks/>
+              <a:stCxn id="75" idx="3"/>
+              <a:endCxn id="84" idx="1"/>
+            </p:cNvCxnSpPr>
+            <p:nvPr/>
+          </p:nvCxnSpPr>
+          <p:spPr>
+            <a:xfrm>
+              <a:off x="9152261" y="4350825"/>
+              <a:ext cx="180902" cy="2223"/>
+            </a:xfrm>
+            <a:prstGeom prst="straightConnector1">
+              <a:avLst/>
+            </a:prstGeom>
+            <a:ln>
+              <a:tailEnd type="triangle"/>
+            </a:ln>
+          </p:spPr>
+          <p:style>
+            <a:lnRef idx="1">
+              <a:schemeClr val="dk1"/>
+            </a:lnRef>
+            <a:fillRef idx="0">
+              <a:schemeClr val="dk1"/>
+            </a:fillRef>
+            <a:effectRef idx="0">
+              <a:schemeClr val="dk1"/>
+            </a:effectRef>
+            <a:fontRef idx="minor">
+              <a:schemeClr val="tx1"/>
+            </a:fontRef>
+          </p:style>
+        </p:cxnSp>
+        <p:sp>
+          <p:nvSpPr>
+            <p:cNvPr id="91" name="TextBox 90">
+              <a:extLst>
+                <a:ext uri="{FF2B5EF4-FFF2-40B4-BE49-F238E27FC236}">
+                  <a16:creationId xmlns:a16="http://schemas.microsoft.com/office/drawing/2014/main" id="{D6E62231-AD6D-0E9B-715F-9F716B50F4FE}"/>
+                </a:ext>
+              </a:extLst>
+            </p:cNvPr>
+            <p:cNvSpPr txBox="1"/>
+            <p:nvPr/>
+          </p:nvSpPr>
+          <p:spPr>
+            <a:xfrm>
+              <a:off x="7833725" y="2323777"/>
+              <a:ext cx="394660" cy="230832"/>
+            </a:xfrm>
+            <a:prstGeom prst="rect">
+              <a:avLst/>
+            </a:prstGeom>
+            <a:noFill/>
+          </p:spPr>
+          <p:txBody>
+            <a:bodyPr wrap="none" rtlCol="0">
+              <a:spAutoFit/>
+            </a:bodyPr>
+            <a:lstStyle/>
+            <a:p>
+              <a:r>
+                <a:rPr lang="en-US" altLang="ko-KR" sz="900" dirty="0">
+                  <a:latin typeface="Microsoft GothicNeo Light" panose="020B0300000101010101" pitchFamily="50" charset="-127"/>
+                  <a:ea typeface="Microsoft GothicNeo Light" panose="020B0300000101010101" pitchFamily="50" charset="-127"/>
+                  <a:cs typeface="Microsoft GothicNeo Light" panose="020B0300000101010101" pitchFamily="50" charset="-127"/>
+                </a:rPr>
+                <a:t>true</a:t>
+              </a:r>
+              <a:endParaRPr lang="ko-KR" altLang="en-US" sz="900" dirty="0">
+                <a:latin typeface="Microsoft GothicNeo Light" panose="020B0300000101010101" pitchFamily="50" charset="-127"/>
+                <a:ea typeface="Microsoft GothicNeo Light" panose="020B0300000101010101" pitchFamily="50" charset="-127"/>
+                <a:cs typeface="Microsoft GothicNeo Light" panose="020B0300000101010101" pitchFamily="50" charset="-127"/>
+              </a:endParaRPr>
+            </a:p>
+          </p:txBody>
+        </p:sp>
+        <p:sp>
+          <p:nvSpPr>
+            <p:cNvPr id="92" name="TextBox 91">
+              <a:extLst>
+                <a:ext uri="{FF2B5EF4-FFF2-40B4-BE49-F238E27FC236}">
+                  <a16:creationId xmlns:a16="http://schemas.microsoft.com/office/drawing/2014/main" id="{BE44506C-607C-A350-22EC-5DB7342D9C2A}"/>
+                </a:ext>
+              </a:extLst>
+            </p:cNvPr>
+            <p:cNvSpPr txBox="1"/>
+            <p:nvPr/>
+          </p:nvSpPr>
+          <p:spPr>
+            <a:xfrm>
+              <a:off x="5614972" y="1814783"/>
+              <a:ext cx="420308" cy="230832"/>
+            </a:xfrm>
+            <a:prstGeom prst="rect">
+              <a:avLst/>
+            </a:prstGeom>
+            <a:noFill/>
+          </p:spPr>
+          <p:txBody>
+            <a:bodyPr wrap="square" rtlCol="0">
+              <a:spAutoFit/>
+            </a:bodyPr>
+            <a:lstStyle/>
+            <a:p>
+              <a:r>
+                <a:rPr lang="en-US" altLang="ko-KR" sz="900" dirty="0">
+                  <a:latin typeface="Microsoft GothicNeo Light" panose="020B0300000101010101" pitchFamily="50" charset="-127"/>
+                  <a:ea typeface="Microsoft GothicNeo Light" panose="020B0300000101010101" pitchFamily="50" charset="-127"/>
+                  <a:cs typeface="Microsoft GothicNeo Light" panose="020B0300000101010101" pitchFamily="50" charset="-127"/>
+                </a:rPr>
+                <a:t>false</a:t>
+              </a:r>
+              <a:endParaRPr lang="ko-KR" altLang="en-US" sz="900" dirty="0">
+                <a:latin typeface="Microsoft GothicNeo Light" panose="020B0300000101010101" pitchFamily="50" charset="-127"/>
+                <a:ea typeface="Microsoft GothicNeo Light" panose="020B0300000101010101" pitchFamily="50" charset="-127"/>
+                <a:cs typeface="Microsoft GothicNeo Light" panose="020B0300000101010101" pitchFamily="50" charset="-127"/>
+              </a:endParaRPr>
+            </a:p>
+          </p:txBody>
+        </p:sp>
+        <p:sp>
+          <p:nvSpPr>
+            <p:cNvPr id="93" name="TextBox 92">
+              <a:extLst>
+                <a:ext uri="{FF2B5EF4-FFF2-40B4-BE49-F238E27FC236}">
+                  <a16:creationId xmlns:a16="http://schemas.microsoft.com/office/drawing/2014/main" id="{D836C042-A5E5-B58C-620D-48500C799ECC}"/>
+                </a:ext>
+              </a:extLst>
+            </p:cNvPr>
+            <p:cNvSpPr txBox="1"/>
+            <p:nvPr/>
+          </p:nvSpPr>
+          <p:spPr>
+            <a:xfrm>
+              <a:off x="8830302" y="4078672"/>
+              <a:ext cx="420308" cy="230832"/>
+            </a:xfrm>
+            <a:prstGeom prst="rect">
+              <a:avLst/>
+            </a:prstGeom>
+            <a:noFill/>
+          </p:spPr>
+          <p:txBody>
+            <a:bodyPr wrap="square" rtlCol="0">
+              <a:spAutoFit/>
+            </a:bodyPr>
+            <a:lstStyle/>
+            <a:p>
+              <a:r>
+                <a:rPr lang="en-US" altLang="ko-KR" sz="900" dirty="0">
+                  <a:latin typeface="Microsoft GothicNeo Light" panose="020B0300000101010101" pitchFamily="50" charset="-127"/>
+                  <a:ea typeface="Microsoft GothicNeo Light" panose="020B0300000101010101" pitchFamily="50" charset="-127"/>
+                  <a:cs typeface="Microsoft GothicNeo Light" panose="020B0300000101010101" pitchFamily="50" charset="-127"/>
+                </a:rPr>
+                <a:t>false</a:t>
+              </a:r>
+              <a:endParaRPr lang="ko-KR" altLang="en-US" sz="900" dirty="0">
+                <a:latin typeface="Microsoft GothicNeo Light" panose="020B0300000101010101" pitchFamily="50" charset="-127"/>
+                <a:ea typeface="Microsoft GothicNeo Light" panose="020B0300000101010101" pitchFamily="50" charset="-127"/>
+                <a:cs typeface="Microsoft GothicNeo Light" panose="020B0300000101010101" pitchFamily="50" charset="-127"/>
+              </a:endParaRPr>
+            </a:p>
+          </p:txBody>
+        </p:sp>
+        <p:cxnSp>
+          <p:nvCxnSpPr>
+            <p:cNvPr id="94" name="연결선: 꺾임 93">
+              <a:extLst>
+                <a:ext uri="{FF2B5EF4-FFF2-40B4-BE49-F238E27FC236}">
+                  <a16:creationId xmlns:a16="http://schemas.microsoft.com/office/drawing/2014/main" id="{6D9CD16B-109C-1D00-AC2E-BCA9F761F85B}"/>
+                </a:ext>
+              </a:extLst>
+            </p:cNvPr>
+            <p:cNvCxnSpPr>
+              <a:cxnSpLocks/>
+              <a:stCxn id="25" idx="2"/>
+              <a:endCxn id="11" idx="0"/>
+            </p:cNvCxnSpPr>
+            <p:nvPr/>
+          </p:nvCxnSpPr>
+          <p:spPr>
+            <a:xfrm rot="5400000" flipH="1">
+              <a:off x="396756" y="2744826"/>
+              <a:ext cx="3524671" cy="1400312"/>
+            </a:xfrm>
+            <a:prstGeom prst="bentConnector5">
+              <a:avLst>
+                <a:gd name="adj1" fmla="val -6486"/>
+                <a:gd name="adj2" fmla="val 199179"/>
+                <a:gd name="adj3" fmla="val 106486"/>
+              </a:avLst>
+            </a:prstGeom>
+            <a:ln>
+              <a:tailEnd type="triangle"/>
+            </a:ln>
+          </p:spPr>
+          <p:style>
+            <a:lnRef idx="1">
+              <a:schemeClr val="dk1"/>
+            </a:lnRef>
+            <a:fillRef idx="0">
+              <a:schemeClr val="dk1"/>
+            </a:fillRef>
+            <a:effectRef idx="0">
+              <a:schemeClr val="dk1"/>
+            </a:effectRef>
+            <a:fontRef idx="minor">
+              <a:schemeClr val="tx1"/>
+            </a:fontRef>
+          </p:style>
+        </p:cxnSp>
+        <p:cxnSp>
+          <p:nvCxnSpPr>
+            <p:cNvPr id="98" name="연결선: 꺾임 97">
+              <a:extLst>
+                <a:ext uri="{FF2B5EF4-FFF2-40B4-BE49-F238E27FC236}">
+                  <a16:creationId xmlns:a16="http://schemas.microsoft.com/office/drawing/2014/main" id="{59E71988-30D0-B9E7-5A29-CD1A1BB77162}"/>
+                </a:ext>
+              </a:extLst>
+            </p:cNvPr>
+            <p:cNvCxnSpPr>
+              <a:cxnSpLocks/>
+              <a:stCxn id="64" idx="2"/>
+              <a:endCxn id="11" idx="0"/>
+            </p:cNvCxnSpPr>
+            <p:nvPr/>
+          </p:nvCxnSpPr>
+          <p:spPr>
+            <a:xfrm rot="5400000" flipH="1">
+              <a:off x="1663914" y="1477669"/>
+              <a:ext cx="3524670" cy="3934625"/>
+            </a:xfrm>
+            <a:prstGeom prst="bentConnector5">
+              <a:avLst>
+                <a:gd name="adj1" fmla="val -6486"/>
+                <a:gd name="adj2" fmla="val 135205"/>
+                <a:gd name="adj3" fmla="val 106486"/>
+              </a:avLst>
+            </a:prstGeom>
+            <a:ln>
+              <a:tailEnd type="triangle"/>
+            </a:ln>
+          </p:spPr>
+          <p:style>
+            <a:lnRef idx="1">
+              <a:schemeClr val="dk1"/>
+            </a:lnRef>
+            <a:fillRef idx="0">
+              <a:schemeClr val="dk1"/>
+            </a:fillRef>
+            <a:effectRef idx="0">
+              <a:schemeClr val="dk1"/>
+            </a:effectRef>
+            <a:fontRef idx="minor">
+              <a:schemeClr val="tx1"/>
+            </a:fontRef>
+          </p:style>
+        </p:cxnSp>
+        <p:sp>
+          <p:nvSpPr>
+            <p:cNvPr id="105" name="순서도: 대체 처리 104">
+              <a:extLst>
+                <a:ext uri="{FF2B5EF4-FFF2-40B4-BE49-F238E27FC236}">
+                  <a16:creationId xmlns:a16="http://schemas.microsoft.com/office/drawing/2014/main" id="{B6A9E7FB-D15D-7A45-A6EE-A02E4CC6B41A}"/>
+                </a:ext>
+              </a:extLst>
+            </p:cNvPr>
+            <p:cNvSpPr/>
+            <p:nvPr/>
+          </p:nvSpPr>
+          <p:spPr>
+            <a:xfrm>
+              <a:off x="7080308" y="5580555"/>
+              <a:ext cx="1509960" cy="566486"/>
+            </a:xfrm>
+            <a:prstGeom prst="flowChartAlternateProcess">
+              <a:avLst/>
+            </a:prstGeom>
+          </p:spPr>
+          <p:style>
+            <a:lnRef idx="2">
+              <a:schemeClr val="dk1"/>
+            </a:lnRef>
+            <a:fillRef idx="1">
+              <a:schemeClr val="lt1"/>
+            </a:fillRef>
+            <a:effectRef idx="0">
+              <a:schemeClr val="dk1"/>
+            </a:effectRef>
+            <a:fontRef idx="minor">
+              <a:schemeClr val="dk1"/>
+            </a:fontRef>
+          </p:style>
+          <p:txBody>
+            <a:bodyPr rtlCol="0" anchor="ctr"/>
+            <a:lstStyle/>
+            <a:p>
+              <a:pPr algn="ctr"/>
+              <a:r>
+                <a:rPr lang="ko-KR" altLang="en-US" sz="1000" dirty="0" err="1">
+                  <a:latin typeface="Microsoft GothicNeo Light" panose="020B0300000101010101" pitchFamily="50" charset="-127"/>
+                  <a:ea typeface="Microsoft GothicNeo Light" panose="020B0300000101010101" pitchFamily="50" charset="-127"/>
+                  <a:cs typeface="Microsoft GothicNeo Light" panose="020B0300000101010101" pitchFamily="50" charset="-127"/>
+                </a:rPr>
+                <a:t>공격량</a:t>
+              </a:r>
+              <a:r>
+                <a:rPr lang="ko-KR" altLang="en-US" sz="1000" dirty="0">
+                  <a:latin typeface="Microsoft GothicNeo Light" panose="020B0300000101010101" pitchFamily="50" charset="-127"/>
+                  <a:ea typeface="Microsoft GothicNeo Light" panose="020B0300000101010101" pitchFamily="50" charset="-127"/>
+                  <a:cs typeface="Microsoft GothicNeo Light" panose="020B0300000101010101" pitchFamily="50" charset="-127"/>
+                </a:rPr>
+                <a:t> 타이머 초기화</a:t>
+              </a:r>
+              <a:endParaRPr lang="en-US" altLang="ko-KR" sz="1000" dirty="0">
+                <a:latin typeface="Microsoft GothicNeo Light" panose="020B0300000101010101" pitchFamily="50" charset="-127"/>
+                <a:ea typeface="Microsoft GothicNeo Light" panose="020B0300000101010101" pitchFamily="50" charset="-127"/>
+                <a:cs typeface="Microsoft GothicNeo Light" panose="020B0300000101010101" pitchFamily="50" charset="-127"/>
+              </a:endParaRPr>
+            </a:p>
+            <a:p>
+              <a:pPr algn="ctr"/>
+              <a:r>
+                <a:rPr lang="ko-KR" altLang="en-US" sz="1000" dirty="0" err="1">
+                  <a:latin typeface="Microsoft GothicNeo Light" panose="020B0300000101010101" pitchFamily="50" charset="-127"/>
+                  <a:ea typeface="Microsoft GothicNeo Light" panose="020B0300000101010101" pitchFamily="50" charset="-127"/>
+                  <a:cs typeface="Microsoft GothicNeo Light" panose="020B0300000101010101" pitchFamily="50" charset="-127"/>
+                </a:rPr>
+                <a:t>유저별</a:t>
+              </a:r>
+              <a:r>
+                <a:rPr lang="ko-KR" altLang="en-US" sz="1000" dirty="0">
+                  <a:latin typeface="Microsoft GothicNeo Light" panose="020B0300000101010101" pitchFamily="50" charset="-127"/>
+                  <a:ea typeface="Microsoft GothicNeo Light" panose="020B0300000101010101" pitchFamily="50" charset="-127"/>
+                  <a:cs typeface="Microsoft GothicNeo Light" panose="020B0300000101010101" pitchFamily="50" charset="-127"/>
+                </a:rPr>
+                <a:t> </a:t>
+              </a:r>
+              <a:r>
+                <a:rPr lang="ko-KR" altLang="en-US" sz="1000" dirty="0" err="1">
+                  <a:latin typeface="Microsoft GothicNeo Light" panose="020B0300000101010101" pitchFamily="50" charset="-127"/>
+                  <a:ea typeface="Microsoft GothicNeo Light" panose="020B0300000101010101" pitchFamily="50" charset="-127"/>
+                  <a:cs typeface="Microsoft GothicNeo Light" panose="020B0300000101010101" pitchFamily="50" charset="-127"/>
+                </a:rPr>
+                <a:t>공격량</a:t>
+              </a:r>
+              <a:r>
+                <a:rPr lang="ko-KR" altLang="en-US" sz="1000" dirty="0">
+                  <a:latin typeface="Microsoft GothicNeo Light" panose="020B0300000101010101" pitchFamily="50" charset="-127"/>
+                  <a:ea typeface="Microsoft GothicNeo Light" panose="020B0300000101010101" pitchFamily="50" charset="-127"/>
+                  <a:cs typeface="Microsoft GothicNeo Light" panose="020B0300000101010101" pitchFamily="50" charset="-127"/>
+                </a:rPr>
+                <a:t> 초기화</a:t>
+              </a:r>
+              <a:endParaRPr lang="en-US" altLang="ko-KR" sz="1000" dirty="0">
+                <a:latin typeface="Microsoft GothicNeo Light" panose="020B0300000101010101" pitchFamily="50" charset="-127"/>
+                <a:ea typeface="Microsoft GothicNeo Light" panose="020B0300000101010101" pitchFamily="50" charset="-127"/>
+                <a:cs typeface="Microsoft GothicNeo Light" panose="020B0300000101010101" pitchFamily="50" charset="-127"/>
+              </a:endParaRPr>
+            </a:p>
+          </p:txBody>
+        </p:sp>
+        <p:sp>
+          <p:nvSpPr>
+            <p:cNvPr id="106" name="순서도: 판단 105">
+              <a:extLst>
+                <a:ext uri="{FF2B5EF4-FFF2-40B4-BE49-F238E27FC236}">
+                  <a16:creationId xmlns:a16="http://schemas.microsoft.com/office/drawing/2014/main" id="{600AB471-F5AD-0D83-C42C-5A082B54A514}"/>
+                </a:ext>
+              </a:extLst>
+            </p:cNvPr>
+            <p:cNvSpPr/>
+            <p:nvPr/>
+          </p:nvSpPr>
+          <p:spPr>
+            <a:xfrm>
+              <a:off x="9311956" y="1677808"/>
+              <a:ext cx="2633946" cy="685800"/>
+            </a:xfrm>
+            <a:prstGeom prst="flowChartDecision">
+              <a:avLst/>
+            </a:prstGeom>
+            <a:noFill/>
+            <a:ln w="9525" cap="flat" cmpd="sng" algn="ctr">
+              <a:solidFill>
+                <a:schemeClr val="dk1"/>
+              </a:solidFill>
+              <a:prstDash val="solid"/>
+              <a:round/>
+              <a:headEnd type="none" w="med" len="med"/>
+              <a:tailEnd type="none" w="med" len="med"/>
+            </a:ln>
+          </p:spPr>
+          <p:style>
+            <a:lnRef idx="0">
+              <a:scrgbClr r="0" g="0" b="0"/>
+            </a:lnRef>
+            <a:fillRef idx="0">
+              <a:scrgbClr r="0" g="0" b="0"/>
+            </a:fillRef>
+            <a:effectRef idx="0">
+              <a:scrgbClr r="0" g="0" b="0"/>
+            </a:effectRef>
+            <a:fontRef idx="minor">
+              <a:schemeClr val="dk1"/>
+            </a:fontRef>
+          </p:style>
+          <p:txBody>
+            <a:bodyPr rtlCol="0" anchor="ctr"/>
+            <a:lstStyle/>
+            <a:p>
+              <a:pPr algn="ctr"/>
+              <a:r>
+                <a:rPr lang="ko-KR" altLang="en-US" sz="1000" dirty="0" err="1">
+                  <a:latin typeface="Microsoft GothicNeo Light" panose="020B0300000101010101" pitchFamily="50" charset="-127"/>
+                  <a:ea typeface="Microsoft GothicNeo Light" panose="020B0300000101010101" pitchFamily="50" charset="-127"/>
+                  <a:cs typeface="Microsoft GothicNeo Light" panose="020B0300000101010101" pitchFamily="50" charset="-127"/>
+                </a:rPr>
+                <a:t>공격량</a:t>
+              </a:r>
+              <a:r>
+                <a:rPr lang="ko-KR" altLang="en-US" sz="1000" dirty="0">
+                  <a:latin typeface="Microsoft GothicNeo Light" panose="020B0300000101010101" pitchFamily="50" charset="-127"/>
+                  <a:ea typeface="Microsoft GothicNeo Light" panose="020B0300000101010101" pitchFamily="50" charset="-127"/>
+                  <a:cs typeface="Microsoft GothicNeo Light" panose="020B0300000101010101" pitchFamily="50" charset="-127"/>
+                </a:rPr>
+                <a:t> 기준시간 </a:t>
+              </a:r>
+              <a:r>
+                <a:rPr lang="en-US" altLang="ko-KR" sz="1000" dirty="0">
+                  <a:latin typeface="Microsoft GothicNeo Light" panose="020B0300000101010101" pitchFamily="50" charset="-127"/>
+                  <a:ea typeface="Microsoft GothicNeo Light" panose="020B0300000101010101" pitchFamily="50" charset="-127"/>
+                  <a:cs typeface="Microsoft GothicNeo Light" panose="020B0300000101010101" pitchFamily="50" charset="-127"/>
+                </a:rPr>
+                <a:t>&gt; </a:t>
+              </a:r>
+              <a:r>
+                <a:rPr lang="ko-KR" altLang="en-US" sz="1000" dirty="0">
+                  <a:latin typeface="Microsoft GothicNeo Light" panose="020B0300000101010101" pitchFamily="50" charset="-127"/>
+                  <a:ea typeface="Microsoft GothicNeo Light" panose="020B0300000101010101" pitchFamily="50" charset="-127"/>
+                  <a:cs typeface="Microsoft GothicNeo Light" panose="020B0300000101010101" pitchFamily="50" charset="-127"/>
+                </a:rPr>
+                <a:t>기준</a:t>
+              </a:r>
+            </a:p>
+          </p:txBody>
+        </p:sp>
+        <p:sp>
+          <p:nvSpPr>
+            <p:cNvPr id="109" name="순서도: 대체 처리 108">
+              <a:extLst>
+                <a:ext uri="{FF2B5EF4-FFF2-40B4-BE49-F238E27FC236}">
+                  <a16:creationId xmlns:a16="http://schemas.microsoft.com/office/drawing/2014/main" id="{3D999869-5897-C08C-63C4-246E48381693}"/>
+                </a:ext>
+              </a:extLst>
+            </p:cNvPr>
+            <p:cNvSpPr/>
+            <p:nvPr/>
+          </p:nvSpPr>
+          <p:spPr>
+            <a:xfrm>
+              <a:off x="9873949" y="3295692"/>
+              <a:ext cx="1509960" cy="368058"/>
+            </a:xfrm>
+            <a:prstGeom prst="flowChartAlternateProcess">
+              <a:avLst/>
+            </a:prstGeom>
+          </p:spPr>
+          <p:style>
+            <a:lnRef idx="2">
+              <a:schemeClr val="dk1"/>
+            </a:lnRef>
+            <a:fillRef idx="1">
+              <a:schemeClr val="lt1"/>
+            </a:fillRef>
+            <a:effectRef idx="0">
+              <a:schemeClr val="dk1"/>
+            </a:effectRef>
+            <a:fontRef idx="minor">
+              <a:schemeClr val="dk1"/>
+            </a:fontRef>
+          </p:style>
+          <p:txBody>
+            <a:bodyPr rtlCol="0" anchor="ctr"/>
+            <a:lstStyle/>
+            <a:p>
+              <a:pPr algn="ctr"/>
+              <a:r>
+                <a:rPr lang="ko-KR" altLang="en-US" sz="1000" dirty="0">
+                  <a:latin typeface="Microsoft GothicNeo Light" panose="020B0300000101010101" pitchFamily="50" charset="-127"/>
+                  <a:ea typeface="Microsoft GothicNeo Light" panose="020B0300000101010101" pitchFamily="50" charset="-127"/>
+                  <a:cs typeface="Microsoft GothicNeo Light" panose="020B0300000101010101" pitchFamily="50" charset="-127"/>
+                </a:rPr>
+                <a:t>타겟 </a:t>
+              </a:r>
+              <a:r>
+                <a:rPr lang="en-US" altLang="ko-KR" sz="1000" dirty="0">
+                  <a:latin typeface="Microsoft GothicNeo Light" panose="020B0300000101010101" pitchFamily="50" charset="-127"/>
+                  <a:ea typeface="Microsoft GothicNeo Light" panose="020B0300000101010101" pitchFamily="50" charset="-127"/>
+                  <a:cs typeface="Microsoft GothicNeo Light" panose="020B0300000101010101" pitchFamily="50" charset="-127"/>
+                </a:rPr>
+                <a:t>= </a:t>
+              </a:r>
+              <a:r>
+                <a:rPr lang="ko-KR" altLang="en-US" sz="1000" dirty="0" err="1">
+                  <a:latin typeface="Microsoft GothicNeo Light" panose="020B0300000101010101" pitchFamily="50" charset="-127"/>
+                  <a:ea typeface="Microsoft GothicNeo Light" panose="020B0300000101010101" pitchFamily="50" charset="-127"/>
+                  <a:cs typeface="Microsoft GothicNeo Light" panose="020B0300000101010101" pitchFamily="50" charset="-127"/>
+                </a:rPr>
+                <a:t>공격량</a:t>
+              </a:r>
+              <a:r>
+                <a:rPr lang="ko-KR" altLang="en-US" sz="1000" dirty="0">
+                  <a:latin typeface="Microsoft GothicNeo Light" panose="020B0300000101010101" pitchFamily="50" charset="-127"/>
+                  <a:ea typeface="Microsoft GothicNeo Light" panose="020B0300000101010101" pitchFamily="50" charset="-127"/>
+                  <a:cs typeface="Microsoft GothicNeo Light" panose="020B0300000101010101" pitchFamily="50" charset="-127"/>
+                </a:rPr>
+                <a:t> 최고 유저</a:t>
+              </a:r>
+              <a:endParaRPr lang="en-US" altLang="ko-KR" sz="1000" dirty="0">
+                <a:latin typeface="Microsoft GothicNeo Light" panose="020B0300000101010101" pitchFamily="50" charset="-127"/>
+                <a:ea typeface="Microsoft GothicNeo Light" panose="020B0300000101010101" pitchFamily="50" charset="-127"/>
+                <a:cs typeface="Microsoft GothicNeo Light" panose="020B0300000101010101" pitchFamily="50" charset="-127"/>
+              </a:endParaRPr>
+            </a:p>
+          </p:txBody>
+        </p:sp>
+        <p:cxnSp>
+          <p:nvCxnSpPr>
+            <p:cNvPr id="110" name="직선 화살표 연결선 109">
+              <a:extLst>
+                <a:ext uri="{FF2B5EF4-FFF2-40B4-BE49-F238E27FC236}">
+                  <a16:creationId xmlns:a16="http://schemas.microsoft.com/office/drawing/2014/main" id="{BCF4B14E-E434-5E9B-95BE-7682D7BC3A4E}"/>
+                </a:ext>
+              </a:extLst>
+            </p:cNvPr>
+            <p:cNvCxnSpPr>
+              <a:cxnSpLocks/>
+              <a:stCxn id="106" idx="2"/>
+              <a:endCxn id="109" idx="0"/>
+            </p:cNvCxnSpPr>
+            <p:nvPr/>
+          </p:nvCxnSpPr>
+          <p:spPr>
+            <a:xfrm>
+              <a:off x="10628929" y="2363608"/>
+              <a:ext cx="0" cy="932084"/>
+            </a:xfrm>
+            <a:prstGeom prst="straightConnector1">
+              <a:avLst/>
+            </a:prstGeom>
+            <a:ln>
+              <a:tailEnd type="triangle"/>
+            </a:ln>
+          </p:spPr>
+          <p:style>
+            <a:lnRef idx="1">
+              <a:schemeClr val="dk1"/>
+            </a:lnRef>
+            <a:fillRef idx="0">
+              <a:schemeClr val="dk1"/>
+            </a:fillRef>
+            <a:effectRef idx="0">
+              <a:schemeClr val="dk1"/>
+            </a:effectRef>
+            <a:fontRef idx="minor">
+              <a:schemeClr val="tx1"/>
+            </a:fontRef>
+          </p:style>
+        </p:cxnSp>
+        <p:sp>
+          <p:nvSpPr>
+            <p:cNvPr id="113" name="TextBox 112">
+              <a:extLst>
+                <a:ext uri="{FF2B5EF4-FFF2-40B4-BE49-F238E27FC236}">
+                  <a16:creationId xmlns:a16="http://schemas.microsoft.com/office/drawing/2014/main" id="{D57F72A7-E102-DBAA-465F-2FAAD6961B12}"/>
+                </a:ext>
+              </a:extLst>
+            </p:cNvPr>
+            <p:cNvSpPr txBox="1"/>
+            <p:nvPr/>
+          </p:nvSpPr>
+          <p:spPr>
+            <a:xfrm>
+              <a:off x="10624121" y="2308888"/>
+              <a:ext cx="394660" cy="230832"/>
+            </a:xfrm>
+            <a:prstGeom prst="rect">
+              <a:avLst/>
+            </a:prstGeom>
+            <a:noFill/>
+          </p:spPr>
+          <p:txBody>
+            <a:bodyPr wrap="none" rtlCol="0">
+              <a:spAutoFit/>
+            </a:bodyPr>
+            <a:lstStyle/>
+            <a:p>
+              <a:r>
+                <a:rPr lang="en-US" altLang="ko-KR" sz="900" dirty="0">
+                  <a:latin typeface="Microsoft GothicNeo Light" panose="020B0300000101010101" pitchFamily="50" charset="-127"/>
+                  <a:ea typeface="Microsoft GothicNeo Light" panose="020B0300000101010101" pitchFamily="50" charset="-127"/>
+                  <a:cs typeface="Microsoft GothicNeo Light" panose="020B0300000101010101" pitchFamily="50" charset="-127"/>
+                </a:rPr>
+                <a:t>true</a:t>
+              </a:r>
+              <a:endParaRPr lang="ko-KR" altLang="en-US" sz="900" dirty="0">
+                <a:latin typeface="Microsoft GothicNeo Light" panose="020B0300000101010101" pitchFamily="50" charset="-127"/>
+                <a:ea typeface="Microsoft GothicNeo Light" panose="020B0300000101010101" pitchFamily="50" charset="-127"/>
+                <a:cs typeface="Microsoft GothicNeo Light" panose="020B0300000101010101" pitchFamily="50" charset="-127"/>
+              </a:endParaRPr>
+            </a:p>
+          </p:txBody>
+        </p:sp>
+        <p:cxnSp>
+          <p:nvCxnSpPr>
+            <p:cNvPr id="120" name="연결선: 꺾임 119">
+              <a:extLst>
+                <a:ext uri="{FF2B5EF4-FFF2-40B4-BE49-F238E27FC236}">
+                  <a16:creationId xmlns:a16="http://schemas.microsoft.com/office/drawing/2014/main" id="{8032CD4B-5806-A8F9-C4C9-C5657FA44BEA}"/>
+                </a:ext>
+              </a:extLst>
+            </p:cNvPr>
+            <p:cNvCxnSpPr>
+              <a:cxnSpLocks/>
+            </p:cNvCxnSpPr>
+            <p:nvPr/>
+          </p:nvCxnSpPr>
+          <p:spPr>
+            <a:xfrm rot="5400000">
+              <a:off x="9164509" y="3555911"/>
+              <a:ext cx="4327305" cy="1241402"/>
+            </a:xfrm>
+            <a:prstGeom prst="bentConnector3">
+              <a:avLst>
+                <a:gd name="adj1" fmla="val 99834"/>
+              </a:avLst>
+            </a:prstGeom>
+            <a:ln>
+              <a:tailEnd type="triangle"/>
+            </a:ln>
+          </p:spPr>
+          <p:style>
+            <a:lnRef idx="1">
+              <a:schemeClr val="dk1"/>
+            </a:lnRef>
+            <a:fillRef idx="0">
+              <a:schemeClr val="dk1"/>
+            </a:fillRef>
+            <a:effectRef idx="0">
+              <a:schemeClr val="dk1"/>
+            </a:effectRef>
+            <a:fontRef idx="minor">
+              <a:schemeClr val="tx1"/>
+            </a:fontRef>
+          </p:style>
+        </p:cxnSp>
+        <p:sp>
+          <p:nvSpPr>
+            <p:cNvPr id="124" name="TextBox 123">
+              <a:extLst>
+                <a:ext uri="{FF2B5EF4-FFF2-40B4-BE49-F238E27FC236}">
+                  <a16:creationId xmlns:a16="http://schemas.microsoft.com/office/drawing/2014/main" id="{3704A1A9-B63C-4F8D-7B86-DE389B0E7779}"/>
+                </a:ext>
+              </a:extLst>
+            </p:cNvPr>
+            <p:cNvSpPr txBox="1"/>
+            <p:nvPr/>
+          </p:nvSpPr>
+          <p:spPr>
+            <a:xfrm>
+              <a:off x="11677874" y="1755342"/>
+              <a:ext cx="420308" cy="230832"/>
+            </a:xfrm>
+            <a:prstGeom prst="rect">
+              <a:avLst/>
+            </a:prstGeom>
+            <a:noFill/>
+          </p:spPr>
+          <p:txBody>
+            <a:bodyPr wrap="square" rtlCol="0">
+              <a:spAutoFit/>
+            </a:bodyPr>
+            <a:lstStyle/>
+            <a:p>
+              <a:r>
+                <a:rPr lang="en-US" altLang="ko-KR" sz="900" dirty="0">
+                  <a:latin typeface="Microsoft GothicNeo Light" panose="020B0300000101010101" pitchFamily="50" charset="-127"/>
+                  <a:ea typeface="Microsoft GothicNeo Light" panose="020B0300000101010101" pitchFamily="50" charset="-127"/>
+                  <a:cs typeface="Microsoft GothicNeo Light" panose="020B0300000101010101" pitchFamily="50" charset="-127"/>
+                </a:rPr>
+                <a:t>false</a:t>
+              </a:r>
+              <a:endParaRPr lang="ko-KR" altLang="en-US" sz="900" dirty="0">
+                <a:latin typeface="Microsoft GothicNeo Light" panose="020B0300000101010101" pitchFamily="50" charset="-127"/>
+                <a:ea typeface="Microsoft GothicNeo Light" panose="020B0300000101010101" pitchFamily="50" charset="-127"/>
+                <a:cs typeface="Microsoft GothicNeo Light" panose="020B0300000101010101" pitchFamily="50" charset="-127"/>
+              </a:endParaRPr>
+            </a:p>
+          </p:txBody>
+        </p:sp>
+        <p:cxnSp>
+          <p:nvCxnSpPr>
+            <p:cNvPr id="126" name="연결선: 꺾임 125">
+              <a:extLst>
+                <a:ext uri="{FF2B5EF4-FFF2-40B4-BE49-F238E27FC236}">
+                  <a16:creationId xmlns:a16="http://schemas.microsoft.com/office/drawing/2014/main" id="{421E8C27-EBC7-CA21-0944-82045D0727A3}"/>
+                </a:ext>
+              </a:extLst>
+            </p:cNvPr>
+            <p:cNvCxnSpPr>
+              <a:cxnSpLocks/>
+              <a:stCxn id="105" idx="2"/>
+            </p:cNvCxnSpPr>
+            <p:nvPr/>
+          </p:nvCxnSpPr>
+          <p:spPr>
+            <a:xfrm rot="5400000" flipH="1">
+              <a:off x="2301627" y="613380"/>
+              <a:ext cx="4695778" cy="6371544"/>
+            </a:xfrm>
+            <a:prstGeom prst="bentConnector4">
+              <a:avLst>
+                <a:gd name="adj1" fmla="val -4868"/>
+                <a:gd name="adj2" fmla="val 121702"/>
+              </a:avLst>
+            </a:prstGeom>
+            <a:ln>
+              <a:tailEnd type="triangle"/>
+            </a:ln>
+          </p:spPr>
+          <p:style>
+            <a:lnRef idx="1">
+              <a:schemeClr val="dk1"/>
+            </a:lnRef>
+            <a:fillRef idx="0">
+              <a:schemeClr val="dk1"/>
+            </a:fillRef>
+            <a:effectRef idx="0">
+              <a:schemeClr val="dk1"/>
+            </a:effectRef>
+            <a:fontRef idx="minor">
+              <a:schemeClr val="tx1"/>
+            </a:fontRef>
+          </p:style>
+        </p:cxnSp>
+        <p:sp>
+          <p:nvSpPr>
+            <p:cNvPr id="132" name="순서도: 대체 처리 131">
+              <a:extLst>
+                <a:ext uri="{FF2B5EF4-FFF2-40B4-BE49-F238E27FC236}">
+                  <a16:creationId xmlns:a16="http://schemas.microsoft.com/office/drawing/2014/main" id="{A78E9FB8-5BF2-5F18-2755-7ACAAA002E37}"/>
+                </a:ext>
+              </a:extLst>
+            </p:cNvPr>
+            <p:cNvSpPr/>
+            <p:nvPr/>
+          </p:nvSpPr>
+          <p:spPr>
+            <a:xfrm>
+              <a:off x="7084424" y="4948024"/>
+              <a:ext cx="1509960" cy="368058"/>
+            </a:xfrm>
+            <a:prstGeom prst="flowChartAlternateProcess">
+              <a:avLst/>
+            </a:prstGeom>
+          </p:spPr>
+          <p:style>
+            <a:lnRef idx="2">
+              <a:schemeClr val="dk1"/>
+            </a:lnRef>
+            <a:fillRef idx="1">
+              <a:schemeClr val="lt1"/>
+            </a:fillRef>
+            <a:effectRef idx="0">
+              <a:schemeClr val="dk1"/>
+            </a:effectRef>
+            <a:fontRef idx="minor">
+              <a:schemeClr val="dk1"/>
+            </a:fontRef>
+          </p:style>
+          <p:txBody>
+            <a:bodyPr rtlCol="0" anchor="ctr"/>
+            <a:lstStyle/>
+            <a:p>
+              <a:pPr algn="ctr"/>
+              <a:r>
+                <a:rPr lang="ko-KR" altLang="en-US" sz="1000" dirty="0">
+                  <a:latin typeface="Microsoft GothicNeo Light" panose="020B0300000101010101" pitchFamily="50" charset="-127"/>
+                  <a:ea typeface="Microsoft GothicNeo Light" panose="020B0300000101010101" pitchFamily="50" charset="-127"/>
+                  <a:cs typeface="Microsoft GothicNeo Light" panose="020B0300000101010101" pitchFamily="50" charset="-127"/>
+                </a:rPr>
+                <a:t>공격</a:t>
+              </a:r>
+              <a:endParaRPr lang="en-US" altLang="ko-KR" sz="1000" dirty="0">
+                <a:latin typeface="Microsoft GothicNeo Light" panose="020B0300000101010101" pitchFamily="50" charset="-127"/>
+                <a:ea typeface="Microsoft GothicNeo Light" panose="020B0300000101010101" pitchFamily="50" charset="-127"/>
+                <a:cs typeface="Microsoft GothicNeo Light" panose="020B0300000101010101" pitchFamily="50" charset="-127"/>
+              </a:endParaRPr>
+            </a:p>
+          </p:txBody>
+        </p:sp>
+        <p:cxnSp>
+          <p:nvCxnSpPr>
+            <p:cNvPr id="133" name="직선 화살표 연결선 132">
+              <a:extLst>
+                <a:ext uri="{FF2B5EF4-FFF2-40B4-BE49-F238E27FC236}">
+                  <a16:creationId xmlns:a16="http://schemas.microsoft.com/office/drawing/2014/main" id="{B64F40B6-BAA5-2E75-6833-689304506E8A}"/>
+                </a:ext>
+              </a:extLst>
+            </p:cNvPr>
+            <p:cNvCxnSpPr>
+              <a:cxnSpLocks/>
+              <a:stCxn id="75" idx="2"/>
+              <a:endCxn id="132" idx="0"/>
+            </p:cNvCxnSpPr>
+            <p:nvPr/>
+          </p:nvCxnSpPr>
+          <p:spPr>
+            <a:xfrm>
+              <a:off x="7835288" y="4693725"/>
+              <a:ext cx="4116" cy="254299"/>
+            </a:xfrm>
+            <a:prstGeom prst="straightConnector1">
+              <a:avLst/>
+            </a:prstGeom>
+            <a:ln>
+              <a:tailEnd type="triangle"/>
+            </a:ln>
+          </p:spPr>
+          <p:style>
+            <a:lnRef idx="1">
+              <a:schemeClr val="dk1"/>
+            </a:lnRef>
+            <a:fillRef idx="0">
+              <a:schemeClr val="dk1"/>
+            </a:fillRef>
+            <a:effectRef idx="0">
+              <a:schemeClr val="dk1"/>
+            </a:effectRef>
+            <a:fontRef idx="minor">
+              <a:schemeClr val="tx1"/>
+            </a:fontRef>
+          </p:style>
+        </p:cxnSp>
+        <p:sp>
+          <p:nvSpPr>
+            <p:cNvPr id="136" name="TextBox 135">
+              <a:extLst>
+                <a:ext uri="{FF2B5EF4-FFF2-40B4-BE49-F238E27FC236}">
+                  <a16:creationId xmlns:a16="http://schemas.microsoft.com/office/drawing/2014/main" id="{542FA360-F824-67F7-8CD0-A245A02B66FD}"/>
+                </a:ext>
+              </a:extLst>
+            </p:cNvPr>
+            <p:cNvSpPr txBox="1"/>
+            <p:nvPr/>
+          </p:nvSpPr>
+          <p:spPr>
+            <a:xfrm>
+              <a:off x="7820334" y="4693725"/>
+              <a:ext cx="394660" cy="230832"/>
+            </a:xfrm>
+            <a:prstGeom prst="rect">
+              <a:avLst/>
+            </a:prstGeom>
+            <a:noFill/>
+          </p:spPr>
+          <p:txBody>
+            <a:bodyPr wrap="none" rtlCol="0">
+              <a:spAutoFit/>
+            </a:bodyPr>
+            <a:lstStyle/>
+            <a:p>
+              <a:r>
+                <a:rPr lang="en-US" altLang="ko-KR" sz="900" dirty="0">
+                  <a:latin typeface="Microsoft GothicNeo Light" panose="020B0300000101010101" pitchFamily="50" charset="-127"/>
+                  <a:ea typeface="Microsoft GothicNeo Light" panose="020B0300000101010101" pitchFamily="50" charset="-127"/>
+                  <a:cs typeface="Microsoft GothicNeo Light" panose="020B0300000101010101" pitchFamily="50" charset="-127"/>
+                </a:rPr>
+                <a:t>true</a:t>
+              </a:r>
+              <a:endParaRPr lang="ko-KR" altLang="en-US" sz="900" dirty="0">
+                <a:latin typeface="Microsoft GothicNeo Light" panose="020B0300000101010101" pitchFamily="50" charset="-127"/>
+                <a:ea typeface="Microsoft GothicNeo Light" panose="020B0300000101010101" pitchFamily="50" charset="-127"/>
+                <a:cs typeface="Microsoft GothicNeo Light" panose="020B0300000101010101" pitchFamily="50" charset="-127"/>
+              </a:endParaRPr>
+            </a:p>
+          </p:txBody>
+        </p:sp>
+        <p:cxnSp>
+          <p:nvCxnSpPr>
+            <p:cNvPr id="138" name="직선 화살표 연결선 137">
+              <a:extLst>
+                <a:ext uri="{FF2B5EF4-FFF2-40B4-BE49-F238E27FC236}">
+                  <a16:creationId xmlns:a16="http://schemas.microsoft.com/office/drawing/2014/main" id="{4C9F5E23-AD7C-2D75-3A4C-B8F6577E30ED}"/>
+                </a:ext>
+              </a:extLst>
+            </p:cNvPr>
+            <p:cNvCxnSpPr>
+              <a:cxnSpLocks/>
+              <a:stCxn id="132" idx="2"/>
+              <a:endCxn id="105" idx="0"/>
+            </p:cNvCxnSpPr>
+            <p:nvPr/>
+          </p:nvCxnSpPr>
+          <p:spPr>
+            <a:xfrm flipH="1">
+              <a:off x="7835288" y="5316082"/>
+              <a:ext cx="4116" cy="264473"/>
+            </a:xfrm>
+            <a:prstGeom prst="straightConnector1">
+              <a:avLst/>
+            </a:prstGeom>
+            <a:ln>
+              <a:tailEnd type="triangle"/>
+            </a:ln>
+          </p:spPr>
+          <p:style>
+            <a:lnRef idx="1">
+              <a:schemeClr val="dk1"/>
+            </a:lnRef>
+            <a:fillRef idx="0">
+              <a:schemeClr val="dk1"/>
+            </a:fillRef>
+            <a:effectRef idx="0">
+              <a:schemeClr val="dk1"/>
+            </a:effectRef>
+            <a:fontRef idx="minor">
+              <a:schemeClr val="tx1"/>
+            </a:fontRef>
+          </p:style>
+        </p:cxnSp>
+        <p:cxnSp>
+          <p:nvCxnSpPr>
+            <p:cNvPr id="144" name="연결선: 꺾임 143">
+              <a:extLst>
+                <a:ext uri="{FF2B5EF4-FFF2-40B4-BE49-F238E27FC236}">
+                  <a16:creationId xmlns:a16="http://schemas.microsoft.com/office/drawing/2014/main" id="{8D5D6110-F701-A138-33EB-2705CDFADB39}"/>
+                </a:ext>
+              </a:extLst>
+            </p:cNvPr>
+            <p:cNvCxnSpPr>
+              <a:cxnSpLocks/>
+              <a:stCxn id="84" idx="2"/>
+            </p:cNvCxnSpPr>
+            <p:nvPr/>
+          </p:nvCxnSpPr>
+          <p:spPr>
+            <a:xfrm rot="5400000">
+              <a:off x="7827601" y="4496609"/>
+              <a:ext cx="1816023" cy="1896959"/>
+            </a:xfrm>
+            <a:prstGeom prst="bentConnector2">
+              <a:avLst/>
+            </a:prstGeom>
+            <a:ln>
+              <a:tailEnd type="triangle"/>
+            </a:ln>
+          </p:spPr>
+          <p:style>
+            <a:lnRef idx="1">
+              <a:schemeClr val="dk1"/>
+            </a:lnRef>
+            <a:fillRef idx="0">
+              <a:schemeClr val="dk1"/>
+            </a:fillRef>
+            <a:effectRef idx="0">
+              <a:schemeClr val="dk1"/>
+            </a:effectRef>
+            <a:fontRef idx="minor">
+              <a:schemeClr val="tx1"/>
+            </a:fontRef>
+          </p:style>
+        </p:cxnSp>
+        <p:cxnSp>
+          <p:nvCxnSpPr>
+            <p:cNvPr id="36" name="직선 화살표 연결선 35">
+              <a:extLst>
+                <a:ext uri="{FF2B5EF4-FFF2-40B4-BE49-F238E27FC236}">
+                  <a16:creationId xmlns:a16="http://schemas.microsoft.com/office/drawing/2014/main" id="{2AF9D949-8FA1-7343-27AB-45BEA5009A36}"/>
+                </a:ext>
+              </a:extLst>
+            </p:cNvPr>
+            <p:cNvCxnSpPr>
+              <a:cxnSpLocks/>
+              <a:stCxn id="9" idx="3"/>
+              <a:endCxn id="106" idx="1"/>
+            </p:cNvCxnSpPr>
+            <p:nvPr/>
+          </p:nvCxnSpPr>
+          <p:spPr>
+            <a:xfrm flipV="1">
+              <a:off x="9152261" y="2020708"/>
+              <a:ext cx="159695" cy="4838"/>
+            </a:xfrm>
+            <a:prstGeom prst="straightConnector1">
+              <a:avLst/>
+            </a:prstGeom>
+            <a:ln>
+              <a:tailEnd type="triangle"/>
+            </a:ln>
+          </p:spPr>
+          <p:style>
+            <a:lnRef idx="1">
+              <a:schemeClr val="dk1"/>
+            </a:lnRef>
+            <a:fillRef idx="0">
+              <a:schemeClr val="dk1"/>
+            </a:fillRef>
+            <a:effectRef idx="0">
+              <a:schemeClr val="dk1"/>
+            </a:effectRef>
+            <a:fontRef idx="minor">
+              <a:schemeClr val="tx1"/>
+            </a:fontRef>
+          </p:style>
+        </p:cxnSp>
+        <p:cxnSp>
+          <p:nvCxnSpPr>
+            <p:cNvPr id="47" name="연결선: 꺾임 46">
+              <a:extLst>
+                <a:ext uri="{FF2B5EF4-FFF2-40B4-BE49-F238E27FC236}">
+                  <a16:creationId xmlns:a16="http://schemas.microsoft.com/office/drawing/2014/main" id="{80EBB5D7-031E-DFB5-2E9A-A850A884DC65}"/>
+                </a:ext>
+              </a:extLst>
+            </p:cNvPr>
+            <p:cNvCxnSpPr>
+              <a:cxnSpLocks/>
+              <a:stCxn id="109" idx="2"/>
+            </p:cNvCxnSpPr>
+            <p:nvPr/>
+          </p:nvCxnSpPr>
+          <p:spPr>
+            <a:xfrm rot="5400000">
+              <a:off x="8853111" y="4577284"/>
+              <a:ext cx="2689352" cy="862284"/>
+            </a:xfrm>
+            <a:prstGeom prst="bentConnector3">
+              <a:avLst>
+                <a:gd name="adj1" fmla="val 99584"/>
+              </a:avLst>
+            </a:prstGeom>
+            <a:ln>
+              <a:tailEnd type="triangle"/>
+            </a:ln>
+          </p:spPr>
+          <p:style>
+            <a:lnRef idx="1">
+              <a:schemeClr val="dk1"/>
+            </a:lnRef>
+            <a:fillRef idx="0">
+              <a:schemeClr val="dk1"/>
+            </a:fillRef>
+            <a:effectRef idx="0">
+              <a:schemeClr val="dk1"/>
+            </a:effectRef>
+            <a:fontRef idx="minor">
+              <a:schemeClr val="tx1"/>
+            </a:fontRef>
+          </p:style>
+        </p:cxnSp>
+      </p:grpSp>
     </p:spTree>
     <p:extLst>
       <p:ext uri="{BB962C8B-B14F-4D97-AF65-F5344CB8AC3E}">

--- a/Document/Source/보스 콘텐츠 시스템 UI.pptx
+++ b/Document/Source/보스 콘텐츠 시스템 UI.pptx
@@ -3554,12 +3554,36 @@
             <a:p>
               <a:pPr algn="ctr"/>
               <a:r>
+                <a:rPr lang="en-US" altLang="ko-KR" sz="1000" dirty="0">
+                  <a:latin typeface="Microsoft GothicNeo Light" panose="020B0300000101010101" pitchFamily="50" charset="-127"/>
+                  <a:ea typeface="Microsoft GothicNeo Light" panose="020B0300000101010101" pitchFamily="50" charset="-127"/>
+                  <a:cs typeface="Microsoft GothicNeo Light" panose="020B0300000101010101" pitchFamily="50" charset="-127"/>
+                </a:rPr>
+                <a:t>1</a:t>
+              </a:r>
+              <a:r>
                 <a:rPr lang="ko-KR" altLang="en-US" sz="1000" dirty="0">
                   <a:latin typeface="Microsoft GothicNeo Light" panose="020B0300000101010101" pitchFamily="50" charset="-127"/>
                   <a:ea typeface="Microsoft GothicNeo Light" panose="020B0300000101010101" pitchFamily="50" charset="-127"/>
                   <a:cs typeface="Microsoft GothicNeo Light" panose="020B0300000101010101" pitchFamily="50" charset="-127"/>
                 </a:rPr>
-                <a:t>진입</a:t>
+                <a:t>차 </a:t>
+              </a:r>
+              <a:r>
+                <a:rPr lang="ko-KR" altLang="en-US" sz="1000" dirty="0" err="1">
+                  <a:latin typeface="Microsoft GothicNeo Light" panose="020B0300000101010101" pitchFamily="50" charset="-127"/>
+                  <a:ea typeface="Microsoft GothicNeo Light" panose="020B0300000101010101" pitchFamily="50" charset="-127"/>
+                  <a:cs typeface="Microsoft GothicNeo Light" panose="020B0300000101010101" pitchFamily="50" charset="-127"/>
+                </a:rPr>
+                <a:t>전멸기</a:t>
+              </a:r>
+              <a:r>
+                <a:rPr lang="ko-KR" altLang="en-US" sz="1000" dirty="0">
+                  <a:latin typeface="Microsoft GothicNeo Light" panose="020B0300000101010101" pitchFamily="50" charset="-127"/>
+                  <a:ea typeface="Microsoft GothicNeo Light" panose="020B0300000101010101" pitchFamily="50" charset="-127"/>
+                  <a:cs typeface="Microsoft GothicNeo Light" panose="020B0300000101010101" pitchFamily="50" charset="-127"/>
+                </a:rPr>
+                <a:t> 공격 시작</a:t>
               </a:r>
             </a:p>
           </p:txBody>
@@ -3605,12 +3629,36 @@
             <a:p>
               <a:pPr algn="ctr"/>
               <a:r>
+                <a:rPr lang="en-US" altLang="ko-KR" sz="1000" dirty="0">
+                  <a:latin typeface="Microsoft GothicNeo Light" panose="020B0300000101010101" pitchFamily="50" charset="-127"/>
+                  <a:ea typeface="Microsoft GothicNeo Light" panose="020B0300000101010101" pitchFamily="50" charset="-127"/>
+                  <a:cs typeface="Microsoft GothicNeo Light" panose="020B0300000101010101" pitchFamily="50" charset="-127"/>
+                </a:rPr>
+                <a:t>1</a:t>
+              </a:r>
+              <a:r>
                 <a:rPr lang="ko-KR" altLang="en-US" sz="1000" dirty="0">
                   <a:latin typeface="Microsoft GothicNeo Light" panose="020B0300000101010101" pitchFamily="50" charset="-127"/>
                   <a:ea typeface="Microsoft GothicNeo Light" panose="020B0300000101010101" pitchFamily="50" charset="-127"/>
                   <a:cs typeface="Microsoft GothicNeo Light" panose="020B0300000101010101" pitchFamily="50" charset="-127"/>
                 </a:rPr>
-                <a:t>종료</a:t>
+                <a:t>차 </a:t>
+              </a:r>
+              <a:r>
+                <a:rPr lang="ko-KR" altLang="en-US" sz="1000" dirty="0" err="1">
+                  <a:latin typeface="Microsoft GothicNeo Light" panose="020B0300000101010101" pitchFamily="50" charset="-127"/>
+                  <a:ea typeface="Microsoft GothicNeo Light" panose="020B0300000101010101" pitchFamily="50" charset="-127"/>
+                  <a:cs typeface="Microsoft GothicNeo Light" panose="020B0300000101010101" pitchFamily="50" charset="-127"/>
+                </a:rPr>
+                <a:t>전멸기</a:t>
+              </a:r>
+              <a:r>
+                <a:rPr lang="ko-KR" altLang="en-US" sz="1000" dirty="0">
+                  <a:latin typeface="Microsoft GothicNeo Light" panose="020B0300000101010101" pitchFamily="50" charset="-127"/>
+                  <a:ea typeface="Microsoft GothicNeo Light" panose="020B0300000101010101" pitchFamily="50" charset="-127"/>
+                  <a:cs typeface="Microsoft GothicNeo Light" panose="020B0300000101010101" pitchFamily="50" charset="-127"/>
+                </a:rPr>
+                <a:t> 공격 종료</a:t>
               </a:r>
             </a:p>
           </p:txBody>
@@ -5397,7 +5445,7 @@
         </p:nvSpPr>
         <p:spPr>
           <a:xfrm>
-            <a:off x="104215" y="82334"/>
+            <a:off x="0" y="-54620"/>
             <a:ext cx="2108269" cy="276999"/>
           </a:xfrm>
           <a:prstGeom prst="rect">
@@ -5456,10 +5504,10 @@
       </p:sp>
       <p:grpSp>
         <p:nvGrpSpPr>
-          <p:cNvPr id="65" name="그룹 64">
+          <p:cNvPr id="37" name="그룹 36">
             <a:extLst>
               <a:ext uri="{FF2B5EF4-FFF2-40B4-BE49-F238E27FC236}">
-                <a16:creationId xmlns:a16="http://schemas.microsoft.com/office/drawing/2014/main" id="{0C4BF43C-73C0-A427-78EE-DED36FA2AE9F}"/>
+                <a16:creationId xmlns:a16="http://schemas.microsoft.com/office/drawing/2014/main" id="{26EC58B9-FB60-1F84-B5E3-3BE0C52729E0}"/>
               </a:ext>
             </a:extLst>
           </p:cNvPr>
@@ -5468,10 +5516,10 @@
         </p:nvGrpSpPr>
         <p:grpSpPr>
           <a:xfrm>
-            <a:off x="1038675" y="853962"/>
-            <a:ext cx="4558480" cy="5120916"/>
-            <a:chOff x="1038675" y="853962"/>
-            <a:chExt cx="4558480" cy="5120916"/>
+            <a:off x="7246145" y="330420"/>
+            <a:ext cx="4558480" cy="5644458"/>
+            <a:chOff x="7246145" y="330420"/>
+            <a:chExt cx="4558480" cy="5644458"/>
           </a:xfrm>
         </p:grpSpPr>
         <p:sp>
@@ -5488,7 +5536,7 @@
           </p:nvSpPr>
           <p:spPr>
             <a:xfrm>
-              <a:off x="1600668" y="853962"/>
+              <a:off x="7808138" y="330420"/>
               <a:ext cx="1509960" cy="336884"/>
             </a:xfrm>
             <a:prstGeom prst="flowChartAlternateProcess">
@@ -5515,12 +5563,36 @@
             <a:p>
               <a:pPr algn="ctr"/>
               <a:r>
+                <a:rPr lang="en-US" altLang="ko-KR" sz="1000" dirty="0">
+                  <a:latin typeface="Microsoft GothicNeo Light" panose="020B0300000101010101" pitchFamily="50" charset="-127"/>
+                  <a:ea typeface="Microsoft GothicNeo Light" panose="020B0300000101010101" pitchFamily="50" charset="-127"/>
+                  <a:cs typeface="Microsoft GothicNeo Light" panose="020B0300000101010101" pitchFamily="50" charset="-127"/>
+                </a:rPr>
+                <a:t>2</a:t>
+              </a:r>
+              <a:r>
                 <a:rPr lang="ko-KR" altLang="en-US" sz="1000" dirty="0">
                   <a:latin typeface="Microsoft GothicNeo Light" panose="020B0300000101010101" pitchFamily="50" charset="-127"/>
                   <a:ea typeface="Microsoft GothicNeo Light" panose="020B0300000101010101" pitchFamily="50" charset="-127"/>
                   <a:cs typeface="Microsoft GothicNeo Light" panose="020B0300000101010101" pitchFamily="50" charset="-127"/>
                 </a:rPr>
-                <a:t>진입</a:t>
+                <a:t>차 </a:t>
+              </a:r>
+              <a:r>
+                <a:rPr lang="ko-KR" altLang="en-US" sz="1000" dirty="0" err="1">
+                  <a:latin typeface="Microsoft GothicNeo Light" panose="020B0300000101010101" pitchFamily="50" charset="-127"/>
+                  <a:ea typeface="Microsoft GothicNeo Light" panose="020B0300000101010101" pitchFamily="50" charset="-127"/>
+                  <a:cs typeface="Microsoft GothicNeo Light" panose="020B0300000101010101" pitchFamily="50" charset="-127"/>
+                </a:rPr>
+                <a:t>전멸기</a:t>
+              </a:r>
+              <a:r>
+                <a:rPr lang="ko-KR" altLang="en-US" sz="1000" dirty="0">
+                  <a:latin typeface="Microsoft GothicNeo Light" panose="020B0300000101010101" pitchFamily="50" charset="-127"/>
+                  <a:ea typeface="Microsoft GothicNeo Light" panose="020B0300000101010101" pitchFamily="50" charset="-127"/>
+                  <a:cs typeface="Microsoft GothicNeo Light" panose="020B0300000101010101" pitchFamily="50" charset="-127"/>
+                </a:rPr>
+                <a:t> 공격 시작</a:t>
               </a:r>
             </a:p>
           </p:txBody>
@@ -5539,7 +5611,7 @@
           </p:nvSpPr>
           <p:spPr>
             <a:xfrm>
-              <a:off x="1600668" y="1577297"/>
+              <a:off x="7808138" y="820248"/>
               <a:ext cx="1509960" cy="336884"/>
             </a:xfrm>
             <a:prstGeom prst="flowChartAlternateProcess">
@@ -5635,7 +5707,7 @@
           </p:nvSpPr>
           <p:spPr>
             <a:xfrm>
-              <a:off x="1038675" y="2151540"/>
+              <a:off x="7246145" y="2151540"/>
               <a:ext cx="2633946" cy="685800"/>
             </a:xfrm>
             <a:prstGeom prst="flowChartDecision">
@@ -5737,14 +5809,14 @@
             <p:cNvCxnSpPr>
               <a:cxnSpLocks/>
               <a:stCxn id="6" idx="2"/>
-              <a:endCxn id="11" idx="0"/>
+              <a:endCxn id="5" idx="0"/>
             </p:cNvCxnSpPr>
             <p:nvPr/>
           </p:nvCxnSpPr>
           <p:spPr>
             <a:xfrm>
-              <a:off x="2355648" y="1914181"/>
-              <a:ext cx="0" cy="237359"/>
+              <a:off x="8563118" y="1157132"/>
+              <a:ext cx="0" cy="119717"/>
             </a:xfrm>
             <a:prstGeom prst="straightConnector1">
               <a:avLst/>
@@ -5782,7 +5854,7 @@
           </p:nvSpPr>
           <p:spPr>
             <a:xfrm>
-              <a:off x="2338477" y="2800329"/>
+              <a:off x="8545947" y="2800329"/>
               <a:ext cx="394660" cy="230832"/>
             </a:xfrm>
             <a:prstGeom prst="rect">
@@ -5830,8 +5902,8 @@
           </p:nvCxnSpPr>
           <p:spPr>
             <a:xfrm>
-              <a:off x="2355648" y="1190846"/>
-              <a:ext cx="0" cy="386451"/>
+              <a:off x="8563118" y="667304"/>
+              <a:ext cx="0" cy="152944"/>
             </a:xfrm>
             <a:prstGeom prst="straightConnector1">
               <a:avLst/>
@@ -5872,7 +5944,7 @@
           </p:nvCxnSpPr>
           <p:spPr>
             <a:xfrm>
-              <a:off x="2355648" y="2837340"/>
+              <a:off x="8563118" y="2837340"/>
               <a:ext cx="0" cy="344615"/>
             </a:xfrm>
             <a:prstGeom prst="straightConnector1">
@@ -5915,7 +5987,7 @@
           </p:nvCxnSpPr>
           <p:spPr>
             <a:xfrm>
-              <a:off x="3672621" y="2494440"/>
+              <a:off x="9880091" y="2494440"/>
               <a:ext cx="1169554" cy="433742"/>
             </a:xfrm>
             <a:prstGeom prst="bentConnector2">
@@ -5954,7 +6026,7 @@
           </p:nvSpPr>
           <p:spPr>
             <a:xfrm>
-              <a:off x="3607690" y="2263608"/>
+              <a:off x="9815160" y="2263608"/>
               <a:ext cx="420308" cy="230832"/>
             </a:xfrm>
             <a:prstGeom prst="rect">
@@ -5998,7 +6070,7 @@
           </p:nvSpPr>
           <p:spPr>
             <a:xfrm>
-              <a:off x="1600668" y="3185793"/>
+              <a:off x="7808138" y="3185793"/>
               <a:ext cx="1509960" cy="336884"/>
             </a:xfrm>
             <a:prstGeom prst="flowChartAlternateProcess">
@@ -6053,7 +6125,7 @@
           </p:nvCxnSpPr>
           <p:spPr>
             <a:xfrm>
-              <a:off x="2355648" y="3522677"/>
+              <a:off x="8563118" y="3522677"/>
               <a:ext cx="0" cy="166910"/>
             </a:xfrm>
             <a:prstGeom prst="straightConnector1">
@@ -6092,7 +6164,7 @@
           </p:nvSpPr>
           <p:spPr>
             <a:xfrm>
-              <a:off x="1600668" y="3689587"/>
+              <a:off x="7808138" y="3689587"/>
               <a:ext cx="1509960" cy="336884"/>
             </a:xfrm>
             <a:prstGeom prst="flowChartAlternateProcess">
@@ -6147,7 +6219,7 @@
           </p:nvCxnSpPr>
           <p:spPr>
             <a:xfrm>
-              <a:off x="2355648" y="4026471"/>
+              <a:off x="8563118" y="4026471"/>
               <a:ext cx="0" cy="142338"/>
             </a:xfrm>
             <a:prstGeom prst="straightConnector1">
@@ -6186,7 +6258,7 @@
           </p:nvSpPr>
           <p:spPr>
             <a:xfrm>
-              <a:off x="1600668" y="4168809"/>
+              <a:off x="7808138" y="4168809"/>
               <a:ext cx="1509960" cy="336884"/>
             </a:xfrm>
             <a:prstGeom prst="flowChartAlternateProcess">
@@ -6241,7 +6313,7 @@
           </p:nvCxnSpPr>
           <p:spPr>
             <a:xfrm>
-              <a:off x="2355648" y="4505693"/>
+              <a:off x="8563118" y="4505693"/>
               <a:ext cx="0" cy="142338"/>
             </a:xfrm>
             <a:prstGeom prst="straightConnector1">
@@ -6280,7 +6352,7 @@
           </p:nvSpPr>
           <p:spPr>
             <a:xfrm>
-              <a:off x="1038675" y="4648031"/>
+              <a:off x="7246145" y="4648031"/>
               <a:ext cx="2633946" cy="685800"/>
             </a:xfrm>
             <a:prstGeom prst="flowChartDecision">
@@ -6349,7 +6421,7 @@
           </p:nvSpPr>
           <p:spPr>
             <a:xfrm>
-              <a:off x="2321306" y="5333368"/>
+              <a:off x="8528776" y="5333368"/>
               <a:ext cx="394660" cy="230832"/>
             </a:xfrm>
             <a:prstGeom prst="rect">
@@ -6397,7 +6469,7 @@
           </p:nvCxnSpPr>
           <p:spPr>
             <a:xfrm>
-              <a:off x="2355648" y="5333831"/>
+              <a:off x="8563118" y="5333831"/>
               <a:ext cx="0" cy="304163"/>
             </a:xfrm>
             <a:prstGeom prst="straightConnector1">
@@ -6436,7 +6508,7 @@
           </p:nvSpPr>
           <p:spPr>
             <a:xfrm>
-              <a:off x="1600668" y="5637994"/>
+              <a:off x="7808138" y="5637994"/>
               <a:ext cx="1509960" cy="336884"/>
             </a:xfrm>
             <a:prstGeom prst="flowChartAlternateProcess">
@@ -6493,14 +6565,14 @@
             <p:cNvCxnSpPr>
               <a:cxnSpLocks/>
               <a:stCxn id="48" idx="1"/>
-              <a:endCxn id="11" idx="1"/>
+              <a:endCxn id="5" idx="1"/>
             </p:cNvCxnSpPr>
             <p:nvPr/>
           </p:nvCxnSpPr>
           <p:spPr>
             <a:xfrm rot="10800000">
-              <a:off x="1038676" y="2494440"/>
-              <a:ext cx="561993" cy="3311996"/>
+              <a:off x="7246146" y="1619750"/>
+              <a:ext cx="561993" cy="4186687"/>
             </a:xfrm>
             <a:prstGeom prst="bentConnector3">
               <a:avLst>
@@ -6540,7 +6612,7 @@
           </p:nvSpPr>
           <p:spPr>
             <a:xfrm>
-              <a:off x="4087195" y="2928182"/>
+              <a:off x="10294665" y="2928182"/>
               <a:ext cx="1509960" cy="336884"/>
             </a:xfrm>
             <a:prstGeom prst="flowChartAlternateProcess">
@@ -6591,7 +6663,7 @@
           </p:nvSpPr>
           <p:spPr>
             <a:xfrm>
-              <a:off x="3607690" y="4760099"/>
+              <a:off x="9815160" y="4760099"/>
               <a:ext cx="420308" cy="230832"/>
             </a:xfrm>
             <a:prstGeom prst="rect">
@@ -6633,21 +6705,296 @@
             <p:cNvCxnSpPr>
               <a:cxnSpLocks/>
               <a:stCxn id="33" idx="3"/>
-              <a:endCxn id="11" idx="1"/>
+              <a:endCxn id="5" idx="1"/>
             </p:cNvCxnSpPr>
             <p:nvPr/>
           </p:nvCxnSpPr>
           <p:spPr>
             <a:xfrm flipH="1" flipV="1">
-              <a:off x="1038675" y="2494440"/>
-              <a:ext cx="2633946" cy="2496491"/>
+              <a:off x="7246145" y="1619749"/>
+              <a:ext cx="2633946" cy="3371182"/>
             </a:xfrm>
             <a:prstGeom prst="bentConnector5">
               <a:avLst>
                 <a:gd name="adj1" fmla="val -8679"/>
-                <a:gd name="adj2" fmla="val -46147"/>
+                <a:gd name="adj2" fmla="val -44547"/>
                 <a:gd name="adj3" fmla="val 108679"/>
               </a:avLst>
+            </a:prstGeom>
+            <a:ln>
+              <a:tailEnd type="triangle"/>
+            </a:ln>
+          </p:spPr>
+          <p:style>
+            <a:lnRef idx="1">
+              <a:schemeClr val="dk1"/>
+            </a:lnRef>
+            <a:fillRef idx="0">
+              <a:schemeClr val="dk1"/>
+            </a:fillRef>
+            <a:effectRef idx="0">
+              <a:schemeClr val="dk1"/>
+            </a:effectRef>
+            <a:fontRef idx="minor">
+              <a:schemeClr val="tx1"/>
+            </a:fontRef>
+          </p:style>
+        </p:cxnSp>
+        <p:sp>
+          <p:nvSpPr>
+            <p:cNvPr id="5" name="순서도: 판단 4">
+              <a:extLst>
+                <a:ext uri="{FF2B5EF4-FFF2-40B4-BE49-F238E27FC236}">
+                  <a16:creationId xmlns:a16="http://schemas.microsoft.com/office/drawing/2014/main" id="{2117AA57-4FA9-747D-5481-1B3BABF10ECC}"/>
+                </a:ext>
+              </a:extLst>
+            </p:cNvPr>
+            <p:cNvSpPr/>
+            <p:nvPr/>
+          </p:nvSpPr>
+          <p:spPr>
+            <a:xfrm>
+              <a:off x="7246145" y="1276849"/>
+              <a:ext cx="2633946" cy="685800"/>
+            </a:xfrm>
+            <a:prstGeom prst="flowChartDecision">
+              <a:avLst/>
+            </a:prstGeom>
+            <a:noFill/>
+            <a:ln w="9525" cap="flat" cmpd="sng" algn="ctr">
+              <a:solidFill>
+                <a:schemeClr val="dk1"/>
+              </a:solidFill>
+              <a:prstDash val="solid"/>
+              <a:round/>
+              <a:headEnd type="none" w="med" len="med"/>
+              <a:tailEnd type="none" w="med" len="med"/>
+            </a:ln>
+          </p:spPr>
+          <p:style>
+            <a:lnRef idx="0">
+              <a:scrgbClr r="0" g="0" b="0"/>
+            </a:lnRef>
+            <a:fillRef idx="0">
+              <a:scrgbClr r="0" g="0" b="0"/>
+            </a:fillRef>
+            <a:effectRef idx="0">
+              <a:scrgbClr r="0" g="0" b="0"/>
+            </a:effectRef>
+            <a:fontRef idx="minor">
+              <a:schemeClr val="dk1"/>
+            </a:fontRef>
+          </p:style>
+          <p:txBody>
+            <a:bodyPr rtlCol="0" anchor="ctr"/>
+            <a:lstStyle/>
+            <a:p>
+              <a:pPr algn="ctr"/>
+              <a:r>
+                <a:rPr lang="ko-KR" altLang="en-US" sz="1000" dirty="0">
+                  <a:latin typeface="Microsoft GothicNeo Light" panose="020B0300000101010101" pitchFamily="50" charset="-127"/>
+                  <a:ea typeface="Microsoft GothicNeo Light" panose="020B0300000101010101" pitchFamily="50" charset="-127"/>
+                  <a:cs typeface="Microsoft GothicNeo Light" panose="020B0300000101010101" pitchFamily="50" charset="-127"/>
+                </a:rPr>
+                <a:t>기둥 잔여시간 </a:t>
+              </a:r>
+              <a:r>
+                <a:rPr lang="en-US" altLang="ko-KR" sz="1000" dirty="0">
+                  <a:latin typeface="Microsoft GothicNeo Light" panose="020B0300000101010101" pitchFamily="50" charset="-127"/>
+                  <a:ea typeface="Microsoft GothicNeo Light" panose="020B0300000101010101" pitchFamily="50" charset="-127"/>
+                  <a:cs typeface="Microsoft GothicNeo Light" panose="020B0300000101010101" pitchFamily="50" charset="-127"/>
+                </a:rPr>
+                <a:t>&gt; 0</a:t>
+              </a:r>
+              <a:endParaRPr lang="ko-KR" altLang="en-US" sz="1000" dirty="0">
+                <a:latin typeface="Microsoft GothicNeo Light" panose="020B0300000101010101" pitchFamily="50" charset="-127"/>
+                <a:ea typeface="Microsoft GothicNeo Light" panose="020B0300000101010101" pitchFamily="50" charset="-127"/>
+                <a:cs typeface="Microsoft GothicNeo Light" panose="020B0300000101010101" pitchFamily="50" charset="-127"/>
+              </a:endParaRPr>
+            </a:p>
+          </p:txBody>
+        </p:sp>
+        <p:cxnSp>
+          <p:nvCxnSpPr>
+            <p:cNvPr id="9" name="직선 화살표 연결선 8">
+              <a:extLst>
+                <a:ext uri="{FF2B5EF4-FFF2-40B4-BE49-F238E27FC236}">
+                  <a16:creationId xmlns:a16="http://schemas.microsoft.com/office/drawing/2014/main" id="{AF69ADEE-3919-BA50-DA02-8D053DCED5B3}"/>
+                </a:ext>
+              </a:extLst>
+            </p:cNvPr>
+            <p:cNvCxnSpPr>
+              <a:cxnSpLocks/>
+              <a:stCxn id="5" idx="2"/>
+              <a:endCxn id="11" idx="0"/>
+            </p:cNvCxnSpPr>
+            <p:nvPr/>
+          </p:nvCxnSpPr>
+          <p:spPr>
+            <a:xfrm>
+              <a:off x="8563118" y="1962649"/>
+              <a:ext cx="0" cy="188891"/>
+            </a:xfrm>
+            <a:prstGeom prst="straightConnector1">
+              <a:avLst/>
+            </a:prstGeom>
+            <a:ln>
+              <a:tailEnd type="triangle"/>
+            </a:ln>
+          </p:spPr>
+          <p:style>
+            <a:lnRef idx="1">
+              <a:schemeClr val="dk1"/>
+            </a:lnRef>
+            <a:fillRef idx="0">
+              <a:schemeClr val="dk1"/>
+            </a:fillRef>
+            <a:effectRef idx="0">
+              <a:schemeClr val="dk1"/>
+            </a:effectRef>
+            <a:fontRef idx="minor">
+              <a:schemeClr val="tx1"/>
+            </a:fontRef>
+          </p:style>
+        </p:cxnSp>
+        <p:sp>
+          <p:nvSpPr>
+            <p:cNvPr id="20" name="순서도: 대체 처리 19">
+              <a:extLst>
+                <a:ext uri="{FF2B5EF4-FFF2-40B4-BE49-F238E27FC236}">
+                  <a16:creationId xmlns:a16="http://schemas.microsoft.com/office/drawing/2014/main" id="{BE794C93-4123-389D-0471-F4AA1DEF7605}"/>
+                </a:ext>
+              </a:extLst>
+            </p:cNvPr>
+            <p:cNvSpPr/>
+            <p:nvPr/>
+          </p:nvSpPr>
+          <p:spPr>
+            <a:xfrm>
+              <a:off x="10294665" y="1451307"/>
+              <a:ext cx="1509960" cy="336884"/>
+            </a:xfrm>
+            <a:prstGeom prst="flowChartAlternateProcess">
+              <a:avLst/>
+            </a:prstGeom>
+          </p:spPr>
+          <p:style>
+            <a:lnRef idx="2">
+              <a:schemeClr val="dk1"/>
+            </a:lnRef>
+            <a:fillRef idx="1">
+              <a:schemeClr val="lt1"/>
+            </a:fillRef>
+            <a:effectRef idx="0">
+              <a:schemeClr val="dk1"/>
+            </a:effectRef>
+            <a:fontRef idx="minor">
+              <a:schemeClr val="dk1"/>
+            </a:fontRef>
+          </p:style>
+          <p:txBody>
+            <a:bodyPr rtlCol="0" anchor="ctr"/>
+            <a:lstStyle/>
+            <a:p>
+              <a:pPr algn="ctr"/>
+              <a:r>
+                <a:rPr lang="ko-KR" altLang="en-US" sz="1000" dirty="0">
+                  <a:latin typeface="Microsoft GothicNeo Light" panose="020B0300000101010101" pitchFamily="50" charset="-127"/>
+                  <a:ea typeface="Microsoft GothicNeo Light" panose="020B0300000101010101" pitchFamily="50" charset="-127"/>
+                  <a:cs typeface="Microsoft GothicNeo Light" panose="020B0300000101010101" pitchFamily="50" charset="-127"/>
+                </a:rPr>
+                <a:t>보스 </a:t>
+              </a:r>
+              <a:r>
+                <a:rPr lang="ko-KR" altLang="en-US" sz="1000" dirty="0" err="1">
+                  <a:latin typeface="Microsoft GothicNeo Light" panose="020B0300000101010101" pitchFamily="50" charset="-127"/>
+                  <a:ea typeface="Microsoft GothicNeo Light" panose="020B0300000101010101" pitchFamily="50" charset="-127"/>
+                  <a:cs typeface="Microsoft GothicNeo Light" panose="020B0300000101010101" pitchFamily="50" charset="-127"/>
+                </a:rPr>
+                <a:t>전멸기</a:t>
+              </a:r>
+              <a:r>
+                <a:rPr lang="ko-KR" altLang="en-US" sz="1000" dirty="0">
+                  <a:latin typeface="Microsoft GothicNeo Light" panose="020B0300000101010101" pitchFamily="50" charset="-127"/>
+                  <a:ea typeface="Microsoft GothicNeo Light" panose="020B0300000101010101" pitchFamily="50" charset="-127"/>
+                  <a:cs typeface="Microsoft GothicNeo Light" panose="020B0300000101010101" pitchFamily="50" charset="-127"/>
+                </a:rPr>
+                <a:t> 공격</a:t>
+              </a:r>
+              <a:endParaRPr lang="en-US" altLang="ko-KR" sz="1000" dirty="0">
+                <a:latin typeface="Microsoft GothicNeo Light" panose="020B0300000101010101" pitchFamily="50" charset="-127"/>
+                <a:ea typeface="Microsoft GothicNeo Light" panose="020B0300000101010101" pitchFamily="50" charset="-127"/>
+                <a:cs typeface="Microsoft GothicNeo Light" panose="020B0300000101010101" pitchFamily="50" charset="-127"/>
+              </a:endParaRPr>
+            </a:p>
+          </p:txBody>
+        </p:sp>
+        <p:cxnSp>
+          <p:nvCxnSpPr>
+            <p:cNvPr id="22" name="직선 화살표 연결선 21">
+              <a:extLst>
+                <a:ext uri="{FF2B5EF4-FFF2-40B4-BE49-F238E27FC236}">
+                  <a16:creationId xmlns:a16="http://schemas.microsoft.com/office/drawing/2014/main" id="{B801D87F-BD88-4807-D403-749C699C14F4}"/>
+                </a:ext>
+              </a:extLst>
+            </p:cNvPr>
+            <p:cNvCxnSpPr>
+              <a:cxnSpLocks/>
+              <a:stCxn id="5" idx="3"/>
+              <a:endCxn id="20" idx="1"/>
+            </p:cNvCxnSpPr>
+            <p:nvPr/>
+          </p:nvCxnSpPr>
+          <p:spPr>
+            <a:xfrm>
+              <a:off x="9880091" y="1619749"/>
+              <a:ext cx="414574" cy="0"/>
+            </a:xfrm>
+            <a:prstGeom prst="straightConnector1">
+              <a:avLst/>
+            </a:prstGeom>
+            <a:ln>
+              <a:tailEnd type="triangle"/>
+            </a:ln>
+          </p:spPr>
+          <p:style>
+            <a:lnRef idx="1">
+              <a:schemeClr val="dk1"/>
+            </a:lnRef>
+            <a:fillRef idx="0">
+              <a:schemeClr val="dk1"/>
+            </a:fillRef>
+            <a:effectRef idx="0">
+              <a:schemeClr val="dk1"/>
+            </a:effectRef>
+            <a:fontRef idx="minor">
+              <a:schemeClr val="tx1"/>
+            </a:fontRef>
+          </p:style>
+        </p:cxnSp>
+        <p:cxnSp>
+          <p:nvCxnSpPr>
+            <p:cNvPr id="34" name="직선 화살표 연결선 33">
+              <a:extLst>
+                <a:ext uri="{FF2B5EF4-FFF2-40B4-BE49-F238E27FC236}">
+                  <a16:creationId xmlns:a16="http://schemas.microsoft.com/office/drawing/2014/main" id="{E9B2D4B5-4363-AC90-4102-1BA72B1BD8DB}"/>
+                </a:ext>
+              </a:extLst>
+            </p:cNvPr>
+            <p:cNvCxnSpPr>
+              <a:cxnSpLocks/>
+              <a:stCxn id="20" idx="2"/>
+              <a:endCxn id="54" idx="0"/>
+            </p:cNvCxnSpPr>
+            <p:nvPr/>
+          </p:nvCxnSpPr>
+          <p:spPr>
+            <a:xfrm>
+              <a:off x="11049645" y="1788191"/>
+              <a:ext cx="0" cy="1139991"/>
+            </a:xfrm>
+            <a:prstGeom prst="straightConnector1">
+              <a:avLst/>
             </a:prstGeom>
             <a:ln>
               <a:tailEnd type="triangle"/>
@@ -21040,7 +21387,7 @@
         <p:spPr>
           <a:xfrm>
             <a:off x="1821652" y="931041"/>
-            <a:ext cx="1997663" cy="276999"/>
+            <a:ext cx="2319866" cy="276999"/>
           </a:xfrm>
           <a:prstGeom prst="rect">
             <a:avLst/>
@@ -21059,7 +21406,7 @@
                 <a:ea typeface="Microsoft GothicNeo Light" panose="020B0300000101010101" pitchFamily="50" charset="-127"/>
                 <a:cs typeface="Microsoft GothicNeo Light" panose="020B0300000101010101" pitchFamily="50" charset="-127"/>
               </a:rPr>
-              <a:t>일반 몬스터 인공지능 플로우</a:t>
+              <a:t>일반 몬스터 공격 인공지능 플로우</a:t>
             </a:r>
           </a:p>
         </p:txBody>
@@ -22317,13 +22664,50 @@
           <a:p>
             <a:pPr algn="ctr"/>
             <a:r>
+              <a:rPr lang="en-US" altLang="ko-KR" sz="1000" dirty="0">
+                <a:latin typeface="Microsoft GothicNeo Light" panose="020B0300000101010101" pitchFamily="50" charset="-127"/>
+                <a:ea typeface="Microsoft GothicNeo Light" panose="020B0300000101010101" pitchFamily="50" charset="-127"/>
+                <a:cs typeface="Microsoft GothicNeo Light" panose="020B0300000101010101" pitchFamily="50" charset="-127"/>
+              </a:rPr>
+              <a:t>state</a:t>
+            </a:r>
+            <a:r>
               <a:rPr lang="ko-KR" altLang="en-US" sz="1000" dirty="0">
                 <a:latin typeface="Microsoft GothicNeo Light" panose="020B0300000101010101" pitchFamily="50" charset="-127"/>
                 <a:ea typeface="Microsoft GothicNeo Light" panose="020B0300000101010101" pitchFamily="50" charset="-127"/>
                 <a:cs typeface="Microsoft GothicNeo Light" panose="020B0300000101010101" pitchFamily="50" charset="-127"/>
               </a:rPr>
-              <a:t>피격 상태 변경</a:t>
+              <a:t> 변경</a:t>
             </a:r>
+            <a:r>
+              <a:rPr lang="en-US" altLang="ko-KR" sz="1000" dirty="0">
+                <a:latin typeface="Microsoft GothicNeo Light" panose="020B0300000101010101" pitchFamily="50" charset="-127"/>
+                <a:ea typeface="Microsoft GothicNeo Light" panose="020B0300000101010101" pitchFamily="50" charset="-127"/>
+                <a:cs typeface="Microsoft GothicNeo Light" panose="020B0300000101010101" pitchFamily="50" charset="-127"/>
+              </a:rPr>
+              <a:t>(</a:t>
+            </a:r>
+            <a:r>
+              <a:rPr lang="ko-KR" altLang="en-US" sz="1000" dirty="0">
+                <a:latin typeface="Microsoft GothicNeo Light" panose="020B0300000101010101" pitchFamily="50" charset="-127"/>
+                <a:ea typeface="Microsoft GothicNeo Light" panose="020B0300000101010101" pitchFamily="50" charset="-127"/>
+                <a:cs typeface="Microsoft GothicNeo Light" panose="020B0300000101010101" pitchFamily="50" charset="-127"/>
+              </a:rPr>
+              <a:t>피격</a:t>
+            </a:r>
+            <a:r>
+              <a:rPr lang="en-US" altLang="ko-KR" sz="1000" dirty="0">
+                <a:latin typeface="Microsoft GothicNeo Light" panose="020B0300000101010101" pitchFamily="50" charset="-127"/>
+                <a:ea typeface="Microsoft GothicNeo Light" panose="020B0300000101010101" pitchFamily="50" charset="-127"/>
+                <a:cs typeface="Microsoft GothicNeo Light" panose="020B0300000101010101" pitchFamily="50" charset="-127"/>
+              </a:rPr>
+              <a:t>)</a:t>
+            </a:r>
+            <a:endParaRPr lang="ko-KR" altLang="en-US" sz="1000" dirty="0">
+              <a:latin typeface="Microsoft GothicNeo Light" panose="020B0300000101010101" pitchFamily="50" charset="-127"/>
+              <a:ea typeface="Microsoft GothicNeo Light" panose="020B0300000101010101" pitchFamily="50" charset="-127"/>
+              <a:cs typeface="Microsoft GothicNeo Light" panose="020B0300000101010101" pitchFamily="50" charset="-127"/>
+            </a:endParaRPr>
           </a:p>
         </p:txBody>
       </p:sp>
@@ -22717,7 +23101,7 @@
         </p:nvSpPr>
         <p:spPr>
           <a:xfrm>
-            <a:off x="93817" y="504897"/>
+            <a:off x="93817" y="168013"/>
             <a:ext cx="1715534" cy="276999"/>
           </a:xfrm>
           <a:prstGeom prst="rect">
@@ -25594,1379 +25978,1400 @@
           </a:p>
         </p:txBody>
       </p:sp>
-      <p:sp>
-        <p:nvSpPr>
-          <p:cNvPr id="3" name="순서도: 대체 처리 2">
+      <p:grpSp>
+        <p:nvGrpSpPr>
+          <p:cNvPr id="18" name="그룹 17">
             <a:extLst>
               <a:ext uri="{FF2B5EF4-FFF2-40B4-BE49-F238E27FC236}">
-                <a16:creationId xmlns:a16="http://schemas.microsoft.com/office/drawing/2014/main" id="{5D76DD53-CD37-65C0-FD87-14165F989F19}"/>
+                <a16:creationId xmlns:a16="http://schemas.microsoft.com/office/drawing/2014/main" id="{74DF4BAE-463F-0A17-9485-BCDC924663BD}"/>
               </a:ext>
             </a:extLst>
           </p:cNvPr>
-          <p:cNvSpPr/>
+          <p:cNvGrpSpPr/>
           <p:nvPr/>
-        </p:nvSpPr>
-        <p:spPr>
+        </p:nvGrpSpPr>
+        <p:grpSpPr>
           <a:xfrm>
-            <a:off x="1781668" y="823403"/>
-            <a:ext cx="1509960" cy="336884"/>
+            <a:off x="1219675" y="823403"/>
+            <a:ext cx="5382405" cy="5798523"/>
+            <a:chOff x="1219675" y="823403"/>
+            <a:chExt cx="5382405" cy="5798523"/>
           </a:xfrm>
-          <a:prstGeom prst="flowChartAlternateProcess">
-            <a:avLst/>
-          </a:prstGeom>
-        </p:spPr>
-        <p:style>
-          <a:lnRef idx="2">
-            <a:schemeClr val="dk1"/>
-          </a:lnRef>
-          <a:fillRef idx="1">
-            <a:schemeClr val="lt1"/>
-          </a:fillRef>
-          <a:effectRef idx="0">
-            <a:schemeClr val="dk1"/>
-          </a:effectRef>
-          <a:fontRef idx="minor">
-            <a:schemeClr val="dk1"/>
-          </a:fontRef>
-        </p:style>
-        <p:txBody>
-          <a:bodyPr rtlCol="0" anchor="ctr"/>
-          <a:lstStyle/>
-          <a:p>
-            <a:pPr algn="ctr"/>
-            <a:r>
-              <a:rPr lang="ko-KR" altLang="en-US" sz="1000" dirty="0">
+        </p:grpSpPr>
+        <p:sp>
+          <p:nvSpPr>
+            <p:cNvPr id="3" name="순서도: 대체 처리 2">
+              <a:extLst>
+                <a:ext uri="{FF2B5EF4-FFF2-40B4-BE49-F238E27FC236}">
+                  <a16:creationId xmlns:a16="http://schemas.microsoft.com/office/drawing/2014/main" id="{5D76DD53-CD37-65C0-FD87-14165F989F19}"/>
+                </a:ext>
+              </a:extLst>
+            </p:cNvPr>
+            <p:cNvSpPr/>
+            <p:nvPr/>
+          </p:nvSpPr>
+          <p:spPr>
+            <a:xfrm>
+              <a:off x="1781668" y="823403"/>
+              <a:ext cx="1509960" cy="336884"/>
+            </a:xfrm>
+            <a:prstGeom prst="flowChartAlternateProcess">
+              <a:avLst/>
+            </a:prstGeom>
+          </p:spPr>
+          <p:style>
+            <a:lnRef idx="2">
+              <a:schemeClr val="dk1"/>
+            </a:lnRef>
+            <a:fillRef idx="1">
+              <a:schemeClr val="lt1"/>
+            </a:fillRef>
+            <a:effectRef idx="0">
+              <a:schemeClr val="dk1"/>
+            </a:effectRef>
+            <a:fontRef idx="minor">
+              <a:schemeClr val="dk1"/>
+            </a:fontRef>
+          </p:style>
+          <p:txBody>
+            <a:bodyPr rtlCol="0" anchor="ctr"/>
+            <a:lstStyle/>
+            <a:p>
+              <a:pPr algn="ctr"/>
+              <a:r>
+                <a:rPr lang="ko-KR" altLang="en-US" sz="1000" dirty="0">
+                  <a:latin typeface="Microsoft GothicNeo Light" panose="020B0300000101010101" pitchFamily="50" charset="-127"/>
+                  <a:ea typeface="Microsoft GothicNeo Light" panose="020B0300000101010101" pitchFamily="50" charset="-127"/>
+                  <a:cs typeface="Microsoft GothicNeo Light" panose="020B0300000101010101" pitchFamily="50" charset="-127"/>
+                </a:rPr>
+                <a:t>기본공격 시작</a:t>
+              </a:r>
+            </a:p>
+          </p:txBody>
+        </p:sp>
+        <p:sp>
+          <p:nvSpPr>
+            <p:cNvPr id="4" name="순서도: 판단 3">
+              <a:extLst>
+                <a:ext uri="{FF2B5EF4-FFF2-40B4-BE49-F238E27FC236}">
+                  <a16:creationId xmlns:a16="http://schemas.microsoft.com/office/drawing/2014/main" id="{45C7F5A5-F09C-2F24-F9C4-1C2CC89C731F}"/>
+                </a:ext>
+              </a:extLst>
+            </p:cNvPr>
+            <p:cNvSpPr/>
+            <p:nvPr/>
+          </p:nvSpPr>
+          <p:spPr>
+            <a:xfrm>
+              <a:off x="1219675" y="1556174"/>
+              <a:ext cx="2633946" cy="685800"/>
+            </a:xfrm>
+            <a:prstGeom prst="flowChartDecision">
+              <a:avLst/>
+            </a:prstGeom>
+            <a:noFill/>
+            <a:ln w="9525" cap="flat" cmpd="sng" algn="ctr">
+              <a:solidFill>
+                <a:schemeClr val="dk1"/>
+              </a:solidFill>
+              <a:prstDash val="solid"/>
+              <a:round/>
+              <a:headEnd type="none" w="med" len="med"/>
+              <a:tailEnd type="none" w="med" len="med"/>
+            </a:ln>
+          </p:spPr>
+          <p:style>
+            <a:lnRef idx="0">
+              <a:scrgbClr r="0" g="0" b="0"/>
+            </a:lnRef>
+            <a:fillRef idx="0">
+              <a:scrgbClr r="0" g="0" b="0"/>
+            </a:fillRef>
+            <a:effectRef idx="0">
+              <a:scrgbClr r="0" g="0" b="0"/>
+            </a:effectRef>
+            <a:fontRef idx="minor">
+              <a:schemeClr val="dk1"/>
+            </a:fontRef>
+          </p:style>
+          <p:txBody>
+            <a:bodyPr rtlCol="0" anchor="ctr"/>
+            <a:lstStyle/>
+            <a:p>
+              <a:pPr algn="ctr"/>
+              <a:r>
+                <a:rPr lang="ko-KR" altLang="en-US" sz="1000" dirty="0">
+                  <a:latin typeface="Microsoft GothicNeo Light" panose="020B0300000101010101" pitchFamily="50" charset="-127"/>
+                  <a:ea typeface="Microsoft GothicNeo Light" panose="020B0300000101010101" pitchFamily="50" charset="-127"/>
+                  <a:cs typeface="Microsoft GothicNeo Light" panose="020B0300000101010101" pitchFamily="50" charset="-127"/>
+                </a:rPr>
+                <a:t>타겟 설정 유저 유무</a:t>
+              </a:r>
+            </a:p>
+          </p:txBody>
+        </p:sp>
+        <p:sp>
+          <p:nvSpPr>
+            <p:cNvPr id="5" name="TextBox 4">
+              <a:extLst>
+                <a:ext uri="{FF2B5EF4-FFF2-40B4-BE49-F238E27FC236}">
+                  <a16:creationId xmlns:a16="http://schemas.microsoft.com/office/drawing/2014/main" id="{C17C39FA-611B-92BB-B310-BF3159678254}"/>
+                </a:ext>
+              </a:extLst>
+            </p:cNvPr>
+            <p:cNvSpPr txBox="1"/>
+            <p:nvPr/>
+          </p:nvSpPr>
+          <p:spPr>
+            <a:xfrm>
+              <a:off x="3853621" y="1643239"/>
+              <a:ext cx="420308" cy="230832"/>
+            </a:xfrm>
+            <a:prstGeom prst="rect">
+              <a:avLst/>
+            </a:prstGeom>
+            <a:noFill/>
+          </p:spPr>
+          <p:txBody>
+            <a:bodyPr wrap="square" rtlCol="0">
+              <a:spAutoFit/>
+            </a:bodyPr>
+            <a:lstStyle/>
+            <a:p>
+              <a:r>
+                <a:rPr lang="en-US" altLang="ko-KR" sz="900" dirty="0">
+                  <a:latin typeface="Microsoft GothicNeo Light" panose="020B0300000101010101" pitchFamily="50" charset="-127"/>
+                  <a:ea typeface="Microsoft GothicNeo Light" panose="020B0300000101010101" pitchFamily="50" charset="-127"/>
+                  <a:cs typeface="Microsoft GothicNeo Light" panose="020B0300000101010101" pitchFamily="50" charset="-127"/>
+                </a:rPr>
+                <a:t>false</a:t>
+              </a:r>
+              <a:endParaRPr lang="ko-KR" altLang="en-US" sz="900" dirty="0">
                 <a:latin typeface="Microsoft GothicNeo Light" panose="020B0300000101010101" pitchFamily="50" charset="-127"/>
                 <a:ea typeface="Microsoft GothicNeo Light" panose="020B0300000101010101" pitchFamily="50" charset="-127"/>
                 <a:cs typeface="Microsoft GothicNeo Light" panose="020B0300000101010101" pitchFamily="50" charset="-127"/>
-              </a:rPr>
-              <a:t>진입</a:t>
-            </a:r>
-          </a:p>
-        </p:txBody>
-      </p:sp>
-      <p:sp>
-        <p:nvSpPr>
-          <p:cNvPr id="4" name="순서도: 판단 3">
-            <a:extLst>
-              <a:ext uri="{FF2B5EF4-FFF2-40B4-BE49-F238E27FC236}">
-                <a16:creationId xmlns:a16="http://schemas.microsoft.com/office/drawing/2014/main" id="{45C7F5A5-F09C-2F24-F9C4-1C2CC89C731F}"/>
-              </a:ext>
-            </a:extLst>
-          </p:cNvPr>
-          <p:cNvSpPr/>
-          <p:nvPr/>
-        </p:nvSpPr>
-        <p:spPr>
-          <a:xfrm>
-            <a:off x="1219675" y="1556174"/>
-            <a:ext cx="2633946" cy="685800"/>
-          </a:xfrm>
-          <a:prstGeom prst="flowChartDecision">
-            <a:avLst/>
-          </a:prstGeom>
-          <a:noFill/>
-          <a:ln w="9525" cap="flat" cmpd="sng" algn="ctr">
-            <a:solidFill>
-              <a:schemeClr val="dk1"/>
-            </a:solidFill>
-            <a:prstDash val="solid"/>
-            <a:round/>
-            <a:headEnd type="none" w="med" len="med"/>
-            <a:tailEnd type="none" w="med" len="med"/>
-          </a:ln>
-        </p:spPr>
-        <p:style>
-          <a:lnRef idx="0">
-            <a:scrgbClr r="0" g="0" b="0"/>
-          </a:lnRef>
-          <a:fillRef idx="0">
-            <a:scrgbClr r="0" g="0" b="0"/>
-          </a:fillRef>
-          <a:effectRef idx="0">
-            <a:scrgbClr r="0" g="0" b="0"/>
-          </a:effectRef>
-          <a:fontRef idx="minor">
-            <a:schemeClr val="dk1"/>
-          </a:fontRef>
-        </p:style>
-        <p:txBody>
-          <a:bodyPr rtlCol="0" anchor="ctr"/>
-          <a:lstStyle/>
-          <a:p>
-            <a:pPr algn="ctr"/>
-            <a:r>
-              <a:rPr lang="ko-KR" altLang="en-US" sz="1000" dirty="0">
+              </a:endParaRPr>
+            </a:p>
+          </p:txBody>
+        </p:sp>
+        <p:cxnSp>
+          <p:nvCxnSpPr>
+            <p:cNvPr id="6" name="연결선: 꺾임 5">
+              <a:extLst>
+                <a:ext uri="{FF2B5EF4-FFF2-40B4-BE49-F238E27FC236}">
+                  <a16:creationId xmlns:a16="http://schemas.microsoft.com/office/drawing/2014/main" id="{14B09641-5064-DD73-ADBF-525F7B86CAFE}"/>
+                </a:ext>
+              </a:extLst>
+            </p:cNvPr>
+            <p:cNvCxnSpPr>
+              <a:cxnSpLocks/>
+              <a:stCxn id="4" idx="3"/>
+              <a:endCxn id="14" idx="0"/>
+            </p:cNvCxnSpPr>
+            <p:nvPr/>
+          </p:nvCxnSpPr>
+          <p:spPr>
+            <a:xfrm>
+              <a:off x="3853621" y="1899074"/>
+              <a:ext cx="1243307" cy="282767"/>
+            </a:xfrm>
+            <a:prstGeom prst="bentConnector2">
+              <a:avLst/>
+            </a:prstGeom>
+            <a:ln>
+              <a:tailEnd type="triangle"/>
+            </a:ln>
+          </p:spPr>
+          <p:style>
+            <a:lnRef idx="1">
+              <a:schemeClr val="dk1"/>
+            </a:lnRef>
+            <a:fillRef idx="0">
+              <a:schemeClr val="dk1"/>
+            </a:fillRef>
+            <a:effectRef idx="0">
+              <a:schemeClr val="dk1"/>
+            </a:effectRef>
+            <a:fontRef idx="minor">
+              <a:schemeClr val="tx1"/>
+            </a:fontRef>
+          </p:style>
+        </p:cxnSp>
+        <p:sp>
+          <p:nvSpPr>
+            <p:cNvPr id="7" name="순서도: 판단 6">
+              <a:extLst>
+                <a:ext uri="{FF2B5EF4-FFF2-40B4-BE49-F238E27FC236}">
+                  <a16:creationId xmlns:a16="http://schemas.microsoft.com/office/drawing/2014/main" id="{3638191A-70D9-433E-A62B-A90EB58C9ABA}"/>
+                </a:ext>
+              </a:extLst>
+            </p:cNvPr>
+            <p:cNvSpPr/>
+            <p:nvPr/>
+          </p:nvSpPr>
+          <p:spPr>
+            <a:xfrm>
+              <a:off x="1219675" y="3881453"/>
+              <a:ext cx="2633946" cy="685800"/>
+            </a:xfrm>
+            <a:prstGeom prst="flowChartDecision">
+              <a:avLst/>
+            </a:prstGeom>
+            <a:noFill/>
+            <a:ln w="9525" cap="flat" cmpd="sng" algn="ctr">
+              <a:solidFill>
+                <a:schemeClr val="dk1"/>
+              </a:solidFill>
+              <a:prstDash val="solid"/>
+              <a:round/>
+              <a:headEnd type="none" w="med" len="med"/>
+              <a:tailEnd type="none" w="med" len="med"/>
+            </a:ln>
+          </p:spPr>
+          <p:style>
+            <a:lnRef idx="0">
+              <a:scrgbClr r="0" g="0" b="0"/>
+            </a:lnRef>
+            <a:fillRef idx="0">
+              <a:scrgbClr r="0" g="0" b="0"/>
+            </a:fillRef>
+            <a:effectRef idx="0">
+              <a:scrgbClr r="0" g="0" b="0"/>
+            </a:effectRef>
+            <a:fontRef idx="minor">
+              <a:schemeClr val="dk1"/>
+            </a:fontRef>
+          </p:style>
+          <p:txBody>
+            <a:bodyPr rtlCol="0" anchor="ctr"/>
+            <a:lstStyle/>
+            <a:p>
+              <a:pPr algn="ctr"/>
+              <a:r>
+                <a:rPr lang="ko-KR" altLang="en-US" sz="1000" dirty="0">
+                  <a:latin typeface="Microsoft GothicNeo Light" panose="020B0300000101010101" pitchFamily="50" charset="-127"/>
+                  <a:ea typeface="Microsoft GothicNeo Light" panose="020B0300000101010101" pitchFamily="50" charset="-127"/>
+                  <a:cs typeface="Microsoft GothicNeo Light" panose="020B0300000101010101" pitchFamily="50" charset="-127"/>
+                </a:rPr>
+                <a:t>유저거리 </a:t>
+              </a:r>
+              <a:endParaRPr lang="en-US" altLang="ko-KR" sz="1000" dirty="0">
                 <a:latin typeface="Microsoft GothicNeo Light" panose="020B0300000101010101" pitchFamily="50" charset="-127"/>
                 <a:ea typeface="Microsoft GothicNeo Light" panose="020B0300000101010101" pitchFamily="50" charset="-127"/>
                 <a:cs typeface="Microsoft GothicNeo Light" panose="020B0300000101010101" pitchFamily="50" charset="-127"/>
-              </a:rPr>
-              <a:t>타겟 설정 유저 유무</a:t>
-            </a:r>
-          </a:p>
-        </p:txBody>
-      </p:sp>
-      <p:sp>
-        <p:nvSpPr>
-          <p:cNvPr id="5" name="TextBox 4">
-            <a:extLst>
-              <a:ext uri="{FF2B5EF4-FFF2-40B4-BE49-F238E27FC236}">
-                <a16:creationId xmlns:a16="http://schemas.microsoft.com/office/drawing/2014/main" id="{C17C39FA-611B-92BB-B310-BF3159678254}"/>
-              </a:ext>
-            </a:extLst>
-          </p:cNvPr>
-          <p:cNvSpPr txBox="1"/>
-          <p:nvPr/>
-        </p:nvSpPr>
-        <p:spPr>
-          <a:xfrm>
-            <a:off x="3853621" y="1643239"/>
-            <a:ext cx="420308" cy="230832"/>
-          </a:xfrm>
-          <a:prstGeom prst="rect">
-            <a:avLst/>
-          </a:prstGeom>
-          <a:noFill/>
-        </p:spPr>
-        <p:txBody>
-          <a:bodyPr wrap="square" rtlCol="0">
-            <a:spAutoFit/>
-          </a:bodyPr>
-          <a:lstStyle/>
-          <a:p>
-            <a:r>
-              <a:rPr lang="en-US" altLang="ko-KR" sz="900" dirty="0">
+              </a:endParaRPr>
+            </a:p>
+            <a:p>
+              <a:pPr algn="ctr"/>
+              <a:r>
+                <a:rPr lang="en-US" altLang="ko-KR" sz="1000" dirty="0">
+                  <a:latin typeface="Microsoft GothicNeo Light" panose="020B0300000101010101" pitchFamily="50" charset="-127"/>
+                  <a:ea typeface="Microsoft GothicNeo Light" panose="020B0300000101010101" pitchFamily="50" charset="-127"/>
+                  <a:cs typeface="Microsoft GothicNeo Light" panose="020B0300000101010101" pitchFamily="50" charset="-127"/>
+                </a:rPr>
+                <a:t>&lt;= </a:t>
+              </a:r>
+            </a:p>
+            <a:p>
+              <a:pPr algn="ctr"/>
+              <a:r>
+                <a:rPr lang="ko-KR" altLang="en-US" sz="1000" dirty="0">
+                  <a:latin typeface="Microsoft GothicNeo Light" panose="020B0300000101010101" pitchFamily="50" charset="-127"/>
+                  <a:ea typeface="Microsoft GothicNeo Light" panose="020B0300000101010101" pitchFamily="50" charset="-127"/>
+                  <a:cs typeface="Microsoft GothicNeo Light" panose="020B0300000101010101" pitchFamily="50" charset="-127"/>
+                </a:rPr>
+                <a:t>사정거리</a:t>
+              </a:r>
+            </a:p>
+          </p:txBody>
+        </p:sp>
+        <p:cxnSp>
+          <p:nvCxnSpPr>
+            <p:cNvPr id="8" name="직선 화살표 연결선 7">
+              <a:extLst>
+                <a:ext uri="{FF2B5EF4-FFF2-40B4-BE49-F238E27FC236}">
+                  <a16:creationId xmlns:a16="http://schemas.microsoft.com/office/drawing/2014/main" id="{2ADB8169-6B1D-54B0-8BB4-607F74E389BB}"/>
+                </a:ext>
+              </a:extLst>
+            </p:cNvPr>
+            <p:cNvCxnSpPr>
+              <a:cxnSpLocks/>
+              <a:stCxn id="4" idx="2"/>
+              <a:endCxn id="7" idx="0"/>
+            </p:cNvCxnSpPr>
+            <p:nvPr/>
+          </p:nvCxnSpPr>
+          <p:spPr>
+            <a:xfrm>
+              <a:off x="2536648" y="2241974"/>
+              <a:ext cx="0" cy="1639479"/>
+            </a:xfrm>
+            <a:prstGeom prst="straightConnector1">
+              <a:avLst/>
+            </a:prstGeom>
+            <a:ln>
+              <a:tailEnd type="triangle"/>
+            </a:ln>
+          </p:spPr>
+          <p:style>
+            <a:lnRef idx="1">
+              <a:schemeClr val="dk1"/>
+            </a:lnRef>
+            <a:fillRef idx="0">
+              <a:schemeClr val="dk1"/>
+            </a:fillRef>
+            <a:effectRef idx="0">
+              <a:schemeClr val="dk1"/>
+            </a:effectRef>
+            <a:fontRef idx="minor">
+              <a:schemeClr val="tx1"/>
+            </a:fontRef>
+          </p:style>
+        </p:cxnSp>
+        <p:sp>
+          <p:nvSpPr>
+            <p:cNvPr id="9" name="순서도: 대체 처리 8">
+              <a:extLst>
+                <a:ext uri="{FF2B5EF4-FFF2-40B4-BE49-F238E27FC236}">
+                  <a16:creationId xmlns:a16="http://schemas.microsoft.com/office/drawing/2014/main" id="{40B2F7BC-1F1F-4DEE-5F59-421B4032521F}"/>
+                </a:ext>
+              </a:extLst>
+            </p:cNvPr>
+            <p:cNvSpPr/>
+            <p:nvPr/>
+          </p:nvSpPr>
+          <p:spPr>
+            <a:xfrm>
+              <a:off x="4092861" y="4042547"/>
+              <a:ext cx="1509960" cy="368058"/>
+            </a:xfrm>
+            <a:prstGeom prst="flowChartAlternateProcess">
+              <a:avLst/>
+            </a:prstGeom>
+          </p:spPr>
+          <p:style>
+            <a:lnRef idx="2">
+              <a:schemeClr val="dk1"/>
+            </a:lnRef>
+            <a:fillRef idx="1">
+              <a:schemeClr val="lt1"/>
+            </a:fillRef>
+            <a:effectRef idx="0">
+              <a:schemeClr val="dk1"/>
+            </a:effectRef>
+            <a:fontRef idx="minor">
+              <a:schemeClr val="dk1"/>
+            </a:fontRef>
+          </p:style>
+          <p:txBody>
+            <a:bodyPr rtlCol="0" anchor="ctr"/>
+            <a:lstStyle/>
+            <a:p>
+              <a:pPr algn="ctr"/>
+              <a:r>
+                <a:rPr lang="ko-KR" altLang="en-US" sz="1000" dirty="0">
+                  <a:latin typeface="Microsoft GothicNeo Light" panose="020B0300000101010101" pitchFamily="50" charset="-127"/>
+                  <a:ea typeface="Microsoft GothicNeo Light" panose="020B0300000101010101" pitchFamily="50" charset="-127"/>
+                  <a:cs typeface="Microsoft GothicNeo Light" panose="020B0300000101010101" pitchFamily="50" charset="-127"/>
+                </a:rPr>
+                <a:t>이동</a:t>
+              </a:r>
+              <a:endParaRPr lang="en-US" altLang="ko-KR" sz="1000" dirty="0">
                 <a:latin typeface="Microsoft GothicNeo Light" panose="020B0300000101010101" pitchFamily="50" charset="-127"/>
                 <a:ea typeface="Microsoft GothicNeo Light" panose="020B0300000101010101" pitchFamily="50" charset="-127"/>
                 <a:cs typeface="Microsoft GothicNeo Light" panose="020B0300000101010101" pitchFamily="50" charset="-127"/>
-              </a:rPr>
-              <a:t>false</a:t>
-            </a:r>
-            <a:endParaRPr lang="ko-KR" altLang="en-US" sz="900" dirty="0">
-              <a:latin typeface="Microsoft GothicNeo Light" panose="020B0300000101010101" pitchFamily="50" charset="-127"/>
-              <a:ea typeface="Microsoft GothicNeo Light" panose="020B0300000101010101" pitchFamily="50" charset="-127"/>
-              <a:cs typeface="Microsoft GothicNeo Light" panose="020B0300000101010101" pitchFamily="50" charset="-127"/>
-            </a:endParaRPr>
-          </a:p>
-        </p:txBody>
-      </p:sp>
-      <p:cxnSp>
-        <p:nvCxnSpPr>
-          <p:cNvPr id="6" name="연결선: 꺾임 5">
-            <a:extLst>
-              <a:ext uri="{FF2B5EF4-FFF2-40B4-BE49-F238E27FC236}">
-                <a16:creationId xmlns:a16="http://schemas.microsoft.com/office/drawing/2014/main" id="{14B09641-5064-DD73-ADBF-525F7B86CAFE}"/>
-              </a:ext>
-            </a:extLst>
-          </p:cNvPr>
-          <p:cNvCxnSpPr>
-            <a:cxnSpLocks/>
-            <a:stCxn id="4" idx="3"/>
-            <a:endCxn id="14" idx="0"/>
-          </p:cNvCxnSpPr>
-          <p:nvPr/>
-        </p:nvCxnSpPr>
-        <p:spPr>
-          <a:xfrm>
-            <a:off x="3853621" y="1899074"/>
-            <a:ext cx="1243307" cy="282767"/>
-          </a:xfrm>
-          <a:prstGeom prst="bentConnector2">
-            <a:avLst/>
-          </a:prstGeom>
-          <a:ln>
-            <a:tailEnd type="triangle"/>
-          </a:ln>
-        </p:spPr>
-        <p:style>
-          <a:lnRef idx="1">
-            <a:schemeClr val="dk1"/>
-          </a:lnRef>
-          <a:fillRef idx="0">
-            <a:schemeClr val="dk1"/>
-          </a:fillRef>
-          <a:effectRef idx="0">
-            <a:schemeClr val="dk1"/>
-          </a:effectRef>
-          <a:fontRef idx="minor">
-            <a:schemeClr val="tx1"/>
-          </a:fontRef>
-        </p:style>
-      </p:cxnSp>
-      <p:sp>
-        <p:nvSpPr>
-          <p:cNvPr id="7" name="순서도: 판단 6">
-            <a:extLst>
-              <a:ext uri="{FF2B5EF4-FFF2-40B4-BE49-F238E27FC236}">
-                <a16:creationId xmlns:a16="http://schemas.microsoft.com/office/drawing/2014/main" id="{3638191A-70D9-433E-A62B-A90EB58C9ABA}"/>
-              </a:ext>
-            </a:extLst>
-          </p:cNvPr>
-          <p:cNvSpPr/>
-          <p:nvPr/>
-        </p:nvSpPr>
-        <p:spPr>
-          <a:xfrm>
-            <a:off x="1219675" y="3881453"/>
-            <a:ext cx="2633946" cy="685800"/>
-          </a:xfrm>
-          <a:prstGeom prst="flowChartDecision">
-            <a:avLst/>
-          </a:prstGeom>
-          <a:noFill/>
-          <a:ln w="9525" cap="flat" cmpd="sng" algn="ctr">
-            <a:solidFill>
-              <a:schemeClr val="dk1"/>
-            </a:solidFill>
-            <a:prstDash val="solid"/>
-            <a:round/>
-            <a:headEnd type="none" w="med" len="med"/>
-            <a:tailEnd type="none" w="med" len="med"/>
-          </a:ln>
-        </p:spPr>
-        <p:style>
-          <a:lnRef idx="0">
-            <a:scrgbClr r="0" g="0" b="0"/>
-          </a:lnRef>
-          <a:fillRef idx="0">
-            <a:scrgbClr r="0" g="0" b="0"/>
-          </a:fillRef>
-          <a:effectRef idx="0">
-            <a:scrgbClr r="0" g="0" b="0"/>
-          </a:effectRef>
-          <a:fontRef idx="minor">
-            <a:schemeClr val="dk1"/>
-          </a:fontRef>
-        </p:style>
-        <p:txBody>
-          <a:bodyPr rtlCol="0" anchor="ctr"/>
-          <a:lstStyle/>
-          <a:p>
-            <a:pPr algn="ctr"/>
-            <a:r>
-              <a:rPr lang="ko-KR" altLang="en-US" sz="1000" dirty="0">
+              </a:endParaRPr>
+            </a:p>
+          </p:txBody>
+        </p:sp>
+        <p:cxnSp>
+          <p:nvCxnSpPr>
+            <p:cNvPr id="10" name="직선 화살표 연결선 9">
+              <a:extLst>
+                <a:ext uri="{FF2B5EF4-FFF2-40B4-BE49-F238E27FC236}">
+                  <a16:creationId xmlns:a16="http://schemas.microsoft.com/office/drawing/2014/main" id="{FED9AAD2-5C47-CF9E-707E-9141069E328B}"/>
+                </a:ext>
+              </a:extLst>
+            </p:cNvPr>
+            <p:cNvCxnSpPr>
+              <a:cxnSpLocks/>
+              <a:stCxn id="7" idx="3"/>
+              <a:endCxn id="9" idx="1"/>
+            </p:cNvCxnSpPr>
+            <p:nvPr/>
+          </p:nvCxnSpPr>
+          <p:spPr>
+            <a:xfrm>
+              <a:off x="3853621" y="4224353"/>
+              <a:ext cx="239240" cy="2223"/>
+            </a:xfrm>
+            <a:prstGeom prst="straightConnector1">
+              <a:avLst/>
+            </a:prstGeom>
+            <a:ln>
+              <a:tailEnd type="triangle"/>
+            </a:ln>
+          </p:spPr>
+          <p:style>
+            <a:lnRef idx="1">
+              <a:schemeClr val="dk1"/>
+            </a:lnRef>
+            <a:fillRef idx="0">
+              <a:schemeClr val="dk1"/>
+            </a:fillRef>
+            <a:effectRef idx="0">
+              <a:schemeClr val="dk1"/>
+            </a:effectRef>
+            <a:fontRef idx="minor">
+              <a:schemeClr val="tx1"/>
+            </a:fontRef>
+          </p:style>
+        </p:cxnSp>
+        <p:sp>
+          <p:nvSpPr>
+            <p:cNvPr id="11" name="TextBox 10">
+              <a:extLst>
+                <a:ext uri="{FF2B5EF4-FFF2-40B4-BE49-F238E27FC236}">
+                  <a16:creationId xmlns:a16="http://schemas.microsoft.com/office/drawing/2014/main" id="{F476C42C-FEB0-D5BD-A034-A0AD20525BB6}"/>
+                </a:ext>
+              </a:extLst>
+            </p:cNvPr>
+            <p:cNvSpPr txBox="1"/>
+            <p:nvPr/>
+          </p:nvSpPr>
+          <p:spPr>
+            <a:xfrm>
+              <a:off x="2549473" y="2197305"/>
+              <a:ext cx="394660" cy="230832"/>
+            </a:xfrm>
+            <a:prstGeom prst="rect">
+              <a:avLst/>
+            </a:prstGeom>
+            <a:noFill/>
+          </p:spPr>
+          <p:txBody>
+            <a:bodyPr wrap="none" rtlCol="0">
+              <a:spAutoFit/>
+            </a:bodyPr>
+            <a:lstStyle/>
+            <a:p>
+              <a:r>
+                <a:rPr lang="en-US" altLang="ko-KR" sz="900" dirty="0">
+                  <a:latin typeface="Microsoft GothicNeo Light" panose="020B0300000101010101" pitchFamily="50" charset="-127"/>
+                  <a:ea typeface="Microsoft GothicNeo Light" panose="020B0300000101010101" pitchFamily="50" charset="-127"/>
+                  <a:cs typeface="Microsoft GothicNeo Light" panose="020B0300000101010101" pitchFamily="50" charset="-127"/>
+                </a:rPr>
+                <a:t>true</a:t>
+              </a:r>
+              <a:endParaRPr lang="ko-KR" altLang="en-US" sz="900" dirty="0">
                 <a:latin typeface="Microsoft GothicNeo Light" panose="020B0300000101010101" pitchFamily="50" charset="-127"/>
                 <a:ea typeface="Microsoft GothicNeo Light" panose="020B0300000101010101" pitchFamily="50" charset="-127"/>
                 <a:cs typeface="Microsoft GothicNeo Light" panose="020B0300000101010101" pitchFamily="50" charset="-127"/>
-              </a:rPr>
-              <a:t>유저거리 </a:t>
-            </a:r>
-            <a:endParaRPr lang="en-US" altLang="ko-KR" sz="1000" dirty="0">
-              <a:latin typeface="Microsoft GothicNeo Light" panose="020B0300000101010101" pitchFamily="50" charset="-127"/>
-              <a:ea typeface="Microsoft GothicNeo Light" panose="020B0300000101010101" pitchFamily="50" charset="-127"/>
-              <a:cs typeface="Microsoft GothicNeo Light" panose="020B0300000101010101" pitchFamily="50" charset="-127"/>
-            </a:endParaRPr>
-          </a:p>
-          <a:p>
-            <a:pPr algn="ctr"/>
-            <a:r>
-              <a:rPr lang="en-US" altLang="ko-KR" sz="1000" dirty="0">
+              </a:endParaRPr>
+            </a:p>
+          </p:txBody>
+        </p:sp>
+        <p:sp>
+          <p:nvSpPr>
+            <p:cNvPr id="12" name="TextBox 11">
+              <a:extLst>
+                <a:ext uri="{FF2B5EF4-FFF2-40B4-BE49-F238E27FC236}">
+                  <a16:creationId xmlns:a16="http://schemas.microsoft.com/office/drawing/2014/main" id="{E9E3813C-7B73-3210-5BA3-096D1392976F}"/>
+                </a:ext>
+              </a:extLst>
+            </p:cNvPr>
+            <p:cNvSpPr txBox="1"/>
+            <p:nvPr/>
+          </p:nvSpPr>
+          <p:spPr>
+            <a:xfrm>
+              <a:off x="3695125" y="4016420"/>
+              <a:ext cx="420308" cy="230832"/>
+            </a:xfrm>
+            <a:prstGeom prst="rect">
+              <a:avLst/>
+            </a:prstGeom>
+            <a:noFill/>
+          </p:spPr>
+          <p:txBody>
+            <a:bodyPr wrap="square" rtlCol="0">
+              <a:spAutoFit/>
+            </a:bodyPr>
+            <a:lstStyle/>
+            <a:p>
+              <a:r>
+                <a:rPr lang="en-US" altLang="ko-KR" sz="900" dirty="0">
+                  <a:latin typeface="Microsoft GothicNeo Light" panose="020B0300000101010101" pitchFamily="50" charset="-127"/>
+                  <a:ea typeface="Microsoft GothicNeo Light" panose="020B0300000101010101" pitchFamily="50" charset="-127"/>
+                  <a:cs typeface="Microsoft GothicNeo Light" panose="020B0300000101010101" pitchFamily="50" charset="-127"/>
+                </a:rPr>
+                <a:t>false</a:t>
+              </a:r>
+              <a:endParaRPr lang="ko-KR" altLang="en-US" sz="900" dirty="0">
                 <a:latin typeface="Microsoft GothicNeo Light" panose="020B0300000101010101" pitchFamily="50" charset="-127"/>
                 <a:ea typeface="Microsoft GothicNeo Light" panose="020B0300000101010101" pitchFamily="50" charset="-127"/>
                 <a:cs typeface="Microsoft GothicNeo Light" panose="020B0300000101010101" pitchFamily="50" charset="-127"/>
-              </a:rPr>
-              <a:t>&lt;= </a:t>
-            </a:r>
-          </a:p>
-          <a:p>
-            <a:pPr algn="ctr"/>
-            <a:r>
-              <a:rPr lang="ko-KR" altLang="en-US" sz="1000" dirty="0">
+              </a:endParaRPr>
+            </a:p>
+          </p:txBody>
+        </p:sp>
+        <p:sp>
+          <p:nvSpPr>
+            <p:cNvPr id="13" name="순서도: 대체 처리 12">
+              <a:extLst>
+                <a:ext uri="{FF2B5EF4-FFF2-40B4-BE49-F238E27FC236}">
+                  <a16:creationId xmlns:a16="http://schemas.microsoft.com/office/drawing/2014/main" id="{AA921565-1973-CB00-5DD2-1B083A012CAD}"/>
+                </a:ext>
+              </a:extLst>
+            </p:cNvPr>
+            <p:cNvSpPr/>
+            <p:nvPr/>
+          </p:nvSpPr>
+          <p:spPr>
+            <a:xfrm>
+              <a:off x="1781668" y="5454083"/>
+              <a:ext cx="1509960" cy="566486"/>
+            </a:xfrm>
+            <a:prstGeom prst="flowChartAlternateProcess">
+              <a:avLst/>
+            </a:prstGeom>
+          </p:spPr>
+          <p:style>
+            <a:lnRef idx="2">
+              <a:schemeClr val="dk1"/>
+            </a:lnRef>
+            <a:fillRef idx="1">
+              <a:schemeClr val="lt1"/>
+            </a:fillRef>
+            <a:effectRef idx="0">
+              <a:schemeClr val="dk1"/>
+            </a:effectRef>
+            <a:fontRef idx="minor">
+              <a:schemeClr val="dk1"/>
+            </a:fontRef>
+          </p:style>
+          <p:txBody>
+            <a:bodyPr rtlCol="0" anchor="ctr"/>
+            <a:lstStyle/>
+            <a:p>
+              <a:pPr algn="ctr"/>
+              <a:r>
+                <a:rPr lang="ko-KR" altLang="en-US" sz="1000" dirty="0" err="1">
+                  <a:latin typeface="Microsoft GothicNeo Light" panose="020B0300000101010101" pitchFamily="50" charset="-127"/>
+                  <a:ea typeface="Microsoft GothicNeo Light" panose="020B0300000101010101" pitchFamily="50" charset="-127"/>
+                  <a:cs typeface="Microsoft GothicNeo Light" panose="020B0300000101010101" pitchFamily="50" charset="-127"/>
+                </a:rPr>
+                <a:t>공격량</a:t>
+              </a:r>
+              <a:r>
+                <a:rPr lang="ko-KR" altLang="en-US" sz="1000" dirty="0">
+                  <a:latin typeface="Microsoft GothicNeo Light" panose="020B0300000101010101" pitchFamily="50" charset="-127"/>
+                  <a:ea typeface="Microsoft GothicNeo Light" panose="020B0300000101010101" pitchFamily="50" charset="-127"/>
+                  <a:cs typeface="Microsoft GothicNeo Light" panose="020B0300000101010101" pitchFamily="50" charset="-127"/>
+                </a:rPr>
+                <a:t> 타이머 초기화</a:t>
+              </a:r>
+              <a:endParaRPr lang="en-US" altLang="ko-KR" sz="1000" dirty="0">
                 <a:latin typeface="Microsoft GothicNeo Light" panose="020B0300000101010101" pitchFamily="50" charset="-127"/>
                 <a:ea typeface="Microsoft GothicNeo Light" panose="020B0300000101010101" pitchFamily="50" charset="-127"/>
                 <a:cs typeface="Microsoft GothicNeo Light" panose="020B0300000101010101" pitchFamily="50" charset="-127"/>
-              </a:rPr>
-              <a:t>사정거리</a:t>
-            </a:r>
-          </a:p>
-        </p:txBody>
-      </p:sp>
-      <p:cxnSp>
-        <p:nvCxnSpPr>
-          <p:cNvPr id="8" name="직선 화살표 연결선 7">
-            <a:extLst>
-              <a:ext uri="{FF2B5EF4-FFF2-40B4-BE49-F238E27FC236}">
-                <a16:creationId xmlns:a16="http://schemas.microsoft.com/office/drawing/2014/main" id="{2ADB8169-6B1D-54B0-8BB4-607F74E389BB}"/>
-              </a:ext>
-            </a:extLst>
-          </p:cNvPr>
-          <p:cNvCxnSpPr>
-            <a:cxnSpLocks/>
-            <a:stCxn id="4" idx="2"/>
-            <a:endCxn id="7" idx="0"/>
-          </p:cNvCxnSpPr>
-          <p:nvPr/>
-        </p:nvCxnSpPr>
-        <p:spPr>
-          <a:xfrm>
-            <a:off x="2536648" y="2241974"/>
-            <a:ext cx="0" cy="1639479"/>
-          </a:xfrm>
-          <a:prstGeom prst="straightConnector1">
-            <a:avLst/>
-          </a:prstGeom>
-          <a:ln>
-            <a:tailEnd type="triangle"/>
-          </a:ln>
-        </p:spPr>
-        <p:style>
-          <a:lnRef idx="1">
-            <a:schemeClr val="dk1"/>
-          </a:lnRef>
-          <a:fillRef idx="0">
-            <a:schemeClr val="dk1"/>
-          </a:fillRef>
-          <a:effectRef idx="0">
-            <a:schemeClr val="dk1"/>
-          </a:effectRef>
-          <a:fontRef idx="minor">
-            <a:schemeClr val="tx1"/>
-          </a:fontRef>
-        </p:style>
-      </p:cxnSp>
-      <p:sp>
-        <p:nvSpPr>
-          <p:cNvPr id="9" name="순서도: 대체 처리 8">
-            <a:extLst>
-              <a:ext uri="{FF2B5EF4-FFF2-40B4-BE49-F238E27FC236}">
-                <a16:creationId xmlns:a16="http://schemas.microsoft.com/office/drawing/2014/main" id="{40B2F7BC-1F1F-4DEE-5F59-421B4032521F}"/>
-              </a:ext>
-            </a:extLst>
-          </p:cNvPr>
-          <p:cNvSpPr/>
-          <p:nvPr/>
-        </p:nvSpPr>
-        <p:spPr>
-          <a:xfrm>
-            <a:off x="4092861" y="4042547"/>
-            <a:ext cx="1509960" cy="368058"/>
-          </a:xfrm>
-          <a:prstGeom prst="flowChartAlternateProcess">
-            <a:avLst/>
-          </a:prstGeom>
-        </p:spPr>
-        <p:style>
-          <a:lnRef idx="2">
-            <a:schemeClr val="dk1"/>
-          </a:lnRef>
-          <a:fillRef idx="1">
-            <a:schemeClr val="lt1"/>
-          </a:fillRef>
-          <a:effectRef idx="0">
-            <a:schemeClr val="dk1"/>
-          </a:effectRef>
-          <a:fontRef idx="minor">
-            <a:schemeClr val="dk1"/>
-          </a:fontRef>
-        </p:style>
-        <p:txBody>
-          <a:bodyPr rtlCol="0" anchor="ctr"/>
-          <a:lstStyle/>
-          <a:p>
-            <a:pPr algn="ctr"/>
-            <a:r>
-              <a:rPr lang="ko-KR" altLang="en-US" sz="1000" dirty="0">
+              </a:endParaRPr>
+            </a:p>
+            <a:p>
+              <a:pPr algn="ctr"/>
+              <a:r>
+                <a:rPr lang="ko-KR" altLang="en-US" sz="1000" dirty="0" err="1">
+                  <a:latin typeface="Microsoft GothicNeo Light" panose="020B0300000101010101" pitchFamily="50" charset="-127"/>
+                  <a:ea typeface="Microsoft GothicNeo Light" panose="020B0300000101010101" pitchFamily="50" charset="-127"/>
+                  <a:cs typeface="Microsoft GothicNeo Light" panose="020B0300000101010101" pitchFamily="50" charset="-127"/>
+                </a:rPr>
+                <a:t>유저별</a:t>
+              </a:r>
+              <a:r>
+                <a:rPr lang="ko-KR" altLang="en-US" sz="1000" dirty="0">
+                  <a:latin typeface="Microsoft GothicNeo Light" panose="020B0300000101010101" pitchFamily="50" charset="-127"/>
+                  <a:ea typeface="Microsoft GothicNeo Light" panose="020B0300000101010101" pitchFamily="50" charset="-127"/>
+                  <a:cs typeface="Microsoft GothicNeo Light" panose="020B0300000101010101" pitchFamily="50" charset="-127"/>
+                </a:rPr>
+                <a:t> </a:t>
+              </a:r>
+              <a:r>
+                <a:rPr lang="ko-KR" altLang="en-US" sz="1000" dirty="0" err="1">
+                  <a:latin typeface="Microsoft GothicNeo Light" panose="020B0300000101010101" pitchFamily="50" charset="-127"/>
+                  <a:ea typeface="Microsoft GothicNeo Light" panose="020B0300000101010101" pitchFamily="50" charset="-127"/>
+                  <a:cs typeface="Microsoft GothicNeo Light" panose="020B0300000101010101" pitchFamily="50" charset="-127"/>
+                </a:rPr>
+                <a:t>공격량</a:t>
+              </a:r>
+              <a:r>
+                <a:rPr lang="ko-KR" altLang="en-US" sz="1000" dirty="0">
+                  <a:latin typeface="Microsoft GothicNeo Light" panose="020B0300000101010101" pitchFamily="50" charset="-127"/>
+                  <a:ea typeface="Microsoft GothicNeo Light" panose="020B0300000101010101" pitchFamily="50" charset="-127"/>
+                  <a:cs typeface="Microsoft GothicNeo Light" panose="020B0300000101010101" pitchFamily="50" charset="-127"/>
+                </a:rPr>
+                <a:t> 초기화</a:t>
+              </a:r>
+              <a:endParaRPr lang="en-US" altLang="ko-KR" sz="1000" dirty="0">
                 <a:latin typeface="Microsoft GothicNeo Light" panose="020B0300000101010101" pitchFamily="50" charset="-127"/>
                 <a:ea typeface="Microsoft GothicNeo Light" panose="020B0300000101010101" pitchFamily="50" charset="-127"/>
                 <a:cs typeface="Microsoft GothicNeo Light" panose="020B0300000101010101" pitchFamily="50" charset="-127"/>
-              </a:rPr>
-              <a:t>이동</a:t>
-            </a:r>
-            <a:endParaRPr lang="en-US" altLang="ko-KR" sz="1000" dirty="0">
-              <a:latin typeface="Microsoft GothicNeo Light" panose="020B0300000101010101" pitchFamily="50" charset="-127"/>
-              <a:ea typeface="Microsoft GothicNeo Light" panose="020B0300000101010101" pitchFamily="50" charset="-127"/>
-              <a:cs typeface="Microsoft GothicNeo Light" panose="020B0300000101010101" pitchFamily="50" charset="-127"/>
-            </a:endParaRPr>
-          </a:p>
-        </p:txBody>
-      </p:sp>
-      <p:cxnSp>
-        <p:nvCxnSpPr>
-          <p:cNvPr id="10" name="직선 화살표 연결선 9">
-            <a:extLst>
-              <a:ext uri="{FF2B5EF4-FFF2-40B4-BE49-F238E27FC236}">
-                <a16:creationId xmlns:a16="http://schemas.microsoft.com/office/drawing/2014/main" id="{FED9AAD2-5C47-CF9E-707E-9141069E328B}"/>
-              </a:ext>
-            </a:extLst>
-          </p:cNvPr>
-          <p:cNvCxnSpPr>
-            <a:cxnSpLocks/>
-            <a:stCxn id="7" idx="3"/>
-            <a:endCxn id="9" idx="1"/>
-          </p:cNvCxnSpPr>
-          <p:nvPr/>
-        </p:nvCxnSpPr>
-        <p:spPr>
-          <a:xfrm>
-            <a:off x="3853621" y="4224353"/>
-            <a:ext cx="239240" cy="2223"/>
-          </a:xfrm>
-          <a:prstGeom prst="straightConnector1">
-            <a:avLst/>
-          </a:prstGeom>
-          <a:ln>
-            <a:tailEnd type="triangle"/>
-          </a:ln>
-        </p:spPr>
-        <p:style>
-          <a:lnRef idx="1">
-            <a:schemeClr val="dk1"/>
-          </a:lnRef>
-          <a:fillRef idx="0">
-            <a:schemeClr val="dk1"/>
-          </a:fillRef>
-          <a:effectRef idx="0">
-            <a:schemeClr val="dk1"/>
-          </a:effectRef>
-          <a:fontRef idx="minor">
-            <a:schemeClr val="tx1"/>
-          </a:fontRef>
-        </p:style>
-      </p:cxnSp>
-      <p:sp>
-        <p:nvSpPr>
-          <p:cNvPr id="11" name="TextBox 10">
-            <a:extLst>
-              <a:ext uri="{FF2B5EF4-FFF2-40B4-BE49-F238E27FC236}">
-                <a16:creationId xmlns:a16="http://schemas.microsoft.com/office/drawing/2014/main" id="{F476C42C-FEB0-D5BD-A034-A0AD20525BB6}"/>
-              </a:ext>
-            </a:extLst>
-          </p:cNvPr>
-          <p:cNvSpPr txBox="1"/>
-          <p:nvPr/>
-        </p:nvSpPr>
-        <p:spPr>
-          <a:xfrm>
-            <a:off x="2549473" y="2197305"/>
-            <a:ext cx="394660" cy="230832"/>
-          </a:xfrm>
-          <a:prstGeom prst="rect">
-            <a:avLst/>
-          </a:prstGeom>
-          <a:noFill/>
-        </p:spPr>
-        <p:txBody>
-          <a:bodyPr wrap="none" rtlCol="0">
-            <a:spAutoFit/>
-          </a:bodyPr>
-          <a:lstStyle/>
-          <a:p>
-            <a:r>
-              <a:rPr lang="en-US" altLang="ko-KR" sz="900" dirty="0">
+              </a:endParaRPr>
+            </a:p>
+          </p:txBody>
+        </p:sp>
+        <p:sp>
+          <p:nvSpPr>
+            <p:cNvPr id="14" name="순서도: 판단 13">
+              <a:extLst>
+                <a:ext uri="{FF2B5EF4-FFF2-40B4-BE49-F238E27FC236}">
+                  <a16:creationId xmlns:a16="http://schemas.microsoft.com/office/drawing/2014/main" id="{DA4A6144-1D4B-54BA-6492-302492FB3A0B}"/>
+                </a:ext>
+              </a:extLst>
+            </p:cNvPr>
+            <p:cNvSpPr/>
+            <p:nvPr/>
+          </p:nvSpPr>
+          <p:spPr>
+            <a:xfrm>
+              <a:off x="3779955" y="2181841"/>
+              <a:ext cx="2633946" cy="685800"/>
+            </a:xfrm>
+            <a:prstGeom prst="flowChartDecision">
+              <a:avLst/>
+            </a:prstGeom>
+            <a:noFill/>
+            <a:ln w="9525" cap="flat" cmpd="sng" algn="ctr">
+              <a:solidFill>
+                <a:schemeClr val="dk1"/>
+              </a:solidFill>
+              <a:prstDash val="solid"/>
+              <a:round/>
+              <a:headEnd type="none" w="med" len="med"/>
+              <a:tailEnd type="none" w="med" len="med"/>
+            </a:ln>
+          </p:spPr>
+          <p:style>
+            <a:lnRef idx="0">
+              <a:scrgbClr r="0" g="0" b="0"/>
+            </a:lnRef>
+            <a:fillRef idx="0">
+              <a:scrgbClr r="0" g="0" b="0"/>
+            </a:fillRef>
+            <a:effectRef idx="0">
+              <a:scrgbClr r="0" g="0" b="0"/>
+            </a:effectRef>
+            <a:fontRef idx="minor">
+              <a:schemeClr val="dk1"/>
+            </a:fontRef>
+          </p:style>
+          <p:txBody>
+            <a:bodyPr rtlCol="0" anchor="ctr"/>
+            <a:lstStyle/>
+            <a:p>
+              <a:pPr algn="ctr"/>
+              <a:r>
+                <a:rPr lang="ko-KR" altLang="en-US" sz="1000" dirty="0" err="1">
+                  <a:latin typeface="Microsoft GothicNeo Light" panose="020B0300000101010101" pitchFamily="50" charset="-127"/>
+                  <a:ea typeface="Microsoft GothicNeo Light" panose="020B0300000101010101" pitchFamily="50" charset="-127"/>
+                  <a:cs typeface="Microsoft GothicNeo Light" panose="020B0300000101010101" pitchFamily="50" charset="-127"/>
+                </a:rPr>
+                <a:t>공격량</a:t>
+              </a:r>
+              <a:r>
+                <a:rPr lang="ko-KR" altLang="en-US" sz="1000" dirty="0">
+                  <a:latin typeface="Microsoft GothicNeo Light" panose="020B0300000101010101" pitchFamily="50" charset="-127"/>
+                  <a:ea typeface="Microsoft GothicNeo Light" panose="020B0300000101010101" pitchFamily="50" charset="-127"/>
+                  <a:cs typeface="Microsoft GothicNeo Light" panose="020B0300000101010101" pitchFamily="50" charset="-127"/>
+                </a:rPr>
+                <a:t> 타이머 </a:t>
+              </a:r>
+              <a:r>
+                <a:rPr lang="en-US" altLang="ko-KR" sz="1000" dirty="0">
+                  <a:latin typeface="Microsoft GothicNeo Light" panose="020B0300000101010101" pitchFamily="50" charset="-127"/>
+                  <a:ea typeface="Microsoft GothicNeo Light" panose="020B0300000101010101" pitchFamily="50" charset="-127"/>
+                  <a:cs typeface="Microsoft GothicNeo Light" panose="020B0300000101010101" pitchFamily="50" charset="-127"/>
+                </a:rPr>
+                <a:t>&gt; </a:t>
+              </a:r>
+              <a:r>
+                <a:rPr lang="ko-KR" altLang="en-US" sz="1000" dirty="0">
+                  <a:latin typeface="Microsoft GothicNeo Light" panose="020B0300000101010101" pitchFamily="50" charset="-127"/>
+                  <a:ea typeface="Microsoft GothicNeo Light" panose="020B0300000101010101" pitchFamily="50" charset="-127"/>
+                  <a:cs typeface="Microsoft GothicNeo Light" panose="020B0300000101010101" pitchFamily="50" charset="-127"/>
+                </a:rPr>
+                <a:t>기준</a:t>
+              </a:r>
+            </a:p>
+          </p:txBody>
+        </p:sp>
+        <p:sp>
+          <p:nvSpPr>
+            <p:cNvPr id="15" name="순서도: 대체 처리 14">
+              <a:extLst>
+                <a:ext uri="{FF2B5EF4-FFF2-40B4-BE49-F238E27FC236}">
+                  <a16:creationId xmlns:a16="http://schemas.microsoft.com/office/drawing/2014/main" id="{AAF56B73-C1BF-D5B0-C9E7-C0722CDB42AB}"/>
+                </a:ext>
+              </a:extLst>
+            </p:cNvPr>
+            <p:cNvSpPr/>
+            <p:nvPr/>
+          </p:nvSpPr>
+          <p:spPr>
+            <a:xfrm>
+              <a:off x="4341948" y="3017591"/>
+              <a:ext cx="1509960" cy="368058"/>
+            </a:xfrm>
+            <a:prstGeom prst="flowChartAlternateProcess">
+              <a:avLst/>
+            </a:prstGeom>
+          </p:spPr>
+          <p:style>
+            <a:lnRef idx="2">
+              <a:schemeClr val="dk1"/>
+            </a:lnRef>
+            <a:fillRef idx="1">
+              <a:schemeClr val="lt1"/>
+            </a:fillRef>
+            <a:effectRef idx="0">
+              <a:schemeClr val="dk1"/>
+            </a:effectRef>
+            <a:fontRef idx="minor">
+              <a:schemeClr val="dk1"/>
+            </a:fontRef>
+          </p:style>
+          <p:txBody>
+            <a:bodyPr rtlCol="0" anchor="ctr"/>
+            <a:lstStyle/>
+            <a:p>
+              <a:pPr algn="ctr"/>
+              <a:r>
+                <a:rPr lang="ko-KR" altLang="en-US" sz="1000" dirty="0">
+                  <a:latin typeface="Microsoft GothicNeo Light" panose="020B0300000101010101" pitchFamily="50" charset="-127"/>
+                  <a:ea typeface="Microsoft GothicNeo Light" panose="020B0300000101010101" pitchFamily="50" charset="-127"/>
+                  <a:cs typeface="Microsoft GothicNeo Light" panose="020B0300000101010101" pitchFamily="50" charset="-127"/>
+                </a:rPr>
+                <a:t>타겟 </a:t>
+              </a:r>
+              <a:r>
+                <a:rPr lang="en-US" altLang="ko-KR" sz="1000" dirty="0">
+                  <a:latin typeface="Microsoft GothicNeo Light" panose="020B0300000101010101" pitchFamily="50" charset="-127"/>
+                  <a:ea typeface="Microsoft GothicNeo Light" panose="020B0300000101010101" pitchFamily="50" charset="-127"/>
+                  <a:cs typeface="Microsoft GothicNeo Light" panose="020B0300000101010101" pitchFamily="50" charset="-127"/>
+                </a:rPr>
+                <a:t>= </a:t>
+              </a:r>
+              <a:r>
+                <a:rPr lang="ko-KR" altLang="en-US" sz="1000" dirty="0" err="1">
+                  <a:latin typeface="Microsoft GothicNeo Light" panose="020B0300000101010101" pitchFamily="50" charset="-127"/>
+                  <a:ea typeface="Microsoft GothicNeo Light" panose="020B0300000101010101" pitchFamily="50" charset="-127"/>
+                  <a:cs typeface="Microsoft GothicNeo Light" panose="020B0300000101010101" pitchFamily="50" charset="-127"/>
+                </a:rPr>
+                <a:t>공격량</a:t>
+              </a:r>
+              <a:r>
+                <a:rPr lang="ko-KR" altLang="en-US" sz="1000" dirty="0">
+                  <a:latin typeface="Microsoft GothicNeo Light" panose="020B0300000101010101" pitchFamily="50" charset="-127"/>
+                  <a:ea typeface="Microsoft GothicNeo Light" panose="020B0300000101010101" pitchFamily="50" charset="-127"/>
+                  <a:cs typeface="Microsoft GothicNeo Light" panose="020B0300000101010101" pitchFamily="50" charset="-127"/>
+                </a:rPr>
+                <a:t> 최고 유저</a:t>
+              </a:r>
+              <a:endParaRPr lang="en-US" altLang="ko-KR" sz="1000" dirty="0">
                 <a:latin typeface="Microsoft GothicNeo Light" panose="020B0300000101010101" pitchFamily="50" charset="-127"/>
                 <a:ea typeface="Microsoft GothicNeo Light" panose="020B0300000101010101" pitchFamily="50" charset="-127"/>
                 <a:cs typeface="Microsoft GothicNeo Light" panose="020B0300000101010101" pitchFamily="50" charset="-127"/>
-              </a:rPr>
-              <a:t>true</a:t>
-            </a:r>
-            <a:endParaRPr lang="ko-KR" altLang="en-US" sz="900" dirty="0">
-              <a:latin typeface="Microsoft GothicNeo Light" panose="020B0300000101010101" pitchFamily="50" charset="-127"/>
-              <a:ea typeface="Microsoft GothicNeo Light" panose="020B0300000101010101" pitchFamily="50" charset="-127"/>
-              <a:cs typeface="Microsoft GothicNeo Light" panose="020B0300000101010101" pitchFamily="50" charset="-127"/>
-            </a:endParaRPr>
-          </a:p>
-        </p:txBody>
-      </p:sp>
-      <p:sp>
-        <p:nvSpPr>
-          <p:cNvPr id="12" name="TextBox 11">
-            <a:extLst>
-              <a:ext uri="{FF2B5EF4-FFF2-40B4-BE49-F238E27FC236}">
-                <a16:creationId xmlns:a16="http://schemas.microsoft.com/office/drawing/2014/main" id="{E9E3813C-7B73-3210-5BA3-096D1392976F}"/>
-              </a:ext>
-            </a:extLst>
-          </p:cNvPr>
-          <p:cNvSpPr txBox="1"/>
-          <p:nvPr/>
-        </p:nvSpPr>
-        <p:spPr>
-          <a:xfrm>
-            <a:off x="3695125" y="4016420"/>
-            <a:ext cx="420308" cy="230832"/>
-          </a:xfrm>
-          <a:prstGeom prst="rect">
-            <a:avLst/>
-          </a:prstGeom>
-          <a:noFill/>
-        </p:spPr>
-        <p:txBody>
-          <a:bodyPr wrap="square" rtlCol="0">
-            <a:spAutoFit/>
-          </a:bodyPr>
-          <a:lstStyle/>
-          <a:p>
-            <a:r>
-              <a:rPr lang="en-US" altLang="ko-KR" sz="900" dirty="0">
+              </a:endParaRPr>
+            </a:p>
+          </p:txBody>
+        </p:sp>
+        <p:cxnSp>
+          <p:nvCxnSpPr>
+            <p:cNvPr id="16" name="직선 화살표 연결선 15">
+              <a:extLst>
+                <a:ext uri="{FF2B5EF4-FFF2-40B4-BE49-F238E27FC236}">
+                  <a16:creationId xmlns:a16="http://schemas.microsoft.com/office/drawing/2014/main" id="{29497BE4-AEB8-F2A3-B7DD-87F6E8F92E93}"/>
+                </a:ext>
+              </a:extLst>
+            </p:cNvPr>
+            <p:cNvCxnSpPr>
+              <a:cxnSpLocks/>
+              <a:stCxn id="14" idx="2"/>
+              <a:endCxn id="15" idx="0"/>
+            </p:cNvCxnSpPr>
+            <p:nvPr/>
+          </p:nvCxnSpPr>
+          <p:spPr>
+            <a:xfrm>
+              <a:off x="5096928" y="2867641"/>
+              <a:ext cx="0" cy="149950"/>
+            </a:xfrm>
+            <a:prstGeom prst="straightConnector1">
+              <a:avLst/>
+            </a:prstGeom>
+            <a:ln>
+              <a:tailEnd type="triangle"/>
+            </a:ln>
+          </p:spPr>
+          <p:style>
+            <a:lnRef idx="1">
+              <a:schemeClr val="dk1"/>
+            </a:lnRef>
+            <a:fillRef idx="0">
+              <a:schemeClr val="dk1"/>
+            </a:fillRef>
+            <a:effectRef idx="0">
+              <a:schemeClr val="dk1"/>
+            </a:effectRef>
+            <a:fontRef idx="minor">
+              <a:schemeClr val="tx1"/>
+            </a:fontRef>
+          </p:style>
+        </p:cxnSp>
+        <p:sp>
+          <p:nvSpPr>
+            <p:cNvPr id="17" name="TextBox 16">
+              <a:extLst>
+                <a:ext uri="{FF2B5EF4-FFF2-40B4-BE49-F238E27FC236}">
+                  <a16:creationId xmlns:a16="http://schemas.microsoft.com/office/drawing/2014/main" id="{121E0D0B-1195-9789-E1E6-D68A593A9F68}"/>
+                </a:ext>
+              </a:extLst>
+            </p:cNvPr>
+            <p:cNvSpPr txBox="1"/>
+            <p:nvPr/>
+          </p:nvSpPr>
+          <p:spPr>
+            <a:xfrm>
+              <a:off x="5092120" y="2812921"/>
+              <a:ext cx="394660" cy="230832"/>
+            </a:xfrm>
+            <a:prstGeom prst="rect">
+              <a:avLst/>
+            </a:prstGeom>
+            <a:noFill/>
+          </p:spPr>
+          <p:txBody>
+            <a:bodyPr wrap="none" rtlCol="0">
+              <a:spAutoFit/>
+            </a:bodyPr>
+            <a:lstStyle/>
+            <a:p>
+              <a:r>
+                <a:rPr lang="en-US" altLang="ko-KR" sz="900" dirty="0">
+                  <a:latin typeface="Microsoft GothicNeo Light" panose="020B0300000101010101" pitchFamily="50" charset="-127"/>
+                  <a:ea typeface="Microsoft GothicNeo Light" panose="020B0300000101010101" pitchFamily="50" charset="-127"/>
+                  <a:cs typeface="Microsoft GothicNeo Light" panose="020B0300000101010101" pitchFamily="50" charset="-127"/>
+                </a:rPr>
+                <a:t>true</a:t>
+              </a:r>
+              <a:endParaRPr lang="ko-KR" altLang="en-US" sz="900" dirty="0">
                 <a:latin typeface="Microsoft GothicNeo Light" panose="020B0300000101010101" pitchFamily="50" charset="-127"/>
                 <a:ea typeface="Microsoft GothicNeo Light" panose="020B0300000101010101" pitchFamily="50" charset="-127"/>
                 <a:cs typeface="Microsoft GothicNeo Light" panose="020B0300000101010101" pitchFamily="50" charset="-127"/>
-              </a:rPr>
-              <a:t>false</a:t>
-            </a:r>
-            <a:endParaRPr lang="ko-KR" altLang="en-US" sz="900" dirty="0">
-              <a:latin typeface="Microsoft GothicNeo Light" panose="020B0300000101010101" pitchFamily="50" charset="-127"/>
-              <a:ea typeface="Microsoft GothicNeo Light" panose="020B0300000101010101" pitchFamily="50" charset="-127"/>
-              <a:cs typeface="Microsoft GothicNeo Light" panose="020B0300000101010101" pitchFamily="50" charset="-127"/>
-            </a:endParaRPr>
-          </a:p>
-        </p:txBody>
-      </p:sp>
-      <p:sp>
-        <p:nvSpPr>
-          <p:cNvPr id="13" name="순서도: 대체 처리 12">
-            <a:extLst>
-              <a:ext uri="{FF2B5EF4-FFF2-40B4-BE49-F238E27FC236}">
-                <a16:creationId xmlns:a16="http://schemas.microsoft.com/office/drawing/2014/main" id="{AA921565-1973-CB00-5DD2-1B083A012CAD}"/>
-              </a:ext>
-            </a:extLst>
-          </p:cNvPr>
-          <p:cNvSpPr/>
-          <p:nvPr/>
-        </p:nvSpPr>
-        <p:spPr>
-          <a:xfrm>
-            <a:off x="1781668" y="5454083"/>
-            <a:ext cx="1509960" cy="566486"/>
-          </a:xfrm>
-          <a:prstGeom prst="flowChartAlternateProcess">
-            <a:avLst/>
-          </a:prstGeom>
-        </p:spPr>
-        <p:style>
-          <a:lnRef idx="2">
-            <a:schemeClr val="dk1"/>
-          </a:lnRef>
-          <a:fillRef idx="1">
-            <a:schemeClr val="lt1"/>
-          </a:fillRef>
-          <a:effectRef idx="0">
-            <a:schemeClr val="dk1"/>
-          </a:effectRef>
-          <a:fontRef idx="minor">
-            <a:schemeClr val="dk1"/>
-          </a:fontRef>
-        </p:style>
-        <p:txBody>
-          <a:bodyPr rtlCol="0" anchor="ctr"/>
-          <a:lstStyle/>
-          <a:p>
-            <a:pPr algn="ctr"/>
-            <a:r>
-              <a:rPr lang="ko-KR" altLang="en-US" sz="1000" dirty="0" err="1">
+              </a:endParaRPr>
+            </a:p>
+          </p:txBody>
+        </p:sp>
+        <p:cxnSp>
+          <p:nvCxnSpPr>
+            <p:cNvPr id="20" name="연결선: 꺾임 19">
+              <a:extLst>
+                <a:ext uri="{FF2B5EF4-FFF2-40B4-BE49-F238E27FC236}">
+                  <a16:creationId xmlns:a16="http://schemas.microsoft.com/office/drawing/2014/main" id="{7B4958D3-91E2-3C73-FB5E-4CDD86D3600D}"/>
+                </a:ext>
+              </a:extLst>
+            </p:cNvPr>
+            <p:cNvCxnSpPr>
+              <a:cxnSpLocks/>
+              <a:stCxn id="14" idx="3"/>
+            </p:cNvCxnSpPr>
+            <p:nvPr/>
+          </p:nvCxnSpPr>
+          <p:spPr>
+            <a:xfrm flipH="1" flipV="1">
+              <a:off x="2580602" y="1376580"/>
+              <a:ext cx="3833299" cy="1148161"/>
+            </a:xfrm>
+            <a:prstGeom prst="bentConnector3">
+              <a:avLst>
+                <a:gd name="adj1" fmla="val -5964"/>
+              </a:avLst>
+            </a:prstGeom>
+            <a:ln>
+              <a:tailEnd type="triangle"/>
+            </a:ln>
+          </p:spPr>
+          <p:style>
+            <a:lnRef idx="1">
+              <a:schemeClr val="dk1"/>
+            </a:lnRef>
+            <a:fillRef idx="0">
+              <a:schemeClr val="dk1"/>
+            </a:fillRef>
+            <a:effectRef idx="0">
+              <a:schemeClr val="dk1"/>
+            </a:effectRef>
+            <a:fontRef idx="minor">
+              <a:schemeClr val="tx1"/>
+            </a:fontRef>
+          </p:style>
+        </p:cxnSp>
+        <p:sp>
+          <p:nvSpPr>
+            <p:cNvPr id="21" name="TextBox 20">
+              <a:extLst>
+                <a:ext uri="{FF2B5EF4-FFF2-40B4-BE49-F238E27FC236}">
+                  <a16:creationId xmlns:a16="http://schemas.microsoft.com/office/drawing/2014/main" id="{A2D1C839-8C41-5B4E-82D3-C27B9066B196}"/>
+                </a:ext>
+              </a:extLst>
+            </p:cNvPr>
+            <p:cNvSpPr txBox="1"/>
+            <p:nvPr/>
+          </p:nvSpPr>
+          <p:spPr>
+            <a:xfrm>
+              <a:off x="6145873" y="2259375"/>
+              <a:ext cx="420308" cy="230832"/>
+            </a:xfrm>
+            <a:prstGeom prst="rect">
+              <a:avLst/>
+            </a:prstGeom>
+            <a:noFill/>
+          </p:spPr>
+          <p:txBody>
+            <a:bodyPr wrap="square" rtlCol="0">
+              <a:spAutoFit/>
+            </a:bodyPr>
+            <a:lstStyle/>
+            <a:p>
+              <a:r>
+                <a:rPr lang="en-US" altLang="ko-KR" sz="900" dirty="0">
+                  <a:latin typeface="Microsoft GothicNeo Light" panose="020B0300000101010101" pitchFamily="50" charset="-127"/>
+                  <a:ea typeface="Microsoft GothicNeo Light" panose="020B0300000101010101" pitchFamily="50" charset="-127"/>
+                  <a:cs typeface="Microsoft GothicNeo Light" panose="020B0300000101010101" pitchFamily="50" charset="-127"/>
+                </a:rPr>
+                <a:t>false</a:t>
+              </a:r>
+              <a:endParaRPr lang="ko-KR" altLang="en-US" sz="900" dirty="0">
                 <a:latin typeface="Microsoft GothicNeo Light" panose="020B0300000101010101" pitchFamily="50" charset="-127"/>
                 <a:ea typeface="Microsoft GothicNeo Light" panose="020B0300000101010101" pitchFamily="50" charset="-127"/>
                 <a:cs typeface="Microsoft GothicNeo Light" panose="020B0300000101010101" pitchFamily="50" charset="-127"/>
-              </a:rPr>
-              <a:t>공격량</a:t>
-            </a:r>
-            <a:r>
-              <a:rPr lang="ko-KR" altLang="en-US" sz="1000" dirty="0">
+              </a:endParaRPr>
+            </a:p>
+          </p:txBody>
+        </p:sp>
+        <p:sp>
+          <p:nvSpPr>
+            <p:cNvPr id="22" name="순서도: 대체 처리 21">
+              <a:extLst>
+                <a:ext uri="{FF2B5EF4-FFF2-40B4-BE49-F238E27FC236}">
+                  <a16:creationId xmlns:a16="http://schemas.microsoft.com/office/drawing/2014/main" id="{2046B28D-600B-1D56-233C-3166C685A398}"/>
+                </a:ext>
+              </a:extLst>
+            </p:cNvPr>
+            <p:cNvSpPr/>
+            <p:nvPr/>
+          </p:nvSpPr>
+          <p:spPr>
+            <a:xfrm>
+              <a:off x="1781668" y="4821552"/>
+              <a:ext cx="1509960" cy="368058"/>
+            </a:xfrm>
+            <a:prstGeom prst="flowChartAlternateProcess">
+              <a:avLst/>
+            </a:prstGeom>
+          </p:spPr>
+          <p:style>
+            <a:lnRef idx="2">
+              <a:schemeClr val="dk1"/>
+            </a:lnRef>
+            <a:fillRef idx="1">
+              <a:schemeClr val="lt1"/>
+            </a:fillRef>
+            <a:effectRef idx="0">
+              <a:schemeClr val="dk1"/>
+            </a:effectRef>
+            <a:fontRef idx="minor">
+              <a:schemeClr val="dk1"/>
+            </a:fontRef>
+          </p:style>
+          <p:txBody>
+            <a:bodyPr rtlCol="0" anchor="ctr"/>
+            <a:lstStyle/>
+            <a:p>
+              <a:pPr algn="ctr"/>
+              <a:r>
+                <a:rPr lang="ko-KR" altLang="en-US" sz="1000" dirty="0">
+                  <a:latin typeface="Microsoft GothicNeo Light" panose="020B0300000101010101" pitchFamily="50" charset="-127"/>
+                  <a:ea typeface="Microsoft GothicNeo Light" panose="020B0300000101010101" pitchFamily="50" charset="-127"/>
+                  <a:cs typeface="Microsoft GothicNeo Light" panose="020B0300000101010101" pitchFamily="50" charset="-127"/>
+                </a:rPr>
+                <a:t>공격</a:t>
+              </a:r>
+              <a:endParaRPr lang="en-US" altLang="ko-KR" sz="1000" dirty="0">
                 <a:latin typeface="Microsoft GothicNeo Light" panose="020B0300000101010101" pitchFamily="50" charset="-127"/>
                 <a:ea typeface="Microsoft GothicNeo Light" panose="020B0300000101010101" pitchFamily="50" charset="-127"/>
                 <a:cs typeface="Microsoft GothicNeo Light" panose="020B0300000101010101" pitchFamily="50" charset="-127"/>
-              </a:rPr>
-              <a:t> 타이머 초기화</a:t>
-            </a:r>
-            <a:endParaRPr lang="en-US" altLang="ko-KR" sz="1000" dirty="0">
-              <a:latin typeface="Microsoft GothicNeo Light" panose="020B0300000101010101" pitchFamily="50" charset="-127"/>
-              <a:ea typeface="Microsoft GothicNeo Light" panose="020B0300000101010101" pitchFamily="50" charset="-127"/>
-              <a:cs typeface="Microsoft GothicNeo Light" panose="020B0300000101010101" pitchFamily="50" charset="-127"/>
-            </a:endParaRPr>
-          </a:p>
-          <a:p>
-            <a:pPr algn="ctr"/>
-            <a:r>
-              <a:rPr lang="ko-KR" altLang="en-US" sz="1000" dirty="0" err="1">
+              </a:endParaRPr>
+            </a:p>
+          </p:txBody>
+        </p:sp>
+        <p:cxnSp>
+          <p:nvCxnSpPr>
+            <p:cNvPr id="23" name="직선 화살표 연결선 22">
+              <a:extLst>
+                <a:ext uri="{FF2B5EF4-FFF2-40B4-BE49-F238E27FC236}">
+                  <a16:creationId xmlns:a16="http://schemas.microsoft.com/office/drawing/2014/main" id="{342D7B5B-04B0-B8F4-F09E-DA805C7BABBB}"/>
+                </a:ext>
+              </a:extLst>
+            </p:cNvPr>
+            <p:cNvCxnSpPr>
+              <a:cxnSpLocks/>
+              <a:stCxn id="7" idx="2"/>
+              <a:endCxn id="22" idx="0"/>
+            </p:cNvCxnSpPr>
+            <p:nvPr/>
+          </p:nvCxnSpPr>
+          <p:spPr>
+            <a:xfrm>
+              <a:off x="2536648" y="4567253"/>
+              <a:ext cx="0" cy="254299"/>
+            </a:xfrm>
+            <a:prstGeom prst="straightConnector1">
+              <a:avLst/>
+            </a:prstGeom>
+            <a:ln>
+              <a:tailEnd type="triangle"/>
+            </a:ln>
+          </p:spPr>
+          <p:style>
+            <a:lnRef idx="1">
+              <a:schemeClr val="dk1"/>
+            </a:lnRef>
+            <a:fillRef idx="0">
+              <a:schemeClr val="dk1"/>
+            </a:fillRef>
+            <a:effectRef idx="0">
+              <a:schemeClr val="dk1"/>
+            </a:effectRef>
+            <a:fontRef idx="minor">
+              <a:schemeClr val="tx1"/>
+            </a:fontRef>
+          </p:style>
+        </p:cxnSp>
+        <p:sp>
+          <p:nvSpPr>
+            <p:cNvPr id="24" name="TextBox 23">
+              <a:extLst>
+                <a:ext uri="{FF2B5EF4-FFF2-40B4-BE49-F238E27FC236}">
+                  <a16:creationId xmlns:a16="http://schemas.microsoft.com/office/drawing/2014/main" id="{04321F73-3B31-4B30-83DF-61593DFD83BA}"/>
+                </a:ext>
+              </a:extLst>
+            </p:cNvPr>
+            <p:cNvSpPr txBox="1"/>
+            <p:nvPr/>
+          </p:nvSpPr>
+          <p:spPr>
+            <a:xfrm>
+              <a:off x="2521694" y="4567253"/>
+              <a:ext cx="394660" cy="230832"/>
+            </a:xfrm>
+            <a:prstGeom prst="rect">
+              <a:avLst/>
+            </a:prstGeom>
+            <a:noFill/>
+          </p:spPr>
+          <p:txBody>
+            <a:bodyPr wrap="none" rtlCol="0">
+              <a:spAutoFit/>
+            </a:bodyPr>
+            <a:lstStyle/>
+            <a:p>
+              <a:r>
+                <a:rPr lang="en-US" altLang="ko-KR" sz="900" dirty="0">
+                  <a:latin typeface="Microsoft GothicNeo Light" panose="020B0300000101010101" pitchFamily="50" charset="-127"/>
+                  <a:ea typeface="Microsoft GothicNeo Light" panose="020B0300000101010101" pitchFamily="50" charset="-127"/>
+                  <a:cs typeface="Microsoft GothicNeo Light" panose="020B0300000101010101" pitchFamily="50" charset="-127"/>
+                </a:rPr>
+                <a:t>true</a:t>
+              </a:r>
+              <a:endParaRPr lang="ko-KR" altLang="en-US" sz="900" dirty="0">
                 <a:latin typeface="Microsoft GothicNeo Light" panose="020B0300000101010101" pitchFamily="50" charset="-127"/>
                 <a:ea typeface="Microsoft GothicNeo Light" panose="020B0300000101010101" pitchFamily="50" charset="-127"/>
                 <a:cs typeface="Microsoft GothicNeo Light" panose="020B0300000101010101" pitchFamily="50" charset="-127"/>
-              </a:rPr>
-              <a:t>유저별</a:t>
-            </a:r>
-            <a:r>
-              <a:rPr lang="ko-KR" altLang="en-US" sz="1000" dirty="0">
-                <a:latin typeface="Microsoft GothicNeo Light" panose="020B0300000101010101" pitchFamily="50" charset="-127"/>
-                <a:ea typeface="Microsoft GothicNeo Light" panose="020B0300000101010101" pitchFamily="50" charset="-127"/>
-                <a:cs typeface="Microsoft GothicNeo Light" panose="020B0300000101010101" pitchFamily="50" charset="-127"/>
-              </a:rPr>
-              <a:t> </a:t>
-            </a:r>
-            <a:r>
-              <a:rPr lang="ko-KR" altLang="en-US" sz="1000" dirty="0" err="1">
-                <a:latin typeface="Microsoft GothicNeo Light" panose="020B0300000101010101" pitchFamily="50" charset="-127"/>
-                <a:ea typeface="Microsoft GothicNeo Light" panose="020B0300000101010101" pitchFamily="50" charset="-127"/>
-                <a:cs typeface="Microsoft GothicNeo Light" panose="020B0300000101010101" pitchFamily="50" charset="-127"/>
-              </a:rPr>
-              <a:t>공격량</a:t>
-            </a:r>
-            <a:r>
-              <a:rPr lang="ko-KR" altLang="en-US" sz="1000" dirty="0">
-                <a:latin typeface="Microsoft GothicNeo Light" panose="020B0300000101010101" pitchFamily="50" charset="-127"/>
-                <a:ea typeface="Microsoft GothicNeo Light" panose="020B0300000101010101" pitchFamily="50" charset="-127"/>
-                <a:cs typeface="Microsoft GothicNeo Light" panose="020B0300000101010101" pitchFamily="50" charset="-127"/>
-              </a:rPr>
-              <a:t> 초기화</a:t>
-            </a:r>
-            <a:endParaRPr lang="en-US" altLang="ko-KR" sz="1000" dirty="0">
-              <a:latin typeface="Microsoft GothicNeo Light" panose="020B0300000101010101" pitchFamily="50" charset="-127"/>
-              <a:ea typeface="Microsoft GothicNeo Light" panose="020B0300000101010101" pitchFamily="50" charset="-127"/>
-              <a:cs typeface="Microsoft GothicNeo Light" panose="020B0300000101010101" pitchFamily="50" charset="-127"/>
-            </a:endParaRPr>
-          </a:p>
-        </p:txBody>
-      </p:sp>
-      <p:sp>
-        <p:nvSpPr>
-          <p:cNvPr id="14" name="순서도: 판단 13">
-            <a:extLst>
-              <a:ext uri="{FF2B5EF4-FFF2-40B4-BE49-F238E27FC236}">
-                <a16:creationId xmlns:a16="http://schemas.microsoft.com/office/drawing/2014/main" id="{DA4A6144-1D4B-54BA-6492-302492FB3A0B}"/>
-              </a:ext>
-            </a:extLst>
-          </p:cNvPr>
-          <p:cNvSpPr/>
-          <p:nvPr/>
-        </p:nvSpPr>
-        <p:spPr>
-          <a:xfrm>
-            <a:off x="3779955" y="2181841"/>
-            <a:ext cx="2633946" cy="685800"/>
-          </a:xfrm>
-          <a:prstGeom prst="flowChartDecision">
-            <a:avLst/>
-          </a:prstGeom>
-          <a:noFill/>
-          <a:ln w="9525" cap="flat" cmpd="sng" algn="ctr">
-            <a:solidFill>
-              <a:schemeClr val="dk1"/>
-            </a:solidFill>
-            <a:prstDash val="solid"/>
-            <a:round/>
-            <a:headEnd type="none" w="med" len="med"/>
-            <a:tailEnd type="none" w="med" len="med"/>
-          </a:ln>
-        </p:spPr>
-        <p:style>
-          <a:lnRef idx="0">
-            <a:scrgbClr r="0" g="0" b="0"/>
-          </a:lnRef>
-          <a:fillRef idx="0">
-            <a:scrgbClr r="0" g="0" b="0"/>
-          </a:fillRef>
-          <a:effectRef idx="0">
-            <a:scrgbClr r="0" g="0" b="0"/>
-          </a:effectRef>
-          <a:fontRef idx="minor">
-            <a:schemeClr val="dk1"/>
-          </a:fontRef>
-        </p:style>
-        <p:txBody>
-          <a:bodyPr rtlCol="0" anchor="ctr"/>
-          <a:lstStyle/>
-          <a:p>
-            <a:pPr algn="ctr"/>
-            <a:r>
-              <a:rPr lang="ko-KR" altLang="en-US" sz="1000" dirty="0" err="1">
-                <a:latin typeface="Microsoft GothicNeo Light" panose="020B0300000101010101" pitchFamily="50" charset="-127"/>
-                <a:ea typeface="Microsoft GothicNeo Light" panose="020B0300000101010101" pitchFamily="50" charset="-127"/>
-                <a:cs typeface="Microsoft GothicNeo Light" panose="020B0300000101010101" pitchFamily="50" charset="-127"/>
-              </a:rPr>
-              <a:t>공격량</a:t>
-            </a:r>
-            <a:r>
-              <a:rPr lang="ko-KR" altLang="en-US" sz="1000" dirty="0">
-                <a:latin typeface="Microsoft GothicNeo Light" panose="020B0300000101010101" pitchFamily="50" charset="-127"/>
-                <a:ea typeface="Microsoft GothicNeo Light" panose="020B0300000101010101" pitchFamily="50" charset="-127"/>
-                <a:cs typeface="Microsoft GothicNeo Light" panose="020B0300000101010101" pitchFamily="50" charset="-127"/>
-              </a:rPr>
-              <a:t> 타이머 </a:t>
-            </a:r>
-            <a:r>
-              <a:rPr lang="en-US" altLang="ko-KR" sz="1000" dirty="0">
-                <a:latin typeface="Microsoft GothicNeo Light" panose="020B0300000101010101" pitchFamily="50" charset="-127"/>
-                <a:ea typeface="Microsoft GothicNeo Light" panose="020B0300000101010101" pitchFamily="50" charset="-127"/>
-                <a:cs typeface="Microsoft GothicNeo Light" panose="020B0300000101010101" pitchFamily="50" charset="-127"/>
-              </a:rPr>
-              <a:t>&gt; </a:t>
-            </a:r>
-            <a:r>
-              <a:rPr lang="ko-KR" altLang="en-US" sz="1000" dirty="0">
-                <a:latin typeface="Microsoft GothicNeo Light" panose="020B0300000101010101" pitchFamily="50" charset="-127"/>
-                <a:ea typeface="Microsoft GothicNeo Light" panose="020B0300000101010101" pitchFamily="50" charset="-127"/>
-                <a:cs typeface="Microsoft GothicNeo Light" panose="020B0300000101010101" pitchFamily="50" charset="-127"/>
-              </a:rPr>
-              <a:t>기준</a:t>
-            </a:r>
-          </a:p>
-        </p:txBody>
-      </p:sp>
-      <p:sp>
-        <p:nvSpPr>
-          <p:cNvPr id="15" name="순서도: 대체 처리 14">
-            <a:extLst>
-              <a:ext uri="{FF2B5EF4-FFF2-40B4-BE49-F238E27FC236}">
-                <a16:creationId xmlns:a16="http://schemas.microsoft.com/office/drawing/2014/main" id="{AAF56B73-C1BF-D5B0-C9E7-C0722CDB42AB}"/>
-              </a:ext>
-            </a:extLst>
-          </p:cNvPr>
-          <p:cNvSpPr/>
-          <p:nvPr/>
-        </p:nvSpPr>
-        <p:spPr>
-          <a:xfrm>
-            <a:off x="4341948" y="3017591"/>
-            <a:ext cx="1509960" cy="368058"/>
-          </a:xfrm>
-          <a:prstGeom prst="flowChartAlternateProcess">
-            <a:avLst/>
-          </a:prstGeom>
-        </p:spPr>
-        <p:style>
-          <a:lnRef idx="2">
-            <a:schemeClr val="dk1"/>
-          </a:lnRef>
-          <a:fillRef idx="1">
-            <a:schemeClr val="lt1"/>
-          </a:fillRef>
-          <a:effectRef idx="0">
-            <a:schemeClr val="dk1"/>
-          </a:effectRef>
-          <a:fontRef idx="minor">
-            <a:schemeClr val="dk1"/>
-          </a:fontRef>
-        </p:style>
-        <p:txBody>
-          <a:bodyPr rtlCol="0" anchor="ctr"/>
-          <a:lstStyle/>
-          <a:p>
-            <a:pPr algn="ctr"/>
-            <a:r>
-              <a:rPr lang="ko-KR" altLang="en-US" sz="1000" dirty="0">
-                <a:latin typeface="Microsoft GothicNeo Light" panose="020B0300000101010101" pitchFamily="50" charset="-127"/>
-                <a:ea typeface="Microsoft GothicNeo Light" panose="020B0300000101010101" pitchFamily="50" charset="-127"/>
-                <a:cs typeface="Microsoft GothicNeo Light" panose="020B0300000101010101" pitchFamily="50" charset="-127"/>
-              </a:rPr>
-              <a:t>타겟 </a:t>
-            </a:r>
-            <a:r>
-              <a:rPr lang="en-US" altLang="ko-KR" sz="1000" dirty="0">
-                <a:latin typeface="Microsoft GothicNeo Light" panose="020B0300000101010101" pitchFamily="50" charset="-127"/>
-                <a:ea typeface="Microsoft GothicNeo Light" panose="020B0300000101010101" pitchFamily="50" charset="-127"/>
-                <a:cs typeface="Microsoft GothicNeo Light" panose="020B0300000101010101" pitchFamily="50" charset="-127"/>
-              </a:rPr>
-              <a:t>= </a:t>
-            </a:r>
-            <a:r>
-              <a:rPr lang="ko-KR" altLang="en-US" sz="1000" dirty="0" err="1">
-                <a:latin typeface="Microsoft GothicNeo Light" panose="020B0300000101010101" pitchFamily="50" charset="-127"/>
-                <a:ea typeface="Microsoft GothicNeo Light" panose="020B0300000101010101" pitchFamily="50" charset="-127"/>
-                <a:cs typeface="Microsoft GothicNeo Light" panose="020B0300000101010101" pitchFamily="50" charset="-127"/>
-              </a:rPr>
-              <a:t>공격량</a:t>
-            </a:r>
-            <a:r>
-              <a:rPr lang="ko-KR" altLang="en-US" sz="1000" dirty="0">
-                <a:latin typeface="Microsoft GothicNeo Light" panose="020B0300000101010101" pitchFamily="50" charset="-127"/>
-                <a:ea typeface="Microsoft GothicNeo Light" panose="020B0300000101010101" pitchFamily="50" charset="-127"/>
-                <a:cs typeface="Microsoft GothicNeo Light" panose="020B0300000101010101" pitchFamily="50" charset="-127"/>
-              </a:rPr>
-              <a:t> 최고 유저</a:t>
-            </a:r>
-            <a:endParaRPr lang="en-US" altLang="ko-KR" sz="1000" dirty="0">
-              <a:latin typeface="Microsoft GothicNeo Light" panose="020B0300000101010101" pitchFamily="50" charset="-127"/>
-              <a:ea typeface="Microsoft GothicNeo Light" panose="020B0300000101010101" pitchFamily="50" charset="-127"/>
-              <a:cs typeface="Microsoft GothicNeo Light" panose="020B0300000101010101" pitchFamily="50" charset="-127"/>
-            </a:endParaRPr>
-          </a:p>
-        </p:txBody>
-      </p:sp>
-      <p:cxnSp>
-        <p:nvCxnSpPr>
-          <p:cNvPr id="16" name="직선 화살표 연결선 15">
-            <a:extLst>
-              <a:ext uri="{FF2B5EF4-FFF2-40B4-BE49-F238E27FC236}">
-                <a16:creationId xmlns:a16="http://schemas.microsoft.com/office/drawing/2014/main" id="{29497BE4-AEB8-F2A3-B7DD-87F6E8F92E93}"/>
-              </a:ext>
-            </a:extLst>
-          </p:cNvPr>
-          <p:cNvCxnSpPr>
-            <a:cxnSpLocks/>
-            <a:stCxn id="14" idx="2"/>
-            <a:endCxn id="15" idx="0"/>
-          </p:cNvCxnSpPr>
-          <p:nvPr/>
-        </p:nvCxnSpPr>
-        <p:spPr>
-          <a:xfrm>
-            <a:off x="5096928" y="2867641"/>
-            <a:ext cx="0" cy="149950"/>
-          </a:xfrm>
-          <a:prstGeom prst="straightConnector1">
-            <a:avLst/>
-          </a:prstGeom>
-          <a:ln>
-            <a:tailEnd type="triangle"/>
-          </a:ln>
-        </p:spPr>
-        <p:style>
-          <a:lnRef idx="1">
-            <a:schemeClr val="dk1"/>
-          </a:lnRef>
-          <a:fillRef idx="0">
-            <a:schemeClr val="dk1"/>
-          </a:fillRef>
-          <a:effectRef idx="0">
-            <a:schemeClr val="dk1"/>
-          </a:effectRef>
-          <a:fontRef idx="minor">
-            <a:schemeClr val="tx1"/>
-          </a:fontRef>
-        </p:style>
-      </p:cxnSp>
-      <p:sp>
-        <p:nvSpPr>
-          <p:cNvPr id="17" name="TextBox 16">
-            <a:extLst>
-              <a:ext uri="{FF2B5EF4-FFF2-40B4-BE49-F238E27FC236}">
-                <a16:creationId xmlns:a16="http://schemas.microsoft.com/office/drawing/2014/main" id="{121E0D0B-1195-9789-E1E6-D68A593A9F68}"/>
-              </a:ext>
-            </a:extLst>
-          </p:cNvPr>
-          <p:cNvSpPr txBox="1"/>
-          <p:nvPr/>
-        </p:nvSpPr>
-        <p:spPr>
-          <a:xfrm>
-            <a:off x="5092120" y="2812921"/>
-            <a:ext cx="394660" cy="230832"/>
-          </a:xfrm>
-          <a:prstGeom prst="rect">
-            <a:avLst/>
-          </a:prstGeom>
-          <a:noFill/>
-        </p:spPr>
-        <p:txBody>
-          <a:bodyPr wrap="none" rtlCol="0">
-            <a:spAutoFit/>
-          </a:bodyPr>
-          <a:lstStyle/>
-          <a:p>
-            <a:r>
-              <a:rPr lang="en-US" altLang="ko-KR" sz="900" dirty="0">
-                <a:latin typeface="Microsoft GothicNeo Light" panose="020B0300000101010101" pitchFamily="50" charset="-127"/>
-                <a:ea typeface="Microsoft GothicNeo Light" panose="020B0300000101010101" pitchFamily="50" charset="-127"/>
-                <a:cs typeface="Microsoft GothicNeo Light" panose="020B0300000101010101" pitchFamily="50" charset="-127"/>
-              </a:rPr>
-              <a:t>true</a:t>
-            </a:r>
-            <a:endParaRPr lang="ko-KR" altLang="en-US" sz="900" dirty="0">
-              <a:latin typeface="Microsoft GothicNeo Light" panose="020B0300000101010101" pitchFamily="50" charset="-127"/>
-              <a:ea typeface="Microsoft GothicNeo Light" panose="020B0300000101010101" pitchFamily="50" charset="-127"/>
-              <a:cs typeface="Microsoft GothicNeo Light" panose="020B0300000101010101" pitchFamily="50" charset="-127"/>
-            </a:endParaRPr>
-          </a:p>
-        </p:txBody>
-      </p:sp>
-      <p:cxnSp>
-        <p:nvCxnSpPr>
-          <p:cNvPr id="20" name="연결선: 꺾임 19">
-            <a:extLst>
-              <a:ext uri="{FF2B5EF4-FFF2-40B4-BE49-F238E27FC236}">
-                <a16:creationId xmlns:a16="http://schemas.microsoft.com/office/drawing/2014/main" id="{7B4958D3-91E2-3C73-FB5E-4CDD86D3600D}"/>
-              </a:ext>
-            </a:extLst>
-          </p:cNvPr>
-          <p:cNvCxnSpPr>
-            <a:cxnSpLocks/>
-            <a:stCxn id="14" idx="3"/>
-          </p:cNvCxnSpPr>
-          <p:nvPr/>
-        </p:nvCxnSpPr>
-        <p:spPr>
-          <a:xfrm flipH="1" flipV="1">
-            <a:off x="2580602" y="1376580"/>
-            <a:ext cx="3833299" cy="1148161"/>
-          </a:xfrm>
-          <a:prstGeom prst="bentConnector3">
-            <a:avLst>
-              <a:gd name="adj1" fmla="val -5964"/>
-            </a:avLst>
-          </a:prstGeom>
-          <a:ln>
-            <a:tailEnd type="triangle"/>
-          </a:ln>
-        </p:spPr>
-        <p:style>
-          <a:lnRef idx="1">
-            <a:schemeClr val="dk1"/>
-          </a:lnRef>
-          <a:fillRef idx="0">
-            <a:schemeClr val="dk1"/>
-          </a:fillRef>
-          <a:effectRef idx="0">
-            <a:schemeClr val="dk1"/>
-          </a:effectRef>
-          <a:fontRef idx="minor">
-            <a:schemeClr val="tx1"/>
-          </a:fontRef>
-        </p:style>
-      </p:cxnSp>
-      <p:sp>
-        <p:nvSpPr>
-          <p:cNvPr id="21" name="TextBox 20">
-            <a:extLst>
-              <a:ext uri="{FF2B5EF4-FFF2-40B4-BE49-F238E27FC236}">
-                <a16:creationId xmlns:a16="http://schemas.microsoft.com/office/drawing/2014/main" id="{A2D1C839-8C41-5B4E-82D3-C27B9066B196}"/>
-              </a:ext>
-            </a:extLst>
-          </p:cNvPr>
-          <p:cNvSpPr txBox="1"/>
-          <p:nvPr/>
-        </p:nvSpPr>
-        <p:spPr>
-          <a:xfrm>
-            <a:off x="6145873" y="2259375"/>
-            <a:ext cx="420308" cy="230832"/>
-          </a:xfrm>
-          <a:prstGeom prst="rect">
-            <a:avLst/>
-          </a:prstGeom>
-          <a:noFill/>
-        </p:spPr>
-        <p:txBody>
-          <a:bodyPr wrap="square" rtlCol="0">
-            <a:spAutoFit/>
-          </a:bodyPr>
-          <a:lstStyle/>
-          <a:p>
-            <a:r>
-              <a:rPr lang="en-US" altLang="ko-KR" sz="900" dirty="0">
-                <a:latin typeface="Microsoft GothicNeo Light" panose="020B0300000101010101" pitchFamily="50" charset="-127"/>
-                <a:ea typeface="Microsoft GothicNeo Light" panose="020B0300000101010101" pitchFamily="50" charset="-127"/>
-                <a:cs typeface="Microsoft GothicNeo Light" panose="020B0300000101010101" pitchFamily="50" charset="-127"/>
-              </a:rPr>
-              <a:t>false</a:t>
-            </a:r>
-            <a:endParaRPr lang="ko-KR" altLang="en-US" sz="900" dirty="0">
-              <a:latin typeface="Microsoft GothicNeo Light" panose="020B0300000101010101" pitchFamily="50" charset="-127"/>
-              <a:ea typeface="Microsoft GothicNeo Light" panose="020B0300000101010101" pitchFamily="50" charset="-127"/>
-              <a:cs typeface="Microsoft GothicNeo Light" panose="020B0300000101010101" pitchFamily="50" charset="-127"/>
-            </a:endParaRPr>
-          </a:p>
-        </p:txBody>
-      </p:sp>
-      <p:sp>
-        <p:nvSpPr>
-          <p:cNvPr id="22" name="순서도: 대체 처리 21">
-            <a:extLst>
-              <a:ext uri="{FF2B5EF4-FFF2-40B4-BE49-F238E27FC236}">
-                <a16:creationId xmlns:a16="http://schemas.microsoft.com/office/drawing/2014/main" id="{2046B28D-600B-1D56-233C-3166C685A398}"/>
-              </a:ext>
-            </a:extLst>
-          </p:cNvPr>
-          <p:cNvSpPr/>
-          <p:nvPr/>
-        </p:nvSpPr>
-        <p:spPr>
-          <a:xfrm>
-            <a:off x="1781668" y="4821552"/>
-            <a:ext cx="1509960" cy="368058"/>
-          </a:xfrm>
-          <a:prstGeom prst="flowChartAlternateProcess">
-            <a:avLst/>
-          </a:prstGeom>
-        </p:spPr>
-        <p:style>
-          <a:lnRef idx="2">
-            <a:schemeClr val="dk1"/>
-          </a:lnRef>
-          <a:fillRef idx="1">
-            <a:schemeClr val="lt1"/>
-          </a:fillRef>
-          <a:effectRef idx="0">
-            <a:schemeClr val="dk1"/>
-          </a:effectRef>
-          <a:fontRef idx="minor">
-            <a:schemeClr val="dk1"/>
-          </a:fontRef>
-        </p:style>
-        <p:txBody>
-          <a:bodyPr rtlCol="0" anchor="ctr"/>
-          <a:lstStyle/>
-          <a:p>
-            <a:pPr algn="ctr"/>
-            <a:r>
-              <a:rPr lang="ko-KR" altLang="en-US" sz="1000" dirty="0">
-                <a:latin typeface="Microsoft GothicNeo Light" panose="020B0300000101010101" pitchFamily="50" charset="-127"/>
-                <a:ea typeface="Microsoft GothicNeo Light" panose="020B0300000101010101" pitchFamily="50" charset="-127"/>
-                <a:cs typeface="Microsoft GothicNeo Light" panose="020B0300000101010101" pitchFamily="50" charset="-127"/>
-              </a:rPr>
-              <a:t>공격</a:t>
-            </a:r>
-            <a:endParaRPr lang="en-US" altLang="ko-KR" sz="1000" dirty="0">
-              <a:latin typeface="Microsoft GothicNeo Light" panose="020B0300000101010101" pitchFamily="50" charset="-127"/>
-              <a:ea typeface="Microsoft GothicNeo Light" panose="020B0300000101010101" pitchFamily="50" charset="-127"/>
-              <a:cs typeface="Microsoft GothicNeo Light" panose="020B0300000101010101" pitchFamily="50" charset="-127"/>
-            </a:endParaRPr>
-          </a:p>
-        </p:txBody>
-      </p:sp>
-      <p:cxnSp>
-        <p:nvCxnSpPr>
-          <p:cNvPr id="23" name="직선 화살표 연결선 22">
-            <a:extLst>
-              <a:ext uri="{FF2B5EF4-FFF2-40B4-BE49-F238E27FC236}">
-                <a16:creationId xmlns:a16="http://schemas.microsoft.com/office/drawing/2014/main" id="{342D7B5B-04B0-B8F4-F09E-DA805C7BABBB}"/>
-              </a:ext>
-            </a:extLst>
-          </p:cNvPr>
-          <p:cNvCxnSpPr>
-            <a:cxnSpLocks/>
-            <a:stCxn id="7" idx="2"/>
-            <a:endCxn id="22" idx="0"/>
-          </p:cNvCxnSpPr>
-          <p:nvPr/>
-        </p:nvCxnSpPr>
-        <p:spPr>
-          <a:xfrm>
-            <a:off x="2536648" y="4567253"/>
-            <a:ext cx="0" cy="254299"/>
-          </a:xfrm>
-          <a:prstGeom prst="straightConnector1">
-            <a:avLst/>
-          </a:prstGeom>
-          <a:ln>
-            <a:tailEnd type="triangle"/>
-          </a:ln>
-        </p:spPr>
-        <p:style>
-          <a:lnRef idx="1">
-            <a:schemeClr val="dk1"/>
-          </a:lnRef>
-          <a:fillRef idx="0">
-            <a:schemeClr val="dk1"/>
-          </a:fillRef>
-          <a:effectRef idx="0">
-            <a:schemeClr val="dk1"/>
-          </a:effectRef>
-          <a:fontRef idx="minor">
-            <a:schemeClr val="tx1"/>
-          </a:fontRef>
-        </p:style>
-      </p:cxnSp>
-      <p:sp>
-        <p:nvSpPr>
-          <p:cNvPr id="24" name="TextBox 23">
-            <a:extLst>
-              <a:ext uri="{FF2B5EF4-FFF2-40B4-BE49-F238E27FC236}">
-                <a16:creationId xmlns:a16="http://schemas.microsoft.com/office/drawing/2014/main" id="{04321F73-3B31-4B30-83DF-61593DFD83BA}"/>
-              </a:ext>
-            </a:extLst>
-          </p:cNvPr>
-          <p:cNvSpPr txBox="1"/>
-          <p:nvPr/>
-        </p:nvSpPr>
-        <p:spPr>
-          <a:xfrm>
-            <a:off x="2521694" y="4567253"/>
-            <a:ext cx="394660" cy="230832"/>
-          </a:xfrm>
-          <a:prstGeom prst="rect">
-            <a:avLst/>
-          </a:prstGeom>
-          <a:noFill/>
-        </p:spPr>
-        <p:txBody>
-          <a:bodyPr wrap="none" rtlCol="0">
-            <a:spAutoFit/>
-          </a:bodyPr>
-          <a:lstStyle/>
-          <a:p>
-            <a:r>
-              <a:rPr lang="en-US" altLang="ko-KR" sz="900" dirty="0">
-                <a:latin typeface="Microsoft GothicNeo Light" panose="020B0300000101010101" pitchFamily="50" charset="-127"/>
-                <a:ea typeface="Microsoft GothicNeo Light" panose="020B0300000101010101" pitchFamily="50" charset="-127"/>
-                <a:cs typeface="Microsoft GothicNeo Light" panose="020B0300000101010101" pitchFamily="50" charset="-127"/>
-              </a:rPr>
-              <a:t>true</a:t>
-            </a:r>
-            <a:endParaRPr lang="ko-KR" altLang="en-US" sz="900" dirty="0">
-              <a:latin typeface="Microsoft GothicNeo Light" panose="020B0300000101010101" pitchFamily="50" charset="-127"/>
-              <a:ea typeface="Microsoft GothicNeo Light" panose="020B0300000101010101" pitchFamily="50" charset="-127"/>
-              <a:cs typeface="Microsoft GothicNeo Light" panose="020B0300000101010101" pitchFamily="50" charset="-127"/>
-            </a:endParaRPr>
-          </a:p>
-        </p:txBody>
-      </p:sp>
-      <p:cxnSp>
-        <p:nvCxnSpPr>
-          <p:cNvPr id="25" name="직선 화살표 연결선 24">
-            <a:extLst>
-              <a:ext uri="{FF2B5EF4-FFF2-40B4-BE49-F238E27FC236}">
-                <a16:creationId xmlns:a16="http://schemas.microsoft.com/office/drawing/2014/main" id="{3F2AA568-1D30-5485-393F-7099098FFCC5}"/>
-              </a:ext>
-            </a:extLst>
-          </p:cNvPr>
-          <p:cNvCxnSpPr>
-            <a:cxnSpLocks/>
-            <a:stCxn id="22" idx="2"/>
-            <a:endCxn id="13" idx="0"/>
-          </p:cNvCxnSpPr>
-          <p:nvPr/>
-        </p:nvCxnSpPr>
-        <p:spPr>
-          <a:xfrm>
-            <a:off x="2536648" y="5189610"/>
-            <a:ext cx="0" cy="264473"/>
-          </a:xfrm>
-          <a:prstGeom prst="straightConnector1">
-            <a:avLst/>
-          </a:prstGeom>
-          <a:ln>
-            <a:tailEnd type="triangle"/>
-          </a:ln>
-        </p:spPr>
-        <p:style>
-          <a:lnRef idx="1">
-            <a:schemeClr val="dk1"/>
-          </a:lnRef>
-          <a:fillRef idx="0">
-            <a:schemeClr val="dk1"/>
-          </a:fillRef>
-          <a:effectRef idx="0">
-            <a:schemeClr val="dk1"/>
-          </a:effectRef>
-          <a:fontRef idx="minor">
-            <a:schemeClr val="tx1"/>
-          </a:fontRef>
-        </p:style>
-      </p:cxnSp>
-      <p:cxnSp>
-        <p:nvCxnSpPr>
-          <p:cNvPr id="26" name="연결선: 꺾임 25">
-            <a:extLst>
-              <a:ext uri="{FF2B5EF4-FFF2-40B4-BE49-F238E27FC236}">
-                <a16:creationId xmlns:a16="http://schemas.microsoft.com/office/drawing/2014/main" id="{6F3E8D6A-1BCB-68F8-51CB-F0FB414532CC}"/>
-              </a:ext>
-            </a:extLst>
-          </p:cNvPr>
-          <p:cNvCxnSpPr>
-            <a:cxnSpLocks/>
-            <a:stCxn id="9" idx="3"/>
-          </p:cNvCxnSpPr>
-          <p:nvPr/>
-        </p:nvCxnSpPr>
-        <p:spPr>
-          <a:xfrm flipV="1">
-            <a:off x="5602821" y="3650621"/>
-            <a:ext cx="994489" cy="575955"/>
-          </a:xfrm>
-          <a:prstGeom prst="bentConnector3">
-            <a:avLst>
-              <a:gd name="adj1" fmla="val 99914"/>
-            </a:avLst>
-          </a:prstGeom>
-          <a:ln>
-            <a:tailEnd type="triangle"/>
-          </a:ln>
-        </p:spPr>
-        <p:style>
-          <a:lnRef idx="1">
-            <a:schemeClr val="dk1"/>
-          </a:lnRef>
-          <a:fillRef idx="0">
-            <a:schemeClr val="dk1"/>
-          </a:fillRef>
-          <a:effectRef idx="0">
-            <a:schemeClr val="dk1"/>
-          </a:effectRef>
-          <a:fontRef idx="minor">
-            <a:schemeClr val="tx1"/>
-          </a:fontRef>
-        </p:style>
-      </p:cxnSp>
-      <p:cxnSp>
-        <p:nvCxnSpPr>
-          <p:cNvPr id="31" name="직선 화살표 연결선 30">
-            <a:extLst>
-              <a:ext uri="{FF2B5EF4-FFF2-40B4-BE49-F238E27FC236}">
-                <a16:creationId xmlns:a16="http://schemas.microsoft.com/office/drawing/2014/main" id="{37F9754A-5602-2E42-5C3F-F3EC62E40479}"/>
-              </a:ext>
-            </a:extLst>
-          </p:cNvPr>
-          <p:cNvCxnSpPr>
-            <a:cxnSpLocks/>
-            <a:stCxn id="3" idx="2"/>
-            <a:endCxn id="4" idx="0"/>
-          </p:cNvCxnSpPr>
-          <p:nvPr/>
-        </p:nvCxnSpPr>
-        <p:spPr>
-          <a:xfrm>
-            <a:off x="2536648" y="1160287"/>
-            <a:ext cx="0" cy="395887"/>
-          </a:xfrm>
-          <a:prstGeom prst="straightConnector1">
-            <a:avLst/>
-          </a:prstGeom>
-          <a:ln>
-            <a:tailEnd type="triangle"/>
-          </a:ln>
-        </p:spPr>
-        <p:style>
-          <a:lnRef idx="1">
-            <a:schemeClr val="dk1"/>
-          </a:lnRef>
-          <a:fillRef idx="0">
-            <a:schemeClr val="dk1"/>
-          </a:fillRef>
-          <a:effectRef idx="0">
-            <a:schemeClr val="dk1"/>
-          </a:effectRef>
-          <a:fontRef idx="minor">
-            <a:schemeClr val="tx1"/>
-          </a:fontRef>
-        </p:style>
-      </p:cxnSp>
-      <p:cxnSp>
-        <p:nvCxnSpPr>
-          <p:cNvPr id="36" name="연결선: 꺾임 35">
-            <a:extLst>
-              <a:ext uri="{FF2B5EF4-FFF2-40B4-BE49-F238E27FC236}">
-                <a16:creationId xmlns:a16="http://schemas.microsoft.com/office/drawing/2014/main" id="{A3D5F136-3EF9-AEB1-E35B-A538089B9967}"/>
-              </a:ext>
-            </a:extLst>
-          </p:cNvPr>
-          <p:cNvCxnSpPr>
-            <a:cxnSpLocks/>
-            <a:stCxn id="15" idx="2"/>
-          </p:cNvCxnSpPr>
-          <p:nvPr/>
-        </p:nvCxnSpPr>
-        <p:spPr>
-          <a:xfrm rot="5400000" flipH="1" flipV="1">
-            <a:off x="5431551" y="2215121"/>
-            <a:ext cx="835905" cy="1505152"/>
-          </a:xfrm>
-          <a:prstGeom prst="bentConnector4">
-            <a:avLst>
-              <a:gd name="adj1" fmla="val -27348"/>
-              <a:gd name="adj2" fmla="val 99959"/>
-            </a:avLst>
-          </a:prstGeom>
-          <a:ln>
-            <a:tailEnd type="triangle"/>
-          </a:ln>
-        </p:spPr>
-        <p:style>
-          <a:lnRef idx="1">
-            <a:schemeClr val="dk1"/>
-          </a:lnRef>
-          <a:fillRef idx="0">
-            <a:schemeClr val="dk1"/>
-          </a:fillRef>
-          <a:effectRef idx="0">
-            <a:schemeClr val="dk1"/>
-          </a:effectRef>
-          <a:fontRef idx="minor">
-            <a:schemeClr val="tx1"/>
-          </a:fontRef>
-        </p:style>
-      </p:cxnSp>
-      <p:sp>
-        <p:nvSpPr>
-          <p:cNvPr id="58" name="순서도: 대체 처리 57">
-            <a:extLst>
-              <a:ext uri="{FF2B5EF4-FFF2-40B4-BE49-F238E27FC236}">
-                <a16:creationId xmlns:a16="http://schemas.microsoft.com/office/drawing/2014/main" id="{F169F5B7-D5C9-2D30-1138-1FD9AF0D85F5}"/>
-              </a:ext>
-            </a:extLst>
-          </p:cNvPr>
-          <p:cNvSpPr/>
-          <p:nvPr/>
-        </p:nvSpPr>
-        <p:spPr>
-          <a:xfrm>
-            <a:off x="1781668" y="6285042"/>
-            <a:ext cx="1509960" cy="336884"/>
-          </a:xfrm>
-          <a:prstGeom prst="flowChartAlternateProcess">
-            <a:avLst/>
-          </a:prstGeom>
-        </p:spPr>
-        <p:style>
-          <a:lnRef idx="2">
-            <a:schemeClr val="dk1"/>
-          </a:lnRef>
-          <a:fillRef idx="1">
-            <a:schemeClr val="lt1"/>
-          </a:fillRef>
-          <a:effectRef idx="0">
-            <a:schemeClr val="dk1"/>
-          </a:effectRef>
-          <a:fontRef idx="minor">
-            <a:schemeClr val="dk1"/>
-          </a:fontRef>
-        </p:style>
-        <p:txBody>
-          <a:bodyPr rtlCol="0" anchor="ctr"/>
-          <a:lstStyle/>
-          <a:p>
-            <a:pPr algn="ctr"/>
-            <a:r>
-              <a:rPr lang="ko-KR" altLang="en-US" sz="1000" dirty="0">
-                <a:latin typeface="Microsoft GothicNeo Light" panose="020B0300000101010101" pitchFamily="50" charset="-127"/>
-                <a:ea typeface="Microsoft GothicNeo Light" panose="020B0300000101010101" pitchFamily="50" charset="-127"/>
-                <a:cs typeface="Microsoft GothicNeo Light" panose="020B0300000101010101" pitchFamily="50" charset="-127"/>
-              </a:rPr>
-              <a:t>진입</a:t>
-            </a:r>
-          </a:p>
-        </p:txBody>
-      </p:sp>
-      <p:cxnSp>
-        <p:nvCxnSpPr>
-          <p:cNvPr id="59" name="직선 화살표 연결선 58">
-            <a:extLst>
-              <a:ext uri="{FF2B5EF4-FFF2-40B4-BE49-F238E27FC236}">
-                <a16:creationId xmlns:a16="http://schemas.microsoft.com/office/drawing/2014/main" id="{0AC1FE58-DCCA-CFF7-A482-126367F63758}"/>
-              </a:ext>
-            </a:extLst>
-          </p:cNvPr>
-          <p:cNvCxnSpPr>
-            <a:cxnSpLocks/>
-            <a:stCxn id="13" idx="2"/>
-            <a:endCxn id="58" idx="0"/>
-          </p:cNvCxnSpPr>
-          <p:nvPr/>
-        </p:nvCxnSpPr>
-        <p:spPr>
-          <a:xfrm>
-            <a:off x="2536648" y="6020569"/>
-            <a:ext cx="0" cy="264473"/>
-          </a:xfrm>
-          <a:prstGeom prst="straightConnector1">
-            <a:avLst/>
-          </a:prstGeom>
-          <a:ln>
-            <a:tailEnd type="triangle"/>
-          </a:ln>
-        </p:spPr>
-        <p:style>
-          <a:lnRef idx="1">
-            <a:schemeClr val="dk1"/>
-          </a:lnRef>
-          <a:fillRef idx="0">
-            <a:schemeClr val="dk1"/>
-          </a:fillRef>
-          <a:effectRef idx="0">
-            <a:schemeClr val="dk1"/>
-          </a:effectRef>
-          <a:fontRef idx="minor">
-            <a:schemeClr val="tx1"/>
-          </a:fontRef>
-        </p:style>
-      </p:cxnSp>
+              </a:endParaRPr>
+            </a:p>
+          </p:txBody>
+        </p:sp>
+        <p:cxnSp>
+          <p:nvCxnSpPr>
+            <p:cNvPr id="25" name="직선 화살표 연결선 24">
+              <a:extLst>
+                <a:ext uri="{FF2B5EF4-FFF2-40B4-BE49-F238E27FC236}">
+                  <a16:creationId xmlns:a16="http://schemas.microsoft.com/office/drawing/2014/main" id="{3F2AA568-1D30-5485-393F-7099098FFCC5}"/>
+                </a:ext>
+              </a:extLst>
+            </p:cNvPr>
+            <p:cNvCxnSpPr>
+              <a:cxnSpLocks/>
+              <a:stCxn id="22" idx="2"/>
+              <a:endCxn id="13" idx="0"/>
+            </p:cNvCxnSpPr>
+            <p:nvPr/>
+          </p:nvCxnSpPr>
+          <p:spPr>
+            <a:xfrm>
+              <a:off x="2536648" y="5189610"/>
+              <a:ext cx="0" cy="264473"/>
+            </a:xfrm>
+            <a:prstGeom prst="straightConnector1">
+              <a:avLst/>
+            </a:prstGeom>
+            <a:ln>
+              <a:tailEnd type="triangle"/>
+            </a:ln>
+          </p:spPr>
+          <p:style>
+            <a:lnRef idx="1">
+              <a:schemeClr val="dk1"/>
+            </a:lnRef>
+            <a:fillRef idx="0">
+              <a:schemeClr val="dk1"/>
+            </a:fillRef>
+            <a:effectRef idx="0">
+              <a:schemeClr val="dk1"/>
+            </a:effectRef>
+            <a:fontRef idx="minor">
+              <a:schemeClr val="tx1"/>
+            </a:fontRef>
+          </p:style>
+        </p:cxnSp>
+        <p:cxnSp>
+          <p:nvCxnSpPr>
+            <p:cNvPr id="26" name="연결선: 꺾임 25">
+              <a:extLst>
+                <a:ext uri="{FF2B5EF4-FFF2-40B4-BE49-F238E27FC236}">
+                  <a16:creationId xmlns:a16="http://schemas.microsoft.com/office/drawing/2014/main" id="{6F3E8D6A-1BCB-68F8-51CB-F0FB414532CC}"/>
+                </a:ext>
+              </a:extLst>
+            </p:cNvPr>
+            <p:cNvCxnSpPr>
+              <a:cxnSpLocks/>
+              <a:stCxn id="9" idx="3"/>
+            </p:cNvCxnSpPr>
+            <p:nvPr/>
+          </p:nvCxnSpPr>
+          <p:spPr>
+            <a:xfrm flipV="1">
+              <a:off x="5602821" y="3650621"/>
+              <a:ext cx="994489" cy="575955"/>
+            </a:xfrm>
+            <a:prstGeom prst="bentConnector3">
+              <a:avLst>
+                <a:gd name="adj1" fmla="val 99914"/>
+              </a:avLst>
+            </a:prstGeom>
+            <a:ln>
+              <a:tailEnd type="triangle"/>
+            </a:ln>
+          </p:spPr>
+          <p:style>
+            <a:lnRef idx="1">
+              <a:schemeClr val="dk1"/>
+            </a:lnRef>
+            <a:fillRef idx="0">
+              <a:schemeClr val="dk1"/>
+            </a:fillRef>
+            <a:effectRef idx="0">
+              <a:schemeClr val="dk1"/>
+            </a:effectRef>
+            <a:fontRef idx="minor">
+              <a:schemeClr val="tx1"/>
+            </a:fontRef>
+          </p:style>
+        </p:cxnSp>
+        <p:cxnSp>
+          <p:nvCxnSpPr>
+            <p:cNvPr id="31" name="직선 화살표 연결선 30">
+              <a:extLst>
+                <a:ext uri="{FF2B5EF4-FFF2-40B4-BE49-F238E27FC236}">
+                  <a16:creationId xmlns:a16="http://schemas.microsoft.com/office/drawing/2014/main" id="{37F9754A-5602-2E42-5C3F-F3EC62E40479}"/>
+                </a:ext>
+              </a:extLst>
+            </p:cNvPr>
+            <p:cNvCxnSpPr>
+              <a:cxnSpLocks/>
+              <a:stCxn id="3" idx="2"/>
+              <a:endCxn id="4" idx="0"/>
+            </p:cNvCxnSpPr>
+            <p:nvPr/>
+          </p:nvCxnSpPr>
+          <p:spPr>
+            <a:xfrm>
+              <a:off x="2536648" y="1160287"/>
+              <a:ext cx="0" cy="395887"/>
+            </a:xfrm>
+            <a:prstGeom prst="straightConnector1">
+              <a:avLst/>
+            </a:prstGeom>
+            <a:ln>
+              <a:tailEnd type="triangle"/>
+            </a:ln>
+          </p:spPr>
+          <p:style>
+            <a:lnRef idx="1">
+              <a:schemeClr val="dk1"/>
+            </a:lnRef>
+            <a:fillRef idx="0">
+              <a:schemeClr val="dk1"/>
+            </a:fillRef>
+            <a:effectRef idx="0">
+              <a:schemeClr val="dk1"/>
+            </a:effectRef>
+            <a:fontRef idx="minor">
+              <a:schemeClr val="tx1"/>
+            </a:fontRef>
+          </p:style>
+        </p:cxnSp>
+        <p:cxnSp>
+          <p:nvCxnSpPr>
+            <p:cNvPr id="36" name="연결선: 꺾임 35">
+              <a:extLst>
+                <a:ext uri="{FF2B5EF4-FFF2-40B4-BE49-F238E27FC236}">
+                  <a16:creationId xmlns:a16="http://schemas.microsoft.com/office/drawing/2014/main" id="{A3D5F136-3EF9-AEB1-E35B-A538089B9967}"/>
+                </a:ext>
+              </a:extLst>
+            </p:cNvPr>
+            <p:cNvCxnSpPr>
+              <a:cxnSpLocks/>
+              <a:stCxn id="15" idx="2"/>
+            </p:cNvCxnSpPr>
+            <p:nvPr/>
+          </p:nvCxnSpPr>
+          <p:spPr>
+            <a:xfrm rot="5400000" flipH="1" flipV="1">
+              <a:off x="5431551" y="2215121"/>
+              <a:ext cx="835905" cy="1505152"/>
+            </a:xfrm>
+            <a:prstGeom prst="bentConnector4">
+              <a:avLst>
+                <a:gd name="adj1" fmla="val -27348"/>
+                <a:gd name="adj2" fmla="val 99959"/>
+              </a:avLst>
+            </a:prstGeom>
+            <a:ln>
+              <a:tailEnd type="triangle"/>
+            </a:ln>
+          </p:spPr>
+          <p:style>
+            <a:lnRef idx="1">
+              <a:schemeClr val="dk1"/>
+            </a:lnRef>
+            <a:fillRef idx="0">
+              <a:schemeClr val="dk1"/>
+            </a:fillRef>
+            <a:effectRef idx="0">
+              <a:schemeClr val="dk1"/>
+            </a:effectRef>
+            <a:fontRef idx="minor">
+              <a:schemeClr val="tx1"/>
+            </a:fontRef>
+          </p:style>
+        </p:cxnSp>
+        <p:sp>
+          <p:nvSpPr>
+            <p:cNvPr id="58" name="순서도: 대체 처리 57">
+              <a:extLst>
+                <a:ext uri="{FF2B5EF4-FFF2-40B4-BE49-F238E27FC236}">
+                  <a16:creationId xmlns:a16="http://schemas.microsoft.com/office/drawing/2014/main" id="{F169F5B7-D5C9-2D30-1138-1FD9AF0D85F5}"/>
+                </a:ext>
+              </a:extLst>
+            </p:cNvPr>
+            <p:cNvSpPr/>
+            <p:nvPr/>
+          </p:nvSpPr>
+          <p:spPr>
+            <a:xfrm>
+              <a:off x="1781668" y="6285042"/>
+              <a:ext cx="1509960" cy="336884"/>
+            </a:xfrm>
+            <a:prstGeom prst="flowChartAlternateProcess">
+              <a:avLst/>
+            </a:prstGeom>
+          </p:spPr>
+          <p:style>
+            <a:lnRef idx="2">
+              <a:schemeClr val="dk1"/>
+            </a:lnRef>
+            <a:fillRef idx="1">
+              <a:schemeClr val="lt1"/>
+            </a:fillRef>
+            <a:effectRef idx="0">
+              <a:schemeClr val="dk1"/>
+            </a:effectRef>
+            <a:fontRef idx="minor">
+              <a:schemeClr val="dk1"/>
+            </a:fontRef>
+          </p:style>
+          <p:txBody>
+            <a:bodyPr rtlCol="0" anchor="ctr"/>
+            <a:lstStyle/>
+            <a:p>
+              <a:pPr algn="ctr"/>
+              <a:r>
+                <a:rPr lang="ko-KR" altLang="en-US" sz="1000" dirty="0">
+                  <a:latin typeface="Microsoft GothicNeo Light" panose="020B0300000101010101" pitchFamily="50" charset="-127"/>
+                  <a:ea typeface="Microsoft GothicNeo Light" panose="020B0300000101010101" pitchFamily="50" charset="-127"/>
+                  <a:cs typeface="Microsoft GothicNeo Light" panose="020B0300000101010101" pitchFamily="50" charset="-127"/>
+                </a:rPr>
+                <a:t>기본공격 끝</a:t>
+              </a:r>
+            </a:p>
+          </p:txBody>
+        </p:sp>
+        <p:cxnSp>
+          <p:nvCxnSpPr>
+            <p:cNvPr id="59" name="직선 화살표 연결선 58">
+              <a:extLst>
+                <a:ext uri="{FF2B5EF4-FFF2-40B4-BE49-F238E27FC236}">
+                  <a16:creationId xmlns:a16="http://schemas.microsoft.com/office/drawing/2014/main" id="{0AC1FE58-DCCA-CFF7-A482-126367F63758}"/>
+                </a:ext>
+              </a:extLst>
+            </p:cNvPr>
+            <p:cNvCxnSpPr>
+              <a:cxnSpLocks/>
+              <a:stCxn id="13" idx="2"/>
+              <a:endCxn id="58" idx="0"/>
+            </p:cNvCxnSpPr>
+            <p:nvPr/>
+          </p:nvCxnSpPr>
+          <p:spPr>
+            <a:xfrm>
+              <a:off x="2536648" y="6020569"/>
+              <a:ext cx="0" cy="264473"/>
+            </a:xfrm>
+            <a:prstGeom prst="straightConnector1">
+              <a:avLst/>
+            </a:prstGeom>
+            <a:ln>
+              <a:tailEnd type="triangle"/>
+            </a:ln>
+          </p:spPr>
+          <p:style>
+            <a:lnRef idx="1">
+              <a:schemeClr val="dk1"/>
+            </a:lnRef>
+            <a:fillRef idx="0">
+              <a:schemeClr val="dk1"/>
+            </a:fillRef>
+            <a:effectRef idx="0">
+              <a:schemeClr val="dk1"/>
+            </a:effectRef>
+            <a:fontRef idx="minor">
+              <a:schemeClr val="tx1"/>
+            </a:fontRef>
+          </p:style>
+        </p:cxnSp>
+      </p:grpSp>
     </p:spTree>
     <p:extLst>
       <p:ext uri="{BB962C8B-B14F-4D97-AF65-F5344CB8AC3E}">
